--- a/docs/Pictures for blog.pptx
+++ b/docs/Pictures for blog.pptx
@@ -5,21 +5,22 @@
     <p:sldMasterId id="2147483648" r:id="rId2"/>
   </p:sldMasterIdLst>
   <p:notesMasterIdLst>
-    <p:notesMasterId r:id="rId12"/>
+    <p:notesMasterId r:id="rId13"/>
   </p:notesMasterIdLst>
   <p:handoutMasterIdLst>
-    <p:handoutMasterId r:id="rId13"/>
+    <p:handoutMasterId r:id="rId14"/>
   </p:handoutMasterIdLst>
   <p:sldIdLst>
     <p:sldId id="257" r:id="rId3"/>
-    <p:sldId id="264" r:id="rId4"/>
-    <p:sldId id="263" r:id="rId5"/>
-    <p:sldId id="262" r:id="rId6"/>
-    <p:sldId id="261" r:id="rId7"/>
-    <p:sldId id="260" r:id="rId8"/>
-    <p:sldId id="259" r:id="rId9"/>
-    <p:sldId id="258" r:id="rId10"/>
-    <p:sldId id="256" r:id="rId11"/>
+    <p:sldId id="265" r:id="rId4"/>
+    <p:sldId id="264" r:id="rId5"/>
+    <p:sldId id="263" r:id="rId6"/>
+    <p:sldId id="262" r:id="rId7"/>
+    <p:sldId id="261" r:id="rId8"/>
+    <p:sldId id="260" r:id="rId9"/>
+    <p:sldId id="259" r:id="rId10"/>
+    <p:sldId id="258" r:id="rId11"/>
+    <p:sldId id="256" r:id="rId12"/>
   </p:sldIdLst>
   <p:sldSz cx="12192000" cy="6858000"/>
   <p:notesSz cx="6858000" cy="9144000"/>
@@ -224,7 +225,7 @@
           <a:p>
             <a:fld id="{85F6B539-82EF-4B0A-81D6-A7AC15FDDE32}" type="datetimeFigureOut">
               <a:rPr lang="en-US" smtClean="0"/>
-              <a:t>8/27/2019</a:t>
+              <a:t>9/4/2019</a:t>
             </a:fld>
             <a:endParaRPr lang="en-US"/>
           </a:p>
@@ -401,7 +402,7 @@
           <a:p>
             <a:fld id="{DF849A96-36CF-49A5-9A4F-E58C3FF49857}" type="datetimeFigureOut">
               <a:rPr lang="en-US" smtClean="0"/>
-              <a:t>8/27/2019</a:t>
+              <a:t>9/4/2019</a:t>
             </a:fld>
             <a:endParaRPr lang="en-US"/>
           </a:p>
@@ -791,6 +792,128 @@
 </p:notes>
 </file>
 
+<file path=ppt/notesSlides/notesSlide10.xml><?xml version="1.0" encoding="utf-8"?>
+<p:notes xmlns:a="http://schemas.openxmlformats.org/drawingml/2006/main" xmlns:r="http://schemas.openxmlformats.org/officeDocument/2006/relationships" xmlns:p="http://schemas.openxmlformats.org/presentationml/2006/main">
+  <p:cSld>
+    <p:spTree>
+      <p:nvGrpSpPr>
+        <p:cNvPr id="1" name=""/>
+        <p:cNvGrpSpPr/>
+        <p:nvPr/>
+      </p:nvGrpSpPr>
+      <p:grpSpPr>
+        <a:xfrm>
+          <a:off x="0" y="0"/>
+          <a:ext cx="0" cy="0"/>
+          <a:chOff x="0" y="0"/>
+          <a:chExt cx="0" cy="0"/>
+        </a:xfrm>
+      </p:grpSpPr>
+      <p:sp>
+        <p:nvSpPr>
+          <p:cNvPr id="2" name="Slide Image Placeholder 1"/>
+          <p:cNvSpPr>
+            <a:spLocks noGrp="1" noRot="1" noChangeAspect="1"/>
+          </p:cNvSpPr>
+          <p:nvPr>
+            <p:ph type="sldImg"/>
+          </p:nvPr>
+        </p:nvSpPr>
+        <p:spPr/>
+      </p:sp>
+      <p:sp>
+        <p:nvSpPr>
+          <p:cNvPr id="3" name="Notes Placeholder 2"/>
+          <p:cNvSpPr>
+            <a:spLocks noGrp="1"/>
+          </p:cNvSpPr>
+          <p:nvPr>
+            <p:ph type="body" idx="1"/>
+          </p:nvPr>
+        </p:nvSpPr>
+        <p:spPr/>
+        <p:txBody>
+          <a:bodyPr/>
+          <a:lstStyle/>
+          <a:p>
+            <a:endParaRPr lang="en-US"/>
+          </a:p>
+        </p:txBody>
+      </p:sp>
+      <p:sp>
+        <p:nvSpPr>
+          <p:cNvPr id="4" name="Header Placeholder 3"/>
+          <p:cNvSpPr>
+            <a:spLocks noGrp="1"/>
+          </p:cNvSpPr>
+          <p:nvPr>
+            <p:ph type="hdr" sz="quarter"/>
+          </p:nvPr>
+        </p:nvSpPr>
+        <p:spPr/>
+        <p:txBody>
+          <a:bodyPr/>
+          <a:lstStyle/>
+          <a:p>
+            <a:endParaRPr lang="en-US"/>
+          </a:p>
+        </p:txBody>
+      </p:sp>
+      <p:sp>
+        <p:nvSpPr>
+          <p:cNvPr id="5" name="Footer Placeholder 4"/>
+          <p:cNvSpPr>
+            <a:spLocks noGrp="1"/>
+          </p:cNvSpPr>
+          <p:nvPr>
+            <p:ph type="ftr" sz="quarter" idx="4"/>
+          </p:nvPr>
+        </p:nvSpPr>
+        <p:spPr/>
+        <p:txBody>
+          <a:bodyPr/>
+          <a:lstStyle/>
+          <a:p>
+            <a:endParaRPr lang="en-US"/>
+          </a:p>
+        </p:txBody>
+      </p:sp>
+      <p:sp>
+        <p:nvSpPr>
+          <p:cNvPr id="6" name="Slide Number Placeholder 5"/>
+          <p:cNvSpPr>
+            <a:spLocks noGrp="1"/>
+          </p:cNvSpPr>
+          <p:nvPr>
+            <p:ph type="sldNum" sz="quarter" idx="5"/>
+          </p:nvPr>
+        </p:nvSpPr>
+        <p:spPr/>
+        <p:txBody>
+          <a:bodyPr/>
+          <a:lstStyle/>
+          <a:p>
+            <a:fld id="{FC1513FD-C785-4211-B2B0-BF864DB9E391}" type="slidenum">
+              <a:rPr lang="en-US" smtClean="0"/>
+              <a:t>10</a:t>
+            </a:fld>
+            <a:endParaRPr lang="en-US"/>
+          </a:p>
+        </p:txBody>
+      </p:sp>
+    </p:spTree>
+    <p:extLst>
+      <p:ext uri="{BB962C8B-B14F-4D97-AF65-F5344CB8AC3E}">
+        <p14:creationId xmlns:p14="http://schemas.microsoft.com/office/powerpoint/2010/main" val="2360331614"/>
+      </p:ext>
+    </p:extLst>
+  </p:cSld>
+  <p:clrMapOvr>
+    <a:masterClrMapping/>
+  </p:clrMapOvr>
+</p:notes>
+</file>
+
 <file path=ppt/notesSlides/notesSlide2.xml><?xml version="1.0" encoding="utf-8"?>
 <p:notes xmlns:a="http://schemas.openxmlformats.org/drawingml/2006/main" xmlns:r="http://schemas.openxmlformats.org/officeDocument/2006/relationships" xmlns:p="http://schemas.openxmlformats.org/presentationml/2006/main">
   <p:cSld>
@@ -903,7 +1026,7 @@
     </p:spTree>
     <p:extLst>
       <p:ext uri="{BB962C8B-B14F-4D97-AF65-F5344CB8AC3E}">
-        <p14:creationId xmlns:p14="http://schemas.microsoft.com/office/powerpoint/2010/main" val="1692428442"/>
+        <p14:creationId xmlns:p14="http://schemas.microsoft.com/office/powerpoint/2010/main" val="2962446545"/>
       </p:ext>
     </p:extLst>
   </p:cSld>
@@ -1025,7 +1148,7 @@
     </p:spTree>
     <p:extLst>
       <p:ext uri="{BB962C8B-B14F-4D97-AF65-F5344CB8AC3E}">
-        <p14:creationId xmlns:p14="http://schemas.microsoft.com/office/powerpoint/2010/main" val="713017731"/>
+        <p14:creationId xmlns:p14="http://schemas.microsoft.com/office/powerpoint/2010/main" val="1692428442"/>
       </p:ext>
     </p:extLst>
   </p:cSld>
@@ -1147,7 +1270,7 @@
     </p:spTree>
     <p:extLst>
       <p:ext uri="{BB962C8B-B14F-4D97-AF65-F5344CB8AC3E}">
-        <p14:creationId xmlns:p14="http://schemas.microsoft.com/office/powerpoint/2010/main" val="1147223370"/>
+        <p14:creationId xmlns:p14="http://schemas.microsoft.com/office/powerpoint/2010/main" val="713017731"/>
       </p:ext>
     </p:extLst>
   </p:cSld>
@@ -1269,7 +1392,7 @@
     </p:spTree>
     <p:extLst>
       <p:ext uri="{BB962C8B-B14F-4D97-AF65-F5344CB8AC3E}">
-        <p14:creationId xmlns:p14="http://schemas.microsoft.com/office/powerpoint/2010/main" val="877862846"/>
+        <p14:creationId xmlns:p14="http://schemas.microsoft.com/office/powerpoint/2010/main" val="1147223370"/>
       </p:ext>
     </p:extLst>
   </p:cSld>
@@ -1391,7 +1514,7 @@
     </p:spTree>
     <p:extLst>
       <p:ext uri="{BB962C8B-B14F-4D97-AF65-F5344CB8AC3E}">
-        <p14:creationId xmlns:p14="http://schemas.microsoft.com/office/powerpoint/2010/main" val="418226113"/>
+        <p14:creationId xmlns:p14="http://schemas.microsoft.com/office/powerpoint/2010/main" val="877862846"/>
       </p:ext>
     </p:extLst>
   </p:cSld>
@@ -1513,7 +1636,7 @@
     </p:spTree>
     <p:extLst>
       <p:ext uri="{BB962C8B-B14F-4D97-AF65-F5344CB8AC3E}">
-        <p14:creationId xmlns:p14="http://schemas.microsoft.com/office/powerpoint/2010/main" val="2883995183"/>
+        <p14:creationId xmlns:p14="http://schemas.microsoft.com/office/powerpoint/2010/main" val="418226113"/>
       </p:ext>
     </p:extLst>
   </p:cSld>
@@ -1635,7 +1758,7 @@
     </p:spTree>
     <p:extLst>
       <p:ext uri="{BB962C8B-B14F-4D97-AF65-F5344CB8AC3E}">
-        <p14:creationId xmlns:p14="http://schemas.microsoft.com/office/powerpoint/2010/main" val="4199135739"/>
+        <p14:creationId xmlns:p14="http://schemas.microsoft.com/office/powerpoint/2010/main" val="2883995183"/>
       </p:ext>
     </p:extLst>
   </p:cSld>
@@ -1757,7 +1880,7 @@
     </p:spTree>
     <p:extLst>
       <p:ext uri="{BB962C8B-B14F-4D97-AF65-F5344CB8AC3E}">
-        <p14:creationId xmlns:p14="http://schemas.microsoft.com/office/powerpoint/2010/main" val="2360331614"/>
+        <p14:creationId xmlns:p14="http://schemas.microsoft.com/office/powerpoint/2010/main" val="4199135739"/>
       </p:ext>
     </p:extLst>
   </p:cSld>
@@ -1914,7 +2037,7 @@
           <a:p>
             <a:fld id="{A42A12F9-EA54-49E1-A3FD-186D9B25B348}" type="datetimeFigureOut">
               <a:rPr lang="pl-PL" smtClean="0"/>
-              <a:t>27.08.2019</a:t>
+              <a:t>04.09.2019</a:t>
             </a:fld>
             <a:endParaRPr lang="pl-PL"/>
           </a:p>
@@ -2112,7 +2235,7 @@
           <a:p>
             <a:fld id="{A42A12F9-EA54-49E1-A3FD-186D9B25B348}" type="datetimeFigureOut">
               <a:rPr lang="pl-PL" smtClean="0"/>
-              <a:t>27.08.2019</a:t>
+              <a:t>04.09.2019</a:t>
             </a:fld>
             <a:endParaRPr lang="pl-PL"/>
           </a:p>
@@ -2320,7 +2443,7 @@
           <a:p>
             <a:fld id="{A42A12F9-EA54-49E1-A3FD-186D9B25B348}" type="datetimeFigureOut">
               <a:rPr lang="pl-PL" smtClean="0"/>
-              <a:t>27.08.2019</a:t>
+              <a:t>04.09.2019</a:t>
             </a:fld>
             <a:endParaRPr lang="pl-PL"/>
           </a:p>
@@ -2518,7 +2641,7 @@
           <a:p>
             <a:fld id="{A42A12F9-EA54-49E1-A3FD-186D9B25B348}" type="datetimeFigureOut">
               <a:rPr lang="pl-PL" smtClean="0"/>
-              <a:t>27.08.2019</a:t>
+              <a:t>04.09.2019</a:t>
             </a:fld>
             <a:endParaRPr lang="pl-PL"/>
           </a:p>
@@ -2793,7 +2916,7 @@
           <a:p>
             <a:fld id="{A42A12F9-EA54-49E1-A3FD-186D9B25B348}" type="datetimeFigureOut">
               <a:rPr lang="pl-PL" smtClean="0"/>
-              <a:t>27.08.2019</a:t>
+              <a:t>04.09.2019</a:t>
             </a:fld>
             <a:endParaRPr lang="pl-PL"/>
           </a:p>
@@ -3058,7 +3181,7 @@
           <a:p>
             <a:fld id="{A42A12F9-EA54-49E1-A3FD-186D9B25B348}" type="datetimeFigureOut">
               <a:rPr lang="pl-PL" smtClean="0"/>
-              <a:t>27.08.2019</a:t>
+              <a:t>04.09.2019</a:t>
             </a:fld>
             <a:endParaRPr lang="pl-PL"/>
           </a:p>
@@ -3470,7 +3593,7 @@
           <a:p>
             <a:fld id="{A42A12F9-EA54-49E1-A3FD-186D9B25B348}" type="datetimeFigureOut">
               <a:rPr lang="pl-PL" smtClean="0"/>
-              <a:t>27.08.2019</a:t>
+              <a:t>04.09.2019</a:t>
             </a:fld>
             <a:endParaRPr lang="pl-PL"/>
           </a:p>
@@ -3611,7 +3734,7 @@
           <a:p>
             <a:fld id="{A42A12F9-EA54-49E1-A3FD-186D9B25B348}" type="datetimeFigureOut">
               <a:rPr lang="pl-PL" smtClean="0"/>
-              <a:t>27.08.2019</a:t>
+              <a:t>04.09.2019</a:t>
             </a:fld>
             <a:endParaRPr lang="pl-PL"/>
           </a:p>
@@ -3724,7 +3847,7 @@
           <a:p>
             <a:fld id="{A42A12F9-EA54-49E1-A3FD-186D9B25B348}" type="datetimeFigureOut">
               <a:rPr lang="pl-PL" smtClean="0"/>
-              <a:t>27.08.2019</a:t>
+              <a:t>04.09.2019</a:t>
             </a:fld>
             <a:endParaRPr lang="pl-PL"/>
           </a:p>
@@ -4035,7 +4158,7 @@
           <a:p>
             <a:fld id="{A42A12F9-EA54-49E1-A3FD-186D9B25B348}" type="datetimeFigureOut">
               <a:rPr lang="pl-PL" smtClean="0"/>
-              <a:t>27.08.2019</a:t>
+              <a:t>04.09.2019</a:t>
             </a:fld>
             <a:endParaRPr lang="pl-PL"/>
           </a:p>
@@ -4323,7 +4446,7 @@
           <a:p>
             <a:fld id="{A42A12F9-EA54-49E1-A3FD-186D9B25B348}" type="datetimeFigureOut">
               <a:rPr lang="pl-PL" smtClean="0"/>
-              <a:t>27.08.2019</a:t>
+              <a:t>04.09.2019</a:t>
             </a:fld>
             <a:endParaRPr lang="pl-PL"/>
           </a:p>
@@ -4564,7 +4687,7 @@
           <a:p>
             <a:fld id="{A42A12F9-EA54-49E1-A3FD-186D9B25B348}" type="datetimeFigureOut">
               <a:rPr lang="pl-PL" smtClean="0"/>
-              <a:t>27.08.2019</a:t>
+              <a:t>04.09.2019</a:t>
             </a:fld>
             <a:endParaRPr lang="pl-PL"/>
           </a:p>
@@ -5046,7 +5169,4492 @@
 </p:sld>
 </file>
 
+<file path=ppt/slides/slide10.xml><?xml version="1.0" encoding="utf-8"?>
+<p:sld xmlns:a="http://schemas.openxmlformats.org/drawingml/2006/main" xmlns:r="http://schemas.openxmlformats.org/officeDocument/2006/relationships" xmlns:p="http://schemas.openxmlformats.org/presentationml/2006/main">
+  <p:cSld>
+    <p:bg>
+      <p:bgPr>
+        <a:gradFill>
+          <a:gsLst>
+            <a:gs pos="54000">
+              <a:srgbClr val="07A1D7"/>
+            </a:gs>
+            <a:gs pos="100000">
+              <a:srgbClr val="11CFD9"/>
+            </a:gs>
+          </a:gsLst>
+          <a:lin ang="5400000" scaled="1"/>
+        </a:gradFill>
+        <a:effectLst/>
+      </p:bgPr>
+    </p:bg>
+    <p:spTree>
+      <p:nvGrpSpPr>
+        <p:cNvPr id="1" name=""/>
+        <p:cNvGrpSpPr/>
+        <p:nvPr/>
+      </p:nvGrpSpPr>
+      <p:grpSpPr>
+        <a:xfrm>
+          <a:off x="0" y="0"/>
+          <a:ext cx="0" cy="0"/>
+          <a:chOff x="0" y="0"/>
+          <a:chExt cx="0" cy="0"/>
+        </a:xfrm>
+      </p:grpSpPr>
+      <p:pic>
+        <p:nvPicPr>
+          <p:cNvPr id="5" name="Obraz 4">
+            <a:extLst>
+              <a:ext uri="{FF2B5EF4-FFF2-40B4-BE49-F238E27FC236}">
+                <a16:creationId xmlns:a16="http://schemas.microsoft.com/office/drawing/2014/main" id="{FA2B5562-A690-428E-8278-450D1EECD2E4}"/>
+              </a:ext>
+            </a:extLst>
+          </p:cNvPr>
+          <p:cNvPicPr>
+            <a:picLocks noChangeAspect="1"/>
+          </p:cNvPicPr>
+          <p:nvPr/>
+        </p:nvPicPr>
+        <p:blipFill>
+          <a:blip r:embed="rId3">
+            <a:extLst>
+              <a:ext uri="{28A0092B-C50C-407E-A947-70E740481C1C}">
+                <a14:useLocalDpi xmlns:a14="http://schemas.microsoft.com/office/drawing/2010/main" val="0"/>
+              </a:ext>
+            </a:extLst>
+          </a:blip>
+          <a:stretch>
+            <a:fillRect/>
+          </a:stretch>
+        </p:blipFill>
+        <p:spPr>
+          <a:xfrm>
+            <a:off x="153944" y="139485"/>
+            <a:ext cx="2471463" cy="1425844"/>
+          </a:xfrm>
+          <a:prstGeom prst="rect">
+            <a:avLst/>
+          </a:prstGeom>
+        </p:spPr>
+      </p:pic>
+      <p:pic>
+        <p:nvPicPr>
+          <p:cNvPr id="3" name="Grafika 2" descr="Żarówka i koło zębate ">
+            <a:extLst>
+              <a:ext uri="{FF2B5EF4-FFF2-40B4-BE49-F238E27FC236}">
+                <a16:creationId xmlns:a16="http://schemas.microsoft.com/office/drawing/2014/main" id="{91D37B8E-9F07-47A7-BEFA-ADF82EE401C1}"/>
+              </a:ext>
+            </a:extLst>
+          </p:cNvPr>
+          <p:cNvPicPr>
+            <a:picLocks noChangeAspect="1"/>
+          </p:cNvPicPr>
+          <p:nvPr/>
+        </p:nvPicPr>
+        <p:blipFill>
+          <a:blip r:embed="rId4">
+            <a:extLst>
+              <a:ext uri="{28A0092B-C50C-407E-A947-70E740481C1C}">
+                <a14:useLocalDpi xmlns:a14="http://schemas.microsoft.com/office/drawing/2010/main" val="0"/>
+              </a:ext>
+              <a:ext uri="{96DAC541-7B7A-43D3-8B79-37D633B846F1}">
+                <asvg:svgBlip xmlns:asvg="http://schemas.microsoft.com/office/drawing/2016/SVG/main" r:embed="rId5"/>
+              </a:ext>
+            </a:extLst>
+          </a:blip>
+          <a:stretch>
+            <a:fillRect/>
+          </a:stretch>
+        </p:blipFill>
+        <p:spPr>
+          <a:xfrm>
+            <a:off x="7803746" y="987555"/>
+            <a:ext cx="4219176" cy="4219176"/>
+          </a:xfrm>
+          <a:prstGeom prst="rect">
+            <a:avLst/>
+          </a:prstGeom>
+        </p:spPr>
+      </p:pic>
+      <p:pic>
+        <p:nvPicPr>
+          <p:cNvPr id="8" name="Grafika 7" descr="Baza danych">
+            <a:extLst>
+              <a:ext uri="{FF2B5EF4-FFF2-40B4-BE49-F238E27FC236}">
+                <a16:creationId xmlns:a16="http://schemas.microsoft.com/office/drawing/2014/main" id="{173516DD-171B-438C-BE95-8341114B2F28}"/>
+              </a:ext>
+            </a:extLst>
+          </p:cNvPr>
+          <p:cNvPicPr>
+            <a:picLocks noChangeAspect="1"/>
+          </p:cNvPicPr>
+          <p:nvPr/>
+        </p:nvPicPr>
+        <p:blipFill>
+          <a:blip r:embed="rId6">
+            <a:extLst>
+              <a:ext uri="{28A0092B-C50C-407E-A947-70E740481C1C}">
+                <a14:useLocalDpi xmlns:a14="http://schemas.microsoft.com/office/drawing/2010/main" val="0"/>
+              </a:ext>
+              <a:ext uri="{96DAC541-7B7A-43D3-8B79-37D633B846F1}">
+                <asvg:svgBlip xmlns:asvg="http://schemas.microsoft.com/office/drawing/2016/SVG/main" r:embed="rId7"/>
+              </a:ext>
+            </a:extLst>
+          </a:blip>
+          <a:stretch>
+            <a:fillRect/>
+          </a:stretch>
+        </p:blipFill>
+        <p:spPr>
+          <a:xfrm>
+            <a:off x="5572747" y="3261296"/>
+            <a:ext cx="2280002" cy="1489466"/>
+          </a:xfrm>
+          <a:prstGeom prst="rect">
+            <a:avLst/>
+          </a:prstGeom>
+        </p:spPr>
+      </p:pic>
+      <p:grpSp>
+        <p:nvGrpSpPr>
+          <p:cNvPr id="90" name="Grupa 89">
+            <a:extLst>
+              <a:ext uri="{FF2B5EF4-FFF2-40B4-BE49-F238E27FC236}">
+                <a16:creationId xmlns:a16="http://schemas.microsoft.com/office/drawing/2014/main" id="{AF18E0F5-07C0-4650-97D4-D3304748F8B5}"/>
+              </a:ext>
+            </a:extLst>
+          </p:cNvPr>
+          <p:cNvGrpSpPr/>
+          <p:nvPr/>
+        </p:nvGrpSpPr>
+        <p:grpSpPr>
+          <a:xfrm>
+            <a:off x="1076788" y="1861356"/>
+            <a:ext cx="4314492" cy="4122758"/>
+            <a:chOff x="1302075" y="1922530"/>
+            <a:chExt cx="4314492" cy="4122758"/>
+          </a:xfrm>
+        </p:grpSpPr>
+        <p:sp>
+          <p:nvSpPr>
+            <p:cNvPr id="11" name="Wybuch: 14 punktów 10">
+              <a:extLst>
+                <a:ext uri="{FF2B5EF4-FFF2-40B4-BE49-F238E27FC236}">
+                  <a16:creationId xmlns:a16="http://schemas.microsoft.com/office/drawing/2014/main" id="{46260736-8D03-4587-BEBC-FD35194986D4}"/>
+                </a:ext>
+              </a:extLst>
+            </p:cNvPr>
+            <p:cNvSpPr/>
+            <p:nvPr/>
+          </p:nvSpPr>
+          <p:spPr>
+            <a:xfrm>
+              <a:off x="2211852" y="2232548"/>
+              <a:ext cx="278296" cy="201040"/>
+            </a:xfrm>
+            <a:prstGeom prst="irregularSeal2">
+              <a:avLst/>
+            </a:prstGeom>
+            <a:ln>
+              <a:noFill/>
+            </a:ln>
+          </p:spPr>
+          <p:style>
+            <a:lnRef idx="2">
+              <a:schemeClr val="accent6"/>
+            </a:lnRef>
+            <a:fillRef idx="1">
+              <a:schemeClr val="lt1"/>
+            </a:fillRef>
+            <a:effectRef idx="0">
+              <a:schemeClr val="accent6"/>
+            </a:effectRef>
+            <a:fontRef idx="minor">
+              <a:schemeClr val="dk1"/>
+            </a:fontRef>
+          </p:style>
+          <p:txBody>
+            <a:bodyPr rtlCol="0" anchor="ctr"/>
+            <a:lstStyle/>
+            <a:p>
+              <a:pPr algn="ctr"/>
+              <a:endParaRPr lang="pl-PL"/>
+            </a:p>
+          </p:txBody>
+        </p:sp>
+        <p:sp>
+          <p:nvSpPr>
+            <p:cNvPr id="12" name="Wybuch: 14 punktów 11">
+              <a:extLst>
+                <a:ext uri="{FF2B5EF4-FFF2-40B4-BE49-F238E27FC236}">
+                  <a16:creationId xmlns:a16="http://schemas.microsoft.com/office/drawing/2014/main" id="{95978B9A-0891-4E05-A4F2-FC552F6570C5}"/>
+                </a:ext>
+              </a:extLst>
+            </p:cNvPr>
+            <p:cNvSpPr/>
+            <p:nvPr/>
+          </p:nvSpPr>
+          <p:spPr>
+            <a:xfrm>
+              <a:off x="1837859" y="2556032"/>
+              <a:ext cx="278296" cy="201040"/>
+            </a:xfrm>
+            <a:prstGeom prst="irregularSeal2">
+              <a:avLst/>
+            </a:prstGeom>
+            <a:ln>
+              <a:noFill/>
+            </a:ln>
+          </p:spPr>
+          <p:style>
+            <a:lnRef idx="2">
+              <a:schemeClr val="accent6"/>
+            </a:lnRef>
+            <a:fillRef idx="1">
+              <a:schemeClr val="lt1"/>
+            </a:fillRef>
+            <a:effectRef idx="0">
+              <a:schemeClr val="accent6"/>
+            </a:effectRef>
+            <a:fontRef idx="minor">
+              <a:schemeClr val="dk1"/>
+            </a:fontRef>
+          </p:style>
+          <p:txBody>
+            <a:bodyPr rtlCol="0" anchor="ctr"/>
+            <a:lstStyle/>
+            <a:p>
+              <a:pPr algn="ctr"/>
+              <a:endParaRPr lang="pl-PL"/>
+            </a:p>
+          </p:txBody>
+        </p:sp>
+        <p:sp>
+          <p:nvSpPr>
+            <p:cNvPr id="13" name="Wybuch: 14 punktów 12">
+              <a:extLst>
+                <a:ext uri="{FF2B5EF4-FFF2-40B4-BE49-F238E27FC236}">
+                  <a16:creationId xmlns:a16="http://schemas.microsoft.com/office/drawing/2014/main" id="{37A84DA9-86E6-42A9-AF09-251C559AA56E}"/>
+                </a:ext>
+              </a:extLst>
+            </p:cNvPr>
+            <p:cNvSpPr/>
+            <p:nvPr/>
+          </p:nvSpPr>
+          <p:spPr>
+            <a:xfrm>
+              <a:off x="1514942" y="2989721"/>
+              <a:ext cx="278296" cy="201040"/>
+            </a:xfrm>
+            <a:prstGeom prst="irregularSeal2">
+              <a:avLst/>
+            </a:prstGeom>
+            <a:ln>
+              <a:noFill/>
+            </a:ln>
+          </p:spPr>
+          <p:style>
+            <a:lnRef idx="2">
+              <a:schemeClr val="accent6"/>
+            </a:lnRef>
+            <a:fillRef idx="1">
+              <a:schemeClr val="lt1"/>
+            </a:fillRef>
+            <a:effectRef idx="0">
+              <a:schemeClr val="accent6"/>
+            </a:effectRef>
+            <a:fontRef idx="minor">
+              <a:schemeClr val="dk1"/>
+            </a:fontRef>
+          </p:style>
+          <p:txBody>
+            <a:bodyPr rtlCol="0" anchor="ctr"/>
+            <a:lstStyle/>
+            <a:p>
+              <a:pPr algn="ctr"/>
+              <a:endParaRPr lang="pl-PL"/>
+            </a:p>
+          </p:txBody>
+        </p:sp>
+        <p:sp>
+          <p:nvSpPr>
+            <p:cNvPr id="14" name="Wybuch: 14 punktów 13">
+              <a:extLst>
+                <a:ext uri="{FF2B5EF4-FFF2-40B4-BE49-F238E27FC236}">
+                  <a16:creationId xmlns:a16="http://schemas.microsoft.com/office/drawing/2014/main" id="{0D2E49A2-B51A-4120-B1EF-C724E85290E5}"/>
+                </a:ext>
+              </a:extLst>
+            </p:cNvPr>
+            <p:cNvSpPr/>
+            <p:nvPr/>
+          </p:nvSpPr>
+          <p:spPr>
+            <a:xfrm>
+              <a:off x="2625407" y="2031508"/>
+              <a:ext cx="278296" cy="201040"/>
+            </a:xfrm>
+            <a:prstGeom prst="irregularSeal2">
+              <a:avLst/>
+            </a:prstGeom>
+            <a:ln>
+              <a:noFill/>
+            </a:ln>
+          </p:spPr>
+          <p:style>
+            <a:lnRef idx="2">
+              <a:schemeClr val="accent6"/>
+            </a:lnRef>
+            <a:fillRef idx="1">
+              <a:schemeClr val="lt1"/>
+            </a:fillRef>
+            <a:effectRef idx="0">
+              <a:schemeClr val="accent6"/>
+            </a:effectRef>
+            <a:fontRef idx="minor">
+              <a:schemeClr val="dk1"/>
+            </a:fontRef>
+          </p:style>
+          <p:txBody>
+            <a:bodyPr rtlCol="0" anchor="ctr"/>
+            <a:lstStyle/>
+            <a:p>
+              <a:pPr algn="ctr"/>
+              <a:endParaRPr lang="pl-PL"/>
+            </a:p>
+          </p:txBody>
+        </p:sp>
+        <p:sp>
+          <p:nvSpPr>
+            <p:cNvPr id="15" name="Wybuch: 14 punktów 14">
+              <a:extLst>
+                <a:ext uri="{FF2B5EF4-FFF2-40B4-BE49-F238E27FC236}">
+                  <a16:creationId xmlns:a16="http://schemas.microsoft.com/office/drawing/2014/main" id="{D32979F6-B821-44A8-B785-1DE47699A489}"/>
+                </a:ext>
+              </a:extLst>
+            </p:cNvPr>
+            <p:cNvSpPr/>
+            <p:nvPr/>
+          </p:nvSpPr>
+          <p:spPr>
+            <a:xfrm>
+              <a:off x="3167011" y="1922530"/>
+              <a:ext cx="278296" cy="201040"/>
+            </a:xfrm>
+            <a:prstGeom prst="irregularSeal2">
+              <a:avLst/>
+            </a:prstGeom>
+            <a:ln>
+              <a:noFill/>
+            </a:ln>
+          </p:spPr>
+          <p:style>
+            <a:lnRef idx="2">
+              <a:schemeClr val="accent6"/>
+            </a:lnRef>
+            <a:fillRef idx="1">
+              <a:schemeClr val="lt1"/>
+            </a:fillRef>
+            <a:effectRef idx="0">
+              <a:schemeClr val="accent6"/>
+            </a:effectRef>
+            <a:fontRef idx="minor">
+              <a:schemeClr val="dk1"/>
+            </a:fontRef>
+          </p:style>
+          <p:txBody>
+            <a:bodyPr rtlCol="0" anchor="ctr"/>
+            <a:lstStyle/>
+            <a:p>
+              <a:pPr algn="ctr"/>
+              <a:endParaRPr lang="pl-PL"/>
+            </a:p>
+          </p:txBody>
+        </p:sp>
+        <p:sp>
+          <p:nvSpPr>
+            <p:cNvPr id="16" name="Wybuch: 14 punktów 15">
+              <a:extLst>
+                <a:ext uri="{FF2B5EF4-FFF2-40B4-BE49-F238E27FC236}">
+                  <a16:creationId xmlns:a16="http://schemas.microsoft.com/office/drawing/2014/main" id="{B8E15455-4F1F-4D50-9A62-62A692C4E509}"/>
+                </a:ext>
+              </a:extLst>
+            </p:cNvPr>
+            <p:cNvSpPr/>
+            <p:nvPr/>
+          </p:nvSpPr>
+          <p:spPr>
+            <a:xfrm>
+              <a:off x="3689785" y="1964098"/>
+              <a:ext cx="278296" cy="201040"/>
+            </a:xfrm>
+            <a:prstGeom prst="irregularSeal2">
+              <a:avLst/>
+            </a:prstGeom>
+            <a:ln>
+              <a:noFill/>
+            </a:ln>
+          </p:spPr>
+          <p:style>
+            <a:lnRef idx="2">
+              <a:schemeClr val="accent6"/>
+            </a:lnRef>
+            <a:fillRef idx="1">
+              <a:schemeClr val="lt1"/>
+            </a:fillRef>
+            <a:effectRef idx="0">
+              <a:schemeClr val="accent6"/>
+            </a:effectRef>
+            <a:fontRef idx="minor">
+              <a:schemeClr val="dk1"/>
+            </a:fontRef>
+          </p:style>
+          <p:txBody>
+            <a:bodyPr rtlCol="0" anchor="ctr"/>
+            <a:lstStyle/>
+            <a:p>
+              <a:pPr algn="ctr"/>
+              <a:endParaRPr lang="pl-PL"/>
+            </a:p>
+          </p:txBody>
+        </p:sp>
+        <p:sp>
+          <p:nvSpPr>
+            <p:cNvPr id="17" name="Wybuch: 14 punktów 16">
+              <a:extLst>
+                <a:ext uri="{FF2B5EF4-FFF2-40B4-BE49-F238E27FC236}">
+                  <a16:creationId xmlns:a16="http://schemas.microsoft.com/office/drawing/2014/main" id="{9090DDDB-439E-4435-BCE6-D82B98D9DFDC}"/>
+                </a:ext>
+              </a:extLst>
+            </p:cNvPr>
+            <p:cNvSpPr/>
+            <p:nvPr/>
+          </p:nvSpPr>
+          <p:spPr>
+            <a:xfrm>
+              <a:off x="4120987" y="2117516"/>
+              <a:ext cx="278296" cy="201040"/>
+            </a:xfrm>
+            <a:prstGeom prst="irregularSeal2">
+              <a:avLst/>
+            </a:prstGeom>
+            <a:ln>
+              <a:noFill/>
+            </a:ln>
+          </p:spPr>
+          <p:style>
+            <a:lnRef idx="2">
+              <a:schemeClr val="accent6"/>
+            </a:lnRef>
+            <a:fillRef idx="1">
+              <a:schemeClr val="lt1"/>
+            </a:fillRef>
+            <a:effectRef idx="0">
+              <a:schemeClr val="accent6"/>
+            </a:effectRef>
+            <a:fontRef idx="minor">
+              <a:schemeClr val="dk1"/>
+            </a:fontRef>
+          </p:style>
+          <p:txBody>
+            <a:bodyPr rtlCol="0" anchor="ctr"/>
+            <a:lstStyle/>
+            <a:p>
+              <a:pPr algn="ctr"/>
+              <a:endParaRPr lang="pl-PL"/>
+            </a:p>
+          </p:txBody>
+        </p:sp>
+        <p:sp>
+          <p:nvSpPr>
+            <p:cNvPr id="18" name="Wybuch: 14 punktów 17">
+              <a:extLst>
+                <a:ext uri="{FF2B5EF4-FFF2-40B4-BE49-F238E27FC236}">
+                  <a16:creationId xmlns:a16="http://schemas.microsoft.com/office/drawing/2014/main" id="{B7174B5E-BDD5-4B4D-93A5-0F0CCA4F295C}"/>
+                </a:ext>
+              </a:extLst>
+            </p:cNvPr>
+            <p:cNvSpPr/>
+            <p:nvPr/>
+          </p:nvSpPr>
+          <p:spPr>
+            <a:xfrm>
+              <a:off x="1308907" y="4087628"/>
+              <a:ext cx="278296" cy="201040"/>
+            </a:xfrm>
+            <a:prstGeom prst="irregularSeal2">
+              <a:avLst/>
+            </a:prstGeom>
+            <a:ln>
+              <a:noFill/>
+            </a:ln>
+          </p:spPr>
+          <p:style>
+            <a:lnRef idx="2">
+              <a:schemeClr val="accent6"/>
+            </a:lnRef>
+            <a:fillRef idx="1">
+              <a:schemeClr val="lt1"/>
+            </a:fillRef>
+            <a:effectRef idx="0">
+              <a:schemeClr val="accent6"/>
+            </a:effectRef>
+            <a:fontRef idx="minor">
+              <a:schemeClr val="dk1"/>
+            </a:fontRef>
+          </p:style>
+          <p:txBody>
+            <a:bodyPr rtlCol="0" anchor="ctr"/>
+            <a:lstStyle/>
+            <a:p>
+              <a:pPr algn="ctr"/>
+              <a:endParaRPr lang="pl-PL"/>
+            </a:p>
+          </p:txBody>
+        </p:sp>
+        <p:sp>
+          <p:nvSpPr>
+            <p:cNvPr id="19" name="Wybuch: 14 punktów 18">
+              <a:extLst>
+                <a:ext uri="{FF2B5EF4-FFF2-40B4-BE49-F238E27FC236}">
+                  <a16:creationId xmlns:a16="http://schemas.microsoft.com/office/drawing/2014/main" id="{8338EC97-9D70-4057-A566-1D67FDA49743}"/>
+                </a:ext>
+              </a:extLst>
+            </p:cNvPr>
+            <p:cNvSpPr/>
+            <p:nvPr/>
+          </p:nvSpPr>
+          <p:spPr>
+            <a:xfrm>
+              <a:off x="4522162" y="2318556"/>
+              <a:ext cx="278296" cy="201040"/>
+            </a:xfrm>
+            <a:prstGeom prst="irregularSeal2">
+              <a:avLst/>
+            </a:prstGeom>
+            <a:ln>
+              <a:noFill/>
+            </a:ln>
+          </p:spPr>
+          <p:style>
+            <a:lnRef idx="2">
+              <a:schemeClr val="accent6"/>
+            </a:lnRef>
+            <a:fillRef idx="1">
+              <a:schemeClr val="lt1"/>
+            </a:fillRef>
+            <a:effectRef idx="0">
+              <a:schemeClr val="accent6"/>
+            </a:effectRef>
+            <a:fontRef idx="minor">
+              <a:schemeClr val="dk1"/>
+            </a:fontRef>
+          </p:style>
+          <p:txBody>
+            <a:bodyPr rtlCol="0" anchor="ctr"/>
+            <a:lstStyle/>
+            <a:p>
+              <a:pPr algn="ctr"/>
+              <a:endParaRPr lang="pl-PL"/>
+            </a:p>
+          </p:txBody>
+        </p:sp>
+        <p:sp>
+          <p:nvSpPr>
+            <p:cNvPr id="20" name="Wybuch: 14 punktów 19">
+              <a:extLst>
+                <a:ext uri="{FF2B5EF4-FFF2-40B4-BE49-F238E27FC236}">
+                  <a16:creationId xmlns:a16="http://schemas.microsoft.com/office/drawing/2014/main" id="{E35CF041-3AA0-41F3-BD5D-D69AB777B215}"/>
+                </a:ext>
+              </a:extLst>
+            </p:cNvPr>
+            <p:cNvSpPr/>
+            <p:nvPr/>
+          </p:nvSpPr>
+          <p:spPr>
+            <a:xfrm>
+              <a:off x="5331567" y="4050598"/>
+              <a:ext cx="278296" cy="201040"/>
+            </a:xfrm>
+            <a:prstGeom prst="irregularSeal2">
+              <a:avLst/>
+            </a:prstGeom>
+            <a:ln>
+              <a:noFill/>
+            </a:ln>
+          </p:spPr>
+          <p:style>
+            <a:lnRef idx="2">
+              <a:schemeClr val="accent6"/>
+            </a:lnRef>
+            <a:fillRef idx="1">
+              <a:schemeClr val="lt1"/>
+            </a:fillRef>
+            <a:effectRef idx="0">
+              <a:schemeClr val="accent6"/>
+            </a:effectRef>
+            <a:fontRef idx="minor">
+              <a:schemeClr val="dk1"/>
+            </a:fontRef>
+          </p:style>
+          <p:txBody>
+            <a:bodyPr rtlCol="0" anchor="ctr"/>
+            <a:lstStyle/>
+            <a:p>
+              <a:pPr algn="ctr"/>
+              <a:endParaRPr lang="pl-PL"/>
+            </a:p>
+          </p:txBody>
+        </p:sp>
+        <p:sp>
+          <p:nvSpPr>
+            <p:cNvPr id="21" name="Wybuch: 14 punktów 20">
+              <a:extLst>
+                <a:ext uri="{FF2B5EF4-FFF2-40B4-BE49-F238E27FC236}">
+                  <a16:creationId xmlns:a16="http://schemas.microsoft.com/office/drawing/2014/main" id="{43548766-2DBB-49D0-9B89-D84E19515443}"/>
+                </a:ext>
+              </a:extLst>
+            </p:cNvPr>
+            <p:cNvSpPr/>
+            <p:nvPr/>
+          </p:nvSpPr>
+          <p:spPr>
+            <a:xfrm>
+              <a:off x="4800458" y="2556032"/>
+              <a:ext cx="278296" cy="201040"/>
+            </a:xfrm>
+            <a:prstGeom prst="irregularSeal2">
+              <a:avLst/>
+            </a:prstGeom>
+            <a:ln>
+              <a:noFill/>
+            </a:ln>
+          </p:spPr>
+          <p:style>
+            <a:lnRef idx="2">
+              <a:schemeClr val="accent6"/>
+            </a:lnRef>
+            <a:fillRef idx="1">
+              <a:schemeClr val="lt1"/>
+            </a:fillRef>
+            <a:effectRef idx="0">
+              <a:schemeClr val="accent6"/>
+            </a:effectRef>
+            <a:fontRef idx="minor">
+              <a:schemeClr val="dk1"/>
+            </a:fontRef>
+          </p:style>
+          <p:txBody>
+            <a:bodyPr rtlCol="0" anchor="ctr"/>
+            <a:lstStyle/>
+            <a:p>
+              <a:pPr algn="ctr"/>
+              <a:endParaRPr lang="pl-PL"/>
+            </a:p>
+          </p:txBody>
+        </p:sp>
+        <p:sp>
+          <p:nvSpPr>
+            <p:cNvPr id="22" name="Wybuch: 14 punktów 21">
+              <a:extLst>
+                <a:ext uri="{FF2B5EF4-FFF2-40B4-BE49-F238E27FC236}">
+                  <a16:creationId xmlns:a16="http://schemas.microsoft.com/office/drawing/2014/main" id="{1DB86397-FFC8-40E4-B8E0-3DBDC026E612}"/>
+                </a:ext>
+              </a:extLst>
+            </p:cNvPr>
+            <p:cNvSpPr/>
+            <p:nvPr/>
+          </p:nvSpPr>
+          <p:spPr>
+            <a:xfrm>
+              <a:off x="5078754" y="2889201"/>
+              <a:ext cx="278296" cy="201040"/>
+            </a:xfrm>
+            <a:prstGeom prst="irregularSeal2">
+              <a:avLst/>
+            </a:prstGeom>
+            <a:ln>
+              <a:noFill/>
+            </a:ln>
+          </p:spPr>
+          <p:style>
+            <a:lnRef idx="2">
+              <a:schemeClr val="accent6"/>
+            </a:lnRef>
+            <a:fillRef idx="1">
+              <a:schemeClr val="lt1"/>
+            </a:fillRef>
+            <a:effectRef idx="0">
+              <a:schemeClr val="accent6"/>
+            </a:effectRef>
+            <a:fontRef idx="minor">
+              <a:schemeClr val="dk1"/>
+            </a:fontRef>
+          </p:style>
+          <p:txBody>
+            <a:bodyPr rtlCol="0" anchor="ctr"/>
+            <a:lstStyle/>
+            <a:p>
+              <a:pPr algn="ctr"/>
+              <a:endParaRPr lang="pl-PL"/>
+            </a:p>
+          </p:txBody>
+        </p:sp>
+        <p:sp>
+          <p:nvSpPr>
+            <p:cNvPr id="23" name="Wybuch: 14 punktów 22">
+              <a:extLst>
+                <a:ext uri="{FF2B5EF4-FFF2-40B4-BE49-F238E27FC236}">
+                  <a16:creationId xmlns:a16="http://schemas.microsoft.com/office/drawing/2014/main" id="{D22F3353-973E-48E8-8009-FA2282C73348}"/>
+                </a:ext>
+              </a:extLst>
+            </p:cNvPr>
+            <p:cNvSpPr/>
+            <p:nvPr/>
+          </p:nvSpPr>
+          <p:spPr>
+            <a:xfrm>
+              <a:off x="5243395" y="3255716"/>
+              <a:ext cx="278296" cy="201040"/>
+            </a:xfrm>
+            <a:prstGeom prst="irregularSeal2">
+              <a:avLst/>
+            </a:prstGeom>
+            <a:ln>
+              <a:noFill/>
+            </a:ln>
+          </p:spPr>
+          <p:style>
+            <a:lnRef idx="2">
+              <a:schemeClr val="accent6"/>
+            </a:lnRef>
+            <a:fillRef idx="1">
+              <a:schemeClr val="lt1"/>
+            </a:fillRef>
+            <a:effectRef idx="0">
+              <a:schemeClr val="accent6"/>
+            </a:effectRef>
+            <a:fontRef idx="minor">
+              <a:schemeClr val="dk1"/>
+            </a:fontRef>
+          </p:style>
+          <p:txBody>
+            <a:bodyPr rtlCol="0" anchor="ctr"/>
+            <a:lstStyle/>
+            <a:p>
+              <a:pPr algn="ctr"/>
+              <a:endParaRPr lang="pl-PL"/>
+            </a:p>
+          </p:txBody>
+        </p:sp>
+        <p:sp>
+          <p:nvSpPr>
+            <p:cNvPr id="24" name="Wybuch: 14 punktów 23">
+              <a:extLst>
+                <a:ext uri="{FF2B5EF4-FFF2-40B4-BE49-F238E27FC236}">
+                  <a16:creationId xmlns:a16="http://schemas.microsoft.com/office/drawing/2014/main" id="{D46488CC-98D8-4D4D-A51A-79429A8E6D6A}"/>
+                </a:ext>
+              </a:extLst>
+            </p:cNvPr>
+            <p:cNvSpPr/>
+            <p:nvPr/>
+          </p:nvSpPr>
+          <p:spPr>
+            <a:xfrm>
+              <a:off x="5338271" y="3653157"/>
+              <a:ext cx="278296" cy="201040"/>
+            </a:xfrm>
+            <a:prstGeom prst="irregularSeal2">
+              <a:avLst/>
+            </a:prstGeom>
+            <a:ln>
+              <a:noFill/>
+            </a:ln>
+          </p:spPr>
+          <p:style>
+            <a:lnRef idx="2">
+              <a:schemeClr val="accent6"/>
+            </a:lnRef>
+            <a:fillRef idx="1">
+              <a:schemeClr val="lt1"/>
+            </a:fillRef>
+            <a:effectRef idx="0">
+              <a:schemeClr val="accent6"/>
+            </a:effectRef>
+            <a:fontRef idx="minor">
+              <a:schemeClr val="dk1"/>
+            </a:fontRef>
+          </p:style>
+          <p:txBody>
+            <a:bodyPr rtlCol="0" anchor="ctr"/>
+            <a:lstStyle/>
+            <a:p>
+              <a:pPr algn="ctr"/>
+              <a:endParaRPr lang="pl-PL"/>
+            </a:p>
+          </p:txBody>
+        </p:sp>
+        <p:sp>
+          <p:nvSpPr>
+            <p:cNvPr id="26" name="Wybuch: 14 punktów 25">
+              <a:extLst>
+                <a:ext uri="{FF2B5EF4-FFF2-40B4-BE49-F238E27FC236}">
+                  <a16:creationId xmlns:a16="http://schemas.microsoft.com/office/drawing/2014/main" id="{4145C5FA-657E-4224-84B6-33471813A893}"/>
+                </a:ext>
+              </a:extLst>
+            </p:cNvPr>
+            <p:cNvSpPr/>
+            <p:nvPr/>
+          </p:nvSpPr>
+          <p:spPr>
+            <a:xfrm>
+              <a:off x="1302075" y="3739331"/>
+              <a:ext cx="278296" cy="201040"/>
+            </a:xfrm>
+            <a:prstGeom prst="irregularSeal2">
+              <a:avLst/>
+            </a:prstGeom>
+            <a:ln>
+              <a:noFill/>
+            </a:ln>
+          </p:spPr>
+          <p:style>
+            <a:lnRef idx="2">
+              <a:schemeClr val="accent6"/>
+            </a:lnRef>
+            <a:fillRef idx="1">
+              <a:schemeClr val="lt1"/>
+            </a:fillRef>
+            <a:effectRef idx="0">
+              <a:schemeClr val="accent6"/>
+            </a:effectRef>
+            <a:fontRef idx="minor">
+              <a:schemeClr val="dk1"/>
+            </a:fontRef>
+          </p:style>
+          <p:txBody>
+            <a:bodyPr rtlCol="0" anchor="ctr"/>
+            <a:lstStyle/>
+            <a:p>
+              <a:pPr algn="ctr"/>
+              <a:endParaRPr lang="pl-PL"/>
+            </a:p>
+          </p:txBody>
+        </p:sp>
+        <p:sp>
+          <p:nvSpPr>
+            <p:cNvPr id="27" name="Wybuch: 14 punktów 26">
+              <a:extLst>
+                <a:ext uri="{FF2B5EF4-FFF2-40B4-BE49-F238E27FC236}">
+                  <a16:creationId xmlns:a16="http://schemas.microsoft.com/office/drawing/2014/main" id="{F9E085D4-149A-45BA-BDDE-A3591C318076}"/>
+                </a:ext>
+              </a:extLst>
+            </p:cNvPr>
+            <p:cNvSpPr/>
+            <p:nvPr/>
+          </p:nvSpPr>
+          <p:spPr>
+            <a:xfrm>
+              <a:off x="1352818" y="3408116"/>
+              <a:ext cx="278296" cy="201040"/>
+            </a:xfrm>
+            <a:prstGeom prst="irregularSeal2">
+              <a:avLst/>
+            </a:prstGeom>
+            <a:ln>
+              <a:noFill/>
+            </a:ln>
+          </p:spPr>
+          <p:style>
+            <a:lnRef idx="2">
+              <a:schemeClr val="accent6"/>
+            </a:lnRef>
+            <a:fillRef idx="1">
+              <a:schemeClr val="lt1"/>
+            </a:fillRef>
+            <a:effectRef idx="0">
+              <a:schemeClr val="accent6"/>
+            </a:effectRef>
+            <a:fontRef idx="minor">
+              <a:schemeClr val="dk1"/>
+            </a:fontRef>
+          </p:style>
+          <p:txBody>
+            <a:bodyPr rtlCol="0" anchor="ctr"/>
+            <a:lstStyle/>
+            <a:p>
+              <a:pPr algn="ctr"/>
+              <a:endParaRPr lang="pl-PL"/>
+            </a:p>
+          </p:txBody>
+        </p:sp>
+        <p:sp>
+          <p:nvSpPr>
+            <p:cNvPr id="28" name="Wybuch: 14 punktów 27">
+              <a:extLst>
+                <a:ext uri="{FF2B5EF4-FFF2-40B4-BE49-F238E27FC236}">
+                  <a16:creationId xmlns:a16="http://schemas.microsoft.com/office/drawing/2014/main" id="{8FC51898-4C83-4160-ADB2-B3E19453FAED}"/>
+                </a:ext>
+              </a:extLst>
+            </p:cNvPr>
+            <p:cNvSpPr/>
+            <p:nvPr/>
+          </p:nvSpPr>
+          <p:spPr>
+            <a:xfrm>
+              <a:off x="2143795" y="5488615"/>
+              <a:ext cx="278296" cy="201040"/>
+            </a:xfrm>
+            <a:prstGeom prst="irregularSeal2">
+              <a:avLst/>
+            </a:prstGeom>
+            <a:ln>
+              <a:noFill/>
+            </a:ln>
+          </p:spPr>
+          <p:style>
+            <a:lnRef idx="2">
+              <a:schemeClr val="accent6"/>
+            </a:lnRef>
+            <a:fillRef idx="1">
+              <a:schemeClr val="lt1"/>
+            </a:fillRef>
+            <a:effectRef idx="0">
+              <a:schemeClr val="accent6"/>
+            </a:effectRef>
+            <a:fontRef idx="minor">
+              <a:schemeClr val="dk1"/>
+            </a:fontRef>
+          </p:style>
+          <p:txBody>
+            <a:bodyPr rtlCol="0" anchor="ctr"/>
+            <a:lstStyle/>
+            <a:p>
+              <a:pPr algn="ctr"/>
+              <a:endParaRPr lang="pl-PL"/>
+            </a:p>
+          </p:txBody>
+        </p:sp>
+        <p:sp>
+          <p:nvSpPr>
+            <p:cNvPr id="29" name="Wybuch: 14 punktów 28">
+              <a:extLst>
+                <a:ext uri="{FF2B5EF4-FFF2-40B4-BE49-F238E27FC236}">
+                  <a16:creationId xmlns:a16="http://schemas.microsoft.com/office/drawing/2014/main" id="{73F8ADB3-6856-40D7-90EB-F2E0A2770D93}"/>
+                </a:ext>
+              </a:extLst>
+            </p:cNvPr>
+            <p:cNvSpPr/>
+            <p:nvPr/>
+          </p:nvSpPr>
+          <p:spPr>
+            <a:xfrm>
+              <a:off x="2435725" y="5681357"/>
+              <a:ext cx="278296" cy="201040"/>
+            </a:xfrm>
+            <a:prstGeom prst="irregularSeal2">
+              <a:avLst/>
+            </a:prstGeom>
+            <a:ln>
+              <a:noFill/>
+            </a:ln>
+          </p:spPr>
+          <p:style>
+            <a:lnRef idx="2">
+              <a:schemeClr val="accent6"/>
+            </a:lnRef>
+            <a:fillRef idx="1">
+              <a:schemeClr val="lt1"/>
+            </a:fillRef>
+            <a:effectRef idx="0">
+              <a:schemeClr val="accent6"/>
+            </a:effectRef>
+            <a:fontRef idx="minor">
+              <a:schemeClr val="dk1"/>
+            </a:fontRef>
+          </p:style>
+          <p:txBody>
+            <a:bodyPr rtlCol="0" anchor="ctr"/>
+            <a:lstStyle/>
+            <a:p>
+              <a:pPr algn="ctr"/>
+              <a:endParaRPr lang="pl-PL"/>
+            </a:p>
+          </p:txBody>
+        </p:sp>
+        <p:sp>
+          <p:nvSpPr>
+            <p:cNvPr id="30" name="Wybuch: 14 punktów 29">
+              <a:extLst>
+                <a:ext uri="{FF2B5EF4-FFF2-40B4-BE49-F238E27FC236}">
+                  <a16:creationId xmlns:a16="http://schemas.microsoft.com/office/drawing/2014/main" id="{43603D2B-6758-4CD2-916F-0338167B5126}"/>
+                </a:ext>
+              </a:extLst>
+            </p:cNvPr>
+            <p:cNvSpPr/>
+            <p:nvPr/>
+          </p:nvSpPr>
+          <p:spPr>
+            <a:xfrm>
+              <a:off x="2866803" y="5817298"/>
+              <a:ext cx="278296" cy="201040"/>
+            </a:xfrm>
+            <a:prstGeom prst="irregularSeal2">
+              <a:avLst/>
+            </a:prstGeom>
+            <a:ln>
+              <a:noFill/>
+            </a:ln>
+          </p:spPr>
+          <p:style>
+            <a:lnRef idx="2">
+              <a:schemeClr val="accent6"/>
+            </a:lnRef>
+            <a:fillRef idx="1">
+              <a:schemeClr val="lt1"/>
+            </a:fillRef>
+            <a:effectRef idx="0">
+              <a:schemeClr val="accent6"/>
+            </a:effectRef>
+            <a:fontRef idx="minor">
+              <a:schemeClr val="dk1"/>
+            </a:fontRef>
+          </p:style>
+          <p:txBody>
+            <a:bodyPr rtlCol="0" anchor="ctr"/>
+            <a:lstStyle/>
+            <a:p>
+              <a:pPr algn="ctr"/>
+              <a:endParaRPr lang="pl-PL"/>
+            </a:p>
+          </p:txBody>
+        </p:sp>
+        <p:sp>
+          <p:nvSpPr>
+            <p:cNvPr id="31" name="Wybuch: 14 punktów 30">
+              <a:extLst>
+                <a:ext uri="{FF2B5EF4-FFF2-40B4-BE49-F238E27FC236}">
+                  <a16:creationId xmlns:a16="http://schemas.microsoft.com/office/drawing/2014/main" id="{D55CB79C-5D30-4D20-B9C0-FA408A99BC3E}"/>
+                </a:ext>
+              </a:extLst>
+            </p:cNvPr>
+            <p:cNvSpPr/>
+            <p:nvPr/>
+          </p:nvSpPr>
+          <p:spPr>
+            <a:xfrm>
+              <a:off x="5243395" y="4448039"/>
+              <a:ext cx="278296" cy="201040"/>
+            </a:xfrm>
+            <a:prstGeom prst="irregularSeal2">
+              <a:avLst/>
+            </a:prstGeom>
+            <a:ln>
+              <a:noFill/>
+            </a:ln>
+          </p:spPr>
+          <p:style>
+            <a:lnRef idx="2">
+              <a:schemeClr val="accent6"/>
+            </a:lnRef>
+            <a:fillRef idx="1">
+              <a:schemeClr val="lt1"/>
+            </a:fillRef>
+            <a:effectRef idx="0">
+              <a:schemeClr val="accent6"/>
+            </a:effectRef>
+            <a:fontRef idx="minor">
+              <a:schemeClr val="dk1"/>
+            </a:fontRef>
+          </p:style>
+          <p:txBody>
+            <a:bodyPr rtlCol="0" anchor="ctr"/>
+            <a:lstStyle/>
+            <a:p>
+              <a:pPr algn="ctr"/>
+              <a:endParaRPr lang="pl-PL"/>
+            </a:p>
+          </p:txBody>
+        </p:sp>
+        <p:sp>
+          <p:nvSpPr>
+            <p:cNvPr id="32" name="Wybuch: 14 punktów 31">
+              <a:extLst>
+                <a:ext uri="{FF2B5EF4-FFF2-40B4-BE49-F238E27FC236}">
+                  <a16:creationId xmlns:a16="http://schemas.microsoft.com/office/drawing/2014/main" id="{1A899CED-C1ED-4FE8-BC1C-E06FB94F664F}"/>
+                </a:ext>
+              </a:extLst>
+            </p:cNvPr>
+            <p:cNvSpPr/>
+            <p:nvPr/>
+          </p:nvSpPr>
+          <p:spPr>
+            <a:xfrm>
+              <a:off x="4189752" y="2989721"/>
+              <a:ext cx="278296" cy="201040"/>
+            </a:xfrm>
+            <a:prstGeom prst="irregularSeal2">
+              <a:avLst/>
+            </a:prstGeom>
+            <a:ln>
+              <a:noFill/>
+            </a:ln>
+          </p:spPr>
+          <p:style>
+            <a:lnRef idx="2">
+              <a:schemeClr val="accent6"/>
+            </a:lnRef>
+            <a:fillRef idx="1">
+              <a:schemeClr val="lt1"/>
+            </a:fillRef>
+            <a:effectRef idx="0">
+              <a:schemeClr val="accent6"/>
+            </a:effectRef>
+            <a:fontRef idx="minor">
+              <a:schemeClr val="dk1"/>
+            </a:fontRef>
+          </p:style>
+          <p:txBody>
+            <a:bodyPr rtlCol="0" anchor="ctr"/>
+            <a:lstStyle/>
+            <a:p>
+              <a:pPr algn="ctr"/>
+              <a:endParaRPr lang="pl-PL"/>
+            </a:p>
+          </p:txBody>
+        </p:sp>
+        <p:sp>
+          <p:nvSpPr>
+            <p:cNvPr id="33" name="Wybuch: 14 punktów 32">
+              <a:extLst>
+                <a:ext uri="{FF2B5EF4-FFF2-40B4-BE49-F238E27FC236}">
+                  <a16:creationId xmlns:a16="http://schemas.microsoft.com/office/drawing/2014/main" id="{E91A7BE4-2027-4A1A-9493-AF773D4FEFB2}"/>
+                </a:ext>
+              </a:extLst>
+            </p:cNvPr>
+            <p:cNvSpPr/>
+            <p:nvPr/>
+          </p:nvSpPr>
+          <p:spPr>
+            <a:xfrm>
+              <a:off x="3297881" y="2228518"/>
+              <a:ext cx="278296" cy="201040"/>
+            </a:xfrm>
+            <a:prstGeom prst="irregularSeal2">
+              <a:avLst/>
+            </a:prstGeom>
+            <a:ln>
+              <a:noFill/>
+            </a:ln>
+          </p:spPr>
+          <p:style>
+            <a:lnRef idx="2">
+              <a:schemeClr val="accent6"/>
+            </a:lnRef>
+            <a:fillRef idx="1">
+              <a:schemeClr val="lt1"/>
+            </a:fillRef>
+            <a:effectRef idx="0">
+              <a:schemeClr val="accent6"/>
+            </a:effectRef>
+            <a:fontRef idx="minor">
+              <a:schemeClr val="dk1"/>
+            </a:fontRef>
+          </p:style>
+          <p:txBody>
+            <a:bodyPr rtlCol="0" anchor="ctr"/>
+            <a:lstStyle/>
+            <a:p>
+              <a:pPr algn="ctr"/>
+              <a:endParaRPr lang="pl-PL"/>
+            </a:p>
+          </p:txBody>
+        </p:sp>
+        <p:sp>
+          <p:nvSpPr>
+            <p:cNvPr id="34" name="Wybuch: 14 punktów 33">
+              <a:extLst>
+                <a:ext uri="{FF2B5EF4-FFF2-40B4-BE49-F238E27FC236}">
+                  <a16:creationId xmlns:a16="http://schemas.microsoft.com/office/drawing/2014/main" id="{328BEB6C-43C3-456E-83F5-010B5D5A5A0B}"/>
+                </a:ext>
+              </a:extLst>
+            </p:cNvPr>
+            <p:cNvSpPr/>
+            <p:nvPr/>
+          </p:nvSpPr>
+          <p:spPr>
+            <a:xfrm>
+              <a:off x="3449277" y="2494609"/>
+              <a:ext cx="278296" cy="201040"/>
+            </a:xfrm>
+            <a:prstGeom prst="irregularSeal2">
+              <a:avLst/>
+            </a:prstGeom>
+            <a:ln>
+              <a:noFill/>
+            </a:ln>
+          </p:spPr>
+          <p:style>
+            <a:lnRef idx="2">
+              <a:schemeClr val="accent6"/>
+            </a:lnRef>
+            <a:fillRef idx="1">
+              <a:schemeClr val="lt1"/>
+            </a:fillRef>
+            <a:effectRef idx="0">
+              <a:schemeClr val="accent6"/>
+            </a:effectRef>
+            <a:fontRef idx="minor">
+              <a:schemeClr val="dk1"/>
+            </a:fontRef>
+          </p:style>
+          <p:txBody>
+            <a:bodyPr rtlCol="0" anchor="ctr"/>
+            <a:lstStyle/>
+            <a:p>
+              <a:pPr algn="ctr"/>
+              <a:endParaRPr lang="pl-PL"/>
+            </a:p>
+          </p:txBody>
+        </p:sp>
+        <p:sp>
+          <p:nvSpPr>
+            <p:cNvPr id="35" name="Wybuch: 14 punktów 34">
+              <a:extLst>
+                <a:ext uri="{FF2B5EF4-FFF2-40B4-BE49-F238E27FC236}">
+                  <a16:creationId xmlns:a16="http://schemas.microsoft.com/office/drawing/2014/main" id="{2D006BFB-21CE-4E4E-B415-6481A28A761F}"/>
+                </a:ext>
+              </a:extLst>
+            </p:cNvPr>
+            <p:cNvSpPr/>
+            <p:nvPr/>
+          </p:nvSpPr>
+          <p:spPr>
+            <a:xfrm>
+              <a:off x="3387401" y="2908298"/>
+              <a:ext cx="278296" cy="201040"/>
+            </a:xfrm>
+            <a:prstGeom prst="irregularSeal2">
+              <a:avLst/>
+            </a:prstGeom>
+            <a:ln>
+              <a:noFill/>
+            </a:ln>
+          </p:spPr>
+          <p:style>
+            <a:lnRef idx="2">
+              <a:schemeClr val="accent6"/>
+            </a:lnRef>
+            <a:fillRef idx="1">
+              <a:schemeClr val="lt1"/>
+            </a:fillRef>
+            <a:effectRef idx="0">
+              <a:schemeClr val="accent6"/>
+            </a:effectRef>
+            <a:fontRef idx="minor">
+              <a:schemeClr val="dk1"/>
+            </a:fontRef>
+          </p:style>
+          <p:txBody>
+            <a:bodyPr rtlCol="0" anchor="ctr"/>
+            <a:lstStyle/>
+            <a:p>
+              <a:pPr algn="ctr"/>
+              <a:endParaRPr lang="pl-PL"/>
+            </a:p>
+          </p:txBody>
+        </p:sp>
+        <p:sp>
+          <p:nvSpPr>
+            <p:cNvPr id="36" name="Wybuch: 14 punktów 35">
+              <a:extLst>
+                <a:ext uri="{FF2B5EF4-FFF2-40B4-BE49-F238E27FC236}">
+                  <a16:creationId xmlns:a16="http://schemas.microsoft.com/office/drawing/2014/main" id="{99F5E226-DCA6-4B54-BE36-06105D3687B6}"/>
+                </a:ext>
+              </a:extLst>
+            </p:cNvPr>
+            <p:cNvSpPr/>
+            <p:nvPr/>
+          </p:nvSpPr>
+          <p:spPr>
+            <a:xfrm>
+              <a:off x="3755081" y="2685718"/>
+              <a:ext cx="278296" cy="201040"/>
+            </a:xfrm>
+            <a:prstGeom prst="irregularSeal2">
+              <a:avLst/>
+            </a:prstGeom>
+            <a:ln>
+              <a:noFill/>
+            </a:ln>
+          </p:spPr>
+          <p:style>
+            <a:lnRef idx="2">
+              <a:schemeClr val="accent6"/>
+            </a:lnRef>
+            <a:fillRef idx="1">
+              <a:schemeClr val="lt1"/>
+            </a:fillRef>
+            <a:effectRef idx="0">
+              <a:schemeClr val="accent6"/>
+            </a:effectRef>
+            <a:fontRef idx="minor">
+              <a:schemeClr val="dk1"/>
+            </a:fontRef>
+          </p:style>
+          <p:txBody>
+            <a:bodyPr rtlCol="0" anchor="ctr"/>
+            <a:lstStyle/>
+            <a:p>
+              <a:pPr algn="ctr"/>
+              <a:endParaRPr lang="pl-PL"/>
+            </a:p>
+          </p:txBody>
+        </p:sp>
+        <p:sp>
+          <p:nvSpPr>
+            <p:cNvPr id="37" name="Wybuch: 14 punktów 36">
+              <a:extLst>
+                <a:ext uri="{FF2B5EF4-FFF2-40B4-BE49-F238E27FC236}">
+                  <a16:creationId xmlns:a16="http://schemas.microsoft.com/office/drawing/2014/main" id="{A9538F27-B48F-45BB-994B-185475CB9B0A}"/>
+                </a:ext>
+              </a:extLst>
+            </p:cNvPr>
+            <p:cNvSpPr/>
+            <p:nvPr/>
+          </p:nvSpPr>
+          <p:spPr>
+            <a:xfrm>
+              <a:off x="3759862" y="3071176"/>
+              <a:ext cx="278296" cy="201040"/>
+            </a:xfrm>
+            <a:prstGeom prst="irregularSeal2">
+              <a:avLst/>
+            </a:prstGeom>
+            <a:ln>
+              <a:noFill/>
+            </a:ln>
+          </p:spPr>
+          <p:style>
+            <a:lnRef idx="2">
+              <a:schemeClr val="accent6"/>
+            </a:lnRef>
+            <a:fillRef idx="1">
+              <a:schemeClr val="lt1"/>
+            </a:fillRef>
+            <a:effectRef idx="0">
+              <a:schemeClr val="accent6"/>
+            </a:effectRef>
+            <a:fontRef idx="minor">
+              <a:schemeClr val="dk1"/>
+            </a:fontRef>
+          </p:style>
+          <p:txBody>
+            <a:bodyPr rtlCol="0" anchor="ctr"/>
+            <a:lstStyle/>
+            <a:p>
+              <a:pPr algn="ctr"/>
+              <a:endParaRPr lang="pl-PL"/>
+            </a:p>
+          </p:txBody>
+        </p:sp>
+        <p:sp>
+          <p:nvSpPr>
+            <p:cNvPr id="38" name="Wybuch: 14 punktów 37">
+              <a:extLst>
+                <a:ext uri="{FF2B5EF4-FFF2-40B4-BE49-F238E27FC236}">
+                  <a16:creationId xmlns:a16="http://schemas.microsoft.com/office/drawing/2014/main" id="{13910845-D353-4A72-AEAD-38888CCB645C}"/>
+                </a:ext>
+              </a:extLst>
+            </p:cNvPr>
+            <p:cNvSpPr/>
+            <p:nvPr/>
+          </p:nvSpPr>
+          <p:spPr>
+            <a:xfrm>
+              <a:off x="1587203" y="4913503"/>
+              <a:ext cx="278296" cy="201040"/>
+            </a:xfrm>
+            <a:prstGeom prst="irregularSeal2">
+              <a:avLst/>
+            </a:prstGeom>
+            <a:ln>
+              <a:noFill/>
+            </a:ln>
+          </p:spPr>
+          <p:style>
+            <a:lnRef idx="2">
+              <a:schemeClr val="accent6"/>
+            </a:lnRef>
+            <a:fillRef idx="1">
+              <a:schemeClr val="lt1"/>
+            </a:fillRef>
+            <a:effectRef idx="0">
+              <a:schemeClr val="accent6"/>
+            </a:effectRef>
+            <a:fontRef idx="minor">
+              <a:schemeClr val="dk1"/>
+            </a:fontRef>
+          </p:style>
+          <p:txBody>
+            <a:bodyPr rtlCol="0" anchor="ctr"/>
+            <a:lstStyle/>
+            <a:p>
+              <a:pPr algn="ctr"/>
+              <a:endParaRPr lang="pl-PL"/>
+            </a:p>
+          </p:txBody>
+        </p:sp>
+        <p:sp>
+          <p:nvSpPr>
+            <p:cNvPr id="39" name="Wybuch: 14 punktów 38">
+              <a:extLst>
+                <a:ext uri="{FF2B5EF4-FFF2-40B4-BE49-F238E27FC236}">
+                  <a16:creationId xmlns:a16="http://schemas.microsoft.com/office/drawing/2014/main" id="{905A963B-F637-4102-92F3-65BF875AFD80}"/>
+                </a:ext>
+              </a:extLst>
+            </p:cNvPr>
+            <p:cNvSpPr/>
+            <p:nvPr/>
+          </p:nvSpPr>
+          <p:spPr>
+            <a:xfrm>
+              <a:off x="1865499" y="5172763"/>
+              <a:ext cx="278296" cy="201040"/>
+            </a:xfrm>
+            <a:prstGeom prst="irregularSeal2">
+              <a:avLst/>
+            </a:prstGeom>
+            <a:ln>
+              <a:noFill/>
+            </a:ln>
+          </p:spPr>
+          <p:style>
+            <a:lnRef idx="2">
+              <a:schemeClr val="accent6"/>
+            </a:lnRef>
+            <a:fillRef idx="1">
+              <a:schemeClr val="lt1"/>
+            </a:fillRef>
+            <a:effectRef idx="0">
+              <a:schemeClr val="accent6"/>
+            </a:effectRef>
+            <a:fontRef idx="minor">
+              <a:schemeClr val="dk1"/>
+            </a:fontRef>
+          </p:style>
+          <p:txBody>
+            <a:bodyPr rtlCol="0" anchor="ctr"/>
+            <a:lstStyle/>
+            <a:p>
+              <a:pPr algn="ctr"/>
+              <a:endParaRPr lang="pl-PL"/>
+            </a:p>
+          </p:txBody>
+        </p:sp>
+        <p:sp>
+          <p:nvSpPr>
+            <p:cNvPr id="40" name="Wybuch: 14 punktów 39">
+              <a:extLst>
+                <a:ext uri="{FF2B5EF4-FFF2-40B4-BE49-F238E27FC236}">
+                  <a16:creationId xmlns:a16="http://schemas.microsoft.com/office/drawing/2014/main" id="{35F730F0-5C97-49A1-9AD4-419E3982D644}"/>
+                </a:ext>
+              </a:extLst>
+            </p:cNvPr>
+            <p:cNvSpPr/>
+            <p:nvPr/>
+          </p:nvSpPr>
+          <p:spPr>
+            <a:xfrm>
+              <a:off x="3297881" y="5844248"/>
+              <a:ext cx="278296" cy="201040"/>
+            </a:xfrm>
+            <a:prstGeom prst="irregularSeal2">
+              <a:avLst/>
+            </a:prstGeom>
+            <a:ln>
+              <a:noFill/>
+            </a:ln>
+          </p:spPr>
+          <p:style>
+            <a:lnRef idx="2">
+              <a:schemeClr val="accent6"/>
+            </a:lnRef>
+            <a:fillRef idx="1">
+              <a:schemeClr val="lt1"/>
+            </a:fillRef>
+            <a:effectRef idx="0">
+              <a:schemeClr val="accent6"/>
+            </a:effectRef>
+            <a:fontRef idx="minor">
+              <a:schemeClr val="dk1"/>
+            </a:fontRef>
+          </p:style>
+          <p:txBody>
+            <a:bodyPr rtlCol="0" anchor="ctr"/>
+            <a:lstStyle/>
+            <a:p>
+              <a:pPr algn="ctr"/>
+              <a:endParaRPr lang="pl-PL"/>
+            </a:p>
+          </p:txBody>
+        </p:sp>
+        <p:sp>
+          <p:nvSpPr>
+            <p:cNvPr id="41" name="Wybuch: 14 punktów 40">
+              <a:extLst>
+                <a:ext uri="{FF2B5EF4-FFF2-40B4-BE49-F238E27FC236}">
+                  <a16:creationId xmlns:a16="http://schemas.microsoft.com/office/drawing/2014/main" id="{A79AC292-3396-4D88-B202-68438D4299FB}"/>
+                </a:ext>
+              </a:extLst>
+            </p:cNvPr>
+            <p:cNvSpPr/>
+            <p:nvPr/>
+          </p:nvSpPr>
+          <p:spPr>
+            <a:xfrm>
+              <a:off x="3701776" y="5820561"/>
+              <a:ext cx="278296" cy="201040"/>
+            </a:xfrm>
+            <a:prstGeom prst="irregularSeal2">
+              <a:avLst/>
+            </a:prstGeom>
+            <a:ln>
+              <a:noFill/>
+            </a:ln>
+          </p:spPr>
+          <p:style>
+            <a:lnRef idx="2">
+              <a:schemeClr val="accent6"/>
+            </a:lnRef>
+            <a:fillRef idx="1">
+              <a:schemeClr val="lt1"/>
+            </a:fillRef>
+            <a:effectRef idx="0">
+              <a:schemeClr val="accent6"/>
+            </a:effectRef>
+            <a:fontRef idx="minor">
+              <a:schemeClr val="dk1"/>
+            </a:fontRef>
+          </p:style>
+          <p:txBody>
+            <a:bodyPr rtlCol="0" anchor="ctr"/>
+            <a:lstStyle/>
+            <a:p>
+              <a:pPr algn="ctr"/>
+              <a:endParaRPr lang="pl-PL"/>
+            </a:p>
+          </p:txBody>
+        </p:sp>
+        <p:sp>
+          <p:nvSpPr>
+            <p:cNvPr id="42" name="Wybuch: 14 punktów 41">
+              <a:extLst>
+                <a:ext uri="{FF2B5EF4-FFF2-40B4-BE49-F238E27FC236}">
+                  <a16:creationId xmlns:a16="http://schemas.microsoft.com/office/drawing/2014/main" id="{EC773B6A-AC36-40EF-93E5-5E609E27F9E7}"/>
+                </a:ext>
+              </a:extLst>
+            </p:cNvPr>
+            <p:cNvSpPr/>
+            <p:nvPr/>
+          </p:nvSpPr>
+          <p:spPr>
+            <a:xfrm>
+              <a:off x="4102537" y="5689655"/>
+              <a:ext cx="278296" cy="201040"/>
+            </a:xfrm>
+            <a:prstGeom prst="irregularSeal2">
+              <a:avLst/>
+            </a:prstGeom>
+            <a:ln>
+              <a:noFill/>
+            </a:ln>
+          </p:spPr>
+          <p:style>
+            <a:lnRef idx="2">
+              <a:schemeClr val="accent6"/>
+            </a:lnRef>
+            <a:fillRef idx="1">
+              <a:schemeClr val="lt1"/>
+            </a:fillRef>
+            <a:effectRef idx="0">
+              <a:schemeClr val="accent6"/>
+            </a:effectRef>
+            <a:fontRef idx="minor">
+              <a:schemeClr val="dk1"/>
+            </a:fontRef>
+          </p:style>
+          <p:txBody>
+            <a:bodyPr rtlCol="0" anchor="ctr"/>
+            <a:lstStyle/>
+            <a:p>
+              <a:pPr algn="ctr"/>
+              <a:endParaRPr lang="pl-PL"/>
+            </a:p>
+          </p:txBody>
+        </p:sp>
+        <p:sp>
+          <p:nvSpPr>
+            <p:cNvPr id="43" name="Wybuch: 14 punktów 42">
+              <a:extLst>
+                <a:ext uri="{FF2B5EF4-FFF2-40B4-BE49-F238E27FC236}">
+                  <a16:creationId xmlns:a16="http://schemas.microsoft.com/office/drawing/2014/main" id="{68249786-F6D0-4122-885E-551EDE65D863}"/>
+                </a:ext>
+              </a:extLst>
+            </p:cNvPr>
+            <p:cNvSpPr/>
+            <p:nvPr/>
+          </p:nvSpPr>
+          <p:spPr>
+            <a:xfrm>
+              <a:off x="4522162" y="5480317"/>
+              <a:ext cx="278296" cy="201040"/>
+            </a:xfrm>
+            <a:prstGeom prst="irregularSeal2">
+              <a:avLst/>
+            </a:prstGeom>
+            <a:ln>
+              <a:noFill/>
+            </a:ln>
+          </p:spPr>
+          <p:style>
+            <a:lnRef idx="2">
+              <a:schemeClr val="accent6"/>
+            </a:lnRef>
+            <a:fillRef idx="1">
+              <a:schemeClr val="lt1"/>
+            </a:fillRef>
+            <a:effectRef idx="0">
+              <a:schemeClr val="accent6"/>
+            </a:effectRef>
+            <a:fontRef idx="minor">
+              <a:schemeClr val="dk1"/>
+            </a:fontRef>
+          </p:style>
+          <p:txBody>
+            <a:bodyPr rtlCol="0" anchor="ctr"/>
+            <a:lstStyle/>
+            <a:p>
+              <a:pPr algn="ctr"/>
+              <a:endParaRPr lang="pl-PL"/>
+            </a:p>
+          </p:txBody>
+        </p:sp>
+        <p:sp>
+          <p:nvSpPr>
+            <p:cNvPr id="44" name="Wybuch: 14 punktów 43">
+              <a:extLst>
+                <a:ext uri="{FF2B5EF4-FFF2-40B4-BE49-F238E27FC236}">
+                  <a16:creationId xmlns:a16="http://schemas.microsoft.com/office/drawing/2014/main" id="{9AD40515-EBBD-47A0-B031-52069C9D4354}"/>
+                </a:ext>
+              </a:extLst>
+            </p:cNvPr>
+            <p:cNvSpPr/>
+            <p:nvPr/>
+          </p:nvSpPr>
+          <p:spPr>
+            <a:xfrm>
+              <a:off x="4842845" y="5167385"/>
+              <a:ext cx="278296" cy="201040"/>
+            </a:xfrm>
+            <a:prstGeom prst="irregularSeal2">
+              <a:avLst/>
+            </a:prstGeom>
+            <a:ln>
+              <a:noFill/>
+            </a:ln>
+          </p:spPr>
+          <p:style>
+            <a:lnRef idx="2">
+              <a:schemeClr val="accent6"/>
+            </a:lnRef>
+            <a:fillRef idx="1">
+              <a:schemeClr val="lt1"/>
+            </a:fillRef>
+            <a:effectRef idx="0">
+              <a:schemeClr val="accent6"/>
+            </a:effectRef>
+            <a:fontRef idx="minor">
+              <a:schemeClr val="dk1"/>
+            </a:fontRef>
+          </p:style>
+          <p:txBody>
+            <a:bodyPr rtlCol="0" anchor="ctr"/>
+            <a:lstStyle/>
+            <a:p>
+              <a:pPr algn="ctr"/>
+              <a:endParaRPr lang="pl-PL"/>
+            </a:p>
+          </p:txBody>
+        </p:sp>
+        <p:sp>
+          <p:nvSpPr>
+            <p:cNvPr id="45" name="Wybuch: 14 punktów 44">
+              <a:extLst>
+                <a:ext uri="{FF2B5EF4-FFF2-40B4-BE49-F238E27FC236}">
+                  <a16:creationId xmlns:a16="http://schemas.microsoft.com/office/drawing/2014/main" id="{B8910BDD-B34E-4ED9-8367-A96611F539C8}"/>
+                </a:ext>
+              </a:extLst>
+            </p:cNvPr>
+            <p:cNvSpPr/>
+            <p:nvPr/>
+          </p:nvSpPr>
+          <p:spPr>
+            <a:xfrm>
+              <a:off x="5116007" y="4812983"/>
+              <a:ext cx="278296" cy="201040"/>
+            </a:xfrm>
+            <a:prstGeom prst="irregularSeal2">
+              <a:avLst/>
+            </a:prstGeom>
+            <a:ln>
+              <a:noFill/>
+            </a:ln>
+          </p:spPr>
+          <p:style>
+            <a:lnRef idx="2">
+              <a:schemeClr val="accent6"/>
+            </a:lnRef>
+            <a:fillRef idx="1">
+              <a:schemeClr val="lt1"/>
+            </a:fillRef>
+            <a:effectRef idx="0">
+              <a:schemeClr val="accent6"/>
+            </a:effectRef>
+            <a:fontRef idx="minor">
+              <a:schemeClr val="dk1"/>
+            </a:fontRef>
+          </p:style>
+          <p:txBody>
+            <a:bodyPr rtlCol="0" anchor="ctr"/>
+            <a:lstStyle/>
+            <a:p>
+              <a:pPr algn="ctr"/>
+              <a:endParaRPr lang="pl-PL"/>
+            </a:p>
+          </p:txBody>
+        </p:sp>
+        <p:sp>
+          <p:nvSpPr>
+            <p:cNvPr id="46" name="Wybuch: 14 punktów 45">
+              <a:extLst>
+                <a:ext uri="{FF2B5EF4-FFF2-40B4-BE49-F238E27FC236}">
+                  <a16:creationId xmlns:a16="http://schemas.microsoft.com/office/drawing/2014/main" id="{272E9AD3-8526-4F28-A339-4E8233AA02F3}"/>
+                </a:ext>
+              </a:extLst>
+            </p:cNvPr>
+            <p:cNvSpPr/>
+            <p:nvPr/>
+          </p:nvSpPr>
+          <p:spPr>
+            <a:xfrm>
+              <a:off x="2860035" y="2410230"/>
+              <a:ext cx="278296" cy="201040"/>
+            </a:xfrm>
+            <a:prstGeom prst="irregularSeal2">
+              <a:avLst/>
+            </a:prstGeom>
+            <a:ln>
+              <a:noFill/>
+            </a:ln>
+          </p:spPr>
+          <p:style>
+            <a:lnRef idx="2">
+              <a:schemeClr val="accent6"/>
+            </a:lnRef>
+            <a:fillRef idx="1">
+              <a:schemeClr val="lt1"/>
+            </a:fillRef>
+            <a:effectRef idx="0">
+              <a:schemeClr val="accent6"/>
+            </a:effectRef>
+            <a:fontRef idx="minor">
+              <a:schemeClr val="dk1"/>
+            </a:fontRef>
+          </p:style>
+          <p:txBody>
+            <a:bodyPr rtlCol="0" anchor="ctr"/>
+            <a:lstStyle/>
+            <a:p>
+              <a:pPr algn="ctr"/>
+              <a:endParaRPr lang="pl-PL"/>
+            </a:p>
+          </p:txBody>
+        </p:sp>
+        <p:sp>
+          <p:nvSpPr>
+            <p:cNvPr id="47" name="Wybuch: 14 punktów 46">
+              <a:extLst>
+                <a:ext uri="{FF2B5EF4-FFF2-40B4-BE49-F238E27FC236}">
+                  <a16:creationId xmlns:a16="http://schemas.microsoft.com/office/drawing/2014/main" id="{0951F039-280A-4A49-8108-AD68B796509C}"/>
+                </a:ext>
+              </a:extLst>
+            </p:cNvPr>
+            <p:cNvSpPr/>
+            <p:nvPr/>
+          </p:nvSpPr>
+          <p:spPr>
+            <a:xfrm>
+              <a:off x="2854473" y="2904723"/>
+              <a:ext cx="278296" cy="201040"/>
+            </a:xfrm>
+            <a:prstGeom prst="irregularSeal2">
+              <a:avLst/>
+            </a:prstGeom>
+            <a:ln>
+              <a:noFill/>
+            </a:ln>
+          </p:spPr>
+          <p:style>
+            <a:lnRef idx="2">
+              <a:schemeClr val="accent6"/>
+            </a:lnRef>
+            <a:fillRef idx="1">
+              <a:schemeClr val="lt1"/>
+            </a:fillRef>
+            <a:effectRef idx="0">
+              <a:schemeClr val="accent6"/>
+            </a:effectRef>
+            <a:fontRef idx="minor">
+              <a:schemeClr val="dk1"/>
+            </a:fontRef>
+          </p:style>
+          <p:txBody>
+            <a:bodyPr rtlCol="0" anchor="ctr"/>
+            <a:lstStyle/>
+            <a:p>
+              <a:pPr algn="ctr"/>
+              <a:endParaRPr lang="pl-PL"/>
+            </a:p>
+          </p:txBody>
+        </p:sp>
+        <p:sp>
+          <p:nvSpPr>
+            <p:cNvPr id="48" name="Wybuch: 14 punktów 47">
+              <a:extLst>
+                <a:ext uri="{FF2B5EF4-FFF2-40B4-BE49-F238E27FC236}">
+                  <a16:creationId xmlns:a16="http://schemas.microsoft.com/office/drawing/2014/main" id="{66CD3A89-5587-442E-B910-C649DB6F086E}"/>
+                </a:ext>
+              </a:extLst>
+            </p:cNvPr>
+            <p:cNvSpPr/>
+            <p:nvPr/>
+          </p:nvSpPr>
+          <p:spPr>
+            <a:xfrm>
+              <a:off x="4084022" y="2553731"/>
+              <a:ext cx="278296" cy="201040"/>
+            </a:xfrm>
+            <a:prstGeom prst="irregularSeal2">
+              <a:avLst/>
+            </a:prstGeom>
+            <a:ln>
+              <a:noFill/>
+            </a:ln>
+          </p:spPr>
+          <p:style>
+            <a:lnRef idx="2">
+              <a:schemeClr val="accent6"/>
+            </a:lnRef>
+            <a:fillRef idx="1">
+              <a:schemeClr val="lt1"/>
+            </a:fillRef>
+            <a:effectRef idx="0">
+              <a:schemeClr val="accent6"/>
+            </a:effectRef>
+            <a:fontRef idx="minor">
+              <a:schemeClr val="dk1"/>
+            </a:fontRef>
+          </p:style>
+          <p:txBody>
+            <a:bodyPr rtlCol="0" anchor="ctr"/>
+            <a:lstStyle/>
+            <a:p>
+              <a:pPr algn="ctr"/>
+              <a:endParaRPr lang="pl-PL"/>
+            </a:p>
+          </p:txBody>
+        </p:sp>
+        <p:sp>
+          <p:nvSpPr>
+            <p:cNvPr id="49" name="Wybuch: 14 punktów 48">
+              <a:extLst>
+                <a:ext uri="{FF2B5EF4-FFF2-40B4-BE49-F238E27FC236}">
+                  <a16:creationId xmlns:a16="http://schemas.microsoft.com/office/drawing/2014/main" id="{9E21E2E6-2E2C-4942-AD9F-A98C7B7696D4}"/>
+                </a:ext>
+              </a:extLst>
+            </p:cNvPr>
+            <p:cNvSpPr/>
+            <p:nvPr/>
+          </p:nvSpPr>
+          <p:spPr>
+            <a:xfrm>
+              <a:off x="1373884" y="4500181"/>
+              <a:ext cx="278296" cy="201040"/>
+            </a:xfrm>
+            <a:prstGeom prst="irregularSeal2">
+              <a:avLst/>
+            </a:prstGeom>
+            <a:ln>
+              <a:noFill/>
+            </a:ln>
+          </p:spPr>
+          <p:style>
+            <a:lnRef idx="2">
+              <a:schemeClr val="accent6"/>
+            </a:lnRef>
+            <a:fillRef idx="1">
+              <a:schemeClr val="lt1"/>
+            </a:fillRef>
+            <a:effectRef idx="0">
+              <a:schemeClr val="accent6"/>
+            </a:effectRef>
+            <a:fontRef idx="minor">
+              <a:schemeClr val="dk1"/>
+            </a:fontRef>
+          </p:style>
+          <p:txBody>
+            <a:bodyPr rtlCol="0" anchor="ctr"/>
+            <a:lstStyle/>
+            <a:p>
+              <a:pPr algn="ctr"/>
+              <a:endParaRPr lang="pl-PL"/>
+            </a:p>
+          </p:txBody>
+        </p:sp>
+        <p:sp>
+          <p:nvSpPr>
+            <p:cNvPr id="50" name="Wybuch: 14 punktów 49">
+              <a:extLst>
+                <a:ext uri="{FF2B5EF4-FFF2-40B4-BE49-F238E27FC236}">
+                  <a16:creationId xmlns:a16="http://schemas.microsoft.com/office/drawing/2014/main" id="{EAB56CBC-8DD4-4C17-8FAE-FAE61988D95D}"/>
+                </a:ext>
+              </a:extLst>
+            </p:cNvPr>
+            <p:cNvSpPr/>
+            <p:nvPr/>
+          </p:nvSpPr>
+          <p:spPr>
+            <a:xfrm>
+              <a:off x="2194597" y="3030841"/>
+              <a:ext cx="278296" cy="201040"/>
+            </a:xfrm>
+            <a:prstGeom prst="irregularSeal2">
+              <a:avLst/>
+            </a:prstGeom>
+            <a:ln>
+              <a:noFill/>
+            </a:ln>
+          </p:spPr>
+          <p:style>
+            <a:lnRef idx="2">
+              <a:schemeClr val="accent6"/>
+            </a:lnRef>
+            <a:fillRef idx="1">
+              <a:schemeClr val="lt1"/>
+            </a:fillRef>
+            <a:effectRef idx="0">
+              <a:schemeClr val="accent6"/>
+            </a:effectRef>
+            <a:fontRef idx="minor">
+              <a:schemeClr val="dk1"/>
+            </a:fontRef>
+          </p:style>
+          <p:txBody>
+            <a:bodyPr rtlCol="0" anchor="ctr"/>
+            <a:lstStyle/>
+            <a:p>
+              <a:pPr algn="ctr"/>
+              <a:endParaRPr lang="pl-PL"/>
+            </a:p>
+          </p:txBody>
+        </p:sp>
+        <p:sp>
+          <p:nvSpPr>
+            <p:cNvPr id="51" name="Wybuch: 14 punktów 50">
+              <a:extLst>
+                <a:ext uri="{FF2B5EF4-FFF2-40B4-BE49-F238E27FC236}">
+                  <a16:creationId xmlns:a16="http://schemas.microsoft.com/office/drawing/2014/main" id="{490F8903-196C-45CC-AF4B-3BA633BBB9A4}"/>
+                </a:ext>
+              </a:extLst>
+            </p:cNvPr>
+            <p:cNvSpPr/>
+            <p:nvPr/>
+          </p:nvSpPr>
+          <p:spPr>
+            <a:xfrm>
+              <a:off x="2132721" y="3444530"/>
+              <a:ext cx="278296" cy="201040"/>
+            </a:xfrm>
+            <a:prstGeom prst="irregularSeal2">
+              <a:avLst/>
+            </a:prstGeom>
+            <a:ln>
+              <a:noFill/>
+            </a:ln>
+          </p:spPr>
+          <p:style>
+            <a:lnRef idx="2">
+              <a:schemeClr val="accent6"/>
+            </a:lnRef>
+            <a:fillRef idx="1">
+              <a:schemeClr val="lt1"/>
+            </a:fillRef>
+            <a:effectRef idx="0">
+              <a:schemeClr val="accent6"/>
+            </a:effectRef>
+            <a:fontRef idx="minor">
+              <a:schemeClr val="dk1"/>
+            </a:fontRef>
+          </p:style>
+          <p:txBody>
+            <a:bodyPr rtlCol="0" anchor="ctr"/>
+            <a:lstStyle/>
+            <a:p>
+              <a:pPr algn="ctr"/>
+              <a:endParaRPr lang="pl-PL"/>
+            </a:p>
+          </p:txBody>
+        </p:sp>
+        <p:sp>
+          <p:nvSpPr>
+            <p:cNvPr id="52" name="Wybuch: 14 punktów 51">
+              <a:extLst>
+                <a:ext uri="{FF2B5EF4-FFF2-40B4-BE49-F238E27FC236}">
+                  <a16:creationId xmlns:a16="http://schemas.microsoft.com/office/drawing/2014/main" id="{0FFF2A34-2450-486D-967E-C909B7665086}"/>
+                </a:ext>
+              </a:extLst>
+            </p:cNvPr>
+            <p:cNvSpPr/>
+            <p:nvPr/>
+          </p:nvSpPr>
+          <p:spPr>
+            <a:xfrm>
+              <a:off x="2500401" y="3221950"/>
+              <a:ext cx="278296" cy="201040"/>
+            </a:xfrm>
+            <a:prstGeom prst="irregularSeal2">
+              <a:avLst/>
+            </a:prstGeom>
+            <a:ln>
+              <a:noFill/>
+            </a:ln>
+          </p:spPr>
+          <p:style>
+            <a:lnRef idx="2">
+              <a:schemeClr val="accent6"/>
+            </a:lnRef>
+            <a:fillRef idx="1">
+              <a:schemeClr val="lt1"/>
+            </a:fillRef>
+            <a:effectRef idx="0">
+              <a:schemeClr val="accent6"/>
+            </a:effectRef>
+            <a:fontRef idx="minor">
+              <a:schemeClr val="dk1"/>
+            </a:fontRef>
+          </p:style>
+          <p:txBody>
+            <a:bodyPr rtlCol="0" anchor="ctr"/>
+            <a:lstStyle/>
+            <a:p>
+              <a:pPr algn="ctr"/>
+              <a:endParaRPr lang="pl-PL"/>
+            </a:p>
+          </p:txBody>
+        </p:sp>
+        <p:sp>
+          <p:nvSpPr>
+            <p:cNvPr id="53" name="Wybuch: 14 punktów 52">
+              <a:extLst>
+                <a:ext uri="{FF2B5EF4-FFF2-40B4-BE49-F238E27FC236}">
+                  <a16:creationId xmlns:a16="http://schemas.microsoft.com/office/drawing/2014/main" id="{3D99D7BF-B948-4658-AA07-C1549463F8D2}"/>
+                </a:ext>
+              </a:extLst>
+            </p:cNvPr>
+            <p:cNvSpPr/>
+            <p:nvPr/>
+          </p:nvSpPr>
+          <p:spPr>
+            <a:xfrm>
+              <a:off x="2505182" y="3607408"/>
+              <a:ext cx="278296" cy="201040"/>
+            </a:xfrm>
+            <a:prstGeom prst="irregularSeal2">
+              <a:avLst/>
+            </a:prstGeom>
+            <a:ln>
+              <a:noFill/>
+            </a:ln>
+          </p:spPr>
+          <p:style>
+            <a:lnRef idx="2">
+              <a:schemeClr val="accent6"/>
+            </a:lnRef>
+            <a:fillRef idx="1">
+              <a:schemeClr val="lt1"/>
+            </a:fillRef>
+            <a:effectRef idx="0">
+              <a:schemeClr val="accent6"/>
+            </a:effectRef>
+            <a:fontRef idx="minor">
+              <a:schemeClr val="dk1"/>
+            </a:fontRef>
+          </p:style>
+          <p:txBody>
+            <a:bodyPr rtlCol="0" anchor="ctr"/>
+            <a:lstStyle/>
+            <a:p>
+              <a:pPr algn="ctr"/>
+              <a:endParaRPr lang="pl-PL"/>
+            </a:p>
+          </p:txBody>
+        </p:sp>
+        <p:sp>
+          <p:nvSpPr>
+            <p:cNvPr id="54" name="Wybuch: 14 punktów 53">
+              <a:extLst>
+                <a:ext uri="{FF2B5EF4-FFF2-40B4-BE49-F238E27FC236}">
+                  <a16:creationId xmlns:a16="http://schemas.microsoft.com/office/drawing/2014/main" id="{4585F983-18B9-4EA8-BD7C-8EA70176943A}"/>
+                </a:ext>
+              </a:extLst>
+            </p:cNvPr>
+            <p:cNvSpPr/>
+            <p:nvPr/>
+          </p:nvSpPr>
+          <p:spPr>
+            <a:xfrm>
+              <a:off x="1824309" y="3282078"/>
+              <a:ext cx="278296" cy="201040"/>
+            </a:xfrm>
+            <a:prstGeom prst="irregularSeal2">
+              <a:avLst/>
+            </a:prstGeom>
+            <a:ln>
+              <a:noFill/>
+            </a:ln>
+          </p:spPr>
+          <p:style>
+            <a:lnRef idx="2">
+              <a:schemeClr val="accent6"/>
+            </a:lnRef>
+            <a:fillRef idx="1">
+              <a:schemeClr val="lt1"/>
+            </a:fillRef>
+            <a:effectRef idx="0">
+              <a:schemeClr val="accent6"/>
+            </a:effectRef>
+            <a:fontRef idx="minor">
+              <a:schemeClr val="dk1"/>
+            </a:fontRef>
+          </p:style>
+          <p:txBody>
+            <a:bodyPr rtlCol="0" anchor="ctr"/>
+            <a:lstStyle/>
+            <a:p>
+              <a:pPr algn="ctr"/>
+              <a:endParaRPr lang="pl-PL"/>
+            </a:p>
+          </p:txBody>
+        </p:sp>
+        <p:sp>
+          <p:nvSpPr>
+            <p:cNvPr id="55" name="Wybuch: 14 punktów 54">
+              <a:extLst>
+                <a:ext uri="{FF2B5EF4-FFF2-40B4-BE49-F238E27FC236}">
+                  <a16:creationId xmlns:a16="http://schemas.microsoft.com/office/drawing/2014/main" id="{9A19C1E4-E589-4FFB-A6C9-0E9F8571CA2C}"/>
+                </a:ext>
+              </a:extLst>
+            </p:cNvPr>
+            <p:cNvSpPr/>
+            <p:nvPr/>
+          </p:nvSpPr>
+          <p:spPr>
+            <a:xfrm>
+              <a:off x="2392054" y="2692472"/>
+              <a:ext cx="278296" cy="201040"/>
+            </a:xfrm>
+            <a:prstGeom prst="irregularSeal2">
+              <a:avLst/>
+            </a:prstGeom>
+            <a:ln>
+              <a:noFill/>
+            </a:ln>
+          </p:spPr>
+          <p:style>
+            <a:lnRef idx="2">
+              <a:schemeClr val="accent6"/>
+            </a:lnRef>
+            <a:fillRef idx="1">
+              <a:schemeClr val="lt1"/>
+            </a:fillRef>
+            <a:effectRef idx="0">
+              <a:schemeClr val="accent6"/>
+            </a:effectRef>
+            <a:fontRef idx="minor">
+              <a:schemeClr val="dk1"/>
+            </a:fontRef>
+          </p:style>
+          <p:txBody>
+            <a:bodyPr rtlCol="0" anchor="ctr"/>
+            <a:lstStyle/>
+            <a:p>
+              <a:pPr algn="ctr"/>
+              <a:endParaRPr lang="pl-PL"/>
+            </a:p>
+          </p:txBody>
+        </p:sp>
+        <p:sp>
+          <p:nvSpPr>
+            <p:cNvPr id="56" name="Wybuch: 14 punktów 55">
+              <a:extLst>
+                <a:ext uri="{FF2B5EF4-FFF2-40B4-BE49-F238E27FC236}">
+                  <a16:creationId xmlns:a16="http://schemas.microsoft.com/office/drawing/2014/main" id="{E266A829-8183-41F1-8762-149148083654}"/>
+                </a:ext>
+              </a:extLst>
+            </p:cNvPr>
+            <p:cNvSpPr/>
+            <p:nvPr/>
+          </p:nvSpPr>
+          <p:spPr>
+            <a:xfrm>
+              <a:off x="3825504" y="4596649"/>
+              <a:ext cx="278296" cy="201040"/>
+            </a:xfrm>
+            <a:prstGeom prst="irregularSeal2">
+              <a:avLst/>
+            </a:prstGeom>
+            <a:ln>
+              <a:noFill/>
+            </a:ln>
+          </p:spPr>
+          <p:style>
+            <a:lnRef idx="2">
+              <a:schemeClr val="accent6"/>
+            </a:lnRef>
+            <a:fillRef idx="1">
+              <a:schemeClr val="lt1"/>
+            </a:fillRef>
+            <a:effectRef idx="0">
+              <a:schemeClr val="accent6"/>
+            </a:effectRef>
+            <a:fontRef idx="minor">
+              <a:schemeClr val="dk1"/>
+            </a:fontRef>
+          </p:style>
+          <p:txBody>
+            <a:bodyPr rtlCol="0" anchor="ctr"/>
+            <a:lstStyle/>
+            <a:p>
+              <a:pPr algn="ctr"/>
+              <a:endParaRPr lang="pl-PL"/>
+            </a:p>
+          </p:txBody>
+        </p:sp>
+        <p:sp>
+          <p:nvSpPr>
+            <p:cNvPr id="57" name="Wybuch: 14 punktów 56">
+              <a:extLst>
+                <a:ext uri="{FF2B5EF4-FFF2-40B4-BE49-F238E27FC236}">
+                  <a16:creationId xmlns:a16="http://schemas.microsoft.com/office/drawing/2014/main" id="{73D6CA6F-9B8A-4E55-994C-308F355C9A06}"/>
+                </a:ext>
+              </a:extLst>
+            </p:cNvPr>
+            <p:cNvSpPr/>
+            <p:nvPr/>
+          </p:nvSpPr>
+          <p:spPr>
+            <a:xfrm>
+              <a:off x="3644721" y="5234063"/>
+              <a:ext cx="278296" cy="201040"/>
+            </a:xfrm>
+            <a:prstGeom prst="irregularSeal2">
+              <a:avLst/>
+            </a:prstGeom>
+            <a:ln>
+              <a:noFill/>
+            </a:ln>
+          </p:spPr>
+          <p:style>
+            <a:lnRef idx="2">
+              <a:schemeClr val="accent6"/>
+            </a:lnRef>
+            <a:fillRef idx="1">
+              <a:schemeClr val="lt1"/>
+            </a:fillRef>
+            <a:effectRef idx="0">
+              <a:schemeClr val="accent6"/>
+            </a:effectRef>
+            <a:fontRef idx="minor">
+              <a:schemeClr val="dk1"/>
+            </a:fontRef>
+          </p:style>
+          <p:txBody>
+            <a:bodyPr rtlCol="0" anchor="ctr"/>
+            <a:lstStyle/>
+            <a:p>
+              <a:pPr algn="ctr"/>
+              <a:endParaRPr lang="pl-PL"/>
+            </a:p>
+          </p:txBody>
+        </p:sp>
+        <p:sp>
+          <p:nvSpPr>
+            <p:cNvPr id="58" name="Wybuch: 14 punktów 57">
+              <a:extLst>
+                <a:ext uri="{FF2B5EF4-FFF2-40B4-BE49-F238E27FC236}">
+                  <a16:creationId xmlns:a16="http://schemas.microsoft.com/office/drawing/2014/main" id="{6C3E67FE-EDB3-46D6-9C0A-8CDDB4A4EFBF}"/>
+                </a:ext>
+              </a:extLst>
+            </p:cNvPr>
+            <p:cNvSpPr/>
+            <p:nvPr/>
+          </p:nvSpPr>
+          <p:spPr>
+            <a:xfrm>
+              <a:off x="4131308" y="4787758"/>
+              <a:ext cx="278296" cy="201040"/>
+            </a:xfrm>
+            <a:prstGeom prst="irregularSeal2">
+              <a:avLst/>
+            </a:prstGeom>
+            <a:ln>
+              <a:noFill/>
+            </a:ln>
+          </p:spPr>
+          <p:style>
+            <a:lnRef idx="2">
+              <a:schemeClr val="accent6"/>
+            </a:lnRef>
+            <a:fillRef idx="1">
+              <a:schemeClr val="lt1"/>
+            </a:fillRef>
+            <a:effectRef idx="0">
+              <a:schemeClr val="accent6"/>
+            </a:effectRef>
+            <a:fontRef idx="minor">
+              <a:schemeClr val="dk1"/>
+            </a:fontRef>
+          </p:style>
+          <p:txBody>
+            <a:bodyPr rtlCol="0" anchor="ctr"/>
+            <a:lstStyle/>
+            <a:p>
+              <a:pPr algn="ctr"/>
+              <a:endParaRPr lang="pl-PL"/>
+            </a:p>
+          </p:txBody>
+        </p:sp>
+        <p:sp>
+          <p:nvSpPr>
+            <p:cNvPr id="59" name="Wybuch: 14 punktów 58">
+              <a:extLst>
+                <a:ext uri="{FF2B5EF4-FFF2-40B4-BE49-F238E27FC236}">
+                  <a16:creationId xmlns:a16="http://schemas.microsoft.com/office/drawing/2014/main" id="{B807DB49-5AC5-44F9-8459-9B235C8D7C72}"/>
+                </a:ext>
+              </a:extLst>
+            </p:cNvPr>
+            <p:cNvSpPr/>
+            <p:nvPr/>
+          </p:nvSpPr>
+          <p:spPr>
+            <a:xfrm>
+              <a:off x="4136089" y="5173216"/>
+              <a:ext cx="278296" cy="201040"/>
+            </a:xfrm>
+            <a:prstGeom prst="irregularSeal2">
+              <a:avLst/>
+            </a:prstGeom>
+            <a:ln>
+              <a:noFill/>
+            </a:ln>
+          </p:spPr>
+          <p:style>
+            <a:lnRef idx="2">
+              <a:schemeClr val="accent6"/>
+            </a:lnRef>
+            <a:fillRef idx="1">
+              <a:schemeClr val="lt1"/>
+            </a:fillRef>
+            <a:effectRef idx="0">
+              <a:schemeClr val="accent6"/>
+            </a:effectRef>
+            <a:fontRef idx="minor">
+              <a:schemeClr val="dk1"/>
+            </a:fontRef>
+          </p:style>
+          <p:txBody>
+            <a:bodyPr rtlCol="0" anchor="ctr"/>
+            <a:lstStyle/>
+            <a:p>
+              <a:pPr algn="ctr"/>
+              <a:endParaRPr lang="pl-PL"/>
+            </a:p>
+          </p:txBody>
+        </p:sp>
+        <p:sp>
+          <p:nvSpPr>
+            <p:cNvPr id="60" name="Wybuch: 14 punktów 59">
+              <a:extLst>
+                <a:ext uri="{FF2B5EF4-FFF2-40B4-BE49-F238E27FC236}">
+                  <a16:creationId xmlns:a16="http://schemas.microsoft.com/office/drawing/2014/main" id="{5BC9E72C-FE87-4046-8B69-B5B2A5AEBF5C}"/>
+                </a:ext>
+              </a:extLst>
+            </p:cNvPr>
+            <p:cNvSpPr/>
+            <p:nvPr/>
+          </p:nvSpPr>
+          <p:spPr>
+            <a:xfrm>
+              <a:off x="3163807" y="5468198"/>
+              <a:ext cx="278296" cy="201040"/>
+            </a:xfrm>
+            <a:prstGeom prst="irregularSeal2">
+              <a:avLst/>
+            </a:prstGeom>
+            <a:ln>
+              <a:noFill/>
+            </a:ln>
+          </p:spPr>
+          <p:style>
+            <a:lnRef idx="2">
+              <a:schemeClr val="accent6"/>
+            </a:lnRef>
+            <a:fillRef idx="1">
+              <a:schemeClr val="lt1"/>
+            </a:fillRef>
+            <a:effectRef idx="0">
+              <a:schemeClr val="accent6"/>
+            </a:effectRef>
+            <a:fontRef idx="minor">
+              <a:schemeClr val="dk1"/>
+            </a:fontRef>
+          </p:style>
+          <p:txBody>
+            <a:bodyPr rtlCol="0" anchor="ctr"/>
+            <a:lstStyle/>
+            <a:p>
+              <a:pPr algn="ctr"/>
+              <a:endParaRPr lang="pl-PL"/>
+            </a:p>
+          </p:txBody>
+        </p:sp>
+        <p:sp>
+          <p:nvSpPr>
+            <p:cNvPr id="61" name="Wybuch: 14 punktów 60">
+              <a:extLst>
+                <a:ext uri="{FF2B5EF4-FFF2-40B4-BE49-F238E27FC236}">
+                  <a16:creationId xmlns:a16="http://schemas.microsoft.com/office/drawing/2014/main" id="{D23C3E6B-9C9A-46AC-A2CC-D7EDD871003B}"/>
+                </a:ext>
+              </a:extLst>
+            </p:cNvPr>
+            <p:cNvSpPr/>
+            <p:nvPr/>
+          </p:nvSpPr>
+          <p:spPr>
+            <a:xfrm>
+              <a:off x="4685602" y="4655588"/>
+              <a:ext cx="278296" cy="201040"/>
+            </a:xfrm>
+            <a:prstGeom prst="irregularSeal2">
+              <a:avLst/>
+            </a:prstGeom>
+            <a:ln>
+              <a:noFill/>
+            </a:ln>
+          </p:spPr>
+          <p:style>
+            <a:lnRef idx="2">
+              <a:schemeClr val="accent6"/>
+            </a:lnRef>
+            <a:fillRef idx="1">
+              <a:schemeClr val="lt1"/>
+            </a:fillRef>
+            <a:effectRef idx="0">
+              <a:schemeClr val="accent6"/>
+            </a:effectRef>
+            <a:fontRef idx="minor">
+              <a:schemeClr val="dk1"/>
+            </a:fontRef>
+          </p:style>
+          <p:txBody>
+            <a:bodyPr rtlCol="0" anchor="ctr"/>
+            <a:lstStyle/>
+            <a:p>
+              <a:pPr algn="ctr"/>
+              <a:endParaRPr lang="pl-PL"/>
+            </a:p>
+          </p:txBody>
+        </p:sp>
+        <p:sp>
+          <p:nvSpPr>
+            <p:cNvPr id="62" name="Wybuch: 14 punktów 61">
+              <a:extLst>
+                <a:ext uri="{FF2B5EF4-FFF2-40B4-BE49-F238E27FC236}">
+                  <a16:creationId xmlns:a16="http://schemas.microsoft.com/office/drawing/2014/main" id="{60E178A1-DF68-4550-8649-7EDED7DBDEEB}"/>
+                </a:ext>
+              </a:extLst>
+            </p:cNvPr>
+            <p:cNvSpPr/>
+            <p:nvPr/>
+          </p:nvSpPr>
+          <p:spPr>
+            <a:xfrm>
+              <a:off x="1900140" y="3760382"/>
+              <a:ext cx="278296" cy="201040"/>
+            </a:xfrm>
+            <a:prstGeom prst="irregularSeal2">
+              <a:avLst/>
+            </a:prstGeom>
+            <a:ln>
+              <a:noFill/>
+            </a:ln>
+          </p:spPr>
+          <p:style>
+            <a:lnRef idx="2">
+              <a:schemeClr val="accent6"/>
+            </a:lnRef>
+            <a:fillRef idx="1">
+              <a:schemeClr val="lt1"/>
+            </a:fillRef>
+            <a:effectRef idx="0">
+              <a:schemeClr val="accent6"/>
+            </a:effectRef>
+            <a:fontRef idx="minor">
+              <a:schemeClr val="dk1"/>
+            </a:fontRef>
+          </p:style>
+          <p:txBody>
+            <a:bodyPr rtlCol="0" anchor="ctr"/>
+            <a:lstStyle/>
+            <a:p>
+              <a:pPr algn="ctr"/>
+              <a:endParaRPr lang="pl-PL"/>
+            </a:p>
+          </p:txBody>
+        </p:sp>
+        <p:sp>
+          <p:nvSpPr>
+            <p:cNvPr id="63" name="Wybuch: 14 punktów 62">
+              <a:extLst>
+                <a:ext uri="{FF2B5EF4-FFF2-40B4-BE49-F238E27FC236}">
+                  <a16:creationId xmlns:a16="http://schemas.microsoft.com/office/drawing/2014/main" id="{6B876364-9335-4765-B6E6-C1565CD674B8}"/>
+                </a:ext>
+              </a:extLst>
+            </p:cNvPr>
+            <p:cNvSpPr/>
+            <p:nvPr/>
+          </p:nvSpPr>
+          <p:spPr>
+            <a:xfrm>
+              <a:off x="2111713" y="4345795"/>
+              <a:ext cx="278296" cy="201040"/>
+            </a:xfrm>
+            <a:prstGeom prst="irregularSeal2">
+              <a:avLst/>
+            </a:prstGeom>
+            <a:ln>
+              <a:noFill/>
+            </a:ln>
+          </p:spPr>
+          <p:style>
+            <a:lnRef idx="2">
+              <a:schemeClr val="accent6"/>
+            </a:lnRef>
+            <a:fillRef idx="1">
+              <a:schemeClr val="lt1"/>
+            </a:fillRef>
+            <a:effectRef idx="0">
+              <a:schemeClr val="accent6"/>
+            </a:effectRef>
+            <a:fontRef idx="minor">
+              <a:schemeClr val="dk1"/>
+            </a:fontRef>
+          </p:style>
+          <p:txBody>
+            <a:bodyPr rtlCol="0" anchor="ctr"/>
+            <a:lstStyle/>
+            <a:p>
+              <a:pPr algn="ctr"/>
+              <a:endParaRPr lang="pl-PL"/>
+            </a:p>
+          </p:txBody>
+        </p:sp>
+        <p:sp>
+          <p:nvSpPr>
+            <p:cNvPr id="64" name="Wybuch: 14 punktów 63">
+              <a:extLst>
+                <a:ext uri="{FF2B5EF4-FFF2-40B4-BE49-F238E27FC236}">
+                  <a16:creationId xmlns:a16="http://schemas.microsoft.com/office/drawing/2014/main" id="{511A2C18-3B4F-4871-AD68-72D1EA1930E8}"/>
+                </a:ext>
+              </a:extLst>
+            </p:cNvPr>
+            <p:cNvSpPr/>
+            <p:nvPr/>
+          </p:nvSpPr>
+          <p:spPr>
+            <a:xfrm>
+              <a:off x="2306809" y="4003028"/>
+              <a:ext cx="278296" cy="201040"/>
+            </a:xfrm>
+            <a:prstGeom prst="irregularSeal2">
+              <a:avLst/>
+            </a:prstGeom>
+            <a:ln>
+              <a:noFill/>
+            </a:ln>
+          </p:spPr>
+          <p:style>
+            <a:lnRef idx="2">
+              <a:schemeClr val="accent6"/>
+            </a:lnRef>
+            <a:fillRef idx="1">
+              <a:schemeClr val="lt1"/>
+            </a:fillRef>
+            <a:effectRef idx="0">
+              <a:schemeClr val="accent6"/>
+            </a:effectRef>
+            <a:fontRef idx="minor">
+              <a:schemeClr val="dk1"/>
+            </a:fontRef>
+          </p:style>
+          <p:txBody>
+            <a:bodyPr rtlCol="0" anchor="ctr"/>
+            <a:lstStyle/>
+            <a:p>
+              <a:pPr algn="ctr"/>
+              <a:endParaRPr lang="pl-PL"/>
+            </a:p>
+          </p:txBody>
+        </p:sp>
+        <p:sp>
+          <p:nvSpPr>
+            <p:cNvPr id="65" name="Wybuch: 14 punktów 64">
+              <a:extLst>
+                <a:ext uri="{FF2B5EF4-FFF2-40B4-BE49-F238E27FC236}">
+                  <a16:creationId xmlns:a16="http://schemas.microsoft.com/office/drawing/2014/main" id="{E7DF1F9B-711F-44E9-955A-D694BF3A46A8}"/>
+                </a:ext>
+              </a:extLst>
+            </p:cNvPr>
+            <p:cNvSpPr/>
+            <p:nvPr/>
+          </p:nvSpPr>
+          <p:spPr>
+            <a:xfrm>
+              <a:off x="2484174" y="4508673"/>
+              <a:ext cx="278296" cy="201040"/>
+            </a:xfrm>
+            <a:prstGeom prst="irregularSeal2">
+              <a:avLst/>
+            </a:prstGeom>
+            <a:ln>
+              <a:noFill/>
+            </a:ln>
+          </p:spPr>
+          <p:style>
+            <a:lnRef idx="2">
+              <a:schemeClr val="accent6"/>
+            </a:lnRef>
+            <a:fillRef idx="1">
+              <a:schemeClr val="lt1"/>
+            </a:fillRef>
+            <a:effectRef idx="0">
+              <a:schemeClr val="accent6"/>
+            </a:effectRef>
+            <a:fontRef idx="minor">
+              <a:schemeClr val="dk1"/>
+            </a:fontRef>
+          </p:style>
+          <p:txBody>
+            <a:bodyPr rtlCol="0" anchor="ctr"/>
+            <a:lstStyle/>
+            <a:p>
+              <a:pPr algn="ctr"/>
+              <a:endParaRPr lang="pl-PL"/>
+            </a:p>
+          </p:txBody>
+        </p:sp>
+        <p:sp>
+          <p:nvSpPr>
+            <p:cNvPr id="66" name="Wybuch: 14 punktów 65">
+              <a:extLst>
+                <a:ext uri="{FF2B5EF4-FFF2-40B4-BE49-F238E27FC236}">
+                  <a16:creationId xmlns:a16="http://schemas.microsoft.com/office/drawing/2014/main" id="{DF299246-0C0D-4F64-A733-DBE96775FAB0}"/>
+                </a:ext>
+              </a:extLst>
+            </p:cNvPr>
+            <p:cNvSpPr/>
+            <p:nvPr/>
+          </p:nvSpPr>
+          <p:spPr>
+            <a:xfrm>
+              <a:off x="1803301" y="4183343"/>
+              <a:ext cx="278296" cy="201040"/>
+            </a:xfrm>
+            <a:prstGeom prst="irregularSeal2">
+              <a:avLst/>
+            </a:prstGeom>
+            <a:ln>
+              <a:noFill/>
+            </a:ln>
+          </p:spPr>
+          <p:style>
+            <a:lnRef idx="2">
+              <a:schemeClr val="accent6"/>
+            </a:lnRef>
+            <a:fillRef idx="1">
+              <a:schemeClr val="lt1"/>
+            </a:fillRef>
+            <a:effectRef idx="0">
+              <a:schemeClr val="accent6"/>
+            </a:effectRef>
+            <a:fontRef idx="minor">
+              <a:schemeClr val="dk1"/>
+            </a:fontRef>
+          </p:style>
+          <p:txBody>
+            <a:bodyPr rtlCol="0" anchor="ctr"/>
+            <a:lstStyle/>
+            <a:p>
+              <a:pPr algn="ctr"/>
+              <a:endParaRPr lang="pl-PL"/>
+            </a:p>
+          </p:txBody>
+        </p:sp>
+        <p:sp>
+          <p:nvSpPr>
+            <p:cNvPr id="67" name="Wybuch: 14 punktów 66">
+              <a:extLst>
+                <a:ext uri="{FF2B5EF4-FFF2-40B4-BE49-F238E27FC236}">
+                  <a16:creationId xmlns:a16="http://schemas.microsoft.com/office/drawing/2014/main" id="{6009A573-1FB8-4E70-A3CD-8768FC557BC1}"/>
+                </a:ext>
+              </a:extLst>
+            </p:cNvPr>
+            <p:cNvSpPr/>
+            <p:nvPr/>
+          </p:nvSpPr>
+          <p:spPr>
+            <a:xfrm>
+              <a:off x="2808334" y="3991228"/>
+              <a:ext cx="278296" cy="201040"/>
+            </a:xfrm>
+            <a:prstGeom prst="irregularSeal2">
+              <a:avLst/>
+            </a:prstGeom>
+            <a:ln>
+              <a:noFill/>
+            </a:ln>
+          </p:spPr>
+          <p:style>
+            <a:lnRef idx="2">
+              <a:schemeClr val="accent6"/>
+            </a:lnRef>
+            <a:fillRef idx="1">
+              <a:schemeClr val="lt1"/>
+            </a:fillRef>
+            <a:effectRef idx="0">
+              <a:schemeClr val="accent6"/>
+            </a:effectRef>
+            <a:fontRef idx="minor">
+              <a:schemeClr val="dk1"/>
+            </a:fontRef>
+          </p:style>
+          <p:txBody>
+            <a:bodyPr rtlCol="0" anchor="ctr"/>
+            <a:lstStyle/>
+            <a:p>
+              <a:pPr algn="ctr"/>
+              <a:endParaRPr lang="pl-PL"/>
+            </a:p>
+          </p:txBody>
+        </p:sp>
+        <p:sp>
+          <p:nvSpPr>
+            <p:cNvPr id="68" name="Wybuch: 14 punktów 67">
+              <a:extLst>
+                <a:ext uri="{FF2B5EF4-FFF2-40B4-BE49-F238E27FC236}">
+                  <a16:creationId xmlns:a16="http://schemas.microsoft.com/office/drawing/2014/main" id="{B6822596-B38E-4FD2-A80A-705A56BD0FE4}"/>
+                </a:ext>
+              </a:extLst>
+            </p:cNvPr>
+            <p:cNvSpPr/>
+            <p:nvPr/>
+          </p:nvSpPr>
+          <p:spPr>
+            <a:xfrm>
+              <a:off x="4288812" y="3576462"/>
+              <a:ext cx="278296" cy="201040"/>
+            </a:xfrm>
+            <a:prstGeom prst="irregularSeal2">
+              <a:avLst/>
+            </a:prstGeom>
+            <a:ln>
+              <a:noFill/>
+            </a:ln>
+          </p:spPr>
+          <p:style>
+            <a:lnRef idx="2">
+              <a:schemeClr val="accent6"/>
+            </a:lnRef>
+            <a:fillRef idx="1">
+              <a:schemeClr val="lt1"/>
+            </a:fillRef>
+            <a:effectRef idx="0">
+              <a:schemeClr val="accent6"/>
+            </a:effectRef>
+            <a:fontRef idx="minor">
+              <a:schemeClr val="dk1"/>
+            </a:fontRef>
+          </p:style>
+          <p:txBody>
+            <a:bodyPr rtlCol="0" anchor="ctr"/>
+            <a:lstStyle/>
+            <a:p>
+              <a:pPr algn="ctr"/>
+              <a:endParaRPr lang="pl-PL"/>
+            </a:p>
+          </p:txBody>
+        </p:sp>
+        <p:sp>
+          <p:nvSpPr>
+            <p:cNvPr id="69" name="Wybuch: 14 punktów 68">
+              <a:extLst>
+                <a:ext uri="{FF2B5EF4-FFF2-40B4-BE49-F238E27FC236}">
+                  <a16:creationId xmlns:a16="http://schemas.microsoft.com/office/drawing/2014/main" id="{38586FBC-B255-4D96-9C53-9D970223EE59}"/>
+                </a:ext>
+              </a:extLst>
+            </p:cNvPr>
+            <p:cNvSpPr/>
+            <p:nvPr/>
+          </p:nvSpPr>
+          <p:spPr>
+            <a:xfrm>
+              <a:off x="4223974" y="4163203"/>
+              <a:ext cx="278296" cy="201040"/>
+            </a:xfrm>
+            <a:prstGeom prst="irregularSeal2">
+              <a:avLst/>
+            </a:prstGeom>
+            <a:ln>
+              <a:noFill/>
+            </a:ln>
+          </p:spPr>
+          <p:style>
+            <a:lnRef idx="2">
+              <a:schemeClr val="accent6"/>
+            </a:lnRef>
+            <a:fillRef idx="1">
+              <a:schemeClr val="lt1"/>
+            </a:fillRef>
+            <a:effectRef idx="0">
+              <a:schemeClr val="accent6"/>
+            </a:effectRef>
+            <a:fontRef idx="minor">
+              <a:schemeClr val="dk1"/>
+            </a:fontRef>
+          </p:style>
+          <p:txBody>
+            <a:bodyPr rtlCol="0" anchor="ctr"/>
+            <a:lstStyle/>
+            <a:p>
+              <a:pPr algn="ctr"/>
+              <a:endParaRPr lang="pl-PL"/>
+            </a:p>
+          </p:txBody>
+        </p:sp>
+        <p:sp>
+          <p:nvSpPr>
+            <p:cNvPr id="70" name="Wybuch: 14 punktów 69">
+              <a:extLst>
+                <a:ext uri="{FF2B5EF4-FFF2-40B4-BE49-F238E27FC236}">
+                  <a16:creationId xmlns:a16="http://schemas.microsoft.com/office/drawing/2014/main" id="{E08B0A08-20FE-4DEF-B4D1-0B3B81EB1E43}"/>
+                </a:ext>
+              </a:extLst>
+            </p:cNvPr>
+            <p:cNvSpPr/>
+            <p:nvPr/>
+          </p:nvSpPr>
+          <p:spPr>
+            <a:xfrm>
+              <a:off x="4594616" y="3767571"/>
+              <a:ext cx="278296" cy="201040"/>
+            </a:xfrm>
+            <a:prstGeom prst="irregularSeal2">
+              <a:avLst/>
+            </a:prstGeom>
+            <a:ln>
+              <a:noFill/>
+            </a:ln>
+          </p:spPr>
+          <p:style>
+            <a:lnRef idx="2">
+              <a:schemeClr val="accent6"/>
+            </a:lnRef>
+            <a:fillRef idx="1">
+              <a:schemeClr val="lt1"/>
+            </a:fillRef>
+            <a:effectRef idx="0">
+              <a:schemeClr val="accent6"/>
+            </a:effectRef>
+            <a:fontRef idx="minor">
+              <a:schemeClr val="dk1"/>
+            </a:fontRef>
+          </p:style>
+          <p:txBody>
+            <a:bodyPr rtlCol="0" anchor="ctr"/>
+            <a:lstStyle/>
+            <a:p>
+              <a:pPr algn="ctr"/>
+              <a:endParaRPr lang="pl-PL"/>
+            </a:p>
+          </p:txBody>
+        </p:sp>
+        <p:sp>
+          <p:nvSpPr>
+            <p:cNvPr id="71" name="Wybuch: 14 punktów 70">
+              <a:extLst>
+                <a:ext uri="{FF2B5EF4-FFF2-40B4-BE49-F238E27FC236}">
+                  <a16:creationId xmlns:a16="http://schemas.microsoft.com/office/drawing/2014/main" id="{0245759C-CF79-4543-A4CF-83D6EC01DE91}"/>
+                </a:ext>
+              </a:extLst>
+            </p:cNvPr>
+            <p:cNvSpPr/>
+            <p:nvPr/>
+          </p:nvSpPr>
+          <p:spPr>
+            <a:xfrm>
+              <a:off x="4599397" y="4153029"/>
+              <a:ext cx="278296" cy="201040"/>
+            </a:xfrm>
+            <a:prstGeom prst="irregularSeal2">
+              <a:avLst/>
+            </a:prstGeom>
+            <a:ln>
+              <a:noFill/>
+            </a:ln>
+          </p:spPr>
+          <p:style>
+            <a:lnRef idx="2">
+              <a:schemeClr val="accent6"/>
+            </a:lnRef>
+            <a:fillRef idx="1">
+              <a:schemeClr val="lt1"/>
+            </a:fillRef>
+            <a:effectRef idx="0">
+              <a:schemeClr val="accent6"/>
+            </a:effectRef>
+            <a:fontRef idx="minor">
+              <a:schemeClr val="dk1"/>
+            </a:fontRef>
+          </p:style>
+          <p:txBody>
+            <a:bodyPr rtlCol="0" anchor="ctr"/>
+            <a:lstStyle/>
+            <a:p>
+              <a:pPr algn="ctr"/>
+              <a:endParaRPr lang="pl-PL"/>
+            </a:p>
+          </p:txBody>
+        </p:sp>
+        <p:sp>
+          <p:nvSpPr>
+            <p:cNvPr id="72" name="Wybuch: 14 punktów 71">
+              <a:extLst>
+                <a:ext uri="{FF2B5EF4-FFF2-40B4-BE49-F238E27FC236}">
+                  <a16:creationId xmlns:a16="http://schemas.microsoft.com/office/drawing/2014/main" id="{C22EED06-305B-4537-B2F5-723F58F24214}"/>
+                </a:ext>
+              </a:extLst>
+            </p:cNvPr>
+            <p:cNvSpPr/>
+            <p:nvPr/>
+          </p:nvSpPr>
+          <p:spPr>
+            <a:xfrm>
+              <a:off x="3918524" y="3827699"/>
+              <a:ext cx="278296" cy="201040"/>
+            </a:xfrm>
+            <a:prstGeom prst="irregularSeal2">
+              <a:avLst/>
+            </a:prstGeom>
+            <a:ln>
+              <a:noFill/>
+            </a:ln>
+          </p:spPr>
+          <p:style>
+            <a:lnRef idx="2">
+              <a:schemeClr val="accent6"/>
+            </a:lnRef>
+            <a:fillRef idx="1">
+              <a:schemeClr val="lt1"/>
+            </a:fillRef>
+            <a:effectRef idx="0">
+              <a:schemeClr val="accent6"/>
+            </a:effectRef>
+            <a:fontRef idx="minor">
+              <a:schemeClr val="dk1"/>
+            </a:fontRef>
+          </p:style>
+          <p:txBody>
+            <a:bodyPr rtlCol="0" anchor="ctr"/>
+            <a:lstStyle/>
+            <a:p>
+              <a:pPr algn="ctr"/>
+              <a:endParaRPr lang="pl-PL"/>
+            </a:p>
+          </p:txBody>
+        </p:sp>
+        <p:sp>
+          <p:nvSpPr>
+            <p:cNvPr id="73" name="Wybuch: 14 punktów 72">
+              <a:extLst>
+                <a:ext uri="{FF2B5EF4-FFF2-40B4-BE49-F238E27FC236}">
+                  <a16:creationId xmlns:a16="http://schemas.microsoft.com/office/drawing/2014/main" id="{473E601D-3C97-4E5C-9568-2FF886292C49}"/>
+                </a:ext>
+              </a:extLst>
+            </p:cNvPr>
+            <p:cNvSpPr/>
+            <p:nvPr/>
+          </p:nvSpPr>
+          <p:spPr>
+            <a:xfrm>
+              <a:off x="4923557" y="3635584"/>
+              <a:ext cx="278296" cy="201040"/>
+            </a:xfrm>
+            <a:prstGeom prst="irregularSeal2">
+              <a:avLst/>
+            </a:prstGeom>
+            <a:ln>
+              <a:noFill/>
+            </a:ln>
+          </p:spPr>
+          <p:style>
+            <a:lnRef idx="2">
+              <a:schemeClr val="accent6"/>
+            </a:lnRef>
+            <a:fillRef idx="1">
+              <a:schemeClr val="lt1"/>
+            </a:fillRef>
+            <a:effectRef idx="0">
+              <a:schemeClr val="accent6"/>
+            </a:effectRef>
+            <a:fontRef idx="minor">
+              <a:schemeClr val="dk1"/>
+            </a:fontRef>
+          </p:style>
+          <p:txBody>
+            <a:bodyPr rtlCol="0" anchor="ctr"/>
+            <a:lstStyle/>
+            <a:p>
+              <a:pPr algn="ctr"/>
+              <a:endParaRPr lang="pl-PL"/>
+            </a:p>
+          </p:txBody>
+        </p:sp>
+        <p:sp>
+          <p:nvSpPr>
+            <p:cNvPr id="74" name="Wybuch: 14 punktów 73">
+              <a:extLst>
+                <a:ext uri="{FF2B5EF4-FFF2-40B4-BE49-F238E27FC236}">
+                  <a16:creationId xmlns:a16="http://schemas.microsoft.com/office/drawing/2014/main" id="{FB5184E1-E1A9-4B46-B6B0-91DD78CB3BE3}"/>
+                </a:ext>
+              </a:extLst>
+            </p:cNvPr>
+            <p:cNvSpPr/>
+            <p:nvPr/>
+          </p:nvSpPr>
+          <p:spPr>
+            <a:xfrm>
+              <a:off x="2489236" y="4780092"/>
+              <a:ext cx="278296" cy="201040"/>
+            </a:xfrm>
+            <a:prstGeom prst="irregularSeal2">
+              <a:avLst/>
+            </a:prstGeom>
+            <a:ln>
+              <a:noFill/>
+            </a:ln>
+          </p:spPr>
+          <p:style>
+            <a:lnRef idx="2">
+              <a:schemeClr val="accent6"/>
+            </a:lnRef>
+            <a:fillRef idx="1">
+              <a:schemeClr val="lt1"/>
+            </a:fillRef>
+            <a:effectRef idx="0">
+              <a:schemeClr val="accent6"/>
+            </a:effectRef>
+            <a:fontRef idx="minor">
+              <a:schemeClr val="dk1"/>
+            </a:fontRef>
+          </p:style>
+          <p:txBody>
+            <a:bodyPr rtlCol="0" anchor="ctr"/>
+            <a:lstStyle/>
+            <a:p>
+              <a:pPr algn="ctr"/>
+              <a:endParaRPr lang="pl-PL"/>
+            </a:p>
+          </p:txBody>
+        </p:sp>
+        <p:sp>
+          <p:nvSpPr>
+            <p:cNvPr id="75" name="Wybuch: 14 punktów 74">
+              <a:extLst>
+                <a:ext uri="{FF2B5EF4-FFF2-40B4-BE49-F238E27FC236}">
+                  <a16:creationId xmlns:a16="http://schemas.microsoft.com/office/drawing/2014/main" id="{9A0EE941-758A-4408-95E7-DA52885EF591}"/>
+                </a:ext>
+              </a:extLst>
+            </p:cNvPr>
+            <p:cNvSpPr/>
+            <p:nvPr/>
+          </p:nvSpPr>
+          <p:spPr>
+            <a:xfrm>
+              <a:off x="2427360" y="5193781"/>
+              <a:ext cx="278296" cy="201040"/>
+            </a:xfrm>
+            <a:prstGeom prst="irregularSeal2">
+              <a:avLst/>
+            </a:prstGeom>
+            <a:ln>
+              <a:noFill/>
+            </a:ln>
+          </p:spPr>
+          <p:style>
+            <a:lnRef idx="2">
+              <a:schemeClr val="accent6"/>
+            </a:lnRef>
+            <a:fillRef idx="1">
+              <a:schemeClr val="lt1"/>
+            </a:fillRef>
+            <a:effectRef idx="0">
+              <a:schemeClr val="accent6"/>
+            </a:effectRef>
+            <a:fontRef idx="minor">
+              <a:schemeClr val="dk1"/>
+            </a:fontRef>
+          </p:style>
+          <p:txBody>
+            <a:bodyPr rtlCol="0" anchor="ctr"/>
+            <a:lstStyle/>
+            <a:p>
+              <a:pPr algn="ctr"/>
+              <a:endParaRPr lang="pl-PL"/>
+            </a:p>
+          </p:txBody>
+        </p:sp>
+        <p:sp>
+          <p:nvSpPr>
+            <p:cNvPr id="76" name="Wybuch: 14 punktów 75">
+              <a:extLst>
+                <a:ext uri="{FF2B5EF4-FFF2-40B4-BE49-F238E27FC236}">
+                  <a16:creationId xmlns:a16="http://schemas.microsoft.com/office/drawing/2014/main" id="{DB297D4D-1EC9-41D8-84AB-FB26B272757F}"/>
+                </a:ext>
+              </a:extLst>
+            </p:cNvPr>
+            <p:cNvSpPr/>
+            <p:nvPr/>
+          </p:nvSpPr>
+          <p:spPr>
+            <a:xfrm>
+              <a:off x="2795040" y="4971201"/>
+              <a:ext cx="278296" cy="201040"/>
+            </a:xfrm>
+            <a:prstGeom prst="irregularSeal2">
+              <a:avLst/>
+            </a:prstGeom>
+            <a:ln>
+              <a:noFill/>
+            </a:ln>
+          </p:spPr>
+          <p:style>
+            <a:lnRef idx="2">
+              <a:schemeClr val="accent6"/>
+            </a:lnRef>
+            <a:fillRef idx="1">
+              <a:schemeClr val="lt1"/>
+            </a:fillRef>
+            <a:effectRef idx="0">
+              <a:schemeClr val="accent6"/>
+            </a:effectRef>
+            <a:fontRef idx="minor">
+              <a:schemeClr val="dk1"/>
+            </a:fontRef>
+          </p:style>
+          <p:txBody>
+            <a:bodyPr rtlCol="0" anchor="ctr"/>
+            <a:lstStyle/>
+            <a:p>
+              <a:pPr algn="ctr"/>
+              <a:endParaRPr lang="pl-PL"/>
+            </a:p>
+          </p:txBody>
+        </p:sp>
+        <p:sp>
+          <p:nvSpPr>
+            <p:cNvPr id="77" name="Wybuch: 14 punktów 76">
+              <a:extLst>
+                <a:ext uri="{FF2B5EF4-FFF2-40B4-BE49-F238E27FC236}">
+                  <a16:creationId xmlns:a16="http://schemas.microsoft.com/office/drawing/2014/main" id="{C78F6B71-7907-454F-AF52-CE9F8CBEE257}"/>
+                </a:ext>
+              </a:extLst>
+            </p:cNvPr>
+            <p:cNvSpPr/>
+            <p:nvPr/>
+          </p:nvSpPr>
+          <p:spPr>
+            <a:xfrm>
+              <a:off x="2799821" y="5356659"/>
+              <a:ext cx="278296" cy="201040"/>
+            </a:xfrm>
+            <a:prstGeom prst="irregularSeal2">
+              <a:avLst/>
+            </a:prstGeom>
+            <a:ln>
+              <a:noFill/>
+            </a:ln>
+          </p:spPr>
+          <p:style>
+            <a:lnRef idx="2">
+              <a:schemeClr val="accent6"/>
+            </a:lnRef>
+            <a:fillRef idx="1">
+              <a:schemeClr val="lt1"/>
+            </a:fillRef>
+            <a:effectRef idx="0">
+              <a:schemeClr val="accent6"/>
+            </a:effectRef>
+            <a:fontRef idx="minor">
+              <a:schemeClr val="dk1"/>
+            </a:fontRef>
+          </p:style>
+          <p:txBody>
+            <a:bodyPr rtlCol="0" anchor="ctr"/>
+            <a:lstStyle/>
+            <a:p>
+              <a:pPr algn="ctr"/>
+              <a:endParaRPr lang="pl-PL"/>
+            </a:p>
+          </p:txBody>
+        </p:sp>
+        <p:sp>
+          <p:nvSpPr>
+            <p:cNvPr id="78" name="Wybuch: 14 punktów 77">
+              <a:extLst>
+                <a:ext uri="{FF2B5EF4-FFF2-40B4-BE49-F238E27FC236}">
+                  <a16:creationId xmlns:a16="http://schemas.microsoft.com/office/drawing/2014/main" id="{0EE361A2-E0AC-4DE1-8ACF-11974DCDB521}"/>
+                </a:ext>
+              </a:extLst>
+            </p:cNvPr>
+            <p:cNvSpPr/>
+            <p:nvPr/>
+          </p:nvSpPr>
+          <p:spPr>
+            <a:xfrm>
+              <a:off x="2009953" y="4767042"/>
+              <a:ext cx="278296" cy="201040"/>
+            </a:xfrm>
+            <a:prstGeom prst="irregularSeal2">
+              <a:avLst/>
+            </a:prstGeom>
+            <a:ln>
+              <a:noFill/>
+            </a:ln>
+          </p:spPr>
+          <p:style>
+            <a:lnRef idx="2">
+              <a:schemeClr val="accent6"/>
+            </a:lnRef>
+            <a:fillRef idx="1">
+              <a:schemeClr val="lt1"/>
+            </a:fillRef>
+            <a:effectRef idx="0">
+              <a:schemeClr val="accent6"/>
+            </a:effectRef>
+            <a:fontRef idx="minor">
+              <a:schemeClr val="dk1"/>
+            </a:fontRef>
+          </p:style>
+          <p:txBody>
+            <a:bodyPr rtlCol="0" anchor="ctr"/>
+            <a:lstStyle/>
+            <a:p>
+              <a:pPr algn="ctr"/>
+              <a:endParaRPr lang="pl-PL"/>
+            </a:p>
+          </p:txBody>
+        </p:sp>
+        <p:sp>
+          <p:nvSpPr>
+            <p:cNvPr id="79" name="Wybuch: 14 punktów 78">
+              <a:extLst>
+                <a:ext uri="{FF2B5EF4-FFF2-40B4-BE49-F238E27FC236}">
+                  <a16:creationId xmlns:a16="http://schemas.microsoft.com/office/drawing/2014/main" id="{8D9E56EC-FD50-4DEE-A0CE-68CF039288BD}"/>
+                </a:ext>
+              </a:extLst>
+            </p:cNvPr>
+            <p:cNvSpPr/>
+            <p:nvPr/>
+          </p:nvSpPr>
+          <p:spPr>
+            <a:xfrm>
+              <a:off x="3416627" y="4825610"/>
+              <a:ext cx="278296" cy="201040"/>
+            </a:xfrm>
+            <a:prstGeom prst="irregularSeal2">
+              <a:avLst/>
+            </a:prstGeom>
+            <a:ln>
+              <a:noFill/>
+            </a:ln>
+          </p:spPr>
+          <p:style>
+            <a:lnRef idx="2">
+              <a:schemeClr val="accent6"/>
+            </a:lnRef>
+            <a:fillRef idx="1">
+              <a:schemeClr val="lt1"/>
+            </a:fillRef>
+            <a:effectRef idx="0">
+              <a:schemeClr val="accent6"/>
+            </a:effectRef>
+            <a:fontRef idx="minor">
+              <a:schemeClr val="dk1"/>
+            </a:fontRef>
+          </p:style>
+          <p:txBody>
+            <a:bodyPr rtlCol="0" anchor="ctr"/>
+            <a:lstStyle/>
+            <a:p>
+              <a:pPr algn="ctr"/>
+              <a:endParaRPr lang="pl-PL"/>
+            </a:p>
+          </p:txBody>
+        </p:sp>
+        <p:sp>
+          <p:nvSpPr>
+            <p:cNvPr id="80" name="Wybuch: 14 punktów 79">
+              <a:extLst>
+                <a:ext uri="{FF2B5EF4-FFF2-40B4-BE49-F238E27FC236}">
+                  <a16:creationId xmlns:a16="http://schemas.microsoft.com/office/drawing/2014/main" id="{576B5168-DA19-4B88-901C-F3935B1DB3E3}"/>
+                </a:ext>
+              </a:extLst>
+            </p:cNvPr>
+            <p:cNvSpPr/>
+            <p:nvPr/>
+          </p:nvSpPr>
+          <p:spPr>
+            <a:xfrm>
+              <a:off x="3138331" y="3282078"/>
+              <a:ext cx="278296" cy="201040"/>
+            </a:xfrm>
+            <a:prstGeom prst="irregularSeal2">
+              <a:avLst/>
+            </a:prstGeom>
+            <a:ln>
+              <a:noFill/>
+            </a:ln>
+          </p:spPr>
+          <p:style>
+            <a:lnRef idx="2">
+              <a:schemeClr val="accent6"/>
+            </a:lnRef>
+            <a:fillRef idx="1">
+              <a:schemeClr val="lt1"/>
+            </a:fillRef>
+            <a:effectRef idx="0">
+              <a:schemeClr val="accent6"/>
+            </a:effectRef>
+            <a:fontRef idx="minor">
+              <a:schemeClr val="dk1"/>
+            </a:fontRef>
+          </p:style>
+          <p:txBody>
+            <a:bodyPr rtlCol="0" anchor="ctr"/>
+            <a:lstStyle/>
+            <a:p>
+              <a:pPr algn="ctr"/>
+              <a:endParaRPr lang="pl-PL"/>
+            </a:p>
+          </p:txBody>
+        </p:sp>
+        <p:sp>
+          <p:nvSpPr>
+            <p:cNvPr id="81" name="Wybuch: 14 punktów 80">
+              <a:extLst>
+                <a:ext uri="{FF2B5EF4-FFF2-40B4-BE49-F238E27FC236}">
+                  <a16:creationId xmlns:a16="http://schemas.microsoft.com/office/drawing/2014/main" id="{80BC29BB-CC61-455D-8341-8821AD5F4EE5}"/>
+                </a:ext>
+              </a:extLst>
+            </p:cNvPr>
+            <p:cNvSpPr/>
+            <p:nvPr/>
+          </p:nvSpPr>
+          <p:spPr>
+            <a:xfrm>
+              <a:off x="3153048" y="3776325"/>
+              <a:ext cx="278296" cy="201040"/>
+            </a:xfrm>
+            <a:prstGeom prst="irregularSeal2">
+              <a:avLst/>
+            </a:prstGeom>
+            <a:ln>
+              <a:noFill/>
+            </a:ln>
+          </p:spPr>
+          <p:style>
+            <a:lnRef idx="2">
+              <a:schemeClr val="accent6"/>
+            </a:lnRef>
+            <a:fillRef idx="1">
+              <a:schemeClr val="lt1"/>
+            </a:fillRef>
+            <a:effectRef idx="0">
+              <a:schemeClr val="accent6"/>
+            </a:effectRef>
+            <a:fontRef idx="minor">
+              <a:schemeClr val="dk1"/>
+            </a:fontRef>
+          </p:style>
+          <p:txBody>
+            <a:bodyPr rtlCol="0" anchor="ctr"/>
+            <a:lstStyle/>
+            <a:p>
+              <a:pPr algn="ctr"/>
+              <a:endParaRPr lang="pl-PL"/>
+            </a:p>
+          </p:txBody>
+        </p:sp>
+        <p:sp>
+          <p:nvSpPr>
+            <p:cNvPr id="82" name="Wybuch: 14 punktów 81">
+              <a:extLst>
+                <a:ext uri="{FF2B5EF4-FFF2-40B4-BE49-F238E27FC236}">
+                  <a16:creationId xmlns:a16="http://schemas.microsoft.com/office/drawing/2014/main" id="{845969FE-74BB-4622-8C9E-19B3B01F1A5A}"/>
+                </a:ext>
+              </a:extLst>
+            </p:cNvPr>
+            <p:cNvSpPr/>
+            <p:nvPr/>
+          </p:nvSpPr>
+          <p:spPr>
+            <a:xfrm>
+              <a:off x="3520728" y="3553745"/>
+              <a:ext cx="278296" cy="201040"/>
+            </a:xfrm>
+            <a:prstGeom prst="irregularSeal2">
+              <a:avLst/>
+            </a:prstGeom>
+            <a:ln>
+              <a:noFill/>
+            </a:ln>
+          </p:spPr>
+          <p:style>
+            <a:lnRef idx="2">
+              <a:schemeClr val="accent6"/>
+            </a:lnRef>
+            <a:fillRef idx="1">
+              <a:schemeClr val="lt1"/>
+            </a:fillRef>
+            <a:effectRef idx="0">
+              <a:schemeClr val="accent6"/>
+            </a:effectRef>
+            <a:fontRef idx="minor">
+              <a:schemeClr val="dk1"/>
+            </a:fontRef>
+          </p:style>
+          <p:txBody>
+            <a:bodyPr rtlCol="0" anchor="ctr"/>
+            <a:lstStyle/>
+            <a:p>
+              <a:pPr algn="ctr"/>
+              <a:endParaRPr lang="pl-PL"/>
+            </a:p>
+          </p:txBody>
+        </p:sp>
+        <p:sp>
+          <p:nvSpPr>
+            <p:cNvPr id="83" name="Wybuch: 14 punktów 82">
+              <a:extLst>
+                <a:ext uri="{FF2B5EF4-FFF2-40B4-BE49-F238E27FC236}">
+                  <a16:creationId xmlns:a16="http://schemas.microsoft.com/office/drawing/2014/main" id="{EB0B707D-268E-42EE-B410-8D8C8A899935}"/>
+                </a:ext>
+              </a:extLst>
+            </p:cNvPr>
+            <p:cNvSpPr/>
+            <p:nvPr/>
+          </p:nvSpPr>
+          <p:spPr>
+            <a:xfrm>
+              <a:off x="3525509" y="3939203"/>
+              <a:ext cx="278296" cy="201040"/>
+            </a:xfrm>
+            <a:prstGeom prst="irregularSeal2">
+              <a:avLst/>
+            </a:prstGeom>
+            <a:ln>
+              <a:noFill/>
+            </a:ln>
+          </p:spPr>
+          <p:style>
+            <a:lnRef idx="2">
+              <a:schemeClr val="accent6"/>
+            </a:lnRef>
+            <a:fillRef idx="1">
+              <a:schemeClr val="lt1"/>
+            </a:fillRef>
+            <a:effectRef idx="0">
+              <a:schemeClr val="accent6"/>
+            </a:effectRef>
+            <a:fontRef idx="minor">
+              <a:schemeClr val="dk1"/>
+            </a:fontRef>
+          </p:style>
+          <p:txBody>
+            <a:bodyPr rtlCol="0" anchor="ctr"/>
+            <a:lstStyle/>
+            <a:p>
+              <a:pPr algn="ctr"/>
+              <a:endParaRPr lang="pl-PL"/>
+            </a:p>
+          </p:txBody>
+        </p:sp>
+        <p:sp>
+          <p:nvSpPr>
+            <p:cNvPr id="84" name="Wybuch: 14 punktów 83">
+              <a:extLst>
+                <a:ext uri="{FF2B5EF4-FFF2-40B4-BE49-F238E27FC236}">
+                  <a16:creationId xmlns:a16="http://schemas.microsoft.com/office/drawing/2014/main" id="{002EE77A-790A-4EB7-9183-2A4F7665C62B}"/>
+                </a:ext>
+              </a:extLst>
+            </p:cNvPr>
+            <p:cNvSpPr/>
+            <p:nvPr/>
+          </p:nvSpPr>
+          <p:spPr>
+            <a:xfrm>
+              <a:off x="2844636" y="3613873"/>
+              <a:ext cx="278296" cy="201040"/>
+            </a:xfrm>
+            <a:prstGeom prst="irregularSeal2">
+              <a:avLst/>
+            </a:prstGeom>
+            <a:ln>
+              <a:noFill/>
+            </a:ln>
+          </p:spPr>
+          <p:style>
+            <a:lnRef idx="2">
+              <a:schemeClr val="accent6"/>
+            </a:lnRef>
+            <a:fillRef idx="1">
+              <a:schemeClr val="lt1"/>
+            </a:fillRef>
+            <a:effectRef idx="0">
+              <a:schemeClr val="accent6"/>
+            </a:effectRef>
+            <a:fontRef idx="minor">
+              <a:schemeClr val="dk1"/>
+            </a:fontRef>
+          </p:style>
+          <p:txBody>
+            <a:bodyPr rtlCol="0" anchor="ctr"/>
+            <a:lstStyle/>
+            <a:p>
+              <a:pPr algn="ctr"/>
+              <a:endParaRPr lang="pl-PL"/>
+            </a:p>
+          </p:txBody>
+        </p:sp>
+        <p:sp>
+          <p:nvSpPr>
+            <p:cNvPr id="85" name="Wybuch: 14 punktów 84">
+              <a:extLst>
+                <a:ext uri="{FF2B5EF4-FFF2-40B4-BE49-F238E27FC236}">
+                  <a16:creationId xmlns:a16="http://schemas.microsoft.com/office/drawing/2014/main" id="{86CB8965-3B0D-4A07-95F5-D808D523EE36}"/>
+                </a:ext>
+              </a:extLst>
+            </p:cNvPr>
+            <p:cNvSpPr/>
+            <p:nvPr/>
+          </p:nvSpPr>
+          <p:spPr>
+            <a:xfrm>
+              <a:off x="3849669" y="3421758"/>
+              <a:ext cx="278296" cy="201040"/>
+            </a:xfrm>
+            <a:prstGeom prst="irregularSeal2">
+              <a:avLst/>
+            </a:prstGeom>
+            <a:ln>
+              <a:noFill/>
+            </a:ln>
+          </p:spPr>
+          <p:style>
+            <a:lnRef idx="2">
+              <a:schemeClr val="accent6"/>
+            </a:lnRef>
+            <a:fillRef idx="1">
+              <a:schemeClr val="lt1"/>
+            </a:fillRef>
+            <a:effectRef idx="0">
+              <a:schemeClr val="accent6"/>
+            </a:effectRef>
+            <a:fontRef idx="minor">
+              <a:schemeClr val="dk1"/>
+            </a:fontRef>
+          </p:style>
+          <p:txBody>
+            <a:bodyPr rtlCol="0" anchor="ctr"/>
+            <a:lstStyle/>
+            <a:p>
+              <a:pPr algn="ctr"/>
+              <a:endParaRPr lang="pl-PL"/>
+            </a:p>
+          </p:txBody>
+        </p:sp>
+        <p:sp>
+          <p:nvSpPr>
+            <p:cNvPr id="86" name="Wybuch: 14 punktów 85">
+              <a:extLst>
+                <a:ext uri="{FF2B5EF4-FFF2-40B4-BE49-F238E27FC236}">
+                  <a16:creationId xmlns:a16="http://schemas.microsoft.com/office/drawing/2014/main" id="{443C55A0-5F4A-45E7-B926-40CEBFCE4EF9}"/>
+                </a:ext>
+              </a:extLst>
+            </p:cNvPr>
+            <p:cNvSpPr/>
+            <p:nvPr/>
+          </p:nvSpPr>
+          <p:spPr>
+            <a:xfrm>
+              <a:off x="3157637" y="4099676"/>
+              <a:ext cx="278296" cy="201040"/>
+            </a:xfrm>
+            <a:prstGeom prst="irregularSeal2">
+              <a:avLst/>
+            </a:prstGeom>
+            <a:ln>
+              <a:noFill/>
+            </a:ln>
+          </p:spPr>
+          <p:style>
+            <a:lnRef idx="2">
+              <a:schemeClr val="accent6"/>
+            </a:lnRef>
+            <a:fillRef idx="1">
+              <a:schemeClr val="lt1"/>
+            </a:fillRef>
+            <a:effectRef idx="0">
+              <a:schemeClr val="accent6"/>
+            </a:effectRef>
+            <a:fontRef idx="minor">
+              <a:schemeClr val="dk1"/>
+            </a:fontRef>
+          </p:style>
+          <p:txBody>
+            <a:bodyPr rtlCol="0" anchor="ctr"/>
+            <a:lstStyle/>
+            <a:p>
+              <a:pPr algn="ctr"/>
+              <a:endParaRPr lang="pl-PL"/>
+            </a:p>
+          </p:txBody>
+        </p:sp>
+        <p:sp>
+          <p:nvSpPr>
+            <p:cNvPr id="87" name="Wybuch: 14 punktów 86">
+              <a:extLst>
+                <a:ext uri="{FF2B5EF4-FFF2-40B4-BE49-F238E27FC236}">
+                  <a16:creationId xmlns:a16="http://schemas.microsoft.com/office/drawing/2014/main" id="{AEC03136-4786-4A5D-85C0-2D10F2E5D8EF}"/>
+                </a:ext>
+              </a:extLst>
+            </p:cNvPr>
+            <p:cNvSpPr/>
+            <p:nvPr/>
+          </p:nvSpPr>
+          <p:spPr>
+            <a:xfrm>
+              <a:off x="2967844" y="4447822"/>
+              <a:ext cx="278296" cy="201040"/>
+            </a:xfrm>
+            <a:prstGeom prst="irregularSeal2">
+              <a:avLst/>
+            </a:prstGeom>
+            <a:ln>
+              <a:noFill/>
+            </a:ln>
+          </p:spPr>
+          <p:style>
+            <a:lnRef idx="2">
+              <a:schemeClr val="accent6"/>
+            </a:lnRef>
+            <a:fillRef idx="1">
+              <a:schemeClr val="lt1"/>
+            </a:fillRef>
+            <a:effectRef idx="0">
+              <a:schemeClr val="accent6"/>
+            </a:effectRef>
+            <a:fontRef idx="minor">
+              <a:schemeClr val="dk1"/>
+            </a:fontRef>
+          </p:style>
+          <p:txBody>
+            <a:bodyPr rtlCol="0" anchor="ctr"/>
+            <a:lstStyle/>
+            <a:p>
+              <a:pPr algn="ctr"/>
+              <a:endParaRPr lang="pl-PL"/>
+            </a:p>
+          </p:txBody>
+        </p:sp>
+        <p:sp>
+          <p:nvSpPr>
+            <p:cNvPr id="88" name="Wybuch: 14 punktów 87">
+              <a:extLst>
+                <a:ext uri="{FF2B5EF4-FFF2-40B4-BE49-F238E27FC236}">
+                  <a16:creationId xmlns:a16="http://schemas.microsoft.com/office/drawing/2014/main" id="{A491F181-A88D-4463-AD85-4251874814BC}"/>
+                </a:ext>
+              </a:extLst>
+            </p:cNvPr>
+            <p:cNvSpPr/>
+            <p:nvPr/>
+          </p:nvSpPr>
+          <p:spPr>
+            <a:xfrm>
+              <a:off x="3710894" y="4384203"/>
+              <a:ext cx="278296" cy="201040"/>
+            </a:xfrm>
+            <a:prstGeom prst="irregularSeal2">
+              <a:avLst/>
+            </a:prstGeom>
+            <a:ln>
+              <a:noFill/>
+            </a:ln>
+          </p:spPr>
+          <p:style>
+            <a:lnRef idx="2">
+              <a:schemeClr val="accent6"/>
+            </a:lnRef>
+            <a:fillRef idx="1">
+              <a:schemeClr val="lt1"/>
+            </a:fillRef>
+            <a:effectRef idx="0">
+              <a:schemeClr val="accent6"/>
+            </a:effectRef>
+            <a:fontRef idx="minor">
+              <a:schemeClr val="dk1"/>
+            </a:fontRef>
+          </p:style>
+          <p:txBody>
+            <a:bodyPr rtlCol="0" anchor="ctr"/>
+            <a:lstStyle/>
+            <a:p>
+              <a:pPr algn="ctr"/>
+              <a:endParaRPr lang="pl-PL"/>
+            </a:p>
+          </p:txBody>
+        </p:sp>
+        <p:sp>
+          <p:nvSpPr>
+            <p:cNvPr id="89" name="Wybuch: 14 punktów 88">
+              <a:extLst>
+                <a:ext uri="{FF2B5EF4-FFF2-40B4-BE49-F238E27FC236}">
+                  <a16:creationId xmlns:a16="http://schemas.microsoft.com/office/drawing/2014/main" id="{EBDE3E09-DC78-451B-9E75-485FBBCCBE33}"/>
+                </a:ext>
+              </a:extLst>
+            </p:cNvPr>
+            <p:cNvSpPr/>
+            <p:nvPr/>
+          </p:nvSpPr>
+          <p:spPr>
+            <a:xfrm>
+              <a:off x="4594616" y="3164999"/>
+              <a:ext cx="278296" cy="201040"/>
+            </a:xfrm>
+            <a:prstGeom prst="irregularSeal2">
+              <a:avLst/>
+            </a:prstGeom>
+            <a:ln>
+              <a:noFill/>
+            </a:ln>
+          </p:spPr>
+          <p:style>
+            <a:lnRef idx="2">
+              <a:schemeClr val="accent6"/>
+            </a:lnRef>
+            <a:fillRef idx="1">
+              <a:schemeClr val="lt1"/>
+            </a:fillRef>
+            <a:effectRef idx="0">
+              <a:schemeClr val="accent6"/>
+            </a:effectRef>
+            <a:fontRef idx="minor">
+              <a:schemeClr val="dk1"/>
+            </a:fontRef>
+          </p:style>
+          <p:txBody>
+            <a:bodyPr rtlCol="0" anchor="ctr"/>
+            <a:lstStyle/>
+            <a:p>
+              <a:pPr algn="ctr"/>
+              <a:endParaRPr lang="pl-PL"/>
+            </a:p>
+          </p:txBody>
+        </p:sp>
+      </p:grpSp>
+      <p:sp>
+        <p:nvSpPr>
+          <p:cNvPr id="102" name="Strzałka: zakrzywiona w lewo 101">
+            <a:extLst>
+              <a:ext uri="{FF2B5EF4-FFF2-40B4-BE49-F238E27FC236}">
+                <a16:creationId xmlns:a16="http://schemas.microsoft.com/office/drawing/2014/main" id="{C8193480-194F-46F9-8D1E-4822BB7CEEEB}"/>
+              </a:ext>
+            </a:extLst>
+          </p:cNvPr>
+          <p:cNvSpPr/>
+          <p:nvPr/>
+        </p:nvSpPr>
+        <p:spPr>
+          <a:xfrm rot="15142092">
+            <a:off x="2018842" y="-176722"/>
+            <a:ext cx="2528924" cy="5860366"/>
+          </a:xfrm>
+          <a:prstGeom prst="curvedLeftArrow">
+            <a:avLst>
+              <a:gd name="adj1" fmla="val 8047"/>
+              <a:gd name="adj2" fmla="val 15193"/>
+              <a:gd name="adj3" fmla="val 12167"/>
+            </a:avLst>
+          </a:prstGeom>
+          <a:solidFill>
+            <a:schemeClr val="bg1"/>
+          </a:solidFill>
+          <a:ln>
+            <a:noFill/>
+          </a:ln>
+        </p:spPr>
+        <p:style>
+          <a:lnRef idx="2">
+            <a:schemeClr val="accent1">
+              <a:shade val="50000"/>
+            </a:schemeClr>
+          </a:lnRef>
+          <a:fillRef idx="1">
+            <a:schemeClr val="accent1"/>
+          </a:fillRef>
+          <a:effectRef idx="0">
+            <a:schemeClr val="accent1"/>
+          </a:effectRef>
+          <a:fontRef idx="minor">
+            <a:schemeClr val="lt1"/>
+          </a:fontRef>
+        </p:style>
+        <p:txBody>
+          <a:bodyPr rtlCol="0" anchor="ctr"/>
+          <a:lstStyle/>
+          <a:p>
+            <a:pPr algn="ctr"/>
+            <a:endParaRPr lang="pl-PL">
+              <a:solidFill>
+                <a:schemeClr val="tx1"/>
+              </a:solidFill>
+            </a:endParaRPr>
+          </a:p>
+        </p:txBody>
+      </p:sp>
+      <p:sp>
+        <p:nvSpPr>
+          <p:cNvPr id="103" name="Strzałka: zakrzywiona w lewo 102">
+            <a:extLst>
+              <a:ext uri="{FF2B5EF4-FFF2-40B4-BE49-F238E27FC236}">
+                <a16:creationId xmlns:a16="http://schemas.microsoft.com/office/drawing/2014/main" id="{D06B58BE-0F5A-408B-A125-021792C5C31D}"/>
+              </a:ext>
+            </a:extLst>
+          </p:cNvPr>
+          <p:cNvSpPr/>
+          <p:nvPr/>
+        </p:nvSpPr>
+        <p:spPr>
+          <a:xfrm rot="15142092" flipH="1">
+            <a:off x="2557191" y="2529477"/>
+            <a:ext cx="2110525" cy="5092018"/>
+          </a:xfrm>
+          <a:prstGeom prst="curvedLeftArrow">
+            <a:avLst>
+              <a:gd name="adj1" fmla="val 9853"/>
+              <a:gd name="adj2" fmla="val 9853"/>
+              <a:gd name="adj3" fmla="val 0"/>
+            </a:avLst>
+          </a:prstGeom>
+          <a:solidFill>
+            <a:schemeClr val="bg1"/>
+          </a:solidFill>
+          <a:ln>
+            <a:noFill/>
+          </a:ln>
+        </p:spPr>
+        <p:style>
+          <a:lnRef idx="2">
+            <a:schemeClr val="accent1">
+              <a:shade val="50000"/>
+            </a:schemeClr>
+          </a:lnRef>
+          <a:fillRef idx="1">
+            <a:schemeClr val="accent1"/>
+          </a:fillRef>
+          <a:effectRef idx="0">
+            <a:schemeClr val="accent1"/>
+          </a:effectRef>
+          <a:fontRef idx="minor">
+            <a:schemeClr val="lt1"/>
+          </a:fontRef>
+        </p:style>
+        <p:txBody>
+          <a:bodyPr rtlCol="0" anchor="ctr"/>
+          <a:lstStyle/>
+          <a:p>
+            <a:pPr algn="ctr"/>
+            <a:endParaRPr lang="pl-PL">
+              <a:solidFill>
+                <a:schemeClr val="tx1"/>
+              </a:solidFill>
+            </a:endParaRPr>
+          </a:p>
+        </p:txBody>
+      </p:sp>
+      <p:sp>
+        <p:nvSpPr>
+          <p:cNvPr id="104" name="Strzałka: zakrzywiona w lewo 103">
+            <a:extLst>
+              <a:ext uri="{FF2B5EF4-FFF2-40B4-BE49-F238E27FC236}">
+                <a16:creationId xmlns:a16="http://schemas.microsoft.com/office/drawing/2014/main" id="{ACC9F139-C8A8-4402-BBC7-1F643B41D872}"/>
+              </a:ext>
+            </a:extLst>
+          </p:cNvPr>
+          <p:cNvSpPr/>
+          <p:nvPr/>
+        </p:nvSpPr>
+        <p:spPr>
+          <a:xfrm rot="15427956" flipH="1">
+            <a:off x="7733849" y="4084757"/>
+            <a:ext cx="945552" cy="2195926"/>
+          </a:xfrm>
+          <a:prstGeom prst="curvedLeftArrow">
+            <a:avLst>
+              <a:gd name="adj1" fmla="val 25774"/>
+              <a:gd name="adj2" fmla="val 51154"/>
+              <a:gd name="adj3" fmla="val 25907"/>
+            </a:avLst>
+          </a:prstGeom>
+          <a:solidFill>
+            <a:schemeClr val="bg1"/>
+          </a:solidFill>
+          <a:ln>
+            <a:noFill/>
+          </a:ln>
+        </p:spPr>
+        <p:style>
+          <a:lnRef idx="2">
+            <a:schemeClr val="accent1">
+              <a:shade val="50000"/>
+            </a:schemeClr>
+          </a:lnRef>
+          <a:fillRef idx="1">
+            <a:schemeClr val="accent1"/>
+          </a:fillRef>
+          <a:effectRef idx="0">
+            <a:schemeClr val="accent1"/>
+          </a:effectRef>
+          <a:fontRef idx="minor">
+            <a:schemeClr val="lt1"/>
+          </a:fontRef>
+        </p:style>
+        <p:txBody>
+          <a:bodyPr rtlCol="0" anchor="ctr"/>
+          <a:lstStyle/>
+          <a:p>
+            <a:pPr algn="ctr"/>
+            <a:endParaRPr lang="pl-PL">
+              <a:solidFill>
+                <a:schemeClr val="tx1"/>
+              </a:solidFill>
+            </a:endParaRPr>
+          </a:p>
+        </p:txBody>
+      </p:sp>
+    </p:spTree>
+    <p:extLst>
+      <p:ext uri="{BB962C8B-B14F-4D97-AF65-F5344CB8AC3E}">
+        <p14:creationId xmlns:p14="http://schemas.microsoft.com/office/powerpoint/2010/main" val="2378055582"/>
+      </p:ext>
+    </p:extLst>
+  </p:cSld>
+  <p:clrMapOvr>
+    <a:masterClrMapping/>
+  </p:clrMapOvr>
+</p:sld>
+</file>
+
 <file path=ppt/slides/slide2.xml><?xml version="1.0" encoding="utf-8"?>
+<p:sld xmlns:a="http://schemas.openxmlformats.org/drawingml/2006/main" xmlns:r="http://schemas.openxmlformats.org/officeDocument/2006/relationships" xmlns:p="http://schemas.openxmlformats.org/presentationml/2006/main">
+  <p:cSld>
+    <p:bg>
+      <p:bgPr>
+        <a:gradFill>
+          <a:gsLst>
+            <a:gs pos="54000">
+              <a:srgbClr val="07A1D7"/>
+            </a:gs>
+            <a:gs pos="100000">
+              <a:srgbClr val="11CFD9"/>
+            </a:gs>
+          </a:gsLst>
+          <a:lin ang="5400000" scaled="1"/>
+        </a:gradFill>
+        <a:effectLst/>
+      </p:bgPr>
+    </p:bg>
+    <p:spTree>
+      <p:nvGrpSpPr>
+        <p:cNvPr id="1" name=""/>
+        <p:cNvGrpSpPr/>
+        <p:nvPr/>
+      </p:nvGrpSpPr>
+      <p:grpSpPr>
+        <a:xfrm>
+          <a:off x="0" y="0"/>
+          <a:ext cx="0" cy="0"/>
+          <a:chOff x="0" y="0"/>
+          <a:chExt cx="0" cy="0"/>
+        </a:xfrm>
+      </p:grpSpPr>
+      <p:pic>
+        <p:nvPicPr>
+          <p:cNvPr id="5" name="Obraz 4">
+            <a:extLst>
+              <a:ext uri="{FF2B5EF4-FFF2-40B4-BE49-F238E27FC236}">
+                <a16:creationId xmlns:a16="http://schemas.microsoft.com/office/drawing/2014/main" id="{FA2B5562-A690-428E-8278-450D1EECD2E4}"/>
+              </a:ext>
+            </a:extLst>
+          </p:cNvPr>
+          <p:cNvPicPr>
+            <a:picLocks noChangeAspect="1"/>
+          </p:cNvPicPr>
+          <p:nvPr/>
+        </p:nvPicPr>
+        <p:blipFill>
+          <a:blip r:embed="rId3">
+            <a:extLst>
+              <a:ext uri="{28A0092B-C50C-407E-A947-70E740481C1C}">
+                <a14:useLocalDpi xmlns:a14="http://schemas.microsoft.com/office/drawing/2010/main" val="0"/>
+              </a:ext>
+            </a:extLst>
+          </a:blip>
+          <a:stretch>
+            <a:fillRect/>
+          </a:stretch>
+        </p:blipFill>
+        <p:spPr>
+          <a:xfrm>
+            <a:off x="153944" y="139485"/>
+            <a:ext cx="2471463" cy="1425844"/>
+          </a:xfrm>
+          <a:prstGeom prst="rect">
+            <a:avLst/>
+          </a:prstGeom>
+        </p:spPr>
+      </p:pic>
+      <p:grpSp>
+        <p:nvGrpSpPr>
+          <p:cNvPr id="22" name="Grupa 21">
+            <a:extLst>
+              <a:ext uri="{FF2B5EF4-FFF2-40B4-BE49-F238E27FC236}">
+                <a16:creationId xmlns:a16="http://schemas.microsoft.com/office/drawing/2014/main" id="{E48DC330-8B39-4005-928C-5ED988AC3574}"/>
+              </a:ext>
+            </a:extLst>
+          </p:cNvPr>
+          <p:cNvGrpSpPr/>
+          <p:nvPr/>
+        </p:nvGrpSpPr>
+        <p:grpSpPr>
+          <a:xfrm>
+            <a:off x="3102485" y="-426952"/>
+            <a:ext cx="6412575" cy="6125387"/>
+            <a:chOff x="3319689" y="116387"/>
+            <a:chExt cx="5718293" cy="5719605"/>
+          </a:xfrm>
+        </p:grpSpPr>
+        <p:grpSp>
+          <p:nvGrpSpPr>
+            <p:cNvPr id="20" name="Grupa 19">
+              <a:extLst>
+                <a:ext uri="{FF2B5EF4-FFF2-40B4-BE49-F238E27FC236}">
+                  <a16:creationId xmlns:a16="http://schemas.microsoft.com/office/drawing/2014/main" id="{721B3AF4-A957-4B74-80AE-28D352C23C17}"/>
+                </a:ext>
+              </a:extLst>
+            </p:cNvPr>
+            <p:cNvGrpSpPr/>
+            <p:nvPr/>
+          </p:nvGrpSpPr>
+          <p:grpSpPr>
+            <a:xfrm>
+              <a:off x="3319689" y="116387"/>
+              <a:ext cx="5718293" cy="5719605"/>
+              <a:chOff x="3319689" y="116387"/>
+              <a:chExt cx="5718293" cy="5719605"/>
+            </a:xfrm>
+          </p:grpSpPr>
+          <p:pic>
+            <p:nvPicPr>
+              <p:cNvPr id="6" name="Grafika 5" descr="Elementy układanki">
+                <a:extLst>
+                  <a:ext uri="{FF2B5EF4-FFF2-40B4-BE49-F238E27FC236}">
+                    <a16:creationId xmlns:a16="http://schemas.microsoft.com/office/drawing/2014/main" id="{498CC9C3-E0D4-43A2-A625-8E4B4E9F0764}"/>
+                  </a:ext>
+                </a:extLst>
+              </p:cNvPr>
+              <p:cNvPicPr>
+                <a:picLocks noChangeAspect="1"/>
+              </p:cNvPicPr>
+              <p:nvPr/>
+            </p:nvPicPr>
+            <p:blipFill>
+              <a:blip r:embed="rId4">
+                <a:extLst>
+                  <a:ext uri="{28A0092B-C50C-407E-A947-70E740481C1C}">
+                    <a14:useLocalDpi xmlns:a14="http://schemas.microsoft.com/office/drawing/2010/main" val="0"/>
+                  </a:ext>
+                  <a:ext uri="{96DAC541-7B7A-43D3-8B79-37D633B846F1}">
+                    <asvg:svgBlip xmlns:asvg="http://schemas.microsoft.com/office/drawing/2016/SVG/main" r:embed="rId5"/>
+                  </a:ext>
+                </a:extLst>
+              </a:blip>
+              <a:stretch>
+                <a:fillRect/>
+              </a:stretch>
+            </p:blipFill>
+            <p:spPr>
+              <a:xfrm>
+                <a:off x="3405829" y="203839"/>
+                <a:ext cx="5632153" cy="5632153"/>
+              </a:xfrm>
+              <a:prstGeom prst="rect">
+                <a:avLst/>
+              </a:prstGeom>
+            </p:spPr>
+          </p:pic>
+          <p:pic>
+            <p:nvPicPr>
+              <p:cNvPr id="19" name="Grafika 18" descr="Elementy układanki">
+                <a:extLst>
+                  <a:ext uri="{FF2B5EF4-FFF2-40B4-BE49-F238E27FC236}">
+                    <a16:creationId xmlns:a16="http://schemas.microsoft.com/office/drawing/2014/main" id="{BEE854B6-AD4A-4FDF-BC55-83DDE2AB4EF3}"/>
+                  </a:ext>
+                </a:extLst>
+              </p:cNvPr>
+              <p:cNvPicPr>
+                <a:picLocks noChangeAspect="1"/>
+              </p:cNvPicPr>
+              <p:nvPr/>
+            </p:nvPicPr>
+            <p:blipFill>
+              <a:blip r:embed="rId6">
+                <a:extLst>
+                  <a:ext uri="{28A0092B-C50C-407E-A947-70E740481C1C}">
+                    <a14:useLocalDpi xmlns:a14="http://schemas.microsoft.com/office/drawing/2010/main" val="0"/>
+                  </a:ext>
+                  <a:ext uri="{96DAC541-7B7A-43D3-8B79-37D633B846F1}">
+                    <asvg:svgBlip xmlns:asvg="http://schemas.microsoft.com/office/drawing/2016/SVG/main" r:embed="rId7"/>
+                  </a:ext>
+                </a:extLst>
+              </a:blip>
+              <a:stretch>
+                <a:fillRect/>
+              </a:stretch>
+            </p:blipFill>
+            <p:spPr>
+              <a:xfrm>
+                <a:off x="3319689" y="116387"/>
+                <a:ext cx="5632153" cy="5632153"/>
+              </a:xfrm>
+              <a:prstGeom prst="rect">
+                <a:avLst/>
+              </a:prstGeom>
+            </p:spPr>
+          </p:pic>
+        </p:grpSp>
+        <p:pic>
+          <p:nvPicPr>
+            <p:cNvPr id="16" name="Obraz 15">
+              <a:extLst>
+                <a:ext uri="{FF2B5EF4-FFF2-40B4-BE49-F238E27FC236}">
+                  <a16:creationId xmlns:a16="http://schemas.microsoft.com/office/drawing/2014/main" id="{B7292E6B-C03F-459E-88CC-514C6DB0F1DB}"/>
+                </a:ext>
+              </a:extLst>
+            </p:cNvPr>
+            <p:cNvPicPr>
+              <a:picLocks noChangeAspect="1"/>
+            </p:cNvPicPr>
+            <p:nvPr/>
+          </p:nvPicPr>
+          <p:blipFill rotWithShape="1">
+            <a:blip r:embed="rId8">
+              <a:extLst>
+                <a:ext uri="{28A0092B-C50C-407E-A947-70E740481C1C}">
+                  <a14:useLocalDpi xmlns:a14="http://schemas.microsoft.com/office/drawing/2010/main" val="0"/>
+                </a:ext>
+              </a:extLst>
+            </a:blip>
+            <a:srcRect t="22857" b="24477"/>
+            <a:stretch/>
+          </p:blipFill>
+          <p:spPr>
+            <a:xfrm>
+              <a:off x="4075296" y="3880221"/>
+              <a:ext cx="1649644" cy="651594"/>
+            </a:xfrm>
+            <a:prstGeom prst="rect">
+              <a:avLst/>
+            </a:prstGeom>
+          </p:spPr>
+        </p:pic>
+        <p:pic>
+          <p:nvPicPr>
+            <p:cNvPr id="18" name="Obraz 17">
+              <a:extLst>
+                <a:ext uri="{FF2B5EF4-FFF2-40B4-BE49-F238E27FC236}">
+                  <a16:creationId xmlns:a16="http://schemas.microsoft.com/office/drawing/2014/main" id="{26E65C98-CDD5-4644-AB1C-10853A1ADBC1}"/>
+                </a:ext>
+              </a:extLst>
+            </p:cNvPr>
+            <p:cNvPicPr>
+              <a:picLocks noChangeAspect="1"/>
+            </p:cNvPicPr>
+            <p:nvPr/>
+          </p:nvPicPr>
+          <p:blipFill>
+            <a:blip r:embed="rId9">
+              <a:extLst>
+                <a:ext uri="{28A0092B-C50C-407E-A947-70E740481C1C}">
+                  <a14:useLocalDpi xmlns:a14="http://schemas.microsoft.com/office/drawing/2010/main" val="0"/>
+                </a:ext>
+              </a:extLst>
+            </a:blip>
+            <a:stretch>
+              <a:fillRect/>
+            </a:stretch>
+          </p:blipFill>
+          <p:spPr>
+            <a:xfrm>
+              <a:off x="4075296" y="1696802"/>
+              <a:ext cx="1353050" cy="1504369"/>
+            </a:xfrm>
+            <a:prstGeom prst="rect">
+              <a:avLst/>
+            </a:prstGeom>
+          </p:spPr>
+        </p:pic>
+        <p:pic>
+          <p:nvPicPr>
+            <p:cNvPr id="13" name="Obraz 12">
+              <a:extLst>
+                <a:ext uri="{FF2B5EF4-FFF2-40B4-BE49-F238E27FC236}">
+                  <a16:creationId xmlns:a16="http://schemas.microsoft.com/office/drawing/2014/main" id="{9E576892-78C5-43B9-8A5A-9B6103A5B935}"/>
+                </a:ext>
+              </a:extLst>
+            </p:cNvPr>
+            <p:cNvPicPr>
+              <a:picLocks noChangeAspect="1"/>
+            </p:cNvPicPr>
+            <p:nvPr/>
+          </p:nvPicPr>
+          <p:blipFill>
+            <a:blip r:embed="rId10">
+              <a:extLst>
+                <a:ext uri="{28A0092B-C50C-407E-A947-70E740481C1C}">
+                  <a14:useLocalDpi xmlns:a14="http://schemas.microsoft.com/office/drawing/2010/main" val="0"/>
+                </a:ext>
+              </a:extLst>
+            </a:blip>
+            <a:stretch>
+              <a:fillRect/>
+            </a:stretch>
+          </p:blipFill>
+          <p:spPr>
+            <a:xfrm rot="1376932">
+              <a:off x="6480355" y="1252637"/>
+              <a:ext cx="1502490" cy="1126867"/>
+            </a:xfrm>
+            <a:prstGeom prst="rect">
+              <a:avLst/>
+            </a:prstGeom>
+          </p:spPr>
+        </p:pic>
+        <p:pic>
+          <p:nvPicPr>
+            <p:cNvPr id="21" name="Obraz 20">
+              <a:extLst>
+                <a:ext uri="{FF2B5EF4-FFF2-40B4-BE49-F238E27FC236}">
+                  <a16:creationId xmlns:a16="http://schemas.microsoft.com/office/drawing/2014/main" id="{50C29F4D-376C-4D3F-8D67-4974EBF30342}"/>
+                </a:ext>
+              </a:extLst>
+            </p:cNvPr>
+            <p:cNvPicPr>
+              <a:picLocks noChangeAspect="1"/>
+            </p:cNvPicPr>
+            <p:nvPr/>
+          </p:nvPicPr>
+          <p:blipFill>
+            <a:blip r:embed="rId11">
+              <a:extLst>
+                <a:ext uri="{28A0092B-C50C-407E-A947-70E740481C1C}">
+                  <a14:useLocalDpi xmlns:a14="http://schemas.microsoft.com/office/drawing/2010/main" val="0"/>
+                </a:ext>
+              </a:extLst>
+            </a:blip>
+            <a:stretch>
+              <a:fillRect/>
+            </a:stretch>
+          </p:blipFill>
+          <p:spPr>
+            <a:xfrm>
+              <a:off x="6394407" y="3725308"/>
+              <a:ext cx="806507" cy="806507"/>
+            </a:xfrm>
+            <a:prstGeom prst="rect">
+              <a:avLst/>
+            </a:prstGeom>
+          </p:spPr>
+        </p:pic>
+      </p:grpSp>
+      <p:sp>
+        <p:nvSpPr>
+          <p:cNvPr id="23" name="Prostokąt 22">
+            <a:extLst>
+              <a:ext uri="{FF2B5EF4-FFF2-40B4-BE49-F238E27FC236}">
+                <a16:creationId xmlns:a16="http://schemas.microsoft.com/office/drawing/2014/main" id="{54918218-0A69-4E1F-BC91-B47328F4474D}"/>
+              </a:ext>
+            </a:extLst>
+          </p:cNvPr>
+          <p:cNvSpPr/>
+          <p:nvPr/>
+        </p:nvSpPr>
+        <p:spPr>
+          <a:xfrm>
+            <a:off x="153944" y="4893718"/>
+            <a:ext cx="11945291" cy="1754326"/>
+          </a:xfrm>
+          <a:prstGeom prst="rect">
+            <a:avLst/>
+          </a:prstGeom>
+          <a:noFill/>
+        </p:spPr>
+        <p:txBody>
+          <a:bodyPr wrap="square" lIns="91440" tIns="45720" rIns="91440" bIns="45720">
+            <a:spAutoFit/>
+          </a:bodyPr>
+          <a:lstStyle/>
+          <a:p>
+            <a:pPr algn="ctr"/>
+            <a:r>
+              <a:rPr lang="en-US" sz="5400" b="1" dirty="0">
+                <a:ln w="10160">
+                  <a:solidFill>
+                    <a:schemeClr val="accent5"/>
+                  </a:solidFill>
+                  <a:prstDash val="solid"/>
+                </a:ln>
+                <a:solidFill>
+                  <a:srgbClr val="FFFFFF"/>
+                </a:solidFill>
+                <a:effectLst>
+                  <a:outerShdw blurRad="38100" dist="22860" dir="5400000" algn="tl" rotWithShape="0">
+                    <a:srgbClr val="000000">
+                      <a:alpha val="30000"/>
+                    </a:srgbClr>
+                  </a:outerShdw>
+                </a:effectLst>
+              </a:rPr>
+              <a:t>Setting up </a:t>
+            </a:r>
+            <a:r>
+              <a:rPr lang="pl-PL" sz="5400" b="1" dirty="0" err="1">
+                <a:ln w="10160">
+                  <a:solidFill>
+                    <a:schemeClr val="accent5"/>
+                  </a:solidFill>
+                  <a:prstDash val="solid"/>
+                </a:ln>
+                <a:solidFill>
+                  <a:srgbClr val="FFFFFF"/>
+                </a:solidFill>
+                <a:effectLst>
+                  <a:outerShdw blurRad="38100" dist="22860" dir="5400000" algn="tl" rotWithShape="0">
+                    <a:srgbClr val="000000">
+                      <a:alpha val="30000"/>
+                    </a:srgbClr>
+                  </a:outerShdw>
+                </a:effectLst>
+              </a:rPr>
+              <a:t>your</a:t>
+            </a:r>
+            <a:r>
+              <a:rPr lang="en-US" sz="5400" b="1" dirty="0">
+                <a:ln w="10160">
+                  <a:solidFill>
+                    <a:schemeClr val="accent5"/>
+                  </a:solidFill>
+                  <a:prstDash val="solid"/>
+                </a:ln>
+                <a:solidFill>
+                  <a:srgbClr val="FFFFFF"/>
+                </a:solidFill>
+                <a:effectLst>
+                  <a:outerShdw blurRad="38100" dist="22860" dir="5400000" algn="tl" rotWithShape="0">
+                    <a:srgbClr val="000000">
+                      <a:alpha val="30000"/>
+                    </a:srgbClr>
+                  </a:outerShdw>
+                </a:effectLst>
+              </a:rPr>
+              <a:t> controlled development environment</a:t>
+            </a:r>
+            <a:endParaRPr lang="pl-PL" sz="6600" b="1" cap="none" spc="0" dirty="0">
+              <a:ln w="10160">
+                <a:solidFill>
+                  <a:schemeClr val="accent5"/>
+                </a:solidFill>
+                <a:prstDash val="solid"/>
+              </a:ln>
+              <a:solidFill>
+                <a:srgbClr val="FFFFFF"/>
+              </a:solidFill>
+              <a:effectLst>
+                <a:outerShdw blurRad="38100" dist="22860" dir="5400000" algn="tl" rotWithShape="0">
+                  <a:srgbClr val="000000">
+                    <a:alpha val="30000"/>
+                  </a:srgbClr>
+                </a:outerShdw>
+              </a:effectLst>
+            </a:endParaRPr>
+          </a:p>
+        </p:txBody>
+      </p:sp>
+    </p:spTree>
+    <p:extLst>
+      <p:ext uri="{BB962C8B-B14F-4D97-AF65-F5344CB8AC3E}">
+        <p14:creationId xmlns:p14="http://schemas.microsoft.com/office/powerpoint/2010/main" val="4193599125"/>
+      </p:ext>
+    </p:extLst>
+  </p:cSld>
+  <p:clrMapOvr>
+    <a:masterClrMapping/>
+  </p:clrMapOvr>
+</p:sld>
+</file>
+
+<file path=ppt/slides/slide3.xml><?xml version="1.0" encoding="utf-8"?>
 <p:sld xmlns:a="http://schemas.openxmlformats.org/drawingml/2006/main" xmlns:r="http://schemas.openxmlformats.org/officeDocument/2006/relationships" xmlns:p="http://schemas.openxmlformats.org/presentationml/2006/main">
   <p:cSld>
     <p:bg>
@@ -6631,7 +11239,7 @@
 </p:sld>
 </file>
 
-<file path=ppt/slides/slide3.xml><?xml version="1.0" encoding="utf-8"?>
+<file path=ppt/slides/slide4.xml><?xml version="1.0" encoding="utf-8"?>
 <p:sld xmlns:a="http://schemas.openxmlformats.org/drawingml/2006/main" xmlns:r="http://schemas.openxmlformats.org/officeDocument/2006/relationships" xmlns:p="http://schemas.openxmlformats.org/presentationml/2006/main">
   <p:cSld>
     <p:bg>
@@ -7779,7 +12387,7 @@
 </p:sld>
 </file>
 
-<file path=ppt/slides/slide4.xml><?xml version="1.0" encoding="utf-8"?>
+<file path=ppt/slides/slide5.xml><?xml version="1.0" encoding="utf-8"?>
 <p:sld xmlns:a="http://schemas.openxmlformats.org/drawingml/2006/main" xmlns:r="http://schemas.openxmlformats.org/officeDocument/2006/relationships" xmlns:p="http://schemas.openxmlformats.org/presentationml/2006/main">
   <p:cSld>
     <p:bg>
@@ -14143,7 +18751,7 @@
 </p:sld>
 </file>
 
-<file path=ppt/slides/slide5.xml><?xml version="1.0" encoding="utf-8"?>
+<file path=ppt/slides/slide6.xml><?xml version="1.0" encoding="utf-8"?>
 <p:sld xmlns:a="http://schemas.openxmlformats.org/drawingml/2006/main" xmlns:r="http://schemas.openxmlformats.org/officeDocument/2006/relationships" xmlns:p="http://schemas.openxmlformats.org/presentationml/2006/main">
   <p:cSld>
     <p:bg>
@@ -14853,7 +19461,7 @@
 </p:sld>
 </file>
 
-<file path=ppt/slides/slide6.xml><?xml version="1.0" encoding="utf-8"?>
+<file path=ppt/slides/slide7.xml><?xml version="1.0" encoding="utf-8"?>
 <p:sld xmlns:a="http://schemas.openxmlformats.org/drawingml/2006/main" xmlns:r="http://schemas.openxmlformats.org/officeDocument/2006/relationships" xmlns:p="http://schemas.openxmlformats.org/presentationml/2006/main">
   <p:cSld>
     <p:bg>
@@ -16822,7 +21430,7 @@
 </p:sld>
 </file>
 
-<file path=ppt/slides/slide7.xml><?xml version="1.0" encoding="utf-8"?>
+<file path=ppt/slides/slide8.xml><?xml version="1.0" encoding="utf-8"?>
 <p:sld xmlns:a="http://schemas.openxmlformats.org/drawingml/2006/main" xmlns:r="http://schemas.openxmlformats.org/officeDocument/2006/relationships" xmlns:p="http://schemas.openxmlformats.org/presentationml/2006/main">
   <p:cSld>
     <p:bg>
@@ -17575,7 +22183,7 @@
 </p:sld>
 </file>
 
-<file path=ppt/slides/slide8.xml><?xml version="1.0" encoding="utf-8"?>
+<file path=ppt/slides/slide9.xml><?xml version="1.0" encoding="utf-8"?>
 <p:sld xmlns:a="http://schemas.openxmlformats.org/drawingml/2006/main" xmlns:r="http://schemas.openxmlformats.org/officeDocument/2006/relationships" xmlns:p="http://schemas.openxmlformats.org/presentationml/2006/main">
   <p:cSld>
     <p:bg>
@@ -22010,4033 +26618,6 @@
     <p:extLst>
       <p:ext uri="{BB962C8B-B14F-4D97-AF65-F5344CB8AC3E}">
         <p14:creationId xmlns:p14="http://schemas.microsoft.com/office/powerpoint/2010/main" val="3333018196"/>
-      </p:ext>
-    </p:extLst>
-  </p:cSld>
-  <p:clrMapOvr>
-    <a:masterClrMapping/>
-  </p:clrMapOvr>
-</p:sld>
-</file>
-
-<file path=ppt/slides/slide9.xml><?xml version="1.0" encoding="utf-8"?>
-<p:sld xmlns:a="http://schemas.openxmlformats.org/drawingml/2006/main" xmlns:r="http://schemas.openxmlformats.org/officeDocument/2006/relationships" xmlns:p="http://schemas.openxmlformats.org/presentationml/2006/main">
-  <p:cSld>
-    <p:bg>
-      <p:bgPr>
-        <a:gradFill>
-          <a:gsLst>
-            <a:gs pos="54000">
-              <a:srgbClr val="07A1D7"/>
-            </a:gs>
-            <a:gs pos="100000">
-              <a:srgbClr val="11CFD9"/>
-            </a:gs>
-          </a:gsLst>
-          <a:lin ang="5400000" scaled="1"/>
-        </a:gradFill>
-        <a:effectLst/>
-      </p:bgPr>
-    </p:bg>
-    <p:spTree>
-      <p:nvGrpSpPr>
-        <p:cNvPr id="1" name=""/>
-        <p:cNvGrpSpPr/>
-        <p:nvPr/>
-      </p:nvGrpSpPr>
-      <p:grpSpPr>
-        <a:xfrm>
-          <a:off x="0" y="0"/>
-          <a:ext cx="0" cy="0"/>
-          <a:chOff x="0" y="0"/>
-          <a:chExt cx="0" cy="0"/>
-        </a:xfrm>
-      </p:grpSpPr>
-      <p:pic>
-        <p:nvPicPr>
-          <p:cNvPr id="5" name="Obraz 4">
-            <a:extLst>
-              <a:ext uri="{FF2B5EF4-FFF2-40B4-BE49-F238E27FC236}">
-                <a16:creationId xmlns:a16="http://schemas.microsoft.com/office/drawing/2014/main" id="{FA2B5562-A690-428E-8278-450D1EECD2E4}"/>
-              </a:ext>
-            </a:extLst>
-          </p:cNvPr>
-          <p:cNvPicPr>
-            <a:picLocks noChangeAspect="1"/>
-          </p:cNvPicPr>
-          <p:nvPr/>
-        </p:nvPicPr>
-        <p:blipFill>
-          <a:blip r:embed="rId3">
-            <a:extLst>
-              <a:ext uri="{28A0092B-C50C-407E-A947-70E740481C1C}">
-                <a14:useLocalDpi xmlns:a14="http://schemas.microsoft.com/office/drawing/2010/main" val="0"/>
-              </a:ext>
-            </a:extLst>
-          </a:blip>
-          <a:stretch>
-            <a:fillRect/>
-          </a:stretch>
-        </p:blipFill>
-        <p:spPr>
-          <a:xfrm>
-            <a:off x="153944" y="139485"/>
-            <a:ext cx="2471463" cy="1425844"/>
-          </a:xfrm>
-          <a:prstGeom prst="rect">
-            <a:avLst/>
-          </a:prstGeom>
-        </p:spPr>
-      </p:pic>
-      <p:pic>
-        <p:nvPicPr>
-          <p:cNvPr id="3" name="Grafika 2" descr="Żarówka i koło zębate ">
-            <a:extLst>
-              <a:ext uri="{FF2B5EF4-FFF2-40B4-BE49-F238E27FC236}">
-                <a16:creationId xmlns:a16="http://schemas.microsoft.com/office/drawing/2014/main" id="{91D37B8E-9F07-47A7-BEFA-ADF82EE401C1}"/>
-              </a:ext>
-            </a:extLst>
-          </p:cNvPr>
-          <p:cNvPicPr>
-            <a:picLocks noChangeAspect="1"/>
-          </p:cNvPicPr>
-          <p:nvPr/>
-        </p:nvPicPr>
-        <p:blipFill>
-          <a:blip r:embed="rId4">
-            <a:extLst>
-              <a:ext uri="{28A0092B-C50C-407E-A947-70E740481C1C}">
-                <a14:useLocalDpi xmlns:a14="http://schemas.microsoft.com/office/drawing/2010/main" val="0"/>
-              </a:ext>
-              <a:ext uri="{96DAC541-7B7A-43D3-8B79-37D633B846F1}">
-                <asvg:svgBlip xmlns:asvg="http://schemas.microsoft.com/office/drawing/2016/SVG/main" r:embed="rId5"/>
-              </a:ext>
-            </a:extLst>
-          </a:blip>
-          <a:stretch>
-            <a:fillRect/>
-          </a:stretch>
-        </p:blipFill>
-        <p:spPr>
-          <a:xfrm>
-            <a:off x="7803746" y="987555"/>
-            <a:ext cx="4219176" cy="4219176"/>
-          </a:xfrm>
-          <a:prstGeom prst="rect">
-            <a:avLst/>
-          </a:prstGeom>
-        </p:spPr>
-      </p:pic>
-      <p:pic>
-        <p:nvPicPr>
-          <p:cNvPr id="8" name="Grafika 7" descr="Baza danych">
-            <a:extLst>
-              <a:ext uri="{FF2B5EF4-FFF2-40B4-BE49-F238E27FC236}">
-                <a16:creationId xmlns:a16="http://schemas.microsoft.com/office/drawing/2014/main" id="{173516DD-171B-438C-BE95-8341114B2F28}"/>
-              </a:ext>
-            </a:extLst>
-          </p:cNvPr>
-          <p:cNvPicPr>
-            <a:picLocks noChangeAspect="1"/>
-          </p:cNvPicPr>
-          <p:nvPr/>
-        </p:nvPicPr>
-        <p:blipFill>
-          <a:blip r:embed="rId6">
-            <a:extLst>
-              <a:ext uri="{28A0092B-C50C-407E-A947-70E740481C1C}">
-                <a14:useLocalDpi xmlns:a14="http://schemas.microsoft.com/office/drawing/2010/main" val="0"/>
-              </a:ext>
-              <a:ext uri="{96DAC541-7B7A-43D3-8B79-37D633B846F1}">
-                <asvg:svgBlip xmlns:asvg="http://schemas.microsoft.com/office/drawing/2016/SVG/main" r:embed="rId7"/>
-              </a:ext>
-            </a:extLst>
-          </a:blip>
-          <a:stretch>
-            <a:fillRect/>
-          </a:stretch>
-        </p:blipFill>
-        <p:spPr>
-          <a:xfrm>
-            <a:off x="5572747" y="3261296"/>
-            <a:ext cx="2280002" cy="1489466"/>
-          </a:xfrm>
-          <a:prstGeom prst="rect">
-            <a:avLst/>
-          </a:prstGeom>
-        </p:spPr>
-      </p:pic>
-      <p:grpSp>
-        <p:nvGrpSpPr>
-          <p:cNvPr id="90" name="Grupa 89">
-            <a:extLst>
-              <a:ext uri="{FF2B5EF4-FFF2-40B4-BE49-F238E27FC236}">
-                <a16:creationId xmlns:a16="http://schemas.microsoft.com/office/drawing/2014/main" id="{AF18E0F5-07C0-4650-97D4-D3304748F8B5}"/>
-              </a:ext>
-            </a:extLst>
-          </p:cNvPr>
-          <p:cNvGrpSpPr/>
-          <p:nvPr/>
-        </p:nvGrpSpPr>
-        <p:grpSpPr>
-          <a:xfrm>
-            <a:off x="1076788" y="1861356"/>
-            <a:ext cx="4314492" cy="4122758"/>
-            <a:chOff x="1302075" y="1922530"/>
-            <a:chExt cx="4314492" cy="4122758"/>
-          </a:xfrm>
-        </p:grpSpPr>
-        <p:sp>
-          <p:nvSpPr>
-            <p:cNvPr id="11" name="Wybuch: 14 punktów 10">
-              <a:extLst>
-                <a:ext uri="{FF2B5EF4-FFF2-40B4-BE49-F238E27FC236}">
-                  <a16:creationId xmlns:a16="http://schemas.microsoft.com/office/drawing/2014/main" id="{46260736-8D03-4587-BEBC-FD35194986D4}"/>
-                </a:ext>
-              </a:extLst>
-            </p:cNvPr>
-            <p:cNvSpPr/>
-            <p:nvPr/>
-          </p:nvSpPr>
-          <p:spPr>
-            <a:xfrm>
-              <a:off x="2211852" y="2232548"/>
-              <a:ext cx="278296" cy="201040"/>
-            </a:xfrm>
-            <a:prstGeom prst="irregularSeal2">
-              <a:avLst/>
-            </a:prstGeom>
-            <a:ln>
-              <a:noFill/>
-            </a:ln>
-          </p:spPr>
-          <p:style>
-            <a:lnRef idx="2">
-              <a:schemeClr val="accent6"/>
-            </a:lnRef>
-            <a:fillRef idx="1">
-              <a:schemeClr val="lt1"/>
-            </a:fillRef>
-            <a:effectRef idx="0">
-              <a:schemeClr val="accent6"/>
-            </a:effectRef>
-            <a:fontRef idx="minor">
-              <a:schemeClr val="dk1"/>
-            </a:fontRef>
-          </p:style>
-          <p:txBody>
-            <a:bodyPr rtlCol="0" anchor="ctr"/>
-            <a:lstStyle/>
-            <a:p>
-              <a:pPr algn="ctr"/>
-              <a:endParaRPr lang="pl-PL"/>
-            </a:p>
-          </p:txBody>
-        </p:sp>
-        <p:sp>
-          <p:nvSpPr>
-            <p:cNvPr id="12" name="Wybuch: 14 punktów 11">
-              <a:extLst>
-                <a:ext uri="{FF2B5EF4-FFF2-40B4-BE49-F238E27FC236}">
-                  <a16:creationId xmlns:a16="http://schemas.microsoft.com/office/drawing/2014/main" id="{95978B9A-0891-4E05-A4F2-FC552F6570C5}"/>
-                </a:ext>
-              </a:extLst>
-            </p:cNvPr>
-            <p:cNvSpPr/>
-            <p:nvPr/>
-          </p:nvSpPr>
-          <p:spPr>
-            <a:xfrm>
-              <a:off x="1837859" y="2556032"/>
-              <a:ext cx="278296" cy="201040"/>
-            </a:xfrm>
-            <a:prstGeom prst="irregularSeal2">
-              <a:avLst/>
-            </a:prstGeom>
-            <a:ln>
-              <a:noFill/>
-            </a:ln>
-          </p:spPr>
-          <p:style>
-            <a:lnRef idx="2">
-              <a:schemeClr val="accent6"/>
-            </a:lnRef>
-            <a:fillRef idx="1">
-              <a:schemeClr val="lt1"/>
-            </a:fillRef>
-            <a:effectRef idx="0">
-              <a:schemeClr val="accent6"/>
-            </a:effectRef>
-            <a:fontRef idx="minor">
-              <a:schemeClr val="dk1"/>
-            </a:fontRef>
-          </p:style>
-          <p:txBody>
-            <a:bodyPr rtlCol="0" anchor="ctr"/>
-            <a:lstStyle/>
-            <a:p>
-              <a:pPr algn="ctr"/>
-              <a:endParaRPr lang="pl-PL"/>
-            </a:p>
-          </p:txBody>
-        </p:sp>
-        <p:sp>
-          <p:nvSpPr>
-            <p:cNvPr id="13" name="Wybuch: 14 punktów 12">
-              <a:extLst>
-                <a:ext uri="{FF2B5EF4-FFF2-40B4-BE49-F238E27FC236}">
-                  <a16:creationId xmlns:a16="http://schemas.microsoft.com/office/drawing/2014/main" id="{37A84DA9-86E6-42A9-AF09-251C559AA56E}"/>
-                </a:ext>
-              </a:extLst>
-            </p:cNvPr>
-            <p:cNvSpPr/>
-            <p:nvPr/>
-          </p:nvSpPr>
-          <p:spPr>
-            <a:xfrm>
-              <a:off x="1514942" y="2989721"/>
-              <a:ext cx="278296" cy="201040"/>
-            </a:xfrm>
-            <a:prstGeom prst="irregularSeal2">
-              <a:avLst/>
-            </a:prstGeom>
-            <a:ln>
-              <a:noFill/>
-            </a:ln>
-          </p:spPr>
-          <p:style>
-            <a:lnRef idx="2">
-              <a:schemeClr val="accent6"/>
-            </a:lnRef>
-            <a:fillRef idx="1">
-              <a:schemeClr val="lt1"/>
-            </a:fillRef>
-            <a:effectRef idx="0">
-              <a:schemeClr val="accent6"/>
-            </a:effectRef>
-            <a:fontRef idx="minor">
-              <a:schemeClr val="dk1"/>
-            </a:fontRef>
-          </p:style>
-          <p:txBody>
-            <a:bodyPr rtlCol="0" anchor="ctr"/>
-            <a:lstStyle/>
-            <a:p>
-              <a:pPr algn="ctr"/>
-              <a:endParaRPr lang="pl-PL"/>
-            </a:p>
-          </p:txBody>
-        </p:sp>
-        <p:sp>
-          <p:nvSpPr>
-            <p:cNvPr id="14" name="Wybuch: 14 punktów 13">
-              <a:extLst>
-                <a:ext uri="{FF2B5EF4-FFF2-40B4-BE49-F238E27FC236}">
-                  <a16:creationId xmlns:a16="http://schemas.microsoft.com/office/drawing/2014/main" id="{0D2E49A2-B51A-4120-B1EF-C724E85290E5}"/>
-                </a:ext>
-              </a:extLst>
-            </p:cNvPr>
-            <p:cNvSpPr/>
-            <p:nvPr/>
-          </p:nvSpPr>
-          <p:spPr>
-            <a:xfrm>
-              <a:off x="2625407" y="2031508"/>
-              <a:ext cx="278296" cy="201040"/>
-            </a:xfrm>
-            <a:prstGeom prst="irregularSeal2">
-              <a:avLst/>
-            </a:prstGeom>
-            <a:ln>
-              <a:noFill/>
-            </a:ln>
-          </p:spPr>
-          <p:style>
-            <a:lnRef idx="2">
-              <a:schemeClr val="accent6"/>
-            </a:lnRef>
-            <a:fillRef idx="1">
-              <a:schemeClr val="lt1"/>
-            </a:fillRef>
-            <a:effectRef idx="0">
-              <a:schemeClr val="accent6"/>
-            </a:effectRef>
-            <a:fontRef idx="minor">
-              <a:schemeClr val="dk1"/>
-            </a:fontRef>
-          </p:style>
-          <p:txBody>
-            <a:bodyPr rtlCol="0" anchor="ctr"/>
-            <a:lstStyle/>
-            <a:p>
-              <a:pPr algn="ctr"/>
-              <a:endParaRPr lang="pl-PL"/>
-            </a:p>
-          </p:txBody>
-        </p:sp>
-        <p:sp>
-          <p:nvSpPr>
-            <p:cNvPr id="15" name="Wybuch: 14 punktów 14">
-              <a:extLst>
-                <a:ext uri="{FF2B5EF4-FFF2-40B4-BE49-F238E27FC236}">
-                  <a16:creationId xmlns:a16="http://schemas.microsoft.com/office/drawing/2014/main" id="{D32979F6-B821-44A8-B785-1DE47699A489}"/>
-                </a:ext>
-              </a:extLst>
-            </p:cNvPr>
-            <p:cNvSpPr/>
-            <p:nvPr/>
-          </p:nvSpPr>
-          <p:spPr>
-            <a:xfrm>
-              <a:off x="3167011" y="1922530"/>
-              <a:ext cx="278296" cy="201040"/>
-            </a:xfrm>
-            <a:prstGeom prst="irregularSeal2">
-              <a:avLst/>
-            </a:prstGeom>
-            <a:ln>
-              <a:noFill/>
-            </a:ln>
-          </p:spPr>
-          <p:style>
-            <a:lnRef idx="2">
-              <a:schemeClr val="accent6"/>
-            </a:lnRef>
-            <a:fillRef idx="1">
-              <a:schemeClr val="lt1"/>
-            </a:fillRef>
-            <a:effectRef idx="0">
-              <a:schemeClr val="accent6"/>
-            </a:effectRef>
-            <a:fontRef idx="minor">
-              <a:schemeClr val="dk1"/>
-            </a:fontRef>
-          </p:style>
-          <p:txBody>
-            <a:bodyPr rtlCol="0" anchor="ctr"/>
-            <a:lstStyle/>
-            <a:p>
-              <a:pPr algn="ctr"/>
-              <a:endParaRPr lang="pl-PL"/>
-            </a:p>
-          </p:txBody>
-        </p:sp>
-        <p:sp>
-          <p:nvSpPr>
-            <p:cNvPr id="16" name="Wybuch: 14 punktów 15">
-              <a:extLst>
-                <a:ext uri="{FF2B5EF4-FFF2-40B4-BE49-F238E27FC236}">
-                  <a16:creationId xmlns:a16="http://schemas.microsoft.com/office/drawing/2014/main" id="{B8E15455-4F1F-4D50-9A62-62A692C4E509}"/>
-                </a:ext>
-              </a:extLst>
-            </p:cNvPr>
-            <p:cNvSpPr/>
-            <p:nvPr/>
-          </p:nvSpPr>
-          <p:spPr>
-            <a:xfrm>
-              <a:off x="3689785" y="1964098"/>
-              <a:ext cx="278296" cy="201040"/>
-            </a:xfrm>
-            <a:prstGeom prst="irregularSeal2">
-              <a:avLst/>
-            </a:prstGeom>
-            <a:ln>
-              <a:noFill/>
-            </a:ln>
-          </p:spPr>
-          <p:style>
-            <a:lnRef idx="2">
-              <a:schemeClr val="accent6"/>
-            </a:lnRef>
-            <a:fillRef idx="1">
-              <a:schemeClr val="lt1"/>
-            </a:fillRef>
-            <a:effectRef idx="0">
-              <a:schemeClr val="accent6"/>
-            </a:effectRef>
-            <a:fontRef idx="minor">
-              <a:schemeClr val="dk1"/>
-            </a:fontRef>
-          </p:style>
-          <p:txBody>
-            <a:bodyPr rtlCol="0" anchor="ctr"/>
-            <a:lstStyle/>
-            <a:p>
-              <a:pPr algn="ctr"/>
-              <a:endParaRPr lang="pl-PL"/>
-            </a:p>
-          </p:txBody>
-        </p:sp>
-        <p:sp>
-          <p:nvSpPr>
-            <p:cNvPr id="17" name="Wybuch: 14 punktów 16">
-              <a:extLst>
-                <a:ext uri="{FF2B5EF4-FFF2-40B4-BE49-F238E27FC236}">
-                  <a16:creationId xmlns:a16="http://schemas.microsoft.com/office/drawing/2014/main" id="{9090DDDB-439E-4435-BCE6-D82B98D9DFDC}"/>
-                </a:ext>
-              </a:extLst>
-            </p:cNvPr>
-            <p:cNvSpPr/>
-            <p:nvPr/>
-          </p:nvSpPr>
-          <p:spPr>
-            <a:xfrm>
-              <a:off x="4120987" y="2117516"/>
-              <a:ext cx="278296" cy="201040"/>
-            </a:xfrm>
-            <a:prstGeom prst="irregularSeal2">
-              <a:avLst/>
-            </a:prstGeom>
-            <a:ln>
-              <a:noFill/>
-            </a:ln>
-          </p:spPr>
-          <p:style>
-            <a:lnRef idx="2">
-              <a:schemeClr val="accent6"/>
-            </a:lnRef>
-            <a:fillRef idx="1">
-              <a:schemeClr val="lt1"/>
-            </a:fillRef>
-            <a:effectRef idx="0">
-              <a:schemeClr val="accent6"/>
-            </a:effectRef>
-            <a:fontRef idx="minor">
-              <a:schemeClr val="dk1"/>
-            </a:fontRef>
-          </p:style>
-          <p:txBody>
-            <a:bodyPr rtlCol="0" anchor="ctr"/>
-            <a:lstStyle/>
-            <a:p>
-              <a:pPr algn="ctr"/>
-              <a:endParaRPr lang="pl-PL"/>
-            </a:p>
-          </p:txBody>
-        </p:sp>
-        <p:sp>
-          <p:nvSpPr>
-            <p:cNvPr id="18" name="Wybuch: 14 punktów 17">
-              <a:extLst>
-                <a:ext uri="{FF2B5EF4-FFF2-40B4-BE49-F238E27FC236}">
-                  <a16:creationId xmlns:a16="http://schemas.microsoft.com/office/drawing/2014/main" id="{B7174B5E-BDD5-4B4D-93A5-0F0CCA4F295C}"/>
-                </a:ext>
-              </a:extLst>
-            </p:cNvPr>
-            <p:cNvSpPr/>
-            <p:nvPr/>
-          </p:nvSpPr>
-          <p:spPr>
-            <a:xfrm>
-              <a:off x="1308907" y="4087628"/>
-              <a:ext cx="278296" cy="201040"/>
-            </a:xfrm>
-            <a:prstGeom prst="irregularSeal2">
-              <a:avLst/>
-            </a:prstGeom>
-            <a:ln>
-              <a:noFill/>
-            </a:ln>
-          </p:spPr>
-          <p:style>
-            <a:lnRef idx="2">
-              <a:schemeClr val="accent6"/>
-            </a:lnRef>
-            <a:fillRef idx="1">
-              <a:schemeClr val="lt1"/>
-            </a:fillRef>
-            <a:effectRef idx="0">
-              <a:schemeClr val="accent6"/>
-            </a:effectRef>
-            <a:fontRef idx="minor">
-              <a:schemeClr val="dk1"/>
-            </a:fontRef>
-          </p:style>
-          <p:txBody>
-            <a:bodyPr rtlCol="0" anchor="ctr"/>
-            <a:lstStyle/>
-            <a:p>
-              <a:pPr algn="ctr"/>
-              <a:endParaRPr lang="pl-PL"/>
-            </a:p>
-          </p:txBody>
-        </p:sp>
-        <p:sp>
-          <p:nvSpPr>
-            <p:cNvPr id="19" name="Wybuch: 14 punktów 18">
-              <a:extLst>
-                <a:ext uri="{FF2B5EF4-FFF2-40B4-BE49-F238E27FC236}">
-                  <a16:creationId xmlns:a16="http://schemas.microsoft.com/office/drawing/2014/main" id="{8338EC97-9D70-4057-A566-1D67FDA49743}"/>
-                </a:ext>
-              </a:extLst>
-            </p:cNvPr>
-            <p:cNvSpPr/>
-            <p:nvPr/>
-          </p:nvSpPr>
-          <p:spPr>
-            <a:xfrm>
-              <a:off x="4522162" y="2318556"/>
-              <a:ext cx="278296" cy="201040"/>
-            </a:xfrm>
-            <a:prstGeom prst="irregularSeal2">
-              <a:avLst/>
-            </a:prstGeom>
-            <a:ln>
-              <a:noFill/>
-            </a:ln>
-          </p:spPr>
-          <p:style>
-            <a:lnRef idx="2">
-              <a:schemeClr val="accent6"/>
-            </a:lnRef>
-            <a:fillRef idx="1">
-              <a:schemeClr val="lt1"/>
-            </a:fillRef>
-            <a:effectRef idx="0">
-              <a:schemeClr val="accent6"/>
-            </a:effectRef>
-            <a:fontRef idx="minor">
-              <a:schemeClr val="dk1"/>
-            </a:fontRef>
-          </p:style>
-          <p:txBody>
-            <a:bodyPr rtlCol="0" anchor="ctr"/>
-            <a:lstStyle/>
-            <a:p>
-              <a:pPr algn="ctr"/>
-              <a:endParaRPr lang="pl-PL"/>
-            </a:p>
-          </p:txBody>
-        </p:sp>
-        <p:sp>
-          <p:nvSpPr>
-            <p:cNvPr id="20" name="Wybuch: 14 punktów 19">
-              <a:extLst>
-                <a:ext uri="{FF2B5EF4-FFF2-40B4-BE49-F238E27FC236}">
-                  <a16:creationId xmlns:a16="http://schemas.microsoft.com/office/drawing/2014/main" id="{E35CF041-3AA0-41F3-BD5D-D69AB777B215}"/>
-                </a:ext>
-              </a:extLst>
-            </p:cNvPr>
-            <p:cNvSpPr/>
-            <p:nvPr/>
-          </p:nvSpPr>
-          <p:spPr>
-            <a:xfrm>
-              <a:off x="5331567" y="4050598"/>
-              <a:ext cx="278296" cy="201040"/>
-            </a:xfrm>
-            <a:prstGeom prst="irregularSeal2">
-              <a:avLst/>
-            </a:prstGeom>
-            <a:ln>
-              <a:noFill/>
-            </a:ln>
-          </p:spPr>
-          <p:style>
-            <a:lnRef idx="2">
-              <a:schemeClr val="accent6"/>
-            </a:lnRef>
-            <a:fillRef idx="1">
-              <a:schemeClr val="lt1"/>
-            </a:fillRef>
-            <a:effectRef idx="0">
-              <a:schemeClr val="accent6"/>
-            </a:effectRef>
-            <a:fontRef idx="minor">
-              <a:schemeClr val="dk1"/>
-            </a:fontRef>
-          </p:style>
-          <p:txBody>
-            <a:bodyPr rtlCol="0" anchor="ctr"/>
-            <a:lstStyle/>
-            <a:p>
-              <a:pPr algn="ctr"/>
-              <a:endParaRPr lang="pl-PL"/>
-            </a:p>
-          </p:txBody>
-        </p:sp>
-        <p:sp>
-          <p:nvSpPr>
-            <p:cNvPr id="21" name="Wybuch: 14 punktów 20">
-              <a:extLst>
-                <a:ext uri="{FF2B5EF4-FFF2-40B4-BE49-F238E27FC236}">
-                  <a16:creationId xmlns:a16="http://schemas.microsoft.com/office/drawing/2014/main" id="{43548766-2DBB-49D0-9B89-D84E19515443}"/>
-                </a:ext>
-              </a:extLst>
-            </p:cNvPr>
-            <p:cNvSpPr/>
-            <p:nvPr/>
-          </p:nvSpPr>
-          <p:spPr>
-            <a:xfrm>
-              <a:off x="4800458" y="2556032"/>
-              <a:ext cx="278296" cy="201040"/>
-            </a:xfrm>
-            <a:prstGeom prst="irregularSeal2">
-              <a:avLst/>
-            </a:prstGeom>
-            <a:ln>
-              <a:noFill/>
-            </a:ln>
-          </p:spPr>
-          <p:style>
-            <a:lnRef idx="2">
-              <a:schemeClr val="accent6"/>
-            </a:lnRef>
-            <a:fillRef idx="1">
-              <a:schemeClr val="lt1"/>
-            </a:fillRef>
-            <a:effectRef idx="0">
-              <a:schemeClr val="accent6"/>
-            </a:effectRef>
-            <a:fontRef idx="minor">
-              <a:schemeClr val="dk1"/>
-            </a:fontRef>
-          </p:style>
-          <p:txBody>
-            <a:bodyPr rtlCol="0" anchor="ctr"/>
-            <a:lstStyle/>
-            <a:p>
-              <a:pPr algn="ctr"/>
-              <a:endParaRPr lang="pl-PL"/>
-            </a:p>
-          </p:txBody>
-        </p:sp>
-        <p:sp>
-          <p:nvSpPr>
-            <p:cNvPr id="22" name="Wybuch: 14 punktów 21">
-              <a:extLst>
-                <a:ext uri="{FF2B5EF4-FFF2-40B4-BE49-F238E27FC236}">
-                  <a16:creationId xmlns:a16="http://schemas.microsoft.com/office/drawing/2014/main" id="{1DB86397-FFC8-40E4-B8E0-3DBDC026E612}"/>
-                </a:ext>
-              </a:extLst>
-            </p:cNvPr>
-            <p:cNvSpPr/>
-            <p:nvPr/>
-          </p:nvSpPr>
-          <p:spPr>
-            <a:xfrm>
-              <a:off x="5078754" y="2889201"/>
-              <a:ext cx="278296" cy="201040"/>
-            </a:xfrm>
-            <a:prstGeom prst="irregularSeal2">
-              <a:avLst/>
-            </a:prstGeom>
-            <a:ln>
-              <a:noFill/>
-            </a:ln>
-          </p:spPr>
-          <p:style>
-            <a:lnRef idx="2">
-              <a:schemeClr val="accent6"/>
-            </a:lnRef>
-            <a:fillRef idx="1">
-              <a:schemeClr val="lt1"/>
-            </a:fillRef>
-            <a:effectRef idx="0">
-              <a:schemeClr val="accent6"/>
-            </a:effectRef>
-            <a:fontRef idx="minor">
-              <a:schemeClr val="dk1"/>
-            </a:fontRef>
-          </p:style>
-          <p:txBody>
-            <a:bodyPr rtlCol="0" anchor="ctr"/>
-            <a:lstStyle/>
-            <a:p>
-              <a:pPr algn="ctr"/>
-              <a:endParaRPr lang="pl-PL"/>
-            </a:p>
-          </p:txBody>
-        </p:sp>
-        <p:sp>
-          <p:nvSpPr>
-            <p:cNvPr id="23" name="Wybuch: 14 punktów 22">
-              <a:extLst>
-                <a:ext uri="{FF2B5EF4-FFF2-40B4-BE49-F238E27FC236}">
-                  <a16:creationId xmlns:a16="http://schemas.microsoft.com/office/drawing/2014/main" id="{D22F3353-973E-48E8-8009-FA2282C73348}"/>
-                </a:ext>
-              </a:extLst>
-            </p:cNvPr>
-            <p:cNvSpPr/>
-            <p:nvPr/>
-          </p:nvSpPr>
-          <p:spPr>
-            <a:xfrm>
-              <a:off x="5243395" y="3255716"/>
-              <a:ext cx="278296" cy="201040"/>
-            </a:xfrm>
-            <a:prstGeom prst="irregularSeal2">
-              <a:avLst/>
-            </a:prstGeom>
-            <a:ln>
-              <a:noFill/>
-            </a:ln>
-          </p:spPr>
-          <p:style>
-            <a:lnRef idx="2">
-              <a:schemeClr val="accent6"/>
-            </a:lnRef>
-            <a:fillRef idx="1">
-              <a:schemeClr val="lt1"/>
-            </a:fillRef>
-            <a:effectRef idx="0">
-              <a:schemeClr val="accent6"/>
-            </a:effectRef>
-            <a:fontRef idx="minor">
-              <a:schemeClr val="dk1"/>
-            </a:fontRef>
-          </p:style>
-          <p:txBody>
-            <a:bodyPr rtlCol="0" anchor="ctr"/>
-            <a:lstStyle/>
-            <a:p>
-              <a:pPr algn="ctr"/>
-              <a:endParaRPr lang="pl-PL"/>
-            </a:p>
-          </p:txBody>
-        </p:sp>
-        <p:sp>
-          <p:nvSpPr>
-            <p:cNvPr id="24" name="Wybuch: 14 punktów 23">
-              <a:extLst>
-                <a:ext uri="{FF2B5EF4-FFF2-40B4-BE49-F238E27FC236}">
-                  <a16:creationId xmlns:a16="http://schemas.microsoft.com/office/drawing/2014/main" id="{D46488CC-98D8-4D4D-A51A-79429A8E6D6A}"/>
-                </a:ext>
-              </a:extLst>
-            </p:cNvPr>
-            <p:cNvSpPr/>
-            <p:nvPr/>
-          </p:nvSpPr>
-          <p:spPr>
-            <a:xfrm>
-              <a:off x="5338271" y="3653157"/>
-              <a:ext cx="278296" cy="201040"/>
-            </a:xfrm>
-            <a:prstGeom prst="irregularSeal2">
-              <a:avLst/>
-            </a:prstGeom>
-            <a:ln>
-              <a:noFill/>
-            </a:ln>
-          </p:spPr>
-          <p:style>
-            <a:lnRef idx="2">
-              <a:schemeClr val="accent6"/>
-            </a:lnRef>
-            <a:fillRef idx="1">
-              <a:schemeClr val="lt1"/>
-            </a:fillRef>
-            <a:effectRef idx="0">
-              <a:schemeClr val="accent6"/>
-            </a:effectRef>
-            <a:fontRef idx="minor">
-              <a:schemeClr val="dk1"/>
-            </a:fontRef>
-          </p:style>
-          <p:txBody>
-            <a:bodyPr rtlCol="0" anchor="ctr"/>
-            <a:lstStyle/>
-            <a:p>
-              <a:pPr algn="ctr"/>
-              <a:endParaRPr lang="pl-PL"/>
-            </a:p>
-          </p:txBody>
-        </p:sp>
-        <p:sp>
-          <p:nvSpPr>
-            <p:cNvPr id="26" name="Wybuch: 14 punktów 25">
-              <a:extLst>
-                <a:ext uri="{FF2B5EF4-FFF2-40B4-BE49-F238E27FC236}">
-                  <a16:creationId xmlns:a16="http://schemas.microsoft.com/office/drawing/2014/main" id="{4145C5FA-657E-4224-84B6-33471813A893}"/>
-                </a:ext>
-              </a:extLst>
-            </p:cNvPr>
-            <p:cNvSpPr/>
-            <p:nvPr/>
-          </p:nvSpPr>
-          <p:spPr>
-            <a:xfrm>
-              <a:off x="1302075" y="3739331"/>
-              <a:ext cx="278296" cy="201040"/>
-            </a:xfrm>
-            <a:prstGeom prst="irregularSeal2">
-              <a:avLst/>
-            </a:prstGeom>
-            <a:ln>
-              <a:noFill/>
-            </a:ln>
-          </p:spPr>
-          <p:style>
-            <a:lnRef idx="2">
-              <a:schemeClr val="accent6"/>
-            </a:lnRef>
-            <a:fillRef idx="1">
-              <a:schemeClr val="lt1"/>
-            </a:fillRef>
-            <a:effectRef idx="0">
-              <a:schemeClr val="accent6"/>
-            </a:effectRef>
-            <a:fontRef idx="minor">
-              <a:schemeClr val="dk1"/>
-            </a:fontRef>
-          </p:style>
-          <p:txBody>
-            <a:bodyPr rtlCol="0" anchor="ctr"/>
-            <a:lstStyle/>
-            <a:p>
-              <a:pPr algn="ctr"/>
-              <a:endParaRPr lang="pl-PL"/>
-            </a:p>
-          </p:txBody>
-        </p:sp>
-        <p:sp>
-          <p:nvSpPr>
-            <p:cNvPr id="27" name="Wybuch: 14 punktów 26">
-              <a:extLst>
-                <a:ext uri="{FF2B5EF4-FFF2-40B4-BE49-F238E27FC236}">
-                  <a16:creationId xmlns:a16="http://schemas.microsoft.com/office/drawing/2014/main" id="{F9E085D4-149A-45BA-BDDE-A3591C318076}"/>
-                </a:ext>
-              </a:extLst>
-            </p:cNvPr>
-            <p:cNvSpPr/>
-            <p:nvPr/>
-          </p:nvSpPr>
-          <p:spPr>
-            <a:xfrm>
-              <a:off x="1352818" y="3408116"/>
-              <a:ext cx="278296" cy="201040"/>
-            </a:xfrm>
-            <a:prstGeom prst="irregularSeal2">
-              <a:avLst/>
-            </a:prstGeom>
-            <a:ln>
-              <a:noFill/>
-            </a:ln>
-          </p:spPr>
-          <p:style>
-            <a:lnRef idx="2">
-              <a:schemeClr val="accent6"/>
-            </a:lnRef>
-            <a:fillRef idx="1">
-              <a:schemeClr val="lt1"/>
-            </a:fillRef>
-            <a:effectRef idx="0">
-              <a:schemeClr val="accent6"/>
-            </a:effectRef>
-            <a:fontRef idx="minor">
-              <a:schemeClr val="dk1"/>
-            </a:fontRef>
-          </p:style>
-          <p:txBody>
-            <a:bodyPr rtlCol="0" anchor="ctr"/>
-            <a:lstStyle/>
-            <a:p>
-              <a:pPr algn="ctr"/>
-              <a:endParaRPr lang="pl-PL"/>
-            </a:p>
-          </p:txBody>
-        </p:sp>
-        <p:sp>
-          <p:nvSpPr>
-            <p:cNvPr id="28" name="Wybuch: 14 punktów 27">
-              <a:extLst>
-                <a:ext uri="{FF2B5EF4-FFF2-40B4-BE49-F238E27FC236}">
-                  <a16:creationId xmlns:a16="http://schemas.microsoft.com/office/drawing/2014/main" id="{8FC51898-4C83-4160-ADB2-B3E19453FAED}"/>
-                </a:ext>
-              </a:extLst>
-            </p:cNvPr>
-            <p:cNvSpPr/>
-            <p:nvPr/>
-          </p:nvSpPr>
-          <p:spPr>
-            <a:xfrm>
-              <a:off x="2143795" y="5488615"/>
-              <a:ext cx="278296" cy="201040"/>
-            </a:xfrm>
-            <a:prstGeom prst="irregularSeal2">
-              <a:avLst/>
-            </a:prstGeom>
-            <a:ln>
-              <a:noFill/>
-            </a:ln>
-          </p:spPr>
-          <p:style>
-            <a:lnRef idx="2">
-              <a:schemeClr val="accent6"/>
-            </a:lnRef>
-            <a:fillRef idx="1">
-              <a:schemeClr val="lt1"/>
-            </a:fillRef>
-            <a:effectRef idx="0">
-              <a:schemeClr val="accent6"/>
-            </a:effectRef>
-            <a:fontRef idx="minor">
-              <a:schemeClr val="dk1"/>
-            </a:fontRef>
-          </p:style>
-          <p:txBody>
-            <a:bodyPr rtlCol="0" anchor="ctr"/>
-            <a:lstStyle/>
-            <a:p>
-              <a:pPr algn="ctr"/>
-              <a:endParaRPr lang="pl-PL"/>
-            </a:p>
-          </p:txBody>
-        </p:sp>
-        <p:sp>
-          <p:nvSpPr>
-            <p:cNvPr id="29" name="Wybuch: 14 punktów 28">
-              <a:extLst>
-                <a:ext uri="{FF2B5EF4-FFF2-40B4-BE49-F238E27FC236}">
-                  <a16:creationId xmlns:a16="http://schemas.microsoft.com/office/drawing/2014/main" id="{73F8ADB3-6856-40D7-90EB-F2E0A2770D93}"/>
-                </a:ext>
-              </a:extLst>
-            </p:cNvPr>
-            <p:cNvSpPr/>
-            <p:nvPr/>
-          </p:nvSpPr>
-          <p:spPr>
-            <a:xfrm>
-              <a:off x="2435725" y="5681357"/>
-              <a:ext cx="278296" cy="201040"/>
-            </a:xfrm>
-            <a:prstGeom prst="irregularSeal2">
-              <a:avLst/>
-            </a:prstGeom>
-            <a:ln>
-              <a:noFill/>
-            </a:ln>
-          </p:spPr>
-          <p:style>
-            <a:lnRef idx="2">
-              <a:schemeClr val="accent6"/>
-            </a:lnRef>
-            <a:fillRef idx="1">
-              <a:schemeClr val="lt1"/>
-            </a:fillRef>
-            <a:effectRef idx="0">
-              <a:schemeClr val="accent6"/>
-            </a:effectRef>
-            <a:fontRef idx="minor">
-              <a:schemeClr val="dk1"/>
-            </a:fontRef>
-          </p:style>
-          <p:txBody>
-            <a:bodyPr rtlCol="0" anchor="ctr"/>
-            <a:lstStyle/>
-            <a:p>
-              <a:pPr algn="ctr"/>
-              <a:endParaRPr lang="pl-PL"/>
-            </a:p>
-          </p:txBody>
-        </p:sp>
-        <p:sp>
-          <p:nvSpPr>
-            <p:cNvPr id="30" name="Wybuch: 14 punktów 29">
-              <a:extLst>
-                <a:ext uri="{FF2B5EF4-FFF2-40B4-BE49-F238E27FC236}">
-                  <a16:creationId xmlns:a16="http://schemas.microsoft.com/office/drawing/2014/main" id="{43603D2B-6758-4CD2-916F-0338167B5126}"/>
-                </a:ext>
-              </a:extLst>
-            </p:cNvPr>
-            <p:cNvSpPr/>
-            <p:nvPr/>
-          </p:nvSpPr>
-          <p:spPr>
-            <a:xfrm>
-              <a:off x="2866803" y="5817298"/>
-              <a:ext cx="278296" cy="201040"/>
-            </a:xfrm>
-            <a:prstGeom prst="irregularSeal2">
-              <a:avLst/>
-            </a:prstGeom>
-            <a:ln>
-              <a:noFill/>
-            </a:ln>
-          </p:spPr>
-          <p:style>
-            <a:lnRef idx="2">
-              <a:schemeClr val="accent6"/>
-            </a:lnRef>
-            <a:fillRef idx="1">
-              <a:schemeClr val="lt1"/>
-            </a:fillRef>
-            <a:effectRef idx="0">
-              <a:schemeClr val="accent6"/>
-            </a:effectRef>
-            <a:fontRef idx="minor">
-              <a:schemeClr val="dk1"/>
-            </a:fontRef>
-          </p:style>
-          <p:txBody>
-            <a:bodyPr rtlCol="0" anchor="ctr"/>
-            <a:lstStyle/>
-            <a:p>
-              <a:pPr algn="ctr"/>
-              <a:endParaRPr lang="pl-PL"/>
-            </a:p>
-          </p:txBody>
-        </p:sp>
-        <p:sp>
-          <p:nvSpPr>
-            <p:cNvPr id="31" name="Wybuch: 14 punktów 30">
-              <a:extLst>
-                <a:ext uri="{FF2B5EF4-FFF2-40B4-BE49-F238E27FC236}">
-                  <a16:creationId xmlns:a16="http://schemas.microsoft.com/office/drawing/2014/main" id="{D55CB79C-5D30-4D20-B9C0-FA408A99BC3E}"/>
-                </a:ext>
-              </a:extLst>
-            </p:cNvPr>
-            <p:cNvSpPr/>
-            <p:nvPr/>
-          </p:nvSpPr>
-          <p:spPr>
-            <a:xfrm>
-              <a:off x="5243395" y="4448039"/>
-              <a:ext cx="278296" cy="201040"/>
-            </a:xfrm>
-            <a:prstGeom prst="irregularSeal2">
-              <a:avLst/>
-            </a:prstGeom>
-            <a:ln>
-              <a:noFill/>
-            </a:ln>
-          </p:spPr>
-          <p:style>
-            <a:lnRef idx="2">
-              <a:schemeClr val="accent6"/>
-            </a:lnRef>
-            <a:fillRef idx="1">
-              <a:schemeClr val="lt1"/>
-            </a:fillRef>
-            <a:effectRef idx="0">
-              <a:schemeClr val="accent6"/>
-            </a:effectRef>
-            <a:fontRef idx="minor">
-              <a:schemeClr val="dk1"/>
-            </a:fontRef>
-          </p:style>
-          <p:txBody>
-            <a:bodyPr rtlCol="0" anchor="ctr"/>
-            <a:lstStyle/>
-            <a:p>
-              <a:pPr algn="ctr"/>
-              <a:endParaRPr lang="pl-PL"/>
-            </a:p>
-          </p:txBody>
-        </p:sp>
-        <p:sp>
-          <p:nvSpPr>
-            <p:cNvPr id="32" name="Wybuch: 14 punktów 31">
-              <a:extLst>
-                <a:ext uri="{FF2B5EF4-FFF2-40B4-BE49-F238E27FC236}">
-                  <a16:creationId xmlns:a16="http://schemas.microsoft.com/office/drawing/2014/main" id="{1A899CED-C1ED-4FE8-BC1C-E06FB94F664F}"/>
-                </a:ext>
-              </a:extLst>
-            </p:cNvPr>
-            <p:cNvSpPr/>
-            <p:nvPr/>
-          </p:nvSpPr>
-          <p:spPr>
-            <a:xfrm>
-              <a:off x="4189752" y="2989721"/>
-              <a:ext cx="278296" cy="201040"/>
-            </a:xfrm>
-            <a:prstGeom prst="irregularSeal2">
-              <a:avLst/>
-            </a:prstGeom>
-            <a:ln>
-              <a:noFill/>
-            </a:ln>
-          </p:spPr>
-          <p:style>
-            <a:lnRef idx="2">
-              <a:schemeClr val="accent6"/>
-            </a:lnRef>
-            <a:fillRef idx="1">
-              <a:schemeClr val="lt1"/>
-            </a:fillRef>
-            <a:effectRef idx="0">
-              <a:schemeClr val="accent6"/>
-            </a:effectRef>
-            <a:fontRef idx="minor">
-              <a:schemeClr val="dk1"/>
-            </a:fontRef>
-          </p:style>
-          <p:txBody>
-            <a:bodyPr rtlCol="0" anchor="ctr"/>
-            <a:lstStyle/>
-            <a:p>
-              <a:pPr algn="ctr"/>
-              <a:endParaRPr lang="pl-PL"/>
-            </a:p>
-          </p:txBody>
-        </p:sp>
-        <p:sp>
-          <p:nvSpPr>
-            <p:cNvPr id="33" name="Wybuch: 14 punktów 32">
-              <a:extLst>
-                <a:ext uri="{FF2B5EF4-FFF2-40B4-BE49-F238E27FC236}">
-                  <a16:creationId xmlns:a16="http://schemas.microsoft.com/office/drawing/2014/main" id="{E91A7BE4-2027-4A1A-9493-AF773D4FEFB2}"/>
-                </a:ext>
-              </a:extLst>
-            </p:cNvPr>
-            <p:cNvSpPr/>
-            <p:nvPr/>
-          </p:nvSpPr>
-          <p:spPr>
-            <a:xfrm>
-              <a:off x="3297881" y="2228518"/>
-              <a:ext cx="278296" cy="201040"/>
-            </a:xfrm>
-            <a:prstGeom prst="irregularSeal2">
-              <a:avLst/>
-            </a:prstGeom>
-            <a:ln>
-              <a:noFill/>
-            </a:ln>
-          </p:spPr>
-          <p:style>
-            <a:lnRef idx="2">
-              <a:schemeClr val="accent6"/>
-            </a:lnRef>
-            <a:fillRef idx="1">
-              <a:schemeClr val="lt1"/>
-            </a:fillRef>
-            <a:effectRef idx="0">
-              <a:schemeClr val="accent6"/>
-            </a:effectRef>
-            <a:fontRef idx="minor">
-              <a:schemeClr val="dk1"/>
-            </a:fontRef>
-          </p:style>
-          <p:txBody>
-            <a:bodyPr rtlCol="0" anchor="ctr"/>
-            <a:lstStyle/>
-            <a:p>
-              <a:pPr algn="ctr"/>
-              <a:endParaRPr lang="pl-PL"/>
-            </a:p>
-          </p:txBody>
-        </p:sp>
-        <p:sp>
-          <p:nvSpPr>
-            <p:cNvPr id="34" name="Wybuch: 14 punktów 33">
-              <a:extLst>
-                <a:ext uri="{FF2B5EF4-FFF2-40B4-BE49-F238E27FC236}">
-                  <a16:creationId xmlns:a16="http://schemas.microsoft.com/office/drawing/2014/main" id="{328BEB6C-43C3-456E-83F5-010B5D5A5A0B}"/>
-                </a:ext>
-              </a:extLst>
-            </p:cNvPr>
-            <p:cNvSpPr/>
-            <p:nvPr/>
-          </p:nvSpPr>
-          <p:spPr>
-            <a:xfrm>
-              <a:off x="3449277" y="2494609"/>
-              <a:ext cx="278296" cy="201040"/>
-            </a:xfrm>
-            <a:prstGeom prst="irregularSeal2">
-              <a:avLst/>
-            </a:prstGeom>
-            <a:ln>
-              <a:noFill/>
-            </a:ln>
-          </p:spPr>
-          <p:style>
-            <a:lnRef idx="2">
-              <a:schemeClr val="accent6"/>
-            </a:lnRef>
-            <a:fillRef idx="1">
-              <a:schemeClr val="lt1"/>
-            </a:fillRef>
-            <a:effectRef idx="0">
-              <a:schemeClr val="accent6"/>
-            </a:effectRef>
-            <a:fontRef idx="minor">
-              <a:schemeClr val="dk1"/>
-            </a:fontRef>
-          </p:style>
-          <p:txBody>
-            <a:bodyPr rtlCol="0" anchor="ctr"/>
-            <a:lstStyle/>
-            <a:p>
-              <a:pPr algn="ctr"/>
-              <a:endParaRPr lang="pl-PL"/>
-            </a:p>
-          </p:txBody>
-        </p:sp>
-        <p:sp>
-          <p:nvSpPr>
-            <p:cNvPr id="35" name="Wybuch: 14 punktów 34">
-              <a:extLst>
-                <a:ext uri="{FF2B5EF4-FFF2-40B4-BE49-F238E27FC236}">
-                  <a16:creationId xmlns:a16="http://schemas.microsoft.com/office/drawing/2014/main" id="{2D006BFB-21CE-4E4E-B415-6481A28A761F}"/>
-                </a:ext>
-              </a:extLst>
-            </p:cNvPr>
-            <p:cNvSpPr/>
-            <p:nvPr/>
-          </p:nvSpPr>
-          <p:spPr>
-            <a:xfrm>
-              <a:off x="3387401" y="2908298"/>
-              <a:ext cx="278296" cy="201040"/>
-            </a:xfrm>
-            <a:prstGeom prst="irregularSeal2">
-              <a:avLst/>
-            </a:prstGeom>
-            <a:ln>
-              <a:noFill/>
-            </a:ln>
-          </p:spPr>
-          <p:style>
-            <a:lnRef idx="2">
-              <a:schemeClr val="accent6"/>
-            </a:lnRef>
-            <a:fillRef idx="1">
-              <a:schemeClr val="lt1"/>
-            </a:fillRef>
-            <a:effectRef idx="0">
-              <a:schemeClr val="accent6"/>
-            </a:effectRef>
-            <a:fontRef idx="minor">
-              <a:schemeClr val="dk1"/>
-            </a:fontRef>
-          </p:style>
-          <p:txBody>
-            <a:bodyPr rtlCol="0" anchor="ctr"/>
-            <a:lstStyle/>
-            <a:p>
-              <a:pPr algn="ctr"/>
-              <a:endParaRPr lang="pl-PL"/>
-            </a:p>
-          </p:txBody>
-        </p:sp>
-        <p:sp>
-          <p:nvSpPr>
-            <p:cNvPr id="36" name="Wybuch: 14 punktów 35">
-              <a:extLst>
-                <a:ext uri="{FF2B5EF4-FFF2-40B4-BE49-F238E27FC236}">
-                  <a16:creationId xmlns:a16="http://schemas.microsoft.com/office/drawing/2014/main" id="{99F5E226-DCA6-4B54-BE36-06105D3687B6}"/>
-                </a:ext>
-              </a:extLst>
-            </p:cNvPr>
-            <p:cNvSpPr/>
-            <p:nvPr/>
-          </p:nvSpPr>
-          <p:spPr>
-            <a:xfrm>
-              <a:off x="3755081" y="2685718"/>
-              <a:ext cx="278296" cy="201040"/>
-            </a:xfrm>
-            <a:prstGeom prst="irregularSeal2">
-              <a:avLst/>
-            </a:prstGeom>
-            <a:ln>
-              <a:noFill/>
-            </a:ln>
-          </p:spPr>
-          <p:style>
-            <a:lnRef idx="2">
-              <a:schemeClr val="accent6"/>
-            </a:lnRef>
-            <a:fillRef idx="1">
-              <a:schemeClr val="lt1"/>
-            </a:fillRef>
-            <a:effectRef idx="0">
-              <a:schemeClr val="accent6"/>
-            </a:effectRef>
-            <a:fontRef idx="minor">
-              <a:schemeClr val="dk1"/>
-            </a:fontRef>
-          </p:style>
-          <p:txBody>
-            <a:bodyPr rtlCol="0" anchor="ctr"/>
-            <a:lstStyle/>
-            <a:p>
-              <a:pPr algn="ctr"/>
-              <a:endParaRPr lang="pl-PL"/>
-            </a:p>
-          </p:txBody>
-        </p:sp>
-        <p:sp>
-          <p:nvSpPr>
-            <p:cNvPr id="37" name="Wybuch: 14 punktów 36">
-              <a:extLst>
-                <a:ext uri="{FF2B5EF4-FFF2-40B4-BE49-F238E27FC236}">
-                  <a16:creationId xmlns:a16="http://schemas.microsoft.com/office/drawing/2014/main" id="{A9538F27-B48F-45BB-994B-185475CB9B0A}"/>
-                </a:ext>
-              </a:extLst>
-            </p:cNvPr>
-            <p:cNvSpPr/>
-            <p:nvPr/>
-          </p:nvSpPr>
-          <p:spPr>
-            <a:xfrm>
-              <a:off x="3759862" y="3071176"/>
-              <a:ext cx="278296" cy="201040"/>
-            </a:xfrm>
-            <a:prstGeom prst="irregularSeal2">
-              <a:avLst/>
-            </a:prstGeom>
-            <a:ln>
-              <a:noFill/>
-            </a:ln>
-          </p:spPr>
-          <p:style>
-            <a:lnRef idx="2">
-              <a:schemeClr val="accent6"/>
-            </a:lnRef>
-            <a:fillRef idx="1">
-              <a:schemeClr val="lt1"/>
-            </a:fillRef>
-            <a:effectRef idx="0">
-              <a:schemeClr val="accent6"/>
-            </a:effectRef>
-            <a:fontRef idx="minor">
-              <a:schemeClr val="dk1"/>
-            </a:fontRef>
-          </p:style>
-          <p:txBody>
-            <a:bodyPr rtlCol="0" anchor="ctr"/>
-            <a:lstStyle/>
-            <a:p>
-              <a:pPr algn="ctr"/>
-              <a:endParaRPr lang="pl-PL"/>
-            </a:p>
-          </p:txBody>
-        </p:sp>
-        <p:sp>
-          <p:nvSpPr>
-            <p:cNvPr id="38" name="Wybuch: 14 punktów 37">
-              <a:extLst>
-                <a:ext uri="{FF2B5EF4-FFF2-40B4-BE49-F238E27FC236}">
-                  <a16:creationId xmlns:a16="http://schemas.microsoft.com/office/drawing/2014/main" id="{13910845-D353-4A72-AEAD-38888CCB645C}"/>
-                </a:ext>
-              </a:extLst>
-            </p:cNvPr>
-            <p:cNvSpPr/>
-            <p:nvPr/>
-          </p:nvSpPr>
-          <p:spPr>
-            <a:xfrm>
-              <a:off x="1587203" y="4913503"/>
-              <a:ext cx="278296" cy="201040"/>
-            </a:xfrm>
-            <a:prstGeom prst="irregularSeal2">
-              <a:avLst/>
-            </a:prstGeom>
-            <a:ln>
-              <a:noFill/>
-            </a:ln>
-          </p:spPr>
-          <p:style>
-            <a:lnRef idx="2">
-              <a:schemeClr val="accent6"/>
-            </a:lnRef>
-            <a:fillRef idx="1">
-              <a:schemeClr val="lt1"/>
-            </a:fillRef>
-            <a:effectRef idx="0">
-              <a:schemeClr val="accent6"/>
-            </a:effectRef>
-            <a:fontRef idx="minor">
-              <a:schemeClr val="dk1"/>
-            </a:fontRef>
-          </p:style>
-          <p:txBody>
-            <a:bodyPr rtlCol="0" anchor="ctr"/>
-            <a:lstStyle/>
-            <a:p>
-              <a:pPr algn="ctr"/>
-              <a:endParaRPr lang="pl-PL"/>
-            </a:p>
-          </p:txBody>
-        </p:sp>
-        <p:sp>
-          <p:nvSpPr>
-            <p:cNvPr id="39" name="Wybuch: 14 punktów 38">
-              <a:extLst>
-                <a:ext uri="{FF2B5EF4-FFF2-40B4-BE49-F238E27FC236}">
-                  <a16:creationId xmlns:a16="http://schemas.microsoft.com/office/drawing/2014/main" id="{905A963B-F637-4102-92F3-65BF875AFD80}"/>
-                </a:ext>
-              </a:extLst>
-            </p:cNvPr>
-            <p:cNvSpPr/>
-            <p:nvPr/>
-          </p:nvSpPr>
-          <p:spPr>
-            <a:xfrm>
-              <a:off x="1865499" y="5172763"/>
-              <a:ext cx="278296" cy="201040"/>
-            </a:xfrm>
-            <a:prstGeom prst="irregularSeal2">
-              <a:avLst/>
-            </a:prstGeom>
-            <a:ln>
-              <a:noFill/>
-            </a:ln>
-          </p:spPr>
-          <p:style>
-            <a:lnRef idx="2">
-              <a:schemeClr val="accent6"/>
-            </a:lnRef>
-            <a:fillRef idx="1">
-              <a:schemeClr val="lt1"/>
-            </a:fillRef>
-            <a:effectRef idx="0">
-              <a:schemeClr val="accent6"/>
-            </a:effectRef>
-            <a:fontRef idx="minor">
-              <a:schemeClr val="dk1"/>
-            </a:fontRef>
-          </p:style>
-          <p:txBody>
-            <a:bodyPr rtlCol="0" anchor="ctr"/>
-            <a:lstStyle/>
-            <a:p>
-              <a:pPr algn="ctr"/>
-              <a:endParaRPr lang="pl-PL"/>
-            </a:p>
-          </p:txBody>
-        </p:sp>
-        <p:sp>
-          <p:nvSpPr>
-            <p:cNvPr id="40" name="Wybuch: 14 punktów 39">
-              <a:extLst>
-                <a:ext uri="{FF2B5EF4-FFF2-40B4-BE49-F238E27FC236}">
-                  <a16:creationId xmlns:a16="http://schemas.microsoft.com/office/drawing/2014/main" id="{35F730F0-5C97-49A1-9AD4-419E3982D644}"/>
-                </a:ext>
-              </a:extLst>
-            </p:cNvPr>
-            <p:cNvSpPr/>
-            <p:nvPr/>
-          </p:nvSpPr>
-          <p:spPr>
-            <a:xfrm>
-              <a:off x="3297881" y="5844248"/>
-              <a:ext cx="278296" cy="201040"/>
-            </a:xfrm>
-            <a:prstGeom prst="irregularSeal2">
-              <a:avLst/>
-            </a:prstGeom>
-            <a:ln>
-              <a:noFill/>
-            </a:ln>
-          </p:spPr>
-          <p:style>
-            <a:lnRef idx="2">
-              <a:schemeClr val="accent6"/>
-            </a:lnRef>
-            <a:fillRef idx="1">
-              <a:schemeClr val="lt1"/>
-            </a:fillRef>
-            <a:effectRef idx="0">
-              <a:schemeClr val="accent6"/>
-            </a:effectRef>
-            <a:fontRef idx="minor">
-              <a:schemeClr val="dk1"/>
-            </a:fontRef>
-          </p:style>
-          <p:txBody>
-            <a:bodyPr rtlCol="0" anchor="ctr"/>
-            <a:lstStyle/>
-            <a:p>
-              <a:pPr algn="ctr"/>
-              <a:endParaRPr lang="pl-PL"/>
-            </a:p>
-          </p:txBody>
-        </p:sp>
-        <p:sp>
-          <p:nvSpPr>
-            <p:cNvPr id="41" name="Wybuch: 14 punktów 40">
-              <a:extLst>
-                <a:ext uri="{FF2B5EF4-FFF2-40B4-BE49-F238E27FC236}">
-                  <a16:creationId xmlns:a16="http://schemas.microsoft.com/office/drawing/2014/main" id="{A79AC292-3396-4D88-B202-68438D4299FB}"/>
-                </a:ext>
-              </a:extLst>
-            </p:cNvPr>
-            <p:cNvSpPr/>
-            <p:nvPr/>
-          </p:nvSpPr>
-          <p:spPr>
-            <a:xfrm>
-              <a:off x="3701776" y="5820561"/>
-              <a:ext cx="278296" cy="201040"/>
-            </a:xfrm>
-            <a:prstGeom prst="irregularSeal2">
-              <a:avLst/>
-            </a:prstGeom>
-            <a:ln>
-              <a:noFill/>
-            </a:ln>
-          </p:spPr>
-          <p:style>
-            <a:lnRef idx="2">
-              <a:schemeClr val="accent6"/>
-            </a:lnRef>
-            <a:fillRef idx="1">
-              <a:schemeClr val="lt1"/>
-            </a:fillRef>
-            <a:effectRef idx="0">
-              <a:schemeClr val="accent6"/>
-            </a:effectRef>
-            <a:fontRef idx="minor">
-              <a:schemeClr val="dk1"/>
-            </a:fontRef>
-          </p:style>
-          <p:txBody>
-            <a:bodyPr rtlCol="0" anchor="ctr"/>
-            <a:lstStyle/>
-            <a:p>
-              <a:pPr algn="ctr"/>
-              <a:endParaRPr lang="pl-PL"/>
-            </a:p>
-          </p:txBody>
-        </p:sp>
-        <p:sp>
-          <p:nvSpPr>
-            <p:cNvPr id="42" name="Wybuch: 14 punktów 41">
-              <a:extLst>
-                <a:ext uri="{FF2B5EF4-FFF2-40B4-BE49-F238E27FC236}">
-                  <a16:creationId xmlns:a16="http://schemas.microsoft.com/office/drawing/2014/main" id="{EC773B6A-AC36-40EF-93E5-5E609E27F9E7}"/>
-                </a:ext>
-              </a:extLst>
-            </p:cNvPr>
-            <p:cNvSpPr/>
-            <p:nvPr/>
-          </p:nvSpPr>
-          <p:spPr>
-            <a:xfrm>
-              <a:off x="4102537" y="5689655"/>
-              <a:ext cx="278296" cy="201040"/>
-            </a:xfrm>
-            <a:prstGeom prst="irregularSeal2">
-              <a:avLst/>
-            </a:prstGeom>
-            <a:ln>
-              <a:noFill/>
-            </a:ln>
-          </p:spPr>
-          <p:style>
-            <a:lnRef idx="2">
-              <a:schemeClr val="accent6"/>
-            </a:lnRef>
-            <a:fillRef idx="1">
-              <a:schemeClr val="lt1"/>
-            </a:fillRef>
-            <a:effectRef idx="0">
-              <a:schemeClr val="accent6"/>
-            </a:effectRef>
-            <a:fontRef idx="minor">
-              <a:schemeClr val="dk1"/>
-            </a:fontRef>
-          </p:style>
-          <p:txBody>
-            <a:bodyPr rtlCol="0" anchor="ctr"/>
-            <a:lstStyle/>
-            <a:p>
-              <a:pPr algn="ctr"/>
-              <a:endParaRPr lang="pl-PL"/>
-            </a:p>
-          </p:txBody>
-        </p:sp>
-        <p:sp>
-          <p:nvSpPr>
-            <p:cNvPr id="43" name="Wybuch: 14 punktów 42">
-              <a:extLst>
-                <a:ext uri="{FF2B5EF4-FFF2-40B4-BE49-F238E27FC236}">
-                  <a16:creationId xmlns:a16="http://schemas.microsoft.com/office/drawing/2014/main" id="{68249786-F6D0-4122-885E-551EDE65D863}"/>
-                </a:ext>
-              </a:extLst>
-            </p:cNvPr>
-            <p:cNvSpPr/>
-            <p:nvPr/>
-          </p:nvSpPr>
-          <p:spPr>
-            <a:xfrm>
-              <a:off x="4522162" y="5480317"/>
-              <a:ext cx="278296" cy="201040"/>
-            </a:xfrm>
-            <a:prstGeom prst="irregularSeal2">
-              <a:avLst/>
-            </a:prstGeom>
-            <a:ln>
-              <a:noFill/>
-            </a:ln>
-          </p:spPr>
-          <p:style>
-            <a:lnRef idx="2">
-              <a:schemeClr val="accent6"/>
-            </a:lnRef>
-            <a:fillRef idx="1">
-              <a:schemeClr val="lt1"/>
-            </a:fillRef>
-            <a:effectRef idx="0">
-              <a:schemeClr val="accent6"/>
-            </a:effectRef>
-            <a:fontRef idx="minor">
-              <a:schemeClr val="dk1"/>
-            </a:fontRef>
-          </p:style>
-          <p:txBody>
-            <a:bodyPr rtlCol="0" anchor="ctr"/>
-            <a:lstStyle/>
-            <a:p>
-              <a:pPr algn="ctr"/>
-              <a:endParaRPr lang="pl-PL"/>
-            </a:p>
-          </p:txBody>
-        </p:sp>
-        <p:sp>
-          <p:nvSpPr>
-            <p:cNvPr id="44" name="Wybuch: 14 punktów 43">
-              <a:extLst>
-                <a:ext uri="{FF2B5EF4-FFF2-40B4-BE49-F238E27FC236}">
-                  <a16:creationId xmlns:a16="http://schemas.microsoft.com/office/drawing/2014/main" id="{9AD40515-EBBD-47A0-B031-52069C9D4354}"/>
-                </a:ext>
-              </a:extLst>
-            </p:cNvPr>
-            <p:cNvSpPr/>
-            <p:nvPr/>
-          </p:nvSpPr>
-          <p:spPr>
-            <a:xfrm>
-              <a:off x="4842845" y="5167385"/>
-              <a:ext cx="278296" cy="201040"/>
-            </a:xfrm>
-            <a:prstGeom prst="irregularSeal2">
-              <a:avLst/>
-            </a:prstGeom>
-            <a:ln>
-              <a:noFill/>
-            </a:ln>
-          </p:spPr>
-          <p:style>
-            <a:lnRef idx="2">
-              <a:schemeClr val="accent6"/>
-            </a:lnRef>
-            <a:fillRef idx="1">
-              <a:schemeClr val="lt1"/>
-            </a:fillRef>
-            <a:effectRef idx="0">
-              <a:schemeClr val="accent6"/>
-            </a:effectRef>
-            <a:fontRef idx="minor">
-              <a:schemeClr val="dk1"/>
-            </a:fontRef>
-          </p:style>
-          <p:txBody>
-            <a:bodyPr rtlCol="0" anchor="ctr"/>
-            <a:lstStyle/>
-            <a:p>
-              <a:pPr algn="ctr"/>
-              <a:endParaRPr lang="pl-PL"/>
-            </a:p>
-          </p:txBody>
-        </p:sp>
-        <p:sp>
-          <p:nvSpPr>
-            <p:cNvPr id="45" name="Wybuch: 14 punktów 44">
-              <a:extLst>
-                <a:ext uri="{FF2B5EF4-FFF2-40B4-BE49-F238E27FC236}">
-                  <a16:creationId xmlns:a16="http://schemas.microsoft.com/office/drawing/2014/main" id="{B8910BDD-B34E-4ED9-8367-A96611F539C8}"/>
-                </a:ext>
-              </a:extLst>
-            </p:cNvPr>
-            <p:cNvSpPr/>
-            <p:nvPr/>
-          </p:nvSpPr>
-          <p:spPr>
-            <a:xfrm>
-              <a:off x="5116007" y="4812983"/>
-              <a:ext cx="278296" cy="201040"/>
-            </a:xfrm>
-            <a:prstGeom prst="irregularSeal2">
-              <a:avLst/>
-            </a:prstGeom>
-            <a:ln>
-              <a:noFill/>
-            </a:ln>
-          </p:spPr>
-          <p:style>
-            <a:lnRef idx="2">
-              <a:schemeClr val="accent6"/>
-            </a:lnRef>
-            <a:fillRef idx="1">
-              <a:schemeClr val="lt1"/>
-            </a:fillRef>
-            <a:effectRef idx="0">
-              <a:schemeClr val="accent6"/>
-            </a:effectRef>
-            <a:fontRef idx="minor">
-              <a:schemeClr val="dk1"/>
-            </a:fontRef>
-          </p:style>
-          <p:txBody>
-            <a:bodyPr rtlCol="0" anchor="ctr"/>
-            <a:lstStyle/>
-            <a:p>
-              <a:pPr algn="ctr"/>
-              <a:endParaRPr lang="pl-PL"/>
-            </a:p>
-          </p:txBody>
-        </p:sp>
-        <p:sp>
-          <p:nvSpPr>
-            <p:cNvPr id="46" name="Wybuch: 14 punktów 45">
-              <a:extLst>
-                <a:ext uri="{FF2B5EF4-FFF2-40B4-BE49-F238E27FC236}">
-                  <a16:creationId xmlns:a16="http://schemas.microsoft.com/office/drawing/2014/main" id="{272E9AD3-8526-4F28-A339-4E8233AA02F3}"/>
-                </a:ext>
-              </a:extLst>
-            </p:cNvPr>
-            <p:cNvSpPr/>
-            <p:nvPr/>
-          </p:nvSpPr>
-          <p:spPr>
-            <a:xfrm>
-              <a:off x="2860035" y="2410230"/>
-              <a:ext cx="278296" cy="201040"/>
-            </a:xfrm>
-            <a:prstGeom prst="irregularSeal2">
-              <a:avLst/>
-            </a:prstGeom>
-            <a:ln>
-              <a:noFill/>
-            </a:ln>
-          </p:spPr>
-          <p:style>
-            <a:lnRef idx="2">
-              <a:schemeClr val="accent6"/>
-            </a:lnRef>
-            <a:fillRef idx="1">
-              <a:schemeClr val="lt1"/>
-            </a:fillRef>
-            <a:effectRef idx="0">
-              <a:schemeClr val="accent6"/>
-            </a:effectRef>
-            <a:fontRef idx="minor">
-              <a:schemeClr val="dk1"/>
-            </a:fontRef>
-          </p:style>
-          <p:txBody>
-            <a:bodyPr rtlCol="0" anchor="ctr"/>
-            <a:lstStyle/>
-            <a:p>
-              <a:pPr algn="ctr"/>
-              <a:endParaRPr lang="pl-PL"/>
-            </a:p>
-          </p:txBody>
-        </p:sp>
-        <p:sp>
-          <p:nvSpPr>
-            <p:cNvPr id="47" name="Wybuch: 14 punktów 46">
-              <a:extLst>
-                <a:ext uri="{FF2B5EF4-FFF2-40B4-BE49-F238E27FC236}">
-                  <a16:creationId xmlns:a16="http://schemas.microsoft.com/office/drawing/2014/main" id="{0951F039-280A-4A49-8108-AD68B796509C}"/>
-                </a:ext>
-              </a:extLst>
-            </p:cNvPr>
-            <p:cNvSpPr/>
-            <p:nvPr/>
-          </p:nvSpPr>
-          <p:spPr>
-            <a:xfrm>
-              <a:off x="2854473" y="2904723"/>
-              <a:ext cx="278296" cy="201040"/>
-            </a:xfrm>
-            <a:prstGeom prst="irregularSeal2">
-              <a:avLst/>
-            </a:prstGeom>
-            <a:ln>
-              <a:noFill/>
-            </a:ln>
-          </p:spPr>
-          <p:style>
-            <a:lnRef idx="2">
-              <a:schemeClr val="accent6"/>
-            </a:lnRef>
-            <a:fillRef idx="1">
-              <a:schemeClr val="lt1"/>
-            </a:fillRef>
-            <a:effectRef idx="0">
-              <a:schemeClr val="accent6"/>
-            </a:effectRef>
-            <a:fontRef idx="minor">
-              <a:schemeClr val="dk1"/>
-            </a:fontRef>
-          </p:style>
-          <p:txBody>
-            <a:bodyPr rtlCol="0" anchor="ctr"/>
-            <a:lstStyle/>
-            <a:p>
-              <a:pPr algn="ctr"/>
-              <a:endParaRPr lang="pl-PL"/>
-            </a:p>
-          </p:txBody>
-        </p:sp>
-        <p:sp>
-          <p:nvSpPr>
-            <p:cNvPr id="48" name="Wybuch: 14 punktów 47">
-              <a:extLst>
-                <a:ext uri="{FF2B5EF4-FFF2-40B4-BE49-F238E27FC236}">
-                  <a16:creationId xmlns:a16="http://schemas.microsoft.com/office/drawing/2014/main" id="{66CD3A89-5587-442E-B910-C649DB6F086E}"/>
-                </a:ext>
-              </a:extLst>
-            </p:cNvPr>
-            <p:cNvSpPr/>
-            <p:nvPr/>
-          </p:nvSpPr>
-          <p:spPr>
-            <a:xfrm>
-              <a:off x="4084022" y="2553731"/>
-              <a:ext cx="278296" cy="201040"/>
-            </a:xfrm>
-            <a:prstGeom prst="irregularSeal2">
-              <a:avLst/>
-            </a:prstGeom>
-            <a:ln>
-              <a:noFill/>
-            </a:ln>
-          </p:spPr>
-          <p:style>
-            <a:lnRef idx="2">
-              <a:schemeClr val="accent6"/>
-            </a:lnRef>
-            <a:fillRef idx="1">
-              <a:schemeClr val="lt1"/>
-            </a:fillRef>
-            <a:effectRef idx="0">
-              <a:schemeClr val="accent6"/>
-            </a:effectRef>
-            <a:fontRef idx="minor">
-              <a:schemeClr val="dk1"/>
-            </a:fontRef>
-          </p:style>
-          <p:txBody>
-            <a:bodyPr rtlCol="0" anchor="ctr"/>
-            <a:lstStyle/>
-            <a:p>
-              <a:pPr algn="ctr"/>
-              <a:endParaRPr lang="pl-PL"/>
-            </a:p>
-          </p:txBody>
-        </p:sp>
-        <p:sp>
-          <p:nvSpPr>
-            <p:cNvPr id="49" name="Wybuch: 14 punktów 48">
-              <a:extLst>
-                <a:ext uri="{FF2B5EF4-FFF2-40B4-BE49-F238E27FC236}">
-                  <a16:creationId xmlns:a16="http://schemas.microsoft.com/office/drawing/2014/main" id="{9E21E2E6-2E2C-4942-AD9F-A98C7B7696D4}"/>
-                </a:ext>
-              </a:extLst>
-            </p:cNvPr>
-            <p:cNvSpPr/>
-            <p:nvPr/>
-          </p:nvSpPr>
-          <p:spPr>
-            <a:xfrm>
-              <a:off x="1373884" y="4500181"/>
-              <a:ext cx="278296" cy="201040"/>
-            </a:xfrm>
-            <a:prstGeom prst="irregularSeal2">
-              <a:avLst/>
-            </a:prstGeom>
-            <a:ln>
-              <a:noFill/>
-            </a:ln>
-          </p:spPr>
-          <p:style>
-            <a:lnRef idx="2">
-              <a:schemeClr val="accent6"/>
-            </a:lnRef>
-            <a:fillRef idx="1">
-              <a:schemeClr val="lt1"/>
-            </a:fillRef>
-            <a:effectRef idx="0">
-              <a:schemeClr val="accent6"/>
-            </a:effectRef>
-            <a:fontRef idx="minor">
-              <a:schemeClr val="dk1"/>
-            </a:fontRef>
-          </p:style>
-          <p:txBody>
-            <a:bodyPr rtlCol="0" anchor="ctr"/>
-            <a:lstStyle/>
-            <a:p>
-              <a:pPr algn="ctr"/>
-              <a:endParaRPr lang="pl-PL"/>
-            </a:p>
-          </p:txBody>
-        </p:sp>
-        <p:sp>
-          <p:nvSpPr>
-            <p:cNvPr id="50" name="Wybuch: 14 punktów 49">
-              <a:extLst>
-                <a:ext uri="{FF2B5EF4-FFF2-40B4-BE49-F238E27FC236}">
-                  <a16:creationId xmlns:a16="http://schemas.microsoft.com/office/drawing/2014/main" id="{EAB56CBC-8DD4-4C17-8FAE-FAE61988D95D}"/>
-                </a:ext>
-              </a:extLst>
-            </p:cNvPr>
-            <p:cNvSpPr/>
-            <p:nvPr/>
-          </p:nvSpPr>
-          <p:spPr>
-            <a:xfrm>
-              <a:off x="2194597" y="3030841"/>
-              <a:ext cx="278296" cy="201040"/>
-            </a:xfrm>
-            <a:prstGeom prst="irregularSeal2">
-              <a:avLst/>
-            </a:prstGeom>
-            <a:ln>
-              <a:noFill/>
-            </a:ln>
-          </p:spPr>
-          <p:style>
-            <a:lnRef idx="2">
-              <a:schemeClr val="accent6"/>
-            </a:lnRef>
-            <a:fillRef idx="1">
-              <a:schemeClr val="lt1"/>
-            </a:fillRef>
-            <a:effectRef idx="0">
-              <a:schemeClr val="accent6"/>
-            </a:effectRef>
-            <a:fontRef idx="minor">
-              <a:schemeClr val="dk1"/>
-            </a:fontRef>
-          </p:style>
-          <p:txBody>
-            <a:bodyPr rtlCol="0" anchor="ctr"/>
-            <a:lstStyle/>
-            <a:p>
-              <a:pPr algn="ctr"/>
-              <a:endParaRPr lang="pl-PL"/>
-            </a:p>
-          </p:txBody>
-        </p:sp>
-        <p:sp>
-          <p:nvSpPr>
-            <p:cNvPr id="51" name="Wybuch: 14 punktów 50">
-              <a:extLst>
-                <a:ext uri="{FF2B5EF4-FFF2-40B4-BE49-F238E27FC236}">
-                  <a16:creationId xmlns:a16="http://schemas.microsoft.com/office/drawing/2014/main" id="{490F8903-196C-45CC-AF4B-3BA633BBB9A4}"/>
-                </a:ext>
-              </a:extLst>
-            </p:cNvPr>
-            <p:cNvSpPr/>
-            <p:nvPr/>
-          </p:nvSpPr>
-          <p:spPr>
-            <a:xfrm>
-              <a:off x="2132721" y="3444530"/>
-              <a:ext cx="278296" cy="201040"/>
-            </a:xfrm>
-            <a:prstGeom prst="irregularSeal2">
-              <a:avLst/>
-            </a:prstGeom>
-            <a:ln>
-              <a:noFill/>
-            </a:ln>
-          </p:spPr>
-          <p:style>
-            <a:lnRef idx="2">
-              <a:schemeClr val="accent6"/>
-            </a:lnRef>
-            <a:fillRef idx="1">
-              <a:schemeClr val="lt1"/>
-            </a:fillRef>
-            <a:effectRef idx="0">
-              <a:schemeClr val="accent6"/>
-            </a:effectRef>
-            <a:fontRef idx="minor">
-              <a:schemeClr val="dk1"/>
-            </a:fontRef>
-          </p:style>
-          <p:txBody>
-            <a:bodyPr rtlCol="0" anchor="ctr"/>
-            <a:lstStyle/>
-            <a:p>
-              <a:pPr algn="ctr"/>
-              <a:endParaRPr lang="pl-PL"/>
-            </a:p>
-          </p:txBody>
-        </p:sp>
-        <p:sp>
-          <p:nvSpPr>
-            <p:cNvPr id="52" name="Wybuch: 14 punktów 51">
-              <a:extLst>
-                <a:ext uri="{FF2B5EF4-FFF2-40B4-BE49-F238E27FC236}">
-                  <a16:creationId xmlns:a16="http://schemas.microsoft.com/office/drawing/2014/main" id="{0FFF2A34-2450-486D-967E-C909B7665086}"/>
-                </a:ext>
-              </a:extLst>
-            </p:cNvPr>
-            <p:cNvSpPr/>
-            <p:nvPr/>
-          </p:nvSpPr>
-          <p:spPr>
-            <a:xfrm>
-              <a:off x="2500401" y="3221950"/>
-              <a:ext cx="278296" cy="201040"/>
-            </a:xfrm>
-            <a:prstGeom prst="irregularSeal2">
-              <a:avLst/>
-            </a:prstGeom>
-            <a:ln>
-              <a:noFill/>
-            </a:ln>
-          </p:spPr>
-          <p:style>
-            <a:lnRef idx="2">
-              <a:schemeClr val="accent6"/>
-            </a:lnRef>
-            <a:fillRef idx="1">
-              <a:schemeClr val="lt1"/>
-            </a:fillRef>
-            <a:effectRef idx="0">
-              <a:schemeClr val="accent6"/>
-            </a:effectRef>
-            <a:fontRef idx="minor">
-              <a:schemeClr val="dk1"/>
-            </a:fontRef>
-          </p:style>
-          <p:txBody>
-            <a:bodyPr rtlCol="0" anchor="ctr"/>
-            <a:lstStyle/>
-            <a:p>
-              <a:pPr algn="ctr"/>
-              <a:endParaRPr lang="pl-PL"/>
-            </a:p>
-          </p:txBody>
-        </p:sp>
-        <p:sp>
-          <p:nvSpPr>
-            <p:cNvPr id="53" name="Wybuch: 14 punktów 52">
-              <a:extLst>
-                <a:ext uri="{FF2B5EF4-FFF2-40B4-BE49-F238E27FC236}">
-                  <a16:creationId xmlns:a16="http://schemas.microsoft.com/office/drawing/2014/main" id="{3D99D7BF-B948-4658-AA07-C1549463F8D2}"/>
-                </a:ext>
-              </a:extLst>
-            </p:cNvPr>
-            <p:cNvSpPr/>
-            <p:nvPr/>
-          </p:nvSpPr>
-          <p:spPr>
-            <a:xfrm>
-              <a:off x="2505182" y="3607408"/>
-              <a:ext cx="278296" cy="201040"/>
-            </a:xfrm>
-            <a:prstGeom prst="irregularSeal2">
-              <a:avLst/>
-            </a:prstGeom>
-            <a:ln>
-              <a:noFill/>
-            </a:ln>
-          </p:spPr>
-          <p:style>
-            <a:lnRef idx="2">
-              <a:schemeClr val="accent6"/>
-            </a:lnRef>
-            <a:fillRef idx="1">
-              <a:schemeClr val="lt1"/>
-            </a:fillRef>
-            <a:effectRef idx="0">
-              <a:schemeClr val="accent6"/>
-            </a:effectRef>
-            <a:fontRef idx="minor">
-              <a:schemeClr val="dk1"/>
-            </a:fontRef>
-          </p:style>
-          <p:txBody>
-            <a:bodyPr rtlCol="0" anchor="ctr"/>
-            <a:lstStyle/>
-            <a:p>
-              <a:pPr algn="ctr"/>
-              <a:endParaRPr lang="pl-PL"/>
-            </a:p>
-          </p:txBody>
-        </p:sp>
-        <p:sp>
-          <p:nvSpPr>
-            <p:cNvPr id="54" name="Wybuch: 14 punktów 53">
-              <a:extLst>
-                <a:ext uri="{FF2B5EF4-FFF2-40B4-BE49-F238E27FC236}">
-                  <a16:creationId xmlns:a16="http://schemas.microsoft.com/office/drawing/2014/main" id="{4585F983-18B9-4EA8-BD7C-8EA70176943A}"/>
-                </a:ext>
-              </a:extLst>
-            </p:cNvPr>
-            <p:cNvSpPr/>
-            <p:nvPr/>
-          </p:nvSpPr>
-          <p:spPr>
-            <a:xfrm>
-              <a:off x="1824309" y="3282078"/>
-              <a:ext cx="278296" cy="201040"/>
-            </a:xfrm>
-            <a:prstGeom prst="irregularSeal2">
-              <a:avLst/>
-            </a:prstGeom>
-            <a:ln>
-              <a:noFill/>
-            </a:ln>
-          </p:spPr>
-          <p:style>
-            <a:lnRef idx="2">
-              <a:schemeClr val="accent6"/>
-            </a:lnRef>
-            <a:fillRef idx="1">
-              <a:schemeClr val="lt1"/>
-            </a:fillRef>
-            <a:effectRef idx="0">
-              <a:schemeClr val="accent6"/>
-            </a:effectRef>
-            <a:fontRef idx="minor">
-              <a:schemeClr val="dk1"/>
-            </a:fontRef>
-          </p:style>
-          <p:txBody>
-            <a:bodyPr rtlCol="0" anchor="ctr"/>
-            <a:lstStyle/>
-            <a:p>
-              <a:pPr algn="ctr"/>
-              <a:endParaRPr lang="pl-PL"/>
-            </a:p>
-          </p:txBody>
-        </p:sp>
-        <p:sp>
-          <p:nvSpPr>
-            <p:cNvPr id="55" name="Wybuch: 14 punktów 54">
-              <a:extLst>
-                <a:ext uri="{FF2B5EF4-FFF2-40B4-BE49-F238E27FC236}">
-                  <a16:creationId xmlns:a16="http://schemas.microsoft.com/office/drawing/2014/main" id="{9A19C1E4-E589-4FFB-A6C9-0E9F8571CA2C}"/>
-                </a:ext>
-              </a:extLst>
-            </p:cNvPr>
-            <p:cNvSpPr/>
-            <p:nvPr/>
-          </p:nvSpPr>
-          <p:spPr>
-            <a:xfrm>
-              <a:off x="2392054" y="2692472"/>
-              <a:ext cx="278296" cy="201040"/>
-            </a:xfrm>
-            <a:prstGeom prst="irregularSeal2">
-              <a:avLst/>
-            </a:prstGeom>
-            <a:ln>
-              <a:noFill/>
-            </a:ln>
-          </p:spPr>
-          <p:style>
-            <a:lnRef idx="2">
-              <a:schemeClr val="accent6"/>
-            </a:lnRef>
-            <a:fillRef idx="1">
-              <a:schemeClr val="lt1"/>
-            </a:fillRef>
-            <a:effectRef idx="0">
-              <a:schemeClr val="accent6"/>
-            </a:effectRef>
-            <a:fontRef idx="minor">
-              <a:schemeClr val="dk1"/>
-            </a:fontRef>
-          </p:style>
-          <p:txBody>
-            <a:bodyPr rtlCol="0" anchor="ctr"/>
-            <a:lstStyle/>
-            <a:p>
-              <a:pPr algn="ctr"/>
-              <a:endParaRPr lang="pl-PL"/>
-            </a:p>
-          </p:txBody>
-        </p:sp>
-        <p:sp>
-          <p:nvSpPr>
-            <p:cNvPr id="56" name="Wybuch: 14 punktów 55">
-              <a:extLst>
-                <a:ext uri="{FF2B5EF4-FFF2-40B4-BE49-F238E27FC236}">
-                  <a16:creationId xmlns:a16="http://schemas.microsoft.com/office/drawing/2014/main" id="{E266A829-8183-41F1-8762-149148083654}"/>
-                </a:ext>
-              </a:extLst>
-            </p:cNvPr>
-            <p:cNvSpPr/>
-            <p:nvPr/>
-          </p:nvSpPr>
-          <p:spPr>
-            <a:xfrm>
-              <a:off x="3825504" y="4596649"/>
-              <a:ext cx="278296" cy="201040"/>
-            </a:xfrm>
-            <a:prstGeom prst="irregularSeal2">
-              <a:avLst/>
-            </a:prstGeom>
-            <a:ln>
-              <a:noFill/>
-            </a:ln>
-          </p:spPr>
-          <p:style>
-            <a:lnRef idx="2">
-              <a:schemeClr val="accent6"/>
-            </a:lnRef>
-            <a:fillRef idx="1">
-              <a:schemeClr val="lt1"/>
-            </a:fillRef>
-            <a:effectRef idx="0">
-              <a:schemeClr val="accent6"/>
-            </a:effectRef>
-            <a:fontRef idx="minor">
-              <a:schemeClr val="dk1"/>
-            </a:fontRef>
-          </p:style>
-          <p:txBody>
-            <a:bodyPr rtlCol="0" anchor="ctr"/>
-            <a:lstStyle/>
-            <a:p>
-              <a:pPr algn="ctr"/>
-              <a:endParaRPr lang="pl-PL"/>
-            </a:p>
-          </p:txBody>
-        </p:sp>
-        <p:sp>
-          <p:nvSpPr>
-            <p:cNvPr id="57" name="Wybuch: 14 punktów 56">
-              <a:extLst>
-                <a:ext uri="{FF2B5EF4-FFF2-40B4-BE49-F238E27FC236}">
-                  <a16:creationId xmlns:a16="http://schemas.microsoft.com/office/drawing/2014/main" id="{73D6CA6F-9B8A-4E55-994C-308F355C9A06}"/>
-                </a:ext>
-              </a:extLst>
-            </p:cNvPr>
-            <p:cNvSpPr/>
-            <p:nvPr/>
-          </p:nvSpPr>
-          <p:spPr>
-            <a:xfrm>
-              <a:off x="3644721" y="5234063"/>
-              <a:ext cx="278296" cy="201040"/>
-            </a:xfrm>
-            <a:prstGeom prst="irregularSeal2">
-              <a:avLst/>
-            </a:prstGeom>
-            <a:ln>
-              <a:noFill/>
-            </a:ln>
-          </p:spPr>
-          <p:style>
-            <a:lnRef idx="2">
-              <a:schemeClr val="accent6"/>
-            </a:lnRef>
-            <a:fillRef idx="1">
-              <a:schemeClr val="lt1"/>
-            </a:fillRef>
-            <a:effectRef idx="0">
-              <a:schemeClr val="accent6"/>
-            </a:effectRef>
-            <a:fontRef idx="minor">
-              <a:schemeClr val="dk1"/>
-            </a:fontRef>
-          </p:style>
-          <p:txBody>
-            <a:bodyPr rtlCol="0" anchor="ctr"/>
-            <a:lstStyle/>
-            <a:p>
-              <a:pPr algn="ctr"/>
-              <a:endParaRPr lang="pl-PL"/>
-            </a:p>
-          </p:txBody>
-        </p:sp>
-        <p:sp>
-          <p:nvSpPr>
-            <p:cNvPr id="58" name="Wybuch: 14 punktów 57">
-              <a:extLst>
-                <a:ext uri="{FF2B5EF4-FFF2-40B4-BE49-F238E27FC236}">
-                  <a16:creationId xmlns:a16="http://schemas.microsoft.com/office/drawing/2014/main" id="{6C3E67FE-EDB3-46D6-9C0A-8CDDB4A4EFBF}"/>
-                </a:ext>
-              </a:extLst>
-            </p:cNvPr>
-            <p:cNvSpPr/>
-            <p:nvPr/>
-          </p:nvSpPr>
-          <p:spPr>
-            <a:xfrm>
-              <a:off x="4131308" y="4787758"/>
-              <a:ext cx="278296" cy="201040"/>
-            </a:xfrm>
-            <a:prstGeom prst="irregularSeal2">
-              <a:avLst/>
-            </a:prstGeom>
-            <a:ln>
-              <a:noFill/>
-            </a:ln>
-          </p:spPr>
-          <p:style>
-            <a:lnRef idx="2">
-              <a:schemeClr val="accent6"/>
-            </a:lnRef>
-            <a:fillRef idx="1">
-              <a:schemeClr val="lt1"/>
-            </a:fillRef>
-            <a:effectRef idx="0">
-              <a:schemeClr val="accent6"/>
-            </a:effectRef>
-            <a:fontRef idx="minor">
-              <a:schemeClr val="dk1"/>
-            </a:fontRef>
-          </p:style>
-          <p:txBody>
-            <a:bodyPr rtlCol="0" anchor="ctr"/>
-            <a:lstStyle/>
-            <a:p>
-              <a:pPr algn="ctr"/>
-              <a:endParaRPr lang="pl-PL"/>
-            </a:p>
-          </p:txBody>
-        </p:sp>
-        <p:sp>
-          <p:nvSpPr>
-            <p:cNvPr id="59" name="Wybuch: 14 punktów 58">
-              <a:extLst>
-                <a:ext uri="{FF2B5EF4-FFF2-40B4-BE49-F238E27FC236}">
-                  <a16:creationId xmlns:a16="http://schemas.microsoft.com/office/drawing/2014/main" id="{B807DB49-5AC5-44F9-8459-9B235C8D7C72}"/>
-                </a:ext>
-              </a:extLst>
-            </p:cNvPr>
-            <p:cNvSpPr/>
-            <p:nvPr/>
-          </p:nvSpPr>
-          <p:spPr>
-            <a:xfrm>
-              <a:off x="4136089" y="5173216"/>
-              <a:ext cx="278296" cy="201040"/>
-            </a:xfrm>
-            <a:prstGeom prst="irregularSeal2">
-              <a:avLst/>
-            </a:prstGeom>
-            <a:ln>
-              <a:noFill/>
-            </a:ln>
-          </p:spPr>
-          <p:style>
-            <a:lnRef idx="2">
-              <a:schemeClr val="accent6"/>
-            </a:lnRef>
-            <a:fillRef idx="1">
-              <a:schemeClr val="lt1"/>
-            </a:fillRef>
-            <a:effectRef idx="0">
-              <a:schemeClr val="accent6"/>
-            </a:effectRef>
-            <a:fontRef idx="minor">
-              <a:schemeClr val="dk1"/>
-            </a:fontRef>
-          </p:style>
-          <p:txBody>
-            <a:bodyPr rtlCol="0" anchor="ctr"/>
-            <a:lstStyle/>
-            <a:p>
-              <a:pPr algn="ctr"/>
-              <a:endParaRPr lang="pl-PL"/>
-            </a:p>
-          </p:txBody>
-        </p:sp>
-        <p:sp>
-          <p:nvSpPr>
-            <p:cNvPr id="60" name="Wybuch: 14 punktów 59">
-              <a:extLst>
-                <a:ext uri="{FF2B5EF4-FFF2-40B4-BE49-F238E27FC236}">
-                  <a16:creationId xmlns:a16="http://schemas.microsoft.com/office/drawing/2014/main" id="{5BC9E72C-FE87-4046-8B69-B5B2A5AEBF5C}"/>
-                </a:ext>
-              </a:extLst>
-            </p:cNvPr>
-            <p:cNvSpPr/>
-            <p:nvPr/>
-          </p:nvSpPr>
-          <p:spPr>
-            <a:xfrm>
-              <a:off x="3163807" y="5468198"/>
-              <a:ext cx="278296" cy="201040"/>
-            </a:xfrm>
-            <a:prstGeom prst="irregularSeal2">
-              <a:avLst/>
-            </a:prstGeom>
-            <a:ln>
-              <a:noFill/>
-            </a:ln>
-          </p:spPr>
-          <p:style>
-            <a:lnRef idx="2">
-              <a:schemeClr val="accent6"/>
-            </a:lnRef>
-            <a:fillRef idx="1">
-              <a:schemeClr val="lt1"/>
-            </a:fillRef>
-            <a:effectRef idx="0">
-              <a:schemeClr val="accent6"/>
-            </a:effectRef>
-            <a:fontRef idx="minor">
-              <a:schemeClr val="dk1"/>
-            </a:fontRef>
-          </p:style>
-          <p:txBody>
-            <a:bodyPr rtlCol="0" anchor="ctr"/>
-            <a:lstStyle/>
-            <a:p>
-              <a:pPr algn="ctr"/>
-              <a:endParaRPr lang="pl-PL"/>
-            </a:p>
-          </p:txBody>
-        </p:sp>
-        <p:sp>
-          <p:nvSpPr>
-            <p:cNvPr id="61" name="Wybuch: 14 punktów 60">
-              <a:extLst>
-                <a:ext uri="{FF2B5EF4-FFF2-40B4-BE49-F238E27FC236}">
-                  <a16:creationId xmlns:a16="http://schemas.microsoft.com/office/drawing/2014/main" id="{D23C3E6B-9C9A-46AC-A2CC-D7EDD871003B}"/>
-                </a:ext>
-              </a:extLst>
-            </p:cNvPr>
-            <p:cNvSpPr/>
-            <p:nvPr/>
-          </p:nvSpPr>
-          <p:spPr>
-            <a:xfrm>
-              <a:off x="4685602" y="4655588"/>
-              <a:ext cx="278296" cy="201040"/>
-            </a:xfrm>
-            <a:prstGeom prst="irregularSeal2">
-              <a:avLst/>
-            </a:prstGeom>
-            <a:ln>
-              <a:noFill/>
-            </a:ln>
-          </p:spPr>
-          <p:style>
-            <a:lnRef idx="2">
-              <a:schemeClr val="accent6"/>
-            </a:lnRef>
-            <a:fillRef idx="1">
-              <a:schemeClr val="lt1"/>
-            </a:fillRef>
-            <a:effectRef idx="0">
-              <a:schemeClr val="accent6"/>
-            </a:effectRef>
-            <a:fontRef idx="minor">
-              <a:schemeClr val="dk1"/>
-            </a:fontRef>
-          </p:style>
-          <p:txBody>
-            <a:bodyPr rtlCol="0" anchor="ctr"/>
-            <a:lstStyle/>
-            <a:p>
-              <a:pPr algn="ctr"/>
-              <a:endParaRPr lang="pl-PL"/>
-            </a:p>
-          </p:txBody>
-        </p:sp>
-        <p:sp>
-          <p:nvSpPr>
-            <p:cNvPr id="62" name="Wybuch: 14 punktów 61">
-              <a:extLst>
-                <a:ext uri="{FF2B5EF4-FFF2-40B4-BE49-F238E27FC236}">
-                  <a16:creationId xmlns:a16="http://schemas.microsoft.com/office/drawing/2014/main" id="{60E178A1-DF68-4550-8649-7EDED7DBDEEB}"/>
-                </a:ext>
-              </a:extLst>
-            </p:cNvPr>
-            <p:cNvSpPr/>
-            <p:nvPr/>
-          </p:nvSpPr>
-          <p:spPr>
-            <a:xfrm>
-              <a:off x="1900140" y="3760382"/>
-              <a:ext cx="278296" cy="201040"/>
-            </a:xfrm>
-            <a:prstGeom prst="irregularSeal2">
-              <a:avLst/>
-            </a:prstGeom>
-            <a:ln>
-              <a:noFill/>
-            </a:ln>
-          </p:spPr>
-          <p:style>
-            <a:lnRef idx="2">
-              <a:schemeClr val="accent6"/>
-            </a:lnRef>
-            <a:fillRef idx="1">
-              <a:schemeClr val="lt1"/>
-            </a:fillRef>
-            <a:effectRef idx="0">
-              <a:schemeClr val="accent6"/>
-            </a:effectRef>
-            <a:fontRef idx="minor">
-              <a:schemeClr val="dk1"/>
-            </a:fontRef>
-          </p:style>
-          <p:txBody>
-            <a:bodyPr rtlCol="0" anchor="ctr"/>
-            <a:lstStyle/>
-            <a:p>
-              <a:pPr algn="ctr"/>
-              <a:endParaRPr lang="pl-PL"/>
-            </a:p>
-          </p:txBody>
-        </p:sp>
-        <p:sp>
-          <p:nvSpPr>
-            <p:cNvPr id="63" name="Wybuch: 14 punktów 62">
-              <a:extLst>
-                <a:ext uri="{FF2B5EF4-FFF2-40B4-BE49-F238E27FC236}">
-                  <a16:creationId xmlns:a16="http://schemas.microsoft.com/office/drawing/2014/main" id="{6B876364-9335-4765-B6E6-C1565CD674B8}"/>
-                </a:ext>
-              </a:extLst>
-            </p:cNvPr>
-            <p:cNvSpPr/>
-            <p:nvPr/>
-          </p:nvSpPr>
-          <p:spPr>
-            <a:xfrm>
-              <a:off x="2111713" y="4345795"/>
-              <a:ext cx="278296" cy="201040"/>
-            </a:xfrm>
-            <a:prstGeom prst="irregularSeal2">
-              <a:avLst/>
-            </a:prstGeom>
-            <a:ln>
-              <a:noFill/>
-            </a:ln>
-          </p:spPr>
-          <p:style>
-            <a:lnRef idx="2">
-              <a:schemeClr val="accent6"/>
-            </a:lnRef>
-            <a:fillRef idx="1">
-              <a:schemeClr val="lt1"/>
-            </a:fillRef>
-            <a:effectRef idx="0">
-              <a:schemeClr val="accent6"/>
-            </a:effectRef>
-            <a:fontRef idx="minor">
-              <a:schemeClr val="dk1"/>
-            </a:fontRef>
-          </p:style>
-          <p:txBody>
-            <a:bodyPr rtlCol="0" anchor="ctr"/>
-            <a:lstStyle/>
-            <a:p>
-              <a:pPr algn="ctr"/>
-              <a:endParaRPr lang="pl-PL"/>
-            </a:p>
-          </p:txBody>
-        </p:sp>
-        <p:sp>
-          <p:nvSpPr>
-            <p:cNvPr id="64" name="Wybuch: 14 punktów 63">
-              <a:extLst>
-                <a:ext uri="{FF2B5EF4-FFF2-40B4-BE49-F238E27FC236}">
-                  <a16:creationId xmlns:a16="http://schemas.microsoft.com/office/drawing/2014/main" id="{511A2C18-3B4F-4871-AD68-72D1EA1930E8}"/>
-                </a:ext>
-              </a:extLst>
-            </p:cNvPr>
-            <p:cNvSpPr/>
-            <p:nvPr/>
-          </p:nvSpPr>
-          <p:spPr>
-            <a:xfrm>
-              <a:off x="2306809" y="4003028"/>
-              <a:ext cx="278296" cy="201040"/>
-            </a:xfrm>
-            <a:prstGeom prst="irregularSeal2">
-              <a:avLst/>
-            </a:prstGeom>
-            <a:ln>
-              <a:noFill/>
-            </a:ln>
-          </p:spPr>
-          <p:style>
-            <a:lnRef idx="2">
-              <a:schemeClr val="accent6"/>
-            </a:lnRef>
-            <a:fillRef idx="1">
-              <a:schemeClr val="lt1"/>
-            </a:fillRef>
-            <a:effectRef idx="0">
-              <a:schemeClr val="accent6"/>
-            </a:effectRef>
-            <a:fontRef idx="minor">
-              <a:schemeClr val="dk1"/>
-            </a:fontRef>
-          </p:style>
-          <p:txBody>
-            <a:bodyPr rtlCol="0" anchor="ctr"/>
-            <a:lstStyle/>
-            <a:p>
-              <a:pPr algn="ctr"/>
-              <a:endParaRPr lang="pl-PL"/>
-            </a:p>
-          </p:txBody>
-        </p:sp>
-        <p:sp>
-          <p:nvSpPr>
-            <p:cNvPr id="65" name="Wybuch: 14 punktów 64">
-              <a:extLst>
-                <a:ext uri="{FF2B5EF4-FFF2-40B4-BE49-F238E27FC236}">
-                  <a16:creationId xmlns:a16="http://schemas.microsoft.com/office/drawing/2014/main" id="{E7DF1F9B-711F-44E9-955A-D694BF3A46A8}"/>
-                </a:ext>
-              </a:extLst>
-            </p:cNvPr>
-            <p:cNvSpPr/>
-            <p:nvPr/>
-          </p:nvSpPr>
-          <p:spPr>
-            <a:xfrm>
-              <a:off x="2484174" y="4508673"/>
-              <a:ext cx="278296" cy="201040"/>
-            </a:xfrm>
-            <a:prstGeom prst="irregularSeal2">
-              <a:avLst/>
-            </a:prstGeom>
-            <a:ln>
-              <a:noFill/>
-            </a:ln>
-          </p:spPr>
-          <p:style>
-            <a:lnRef idx="2">
-              <a:schemeClr val="accent6"/>
-            </a:lnRef>
-            <a:fillRef idx="1">
-              <a:schemeClr val="lt1"/>
-            </a:fillRef>
-            <a:effectRef idx="0">
-              <a:schemeClr val="accent6"/>
-            </a:effectRef>
-            <a:fontRef idx="minor">
-              <a:schemeClr val="dk1"/>
-            </a:fontRef>
-          </p:style>
-          <p:txBody>
-            <a:bodyPr rtlCol="0" anchor="ctr"/>
-            <a:lstStyle/>
-            <a:p>
-              <a:pPr algn="ctr"/>
-              <a:endParaRPr lang="pl-PL"/>
-            </a:p>
-          </p:txBody>
-        </p:sp>
-        <p:sp>
-          <p:nvSpPr>
-            <p:cNvPr id="66" name="Wybuch: 14 punktów 65">
-              <a:extLst>
-                <a:ext uri="{FF2B5EF4-FFF2-40B4-BE49-F238E27FC236}">
-                  <a16:creationId xmlns:a16="http://schemas.microsoft.com/office/drawing/2014/main" id="{DF299246-0C0D-4F64-A733-DBE96775FAB0}"/>
-                </a:ext>
-              </a:extLst>
-            </p:cNvPr>
-            <p:cNvSpPr/>
-            <p:nvPr/>
-          </p:nvSpPr>
-          <p:spPr>
-            <a:xfrm>
-              <a:off x="1803301" y="4183343"/>
-              <a:ext cx="278296" cy="201040"/>
-            </a:xfrm>
-            <a:prstGeom prst="irregularSeal2">
-              <a:avLst/>
-            </a:prstGeom>
-            <a:ln>
-              <a:noFill/>
-            </a:ln>
-          </p:spPr>
-          <p:style>
-            <a:lnRef idx="2">
-              <a:schemeClr val="accent6"/>
-            </a:lnRef>
-            <a:fillRef idx="1">
-              <a:schemeClr val="lt1"/>
-            </a:fillRef>
-            <a:effectRef idx="0">
-              <a:schemeClr val="accent6"/>
-            </a:effectRef>
-            <a:fontRef idx="minor">
-              <a:schemeClr val="dk1"/>
-            </a:fontRef>
-          </p:style>
-          <p:txBody>
-            <a:bodyPr rtlCol="0" anchor="ctr"/>
-            <a:lstStyle/>
-            <a:p>
-              <a:pPr algn="ctr"/>
-              <a:endParaRPr lang="pl-PL"/>
-            </a:p>
-          </p:txBody>
-        </p:sp>
-        <p:sp>
-          <p:nvSpPr>
-            <p:cNvPr id="67" name="Wybuch: 14 punktów 66">
-              <a:extLst>
-                <a:ext uri="{FF2B5EF4-FFF2-40B4-BE49-F238E27FC236}">
-                  <a16:creationId xmlns:a16="http://schemas.microsoft.com/office/drawing/2014/main" id="{6009A573-1FB8-4E70-A3CD-8768FC557BC1}"/>
-                </a:ext>
-              </a:extLst>
-            </p:cNvPr>
-            <p:cNvSpPr/>
-            <p:nvPr/>
-          </p:nvSpPr>
-          <p:spPr>
-            <a:xfrm>
-              <a:off x="2808334" y="3991228"/>
-              <a:ext cx="278296" cy="201040"/>
-            </a:xfrm>
-            <a:prstGeom prst="irregularSeal2">
-              <a:avLst/>
-            </a:prstGeom>
-            <a:ln>
-              <a:noFill/>
-            </a:ln>
-          </p:spPr>
-          <p:style>
-            <a:lnRef idx="2">
-              <a:schemeClr val="accent6"/>
-            </a:lnRef>
-            <a:fillRef idx="1">
-              <a:schemeClr val="lt1"/>
-            </a:fillRef>
-            <a:effectRef idx="0">
-              <a:schemeClr val="accent6"/>
-            </a:effectRef>
-            <a:fontRef idx="minor">
-              <a:schemeClr val="dk1"/>
-            </a:fontRef>
-          </p:style>
-          <p:txBody>
-            <a:bodyPr rtlCol="0" anchor="ctr"/>
-            <a:lstStyle/>
-            <a:p>
-              <a:pPr algn="ctr"/>
-              <a:endParaRPr lang="pl-PL"/>
-            </a:p>
-          </p:txBody>
-        </p:sp>
-        <p:sp>
-          <p:nvSpPr>
-            <p:cNvPr id="68" name="Wybuch: 14 punktów 67">
-              <a:extLst>
-                <a:ext uri="{FF2B5EF4-FFF2-40B4-BE49-F238E27FC236}">
-                  <a16:creationId xmlns:a16="http://schemas.microsoft.com/office/drawing/2014/main" id="{B6822596-B38E-4FD2-A80A-705A56BD0FE4}"/>
-                </a:ext>
-              </a:extLst>
-            </p:cNvPr>
-            <p:cNvSpPr/>
-            <p:nvPr/>
-          </p:nvSpPr>
-          <p:spPr>
-            <a:xfrm>
-              <a:off x="4288812" y="3576462"/>
-              <a:ext cx="278296" cy="201040"/>
-            </a:xfrm>
-            <a:prstGeom prst="irregularSeal2">
-              <a:avLst/>
-            </a:prstGeom>
-            <a:ln>
-              <a:noFill/>
-            </a:ln>
-          </p:spPr>
-          <p:style>
-            <a:lnRef idx="2">
-              <a:schemeClr val="accent6"/>
-            </a:lnRef>
-            <a:fillRef idx="1">
-              <a:schemeClr val="lt1"/>
-            </a:fillRef>
-            <a:effectRef idx="0">
-              <a:schemeClr val="accent6"/>
-            </a:effectRef>
-            <a:fontRef idx="minor">
-              <a:schemeClr val="dk1"/>
-            </a:fontRef>
-          </p:style>
-          <p:txBody>
-            <a:bodyPr rtlCol="0" anchor="ctr"/>
-            <a:lstStyle/>
-            <a:p>
-              <a:pPr algn="ctr"/>
-              <a:endParaRPr lang="pl-PL"/>
-            </a:p>
-          </p:txBody>
-        </p:sp>
-        <p:sp>
-          <p:nvSpPr>
-            <p:cNvPr id="69" name="Wybuch: 14 punktów 68">
-              <a:extLst>
-                <a:ext uri="{FF2B5EF4-FFF2-40B4-BE49-F238E27FC236}">
-                  <a16:creationId xmlns:a16="http://schemas.microsoft.com/office/drawing/2014/main" id="{38586FBC-B255-4D96-9C53-9D970223EE59}"/>
-                </a:ext>
-              </a:extLst>
-            </p:cNvPr>
-            <p:cNvSpPr/>
-            <p:nvPr/>
-          </p:nvSpPr>
-          <p:spPr>
-            <a:xfrm>
-              <a:off x="4223974" y="4163203"/>
-              <a:ext cx="278296" cy="201040"/>
-            </a:xfrm>
-            <a:prstGeom prst="irregularSeal2">
-              <a:avLst/>
-            </a:prstGeom>
-            <a:ln>
-              <a:noFill/>
-            </a:ln>
-          </p:spPr>
-          <p:style>
-            <a:lnRef idx="2">
-              <a:schemeClr val="accent6"/>
-            </a:lnRef>
-            <a:fillRef idx="1">
-              <a:schemeClr val="lt1"/>
-            </a:fillRef>
-            <a:effectRef idx="0">
-              <a:schemeClr val="accent6"/>
-            </a:effectRef>
-            <a:fontRef idx="minor">
-              <a:schemeClr val="dk1"/>
-            </a:fontRef>
-          </p:style>
-          <p:txBody>
-            <a:bodyPr rtlCol="0" anchor="ctr"/>
-            <a:lstStyle/>
-            <a:p>
-              <a:pPr algn="ctr"/>
-              <a:endParaRPr lang="pl-PL"/>
-            </a:p>
-          </p:txBody>
-        </p:sp>
-        <p:sp>
-          <p:nvSpPr>
-            <p:cNvPr id="70" name="Wybuch: 14 punktów 69">
-              <a:extLst>
-                <a:ext uri="{FF2B5EF4-FFF2-40B4-BE49-F238E27FC236}">
-                  <a16:creationId xmlns:a16="http://schemas.microsoft.com/office/drawing/2014/main" id="{E08B0A08-20FE-4DEF-B4D1-0B3B81EB1E43}"/>
-                </a:ext>
-              </a:extLst>
-            </p:cNvPr>
-            <p:cNvSpPr/>
-            <p:nvPr/>
-          </p:nvSpPr>
-          <p:spPr>
-            <a:xfrm>
-              <a:off x="4594616" y="3767571"/>
-              <a:ext cx="278296" cy="201040"/>
-            </a:xfrm>
-            <a:prstGeom prst="irregularSeal2">
-              <a:avLst/>
-            </a:prstGeom>
-            <a:ln>
-              <a:noFill/>
-            </a:ln>
-          </p:spPr>
-          <p:style>
-            <a:lnRef idx="2">
-              <a:schemeClr val="accent6"/>
-            </a:lnRef>
-            <a:fillRef idx="1">
-              <a:schemeClr val="lt1"/>
-            </a:fillRef>
-            <a:effectRef idx="0">
-              <a:schemeClr val="accent6"/>
-            </a:effectRef>
-            <a:fontRef idx="minor">
-              <a:schemeClr val="dk1"/>
-            </a:fontRef>
-          </p:style>
-          <p:txBody>
-            <a:bodyPr rtlCol="0" anchor="ctr"/>
-            <a:lstStyle/>
-            <a:p>
-              <a:pPr algn="ctr"/>
-              <a:endParaRPr lang="pl-PL"/>
-            </a:p>
-          </p:txBody>
-        </p:sp>
-        <p:sp>
-          <p:nvSpPr>
-            <p:cNvPr id="71" name="Wybuch: 14 punktów 70">
-              <a:extLst>
-                <a:ext uri="{FF2B5EF4-FFF2-40B4-BE49-F238E27FC236}">
-                  <a16:creationId xmlns:a16="http://schemas.microsoft.com/office/drawing/2014/main" id="{0245759C-CF79-4543-A4CF-83D6EC01DE91}"/>
-                </a:ext>
-              </a:extLst>
-            </p:cNvPr>
-            <p:cNvSpPr/>
-            <p:nvPr/>
-          </p:nvSpPr>
-          <p:spPr>
-            <a:xfrm>
-              <a:off x="4599397" y="4153029"/>
-              <a:ext cx="278296" cy="201040"/>
-            </a:xfrm>
-            <a:prstGeom prst="irregularSeal2">
-              <a:avLst/>
-            </a:prstGeom>
-            <a:ln>
-              <a:noFill/>
-            </a:ln>
-          </p:spPr>
-          <p:style>
-            <a:lnRef idx="2">
-              <a:schemeClr val="accent6"/>
-            </a:lnRef>
-            <a:fillRef idx="1">
-              <a:schemeClr val="lt1"/>
-            </a:fillRef>
-            <a:effectRef idx="0">
-              <a:schemeClr val="accent6"/>
-            </a:effectRef>
-            <a:fontRef idx="minor">
-              <a:schemeClr val="dk1"/>
-            </a:fontRef>
-          </p:style>
-          <p:txBody>
-            <a:bodyPr rtlCol="0" anchor="ctr"/>
-            <a:lstStyle/>
-            <a:p>
-              <a:pPr algn="ctr"/>
-              <a:endParaRPr lang="pl-PL"/>
-            </a:p>
-          </p:txBody>
-        </p:sp>
-        <p:sp>
-          <p:nvSpPr>
-            <p:cNvPr id="72" name="Wybuch: 14 punktów 71">
-              <a:extLst>
-                <a:ext uri="{FF2B5EF4-FFF2-40B4-BE49-F238E27FC236}">
-                  <a16:creationId xmlns:a16="http://schemas.microsoft.com/office/drawing/2014/main" id="{C22EED06-305B-4537-B2F5-723F58F24214}"/>
-                </a:ext>
-              </a:extLst>
-            </p:cNvPr>
-            <p:cNvSpPr/>
-            <p:nvPr/>
-          </p:nvSpPr>
-          <p:spPr>
-            <a:xfrm>
-              <a:off x="3918524" y="3827699"/>
-              <a:ext cx="278296" cy="201040"/>
-            </a:xfrm>
-            <a:prstGeom prst="irregularSeal2">
-              <a:avLst/>
-            </a:prstGeom>
-            <a:ln>
-              <a:noFill/>
-            </a:ln>
-          </p:spPr>
-          <p:style>
-            <a:lnRef idx="2">
-              <a:schemeClr val="accent6"/>
-            </a:lnRef>
-            <a:fillRef idx="1">
-              <a:schemeClr val="lt1"/>
-            </a:fillRef>
-            <a:effectRef idx="0">
-              <a:schemeClr val="accent6"/>
-            </a:effectRef>
-            <a:fontRef idx="minor">
-              <a:schemeClr val="dk1"/>
-            </a:fontRef>
-          </p:style>
-          <p:txBody>
-            <a:bodyPr rtlCol="0" anchor="ctr"/>
-            <a:lstStyle/>
-            <a:p>
-              <a:pPr algn="ctr"/>
-              <a:endParaRPr lang="pl-PL"/>
-            </a:p>
-          </p:txBody>
-        </p:sp>
-        <p:sp>
-          <p:nvSpPr>
-            <p:cNvPr id="73" name="Wybuch: 14 punktów 72">
-              <a:extLst>
-                <a:ext uri="{FF2B5EF4-FFF2-40B4-BE49-F238E27FC236}">
-                  <a16:creationId xmlns:a16="http://schemas.microsoft.com/office/drawing/2014/main" id="{473E601D-3C97-4E5C-9568-2FF886292C49}"/>
-                </a:ext>
-              </a:extLst>
-            </p:cNvPr>
-            <p:cNvSpPr/>
-            <p:nvPr/>
-          </p:nvSpPr>
-          <p:spPr>
-            <a:xfrm>
-              <a:off x="4923557" y="3635584"/>
-              <a:ext cx="278296" cy="201040"/>
-            </a:xfrm>
-            <a:prstGeom prst="irregularSeal2">
-              <a:avLst/>
-            </a:prstGeom>
-            <a:ln>
-              <a:noFill/>
-            </a:ln>
-          </p:spPr>
-          <p:style>
-            <a:lnRef idx="2">
-              <a:schemeClr val="accent6"/>
-            </a:lnRef>
-            <a:fillRef idx="1">
-              <a:schemeClr val="lt1"/>
-            </a:fillRef>
-            <a:effectRef idx="0">
-              <a:schemeClr val="accent6"/>
-            </a:effectRef>
-            <a:fontRef idx="minor">
-              <a:schemeClr val="dk1"/>
-            </a:fontRef>
-          </p:style>
-          <p:txBody>
-            <a:bodyPr rtlCol="0" anchor="ctr"/>
-            <a:lstStyle/>
-            <a:p>
-              <a:pPr algn="ctr"/>
-              <a:endParaRPr lang="pl-PL"/>
-            </a:p>
-          </p:txBody>
-        </p:sp>
-        <p:sp>
-          <p:nvSpPr>
-            <p:cNvPr id="74" name="Wybuch: 14 punktów 73">
-              <a:extLst>
-                <a:ext uri="{FF2B5EF4-FFF2-40B4-BE49-F238E27FC236}">
-                  <a16:creationId xmlns:a16="http://schemas.microsoft.com/office/drawing/2014/main" id="{FB5184E1-E1A9-4B46-B6B0-91DD78CB3BE3}"/>
-                </a:ext>
-              </a:extLst>
-            </p:cNvPr>
-            <p:cNvSpPr/>
-            <p:nvPr/>
-          </p:nvSpPr>
-          <p:spPr>
-            <a:xfrm>
-              <a:off x="2489236" y="4780092"/>
-              <a:ext cx="278296" cy="201040"/>
-            </a:xfrm>
-            <a:prstGeom prst="irregularSeal2">
-              <a:avLst/>
-            </a:prstGeom>
-            <a:ln>
-              <a:noFill/>
-            </a:ln>
-          </p:spPr>
-          <p:style>
-            <a:lnRef idx="2">
-              <a:schemeClr val="accent6"/>
-            </a:lnRef>
-            <a:fillRef idx="1">
-              <a:schemeClr val="lt1"/>
-            </a:fillRef>
-            <a:effectRef idx="0">
-              <a:schemeClr val="accent6"/>
-            </a:effectRef>
-            <a:fontRef idx="minor">
-              <a:schemeClr val="dk1"/>
-            </a:fontRef>
-          </p:style>
-          <p:txBody>
-            <a:bodyPr rtlCol="0" anchor="ctr"/>
-            <a:lstStyle/>
-            <a:p>
-              <a:pPr algn="ctr"/>
-              <a:endParaRPr lang="pl-PL"/>
-            </a:p>
-          </p:txBody>
-        </p:sp>
-        <p:sp>
-          <p:nvSpPr>
-            <p:cNvPr id="75" name="Wybuch: 14 punktów 74">
-              <a:extLst>
-                <a:ext uri="{FF2B5EF4-FFF2-40B4-BE49-F238E27FC236}">
-                  <a16:creationId xmlns:a16="http://schemas.microsoft.com/office/drawing/2014/main" id="{9A0EE941-758A-4408-95E7-DA52885EF591}"/>
-                </a:ext>
-              </a:extLst>
-            </p:cNvPr>
-            <p:cNvSpPr/>
-            <p:nvPr/>
-          </p:nvSpPr>
-          <p:spPr>
-            <a:xfrm>
-              <a:off x="2427360" y="5193781"/>
-              <a:ext cx="278296" cy="201040"/>
-            </a:xfrm>
-            <a:prstGeom prst="irregularSeal2">
-              <a:avLst/>
-            </a:prstGeom>
-            <a:ln>
-              <a:noFill/>
-            </a:ln>
-          </p:spPr>
-          <p:style>
-            <a:lnRef idx="2">
-              <a:schemeClr val="accent6"/>
-            </a:lnRef>
-            <a:fillRef idx="1">
-              <a:schemeClr val="lt1"/>
-            </a:fillRef>
-            <a:effectRef idx="0">
-              <a:schemeClr val="accent6"/>
-            </a:effectRef>
-            <a:fontRef idx="minor">
-              <a:schemeClr val="dk1"/>
-            </a:fontRef>
-          </p:style>
-          <p:txBody>
-            <a:bodyPr rtlCol="0" anchor="ctr"/>
-            <a:lstStyle/>
-            <a:p>
-              <a:pPr algn="ctr"/>
-              <a:endParaRPr lang="pl-PL"/>
-            </a:p>
-          </p:txBody>
-        </p:sp>
-        <p:sp>
-          <p:nvSpPr>
-            <p:cNvPr id="76" name="Wybuch: 14 punktów 75">
-              <a:extLst>
-                <a:ext uri="{FF2B5EF4-FFF2-40B4-BE49-F238E27FC236}">
-                  <a16:creationId xmlns:a16="http://schemas.microsoft.com/office/drawing/2014/main" id="{DB297D4D-1EC9-41D8-84AB-FB26B272757F}"/>
-                </a:ext>
-              </a:extLst>
-            </p:cNvPr>
-            <p:cNvSpPr/>
-            <p:nvPr/>
-          </p:nvSpPr>
-          <p:spPr>
-            <a:xfrm>
-              <a:off x="2795040" y="4971201"/>
-              <a:ext cx="278296" cy="201040"/>
-            </a:xfrm>
-            <a:prstGeom prst="irregularSeal2">
-              <a:avLst/>
-            </a:prstGeom>
-            <a:ln>
-              <a:noFill/>
-            </a:ln>
-          </p:spPr>
-          <p:style>
-            <a:lnRef idx="2">
-              <a:schemeClr val="accent6"/>
-            </a:lnRef>
-            <a:fillRef idx="1">
-              <a:schemeClr val="lt1"/>
-            </a:fillRef>
-            <a:effectRef idx="0">
-              <a:schemeClr val="accent6"/>
-            </a:effectRef>
-            <a:fontRef idx="minor">
-              <a:schemeClr val="dk1"/>
-            </a:fontRef>
-          </p:style>
-          <p:txBody>
-            <a:bodyPr rtlCol="0" anchor="ctr"/>
-            <a:lstStyle/>
-            <a:p>
-              <a:pPr algn="ctr"/>
-              <a:endParaRPr lang="pl-PL"/>
-            </a:p>
-          </p:txBody>
-        </p:sp>
-        <p:sp>
-          <p:nvSpPr>
-            <p:cNvPr id="77" name="Wybuch: 14 punktów 76">
-              <a:extLst>
-                <a:ext uri="{FF2B5EF4-FFF2-40B4-BE49-F238E27FC236}">
-                  <a16:creationId xmlns:a16="http://schemas.microsoft.com/office/drawing/2014/main" id="{C78F6B71-7907-454F-AF52-CE9F8CBEE257}"/>
-                </a:ext>
-              </a:extLst>
-            </p:cNvPr>
-            <p:cNvSpPr/>
-            <p:nvPr/>
-          </p:nvSpPr>
-          <p:spPr>
-            <a:xfrm>
-              <a:off x="2799821" y="5356659"/>
-              <a:ext cx="278296" cy="201040"/>
-            </a:xfrm>
-            <a:prstGeom prst="irregularSeal2">
-              <a:avLst/>
-            </a:prstGeom>
-            <a:ln>
-              <a:noFill/>
-            </a:ln>
-          </p:spPr>
-          <p:style>
-            <a:lnRef idx="2">
-              <a:schemeClr val="accent6"/>
-            </a:lnRef>
-            <a:fillRef idx="1">
-              <a:schemeClr val="lt1"/>
-            </a:fillRef>
-            <a:effectRef idx="0">
-              <a:schemeClr val="accent6"/>
-            </a:effectRef>
-            <a:fontRef idx="minor">
-              <a:schemeClr val="dk1"/>
-            </a:fontRef>
-          </p:style>
-          <p:txBody>
-            <a:bodyPr rtlCol="0" anchor="ctr"/>
-            <a:lstStyle/>
-            <a:p>
-              <a:pPr algn="ctr"/>
-              <a:endParaRPr lang="pl-PL"/>
-            </a:p>
-          </p:txBody>
-        </p:sp>
-        <p:sp>
-          <p:nvSpPr>
-            <p:cNvPr id="78" name="Wybuch: 14 punktów 77">
-              <a:extLst>
-                <a:ext uri="{FF2B5EF4-FFF2-40B4-BE49-F238E27FC236}">
-                  <a16:creationId xmlns:a16="http://schemas.microsoft.com/office/drawing/2014/main" id="{0EE361A2-E0AC-4DE1-8ACF-11974DCDB521}"/>
-                </a:ext>
-              </a:extLst>
-            </p:cNvPr>
-            <p:cNvSpPr/>
-            <p:nvPr/>
-          </p:nvSpPr>
-          <p:spPr>
-            <a:xfrm>
-              <a:off x="2009953" y="4767042"/>
-              <a:ext cx="278296" cy="201040"/>
-            </a:xfrm>
-            <a:prstGeom prst="irregularSeal2">
-              <a:avLst/>
-            </a:prstGeom>
-            <a:ln>
-              <a:noFill/>
-            </a:ln>
-          </p:spPr>
-          <p:style>
-            <a:lnRef idx="2">
-              <a:schemeClr val="accent6"/>
-            </a:lnRef>
-            <a:fillRef idx="1">
-              <a:schemeClr val="lt1"/>
-            </a:fillRef>
-            <a:effectRef idx="0">
-              <a:schemeClr val="accent6"/>
-            </a:effectRef>
-            <a:fontRef idx="minor">
-              <a:schemeClr val="dk1"/>
-            </a:fontRef>
-          </p:style>
-          <p:txBody>
-            <a:bodyPr rtlCol="0" anchor="ctr"/>
-            <a:lstStyle/>
-            <a:p>
-              <a:pPr algn="ctr"/>
-              <a:endParaRPr lang="pl-PL"/>
-            </a:p>
-          </p:txBody>
-        </p:sp>
-        <p:sp>
-          <p:nvSpPr>
-            <p:cNvPr id="79" name="Wybuch: 14 punktów 78">
-              <a:extLst>
-                <a:ext uri="{FF2B5EF4-FFF2-40B4-BE49-F238E27FC236}">
-                  <a16:creationId xmlns:a16="http://schemas.microsoft.com/office/drawing/2014/main" id="{8D9E56EC-FD50-4DEE-A0CE-68CF039288BD}"/>
-                </a:ext>
-              </a:extLst>
-            </p:cNvPr>
-            <p:cNvSpPr/>
-            <p:nvPr/>
-          </p:nvSpPr>
-          <p:spPr>
-            <a:xfrm>
-              <a:off x="3416627" y="4825610"/>
-              <a:ext cx="278296" cy="201040"/>
-            </a:xfrm>
-            <a:prstGeom prst="irregularSeal2">
-              <a:avLst/>
-            </a:prstGeom>
-            <a:ln>
-              <a:noFill/>
-            </a:ln>
-          </p:spPr>
-          <p:style>
-            <a:lnRef idx="2">
-              <a:schemeClr val="accent6"/>
-            </a:lnRef>
-            <a:fillRef idx="1">
-              <a:schemeClr val="lt1"/>
-            </a:fillRef>
-            <a:effectRef idx="0">
-              <a:schemeClr val="accent6"/>
-            </a:effectRef>
-            <a:fontRef idx="minor">
-              <a:schemeClr val="dk1"/>
-            </a:fontRef>
-          </p:style>
-          <p:txBody>
-            <a:bodyPr rtlCol="0" anchor="ctr"/>
-            <a:lstStyle/>
-            <a:p>
-              <a:pPr algn="ctr"/>
-              <a:endParaRPr lang="pl-PL"/>
-            </a:p>
-          </p:txBody>
-        </p:sp>
-        <p:sp>
-          <p:nvSpPr>
-            <p:cNvPr id="80" name="Wybuch: 14 punktów 79">
-              <a:extLst>
-                <a:ext uri="{FF2B5EF4-FFF2-40B4-BE49-F238E27FC236}">
-                  <a16:creationId xmlns:a16="http://schemas.microsoft.com/office/drawing/2014/main" id="{576B5168-DA19-4B88-901C-F3935B1DB3E3}"/>
-                </a:ext>
-              </a:extLst>
-            </p:cNvPr>
-            <p:cNvSpPr/>
-            <p:nvPr/>
-          </p:nvSpPr>
-          <p:spPr>
-            <a:xfrm>
-              <a:off x="3138331" y="3282078"/>
-              <a:ext cx="278296" cy="201040"/>
-            </a:xfrm>
-            <a:prstGeom prst="irregularSeal2">
-              <a:avLst/>
-            </a:prstGeom>
-            <a:ln>
-              <a:noFill/>
-            </a:ln>
-          </p:spPr>
-          <p:style>
-            <a:lnRef idx="2">
-              <a:schemeClr val="accent6"/>
-            </a:lnRef>
-            <a:fillRef idx="1">
-              <a:schemeClr val="lt1"/>
-            </a:fillRef>
-            <a:effectRef idx="0">
-              <a:schemeClr val="accent6"/>
-            </a:effectRef>
-            <a:fontRef idx="minor">
-              <a:schemeClr val="dk1"/>
-            </a:fontRef>
-          </p:style>
-          <p:txBody>
-            <a:bodyPr rtlCol="0" anchor="ctr"/>
-            <a:lstStyle/>
-            <a:p>
-              <a:pPr algn="ctr"/>
-              <a:endParaRPr lang="pl-PL"/>
-            </a:p>
-          </p:txBody>
-        </p:sp>
-        <p:sp>
-          <p:nvSpPr>
-            <p:cNvPr id="81" name="Wybuch: 14 punktów 80">
-              <a:extLst>
-                <a:ext uri="{FF2B5EF4-FFF2-40B4-BE49-F238E27FC236}">
-                  <a16:creationId xmlns:a16="http://schemas.microsoft.com/office/drawing/2014/main" id="{80BC29BB-CC61-455D-8341-8821AD5F4EE5}"/>
-                </a:ext>
-              </a:extLst>
-            </p:cNvPr>
-            <p:cNvSpPr/>
-            <p:nvPr/>
-          </p:nvSpPr>
-          <p:spPr>
-            <a:xfrm>
-              <a:off x="3153048" y="3776325"/>
-              <a:ext cx="278296" cy="201040"/>
-            </a:xfrm>
-            <a:prstGeom prst="irregularSeal2">
-              <a:avLst/>
-            </a:prstGeom>
-            <a:ln>
-              <a:noFill/>
-            </a:ln>
-          </p:spPr>
-          <p:style>
-            <a:lnRef idx="2">
-              <a:schemeClr val="accent6"/>
-            </a:lnRef>
-            <a:fillRef idx="1">
-              <a:schemeClr val="lt1"/>
-            </a:fillRef>
-            <a:effectRef idx="0">
-              <a:schemeClr val="accent6"/>
-            </a:effectRef>
-            <a:fontRef idx="minor">
-              <a:schemeClr val="dk1"/>
-            </a:fontRef>
-          </p:style>
-          <p:txBody>
-            <a:bodyPr rtlCol="0" anchor="ctr"/>
-            <a:lstStyle/>
-            <a:p>
-              <a:pPr algn="ctr"/>
-              <a:endParaRPr lang="pl-PL"/>
-            </a:p>
-          </p:txBody>
-        </p:sp>
-        <p:sp>
-          <p:nvSpPr>
-            <p:cNvPr id="82" name="Wybuch: 14 punktów 81">
-              <a:extLst>
-                <a:ext uri="{FF2B5EF4-FFF2-40B4-BE49-F238E27FC236}">
-                  <a16:creationId xmlns:a16="http://schemas.microsoft.com/office/drawing/2014/main" id="{845969FE-74BB-4622-8C9E-19B3B01F1A5A}"/>
-                </a:ext>
-              </a:extLst>
-            </p:cNvPr>
-            <p:cNvSpPr/>
-            <p:nvPr/>
-          </p:nvSpPr>
-          <p:spPr>
-            <a:xfrm>
-              <a:off x="3520728" y="3553745"/>
-              <a:ext cx="278296" cy="201040"/>
-            </a:xfrm>
-            <a:prstGeom prst="irregularSeal2">
-              <a:avLst/>
-            </a:prstGeom>
-            <a:ln>
-              <a:noFill/>
-            </a:ln>
-          </p:spPr>
-          <p:style>
-            <a:lnRef idx="2">
-              <a:schemeClr val="accent6"/>
-            </a:lnRef>
-            <a:fillRef idx="1">
-              <a:schemeClr val="lt1"/>
-            </a:fillRef>
-            <a:effectRef idx="0">
-              <a:schemeClr val="accent6"/>
-            </a:effectRef>
-            <a:fontRef idx="minor">
-              <a:schemeClr val="dk1"/>
-            </a:fontRef>
-          </p:style>
-          <p:txBody>
-            <a:bodyPr rtlCol="0" anchor="ctr"/>
-            <a:lstStyle/>
-            <a:p>
-              <a:pPr algn="ctr"/>
-              <a:endParaRPr lang="pl-PL"/>
-            </a:p>
-          </p:txBody>
-        </p:sp>
-        <p:sp>
-          <p:nvSpPr>
-            <p:cNvPr id="83" name="Wybuch: 14 punktów 82">
-              <a:extLst>
-                <a:ext uri="{FF2B5EF4-FFF2-40B4-BE49-F238E27FC236}">
-                  <a16:creationId xmlns:a16="http://schemas.microsoft.com/office/drawing/2014/main" id="{EB0B707D-268E-42EE-B410-8D8C8A899935}"/>
-                </a:ext>
-              </a:extLst>
-            </p:cNvPr>
-            <p:cNvSpPr/>
-            <p:nvPr/>
-          </p:nvSpPr>
-          <p:spPr>
-            <a:xfrm>
-              <a:off x="3525509" y="3939203"/>
-              <a:ext cx="278296" cy="201040"/>
-            </a:xfrm>
-            <a:prstGeom prst="irregularSeal2">
-              <a:avLst/>
-            </a:prstGeom>
-            <a:ln>
-              <a:noFill/>
-            </a:ln>
-          </p:spPr>
-          <p:style>
-            <a:lnRef idx="2">
-              <a:schemeClr val="accent6"/>
-            </a:lnRef>
-            <a:fillRef idx="1">
-              <a:schemeClr val="lt1"/>
-            </a:fillRef>
-            <a:effectRef idx="0">
-              <a:schemeClr val="accent6"/>
-            </a:effectRef>
-            <a:fontRef idx="minor">
-              <a:schemeClr val="dk1"/>
-            </a:fontRef>
-          </p:style>
-          <p:txBody>
-            <a:bodyPr rtlCol="0" anchor="ctr"/>
-            <a:lstStyle/>
-            <a:p>
-              <a:pPr algn="ctr"/>
-              <a:endParaRPr lang="pl-PL"/>
-            </a:p>
-          </p:txBody>
-        </p:sp>
-        <p:sp>
-          <p:nvSpPr>
-            <p:cNvPr id="84" name="Wybuch: 14 punktów 83">
-              <a:extLst>
-                <a:ext uri="{FF2B5EF4-FFF2-40B4-BE49-F238E27FC236}">
-                  <a16:creationId xmlns:a16="http://schemas.microsoft.com/office/drawing/2014/main" id="{002EE77A-790A-4EB7-9183-2A4F7665C62B}"/>
-                </a:ext>
-              </a:extLst>
-            </p:cNvPr>
-            <p:cNvSpPr/>
-            <p:nvPr/>
-          </p:nvSpPr>
-          <p:spPr>
-            <a:xfrm>
-              <a:off x="2844636" y="3613873"/>
-              <a:ext cx="278296" cy="201040"/>
-            </a:xfrm>
-            <a:prstGeom prst="irregularSeal2">
-              <a:avLst/>
-            </a:prstGeom>
-            <a:ln>
-              <a:noFill/>
-            </a:ln>
-          </p:spPr>
-          <p:style>
-            <a:lnRef idx="2">
-              <a:schemeClr val="accent6"/>
-            </a:lnRef>
-            <a:fillRef idx="1">
-              <a:schemeClr val="lt1"/>
-            </a:fillRef>
-            <a:effectRef idx="0">
-              <a:schemeClr val="accent6"/>
-            </a:effectRef>
-            <a:fontRef idx="minor">
-              <a:schemeClr val="dk1"/>
-            </a:fontRef>
-          </p:style>
-          <p:txBody>
-            <a:bodyPr rtlCol="0" anchor="ctr"/>
-            <a:lstStyle/>
-            <a:p>
-              <a:pPr algn="ctr"/>
-              <a:endParaRPr lang="pl-PL"/>
-            </a:p>
-          </p:txBody>
-        </p:sp>
-        <p:sp>
-          <p:nvSpPr>
-            <p:cNvPr id="85" name="Wybuch: 14 punktów 84">
-              <a:extLst>
-                <a:ext uri="{FF2B5EF4-FFF2-40B4-BE49-F238E27FC236}">
-                  <a16:creationId xmlns:a16="http://schemas.microsoft.com/office/drawing/2014/main" id="{86CB8965-3B0D-4A07-95F5-D808D523EE36}"/>
-                </a:ext>
-              </a:extLst>
-            </p:cNvPr>
-            <p:cNvSpPr/>
-            <p:nvPr/>
-          </p:nvSpPr>
-          <p:spPr>
-            <a:xfrm>
-              <a:off x="3849669" y="3421758"/>
-              <a:ext cx="278296" cy="201040"/>
-            </a:xfrm>
-            <a:prstGeom prst="irregularSeal2">
-              <a:avLst/>
-            </a:prstGeom>
-            <a:ln>
-              <a:noFill/>
-            </a:ln>
-          </p:spPr>
-          <p:style>
-            <a:lnRef idx="2">
-              <a:schemeClr val="accent6"/>
-            </a:lnRef>
-            <a:fillRef idx="1">
-              <a:schemeClr val="lt1"/>
-            </a:fillRef>
-            <a:effectRef idx="0">
-              <a:schemeClr val="accent6"/>
-            </a:effectRef>
-            <a:fontRef idx="minor">
-              <a:schemeClr val="dk1"/>
-            </a:fontRef>
-          </p:style>
-          <p:txBody>
-            <a:bodyPr rtlCol="0" anchor="ctr"/>
-            <a:lstStyle/>
-            <a:p>
-              <a:pPr algn="ctr"/>
-              <a:endParaRPr lang="pl-PL"/>
-            </a:p>
-          </p:txBody>
-        </p:sp>
-        <p:sp>
-          <p:nvSpPr>
-            <p:cNvPr id="86" name="Wybuch: 14 punktów 85">
-              <a:extLst>
-                <a:ext uri="{FF2B5EF4-FFF2-40B4-BE49-F238E27FC236}">
-                  <a16:creationId xmlns:a16="http://schemas.microsoft.com/office/drawing/2014/main" id="{443C55A0-5F4A-45E7-B926-40CEBFCE4EF9}"/>
-                </a:ext>
-              </a:extLst>
-            </p:cNvPr>
-            <p:cNvSpPr/>
-            <p:nvPr/>
-          </p:nvSpPr>
-          <p:spPr>
-            <a:xfrm>
-              <a:off x="3157637" y="4099676"/>
-              <a:ext cx="278296" cy="201040"/>
-            </a:xfrm>
-            <a:prstGeom prst="irregularSeal2">
-              <a:avLst/>
-            </a:prstGeom>
-            <a:ln>
-              <a:noFill/>
-            </a:ln>
-          </p:spPr>
-          <p:style>
-            <a:lnRef idx="2">
-              <a:schemeClr val="accent6"/>
-            </a:lnRef>
-            <a:fillRef idx="1">
-              <a:schemeClr val="lt1"/>
-            </a:fillRef>
-            <a:effectRef idx="0">
-              <a:schemeClr val="accent6"/>
-            </a:effectRef>
-            <a:fontRef idx="minor">
-              <a:schemeClr val="dk1"/>
-            </a:fontRef>
-          </p:style>
-          <p:txBody>
-            <a:bodyPr rtlCol="0" anchor="ctr"/>
-            <a:lstStyle/>
-            <a:p>
-              <a:pPr algn="ctr"/>
-              <a:endParaRPr lang="pl-PL"/>
-            </a:p>
-          </p:txBody>
-        </p:sp>
-        <p:sp>
-          <p:nvSpPr>
-            <p:cNvPr id="87" name="Wybuch: 14 punktów 86">
-              <a:extLst>
-                <a:ext uri="{FF2B5EF4-FFF2-40B4-BE49-F238E27FC236}">
-                  <a16:creationId xmlns:a16="http://schemas.microsoft.com/office/drawing/2014/main" id="{AEC03136-4786-4A5D-85C0-2D10F2E5D8EF}"/>
-                </a:ext>
-              </a:extLst>
-            </p:cNvPr>
-            <p:cNvSpPr/>
-            <p:nvPr/>
-          </p:nvSpPr>
-          <p:spPr>
-            <a:xfrm>
-              <a:off x="2967844" y="4447822"/>
-              <a:ext cx="278296" cy="201040"/>
-            </a:xfrm>
-            <a:prstGeom prst="irregularSeal2">
-              <a:avLst/>
-            </a:prstGeom>
-            <a:ln>
-              <a:noFill/>
-            </a:ln>
-          </p:spPr>
-          <p:style>
-            <a:lnRef idx="2">
-              <a:schemeClr val="accent6"/>
-            </a:lnRef>
-            <a:fillRef idx="1">
-              <a:schemeClr val="lt1"/>
-            </a:fillRef>
-            <a:effectRef idx="0">
-              <a:schemeClr val="accent6"/>
-            </a:effectRef>
-            <a:fontRef idx="minor">
-              <a:schemeClr val="dk1"/>
-            </a:fontRef>
-          </p:style>
-          <p:txBody>
-            <a:bodyPr rtlCol="0" anchor="ctr"/>
-            <a:lstStyle/>
-            <a:p>
-              <a:pPr algn="ctr"/>
-              <a:endParaRPr lang="pl-PL"/>
-            </a:p>
-          </p:txBody>
-        </p:sp>
-        <p:sp>
-          <p:nvSpPr>
-            <p:cNvPr id="88" name="Wybuch: 14 punktów 87">
-              <a:extLst>
-                <a:ext uri="{FF2B5EF4-FFF2-40B4-BE49-F238E27FC236}">
-                  <a16:creationId xmlns:a16="http://schemas.microsoft.com/office/drawing/2014/main" id="{A491F181-A88D-4463-AD85-4251874814BC}"/>
-                </a:ext>
-              </a:extLst>
-            </p:cNvPr>
-            <p:cNvSpPr/>
-            <p:nvPr/>
-          </p:nvSpPr>
-          <p:spPr>
-            <a:xfrm>
-              <a:off x="3710894" y="4384203"/>
-              <a:ext cx="278296" cy="201040"/>
-            </a:xfrm>
-            <a:prstGeom prst="irregularSeal2">
-              <a:avLst/>
-            </a:prstGeom>
-            <a:ln>
-              <a:noFill/>
-            </a:ln>
-          </p:spPr>
-          <p:style>
-            <a:lnRef idx="2">
-              <a:schemeClr val="accent6"/>
-            </a:lnRef>
-            <a:fillRef idx="1">
-              <a:schemeClr val="lt1"/>
-            </a:fillRef>
-            <a:effectRef idx="0">
-              <a:schemeClr val="accent6"/>
-            </a:effectRef>
-            <a:fontRef idx="minor">
-              <a:schemeClr val="dk1"/>
-            </a:fontRef>
-          </p:style>
-          <p:txBody>
-            <a:bodyPr rtlCol="0" anchor="ctr"/>
-            <a:lstStyle/>
-            <a:p>
-              <a:pPr algn="ctr"/>
-              <a:endParaRPr lang="pl-PL"/>
-            </a:p>
-          </p:txBody>
-        </p:sp>
-        <p:sp>
-          <p:nvSpPr>
-            <p:cNvPr id="89" name="Wybuch: 14 punktów 88">
-              <a:extLst>
-                <a:ext uri="{FF2B5EF4-FFF2-40B4-BE49-F238E27FC236}">
-                  <a16:creationId xmlns:a16="http://schemas.microsoft.com/office/drawing/2014/main" id="{EBDE3E09-DC78-451B-9E75-485FBBCCBE33}"/>
-                </a:ext>
-              </a:extLst>
-            </p:cNvPr>
-            <p:cNvSpPr/>
-            <p:nvPr/>
-          </p:nvSpPr>
-          <p:spPr>
-            <a:xfrm>
-              <a:off x="4594616" y="3164999"/>
-              <a:ext cx="278296" cy="201040"/>
-            </a:xfrm>
-            <a:prstGeom prst="irregularSeal2">
-              <a:avLst/>
-            </a:prstGeom>
-            <a:ln>
-              <a:noFill/>
-            </a:ln>
-          </p:spPr>
-          <p:style>
-            <a:lnRef idx="2">
-              <a:schemeClr val="accent6"/>
-            </a:lnRef>
-            <a:fillRef idx="1">
-              <a:schemeClr val="lt1"/>
-            </a:fillRef>
-            <a:effectRef idx="0">
-              <a:schemeClr val="accent6"/>
-            </a:effectRef>
-            <a:fontRef idx="minor">
-              <a:schemeClr val="dk1"/>
-            </a:fontRef>
-          </p:style>
-          <p:txBody>
-            <a:bodyPr rtlCol="0" anchor="ctr"/>
-            <a:lstStyle/>
-            <a:p>
-              <a:pPr algn="ctr"/>
-              <a:endParaRPr lang="pl-PL"/>
-            </a:p>
-          </p:txBody>
-        </p:sp>
-      </p:grpSp>
-      <p:sp>
-        <p:nvSpPr>
-          <p:cNvPr id="102" name="Strzałka: zakrzywiona w lewo 101">
-            <a:extLst>
-              <a:ext uri="{FF2B5EF4-FFF2-40B4-BE49-F238E27FC236}">
-                <a16:creationId xmlns:a16="http://schemas.microsoft.com/office/drawing/2014/main" id="{C8193480-194F-46F9-8D1E-4822BB7CEEEB}"/>
-              </a:ext>
-            </a:extLst>
-          </p:cNvPr>
-          <p:cNvSpPr/>
-          <p:nvPr/>
-        </p:nvSpPr>
-        <p:spPr>
-          <a:xfrm rot="15142092">
-            <a:off x="2018842" y="-176722"/>
-            <a:ext cx="2528924" cy="5860366"/>
-          </a:xfrm>
-          <a:prstGeom prst="curvedLeftArrow">
-            <a:avLst>
-              <a:gd name="adj1" fmla="val 8047"/>
-              <a:gd name="adj2" fmla="val 15193"/>
-              <a:gd name="adj3" fmla="val 12167"/>
-            </a:avLst>
-          </a:prstGeom>
-          <a:solidFill>
-            <a:schemeClr val="bg1"/>
-          </a:solidFill>
-          <a:ln>
-            <a:noFill/>
-          </a:ln>
-        </p:spPr>
-        <p:style>
-          <a:lnRef idx="2">
-            <a:schemeClr val="accent1">
-              <a:shade val="50000"/>
-            </a:schemeClr>
-          </a:lnRef>
-          <a:fillRef idx="1">
-            <a:schemeClr val="accent1"/>
-          </a:fillRef>
-          <a:effectRef idx="0">
-            <a:schemeClr val="accent1"/>
-          </a:effectRef>
-          <a:fontRef idx="minor">
-            <a:schemeClr val="lt1"/>
-          </a:fontRef>
-        </p:style>
-        <p:txBody>
-          <a:bodyPr rtlCol="0" anchor="ctr"/>
-          <a:lstStyle/>
-          <a:p>
-            <a:pPr algn="ctr"/>
-            <a:endParaRPr lang="pl-PL">
-              <a:solidFill>
-                <a:schemeClr val="tx1"/>
-              </a:solidFill>
-            </a:endParaRPr>
-          </a:p>
-        </p:txBody>
-      </p:sp>
-      <p:sp>
-        <p:nvSpPr>
-          <p:cNvPr id="103" name="Strzałka: zakrzywiona w lewo 102">
-            <a:extLst>
-              <a:ext uri="{FF2B5EF4-FFF2-40B4-BE49-F238E27FC236}">
-                <a16:creationId xmlns:a16="http://schemas.microsoft.com/office/drawing/2014/main" id="{D06B58BE-0F5A-408B-A125-021792C5C31D}"/>
-              </a:ext>
-            </a:extLst>
-          </p:cNvPr>
-          <p:cNvSpPr/>
-          <p:nvPr/>
-        </p:nvSpPr>
-        <p:spPr>
-          <a:xfrm rot="15142092" flipH="1">
-            <a:off x="2557191" y="2529477"/>
-            <a:ext cx="2110525" cy="5092018"/>
-          </a:xfrm>
-          <a:prstGeom prst="curvedLeftArrow">
-            <a:avLst>
-              <a:gd name="adj1" fmla="val 9853"/>
-              <a:gd name="adj2" fmla="val 9853"/>
-              <a:gd name="adj3" fmla="val 0"/>
-            </a:avLst>
-          </a:prstGeom>
-          <a:solidFill>
-            <a:schemeClr val="bg1"/>
-          </a:solidFill>
-          <a:ln>
-            <a:noFill/>
-          </a:ln>
-        </p:spPr>
-        <p:style>
-          <a:lnRef idx="2">
-            <a:schemeClr val="accent1">
-              <a:shade val="50000"/>
-            </a:schemeClr>
-          </a:lnRef>
-          <a:fillRef idx="1">
-            <a:schemeClr val="accent1"/>
-          </a:fillRef>
-          <a:effectRef idx="0">
-            <a:schemeClr val="accent1"/>
-          </a:effectRef>
-          <a:fontRef idx="minor">
-            <a:schemeClr val="lt1"/>
-          </a:fontRef>
-        </p:style>
-        <p:txBody>
-          <a:bodyPr rtlCol="0" anchor="ctr"/>
-          <a:lstStyle/>
-          <a:p>
-            <a:pPr algn="ctr"/>
-            <a:endParaRPr lang="pl-PL">
-              <a:solidFill>
-                <a:schemeClr val="tx1"/>
-              </a:solidFill>
-            </a:endParaRPr>
-          </a:p>
-        </p:txBody>
-      </p:sp>
-      <p:sp>
-        <p:nvSpPr>
-          <p:cNvPr id="104" name="Strzałka: zakrzywiona w lewo 103">
-            <a:extLst>
-              <a:ext uri="{FF2B5EF4-FFF2-40B4-BE49-F238E27FC236}">
-                <a16:creationId xmlns:a16="http://schemas.microsoft.com/office/drawing/2014/main" id="{ACC9F139-C8A8-4402-BBC7-1F643B41D872}"/>
-              </a:ext>
-            </a:extLst>
-          </p:cNvPr>
-          <p:cNvSpPr/>
-          <p:nvPr/>
-        </p:nvSpPr>
-        <p:spPr>
-          <a:xfrm rot="15427956" flipH="1">
-            <a:off x="7733849" y="4084757"/>
-            <a:ext cx="945552" cy="2195926"/>
-          </a:xfrm>
-          <a:prstGeom prst="curvedLeftArrow">
-            <a:avLst>
-              <a:gd name="adj1" fmla="val 25774"/>
-              <a:gd name="adj2" fmla="val 51154"/>
-              <a:gd name="adj3" fmla="val 25907"/>
-            </a:avLst>
-          </a:prstGeom>
-          <a:solidFill>
-            <a:schemeClr val="bg1"/>
-          </a:solidFill>
-          <a:ln>
-            <a:noFill/>
-          </a:ln>
-        </p:spPr>
-        <p:style>
-          <a:lnRef idx="2">
-            <a:schemeClr val="accent1">
-              <a:shade val="50000"/>
-            </a:schemeClr>
-          </a:lnRef>
-          <a:fillRef idx="1">
-            <a:schemeClr val="accent1"/>
-          </a:fillRef>
-          <a:effectRef idx="0">
-            <a:schemeClr val="accent1"/>
-          </a:effectRef>
-          <a:fontRef idx="minor">
-            <a:schemeClr val="lt1"/>
-          </a:fontRef>
-        </p:style>
-        <p:txBody>
-          <a:bodyPr rtlCol="0" anchor="ctr"/>
-          <a:lstStyle/>
-          <a:p>
-            <a:pPr algn="ctr"/>
-            <a:endParaRPr lang="pl-PL">
-              <a:solidFill>
-                <a:schemeClr val="tx1"/>
-              </a:solidFill>
-            </a:endParaRPr>
-          </a:p>
-        </p:txBody>
-      </p:sp>
-    </p:spTree>
-    <p:extLst>
-      <p:ext uri="{BB962C8B-B14F-4D97-AF65-F5344CB8AC3E}">
-        <p14:creationId xmlns:p14="http://schemas.microsoft.com/office/powerpoint/2010/main" val="2378055582"/>
       </p:ext>
     </p:extLst>
   </p:cSld>

--- a/docs/Pictures for blog.pptx
+++ b/docs/Pictures for blog.pptx
@@ -5,23 +5,24 @@
     <p:sldMasterId id="2147483648" r:id="rId2"/>
   </p:sldMasterIdLst>
   <p:notesMasterIdLst>
-    <p:notesMasterId r:id="rId14"/>
+    <p:notesMasterId r:id="rId15"/>
   </p:notesMasterIdLst>
   <p:handoutMasterIdLst>
-    <p:handoutMasterId r:id="rId15"/>
+    <p:handoutMasterId r:id="rId16"/>
   </p:handoutMasterIdLst>
   <p:sldIdLst>
     <p:sldId id="257" r:id="rId3"/>
-    <p:sldId id="266" r:id="rId4"/>
-    <p:sldId id="265" r:id="rId5"/>
-    <p:sldId id="264" r:id="rId6"/>
-    <p:sldId id="263" r:id="rId7"/>
-    <p:sldId id="262" r:id="rId8"/>
-    <p:sldId id="261" r:id="rId9"/>
-    <p:sldId id="260" r:id="rId10"/>
-    <p:sldId id="259" r:id="rId11"/>
-    <p:sldId id="258" r:id="rId12"/>
-    <p:sldId id="256" r:id="rId13"/>
+    <p:sldId id="267" r:id="rId4"/>
+    <p:sldId id="266" r:id="rId5"/>
+    <p:sldId id="265" r:id="rId6"/>
+    <p:sldId id="264" r:id="rId7"/>
+    <p:sldId id="263" r:id="rId8"/>
+    <p:sldId id="262" r:id="rId9"/>
+    <p:sldId id="261" r:id="rId10"/>
+    <p:sldId id="260" r:id="rId11"/>
+    <p:sldId id="259" r:id="rId12"/>
+    <p:sldId id="258" r:id="rId13"/>
+    <p:sldId id="256" r:id="rId14"/>
   </p:sldIdLst>
   <p:sldSz cx="12192000" cy="6858000"/>
   <p:notesSz cx="6858000" cy="9144000"/>
@@ -226,7 +227,7 @@
           <a:p>
             <a:fld id="{85F6B539-82EF-4B0A-81D6-A7AC15FDDE32}" type="datetimeFigureOut">
               <a:rPr lang="en-US" smtClean="0"/>
-              <a:t>9/15/2019</a:t>
+              <a:t>10/6/2019</a:t>
             </a:fld>
             <a:endParaRPr lang="en-US"/>
           </a:p>
@@ -403,7 +404,7 @@
           <a:p>
             <a:fld id="{DF849A96-36CF-49A5-9A4F-E58C3FF49857}" type="datetimeFigureOut">
               <a:rPr lang="en-US" smtClean="0"/>
-              <a:t>9/15/2019</a:t>
+              <a:t>10/6/2019</a:t>
             </a:fld>
             <a:endParaRPr lang="en-US"/>
           </a:p>
@@ -905,7 +906,7 @@
     </p:spTree>
     <p:extLst>
       <p:ext uri="{BB962C8B-B14F-4D97-AF65-F5344CB8AC3E}">
-        <p14:creationId xmlns:p14="http://schemas.microsoft.com/office/powerpoint/2010/main" val="4199135739"/>
+        <p14:creationId xmlns:p14="http://schemas.microsoft.com/office/powerpoint/2010/main" val="2883995183"/>
       </p:ext>
     </p:extLst>
   </p:cSld>
@@ -1019,6 +1020,128 @@
             <a:fld id="{FC1513FD-C785-4211-B2B0-BF864DB9E391}" type="slidenum">
               <a:rPr lang="en-US" smtClean="0"/>
               <a:t>11</a:t>
+            </a:fld>
+            <a:endParaRPr lang="en-US"/>
+          </a:p>
+        </p:txBody>
+      </p:sp>
+    </p:spTree>
+    <p:extLst>
+      <p:ext uri="{BB962C8B-B14F-4D97-AF65-F5344CB8AC3E}">
+        <p14:creationId xmlns:p14="http://schemas.microsoft.com/office/powerpoint/2010/main" val="4199135739"/>
+      </p:ext>
+    </p:extLst>
+  </p:cSld>
+  <p:clrMapOvr>
+    <a:masterClrMapping/>
+  </p:clrMapOvr>
+</p:notes>
+</file>
+
+<file path=ppt/notesSlides/notesSlide12.xml><?xml version="1.0" encoding="utf-8"?>
+<p:notes xmlns:a="http://schemas.openxmlformats.org/drawingml/2006/main" xmlns:r="http://schemas.openxmlformats.org/officeDocument/2006/relationships" xmlns:p="http://schemas.openxmlformats.org/presentationml/2006/main">
+  <p:cSld>
+    <p:spTree>
+      <p:nvGrpSpPr>
+        <p:cNvPr id="1" name=""/>
+        <p:cNvGrpSpPr/>
+        <p:nvPr/>
+      </p:nvGrpSpPr>
+      <p:grpSpPr>
+        <a:xfrm>
+          <a:off x="0" y="0"/>
+          <a:ext cx="0" cy="0"/>
+          <a:chOff x="0" y="0"/>
+          <a:chExt cx="0" cy="0"/>
+        </a:xfrm>
+      </p:grpSpPr>
+      <p:sp>
+        <p:nvSpPr>
+          <p:cNvPr id="2" name="Slide Image Placeholder 1"/>
+          <p:cNvSpPr>
+            <a:spLocks noGrp="1" noRot="1" noChangeAspect="1"/>
+          </p:cNvSpPr>
+          <p:nvPr>
+            <p:ph type="sldImg"/>
+          </p:nvPr>
+        </p:nvSpPr>
+        <p:spPr/>
+      </p:sp>
+      <p:sp>
+        <p:nvSpPr>
+          <p:cNvPr id="3" name="Notes Placeholder 2"/>
+          <p:cNvSpPr>
+            <a:spLocks noGrp="1"/>
+          </p:cNvSpPr>
+          <p:nvPr>
+            <p:ph type="body" idx="1"/>
+          </p:nvPr>
+        </p:nvSpPr>
+        <p:spPr/>
+        <p:txBody>
+          <a:bodyPr/>
+          <a:lstStyle/>
+          <a:p>
+            <a:endParaRPr lang="en-US"/>
+          </a:p>
+        </p:txBody>
+      </p:sp>
+      <p:sp>
+        <p:nvSpPr>
+          <p:cNvPr id="4" name="Header Placeholder 3"/>
+          <p:cNvSpPr>
+            <a:spLocks noGrp="1"/>
+          </p:cNvSpPr>
+          <p:nvPr>
+            <p:ph type="hdr" sz="quarter"/>
+          </p:nvPr>
+        </p:nvSpPr>
+        <p:spPr/>
+        <p:txBody>
+          <a:bodyPr/>
+          <a:lstStyle/>
+          <a:p>
+            <a:endParaRPr lang="en-US"/>
+          </a:p>
+        </p:txBody>
+      </p:sp>
+      <p:sp>
+        <p:nvSpPr>
+          <p:cNvPr id="5" name="Footer Placeholder 4"/>
+          <p:cNvSpPr>
+            <a:spLocks noGrp="1"/>
+          </p:cNvSpPr>
+          <p:nvPr>
+            <p:ph type="ftr" sz="quarter" idx="4"/>
+          </p:nvPr>
+        </p:nvSpPr>
+        <p:spPr/>
+        <p:txBody>
+          <a:bodyPr/>
+          <a:lstStyle/>
+          <a:p>
+            <a:endParaRPr lang="en-US"/>
+          </a:p>
+        </p:txBody>
+      </p:sp>
+      <p:sp>
+        <p:nvSpPr>
+          <p:cNvPr id="6" name="Slide Number Placeholder 5"/>
+          <p:cNvSpPr>
+            <a:spLocks noGrp="1"/>
+          </p:cNvSpPr>
+          <p:nvPr>
+            <p:ph type="sldNum" sz="quarter" idx="5"/>
+          </p:nvPr>
+        </p:nvSpPr>
+        <p:spPr/>
+        <p:txBody>
+          <a:bodyPr/>
+          <a:lstStyle/>
+          <a:p>
+            <a:fld id="{FC1513FD-C785-4211-B2B0-BF864DB9E391}" type="slidenum">
+              <a:rPr lang="en-US" smtClean="0"/>
+              <a:t>12</a:t>
             </a:fld>
             <a:endParaRPr lang="en-US"/>
           </a:p>
@@ -1149,7 +1272,7 @@
     </p:spTree>
     <p:extLst>
       <p:ext uri="{BB962C8B-B14F-4D97-AF65-F5344CB8AC3E}">
-        <p14:creationId xmlns:p14="http://schemas.microsoft.com/office/powerpoint/2010/main" val="476866706"/>
+        <p14:creationId xmlns:p14="http://schemas.microsoft.com/office/powerpoint/2010/main" val="2007960236"/>
       </p:ext>
     </p:extLst>
   </p:cSld>
@@ -1271,7 +1394,7 @@
     </p:spTree>
     <p:extLst>
       <p:ext uri="{BB962C8B-B14F-4D97-AF65-F5344CB8AC3E}">
-        <p14:creationId xmlns:p14="http://schemas.microsoft.com/office/powerpoint/2010/main" val="2962446545"/>
+        <p14:creationId xmlns:p14="http://schemas.microsoft.com/office/powerpoint/2010/main" val="476866706"/>
       </p:ext>
     </p:extLst>
   </p:cSld>
@@ -1393,7 +1516,7 @@
     </p:spTree>
     <p:extLst>
       <p:ext uri="{BB962C8B-B14F-4D97-AF65-F5344CB8AC3E}">
-        <p14:creationId xmlns:p14="http://schemas.microsoft.com/office/powerpoint/2010/main" val="1692428442"/>
+        <p14:creationId xmlns:p14="http://schemas.microsoft.com/office/powerpoint/2010/main" val="2962446545"/>
       </p:ext>
     </p:extLst>
   </p:cSld>
@@ -1515,7 +1638,7 @@
     </p:spTree>
     <p:extLst>
       <p:ext uri="{BB962C8B-B14F-4D97-AF65-F5344CB8AC3E}">
-        <p14:creationId xmlns:p14="http://schemas.microsoft.com/office/powerpoint/2010/main" val="713017731"/>
+        <p14:creationId xmlns:p14="http://schemas.microsoft.com/office/powerpoint/2010/main" val="1692428442"/>
       </p:ext>
     </p:extLst>
   </p:cSld>
@@ -1637,7 +1760,7 @@
     </p:spTree>
     <p:extLst>
       <p:ext uri="{BB962C8B-B14F-4D97-AF65-F5344CB8AC3E}">
-        <p14:creationId xmlns:p14="http://schemas.microsoft.com/office/powerpoint/2010/main" val="1147223370"/>
+        <p14:creationId xmlns:p14="http://schemas.microsoft.com/office/powerpoint/2010/main" val="713017731"/>
       </p:ext>
     </p:extLst>
   </p:cSld>
@@ -1759,7 +1882,7 @@
     </p:spTree>
     <p:extLst>
       <p:ext uri="{BB962C8B-B14F-4D97-AF65-F5344CB8AC3E}">
-        <p14:creationId xmlns:p14="http://schemas.microsoft.com/office/powerpoint/2010/main" val="877862846"/>
+        <p14:creationId xmlns:p14="http://schemas.microsoft.com/office/powerpoint/2010/main" val="1147223370"/>
       </p:ext>
     </p:extLst>
   </p:cSld>
@@ -1881,7 +2004,7 @@
     </p:spTree>
     <p:extLst>
       <p:ext uri="{BB962C8B-B14F-4D97-AF65-F5344CB8AC3E}">
-        <p14:creationId xmlns:p14="http://schemas.microsoft.com/office/powerpoint/2010/main" val="418226113"/>
+        <p14:creationId xmlns:p14="http://schemas.microsoft.com/office/powerpoint/2010/main" val="877862846"/>
       </p:ext>
     </p:extLst>
   </p:cSld>
@@ -2003,7 +2126,7 @@
     </p:spTree>
     <p:extLst>
       <p:ext uri="{BB962C8B-B14F-4D97-AF65-F5344CB8AC3E}">
-        <p14:creationId xmlns:p14="http://schemas.microsoft.com/office/powerpoint/2010/main" val="2883995183"/>
+        <p14:creationId xmlns:p14="http://schemas.microsoft.com/office/powerpoint/2010/main" val="418226113"/>
       </p:ext>
     </p:extLst>
   </p:cSld>
@@ -2160,7 +2283,7 @@
           <a:p>
             <a:fld id="{A42A12F9-EA54-49E1-A3FD-186D9B25B348}" type="datetimeFigureOut">
               <a:rPr lang="pl-PL" smtClean="0"/>
-              <a:t>15.09.2019</a:t>
+              <a:t>06.10.2019</a:t>
             </a:fld>
             <a:endParaRPr lang="pl-PL"/>
           </a:p>
@@ -2358,7 +2481,7 @@
           <a:p>
             <a:fld id="{A42A12F9-EA54-49E1-A3FD-186D9B25B348}" type="datetimeFigureOut">
               <a:rPr lang="pl-PL" smtClean="0"/>
-              <a:t>15.09.2019</a:t>
+              <a:t>06.10.2019</a:t>
             </a:fld>
             <a:endParaRPr lang="pl-PL"/>
           </a:p>
@@ -2566,7 +2689,7 @@
           <a:p>
             <a:fld id="{A42A12F9-EA54-49E1-A3FD-186D9B25B348}" type="datetimeFigureOut">
               <a:rPr lang="pl-PL" smtClean="0"/>
-              <a:t>15.09.2019</a:t>
+              <a:t>06.10.2019</a:t>
             </a:fld>
             <a:endParaRPr lang="pl-PL"/>
           </a:p>
@@ -2764,7 +2887,7 @@
           <a:p>
             <a:fld id="{A42A12F9-EA54-49E1-A3FD-186D9B25B348}" type="datetimeFigureOut">
               <a:rPr lang="pl-PL" smtClean="0"/>
-              <a:t>15.09.2019</a:t>
+              <a:t>06.10.2019</a:t>
             </a:fld>
             <a:endParaRPr lang="pl-PL"/>
           </a:p>
@@ -3039,7 +3162,7 @@
           <a:p>
             <a:fld id="{A42A12F9-EA54-49E1-A3FD-186D9B25B348}" type="datetimeFigureOut">
               <a:rPr lang="pl-PL" smtClean="0"/>
-              <a:t>15.09.2019</a:t>
+              <a:t>06.10.2019</a:t>
             </a:fld>
             <a:endParaRPr lang="pl-PL"/>
           </a:p>
@@ -3304,7 +3427,7 @@
           <a:p>
             <a:fld id="{A42A12F9-EA54-49E1-A3FD-186D9B25B348}" type="datetimeFigureOut">
               <a:rPr lang="pl-PL" smtClean="0"/>
-              <a:t>15.09.2019</a:t>
+              <a:t>06.10.2019</a:t>
             </a:fld>
             <a:endParaRPr lang="pl-PL"/>
           </a:p>
@@ -3716,7 +3839,7 @@
           <a:p>
             <a:fld id="{A42A12F9-EA54-49E1-A3FD-186D9B25B348}" type="datetimeFigureOut">
               <a:rPr lang="pl-PL" smtClean="0"/>
-              <a:t>15.09.2019</a:t>
+              <a:t>06.10.2019</a:t>
             </a:fld>
             <a:endParaRPr lang="pl-PL"/>
           </a:p>
@@ -3857,7 +3980,7 @@
           <a:p>
             <a:fld id="{A42A12F9-EA54-49E1-A3FD-186D9B25B348}" type="datetimeFigureOut">
               <a:rPr lang="pl-PL" smtClean="0"/>
-              <a:t>15.09.2019</a:t>
+              <a:t>06.10.2019</a:t>
             </a:fld>
             <a:endParaRPr lang="pl-PL"/>
           </a:p>
@@ -3970,7 +4093,7 @@
           <a:p>
             <a:fld id="{A42A12F9-EA54-49E1-A3FD-186D9B25B348}" type="datetimeFigureOut">
               <a:rPr lang="pl-PL" smtClean="0"/>
-              <a:t>15.09.2019</a:t>
+              <a:t>06.10.2019</a:t>
             </a:fld>
             <a:endParaRPr lang="pl-PL"/>
           </a:p>
@@ -4281,7 +4404,7 @@
           <a:p>
             <a:fld id="{A42A12F9-EA54-49E1-A3FD-186D9B25B348}" type="datetimeFigureOut">
               <a:rPr lang="pl-PL" smtClean="0"/>
-              <a:t>15.09.2019</a:t>
+              <a:t>06.10.2019</a:t>
             </a:fld>
             <a:endParaRPr lang="pl-PL"/>
           </a:p>
@@ -4569,7 +4692,7 @@
           <a:p>
             <a:fld id="{A42A12F9-EA54-49E1-A3FD-186D9B25B348}" type="datetimeFigureOut">
               <a:rPr lang="pl-PL" smtClean="0"/>
-              <a:t>15.09.2019</a:t>
+              <a:t>06.10.2019</a:t>
             </a:fld>
             <a:endParaRPr lang="pl-PL"/>
           </a:p>
@@ -4810,7 +4933,7 @@
           <a:p>
             <a:fld id="{A42A12F9-EA54-49E1-A3FD-186D9B25B348}" type="datetimeFigureOut">
               <a:rPr lang="pl-PL" smtClean="0"/>
-              <a:t>15.09.2019</a:t>
+              <a:t>06.10.2019</a:t>
             </a:fld>
             <a:endParaRPr lang="pl-PL"/>
           </a:p>
@@ -5293,6 +5416,759 @@
 </file>
 
 <file path=ppt/slides/slide10.xml><?xml version="1.0" encoding="utf-8"?>
+<p:sld xmlns:a="http://schemas.openxmlformats.org/drawingml/2006/main" xmlns:r="http://schemas.openxmlformats.org/officeDocument/2006/relationships" xmlns:p="http://schemas.openxmlformats.org/presentationml/2006/main">
+  <p:cSld>
+    <p:bg>
+      <p:bgPr>
+        <a:gradFill>
+          <a:gsLst>
+            <a:gs pos="54000">
+              <a:srgbClr val="07A1D7"/>
+            </a:gs>
+            <a:gs pos="100000">
+              <a:srgbClr val="11CFD9"/>
+            </a:gs>
+          </a:gsLst>
+          <a:lin ang="5400000" scaled="1"/>
+        </a:gradFill>
+        <a:effectLst/>
+      </p:bgPr>
+    </p:bg>
+    <p:spTree>
+      <p:nvGrpSpPr>
+        <p:cNvPr id="1" name=""/>
+        <p:cNvGrpSpPr/>
+        <p:nvPr/>
+      </p:nvGrpSpPr>
+      <p:grpSpPr>
+        <a:xfrm>
+          <a:off x="0" y="0"/>
+          <a:ext cx="0" cy="0"/>
+          <a:chOff x="0" y="0"/>
+          <a:chExt cx="0" cy="0"/>
+        </a:xfrm>
+      </p:grpSpPr>
+      <p:pic>
+        <p:nvPicPr>
+          <p:cNvPr id="5" name="Obraz 4">
+            <a:extLst>
+              <a:ext uri="{FF2B5EF4-FFF2-40B4-BE49-F238E27FC236}">
+                <a16:creationId xmlns:a16="http://schemas.microsoft.com/office/drawing/2014/main" id="{FA2B5562-A690-428E-8278-450D1EECD2E4}"/>
+              </a:ext>
+            </a:extLst>
+          </p:cNvPr>
+          <p:cNvPicPr>
+            <a:picLocks noChangeAspect="1"/>
+          </p:cNvPicPr>
+          <p:nvPr/>
+        </p:nvPicPr>
+        <p:blipFill>
+          <a:blip r:embed="rId3">
+            <a:extLst>
+              <a:ext uri="{28A0092B-C50C-407E-A947-70E740481C1C}">
+                <a14:useLocalDpi xmlns:a14="http://schemas.microsoft.com/office/drawing/2010/main" val="0"/>
+              </a:ext>
+            </a:extLst>
+          </a:blip>
+          <a:stretch>
+            <a:fillRect/>
+          </a:stretch>
+        </p:blipFill>
+        <p:spPr>
+          <a:xfrm>
+            <a:off x="153944" y="139485"/>
+            <a:ext cx="2471463" cy="1425844"/>
+          </a:xfrm>
+          <a:prstGeom prst="rect">
+            <a:avLst/>
+          </a:prstGeom>
+        </p:spPr>
+      </p:pic>
+      <p:pic>
+        <p:nvPicPr>
+          <p:cNvPr id="10" name="Grafika 9" descr="Uścisk dłoni">
+            <a:extLst>
+              <a:ext uri="{FF2B5EF4-FFF2-40B4-BE49-F238E27FC236}">
+                <a16:creationId xmlns:a16="http://schemas.microsoft.com/office/drawing/2014/main" id="{43E8A39C-E342-4A1A-895D-358E46B367B1}"/>
+              </a:ext>
+            </a:extLst>
+          </p:cNvPr>
+          <p:cNvPicPr>
+            <a:picLocks noChangeAspect="1"/>
+          </p:cNvPicPr>
+          <p:nvPr/>
+        </p:nvPicPr>
+        <p:blipFill>
+          <a:blip r:embed="rId4">
+            <a:extLst>
+              <a:ext uri="{28A0092B-C50C-407E-A947-70E740481C1C}">
+                <a14:useLocalDpi xmlns:a14="http://schemas.microsoft.com/office/drawing/2010/main" val="0"/>
+              </a:ext>
+              <a:ext uri="{96DAC541-7B7A-43D3-8B79-37D633B846F1}">
+                <asvg:svgBlip xmlns:asvg="http://schemas.microsoft.com/office/drawing/2016/SVG/main" r:embed="rId5"/>
+              </a:ext>
+            </a:extLst>
+          </a:blip>
+          <a:stretch>
+            <a:fillRect/>
+          </a:stretch>
+        </p:blipFill>
+        <p:spPr>
+          <a:xfrm>
+            <a:off x="3805085" y="700299"/>
+            <a:ext cx="5134070" cy="5134070"/>
+          </a:xfrm>
+          <a:prstGeom prst="rect">
+            <a:avLst/>
+          </a:prstGeom>
+        </p:spPr>
+      </p:pic>
+      <p:grpSp>
+        <p:nvGrpSpPr>
+          <p:cNvPr id="16" name="Grupa 15">
+            <a:extLst>
+              <a:ext uri="{FF2B5EF4-FFF2-40B4-BE49-F238E27FC236}">
+                <a16:creationId xmlns:a16="http://schemas.microsoft.com/office/drawing/2014/main" id="{B79AE4CA-E867-44F2-9070-7D48A6C6EBD5}"/>
+              </a:ext>
+            </a:extLst>
+          </p:cNvPr>
+          <p:cNvGrpSpPr/>
+          <p:nvPr/>
+        </p:nvGrpSpPr>
+        <p:grpSpPr>
+          <a:xfrm>
+            <a:off x="8959242" y="3070653"/>
+            <a:ext cx="2941986" cy="2240648"/>
+            <a:chOff x="9315357" y="2584728"/>
+            <a:chExt cx="2941986" cy="2240648"/>
+          </a:xfrm>
+        </p:grpSpPr>
+        <p:pic>
+          <p:nvPicPr>
+            <p:cNvPr id="12" name="Grafika 11" descr="Pracownik biurowy">
+              <a:extLst>
+                <a:ext uri="{FF2B5EF4-FFF2-40B4-BE49-F238E27FC236}">
+                  <a16:creationId xmlns:a16="http://schemas.microsoft.com/office/drawing/2014/main" id="{7FF245DF-6704-4B7A-A1D6-62E8C4A789AF}"/>
+                </a:ext>
+              </a:extLst>
+            </p:cNvPr>
+            <p:cNvPicPr>
+              <a:picLocks noChangeAspect="1"/>
+            </p:cNvPicPr>
+            <p:nvPr/>
+          </p:nvPicPr>
+          <p:blipFill>
+            <a:blip r:embed="rId6">
+              <a:extLst>
+                <a:ext uri="{28A0092B-C50C-407E-A947-70E740481C1C}">
+                  <a14:useLocalDpi xmlns:a14="http://schemas.microsoft.com/office/drawing/2010/main" val="0"/>
+                </a:ext>
+                <a:ext uri="{96DAC541-7B7A-43D3-8B79-37D633B846F1}">
+                  <asvg:svgBlip xmlns:asvg="http://schemas.microsoft.com/office/drawing/2016/SVG/main" r:embed="rId7"/>
+                </a:ext>
+              </a:extLst>
+            </a:blip>
+            <a:stretch>
+              <a:fillRect/>
+            </a:stretch>
+          </p:blipFill>
+          <p:spPr>
+            <a:xfrm>
+              <a:off x="9315357" y="2584728"/>
+              <a:ext cx="1365212" cy="1365212"/>
+            </a:xfrm>
+            <a:prstGeom prst="rect">
+              <a:avLst/>
+            </a:prstGeom>
+          </p:spPr>
+        </p:pic>
+        <p:pic>
+          <p:nvPicPr>
+            <p:cNvPr id="13" name="Grafika 12" descr="Pracownik biurowy">
+              <a:extLst>
+                <a:ext uri="{FF2B5EF4-FFF2-40B4-BE49-F238E27FC236}">
+                  <a16:creationId xmlns:a16="http://schemas.microsoft.com/office/drawing/2014/main" id="{71A47239-6F38-4D6B-A727-D45C3DEB557E}"/>
+                </a:ext>
+              </a:extLst>
+            </p:cNvPr>
+            <p:cNvPicPr>
+              <a:picLocks noChangeAspect="1"/>
+            </p:cNvPicPr>
+            <p:nvPr/>
+          </p:nvPicPr>
+          <p:blipFill>
+            <a:blip r:embed="rId6">
+              <a:extLst>
+                <a:ext uri="{28A0092B-C50C-407E-A947-70E740481C1C}">
+                  <a14:useLocalDpi xmlns:a14="http://schemas.microsoft.com/office/drawing/2010/main" val="0"/>
+                </a:ext>
+                <a:ext uri="{96DAC541-7B7A-43D3-8B79-37D633B846F1}">
+                  <asvg:svgBlip xmlns:asvg="http://schemas.microsoft.com/office/drawing/2016/SVG/main" r:embed="rId7"/>
+                </a:ext>
+              </a:extLst>
+            </a:blip>
+            <a:stretch>
+              <a:fillRect/>
+            </a:stretch>
+          </p:blipFill>
+          <p:spPr>
+            <a:xfrm>
+              <a:off x="10103744" y="3460164"/>
+              <a:ext cx="1365212" cy="1365212"/>
+            </a:xfrm>
+            <a:prstGeom prst="rect">
+              <a:avLst/>
+            </a:prstGeom>
+          </p:spPr>
+        </p:pic>
+        <p:pic>
+          <p:nvPicPr>
+            <p:cNvPr id="14" name="Grafika 13" descr="Pracownik biurowy">
+              <a:extLst>
+                <a:ext uri="{FF2B5EF4-FFF2-40B4-BE49-F238E27FC236}">
+                  <a16:creationId xmlns:a16="http://schemas.microsoft.com/office/drawing/2014/main" id="{803158BE-5E55-4CE5-996A-DE4F5A66B730}"/>
+                </a:ext>
+              </a:extLst>
+            </p:cNvPr>
+            <p:cNvPicPr>
+              <a:picLocks noChangeAspect="1"/>
+            </p:cNvPicPr>
+            <p:nvPr/>
+          </p:nvPicPr>
+          <p:blipFill>
+            <a:blip r:embed="rId6">
+              <a:extLst>
+                <a:ext uri="{28A0092B-C50C-407E-A947-70E740481C1C}">
+                  <a14:useLocalDpi xmlns:a14="http://schemas.microsoft.com/office/drawing/2010/main" val="0"/>
+                </a:ext>
+                <a:ext uri="{96DAC541-7B7A-43D3-8B79-37D633B846F1}">
+                  <asvg:svgBlip xmlns:asvg="http://schemas.microsoft.com/office/drawing/2016/SVG/main" r:embed="rId7"/>
+                </a:ext>
+              </a:extLst>
+            </a:blip>
+            <a:stretch>
+              <a:fillRect/>
+            </a:stretch>
+          </p:blipFill>
+          <p:spPr>
+            <a:xfrm>
+              <a:off x="10892131" y="2900955"/>
+              <a:ext cx="1365212" cy="1365212"/>
+            </a:xfrm>
+            <a:prstGeom prst="rect">
+              <a:avLst/>
+            </a:prstGeom>
+          </p:spPr>
+        </p:pic>
+      </p:grpSp>
+      <p:grpSp>
+        <p:nvGrpSpPr>
+          <p:cNvPr id="17" name="Grupa 16">
+            <a:extLst>
+              <a:ext uri="{FF2B5EF4-FFF2-40B4-BE49-F238E27FC236}">
+                <a16:creationId xmlns:a16="http://schemas.microsoft.com/office/drawing/2014/main" id="{5375CA3A-B624-48D7-A463-FCC3F236962B}"/>
+              </a:ext>
+            </a:extLst>
+          </p:cNvPr>
+          <p:cNvGrpSpPr/>
+          <p:nvPr/>
+        </p:nvGrpSpPr>
+        <p:grpSpPr>
+          <a:xfrm>
+            <a:off x="8853461" y="3027838"/>
+            <a:ext cx="2941986" cy="2240648"/>
+            <a:chOff x="9315357" y="2584728"/>
+            <a:chExt cx="2941986" cy="2240648"/>
+          </a:xfrm>
+          <a:solidFill>
+            <a:schemeClr val="bg1"/>
+          </a:solidFill>
+        </p:grpSpPr>
+        <p:pic>
+          <p:nvPicPr>
+            <p:cNvPr id="18" name="Grafika 17" descr="Pracownik biurowy">
+              <a:extLst>
+                <a:ext uri="{FF2B5EF4-FFF2-40B4-BE49-F238E27FC236}">
+                  <a16:creationId xmlns:a16="http://schemas.microsoft.com/office/drawing/2014/main" id="{62D6BFC0-61ED-460A-952A-5366CA02274B}"/>
+                </a:ext>
+              </a:extLst>
+            </p:cNvPr>
+            <p:cNvPicPr>
+              <a:picLocks noChangeAspect="1"/>
+            </p:cNvPicPr>
+            <p:nvPr/>
+          </p:nvPicPr>
+          <p:blipFill>
+            <a:blip r:embed="rId8">
+              <a:extLst>
+                <a:ext uri="{28A0092B-C50C-407E-A947-70E740481C1C}">
+                  <a14:useLocalDpi xmlns:a14="http://schemas.microsoft.com/office/drawing/2010/main" val="0"/>
+                </a:ext>
+                <a:ext uri="{96DAC541-7B7A-43D3-8B79-37D633B846F1}">
+                  <asvg:svgBlip xmlns:asvg="http://schemas.microsoft.com/office/drawing/2016/SVG/main" r:embed="rId9"/>
+                </a:ext>
+              </a:extLst>
+            </a:blip>
+            <a:stretch>
+              <a:fillRect/>
+            </a:stretch>
+          </p:blipFill>
+          <p:spPr>
+            <a:xfrm>
+              <a:off x="9315357" y="2584728"/>
+              <a:ext cx="1365212" cy="1365212"/>
+            </a:xfrm>
+            <a:prstGeom prst="rect">
+              <a:avLst/>
+            </a:prstGeom>
+          </p:spPr>
+        </p:pic>
+        <p:pic>
+          <p:nvPicPr>
+            <p:cNvPr id="19" name="Grafika 18" descr="Pracownik biurowy">
+              <a:extLst>
+                <a:ext uri="{FF2B5EF4-FFF2-40B4-BE49-F238E27FC236}">
+                  <a16:creationId xmlns:a16="http://schemas.microsoft.com/office/drawing/2014/main" id="{F319ECBD-05AD-4FF7-AAF2-00C5983D90FE}"/>
+                </a:ext>
+              </a:extLst>
+            </p:cNvPr>
+            <p:cNvPicPr>
+              <a:picLocks noChangeAspect="1"/>
+            </p:cNvPicPr>
+            <p:nvPr/>
+          </p:nvPicPr>
+          <p:blipFill>
+            <a:blip r:embed="rId8">
+              <a:extLst>
+                <a:ext uri="{28A0092B-C50C-407E-A947-70E740481C1C}">
+                  <a14:useLocalDpi xmlns:a14="http://schemas.microsoft.com/office/drawing/2010/main" val="0"/>
+                </a:ext>
+                <a:ext uri="{96DAC541-7B7A-43D3-8B79-37D633B846F1}">
+                  <asvg:svgBlip xmlns:asvg="http://schemas.microsoft.com/office/drawing/2016/SVG/main" r:embed="rId9"/>
+                </a:ext>
+              </a:extLst>
+            </a:blip>
+            <a:stretch>
+              <a:fillRect/>
+            </a:stretch>
+          </p:blipFill>
+          <p:spPr>
+            <a:xfrm>
+              <a:off x="10103744" y="3460164"/>
+              <a:ext cx="1365212" cy="1365212"/>
+            </a:xfrm>
+            <a:prstGeom prst="rect">
+              <a:avLst/>
+            </a:prstGeom>
+          </p:spPr>
+        </p:pic>
+        <p:pic>
+          <p:nvPicPr>
+            <p:cNvPr id="20" name="Grafika 19" descr="Pracownik biurowy">
+              <a:extLst>
+                <a:ext uri="{FF2B5EF4-FFF2-40B4-BE49-F238E27FC236}">
+                  <a16:creationId xmlns:a16="http://schemas.microsoft.com/office/drawing/2014/main" id="{07285869-8BDD-4DD3-9A06-21DE9ACE8EBF}"/>
+                </a:ext>
+              </a:extLst>
+            </p:cNvPr>
+            <p:cNvPicPr>
+              <a:picLocks noChangeAspect="1"/>
+            </p:cNvPicPr>
+            <p:nvPr/>
+          </p:nvPicPr>
+          <p:blipFill>
+            <a:blip r:embed="rId8">
+              <a:extLst>
+                <a:ext uri="{28A0092B-C50C-407E-A947-70E740481C1C}">
+                  <a14:useLocalDpi xmlns:a14="http://schemas.microsoft.com/office/drawing/2010/main" val="0"/>
+                </a:ext>
+                <a:ext uri="{96DAC541-7B7A-43D3-8B79-37D633B846F1}">
+                  <asvg:svgBlip xmlns:asvg="http://schemas.microsoft.com/office/drawing/2016/SVG/main" r:embed="rId9"/>
+                </a:ext>
+              </a:extLst>
+            </a:blip>
+            <a:stretch>
+              <a:fillRect/>
+            </a:stretch>
+          </p:blipFill>
+          <p:spPr>
+            <a:xfrm>
+              <a:off x="10892131" y="2900955"/>
+              <a:ext cx="1365212" cy="1365212"/>
+            </a:xfrm>
+            <a:prstGeom prst="rect">
+              <a:avLst/>
+            </a:prstGeom>
+          </p:spPr>
+        </p:pic>
+      </p:grpSp>
+      <p:pic>
+        <p:nvPicPr>
+          <p:cNvPr id="21" name="Grafika 20" descr="Uścisk dłoni">
+            <a:extLst>
+              <a:ext uri="{FF2B5EF4-FFF2-40B4-BE49-F238E27FC236}">
+                <a16:creationId xmlns:a16="http://schemas.microsoft.com/office/drawing/2014/main" id="{8F69160B-4308-4826-94D4-890480B82D1B}"/>
+              </a:ext>
+            </a:extLst>
+          </p:cNvPr>
+          <p:cNvPicPr>
+            <a:picLocks noChangeAspect="1"/>
+          </p:cNvPicPr>
+          <p:nvPr/>
+        </p:nvPicPr>
+        <p:blipFill>
+          <a:blip r:embed="rId10">
+            <a:extLst>
+              <a:ext uri="{28A0092B-C50C-407E-A947-70E740481C1C}">
+                <a14:useLocalDpi xmlns:a14="http://schemas.microsoft.com/office/drawing/2010/main" val="0"/>
+              </a:ext>
+              <a:ext uri="{96DAC541-7B7A-43D3-8B79-37D633B846F1}">
+                <asvg:svgBlip xmlns:asvg="http://schemas.microsoft.com/office/drawing/2016/SVG/main" r:embed="rId11"/>
+              </a:ext>
+            </a:extLst>
+          </a:blip>
+          <a:stretch>
+            <a:fillRect/>
+          </a:stretch>
+        </p:blipFill>
+        <p:spPr>
+          <a:xfrm>
+            <a:off x="3784998" y="600908"/>
+            <a:ext cx="5134070" cy="5134070"/>
+          </a:xfrm>
+          <a:prstGeom prst="rect">
+            <a:avLst/>
+          </a:prstGeom>
+        </p:spPr>
+      </p:pic>
+      <p:grpSp>
+        <p:nvGrpSpPr>
+          <p:cNvPr id="2" name="Grupa 1">
+            <a:extLst>
+              <a:ext uri="{FF2B5EF4-FFF2-40B4-BE49-F238E27FC236}">
+                <a16:creationId xmlns:a16="http://schemas.microsoft.com/office/drawing/2014/main" id="{5A81BD43-8992-411B-B989-8BEA45E77262}"/>
+              </a:ext>
+            </a:extLst>
+          </p:cNvPr>
+          <p:cNvGrpSpPr/>
+          <p:nvPr/>
+        </p:nvGrpSpPr>
+        <p:grpSpPr>
+          <a:xfrm>
+            <a:off x="861707" y="2858139"/>
+            <a:ext cx="2523997" cy="2453162"/>
+            <a:chOff x="861707" y="2858139"/>
+            <a:chExt cx="2523997" cy="2453162"/>
+          </a:xfrm>
+        </p:grpSpPr>
+        <p:grpSp>
+          <p:nvGrpSpPr>
+            <p:cNvPr id="15" name="Grupa 14">
+              <a:extLst>
+                <a:ext uri="{FF2B5EF4-FFF2-40B4-BE49-F238E27FC236}">
+                  <a16:creationId xmlns:a16="http://schemas.microsoft.com/office/drawing/2014/main" id="{E6368EE1-4515-432C-8043-AAA31E47CD19}"/>
+                </a:ext>
+              </a:extLst>
+            </p:cNvPr>
+            <p:cNvGrpSpPr/>
+            <p:nvPr/>
+          </p:nvGrpSpPr>
+          <p:grpSpPr>
+            <a:xfrm>
+              <a:off x="882424" y="2974238"/>
+              <a:ext cx="2503280" cy="2337063"/>
+              <a:chOff x="901148" y="2166492"/>
+              <a:chExt cx="2503280" cy="2337063"/>
+            </a:xfrm>
+          </p:grpSpPr>
+          <p:pic>
+            <p:nvPicPr>
+              <p:cNvPr id="3" name="Grafika 2" descr="Koła zębate">
+                <a:extLst>
+                  <a:ext uri="{FF2B5EF4-FFF2-40B4-BE49-F238E27FC236}">
+                    <a16:creationId xmlns:a16="http://schemas.microsoft.com/office/drawing/2014/main" id="{94B09A1F-458C-46E9-B416-502D546E35C4}"/>
+                  </a:ext>
+                </a:extLst>
+              </p:cNvPr>
+              <p:cNvPicPr>
+                <a:picLocks noChangeAspect="1"/>
+              </p:cNvPicPr>
+              <p:nvPr/>
+            </p:nvPicPr>
+            <p:blipFill>
+              <a:blip r:embed="rId12">
+                <a:extLst>
+                  <a:ext uri="{28A0092B-C50C-407E-A947-70E740481C1C}">
+                    <a14:useLocalDpi xmlns:a14="http://schemas.microsoft.com/office/drawing/2010/main" val="0"/>
+                  </a:ext>
+                  <a:ext uri="{96DAC541-7B7A-43D3-8B79-37D633B846F1}">
+                    <asvg:svgBlip xmlns:asvg="http://schemas.microsoft.com/office/drawing/2016/SVG/main" r:embed="rId13"/>
+                  </a:ext>
+                </a:extLst>
+              </a:blip>
+              <a:stretch>
+                <a:fillRect/>
+              </a:stretch>
+            </p:blipFill>
+            <p:spPr>
+              <a:xfrm>
+                <a:off x="1846386" y="2945513"/>
+                <a:ext cx="1558042" cy="1558042"/>
+              </a:xfrm>
+              <a:prstGeom prst="rect">
+                <a:avLst/>
+              </a:prstGeom>
+            </p:spPr>
+          </p:pic>
+          <p:pic>
+            <p:nvPicPr>
+              <p:cNvPr id="6" name="Grafika 5" descr="Pojedyncze koło zębate">
+                <a:extLst>
+                  <a:ext uri="{FF2B5EF4-FFF2-40B4-BE49-F238E27FC236}">
+                    <a16:creationId xmlns:a16="http://schemas.microsoft.com/office/drawing/2014/main" id="{C5809225-676D-43FD-ACA7-F35351E42C82}"/>
+                  </a:ext>
+                </a:extLst>
+              </p:cNvPr>
+              <p:cNvPicPr>
+                <a:picLocks noChangeAspect="1"/>
+              </p:cNvPicPr>
+              <p:nvPr/>
+            </p:nvPicPr>
+            <p:blipFill>
+              <a:blip r:embed="rId14">
+                <a:extLst>
+                  <a:ext uri="{28A0092B-C50C-407E-A947-70E740481C1C}">
+                    <a14:useLocalDpi xmlns:a14="http://schemas.microsoft.com/office/drawing/2010/main" val="0"/>
+                  </a:ext>
+                  <a:ext uri="{96DAC541-7B7A-43D3-8B79-37D633B846F1}">
+                    <asvg:svgBlip xmlns:asvg="http://schemas.microsoft.com/office/drawing/2016/SVG/main" r:embed="rId15"/>
+                  </a:ext>
+                </a:extLst>
+              </a:blip>
+              <a:stretch>
+                <a:fillRect/>
+              </a:stretch>
+            </p:blipFill>
+            <p:spPr>
+              <a:xfrm>
+                <a:off x="901148" y="2166492"/>
+                <a:ext cx="1558042" cy="1558042"/>
+              </a:xfrm>
+              <a:prstGeom prst="rect">
+                <a:avLst/>
+              </a:prstGeom>
+            </p:spPr>
+          </p:pic>
+        </p:grpSp>
+        <p:grpSp>
+          <p:nvGrpSpPr>
+            <p:cNvPr id="22" name="Grupa 21">
+              <a:extLst>
+                <a:ext uri="{FF2B5EF4-FFF2-40B4-BE49-F238E27FC236}">
+                  <a16:creationId xmlns:a16="http://schemas.microsoft.com/office/drawing/2014/main" id="{1FA60A96-DD3B-4249-A8FD-06889D1000F7}"/>
+                </a:ext>
+              </a:extLst>
+            </p:cNvPr>
+            <p:cNvGrpSpPr/>
+            <p:nvPr/>
+          </p:nvGrpSpPr>
+          <p:grpSpPr>
+            <a:xfrm>
+              <a:off x="861707" y="2858139"/>
+              <a:ext cx="2503280" cy="2337063"/>
+              <a:chOff x="901148" y="2166492"/>
+              <a:chExt cx="2503280" cy="2337063"/>
+            </a:xfrm>
+            <a:solidFill>
+              <a:schemeClr val="bg1"/>
+            </a:solidFill>
+          </p:grpSpPr>
+          <p:pic>
+            <p:nvPicPr>
+              <p:cNvPr id="23" name="Grafika 22" descr="Koła zębate">
+                <a:extLst>
+                  <a:ext uri="{FF2B5EF4-FFF2-40B4-BE49-F238E27FC236}">
+                    <a16:creationId xmlns:a16="http://schemas.microsoft.com/office/drawing/2014/main" id="{F7D551CB-0B57-4934-9549-B11C5DFA865F}"/>
+                  </a:ext>
+                </a:extLst>
+              </p:cNvPr>
+              <p:cNvPicPr>
+                <a:picLocks noChangeAspect="1"/>
+              </p:cNvPicPr>
+              <p:nvPr/>
+            </p:nvPicPr>
+            <p:blipFill>
+              <a:blip r:embed="rId16">
+                <a:extLst>
+                  <a:ext uri="{28A0092B-C50C-407E-A947-70E740481C1C}">
+                    <a14:useLocalDpi xmlns:a14="http://schemas.microsoft.com/office/drawing/2010/main" val="0"/>
+                  </a:ext>
+                  <a:ext uri="{96DAC541-7B7A-43D3-8B79-37D633B846F1}">
+                    <asvg:svgBlip xmlns:asvg="http://schemas.microsoft.com/office/drawing/2016/SVG/main" r:embed="rId17"/>
+                  </a:ext>
+                </a:extLst>
+              </a:blip>
+              <a:stretch>
+                <a:fillRect/>
+              </a:stretch>
+            </p:blipFill>
+            <p:spPr>
+              <a:xfrm>
+                <a:off x="1846386" y="2945513"/>
+                <a:ext cx="1558042" cy="1558042"/>
+              </a:xfrm>
+              <a:prstGeom prst="rect">
+                <a:avLst/>
+              </a:prstGeom>
+            </p:spPr>
+          </p:pic>
+          <p:pic>
+            <p:nvPicPr>
+              <p:cNvPr id="24" name="Grafika 23" descr="Pojedyncze koło zębate">
+                <a:extLst>
+                  <a:ext uri="{FF2B5EF4-FFF2-40B4-BE49-F238E27FC236}">
+                    <a16:creationId xmlns:a16="http://schemas.microsoft.com/office/drawing/2014/main" id="{5AB7828F-3C3D-4C2E-9258-4BE0996DA181}"/>
+                  </a:ext>
+                </a:extLst>
+              </p:cNvPr>
+              <p:cNvPicPr>
+                <a:picLocks noChangeAspect="1"/>
+              </p:cNvPicPr>
+              <p:nvPr/>
+            </p:nvPicPr>
+            <p:blipFill>
+              <a:blip r:embed="rId18">
+                <a:extLst>
+                  <a:ext uri="{28A0092B-C50C-407E-A947-70E740481C1C}">
+                    <a14:useLocalDpi xmlns:a14="http://schemas.microsoft.com/office/drawing/2010/main" val="0"/>
+                  </a:ext>
+                  <a:ext uri="{96DAC541-7B7A-43D3-8B79-37D633B846F1}">
+                    <asvg:svgBlip xmlns:asvg="http://schemas.microsoft.com/office/drawing/2016/SVG/main" r:embed="rId19"/>
+                  </a:ext>
+                </a:extLst>
+              </a:blip>
+              <a:stretch>
+                <a:fillRect/>
+              </a:stretch>
+            </p:blipFill>
+            <p:spPr>
+              <a:xfrm>
+                <a:off x="901148" y="2166492"/>
+                <a:ext cx="1558042" cy="1558042"/>
+              </a:xfrm>
+              <a:prstGeom prst="rect">
+                <a:avLst/>
+              </a:prstGeom>
+            </p:spPr>
+          </p:pic>
+        </p:grpSp>
+      </p:grpSp>
+      <p:sp>
+        <p:nvSpPr>
+          <p:cNvPr id="25" name="Prostokąt 24">
+            <a:extLst>
+              <a:ext uri="{FF2B5EF4-FFF2-40B4-BE49-F238E27FC236}">
+                <a16:creationId xmlns:a16="http://schemas.microsoft.com/office/drawing/2014/main" id="{7552D539-ACA4-436B-B2ED-44A4CAA474F2}"/>
+              </a:ext>
+            </a:extLst>
+          </p:cNvPr>
+          <p:cNvSpPr/>
+          <p:nvPr/>
+        </p:nvSpPr>
+        <p:spPr>
+          <a:xfrm>
+            <a:off x="4909620" y="4752092"/>
+            <a:ext cx="2925000" cy="1754326"/>
+          </a:xfrm>
+          <a:prstGeom prst="rect">
+            <a:avLst/>
+          </a:prstGeom>
+          <a:noFill/>
+        </p:spPr>
+        <p:txBody>
+          <a:bodyPr wrap="square" lIns="91440" tIns="45720" rIns="91440" bIns="45720">
+            <a:spAutoFit/>
+          </a:bodyPr>
+          <a:lstStyle/>
+          <a:p>
+            <a:pPr algn="ctr"/>
+            <a:r>
+              <a:rPr lang="pl-PL" sz="5400" b="1" dirty="0">
+                <a:ln w="10160">
+                  <a:solidFill>
+                    <a:schemeClr val="accent5"/>
+                  </a:solidFill>
+                  <a:prstDash val="solid"/>
+                </a:ln>
+                <a:solidFill>
+                  <a:srgbClr val="FFFFFF"/>
+                </a:solidFill>
+                <a:effectLst>
+                  <a:outerShdw blurRad="38100" dist="22860" dir="5400000" algn="tl" rotWithShape="0">
+                    <a:srgbClr val="000000">
+                      <a:alpha val="30000"/>
+                    </a:srgbClr>
+                  </a:outerShdw>
+                </a:effectLst>
+              </a:rPr>
+              <a:t>Business </a:t>
+            </a:r>
+            <a:r>
+              <a:rPr lang="pl-PL" sz="5400" b="1" dirty="0" err="1">
+                <a:ln w="10160">
+                  <a:solidFill>
+                    <a:schemeClr val="accent5"/>
+                  </a:solidFill>
+                  <a:prstDash val="solid"/>
+                </a:ln>
+                <a:solidFill>
+                  <a:srgbClr val="FFFFFF"/>
+                </a:solidFill>
+                <a:effectLst>
+                  <a:outerShdw blurRad="38100" dist="22860" dir="5400000" algn="tl" rotWithShape="0">
+                    <a:srgbClr val="000000">
+                      <a:alpha val="30000"/>
+                    </a:srgbClr>
+                  </a:outerShdw>
+                </a:effectLst>
+              </a:rPr>
+              <a:t>first</a:t>
+            </a:r>
+            <a:endParaRPr lang="pl-PL" sz="5400" b="1" cap="none" spc="0" dirty="0">
+              <a:ln w="10160">
+                <a:solidFill>
+                  <a:schemeClr val="accent5"/>
+                </a:solidFill>
+                <a:prstDash val="solid"/>
+              </a:ln>
+              <a:solidFill>
+                <a:srgbClr val="FFFFFF"/>
+              </a:solidFill>
+              <a:effectLst>
+                <a:outerShdw blurRad="38100" dist="22860" dir="5400000" algn="tl" rotWithShape="0">
+                  <a:srgbClr val="000000">
+                    <a:alpha val="30000"/>
+                  </a:srgbClr>
+                </a:outerShdw>
+              </a:effectLst>
+            </a:endParaRPr>
+          </a:p>
+        </p:txBody>
+      </p:sp>
+    </p:spTree>
+    <p:extLst>
+      <p:ext uri="{BB962C8B-B14F-4D97-AF65-F5344CB8AC3E}">
+        <p14:creationId xmlns:p14="http://schemas.microsoft.com/office/powerpoint/2010/main" val="2630656502"/>
+      </p:ext>
+    </p:extLst>
+  </p:cSld>
+  <p:clrMapOvr>
+    <a:masterClrMapping/>
+  </p:clrMapOvr>
+</p:sld>
+</file>
+
+<file path=ppt/slides/slide11.xml><?xml version="1.0" encoding="utf-8"?>
 <p:sld xmlns:a="http://schemas.openxmlformats.org/drawingml/2006/main" xmlns:r="http://schemas.openxmlformats.org/officeDocument/2006/relationships" xmlns:p="http://schemas.openxmlformats.org/presentationml/2006/main">
   <p:cSld>
     <p:bg>
@@ -9736,7 +10612,7 @@
 </p:sld>
 </file>
 
-<file path=ppt/slides/slide11.xml><?xml version="1.0" encoding="utf-8"?>
+<file path=ppt/slides/slide12.xml><?xml version="1.0" encoding="utf-8"?>
 <p:sld xmlns:a="http://schemas.openxmlformats.org/drawingml/2006/main" xmlns:r="http://schemas.openxmlformats.org/officeDocument/2006/relationships" xmlns:p="http://schemas.openxmlformats.org/presentationml/2006/main">
   <p:cSld>
     <p:bg>
@@ -13832,6 +14708,1901 @@
           </a:prstGeom>
         </p:spPr>
       </p:pic>
+      <p:grpSp>
+        <p:nvGrpSpPr>
+          <p:cNvPr id="4" name="Grupa 3">
+            <a:extLst>
+              <a:ext uri="{FF2B5EF4-FFF2-40B4-BE49-F238E27FC236}">
+                <a16:creationId xmlns:a16="http://schemas.microsoft.com/office/drawing/2014/main" id="{C0E88FED-4C5A-47F5-B92C-5A9EBFDF7099}"/>
+              </a:ext>
+            </a:extLst>
+          </p:cNvPr>
+          <p:cNvGrpSpPr/>
+          <p:nvPr/>
+        </p:nvGrpSpPr>
+        <p:grpSpPr>
+          <a:xfrm>
+            <a:off x="3903729" y="399137"/>
+            <a:ext cx="4358035" cy="3377732"/>
+            <a:chOff x="3863973" y="743694"/>
+            <a:chExt cx="4358035" cy="3377732"/>
+          </a:xfrm>
+        </p:grpSpPr>
+        <p:sp>
+          <p:nvSpPr>
+            <p:cNvPr id="3" name="Prostokąt: zaokrąglone rogi 2">
+              <a:extLst>
+                <a:ext uri="{FF2B5EF4-FFF2-40B4-BE49-F238E27FC236}">
+                  <a16:creationId xmlns:a16="http://schemas.microsoft.com/office/drawing/2014/main" id="{E85B1584-C9C2-410D-8F3D-B7D294FBBB09}"/>
+                </a:ext>
+              </a:extLst>
+            </p:cNvPr>
+            <p:cNvSpPr/>
+            <p:nvPr/>
+          </p:nvSpPr>
+          <p:spPr>
+            <a:xfrm>
+              <a:off x="4810538" y="2095416"/>
+              <a:ext cx="2464905" cy="2026010"/>
+            </a:xfrm>
+            <a:prstGeom prst="roundRect">
+              <a:avLst/>
+            </a:prstGeom>
+          </p:spPr>
+          <p:style>
+            <a:lnRef idx="2">
+              <a:schemeClr val="dk1">
+                <a:shade val="50000"/>
+              </a:schemeClr>
+            </a:lnRef>
+            <a:fillRef idx="1">
+              <a:schemeClr val="dk1"/>
+            </a:fillRef>
+            <a:effectRef idx="0">
+              <a:schemeClr val="dk1"/>
+            </a:effectRef>
+            <a:fontRef idx="minor">
+              <a:schemeClr val="lt1"/>
+            </a:fontRef>
+          </p:style>
+          <p:txBody>
+            <a:bodyPr rtlCol="0" anchor="ctr"/>
+            <a:lstStyle/>
+            <a:p>
+              <a:pPr algn="ctr"/>
+              <a:endParaRPr lang="pl-PL"/>
+            </a:p>
+          </p:txBody>
+        </p:sp>
+        <p:sp>
+          <p:nvSpPr>
+            <p:cNvPr id="6" name="Prostokąt 5">
+              <a:extLst>
+                <a:ext uri="{FF2B5EF4-FFF2-40B4-BE49-F238E27FC236}">
+                  <a16:creationId xmlns:a16="http://schemas.microsoft.com/office/drawing/2014/main" id="{909D993E-D231-482A-A961-F70F66588BEA}"/>
+                </a:ext>
+              </a:extLst>
+            </p:cNvPr>
+            <p:cNvSpPr/>
+            <p:nvPr/>
+          </p:nvSpPr>
+          <p:spPr>
+            <a:xfrm>
+              <a:off x="3863974" y="743694"/>
+              <a:ext cx="4358034" cy="707886"/>
+            </a:xfrm>
+            <a:prstGeom prst="rect">
+              <a:avLst/>
+            </a:prstGeom>
+            <a:noFill/>
+          </p:spPr>
+          <p:txBody>
+            <a:bodyPr wrap="square" lIns="91440" tIns="45720" rIns="91440" bIns="45720">
+              <a:spAutoFit/>
+            </a:bodyPr>
+            <a:lstStyle/>
+            <a:p>
+              <a:pPr algn="ctr"/>
+              <a:r>
+                <a:rPr lang="pl-PL" sz="4000" b="1" dirty="0" err="1">
+                  <a:ln w="10160">
+                    <a:solidFill>
+                      <a:schemeClr val="accent5"/>
+                    </a:solidFill>
+                    <a:prstDash val="solid"/>
+                  </a:ln>
+                  <a:solidFill>
+                    <a:srgbClr val="FFFFFF"/>
+                  </a:solidFill>
+                  <a:effectLst>
+                    <a:outerShdw blurRad="38100" dist="22860" dir="5400000" algn="tl" rotWithShape="0">
+                      <a:srgbClr val="000000">
+                        <a:alpha val="30000"/>
+                      </a:srgbClr>
+                    </a:outerShdw>
+                  </a:effectLst>
+                </a:rPr>
+                <a:t>Supertype</a:t>
+              </a:r>
+              <a:r>
+                <a:rPr lang="pl-PL" sz="4000" b="1" dirty="0">
+                  <a:ln w="10160">
+                    <a:solidFill>
+                      <a:schemeClr val="accent5"/>
+                    </a:solidFill>
+                    <a:prstDash val="solid"/>
+                  </a:ln>
+                  <a:solidFill>
+                    <a:srgbClr val="FFFFFF"/>
+                  </a:solidFill>
+                  <a:effectLst>
+                    <a:outerShdw blurRad="38100" dist="22860" dir="5400000" algn="tl" rotWithShape="0">
+                      <a:srgbClr val="000000">
+                        <a:alpha val="30000"/>
+                      </a:srgbClr>
+                    </a:outerShdw>
+                  </a:effectLst>
+                </a:rPr>
+                <a:t> </a:t>
+              </a:r>
+              <a:r>
+                <a:rPr lang="pl-PL" sz="4000" b="1" dirty="0" err="1">
+                  <a:ln w="10160">
+                    <a:solidFill>
+                      <a:schemeClr val="accent5"/>
+                    </a:solidFill>
+                    <a:prstDash val="solid"/>
+                  </a:ln>
+                  <a:solidFill>
+                    <a:srgbClr val="FFFFFF"/>
+                  </a:solidFill>
+                  <a:effectLst>
+                    <a:outerShdw blurRad="38100" dist="22860" dir="5400000" algn="tl" rotWithShape="0">
+                      <a:srgbClr val="000000">
+                        <a:alpha val="30000"/>
+                      </a:srgbClr>
+                    </a:outerShdw>
+                  </a:effectLst>
+                </a:rPr>
+                <a:t>entity</a:t>
+              </a:r>
+              <a:endParaRPr lang="pl-PL" sz="4800" b="1" cap="none" spc="0" dirty="0">
+                <a:ln w="10160">
+                  <a:solidFill>
+                    <a:schemeClr val="accent5"/>
+                  </a:solidFill>
+                  <a:prstDash val="solid"/>
+                </a:ln>
+                <a:solidFill>
+                  <a:srgbClr val="FFFFFF"/>
+                </a:solidFill>
+                <a:effectLst>
+                  <a:outerShdw blurRad="38100" dist="22860" dir="5400000" algn="tl" rotWithShape="0">
+                    <a:srgbClr val="000000">
+                      <a:alpha val="30000"/>
+                    </a:srgbClr>
+                  </a:outerShdw>
+                </a:effectLst>
+              </a:endParaRPr>
+            </a:p>
+          </p:txBody>
+        </p:sp>
+        <p:sp>
+          <p:nvSpPr>
+            <p:cNvPr id="7" name="Prostokąt 6">
+              <a:extLst>
+                <a:ext uri="{FF2B5EF4-FFF2-40B4-BE49-F238E27FC236}">
+                  <a16:creationId xmlns:a16="http://schemas.microsoft.com/office/drawing/2014/main" id="{6AA710DB-A9BE-4F1B-ACA4-386AA3E3983C}"/>
+                </a:ext>
+              </a:extLst>
+            </p:cNvPr>
+            <p:cNvSpPr/>
+            <p:nvPr/>
+          </p:nvSpPr>
+          <p:spPr>
+            <a:xfrm>
+              <a:off x="3863973" y="1387530"/>
+              <a:ext cx="4358034" cy="707886"/>
+            </a:xfrm>
+            <a:prstGeom prst="rect">
+              <a:avLst/>
+            </a:prstGeom>
+            <a:noFill/>
+          </p:spPr>
+          <p:txBody>
+            <a:bodyPr wrap="square" lIns="91440" tIns="45720" rIns="91440" bIns="45720">
+              <a:spAutoFit/>
+            </a:bodyPr>
+            <a:lstStyle/>
+            <a:p>
+              <a:pPr algn="ctr"/>
+              <a:r>
+                <a:rPr lang="pl-PL" sz="4000" b="1" dirty="0">
+                  <a:ln w="10160">
+                    <a:solidFill>
+                      <a:schemeClr val="accent5"/>
+                    </a:solidFill>
+                    <a:prstDash val="solid"/>
+                  </a:ln>
+                  <a:solidFill>
+                    <a:srgbClr val="FFFFFF"/>
+                  </a:solidFill>
+                  <a:effectLst>
+                    <a:outerShdw blurRad="38100" dist="22860" dir="5400000" algn="tl" rotWithShape="0">
+                      <a:srgbClr val="000000">
+                        <a:alpha val="30000"/>
+                      </a:srgbClr>
+                    </a:outerShdw>
+                  </a:effectLst>
+                </a:rPr>
+                <a:t>PARTY</a:t>
+              </a:r>
+              <a:endParaRPr lang="pl-PL" sz="4800" b="1" cap="none" spc="0" dirty="0">
+                <a:ln w="10160">
+                  <a:solidFill>
+                    <a:schemeClr val="accent5"/>
+                  </a:solidFill>
+                  <a:prstDash val="solid"/>
+                </a:ln>
+                <a:solidFill>
+                  <a:srgbClr val="FFFFFF"/>
+                </a:solidFill>
+                <a:effectLst>
+                  <a:outerShdw blurRad="38100" dist="22860" dir="5400000" algn="tl" rotWithShape="0">
+                    <a:srgbClr val="000000">
+                      <a:alpha val="30000"/>
+                    </a:srgbClr>
+                  </a:outerShdw>
+                </a:effectLst>
+              </a:endParaRPr>
+            </a:p>
+          </p:txBody>
+        </p:sp>
+        <p:sp>
+          <p:nvSpPr>
+            <p:cNvPr id="8" name="Prostokąt 7">
+              <a:extLst>
+                <a:ext uri="{FF2B5EF4-FFF2-40B4-BE49-F238E27FC236}">
+                  <a16:creationId xmlns:a16="http://schemas.microsoft.com/office/drawing/2014/main" id="{D0F44734-194B-4113-B3F0-D61723C52537}"/>
+                </a:ext>
+              </a:extLst>
+            </p:cNvPr>
+            <p:cNvSpPr/>
+            <p:nvPr/>
+          </p:nvSpPr>
+          <p:spPr>
+            <a:xfrm>
+              <a:off x="4904267" y="2216032"/>
+              <a:ext cx="2371176" cy="523220"/>
+            </a:xfrm>
+            <a:prstGeom prst="rect">
+              <a:avLst/>
+            </a:prstGeom>
+            <a:noFill/>
+          </p:spPr>
+          <p:txBody>
+            <a:bodyPr wrap="square" lIns="91440" tIns="45720" rIns="91440" bIns="45720">
+              <a:spAutoFit/>
+            </a:bodyPr>
+            <a:lstStyle/>
+            <a:p>
+              <a:r>
+                <a:rPr lang="pl-PL" sz="2800" dirty="0">
+                  <a:ln w="10160">
+                    <a:solidFill>
+                      <a:schemeClr val="bg1"/>
+                    </a:solidFill>
+                    <a:prstDash val="solid"/>
+                  </a:ln>
+                  <a:solidFill>
+                    <a:srgbClr val="FFFFFF"/>
+                  </a:solidFill>
+                  <a:effectLst>
+                    <a:outerShdw blurRad="38100" dist="22860" dir="5400000" algn="tl" rotWithShape="0">
+                      <a:srgbClr val="000000">
+                        <a:alpha val="30000"/>
+                      </a:srgbClr>
+                    </a:outerShdw>
+                  </a:effectLst>
+                  <a:latin typeface="Calibri" panose="020F0502020204030204" pitchFamily="34" charset="0"/>
+                  <a:cs typeface="Calibri" panose="020F0502020204030204" pitchFamily="34" charset="0"/>
+                </a:rPr>
+                <a:t>PARTY</a:t>
+              </a:r>
+              <a:r>
+                <a:rPr lang="pl-PL" sz="2800" b="1" dirty="0">
+                  <a:ln w="10160">
+                    <a:solidFill>
+                      <a:schemeClr val="bg1"/>
+                    </a:solidFill>
+                    <a:prstDash val="solid"/>
+                  </a:ln>
+                  <a:solidFill>
+                    <a:srgbClr val="FFFFFF"/>
+                  </a:solidFill>
+                  <a:effectLst>
+                    <a:outerShdw blurRad="38100" dist="22860" dir="5400000" algn="tl" rotWithShape="0">
+                      <a:srgbClr val="000000">
+                        <a:alpha val="30000"/>
+                      </a:srgbClr>
+                    </a:outerShdw>
+                  </a:effectLst>
+                  <a:latin typeface="Calibri" panose="020F0502020204030204" pitchFamily="34" charset="0"/>
+                  <a:cs typeface="Calibri" panose="020F0502020204030204" pitchFamily="34" charset="0"/>
+                </a:rPr>
+                <a:t>_ID (PK)</a:t>
+              </a:r>
+              <a:endParaRPr lang="pl-PL" sz="3600" b="1" cap="none" spc="0" dirty="0">
+                <a:ln w="10160">
+                  <a:solidFill>
+                    <a:schemeClr val="bg1"/>
+                  </a:solidFill>
+                  <a:prstDash val="solid"/>
+                </a:ln>
+                <a:solidFill>
+                  <a:srgbClr val="FFFFFF"/>
+                </a:solidFill>
+                <a:effectLst>
+                  <a:outerShdw blurRad="38100" dist="22860" dir="5400000" algn="tl" rotWithShape="0">
+                    <a:srgbClr val="000000">
+                      <a:alpha val="30000"/>
+                    </a:srgbClr>
+                  </a:outerShdw>
+                </a:effectLst>
+                <a:latin typeface="Calibri" panose="020F0502020204030204" pitchFamily="34" charset="0"/>
+                <a:cs typeface="Calibri" panose="020F0502020204030204" pitchFamily="34" charset="0"/>
+              </a:endParaRPr>
+            </a:p>
+          </p:txBody>
+        </p:sp>
+        <p:sp>
+          <p:nvSpPr>
+            <p:cNvPr id="9" name="Prostokąt 8">
+              <a:extLst>
+                <a:ext uri="{FF2B5EF4-FFF2-40B4-BE49-F238E27FC236}">
+                  <a16:creationId xmlns:a16="http://schemas.microsoft.com/office/drawing/2014/main" id="{D8C394B0-7196-442A-875F-997F89262DC6}"/>
+                </a:ext>
+              </a:extLst>
+            </p:cNvPr>
+            <p:cNvSpPr/>
+            <p:nvPr/>
+          </p:nvSpPr>
+          <p:spPr>
+            <a:xfrm>
+              <a:off x="4904267" y="3079860"/>
+              <a:ext cx="2371176" cy="523220"/>
+            </a:xfrm>
+            <a:prstGeom prst="rect">
+              <a:avLst/>
+            </a:prstGeom>
+            <a:noFill/>
+          </p:spPr>
+          <p:txBody>
+            <a:bodyPr wrap="square" lIns="91440" tIns="45720" rIns="91440" bIns="45720">
+              <a:spAutoFit/>
+            </a:bodyPr>
+            <a:lstStyle/>
+            <a:p>
+              <a:r>
+                <a:rPr lang="pl-PL" sz="2800" cap="none" spc="0" dirty="0">
+                  <a:ln w="10160">
+                    <a:solidFill>
+                      <a:schemeClr val="bg1"/>
+                    </a:solidFill>
+                    <a:prstDash val="solid"/>
+                  </a:ln>
+                  <a:solidFill>
+                    <a:srgbClr val="FFFFFF"/>
+                  </a:solidFill>
+                  <a:effectLst>
+                    <a:outerShdw blurRad="38100" dist="22860" dir="5400000" algn="tl" rotWithShape="0">
+                      <a:srgbClr val="000000">
+                        <a:alpha val="30000"/>
+                      </a:srgbClr>
+                    </a:outerShdw>
+                  </a:effectLst>
+                  <a:latin typeface="Calibri" panose="020F0502020204030204" pitchFamily="34" charset="0"/>
+                  <a:cs typeface="Calibri" panose="020F0502020204030204" pitchFamily="34" charset="0"/>
+                </a:rPr>
+                <a:t>COMN_ATTR 1</a:t>
+              </a:r>
+              <a:endParaRPr lang="pl-PL" sz="3600" cap="none" spc="0" dirty="0">
+                <a:ln w="10160">
+                  <a:solidFill>
+                    <a:schemeClr val="bg1"/>
+                  </a:solidFill>
+                  <a:prstDash val="solid"/>
+                </a:ln>
+                <a:solidFill>
+                  <a:srgbClr val="FFFFFF"/>
+                </a:solidFill>
+                <a:effectLst>
+                  <a:outerShdw blurRad="38100" dist="22860" dir="5400000" algn="tl" rotWithShape="0">
+                    <a:srgbClr val="000000">
+                      <a:alpha val="30000"/>
+                    </a:srgbClr>
+                  </a:outerShdw>
+                </a:effectLst>
+                <a:latin typeface="Calibri" panose="020F0502020204030204" pitchFamily="34" charset="0"/>
+                <a:cs typeface="Calibri" panose="020F0502020204030204" pitchFamily="34" charset="0"/>
+              </a:endParaRPr>
+            </a:p>
+          </p:txBody>
+        </p:sp>
+        <p:sp>
+          <p:nvSpPr>
+            <p:cNvPr id="10" name="Prostokąt 9">
+              <a:extLst>
+                <a:ext uri="{FF2B5EF4-FFF2-40B4-BE49-F238E27FC236}">
+                  <a16:creationId xmlns:a16="http://schemas.microsoft.com/office/drawing/2014/main" id="{797F1073-69F4-4EBC-BBA8-944FD2812096}"/>
+                </a:ext>
+              </a:extLst>
+            </p:cNvPr>
+            <p:cNvSpPr/>
+            <p:nvPr/>
+          </p:nvSpPr>
+          <p:spPr>
+            <a:xfrm>
+              <a:off x="4904267" y="2647946"/>
+              <a:ext cx="2371176" cy="523220"/>
+            </a:xfrm>
+            <a:prstGeom prst="rect">
+              <a:avLst/>
+            </a:prstGeom>
+            <a:noFill/>
+          </p:spPr>
+          <p:txBody>
+            <a:bodyPr wrap="square" lIns="91440" tIns="45720" rIns="91440" bIns="45720">
+              <a:spAutoFit/>
+            </a:bodyPr>
+            <a:lstStyle/>
+            <a:p>
+              <a:r>
+                <a:rPr lang="pl-PL" sz="2800" dirty="0">
+                  <a:ln w="10160">
+                    <a:solidFill>
+                      <a:schemeClr val="bg1"/>
+                    </a:solidFill>
+                    <a:prstDash val="solid"/>
+                  </a:ln>
+                  <a:solidFill>
+                    <a:srgbClr val="FFFFFF"/>
+                  </a:solidFill>
+                  <a:effectLst>
+                    <a:outerShdw blurRad="38100" dist="22860" dir="5400000" algn="tl" rotWithShape="0">
+                      <a:srgbClr val="000000">
+                        <a:alpha val="30000"/>
+                      </a:srgbClr>
+                    </a:outerShdw>
+                  </a:effectLst>
+                  <a:latin typeface="Calibri" panose="020F0502020204030204" pitchFamily="34" charset="0"/>
+                  <a:cs typeface="Calibri" panose="020F0502020204030204" pitchFamily="34" charset="0"/>
+                </a:rPr>
+                <a:t>SUBTYPE</a:t>
+              </a:r>
+              <a:endParaRPr lang="pl-PL" sz="3600" cap="none" spc="0" dirty="0">
+                <a:ln w="10160">
+                  <a:solidFill>
+                    <a:schemeClr val="bg1"/>
+                  </a:solidFill>
+                  <a:prstDash val="solid"/>
+                </a:ln>
+                <a:solidFill>
+                  <a:srgbClr val="FFFFFF"/>
+                </a:solidFill>
+                <a:effectLst>
+                  <a:outerShdw blurRad="38100" dist="22860" dir="5400000" algn="tl" rotWithShape="0">
+                    <a:srgbClr val="000000">
+                      <a:alpha val="30000"/>
+                    </a:srgbClr>
+                  </a:outerShdw>
+                </a:effectLst>
+                <a:latin typeface="Calibri" panose="020F0502020204030204" pitchFamily="34" charset="0"/>
+                <a:cs typeface="Calibri" panose="020F0502020204030204" pitchFamily="34" charset="0"/>
+              </a:endParaRPr>
+            </a:p>
+          </p:txBody>
+        </p:sp>
+        <p:sp>
+          <p:nvSpPr>
+            <p:cNvPr id="11" name="Prostokąt 10">
+              <a:extLst>
+                <a:ext uri="{FF2B5EF4-FFF2-40B4-BE49-F238E27FC236}">
+                  <a16:creationId xmlns:a16="http://schemas.microsoft.com/office/drawing/2014/main" id="{BEA0E0DD-76B5-4A22-BC47-60C771796CBA}"/>
+                </a:ext>
+              </a:extLst>
+            </p:cNvPr>
+            <p:cNvSpPr/>
+            <p:nvPr/>
+          </p:nvSpPr>
+          <p:spPr>
+            <a:xfrm>
+              <a:off x="4904267" y="3506900"/>
+              <a:ext cx="2371176" cy="523220"/>
+            </a:xfrm>
+            <a:prstGeom prst="rect">
+              <a:avLst/>
+            </a:prstGeom>
+            <a:noFill/>
+          </p:spPr>
+          <p:txBody>
+            <a:bodyPr wrap="square" lIns="91440" tIns="45720" rIns="91440" bIns="45720">
+              <a:spAutoFit/>
+            </a:bodyPr>
+            <a:lstStyle/>
+            <a:p>
+              <a:r>
+                <a:rPr lang="pl-PL" sz="2800" cap="none" spc="0" dirty="0">
+                  <a:ln w="10160">
+                    <a:solidFill>
+                      <a:schemeClr val="bg1"/>
+                    </a:solidFill>
+                    <a:prstDash val="solid"/>
+                  </a:ln>
+                  <a:solidFill>
+                    <a:srgbClr val="FFFFFF"/>
+                  </a:solidFill>
+                  <a:effectLst>
+                    <a:outerShdw blurRad="38100" dist="22860" dir="5400000" algn="tl" rotWithShape="0">
+                      <a:srgbClr val="000000">
+                        <a:alpha val="30000"/>
+                      </a:srgbClr>
+                    </a:outerShdw>
+                  </a:effectLst>
+                  <a:latin typeface="Calibri" panose="020F0502020204030204" pitchFamily="34" charset="0"/>
+                  <a:cs typeface="Calibri" panose="020F0502020204030204" pitchFamily="34" charset="0"/>
+                </a:rPr>
+                <a:t>COMN_ATTR 2</a:t>
+              </a:r>
+              <a:endParaRPr lang="pl-PL" sz="3600" cap="none" spc="0" dirty="0">
+                <a:ln w="10160">
+                  <a:solidFill>
+                    <a:schemeClr val="bg1"/>
+                  </a:solidFill>
+                  <a:prstDash val="solid"/>
+                </a:ln>
+                <a:solidFill>
+                  <a:srgbClr val="FFFFFF"/>
+                </a:solidFill>
+                <a:effectLst>
+                  <a:outerShdw blurRad="38100" dist="22860" dir="5400000" algn="tl" rotWithShape="0">
+                    <a:srgbClr val="000000">
+                      <a:alpha val="30000"/>
+                    </a:srgbClr>
+                  </a:outerShdw>
+                </a:effectLst>
+                <a:latin typeface="Calibri" panose="020F0502020204030204" pitchFamily="34" charset="0"/>
+                <a:cs typeface="Calibri" panose="020F0502020204030204" pitchFamily="34" charset="0"/>
+              </a:endParaRPr>
+            </a:p>
+          </p:txBody>
+        </p:sp>
+      </p:grpSp>
+      <p:grpSp>
+        <p:nvGrpSpPr>
+          <p:cNvPr id="12" name="Grupa 11">
+            <a:extLst>
+              <a:ext uri="{FF2B5EF4-FFF2-40B4-BE49-F238E27FC236}">
+                <a16:creationId xmlns:a16="http://schemas.microsoft.com/office/drawing/2014/main" id="{2D66141C-303F-48AF-BF36-FC0538ABDA29}"/>
+              </a:ext>
+            </a:extLst>
+          </p:cNvPr>
+          <p:cNvGrpSpPr/>
+          <p:nvPr/>
+        </p:nvGrpSpPr>
+        <p:grpSpPr>
+          <a:xfrm>
+            <a:off x="445394" y="2877128"/>
+            <a:ext cx="4358035" cy="3377732"/>
+            <a:chOff x="3863973" y="743694"/>
+            <a:chExt cx="4358035" cy="3377732"/>
+          </a:xfrm>
+        </p:grpSpPr>
+        <p:sp>
+          <p:nvSpPr>
+            <p:cNvPr id="13" name="Prostokąt: zaokrąglone rogi 12">
+              <a:extLst>
+                <a:ext uri="{FF2B5EF4-FFF2-40B4-BE49-F238E27FC236}">
+                  <a16:creationId xmlns:a16="http://schemas.microsoft.com/office/drawing/2014/main" id="{D25D3784-D6E6-4CD0-AA29-4B6679F378DF}"/>
+                </a:ext>
+              </a:extLst>
+            </p:cNvPr>
+            <p:cNvSpPr/>
+            <p:nvPr/>
+          </p:nvSpPr>
+          <p:spPr>
+            <a:xfrm>
+              <a:off x="4810538" y="2095416"/>
+              <a:ext cx="2464905" cy="2026010"/>
+            </a:xfrm>
+            <a:prstGeom prst="roundRect">
+              <a:avLst/>
+            </a:prstGeom>
+          </p:spPr>
+          <p:style>
+            <a:lnRef idx="2">
+              <a:schemeClr val="dk1"/>
+            </a:lnRef>
+            <a:fillRef idx="1">
+              <a:schemeClr val="lt1"/>
+            </a:fillRef>
+            <a:effectRef idx="0">
+              <a:schemeClr val="dk1"/>
+            </a:effectRef>
+            <a:fontRef idx="minor">
+              <a:schemeClr val="dk1"/>
+            </a:fontRef>
+          </p:style>
+          <p:txBody>
+            <a:bodyPr rtlCol="0" anchor="ctr"/>
+            <a:lstStyle/>
+            <a:p>
+              <a:pPr algn="ctr"/>
+              <a:endParaRPr lang="pl-PL"/>
+            </a:p>
+          </p:txBody>
+        </p:sp>
+        <p:sp>
+          <p:nvSpPr>
+            <p:cNvPr id="14" name="Prostokąt 13">
+              <a:extLst>
+                <a:ext uri="{FF2B5EF4-FFF2-40B4-BE49-F238E27FC236}">
+                  <a16:creationId xmlns:a16="http://schemas.microsoft.com/office/drawing/2014/main" id="{86B5EEC7-CC28-4608-9DD2-C1A11FBE7B53}"/>
+                </a:ext>
+              </a:extLst>
+            </p:cNvPr>
+            <p:cNvSpPr/>
+            <p:nvPr/>
+          </p:nvSpPr>
+          <p:spPr>
+            <a:xfrm>
+              <a:off x="3863974" y="743694"/>
+              <a:ext cx="4358034" cy="707886"/>
+            </a:xfrm>
+            <a:prstGeom prst="rect">
+              <a:avLst/>
+            </a:prstGeom>
+            <a:noFill/>
+          </p:spPr>
+          <p:txBody>
+            <a:bodyPr wrap="square" lIns="91440" tIns="45720" rIns="91440" bIns="45720">
+              <a:spAutoFit/>
+            </a:bodyPr>
+            <a:lstStyle/>
+            <a:p>
+              <a:pPr algn="ctr"/>
+              <a:r>
+                <a:rPr lang="pl-PL" sz="4000" b="1" dirty="0" err="1">
+                  <a:ln w="10160">
+                    <a:solidFill>
+                      <a:schemeClr val="accent5"/>
+                    </a:solidFill>
+                    <a:prstDash val="solid"/>
+                  </a:ln>
+                  <a:solidFill>
+                    <a:srgbClr val="FFFFFF"/>
+                  </a:solidFill>
+                  <a:effectLst>
+                    <a:outerShdw blurRad="38100" dist="22860" dir="5400000" algn="tl" rotWithShape="0">
+                      <a:srgbClr val="000000">
+                        <a:alpha val="30000"/>
+                      </a:srgbClr>
+                    </a:outerShdw>
+                  </a:effectLst>
+                </a:rPr>
+                <a:t>Subtype</a:t>
+              </a:r>
+              <a:r>
+                <a:rPr lang="pl-PL" sz="4000" b="1" dirty="0">
+                  <a:ln w="10160">
+                    <a:solidFill>
+                      <a:schemeClr val="accent5"/>
+                    </a:solidFill>
+                    <a:prstDash val="solid"/>
+                  </a:ln>
+                  <a:solidFill>
+                    <a:srgbClr val="FFFFFF"/>
+                  </a:solidFill>
+                  <a:effectLst>
+                    <a:outerShdw blurRad="38100" dist="22860" dir="5400000" algn="tl" rotWithShape="0">
+                      <a:srgbClr val="000000">
+                        <a:alpha val="30000"/>
+                      </a:srgbClr>
+                    </a:outerShdw>
+                  </a:effectLst>
+                </a:rPr>
+                <a:t> </a:t>
+              </a:r>
+              <a:r>
+                <a:rPr lang="pl-PL" sz="4000" b="1" dirty="0" err="1">
+                  <a:ln w="10160">
+                    <a:solidFill>
+                      <a:schemeClr val="accent5"/>
+                    </a:solidFill>
+                    <a:prstDash val="solid"/>
+                  </a:ln>
+                  <a:solidFill>
+                    <a:srgbClr val="FFFFFF"/>
+                  </a:solidFill>
+                  <a:effectLst>
+                    <a:outerShdw blurRad="38100" dist="22860" dir="5400000" algn="tl" rotWithShape="0">
+                      <a:srgbClr val="000000">
+                        <a:alpha val="30000"/>
+                      </a:srgbClr>
+                    </a:outerShdw>
+                  </a:effectLst>
+                </a:rPr>
+                <a:t>entity</a:t>
+              </a:r>
+              <a:endParaRPr lang="pl-PL" sz="4800" b="1" cap="none" spc="0" dirty="0">
+                <a:ln w="10160">
+                  <a:solidFill>
+                    <a:schemeClr val="accent5"/>
+                  </a:solidFill>
+                  <a:prstDash val="solid"/>
+                </a:ln>
+                <a:solidFill>
+                  <a:srgbClr val="FFFFFF"/>
+                </a:solidFill>
+                <a:effectLst>
+                  <a:outerShdw blurRad="38100" dist="22860" dir="5400000" algn="tl" rotWithShape="0">
+                    <a:srgbClr val="000000">
+                      <a:alpha val="30000"/>
+                    </a:srgbClr>
+                  </a:outerShdw>
+                </a:effectLst>
+              </a:endParaRPr>
+            </a:p>
+          </p:txBody>
+        </p:sp>
+        <p:sp>
+          <p:nvSpPr>
+            <p:cNvPr id="15" name="Prostokąt 14">
+              <a:extLst>
+                <a:ext uri="{FF2B5EF4-FFF2-40B4-BE49-F238E27FC236}">
+                  <a16:creationId xmlns:a16="http://schemas.microsoft.com/office/drawing/2014/main" id="{8E789ADE-F978-416D-9AE1-49009284478C}"/>
+                </a:ext>
+              </a:extLst>
+            </p:cNvPr>
+            <p:cNvSpPr/>
+            <p:nvPr/>
+          </p:nvSpPr>
+          <p:spPr>
+            <a:xfrm>
+              <a:off x="3863973" y="1387530"/>
+              <a:ext cx="4358034" cy="707886"/>
+            </a:xfrm>
+            <a:prstGeom prst="rect">
+              <a:avLst/>
+            </a:prstGeom>
+            <a:noFill/>
+          </p:spPr>
+          <p:txBody>
+            <a:bodyPr wrap="square" lIns="91440" tIns="45720" rIns="91440" bIns="45720">
+              <a:spAutoFit/>
+            </a:bodyPr>
+            <a:lstStyle/>
+            <a:p>
+              <a:pPr algn="ctr"/>
+              <a:r>
+                <a:rPr lang="pl-PL" sz="4000" b="1" cap="none" spc="0" dirty="0">
+                  <a:ln w="10160">
+                    <a:solidFill>
+                      <a:schemeClr val="accent5"/>
+                    </a:solidFill>
+                    <a:prstDash val="solid"/>
+                  </a:ln>
+                  <a:solidFill>
+                    <a:srgbClr val="FFFFFF"/>
+                  </a:solidFill>
+                  <a:effectLst>
+                    <a:outerShdw blurRad="38100" dist="22860" dir="5400000" algn="tl" rotWithShape="0">
+                      <a:srgbClr val="000000">
+                        <a:alpha val="30000"/>
+                      </a:srgbClr>
+                    </a:outerShdw>
+                  </a:effectLst>
+                </a:rPr>
+                <a:t>INDIVIDUAL</a:t>
+              </a:r>
+              <a:endParaRPr lang="pl-PL" sz="4800" b="1" cap="none" spc="0" dirty="0">
+                <a:ln w="10160">
+                  <a:solidFill>
+                    <a:schemeClr val="accent5"/>
+                  </a:solidFill>
+                  <a:prstDash val="solid"/>
+                </a:ln>
+                <a:solidFill>
+                  <a:srgbClr val="FFFFFF"/>
+                </a:solidFill>
+                <a:effectLst>
+                  <a:outerShdw blurRad="38100" dist="22860" dir="5400000" algn="tl" rotWithShape="0">
+                    <a:srgbClr val="000000">
+                      <a:alpha val="30000"/>
+                    </a:srgbClr>
+                  </a:outerShdw>
+                </a:effectLst>
+              </a:endParaRPr>
+            </a:p>
+          </p:txBody>
+        </p:sp>
+        <p:sp>
+          <p:nvSpPr>
+            <p:cNvPr id="16" name="Prostokąt 15">
+              <a:extLst>
+                <a:ext uri="{FF2B5EF4-FFF2-40B4-BE49-F238E27FC236}">
+                  <a16:creationId xmlns:a16="http://schemas.microsoft.com/office/drawing/2014/main" id="{DA81EED7-EB46-441A-B487-CA68FDDF54E3}"/>
+                </a:ext>
+              </a:extLst>
+            </p:cNvPr>
+            <p:cNvSpPr/>
+            <p:nvPr/>
+          </p:nvSpPr>
+          <p:spPr>
+            <a:xfrm>
+              <a:off x="4904267" y="2216032"/>
+              <a:ext cx="2371176" cy="523220"/>
+            </a:xfrm>
+            <a:prstGeom prst="rect">
+              <a:avLst/>
+            </a:prstGeom>
+            <a:noFill/>
+          </p:spPr>
+          <p:txBody>
+            <a:bodyPr wrap="square" lIns="91440" tIns="45720" rIns="91440" bIns="45720">
+              <a:spAutoFit/>
+            </a:bodyPr>
+            <a:lstStyle/>
+            <a:p>
+              <a:r>
+                <a:rPr lang="pl-PL" sz="2800" dirty="0">
+                  <a:ln w="0"/>
+                  <a:effectLst>
+                    <a:outerShdw blurRad="38100" dist="19050" dir="2700000" algn="tl" rotWithShape="0">
+                      <a:schemeClr val="dk1">
+                        <a:alpha val="40000"/>
+                      </a:schemeClr>
+                    </a:outerShdw>
+                  </a:effectLst>
+                  <a:latin typeface="Calibri" panose="020F0502020204030204" pitchFamily="34" charset="0"/>
+                  <a:cs typeface="Calibri" panose="020F0502020204030204" pitchFamily="34" charset="0"/>
+                </a:rPr>
+                <a:t>PARTY_ID  (FK)</a:t>
+              </a:r>
+              <a:endParaRPr lang="pl-PL" sz="3600" dirty="0">
+                <a:ln w="0"/>
+                <a:effectLst>
+                  <a:outerShdw blurRad="38100" dist="19050" dir="2700000" algn="tl" rotWithShape="0">
+                    <a:schemeClr val="dk1">
+                      <a:alpha val="40000"/>
+                    </a:schemeClr>
+                  </a:outerShdw>
+                </a:effectLst>
+                <a:latin typeface="Calibri" panose="020F0502020204030204" pitchFamily="34" charset="0"/>
+                <a:cs typeface="Calibri" panose="020F0502020204030204" pitchFamily="34" charset="0"/>
+              </a:endParaRPr>
+            </a:p>
+          </p:txBody>
+        </p:sp>
+        <p:sp>
+          <p:nvSpPr>
+            <p:cNvPr id="17" name="Prostokąt 16">
+              <a:extLst>
+                <a:ext uri="{FF2B5EF4-FFF2-40B4-BE49-F238E27FC236}">
+                  <a16:creationId xmlns:a16="http://schemas.microsoft.com/office/drawing/2014/main" id="{CB021406-3D07-40CD-96DC-6771524908D6}"/>
+                </a:ext>
+              </a:extLst>
+            </p:cNvPr>
+            <p:cNvSpPr/>
+            <p:nvPr/>
+          </p:nvSpPr>
+          <p:spPr>
+            <a:xfrm>
+              <a:off x="4904267" y="3079860"/>
+              <a:ext cx="2371176" cy="523220"/>
+            </a:xfrm>
+            <a:prstGeom prst="rect">
+              <a:avLst/>
+            </a:prstGeom>
+            <a:noFill/>
+          </p:spPr>
+          <p:txBody>
+            <a:bodyPr wrap="square" lIns="91440" tIns="45720" rIns="91440" bIns="45720">
+              <a:spAutoFit/>
+            </a:bodyPr>
+            <a:lstStyle/>
+            <a:p>
+              <a:r>
+                <a:rPr lang="pl-PL" sz="2800" dirty="0">
+                  <a:ln w="0"/>
+                  <a:effectLst>
+                    <a:outerShdw blurRad="38100" dist="19050" dir="2700000" algn="tl" rotWithShape="0">
+                      <a:schemeClr val="dk1">
+                        <a:alpha val="40000"/>
+                      </a:schemeClr>
+                    </a:outerShdw>
+                  </a:effectLst>
+                  <a:latin typeface="Calibri" panose="020F0502020204030204" pitchFamily="34" charset="0"/>
+                  <a:cs typeface="Calibri" panose="020F0502020204030204" pitchFamily="34" charset="0"/>
+                </a:rPr>
+                <a:t>INDIV_ATTR 2</a:t>
+              </a:r>
+              <a:endParaRPr lang="pl-PL" sz="3600" dirty="0">
+                <a:ln w="0"/>
+                <a:effectLst>
+                  <a:outerShdw blurRad="38100" dist="19050" dir="2700000" algn="tl" rotWithShape="0">
+                    <a:schemeClr val="dk1">
+                      <a:alpha val="40000"/>
+                    </a:schemeClr>
+                  </a:outerShdw>
+                </a:effectLst>
+                <a:latin typeface="Calibri" panose="020F0502020204030204" pitchFamily="34" charset="0"/>
+                <a:cs typeface="Calibri" panose="020F0502020204030204" pitchFamily="34" charset="0"/>
+              </a:endParaRPr>
+            </a:p>
+          </p:txBody>
+        </p:sp>
+        <p:sp>
+          <p:nvSpPr>
+            <p:cNvPr id="18" name="Prostokąt 17">
+              <a:extLst>
+                <a:ext uri="{FF2B5EF4-FFF2-40B4-BE49-F238E27FC236}">
+                  <a16:creationId xmlns:a16="http://schemas.microsoft.com/office/drawing/2014/main" id="{0F6306DD-6C01-4D43-94FE-87A3E32AA2AC}"/>
+                </a:ext>
+              </a:extLst>
+            </p:cNvPr>
+            <p:cNvSpPr/>
+            <p:nvPr/>
+          </p:nvSpPr>
+          <p:spPr>
+            <a:xfrm>
+              <a:off x="4904267" y="2647946"/>
+              <a:ext cx="2371176" cy="523220"/>
+            </a:xfrm>
+            <a:prstGeom prst="rect">
+              <a:avLst/>
+            </a:prstGeom>
+            <a:noFill/>
+          </p:spPr>
+          <p:txBody>
+            <a:bodyPr wrap="square" lIns="91440" tIns="45720" rIns="91440" bIns="45720">
+              <a:spAutoFit/>
+            </a:bodyPr>
+            <a:lstStyle/>
+            <a:p>
+              <a:r>
+                <a:rPr lang="pl-PL" sz="2800" dirty="0">
+                  <a:ln w="0"/>
+                  <a:effectLst>
+                    <a:outerShdw blurRad="38100" dist="19050" dir="2700000" algn="tl" rotWithShape="0">
+                      <a:schemeClr val="dk1">
+                        <a:alpha val="40000"/>
+                      </a:schemeClr>
+                    </a:outerShdw>
+                  </a:effectLst>
+                  <a:latin typeface="Calibri" panose="020F0502020204030204" pitchFamily="34" charset="0"/>
+                  <a:cs typeface="Calibri" panose="020F0502020204030204" pitchFamily="34" charset="0"/>
+                </a:rPr>
+                <a:t>INDIV_ATTR 1</a:t>
+              </a:r>
+              <a:endParaRPr lang="pl-PL" sz="3600" dirty="0">
+                <a:ln w="0"/>
+                <a:effectLst>
+                  <a:outerShdw blurRad="38100" dist="19050" dir="2700000" algn="tl" rotWithShape="0">
+                    <a:schemeClr val="dk1">
+                      <a:alpha val="40000"/>
+                    </a:schemeClr>
+                  </a:outerShdw>
+                </a:effectLst>
+                <a:latin typeface="Calibri" panose="020F0502020204030204" pitchFamily="34" charset="0"/>
+                <a:cs typeface="Calibri" panose="020F0502020204030204" pitchFamily="34" charset="0"/>
+              </a:endParaRPr>
+            </a:p>
+          </p:txBody>
+        </p:sp>
+        <p:sp>
+          <p:nvSpPr>
+            <p:cNvPr id="19" name="Prostokąt 18">
+              <a:extLst>
+                <a:ext uri="{FF2B5EF4-FFF2-40B4-BE49-F238E27FC236}">
+                  <a16:creationId xmlns:a16="http://schemas.microsoft.com/office/drawing/2014/main" id="{2ECB65D9-3D1F-42BA-9953-B53FC579F2AA}"/>
+                </a:ext>
+              </a:extLst>
+            </p:cNvPr>
+            <p:cNvSpPr/>
+            <p:nvPr/>
+          </p:nvSpPr>
+          <p:spPr>
+            <a:xfrm>
+              <a:off x="4904267" y="3506900"/>
+              <a:ext cx="2371176" cy="523220"/>
+            </a:xfrm>
+            <a:prstGeom prst="rect">
+              <a:avLst/>
+            </a:prstGeom>
+            <a:noFill/>
+          </p:spPr>
+          <p:txBody>
+            <a:bodyPr wrap="square" lIns="91440" tIns="45720" rIns="91440" bIns="45720">
+              <a:spAutoFit/>
+            </a:bodyPr>
+            <a:lstStyle/>
+            <a:p>
+              <a:r>
+                <a:rPr lang="pl-PL" sz="2800" dirty="0">
+                  <a:ln w="0"/>
+                  <a:effectLst>
+                    <a:outerShdw blurRad="38100" dist="19050" dir="2700000" algn="tl" rotWithShape="0">
+                      <a:schemeClr val="dk1">
+                        <a:alpha val="40000"/>
+                      </a:schemeClr>
+                    </a:outerShdw>
+                  </a:effectLst>
+                  <a:latin typeface="Calibri" panose="020F0502020204030204" pitchFamily="34" charset="0"/>
+                  <a:cs typeface="Calibri" panose="020F0502020204030204" pitchFamily="34" charset="0"/>
+                </a:rPr>
+                <a:t>INDIV_ATTR 3</a:t>
+              </a:r>
+              <a:endParaRPr lang="pl-PL" sz="3600" dirty="0">
+                <a:ln w="0"/>
+                <a:effectLst>
+                  <a:outerShdw blurRad="38100" dist="19050" dir="2700000" algn="tl" rotWithShape="0">
+                    <a:schemeClr val="dk1">
+                      <a:alpha val="40000"/>
+                    </a:schemeClr>
+                  </a:outerShdw>
+                </a:effectLst>
+                <a:latin typeface="Calibri" panose="020F0502020204030204" pitchFamily="34" charset="0"/>
+                <a:cs typeface="Calibri" panose="020F0502020204030204" pitchFamily="34" charset="0"/>
+              </a:endParaRPr>
+            </a:p>
+          </p:txBody>
+        </p:sp>
+      </p:grpSp>
+      <p:grpSp>
+        <p:nvGrpSpPr>
+          <p:cNvPr id="20" name="Grupa 19">
+            <a:extLst>
+              <a:ext uri="{FF2B5EF4-FFF2-40B4-BE49-F238E27FC236}">
+                <a16:creationId xmlns:a16="http://schemas.microsoft.com/office/drawing/2014/main" id="{BDF54896-5277-4800-8C0E-73CAB09DAC96}"/>
+              </a:ext>
+            </a:extLst>
+          </p:cNvPr>
+          <p:cNvGrpSpPr/>
+          <p:nvPr/>
+        </p:nvGrpSpPr>
+        <p:grpSpPr>
+          <a:xfrm>
+            <a:off x="7408928" y="2877128"/>
+            <a:ext cx="4358035" cy="3377732"/>
+            <a:chOff x="3863973" y="743694"/>
+            <a:chExt cx="4358035" cy="3377732"/>
+          </a:xfrm>
+        </p:grpSpPr>
+        <p:sp>
+          <p:nvSpPr>
+            <p:cNvPr id="21" name="Prostokąt: zaokrąglone rogi 20">
+              <a:extLst>
+                <a:ext uri="{FF2B5EF4-FFF2-40B4-BE49-F238E27FC236}">
+                  <a16:creationId xmlns:a16="http://schemas.microsoft.com/office/drawing/2014/main" id="{EA57479A-A81D-445F-88DE-2C405047B207}"/>
+                </a:ext>
+              </a:extLst>
+            </p:cNvPr>
+            <p:cNvSpPr/>
+            <p:nvPr/>
+          </p:nvSpPr>
+          <p:spPr>
+            <a:xfrm>
+              <a:off x="4810538" y="2095416"/>
+              <a:ext cx="2464905" cy="2026010"/>
+            </a:xfrm>
+            <a:prstGeom prst="roundRect">
+              <a:avLst/>
+            </a:prstGeom>
+          </p:spPr>
+          <p:style>
+            <a:lnRef idx="2">
+              <a:schemeClr val="dk1"/>
+            </a:lnRef>
+            <a:fillRef idx="1">
+              <a:schemeClr val="lt1"/>
+            </a:fillRef>
+            <a:effectRef idx="0">
+              <a:schemeClr val="dk1"/>
+            </a:effectRef>
+            <a:fontRef idx="minor">
+              <a:schemeClr val="dk1"/>
+            </a:fontRef>
+          </p:style>
+          <p:txBody>
+            <a:bodyPr rtlCol="0" anchor="ctr"/>
+            <a:lstStyle/>
+            <a:p>
+              <a:pPr algn="ctr"/>
+              <a:endParaRPr lang="pl-PL"/>
+            </a:p>
+          </p:txBody>
+        </p:sp>
+        <p:sp>
+          <p:nvSpPr>
+            <p:cNvPr id="22" name="Prostokąt 21">
+              <a:extLst>
+                <a:ext uri="{FF2B5EF4-FFF2-40B4-BE49-F238E27FC236}">
+                  <a16:creationId xmlns:a16="http://schemas.microsoft.com/office/drawing/2014/main" id="{0357C9EA-D038-45AE-9882-DF94EEA5E0E9}"/>
+                </a:ext>
+              </a:extLst>
+            </p:cNvPr>
+            <p:cNvSpPr/>
+            <p:nvPr/>
+          </p:nvSpPr>
+          <p:spPr>
+            <a:xfrm>
+              <a:off x="3863974" y="743694"/>
+              <a:ext cx="4358034" cy="707886"/>
+            </a:xfrm>
+            <a:prstGeom prst="rect">
+              <a:avLst/>
+            </a:prstGeom>
+            <a:noFill/>
+          </p:spPr>
+          <p:txBody>
+            <a:bodyPr wrap="square" lIns="91440" tIns="45720" rIns="91440" bIns="45720">
+              <a:spAutoFit/>
+            </a:bodyPr>
+            <a:lstStyle/>
+            <a:p>
+              <a:pPr algn="ctr"/>
+              <a:r>
+                <a:rPr lang="pl-PL" sz="4000" b="1" dirty="0" err="1">
+                  <a:ln w="10160">
+                    <a:solidFill>
+                      <a:schemeClr val="accent5"/>
+                    </a:solidFill>
+                    <a:prstDash val="solid"/>
+                  </a:ln>
+                  <a:solidFill>
+                    <a:srgbClr val="FFFFFF"/>
+                  </a:solidFill>
+                  <a:effectLst>
+                    <a:outerShdw blurRad="38100" dist="22860" dir="5400000" algn="tl" rotWithShape="0">
+                      <a:srgbClr val="000000">
+                        <a:alpha val="30000"/>
+                      </a:srgbClr>
+                    </a:outerShdw>
+                  </a:effectLst>
+                </a:rPr>
+                <a:t>Subtype</a:t>
+              </a:r>
+              <a:r>
+                <a:rPr lang="pl-PL" sz="4000" b="1" dirty="0">
+                  <a:ln w="10160">
+                    <a:solidFill>
+                      <a:schemeClr val="accent5"/>
+                    </a:solidFill>
+                    <a:prstDash val="solid"/>
+                  </a:ln>
+                  <a:solidFill>
+                    <a:srgbClr val="FFFFFF"/>
+                  </a:solidFill>
+                  <a:effectLst>
+                    <a:outerShdw blurRad="38100" dist="22860" dir="5400000" algn="tl" rotWithShape="0">
+                      <a:srgbClr val="000000">
+                        <a:alpha val="30000"/>
+                      </a:srgbClr>
+                    </a:outerShdw>
+                  </a:effectLst>
+                </a:rPr>
+                <a:t> </a:t>
+              </a:r>
+              <a:r>
+                <a:rPr lang="pl-PL" sz="4000" b="1" dirty="0" err="1">
+                  <a:ln w="10160">
+                    <a:solidFill>
+                      <a:schemeClr val="accent5"/>
+                    </a:solidFill>
+                    <a:prstDash val="solid"/>
+                  </a:ln>
+                  <a:solidFill>
+                    <a:srgbClr val="FFFFFF"/>
+                  </a:solidFill>
+                  <a:effectLst>
+                    <a:outerShdw blurRad="38100" dist="22860" dir="5400000" algn="tl" rotWithShape="0">
+                      <a:srgbClr val="000000">
+                        <a:alpha val="30000"/>
+                      </a:srgbClr>
+                    </a:outerShdw>
+                  </a:effectLst>
+                </a:rPr>
+                <a:t>entity</a:t>
+              </a:r>
+              <a:endParaRPr lang="pl-PL" sz="4800" b="1" cap="none" spc="0" dirty="0">
+                <a:ln w="10160">
+                  <a:solidFill>
+                    <a:schemeClr val="accent5"/>
+                  </a:solidFill>
+                  <a:prstDash val="solid"/>
+                </a:ln>
+                <a:solidFill>
+                  <a:srgbClr val="FFFFFF"/>
+                </a:solidFill>
+                <a:effectLst>
+                  <a:outerShdw blurRad="38100" dist="22860" dir="5400000" algn="tl" rotWithShape="0">
+                    <a:srgbClr val="000000">
+                      <a:alpha val="30000"/>
+                    </a:srgbClr>
+                  </a:outerShdw>
+                </a:effectLst>
+              </a:endParaRPr>
+            </a:p>
+          </p:txBody>
+        </p:sp>
+        <p:sp>
+          <p:nvSpPr>
+            <p:cNvPr id="23" name="Prostokąt 22">
+              <a:extLst>
+                <a:ext uri="{FF2B5EF4-FFF2-40B4-BE49-F238E27FC236}">
+                  <a16:creationId xmlns:a16="http://schemas.microsoft.com/office/drawing/2014/main" id="{DD3F829D-5BCA-4018-AA66-DD70E7D9ADE8}"/>
+                </a:ext>
+              </a:extLst>
+            </p:cNvPr>
+            <p:cNvSpPr/>
+            <p:nvPr/>
+          </p:nvSpPr>
+          <p:spPr>
+            <a:xfrm>
+              <a:off x="3863973" y="1387530"/>
+              <a:ext cx="4358034" cy="707886"/>
+            </a:xfrm>
+            <a:prstGeom prst="rect">
+              <a:avLst/>
+            </a:prstGeom>
+            <a:noFill/>
+          </p:spPr>
+          <p:txBody>
+            <a:bodyPr wrap="square" lIns="91440" tIns="45720" rIns="91440" bIns="45720">
+              <a:spAutoFit/>
+            </a:bodyPr>
+            <a:lstStyle/>
+            <a:p>
+              <a:pPr algn="ctr"/>
+              <a:r>
+                <a:rPr lang="pl-PL" sz="4000" b="1" cap="none" spc="0" dirty="0">
+                  <a:ln w="10160">
+                    <a:solidFill>
+                      <a:schemeClr val="accent5"/>
+                    </a:solidFill>
+                    <a:prstDash val="solid"/>
+                  </a:ln>
+                  <a:solidFill>
+                    <a:srgbClr val="FFFFFF"/>
+                  </a:solidFill>
+                  <a:effectLst>
+                    <a:outerShdw blurRad="38100" dist="22860" dir="5400000" algn="tl" rotWithShape="0">
+                      <a:srgbClr val="000000">
+                        <a:alpha val="30000"/>
+                      </a:srgbClr>
+                    </a:outerShdw>
+                  </a:effectLst>
+                </a:rPr>
+                <a:t>ORGANIZATION</a:t>
+              </a:r>
+              <a:endParaRPr lang="pl-PL" sz="4800" b="1" cap="none" spc="0" dirty="0">
+                <a:ln w="10160">
+                  <a:solidFill>
+                    <a:schemeClr val="accent5"/>
+                  </a:solidFill>
+                  <a:prstDash val="solid"/>
+                </a:ln>
+                <a:solidFill>
+                  <a:srgbClr val="FFFFFF"/>
+                </a:solidFill>
+                <a:effectLst>
+                  <a:outerShdw blurRad="38100" dist="22860" dir="5400000" algn="tl" rotWithShape="0">
+                    <a:srgbClr val="000000">
+                      <a:alpha val="30000"/>
+                    </a:srgbClr>
+                  </a:outerShdw>
+                </a:effectLst>
+              </a:endParaRPr>
+            </a:p>
+          </p:txBody>
+        </p:sp>
+        <p:sp>
+          <p:nvSpPr>
+            <p:cNvPr id="24" name="Prostokąt 23">
+              <a:extLst>
+                <a:ext uri="{FF2B5EF4-FFF2-40B4-BE49-F238E27FC236}">
+                  <a16:creationId xmlns:a16="http://schemas.microsoft.com/office/drawing/2014/main" id="{F8A951E5-A365-4642-9183-E84690EDF4BA}"/>
+                </a:ext>
+              </a:extLst>
+            </p:cNvPr>
+            <p:cNvSpPr/>
+            <p:nvPr/>
+          </p:nvSpPr>
+          <p:spPr>
+            <a:xfrm>
+              <a:off x="4904267" y="2216032"/>
+              <a:ext cx="2371176" cy="523220"/>
+            </a:xfrm>
+            <a:prstGeom prst="rect">
+              <a:avLst/>
+            </a:prstGeom>
+            <a:noFill/>
+          </p:spPr>
+          <p:txBody>
+            <a:bodyPr wrap="square" lIns="91440" tIns="45720" rIns="91440" bIns="45720">
+              <a:spAutoFit/>
+            </a:bodyPr>
+            <a:lstStyle/>
+            <a:p>
+              <a:r>
+                <a:rPr lang="pl-PL" sz="2800" dirty="0">
+                  <a:ln w="0"/>
+                  <a:effectLst>
+                    <a:outerShdw blurRad="38100" dist="19050" dir="2700000" algn="tl" rotWithShape="0">
+                      <a:schemeClr val="dk1">
+                        <a:alpha val="40000"/>
+                      </a:schemeClr>
+                    </a:outerShdw>
+                  </a:effectLst>
+                  <a:latin typeface="Calibri" panose="020F0502020204030204" pitchFamily="34" charset="0"/>
+                  <a:cs typeface="Calibri" panose="020F0502020204030204" pitchFamily="34" charset="0"/>
+                </a:rPr>
+                <a:t>PARTY_ID  (FK)</a:t>
+              </a:r>
+              <a:endParaRPr lang="pl-PL" sz="3600" dirty="0">
+                <a:ln w="0"/>
+                <a:effectLst>
+                  <a:outerShdw blurRad="38100" dist="19050" dir="2700000" algn="tl" rotWithShape="0">
+                    <a:schemeClr val="dk1">
+                      <a:alpha val="40000"/>
+                    </a:schemeClr>
+                  </a:outerShdw>
+                </a:effectLst>
+                <a:latin typeface="Calibri" panose="020F0502020204030204" pitchFamily="34" charset="0"/>
+                <a:cs typeface="Calibri" panose="020F0502020204030204" pitchFamily="34" charset="0"/>
+              </a:endParaRPr>
+            </a:p>
+          </p:txBody>
+        </p:sp>
+        <p:sp>
+          <p:nvSpPr>
+            <p:cNvPr id="25" name="Prostokąt 24">
+              <a:extLst>
+                <a:ext uri="{FF2B5EF4-FFF2-40B4-BE49-F238E27FC236}">
+                  <a16:creationId xmlns:a16="http://schemas.microsoft.com/office/drawing/2014/main" id="{194BB074-F4A8-4F4B-B02A-CAE1F99565BE}"/>
+                </a:ext>
+              </a:extLst>
+            </p:cNvPr>
+            <p:cNvSpPr/>
+            <p:nvPr/>
+          </p:nvSpPr>
+          <p:spPr>
+            <a:xfrm>
+              <a:off x="4904267" y="3079860"/>
+              <a:ext cx="2371176" cy="523220"/>
+            </a:xfrm>
+            <a:prstGeom prst="rect">
+              <a:avLst/>
+            </a:prstGeom>
+            <a:noFill/>
+          </p:spPr>
+          <p:txBody>
+            <a:bodyPr wrap="square" lIns="91440" tIns="45720" rIns="91440" bIns="45720">
+              <a:spAutoFit/>
+            </a:bodyPr>
+            <a:lstStyle/>
+            <a:p>
+              <a:r>
+                <a:rPr lang="pl-PL" sz="2800" dirty="0">
+                  <a:ln w="0"/>
+                  <a:effectLst>
+                    <a:outerShdw blurRad="38100" dist="19050" dir="2700000" algn="tl" rotWithShape="0">
+                      <a:schemeClr val="dk1">
+                        <a:alpha val="40000"/>
+                      </a:schemeClr>
+                    </a:outerShdw>
+                  </a:effectLst>
+                  <a:latin typeface="Calibri" panose="020F0502020204030204" pitchFamily="34" charset="0"/>
+                  <a:cs typeface="Calibri" panose="020F0502020204030204" pitchFamily="34" charset="0"/>
+                </a:rPr>
+                <a:t>ORG_ATTR 2</a:t>
+              </a:r>
+              <a:endParaRPr lang="pl-PL" sz="3600" dirty="0">
+                <a:ln w="0"/>
+                <a:effectLst>
+                  <a:outerShdw blurRad="38100" dist="19050" dir="2700000" algn="tl" rotWithShape="0">
+                    <a:schemeClr val="dk1">
+                      <a:alpha val="40000"/>
+                    </a:schemeClr>
+                  </a:outerShdw>
+                </a:effectLst>
+                <a:latin typeface="Calibri" panose="020F0502020204030204" pitchFamily="34" charset="0"/>
+                <a:cs typeface="Calibri" panose="020F0502020204030204" pitchFamily="34" charset="0"/>
+              </a:endParaRPr>
+            </a:p>
+          </p:txBody>
+        </p:sp>
+        <p:sp>
+          <p:nvSpPr>
+            <p:cNvPr id="26" name="Prostokąt 25">
+              <a:extLst>
+                <a:ext uri="{FF2B5EF4-FFF2-40B4-BE49-F238E27FC236}">
+                  <a16:creationId xmlns:a16="http://schemas.microsoft.com/office/drawing/2014/main" id="{16759616-A7C1-4735-8A7F-FB485FEC91A0}"/>
+                </a:ext>
+              </a:extLst>
+            </p:cNvPr>
+            <p:cNvSpPr/>
+            <p:nvPr/>
+          </p:nvSpPr>
+          <p:spPr>
+            <a:xfrm>
+              <a:off x="4904267" y="2647946"/>
+              <a:ext cx="2371176" cy="523220"/>
+            </a:xfrm>
+            <a:prstGeom prst="rect">
+              <a:avLst/>
+            </a:prstGeom>
+            <a:noFill/>
+          </p:spPr>
+          <p:txBody>
+            <a:bodyPr wrap="square" lIns="91440" tIns="45720" rIns="91440" bIns="45720">
+              <a:spAutoFit/>
+            </a:bodyPr>
+            <a:lstStyle/>
+            <a:p>
+              <a:r>
+                <a:rPr lang="pl-PL" sz="2800" dirty="0">
+                  <a:ln w="0"/>
+                  <a:effectLst>
+                    <a:outerShdw blurRad="38100" dist="19050" dir="2700000" algn="tl" rotWithShape="0">
+                      <a:schemeClr val="dk1">
+                        <a:alpha val="40000"/>
+                      </a:schemeClr>
+                    </a:outerShdw>
+                  </a:effectLst>
+                  <a:latin typeface="Calibri" panose="020F0502020204030204" pitchFamily="34" charset="0"/>
+                  <a:cs typeface="Calibri" panose="020F0502020204030204" pitchFamily="34" charset="0"/>
+                </a:rPr>
+                <a:t>ORG_ATTR 1</a:t>
+              </a:r>
+              <a:endParaRPr lang="pl-PL" sz="3600" dirty="0">
+                <a:ln w="0"/>
+                <a:effectLst>
+                  <a:outerShdw blurRad="38100" dist="19050" dir="2700000" algn="tl" rotWithShape="0">
+                    <a:schemeClr val="dk1">
+                      <a:alpha val="40000"/>
+                    </a:schemeClr>
+                  </a:outerShdw>
+                </a:effectLst>
+                <a:latin typeface="Calibri" panose="020F0502020204030204" pitchFamily="34" charset="0"/>
+                <a:cs typeface="Calibri" panose="020F0502020204030204" pitchFamily="34" charset="0"/>
+              </a:endParaRPr>
+            </a:p>
+          </p:txBody>
+        </p:sp>
+        <p:sp>
+          <p:nvSpPr>
+            <p:cNvPr id="27" name="Prostokąt 26">
+              <a:extLst>
+                <a:ext uri="{FF2B5EF4-FFF2-40B4-BE49-F238E27FC236}">
+                  <a16:creationId xmlns:a16="http://schemas.microsoft.com/office/drawing/2014/main" id="{2BC755F2-026F-4570-8516-07082339F820}"/>
+                </a:ext>
+              </a:extLst>
+            </p:cNvPr>
+            <p:cNvSpPr/>
+            <p:nvPr/>
+          </p:nvSpPr>
+          <p:spPr>
+            <a:xfrm>
+              <a:off x="4904267" y="3506900"/>
+              <a:ext cx="2371176" cy="523220"/>
+            </a:xfrm>
+            <a:prstGeom prst="rect">
+              <a:avLst/>
+            </a:prstGeom>
+            <a:noFill/>
+          </p:spPr>
+          <p:txBody>
+            <a:bodyPr wrap="square" lIns="91440" tIns="45720" rIns="91440" bIns="45720">
+              <a:spAutoFit/>
+            </a:bodyPr>
+            <a:lstStyle/>
+            <a:p>
+              <a:r>
+                <a:rPr lang="pl-PL" sz="2800" dirty="0">
+                  <a:ln w="0"/>
+                  <a:effectLst>
+                    <a:outerShdw blurRad="38100" dist="19050" dir="2700000" algn="tl" rotWithShape="0">
+                      <a:schemeClr val="dk1">
+                        <a:alpha val="40000"/>
+                      </a:schemeClr>
+                    </a:outerShdw>
+                  </a:effectLst>
+                  <a:latin typeface="Calibri" panose="020F0502020204030204" pitchFamily="34" charset="0"/>
+                  <a:cs typeface="Calibri" panose="020F0502020204030204" pitchFamily="34" charset="0"/>
+                </a:rPr>
+                <a:t>ORG_ATTR 3</a:t>
+              </a:r>
+              <a:endParaRPr lang="pl-PL" sz="3600" dirty="0">
+                <a:ln w="0"/>
+                <a:effectLst>
+                  <a:outerShdw blurRad="38100" dist="19050" dir="2700000" algn="tl" rotWithShape="0">
+                    <a:schemeClr val="dk1">
+                      <a:alpha val="40000"/>
+                    </a:schemeClr>
+                  </a:outerShdw>
+                </a:effectLst>
+                <a:latin typeface="Calibri" panose="020F0502020204030204" pitchFamily="34" charset="0"/>
+                <a:cs typeface="Calibri" panose="020F0502020204030204" pitchFamily="34" charset="0"/>
+              </a:endParaRPr>
+            </a:p>
+          </p:txBody>
+        </p:sp>
+      </p:grpSp>
+      <p:sp>
+        <p:nvSpPr>
+          <p:cNvPr id="29" name="Cięciwa 28">
+            <a:extLst>
+              <a:ext uri="{FF2B5EF4-FFF2-40B4-BE49-F238E27FC236}">
+                <a16:creationId xmlns:a16="http://schemas.microsoft.com/office/drawing/2014/main" id="{2D292655-DB93-4026-A176-F163538FB898}"/>
+              </a:ext>
+            </a:extLst>
+          </p:cNvPr>
+          <p:cNvSpPr/>
+          <p:nvPr/>
+        </p:nvSpPr>
+        <p:spPr>
+          <a:xfrm rot="5564808">
+            <a:off x="5804029" y="4320563"/>
+            <a:ext cx="556590" cy="523220"/>
+          </a:xfrm>
+          <a:prstGeom prst="chord">
+            <a:avLst>
+              <a:gd name="adj1" fmla="val 5129935"/>
+              <a:gd name="adj2" fmla="val 16200000"/>
+            </a:avLst>
+          </a:prstGeom>
+          <a:ln>
+            <a:solidFill>
+              <a:schemeClr val="tx1"/>
+            </a:solidFill>
+          </a:ln>
+        </p:spPr>
+        <p:style>
+          <a:lnRef idx="2">
+            <a:schemeClr val="accent6"/>
+          </a:lnRef>
+          <a:fillRef idx="1">
+            <a:schemeClr val="lt1"/>
+          </a:fillRef>
+          <a:effectRef idx="0">
+            <a:schemeClr val="accent6"/>
+          </a:effectRef>
+          <a:fontRef idx="minor">
+            <a:schemeClr val="dk1"/>
+          </a:fontRef>
+        </p:style>
+        <p:txBody>
+          <a:bodyPr rtlCol="0" anchor="ctr"/>
+          <a:lstStyle/>
+          <a:p>
+            <a:pPr algn="ctr"/>
+            <a:endParaRPr lang="pl-PL"/>
+          </a:p>
+        </p:txBody>
+      </p:sp>
+      <p:grpSp>
+        <p:nvGrpSpPr>
+          <p:cNvPr id="41" name="Grupa 40">
+            <a:extLst>
+              <a:ext uri="{FF2B5EF4-FFF2-40B4-BE49-F238E27FC236}">
+                <a16:creationId xmlns:a16="http://schemas.microsoft.com/office/drawing/2014/main" id="{E1F6F586-508F-43FC-94C9-4ABBDB3962DA}"/>
+              </a:ext>
+            </a:extLst>
+          </p:cNvPr>
+          <p:cNvGrpSpPr/>
+          <p:nvPr/>
+        </p:nvGrpSpPr>
+        <p:grpSpPr>
+          <a:xfrm>
+            <a:off x="5812792" y="4349466"/>
+            <a:ext cx="556153" cy="240719"/>
+            <a:chOff x="5820743" y="4349466"/>
+            <a:chExt cx="556153" cy="240719"/>
+          </a:xfrm>
+        </p:grpSpPr>
+        <p:cxnSp>
+          <p:nvCxnSpPr>
+            <p:cNvPr id="31" name="Łącznik prosty 30">
+              <a:extLst>
+                <a:ext uri="{FF2B5EF4-FFF2-40B4-BE49-F238E27FC236}">
+                  <a16:creationId xmlns:a16="http://schemas.microsoft.com/office/drawing/2014/main" id="{4E0DDB48-9197-4189-AF76-57FCA6F6DD0A}"/>
+                </a:ext>
+              </a:extLst>
+            </p:cNvPr>
+            <p:cNvCxnSpPr>
+              <a:cxnSpLocks/>
+              <a:stCxn id="29" idx="0"/>
+            </p:cNvCxnSpPr>
+            <p:nvPr/>
+          </p:nvCxnSpPr>
+          <p:spPr>
+            <a:xfrm flipV="1">
+              <a:off x="5820743" y="4349466"/>
+              <a:ext cx="397178" cy="240719"/>
+            </a:xfrm>
+            <a:prstGeom prst="line">
+              <a:avLst/>
+            </a:prstGeom>
+            <a:ln w="12700"/>
+          </p:spPr>
+          <p:style>
+            <a:lnRef idx="1">
+              <a:schemeClr val="dk1"/>
+            </a:lnRef>
+            <a:fillRef idx="0">
+              <a:schemeClr val="dk1"/>
+            </a:fillRef>
+            <a:effectRef idx="0">
+              <a:schemeClr val="dk1"/>
+            </a:effectRef>
+            <a:fontRef idx="minor">
+              <a:schemeClr val="tx1"/>
+            </a:fontRef>
+          </p:style>
+        </p:cxnSp>
+        <p:cxnSp>
+          <p:nvCxnSpPr>
+            <p:cNvPr id="33" name="Łącznik prosty 32">
+              <a:extLst>
+                <a:ext uri="{FF2B5EF4-FFF2-40B4-BE49-F238E27FC236}">
+                  <a16:creationId xmlns:a16="http://schemas.microsoft.com/office/drawing/2014/main" id="{AF2ED265-49EE-4E39-9258-F2288A1DD426}"/>
+                </a:ext>
+              </a:extLst>
+            </p:cNvPr>
+            <p:cNvCxnSpPr>
+              <a:cxnSpLocks/>
+            </p:cNvCxnSpPr>
+            <p:nvPr/>
+          </p:nvCxnSpPr>
+          <p:spPr>
+            <a:xfrm>
+              <a:off x="5939624" y="4349466"/>
+              <a:ext cx="437272" cy="232707"/>
+            </a:xfrm>
+            <a:prstGeom prst="line">
+              <a:avLst/>
+            </a:prstGeom>
+            <a:ln w="12700"/>
+          </p:spPr>
+          <p:style>
+            <a:lnRef idx="1">
+              <a:schemeClr val="dk1"/>
+            </a:lnRef>
+            <a:fillRef idx="0">
+              <a:schemeClr val="dk1"/>
+            </a:fillRef>
+            <a:effectRef idx="0">
+              <a:schemeClr val="dk1"/>
+            </a:effectRef>
+            <a:fontRef idx="minor">
+              <a:schemeClr val="tx1"/>
+            </a:fontRef>
+          </p:style>
+        </p:cxnSp>
+      </p:grpSp>
+      <p:cxnSp>
+        <p:nvCxnSpPr>
+          <p:cNvPr id="40" name="Łącznik prosty 39">
+            <a:extLst>
+              <a:ext uri="{FF2B5EF4-FFF2-40B4-BE49-F238E27FC236}">
+                <a16:creationId xmlns:a16="http://schemas.microsoft.com/office/drawing/2014/main" id="{248A0E48-D209-4751-9ED0-1B1D19F546F8}"/>
+              </a:ext>
+            </a:extLst>
+          </p:cNvPr>
+          <p:cNvCxnSpPr>
+            <a:stCxn id="3" idx="2"/>
+          </p:cNvCxnSpPr>
+          <p:nvPr/>
+        </p:nvCxnSpPr>
+        <p:spPr>
+          <a:xfrm flipH="1">
+            <a:off x="6082746" y="3776869"/>
+            <a:ext cx="1" cy="514791"/>
+          </a:xfrm>
+          <a:prstGeom prst="line">
+            <a:avLst/>
+          </a:prstGeom>
+          <a:ln w="38100">
+            <a:solidFill>
+              <a:schemeClr val="bg1"/>
+            </a:solidFill>
+          </a:ln>
+        </p:spPr>
+        <p:style>
+          <a:lnRef idx="1">
+            <a:schemeClr val="dk1"/>
+          </a:lnRef>
+          <a:fillRef idx="0">
+            <a:schemeClr val="dk1"/>
+          </a:fillRef>
+          <a:effectRef idx="0">
+            <a:schemeClr val="dk1"/>
+          </a:effectRef>
+          <a:fontRef idx="minor">
+            <a:schemeClr val="tx1"/>
+          </a:fontRef>
+        </p:style>
+      </p:cxnSp>
+      <p:cxnSp>
+        <p:nvCxnSpPr>
+          <p:cNvPr id="42" name="Łącznik prosty 41">
+            <a:extLst>
+              <a:ext uri="{FF2B5EF4-FFF2-40B4-BE49-F238E27FC236}">
+                <a16:creationId xmlns:a16="http://schemas.microsoft.com/office/drawing/2014/main" id="{5079955B-DFF6-4692-B34F-0C387F2F19C9}"/>
+              </a:ext>
+            </a:extLst>
+          </p:cNvPr>
+          <p:cNvCxnSpPr>
+            <a:cxnSpLocks/>
+          </p:cNvCxnSpPr>
+          <p:nvPr/>
+        </p:nvCxnSpPr>
+        <p:spPr>
+          <a:xfrm>
+            <a:off x="6356970" y="4570271"/>
+            <a:ext cx="1998523" cy="0"/>
+          </a:xfrm>
+          <a:prstGeom prst="line">
+            <a:avLst/>
+          </a:prstGeom>
+          <a:ln w="38100">
+            <a:solidFill>
+              <a:schemeClr val="bg1"/>
+            </a:solidFill>
+          </a:ln>
+        </p:spPr>
+        <p:style>
+          <a:lnRef idx="1">
+            <a:schemeClr val="dk1"/>
+          </a:lnRef>
+          <a:fillRef idx="0">
+            <a:schemeClr val="dk1"/>
+          </a:fillRef>
+          <a:effectRef idx="0">
+            <a:schemeClr val="dk1"/>
+          </a:effectRef>
+          <a:fontRef idx="minor">
+            <a:schemeClr val="tx1"/>
+          </a:fontRef>
+        </p:style>
+      </p:cxnSp>
+      <p:cxnSp>
+        <p:nvCxnSpPr>
+          <p:cNvPr id="45" name="Łącznik prosty 44">
+            <a:extLst>
+              <a:ext uri="{FF2B5EF4-FFF2-40B4-BE49-F238E27FC236}">
+                <a16:creationId xmlns:a16="http://schemas.microsoft.com/office/drawing/2014/main" id="{D7F8C3EE-3B14-4B0D-837D-EA6AC52E5F3D}"/>
+              </a:ext>
+            </a:extLst>
+          </p:cNvPr>
+          <p:cNvCxnSpPr>
+            <a:cxnSpLocks/>
+          </p:cNvCxnSpPr>
+          <p:nvPr/>
+        </p:nvCxnSpPr>
+        <p:spPr>
+          <a:xfrm>
+            <a:off x="3804166" y="4561916"/>
+            <a:ext cx="1998523" cy="0"/>
+          </a:xfrm>
+          <a:prstGeom prst="line">
+            <a:avLst/>
+          </a:prstGeom>
+          <a:ln w="38100">
+            <a:solidFill>
+              <a:schemeClr val="bg1"/>
+            </a:solidFill>
+          </a:ln>
+        </p:spPr>
+        <p:style>
+          <a:lnRef idx="1">
+            <a:schemeClr val="dk1"/>
+          </a:lnRef>
+          <a:fillRef idx="0">
+            <a:schemeClr val="dk1"/>
+          </a:fillRef>
+          <a:effectRef idx="0">
+            <a:schemeClr val="dk1"/>
+          </a:effectRef>
+          <a:fontRef idx="minor">
+            <a:schemeClr val="tx1"/>
+          </a:fontRef>
+        </p:style>
+      </p:cxnSp>
+    </p:spTree>
+    <p:extLst>
+      <p:ext uri="{BB962C8B-B14F-4D97-AF65-F5344CB8AC3E}">
+        <p14:creationId xmlns:p14="http://schemas.microsoft.com/office/powerpoint/2010/main" val="1703100153"/>
+      </p:ext>
+    </p:extLst>
+  </p:cSld>
+  <p:clrMapOvr>
+    <a:masterClrMapping/>
+  </p:clrMapOvr>
+</p:sld>
+</file>
+
+<file path=ppt/slides/slide3.xml><?xml version="1.0" encoding="utf-8"?>
+<p:sld xmlns:a="http://schemas.openxmlformats.org/drawingml/2006/main" xmlns:r="http://schemas.openxmlformats.org/officeDocument/2006/relationships" xmlns:p="http://schemas.openxmlformats.org/presentationml/2006/main">
+  <p:cSld>
+    <p:bg>
+      <p:bgPr>
+        <a:gradFill>
+          <a:gsLst>
+            <a:gs pos="54000">
+              <a:srgbClr val="07A1D7"/>
+            </a:gs>
+            <a:gs pos="100000">
+              <a:srgbClr val="11CFD9"/>
+            </a:gs>
+          </a:gsLst>
+          <a:lin ang="5400000" scaled="1"/>
+        </a:gradFill>
+        <a:effectLst/>
+      </p:bgPr>
+    </p:bg>
+    <p:spTree>
+      <p:nvGrpSpPr>
+        <p:cNvPr id="1" name=""/>
+        <p:cNvGrpSpPr/>
+        <p:nvPr/>
+      </p:nvGrpSpPr>
+      <p:grpSpPr>
+        <a:xfrm>
+          <a:off x="0" y="0"/>
+          <a:ext cx="0" cy="0"/>
+          <a:chOff x="0" y="0"/>
+          <a:chExt cx="0" cy="0"/>
+        </a:xfrm>
+      </p:grpSpPr>
+      <p:pic>
+        <p:nvPicPr>
+          <p:cNvPr id="5" name="Obraz 4">
+            <a:extLst>
+              <a:ext uri="{FF2B5EF4-FFF2-40B4-BE49-F238E27FC236}">
+                <a16:creationId xmlns:a16="http://schemas.microsoft.com/office/drawing/2014/main" id="{FA2B5562-A690-428E-8278-450D1EECD2E4}"/>
+              </a:ext>
+            </a:extLst>
+          </p:cNvPr>
+          <p:cNvPicPr>
+            <a:picLocks noChangeAspect="1"/>
+          </p:cNvPicPr>
+          <p:nvPr/>
+        </p:nvPicPr>
+        <p:blipFill>
+          <a:blip r:embed="rId3">
+            <a:extLst>
+              <a:ext uri="{28A0092B-C50C-407E-A947-70E740481C1C}">
+                <a14:useLocalDpi xmlns:a14="http://schemas.microsoft.com/office/drawing/2010/main" val="0"/>
+              </a:ext>
+            </a:extLst>
+          </a:blip>
+          <a:stretch>
+            <a:fillRect/>
+          </a:stretch>
+        </p:blipFill>
+        <p:spPr>
+          <a:xfrm>
+            <a:off x="153944" y="139485"/>
+            <a:ext cx="2471463" cy="1425844"/>
+          </a:xfrm>
+          <a:prstGeom prst="rect">
+            <a:avLst/>
+          </a:prstGeom>
+        </p:spPr>
+      </p:pic>
       <p:pic>
         <p:nvPicPr>
           <p:cNvPr id="10" name="Grafika 9" descr="Strzałka — lekkie zakrzywienie">
@@ -15315,7 +18086,7 @@
 </p:sld>
 </file>
 
-<file path=ppt/slides/slide3.xml><?xml version="1.0" encoding="utf-8"?>
+<file path=ppt/slides/slide4.xml><?xml version="1.0" encoding="utf-8"?>
 <p:sld xmlns:a="http://schemas.openxmlformats.org/drawingml/2006/main" xmlns:r="http://schemas.openxmlformats.org/officeDocument/2006/relationships" xmlns:p="http://schemas.openxmlformats.org/presentationml/2006/main">
   <p:cSld>
     <p:bg>
@@ -15773,7 +18544,7 @@
 </p:sld>
 </file>
 
-<file path=ppt/slides/slide4.xml><?xml version="1.0" encoding="utf-8"?>
+<file path=ppt/slides/slide5.xml><?xml version="1.0" encoding="utf-8"?>
 <p:sld xmlns:a="http://schemas.openxmlformats.org/drawingml/2006/main" xmlns:r="http://schemas.openxmlformats.org/officeDocument/2006/relationships" xmlns:p="http://schemas.openxmlformats.org/presentationml/2006/main">
   <p:cSld>
     <p:bg>
@@ -17358,7 +20129,7 @@
 </p:sld>
 </file>
 
-<file path=ppt/slides/slide5.xml><?xml version="1.0" encoding="utf-8"?>
+<file path=ppt/slides/slide6.xml><?xml version="1.0" encoding="utf-8"?>
 <p:sld xmlns:a="http://schemas.openxmlformats.org/drawingml/2006/main" xmlns:r="http://schemas.openxmlformats.org/officeDocument/2006/relationships" xmlns:p="http://schemas.openxmlformats.org/presentationml/2006/main">
   <p:cSld>
     <p:bg>
@@ -18506,7 +21277,7 @@
 </p:sld>
 </file>
 
-<file path=ppt/slides/slide6.xml><?xml version="1.0" encoding="utf-8"?>
+<file path=ppt/slides/slide7.xml><?xml version="1.0" encoding="utf-8"?>
 <p:sld xmlns:a="http://schemas.openxmlformats.org/drawingml/2006/main" xmlns:r="http://schemas.openxmlformats.org/officeDocument/2006/relationships" xmlns:p="http://schemas.openxmlformats.org/presentationml/2006/main">
   <p:cSld>
     <p:bg>
@@ -24870,7 +27641,7 @@
 </p:sld>
 </file>
 
-<file path=ppt/slides/slide7.xml><?xml version="1.0" encoding="utf-8"?>
+<file path=ppt/slides/slide8.xml><?xml version="1.0" encoding="utf-8"?>
 <p:sld xmlns:a="http://schemas.openxmlformats.org/drawingml/2006/main" xmlns:r="http://schemas.openxmlformats.org/officeDocument/2006/relationships" xmlns:p="http://schemas.openxmlformats.org/presentationml/2006/main">
   <p:cSld>
     <p:bg>
@@ -25580,7 +28351,7 @@
 </p:sld>
 </file>
 
-<file path=ppt/slides/slide8.xml><?xml version="1.0" encoding="utf-8"?>
+<file path=ppt/slides/slide9.xml><?xml version="1.0" encoding="utf-8"?>
 <p:sld xmlns:a="http://schemas.openxmlformats.org/drawingml/2006/main" xmlns:r="http://schemas.openxmlformats.org/officeDocument/2006/relationships" xmlns:p="http://schemas.openxmlformats.org/presentationml/2006/main">
   <p:cSld>
     <p:bg>
@@ -27549,759 +30320,6 @@
 </p:sld>
 </file>
 
-<file path=ppt/slides/slide9.xml><?xml version="1.0" encoding="utf-8"?>
-<p:sld xmlns:a="http://schemas.openxmlformats.org/drawingml/2006/main" xmlns:r="http://schemas.openxmlformats.org/officeDocument/2006/relationships" xmlns:p="http://schemas.openxmlformats.org/presentationml/2006/main">
-  <p:cSld>
-    <p:bg>
-      <p:bgPr>
-        <a:gradFill>
-          <a:gsLst>
-            <a:gs pos="54000">
-              <a:srgbClr val="07A1D7"/>
-            </a:gs>
-            <a:gs pos="100000">
-              <a:srgbClr val="11CFD9"/>
-            </a:gs>
-          </a:gsLst>
-          <a:lin ang="5400000" scaled="1"/>
-        </a:gradFill>
-        <a:effectLst/>
-      </p:bgPr>
-    </p:bg>
-    <p:spTree>
-      <p:nvGrpSpPr>
-        <p:cNvPr id="1" name=""/>
-        <p:cNvGrpSpPr/>
-        <p:nvPr/>
-      </p:nvGrpSpPr>
-      <p:grpSpPr>
-        <a:xfrm>
-          <a:off x="0" y="0"/>
-          <a:ext cx="0" cy="0"/>
-          <a:chOff x="0" y="0"/>
-          <a:chExt cx="0" cy="0"/>
-        </a:xfrm>
-      </p:grpSpPr>
-      <p:pic>
-        <p:nvPicPr>
-          <p:cNvPr id="5" name="Obraz 4">
-            <a:extLst>
-              <a:ext uri="{FF2B5EF4-FFF2-40B4-BE49-F238E27FC236}">
-                <a16:creationId xmlns:a16="http://schemas.microsoft.com/office/drawing/2014/main" id="{FA2B5562-A690-428E-8278-450D1EECD2E4}"/>
-              </a:ext>
-            </a:extLst>
-          </p:cNvPr>
-          <p:cNvPicPr>
-            <a:picLocks noChangeAspect="1"/>
-          </p:cNvPicPr>
-          <p:nvPr/>
-        </p:nvPicPr>
-        <p:blipFill>
-          <a:blip r:embed="rId3">
-            <a:extLst>
-              <a:ext uri="{28A0092B-C50C-407E-A947-70E740481C1C}">
-                <a14:useLocalDpi xmlns:a14="http://schemas.microsoft.com/office/drawing/2010/main" val="0"/>
-              </a:ext>
-            </a:extLst>
-          </a:blip>
-          <a:stretch>
-            <a:fillRect/>
-          </a:stretch>
-        </p:blipFill>
-        <p:spPr>
-          <a:xfrm>
-            <a:off x="153944" y="139485"/>
-            <a:ext cx="2471463" cy="1425844"/>
-          </a:xfrm>
-          <a:prstGeom prst="rect">
-            <a:avLst/>
-          </a:prstGeom>
-        </p:spPr>
-      </p:pic>
-      <p:pic>
-        <p:nvPicPr>
-          <p:cNvPr id="10" name="Grafika 9" descr="Uścisk dłoni">
-            <a:extLst>
-              <a:ext uri="{FF2B5EF4-FFF2-40B4-BE49-F238E27FC236}">
-                <a16:creationId xmlns:a16="http://schemas.microsoft.com/office/drawing/2014/main" id="{43E8A39C-E342-4A1A-895D-358E46B367B1}"/>
-              </a:ext>
-            </a:extLst>
-          </p:cNvPr>
-          <p:cNvPicPr>
-            <a:picLocks noChangeAspect="1"/>
-          </p:cNvPicPr>
-          <p:nvPr/>
-        </p:nvPicPr>
-        <p:blipFill>
-          <a:blip r:embed="rId4">
-            <a:extLst>
-              <a:ext uri="{28A0092B-C50C-407E-A947-70E740481C1C}">
-                <a14:useLocalDpi xmlns:a14="http://schemas.microsoft.com/office/drawing/2010/main" val="0"/>
-              </a:ext>
-              <a:ext uri="{96DAC541-7B7A-43D3-8B79-37D633B846F1}">
-                <asvg:svgBlip xmlns:asvg="http://schemas.microsoft.com/office/drawing/2016/SVG/main" r:embed="rId5"/>
-              </a:ext>
-            </a:extLst>
-          </a:blip>
-          <a:stretch>
-            <a:fillRect/>
-          </a:stretch>
-        </p:blipFill>
-        <p:spPr>
-          <a:xfrm>
-            <a:off x="3805085" y="700299"/>
-            <a:ext cx="5134070" cy="5134070"/>
-          </a:xfrm>
-          <a:prstGeom prst="rect">
-            <a:avLst/>
-          </a:prstGeom>
-        </p:spPr>
-      </p:pic>
-      <p:grpSp>
-        <p:nvGrpSpPr>
-          <p:cNvPr id="16" name="Grupa 15">
-            <a:extLst>
-              <a:ext uri="{FF2B5EF4-FFF2-40B4-BE49-F238E27FC236}">
-                <a16:creationId xmlns:a16="http://schemas.microsoft.com/office/drawing/2014/main" id="{B79AE4CA-E867-44F2-9070-7D48A6C6EBD5}"/>
-              </a:ext>
-            </a:extLst>
-          </p:cNvPr>
-          <p:cNvGrpSpPr/>
-          <p:nvPr/>
-        </p:nvGrpSpPr>
-        <p:grpSpPr>
-          <a:xfrm>
-            <a:off x="8959242" y="3070653"/>
-            <a:ext cx="2941986" cy="2240648"/>
-            <a:chOff x="9315357" y="2584728"/>
-            <a:chExt cx="2941986" cy="2240648"/>
-          </a:xfrm>
-        </p:grpSpPr>
-        <p:pic>
-          <p:nvPicPr>
-            <p:cNvPr id="12" name="Grafika 11" descr="Pracownik biurowy">
-              <a:extLst>
-                <a:ext uri="{FF2B5EF4-FFF2-40B4-BE49-F238E27FC236}">
-                  <a16:creationId xmlns:a16="http://schemas.microsoft.com/office/drawing/2014/main" id="{7FF245DF-6704-4B7A-A1D6-62E8C4A789AF}"/>
-                </a:ext>
-              </a:extLst>
-            </p:cNvPr>
-            <p:cNvPicPr>
-              <a:picLocks noChangeAspect="1"/>
-            </p:cNvPicPr>
-            <p:nvPr/>
-          </p:nvPicPr>
-          <p:blipFill>
-            <a:blip r:embed="rId6">
-              <a:extLst>
-                <a:ext uri="{28A0092B-C50C-407E-A947-70E740481C1C}">
-                  <a14:useLocalDpi xmlns:a14="http://schemas.microsoft.com/office/drawing/2010/main" val="0"/>
-                </a:ext>
-                <a:ext uri="{96DAC541-7B7A-43D3-8B79-37D633B846F1}">
-                  <asvg:svgBlip xmlns:asvg="http://schemas.microsoft.com/office/drawing/2016/SVG/main" r:embed="rId7"/>
-                </a:ext>
-              </a:extLst>
-            </a:blip>
-            <a:stretch>
-              <a:fillRect/>
-            </a:stretch>
-          </p:blipFill>
-          <p:spPr>
-            <a:xfrm>
-              <a:off x="9315357" y="2584728"/>
-              <a:ext cx="1365212" cy="1365212"/>
-            </a:xfrm>
-            <a:prstGeom prst="rect">
-              <a:avLst/>
-            </a:prstGeom>
-          </p:spPr>
-        </p:pic>
-        <p:pic>
-          <p:nvPicPr>
-            <p:cNvPr id="13" name="Grafika 12" descr="Pracownik biurowy">
-              <a:extLst>
-                <a:ext uri="{FF2B5EF4-FFF2-40B4-BE49-F238E27FC236}">
-                  <a16:creationId xmlns:a16="http://schemas.microsoft.com/office/drawing/2014/main" id="{71A47239-6F38-4D6B-A727-D45C3DEB557E}"/>
-                </a:ext>
-              </a:extLst>
-            </p:cNvPr>
-            <p:cNvPicPr>
-              <a:picLocks noChangeAspect="1"/>
-            </p:cNvPicPr>
-            <p:nvPr/>
-          </p:nvPicPr>
-          <p:blipFill>
-            <a:blip r:embed="rId6">
-              <a:extLst>
-                <a:ext uri="{28A0092B-C50C-407E-A947-70E740481C1C}">
-                  <a14:useLocalDpi xmlns:a14="http://schemas.microsoft.com/office/drawing/2010/main" val="0"/>
-                </a:ext>
-                <a:ext uri="{96DAC541-7B7A-43D3-8B79-37D633B846F1}">
-                  <asvg:svgBlip xmlns:asvg="http://schemas.microsoft.com/office/drawing/2016/SVG/main" r:embed="rId7"/>
-                </a:ext>
-              </a:extLst>
-            </a:blip>
-            <a:stretch>
-              <a:fillRect/>
-            </a:stretch>
-          </p:blipFill>
-          <p:spPr>
-            <a:xfrm>
-              <a:off x="10103744" y="3460164"/>
-              <a:ext cx="1365212" cy="1365212"/>
-            </a:xfrm>
-            <a:prstGeom prst="rect">
-              <a:avLst/>
-            </a:prstGeom>
-          </p:spPr>
-        </p:pic>
-        <p:pic>
-          <p:nvPicPr>
-            <p:cNvPr id="14" name="Grafika 13" descr="Pracownik biurowy">
-              <a:extLst>
-                <a:ext uri="{FF2B5EF4-FFF2-40B4-BE49-F238E27FC236}">
-                  <a16:creationId xmlns:a16="http://schemas.microsoft.com/office/drawing/2014/main" id="{803158BE-5E55-4CE5-996A-DE4F5A66B730}"/>
-                </a:ext>
-              </a:extLst>
-            </p:cNvPr>
-            <p:cNvPicPr>
-              <a:picLocks noChangeAspect="1"/>
-            </p:cNvPicPr>
-            <p:nvPr/>
-          </p:nvPicPr>
-          <p:blipFill>
-            <a:blip r:embed="rId6">
-              <a:extLst>
-                <a:ext uri="{28A0092B-C50C-407E-A947-70E740481C1C}">
-                  <a14:useLocalDpi xmlns:a14="http://schemas.microsoft.com/office/drawing/2010/main" val="0"/>
-                </a:ext>
-                <a:ext uri="{96DAC541-7B7A-43D3-8B79-37D633B846F1}">
-                  <asvg:svgBlip xmlns:asvg="http://schemas.microsoft.com/office/drawing/2016/SVG/main" r:embed="rId7"/>
-                </a:ext>
-              </a:extLst>
-            </a:blip>
-            <a:stretch>
-              <a:fillRect/>
-            </a:stretch>
-          </p:blipFill>
-          <p:spPr>
-            <a:xfrm>
-              <a:off x="10892131" y="2900955"/>
-              <a:ext cx="1365212" cy="1365212"/>
-            </a:xfrm>
-            <a:prstGeom prst="rect">
-              <a:avLst/>
-            </a:prstGeom>
-          </p:spPr>
-        </p:pic>
-      </p:grpSp>
-      <p:grpSp>
-        <p:nvGrpSpPr>
-          <p:cNvPr id="17" name="Grupa 16">
-            <a:extLst>
-              <a:ext uri="{FF2B5EF4-FFF2-40B4-BE49-F238E27FC236}">
-                <a16:creationId xmlns:a16="http://schemas.microsoft.com/office/drawing/2014/main" id="{5375CA3A-B624-48D7-A463-FCC3F236962B}"/>
-              </a:ext>
-            </a:extLst>
-          </p:cNvPr>
-          <p:cNvGrpSpPr/>
-          <p:nvPr/>
-        </p:nvGrpSpPr>
-        <p:grpSpPr>
-          <a:xfrm>
-            <a:off x="8853461" y="3027838"/>
-            <a:ext cx="2941986" cy="2240648"/>
-            <a:chOff x="9315357" y="2584728"/>
-            <a:chExt cx="2941986" cy="2240648"/>
-          </a:xfrm>
-          <a:solidFill>
-            <a:schemeClr val="bg1"/>
-          </a:solidFill>
-        </p:grpSpPr>
-        <p:pic>
-          <p:nvPicPr>
-            <p:cNvPr id="18" name="Grafika 17" descr="Pracownik biurowy">
-              <a:extLst>
-                <a:ext uri="{FF2B5EF4-FFF2-40B4-BE49-F238E27FC236}">
-                  <a16:creationId xmlns:a16="http://schemas.microsoft.com/office/drawing/2014/main" id="{62D6BFC0-61ED-460A-952A-5366CA02274B}"/>
-                </a:ext>
-              </a:extLst>
-            </p:cNvPr>
-            <p:cNvPicPr>
-              <a:picLocks noChangeAspect="1"/>
-            </p:cNvPicPr>
-            <p:nvPr/>
-          </p:nvPicPr>
-          <p:blipFill>
-            <a:blip r:embed="rId8">
-              <a:extLst>
-                <a:ext uri="{28A0092B-C50C-407E-A947-70E740481C1C}">
-                  <a14:useLocalDpi xmlns:a14="http://schemas.microsoft.com/office/drawing/2010/main" val="0"/>
-                </a:ext>
-                <a:ext uri="{96DAC541-7B7A-43D3-8B79-37D633B846F1}">
-                  <asvg:svgBlip xmlns:asvg="http://schemas.microsoft.com/office/drawing/2016/SVG/main" r:embed="rId9"/>
-                </a:ext>
-              </a:extLst>
-            </a:blip>
-            <a:stretch>
-              <a:fillRect/>
-            </a:stretch>
-          </p:blipFill>
-          <p:spPr>
-            <a:xfrm>
-              <a:off x="9315357" y="2584728"/>
-              <a:ext cx="1365212" cy="1365212"/>
-            </a:xfrm>
-            <a:prstGeom prst="rect">
-              <a:avLst/>
-            </a:prstGeom>
-          </p:spPr>
-        </p:pic>
-        <p:pic>
-          <p:nvPicPr>
-            <p:cNvPr id="19" name="Grafika 18" descr="Pracownik biurowy">
-              <a:extLst>
-                <a:ext uri="{FF2B5EF4-FFF2-40B4-BE49-F238E27FC236}">
-                  <a16:creationId xmlns:a16="http://schemas.microsoft.com/office/drawing/2014/main" id="{F319ECBD-05AD-4FF7-AAF2-00C5983D90FE}"/>
-                </a:ext>
-              </a:extLst>
-            </p:cNvPr>
-            <p:cNvPicPr>
-              <a:picLocks noChangeAspect="1"/>
-            </p:cNvPicPr>
-            <p:nvPr/>
-          </p:nvPicPr>
-          <p:blipFill>
-            <a:blip r:embed="rId8">
-              <a:extLst>
-                <a:ext uri="{28A0092B-C50C-407E-A947-70E740481C1C}">
-                  <a14:useLocalDpi xmlns:a14="http://schemas.microsoft.com/office/drawing/2010/main" val="0"/>
-                </a:ext>
-                <a:ext uri="{96DAC541-7B7A-43D3-8B79-37D633B846F1}">
-                  <asvg:svgBlip xmlns:asvg="http://schemas.microsoft.com/office/drawing/2016/SVG/main" r:embed="rId9"/>
-                </a:ext>
-              </a:extLst>
-            </a:blip>
-            <a:stretch>
-              <a:fillRect/>
-            </a:stretch>
-          </p:blipFill>
-          <p:spPr>
-            <a:xfrm>
-              <a:off x="10103744" y="3460164"/>
-              <a:ext cx="1365212" cy="1365212"/>
-            </a:xfrm>
-            <a:prstGeom prst="rect">
-              <a:avLst/>
-            </a:prstGeom>
-          </p:spPr>
-        </p:pic>
-        <p:pic>
-          <p:nvPicPr>
-            <p:cNvPr id="20" name="Grafika 19" descr="Pracownik biurowy">
-              <a:extLst>
-                <a:ext uri="{FF2B5EF4-FFF2-40B4-BE49-F238E27FC236}">
-                  <a16:creationId xmlns:a16="http://schemas.microsoft.com/office/drawing/2014/main" id="{07285869-8BDD-4DD3-9A06-21DE9ACE8EBF}"/>
-                </a:ext>
-              </a:extLst>
-            </p:cNvPr>
-            <p:cNvPicPr>
-              <a:picLocks noChangeAspect="1"/>
-            </p:cNvPicPr>
-            <p:nvPr/>
-          </p:nvPicPr>
-          <p:blipFill>
-            <a:blip r:embed="rId8">
-              <a:extLst>
-                <a:ext uri="{28A0092B-C50C-407E-A947-70E740481C1C}">
-                  <a14:useLocalDpi xmlns:a14="http://schemas.microsoft.com/office/drawing/2010/main" val="0"/>
-                </a:ext>
-                <a:ext uri="{96DAC541-7B7A-43D3-8B79-37D633B846F1}">
-                  <asvg:svgBlip xmlns:asvg="http://schemas.microsoft.com/office/drawing/2016/SVG/main" r:embed="rId9"/>
-                </a:ext>
-              </a:extLst>
-            </a:blip>
-            <a:stretch>
-              <a:fillRect/>
-            </a:stretch>
-          </p:blipFill>
-          <p:spPr>
-            <a:xfrm>
-              <a:off x="10892131" y="2900955"/>
-              <a:ext cx="1365212" cy="1365212"/>
-            </a:xfrm>
-            <a:prstGeom prst="rect">
-              <a:avLst/>
-            </a:prstGeom>
-          </p:spPr>
-        </p:pic>
-      </p:grpSp>
-      <p:pic>
-        <p:nvPicPr>
-          <p:cNvPr id="21" name="Grafika 20" descr="Uścisk dłoni">
-            <a:extLst>
-              <a:ext uri="{FF2B5EF4-FFF2-40B4-BE49-F238E27FC236}">
-                <a16:creationId xmlns:a16="http://schemas.microsoft.com/office/drawing/2014/main" id="{8F69160B-4308-4826-94D4-890480B82D1B}"/>
-              </a:ext>
-            </a:extLst>
-          </p:cNvPr>
-          <p:cNvPicPr>
-            <a:picLocks noChangeAspect="1"/>
-          </p:cNvPicPr>
-          <p:nvPr/>
-        </p:nvPicPr>
-        <p:blipFill>
-          <a:blip r:embed="rId10">
-            <a:extLst>
-              <a:ext uri="{28A0092B-C50C-407E-A947-70E740481C1C}">
-                <a14:useLocalDpi xmlns:a14="http://schemas.microsoft.com/office/drawing/2010/main" val="0"/>
-              </a:ext>
-              <a:ext uri="{96DAC541-7B7A-43D3-8B79-37D633B846F1}">
-                <asvg:svgBlip xmlns:asvg="http://schemas.microsoft.com/office/drawing/2016/SVG/main" r:embed="rId11"/>
-              </a:ext>
-            </a:extLst>
-          </a:blip>
-          <a:stretch>
-            <a:fillRect/>
-          </a:stretch>
-        </p:blipFill>
-        <p:spPr>
-          <a:xfrm>
-            <a:off x="3784998" y="600908"/>
-            <a:ext cx="5134070" cy="5134070"/>
-          </a:xfrm>
-          <a:prstGeom prst="rect">
-            <a:avLst/>
-          </a:prstGeom>
-        </p:spPr>
-      </p:pic>
-      <p:grpSp>
-        <p:nvGrpSpPr>
-          <p:cNvPr id="2" name="Grupa 1">
-            <a:extLst>
-              <a:ext uri="{FF2B5EF4-FFF2-40B4-BE49-F238E27FC236}">
-                <a16:creationId xmlns:a16="http://schemas.microsoft.com/office/drawing/2014/main" id="{5A81BD43-8992-411B-B989-8BEA45E77262}"/>
-              </a:ext>
-            </a:extLst>
-          </p:cNvPr>
-          <p:cNvGrpSpPr/>
-          <p:nvPr/>
-        </p:nvGrpSpPr>
-        <p:grpSpPr>
-          <a:xfrm>
-            <a:off x="861707" y="2858139"/>
-            <a:ext cx="2523997" cy="2453162"/>
-            <a:chOff x="861707" y="2858139"/>
-            <a:chExt cx="2523997" cy="2453162"/>
-          </a:xfrm>
-        </p:grpSpPr>
-        <p:grpSp>
-          <p:nvGrpSpPr>
-            <p:cNvPr id="15" name="Grupa 14">
-              <a:extLst>
-                <a:ext uri="{FF2B5EF4-FFF2-40B4-BE49-F238E27FC236}">
-                  <a16:creationId xmlns:a16="http://schemas.microsoft.com/office/drawing/2014/main" id="{E6368EE1-4515-432C-8043-AAA31E47CD19}"/>
-                </a:ext>
-              </a:extLst>
-            </p:cNvPr>
-            <p:cNvGrpSpPr/>
-            <p:nvPr/>
-          </p:nvGrpSpPr>
-          <p:grpSpPr>
-            <a:xfrm>
-              <a:off x="882424" y="2974238"/>
-              <a:ext cx="2503280" cy="2337063"/>
-              <a:chOff x="901148" y="2166492"/>
-              <a:chExt cx="2503280" cy="2337063"/>
-            </a:xfrm>
-          </p:grpSpPr>
-          <p:pic>
-            <p:nvPicPr>
-              <p:cNvPr id="3" name="Grafika 2" descr="Koła zębate">
-                <a:extLst>
-                  <a:ext uri="{FF2B5EF4-FFF2-40B4-BE49-F238E27FC236}">
-                    <a16:creationId xmlns:a16="http://schemas.microsoft.com/office/drawing/2014/main" id="{94B09A1F-458C-46E9-B416-502D546E35C4}"/>
-                  </a:ext>
-                </a:extLst>
-              </p:cNvPr>
-              <p:cNvPicPr>
-                <a:picLocks noChangeAspect="1"/>
-              </p:cNvPicPr>
-              <p:nvPr/>
-            </p:nvPicPr>
-            <p:blipFill>
-              <a:blip r:embed="rId12">
-                <a:extLst>
-                  <a:ext uri="{28A0092B-C50C-407E-A947-70E740481C1C}">
-                    <a14:useLocalDpi xmlns:a14="http://schemas.microsoft.com/office/drawing/2010/main" val="0"/>
-                  </a:ext>
-                  <a:ext uri="{96DAC541-7B7A-43D3-8B79-37D633B846F1}">
-                    <asvg:svgBlip xmlns:asvg="http://schemas.microsoft.com/office/drawing/2016/SVG/main" r:embed="rId13"/>
-                  </a:ext>
-                </a:extLst>
-              </a:blip>
-              <a:stretch>
-                <a:fillRect/>
-              </a:stretch>
-            </p:blipFill>
-            <p:spPr>
-              <a:xfrm>
-                <a:off x="1846386" y="2945513"/>
-                <a:ext cx="1558042" cy="1558042"/>
-              </a:xfrm>
-              <a:prstGeom prst="rect">
-                <a:avLst/>
-              </a:prstGeom>
-            </p:spPr>
-          </p:pic>
-          <p:pic>
-            <p:nvPicPr>
-              <p:cNvPr id="6" name="Grafika 5" descr="Pojedyncze koło zębate">
-                <a:extLst>
-                  <a:ext uri="{FF2B5EF4-FFF2-40B4-BE49-F238E27FC236}">
-                    <a16:creationId xmlns:a16="http://schemas.microsoft.com/office/drawing/2014/main" id="{C5809225-676D-43FD-ACA7-F35351E42C82}"/>
-                  </a:ext>
-                </a:extLst>
-              </p:cNvPr>
-              <p:cNvPicPr>
-                <a:picLocks noChangeAspect="1"/>
-              </p:cNvPicPr>
-              <p:nvPr/>
-            </p:nvPicPr>
-            <p:blipFill>
-              <a:blip r:embed="rId14">
-                <a:extLst>
-                  <a:ext uri="{28A0092B-C50C-407E-A947-70E740481C1C}">
-                    <a14:useLocalDpi xmlns:a14="http://schemas.microsoft.com/office/drawing/2010/main" val="0"/>
-                  </a:ext>
-                  <a:ext uri="{96DAC541-7B7A-43D3-8B79-37D633B846F1}">
-                    <asvg:svgBlip xmlns:asvg="http://schemas.microsoft.com/office/drawing/2016/SVG/main" r:embed="rId15"/>
-                  </a:ext>
-                </a:extLst>
-              </a:blip>
-              <a:stretch>
-                <a:fillRect/>
-              </a:stretch>
-            </p:blipFill>
-            <p:spPr>
-              <a:xfrm>
-                <a:off x="901148" y="2166492"/>
-                <a:ext cx="1558042" cy="1558042"/>
-              </a:xfrm>
-              <a:prstGeom prst="rect">
-                <a:avLst/>
-              </a:prstGeom>
-            </p:spPr>
-          </p:pic>
-        </p:grpSp>
-        <p:grpSp>
-          <p:nvGrpSpPr>
-            <p:cNvPr id="22" name="Grupa 21">
-              <a:extLst>
-                <a:ext uri="{FF2B5EF4-FFF2-40B4-BE49-F238E27FC236}">
-                  <a16:creationId xmlns:a16="http://schemas.microsoft.com/office/drawing/2014/main" id="{1FA60A96-DD3B-4249-A8FD-06889D1000F7}"/>
-                </a:ext>
-              </a:extLst>
-            </p:cNvPr>
-            <p:cNvGrpSpPr/>
-            <p:nvPr/>
-          </p:nvGrpSpPr>
-          <p:grpSpPr>
-            <a:xfrm>
-              <a:off x="861707" y="2858139"/>
-              <a:ext cx="2503280" cy="2337063"/>
-              <a:chOff x="901148" y="2166492"/>
-              <a:chExt cx="2503280" cy="2337063"/>
-            </a:xfrm>
-            <a:solidFill>
-              <a:schemeClr val="bg1"/>
-            </a:solidFill>
-          </p:grpSpPr>
-          <p:pic>
-            <p:nvPicPr>
-              <p:cNvPr id="23" name="Grafika 22" descr="Koła zębate">
-                <a:extLst>
-                  <a:ext uri="{FF2B5EF4-FFF2-40B4-BE49-F238E27FC236}">
-                    <a16:creationId xmlns:a16="http://schemas.microsoft.com/office/drawing/2014/main" id="{F7D551CB-0B57-4934-9549-B11C5DFA865F}"/>
-                  </a:ext>
-                </a:extLst>
-              </p:cNvPr>
-              <p:cNvPicPr>
-                <a:picLocks noChangeAspect="1"/>
-              </p:cNvPicPr>
-              <p:nvPr/>
-            </p:nvPicPr>
-            <p:blipFill>
-              <a:blip r:embed="rId16">
-                <a:extLst>
-                  <a:ext uri="{28A0092B-C50C-407E-A947-70E740481C1C}">
-                    <a14:useLocalDpi xmlns:a14="http://schemas.microsoft.com/office/drawing/2010/main" val="0"/>
-                  </a:ext>
-                  <a:ext uri="{96DAC541-7B7A-43D3-8B79-37D633B846F1}">
-                    <asvg:svgBlip xmlns:asvg="http://schemas.microsoft.com/office/drawing/2016/SVG/main" r:embed="rId17"/>
-                  </a:ext>
-                </a:extLst>
-              </a:blip>
-              <a:stretch>
-                <a:fillRect/>
-              </a:stretch>
-            </p:blipFill>
-            <p:spPr>
-              <a:xfrm>
-                <a:off x="1846386" y="2945513"/>
-                <a:ext cx="1558042" cy="1558042"/>
-              </a:xfrm>
-              <a:prstGeom prst="rect">
-                <a:avLst/>
-              </a:prstGeom>
-            </p:spPr>
-          </p:pic>
-          <p:pic>
-            <p:nvPicPr>
-              <p:cNvPr id="24" name="Grafika 23" descr="Pojedyncze koło zębate">
-                <a:extLst>
-                  <a:ext uri="{FF2B5EF4-FFF2-40B4-BE49-F238E27FC236}">
-                    <a16:creationId xmlns:a16="http://schemas.microsoft.com/office/drawing/2014/main" id="{5AB7828F-3C3D-4C2E-9258-4BE0996DA181}"/>
-                  </a:ext>
-                </a:extLst>
-              </p:cNvPr>
-              <p:cNvPicPr>
-                <a:picLocks noChangeAspect="1"/>
-              </p:cNvPicPr>
-              <p:nvPr/>
-            </p:nvPicPr>
-            <p:blipFill>
-              <a:blip r:embed="rId18">
-                <a:extLst>
-                  <a:ext uri="{28A0092B-C50C-407E-A947-70E740481C1C}">
-                    <a14:useLocalDpi xmlns:a14="http://schemas.microsoft.com/office/drawing/2010/main" val="0"/>
-                  </a:ext>
-                  <a:ext uri="{96DAC541-7B7A-43D3-8B79-37D633B846F1}">
-                    <asvg:svgBlip xmlns:asvg="http://schemas.microsoft.com/office/drawing/2016/SVG/main" r:embed="rId19"/>
-                  </a:ext>
-                </a:extLst>
-              </a:blip>
-              <a:stretch>
-                <a:fillRect/>
-              </a:stretch>
-            </p:blipFill>
-            <p:spPr>
-              <a:xfrm>
-                <a:off x="901148" y="2166492"/>
-                <a:ext cx="1558042" cy="1558042"/>
-              </a:xfrm>
-              <a:prstGeom prst="rect">
-                <a:avLst/>
-              </a:prstGeom>
-            </p:spPr>
-          </p:pic>
-        </p:grpSp>
-      </p:grpSp>
-      <p:sp>
-        <p:nvSpPr>
-          <p:cNvPr id="25" name="Prostokąt 24">
-            <a:extLst>
-              <a:ext uri="{FF2B5EF4-FFF2-40B4-BE49-F238E27FC236}">
-                <a16:creationId xmlns:a16="http://schemas.microsoft.com/office/drawing/2014/main" id="{7552D539-ACA4-436B-B2ED-44A4CAA474F2}"/>
-              </a:ext>
-            </a:extLst>
-          </p:cNvPr>
-          <p:cNvSpPr/>
-          <p:nvPr/>
-        </p:nvSpPr>
-        <p:spPr>
-          <a:xfrm>
-            <a:off x="4909620" y="4752092"/>
-            <a:ext cx="2925000" cy="1754326"/>
-          </a:xfrm>
-          <a:prstGeom prst="rect">
-            <a:avLst/>
-          </a:prstGeom>
-          <a:noFill/>
-        </p:spPr>
-        <p:txBody>
-          <a:bodyPr wrap="square" lIns="91440" tIns="45720" rIns="91440" bIns="45720">
-            <a:spAutoFit/>
-          </a:bodyPr>
-          <a:lstStyle/>
-          <a:p>
-            <a:pPr algn="ctr"/>
-            <a:r>
-              <a:rPr lang="pl-PL" sz="5400" b="1" dirty="0">
-                <a:ln w="10160">
-                  <a:solidFill>
-                    <a:schemeClr val="accent5"/>
-                  </a:solidFill>
-                  <a:prstDash val="solid"/>
-                </a:ln>
-                <a:solidFill>
-                  <a:srgbClr val="FFFFFF"/>
-                </a:solidFill>
-                <a:effectLst>
-                  <a:outerShdw blurRad="38100" dist="22860" dir="5400000" algn="tl" rotWithShape="0">
-                    <a:srgbClr val="000000">
-                      <a:alpha val="30000"/>
-                    </a:srgbClr>
-                  </a:outerShdw>
-                </a:effectLst>
-              </a:rPr>
-              <a:t>Business </a:t>
-            </a:r>
-            <a:r>
-              <a:rPr lang="pl-PL" sz="5400" b="1" dirty="0" err="1">
-                <a:ln w="10160">
-                  <a:solidFill>
-                    <a:schemeClr val="accent5"/>
-                  </a:solidFill>
-                  <a:prstDash val="solid"/>
-                </a:ln>
-                <a:solidFill>
-                  <a:srgbClr val="FFFFFF"/>
-                </a:solidFill>
-                <a:effectLst>
-                  <a:outerShdw blurRad="38100" dist="22860" dir="5400000" algn="tl" rotWithShape="0">
-                    <a:srgbClr val="000000">
-                      <a:alpha val="30000"/>
-                    </a:srgbClr>
-                  </a:outerShdw>
-                </a:effectLst>
-              </a:rPr>
-              <a:t>first</a:t>
-            </a:r>
-            <a:endParaRPr lang="pl-PL" sz="5400" b="1" cap="none" spc="0" dirty="0">
-              <a:ln w="10160">
-                <a:solidFill>
-                  <a:schemeClr val="accent5"/>
-                </a:solidFill>
-                <a:prstDash val="solid"/>
-              </a:ln>
-              <a:solidFill>
-                <a:srgbClr val="FFFFFF"/>
-              </a:solidFill>
-              <a:effectLst>
-                <a:outerShdw blurRad="38100" dist="22860" dir="5400000" algn="tl" rotWithShape="0">
-                  <a:srgbClr val="000000">
-                    <a:alpha val="30000"/>
-                  </a:srgbClr>
-                </a:outerShdw>
-              </a:effectLst>
-            </a:endParaRPr>
-          </a:p>
-        </p:txBody>
-      </p:sp>
-    </p:spTree>
-    <p:extLst>
-      <p:ext uri="{BB962C8B-B14F-4D97-AF65-F5344CB8AC3E}">
-        <p14:creationId xmlns:p14="http://schemas.microsoft.com/office/powerpoint/2010/main" val="2630656502"/>
-      </p:ext>
-    </p:extLst>
-  </p:cSld>
-  <p:clrMapOvr>
-    <a:masterClrMapping/>
-  </p:clrMapOvr>
-</p:sld>
-</file>
-
 <file path=ppt/theme/theme1.xml><?xml version="1.0" encoding="utf-8"?>
 <a:theme xmlns:a="http://schemas.openxmlformats.org/drawingml/2006/main" name="Motyw pakietu Office">
   <a:themeElements>

--- a/docs/Pictures for blog.pptx
+++ b/docs/Pictures for blog.pptx
@@ -5,24 +5,25 @@
     <p:sldMasterId id="2147483648" r:id="rId2"/>
   </p:sldMasterIdLst>
   <p:notesMasterIdLst>
-    <p:notesMasterId r:id="rId15"/>
+    <p:notesMasterId r:id="rId16"/>
   </p:notesMasterIdLst>
   <p:handoutMasterIdLst>
-    <p:handoutMasterId r:id="rId16"/>
+    <p:handoutMasterId r:id="rId17"/>
   </p:handoutMasterIdLst>
   <p:sldIdLst>
     <p:sldId id="257" r:id="rId3"/>
-    <p:sldId id="267" r:id="rId4"/>
-    <p:sldId id="266" r:id="rId5"/>
-    <p:sldId id="265" r:id="rId6"/>
-    <p:sldId id="264" r:id="rId7"/>
-    <p:sldId id="263" r:id="rId8"/>
-    <p:sldId id="262" r:id="rId9"/>
-    <p:sldId id="261" r:id="rId10"/>
-    <p:sldId id="260" r:id="rId11"/>
-    <p:sldId id="259" r:id="rId12"/>
-    <p:sldId id="258" r:id="rId13"/>
-    <p:sldId id="256" r:id="rId14"/>
+    <p:sldId id="268" r:id="rId4"/>
+    <p:sldId id="267" r:id="rId5"/>
+    <p:sldId id="266" r:id="rId6"/>
+    <p:sldId id="265" r:id="rId7"/>
+    <p:sldId id="264" r:id="rId8"/>
+    <p:sldId id="263" r:id="rId9"/>
+    <p:sldId id="262" r:id="rId10"/>
+    <p:sldId id="261" r:id="rId11"/>
+    <p:sldId id="260" r:id="rId12"/>
+    <p:sldId id="259" r:id="rId13"/>
+    <p:sldId id="258" r:id="rId14"/>
+    <p:sldId id="256" r:id="rId15"/>
   </p:sldIdLst>
   <p:sldSz cx="12192000" cy="6858000"/>
   <p:notesSz cx="6858000" cy="9144000"/>
@@ -129,10 +130,6 @@
 </p:presentation>
 </file>
 
-<file path=ppt/revisionInfo.xml><?xml version="1.0" encoding="utf-8"?>
-<p1510:revInfo xmlns:a="http://schemas.openxmlformats.org/drawingml/2006/main" xmlns:r="http://schemas.openxmlformats.org/officeDocument/2006/relationships" xmlns:p1510="http://schemas.microsoft.com/office/powerpoint/2015/10/main"/>
-</file>
-
 <file path=ppt/handoutMasters/handoutMaster1.xml><?xml version="1.0" encoding="utf-8"?>
 <p:handoutMaster xmlns:a="http://schemas.openxmlformats.org/drawingml/2006/main" xmlns:r="http://schemas.openxmlformats.org/officeDocument/2006/relationships" xmlns:p="http://schemas.openxmlformats.org/presentationml/2006/main">
   <p:cSld>
@@ -227,7 +224,7 @@
           <a:p>
             <a:fld id="{85F6B539-82EF-4B0A-81D6-A7AC15FDDE32}" type="datetimeFigureOut">
               <a:rPr lang="en-US" smtClean="0"/>
-              <a:t>10/6/2019</a:t>
+              <a:t>11/4/2019</a:t>
             </a:fld>
             <a:endParaRPr lang="en-US"/>
           </a:p>
@@ -404,7 +401,7 @@
           <a:p>
             <a:fld id="{DF849A96-36CF-49A5-9A4F-E58C3FF49857}" type="datetimeFigureOut">
               <a:rPr lang="en-US" smtClean="0"/>
-              <a:t>10/6/2019</a:t>
+              <a:t>11/4/2019</a:t>
             </a:fld>
             <a:endParaRPr lang="en-US"/>
           </a:p>
@@ -906,7 +903,7 @@
     </p:spTree>
     <p:extLst>
       <p:ext uri="{BB962C8B-B14F-4D97-AF65-F5344CB8AC3E}">
-        <p14:creationId xmlns:p14="http://schemas.microsoft.com/office/powerpoint/2010/main" val="2883995183"/>
+        <p14:creationId xmlns:p14="http://schemas.microsoft.com/office/powerpoint/2010/main" val="418226113"/>
       </p:ext>
     </p:extLst>
   </p:cSld>
@@ -1028,7 +1025,7 @@
     </p:spTree>
     <p:extLst>
       <p:ext uri="{BB962C8B-B14F-4D97-AF65-F5344CB8AC3E}">
-        <p14:creationId xmlns:p14="http://schemas.microsoft.com/office/powerpoint/2010/main" val="4199135739"/>
+        <p14:creationId xmlns:p14="http://schemas.microsoft.com/office/powerpoint/2010/main" val="2883995183"/>
       </p:ext>
     </p:extLst>
   </p:cSld>
@@ -1142,6 +1139,128 @@
             <a:fld id="{FC1513FD-C785-4211-B2B0-BF864DB9E391}" type="slidenum">
               <a:rPr lang="en-US" smtClean="0"/>
               <a:t>12</a:t>
+            </a:fld>
+            <a:endParaRPr lang="en-US"/>
+          </a:p>
+        </p:txBody>
+      </p:sp>
+    </p:spTree>
+    <p:extLst>
+      <p:ext uri="{BB962C8B-B14F-4D97-AF65-F5344CB8AC3E}">
+        <p14:creationId xmlns:p14="http://schemas.microsoft.com/office/powerpoint/2010/main" val="4199135739"/>
+      </p:ext>
+    </p:extLst>
+  </p:cSld>
+  <p:clrMapOvr>
+    <a:masterClrMapping/>
+  </p:clrMapOvr>
+</p:notes>
+</file>
+
+<file path=ppt/notesSlides/notesSlide13.xml><?xml version="1.0" encoding="utf-8"?>
+<p:notes xmlns:a="http://schemas.openxmlformats.org/drawingml/2006/main" xmlns:r="http://schemas.openxmlformats.org/officeDocument/2006/relationships" xmlns:p="http://schemas.openxmlformats.org/presentationml/2006/main">
+  <p:cSld>
+    <p:spTree>
+      <p:nvGrpSpPr>
+        <p:cNvPr id="1" name=""/>
+        <p:cNvGrpSpPr/>
+        <p:nvPr/>
+      </p:nvGrpSpPr>
+      <p:grpSpPr>
+        <a:xfrm>
+          <a:off x="0" y="0"/>
+          <a:ext cx="0" cy="0"/>
+          <a:chOff x="0" y="0"/>
+          <a:chExt cx="0" cy="0"/>
+        </a:xfrm>
+      </p:grpSpPr>
+      <p:sp>
+        <p:nvSpPr>
+          <p:cNvPr id="2" name="Slide Image Placeholder 1"/>
+          <p:cNvSpPr>
+            <a:spLocks noGrp="1" noRot="1" noChangeAspect="1"/>
+          </p:cNvSpPr>
+          <p:nvPr>
+            <p:ph type="sldImg"/>
+          </p:nvPr>
+        </p:nvSpPr>
+        <p:spPr/>
+      </p:sp>
+      <p:sp>
+        <p:nvSpPr>
+          <p:cNvPr id="3" name="Notes Placeholder 2"/>
+          <p:cNvSpPr>
+            <a:spLocks noGrp="1"/>
+          </p:cNvSpPr>
+          <p:nvPr>
+            <p:ph type="body" idx="1"/>
+          </p:nvPr>
+        </p:nvSpPr>
+        <p:spPr/>
+        <p:txBody>
+          <a:bodyPr/>
+          <a:lstStyle/>
+          <a:p>
+            <a:endParaRPr lang="en-US"/>
+          </a:p>
+        </p:txBody>
+      </p:sp>
+      <p:sp>
+        <p:nvSpPr>
+          <p:cNvPr id="4" name="Header Placeholder 3"/>
+          <p:cNvSpPr>
+            <a:spLocks noGrp="1"/>
+          </p:cNvSpPr>
+          <p:nvPr>
+            <p:ph type="hdr" sz="quarter"/>
+          </p:nvPr>
+        </p:nvSpPr>
+        <p:spPr/>
+        <p:txBody>
+          <a:bodyPr/>
+          <a:lstStyle/>
+          <a:p>
+            <a:endParaRPr lang="en-US"/>
+          </a:p>
+        </p:txBody>
+      </p:sp>
+      <p:sp>
+        <p:nvSpPr>
+          <p:cNvPr id="5" name="Footer Placeholder 4"/>
+          <p:cNvSpPr>
+            <a:spLocks noGrp="1"/>
+          </p:cNvSpPr>
+          <p:nvPr>
+            <p:ph type="ftr" sz="quarter" idx="4"/>
+          </p:nvPr>
+        </p:nvSpPr>
+        <p:spPr/>
+        <p:txBody>
+          <a:bodyPr/>
+          <a:lstStyle/>
+          <a:p>
+            <a:endParaRPr lang="en-US"/>
+          </a:p>
+        </p:txBody>
+      </p:sp>
+      <p:sp>
+        <p:nvSpPr>
+          <p:cNvPr id="6" name="Slide Number Placeholder 5"/>
+          <p:cNvSpPr>
+            <a:spLocks noGrp="1"/>
+          </p:cNvSpPr>
+          <p:nvPr>
+            <p:ph type="sldNum" sz="quarter" idx="5"/>
+          </p:nvPr>
+        </p:nvSpPr>
+        <p:spPr/>
+        <p:txBody>
+          <a:bodyPr/>
+          <a:lstStyle/>
+          <a:p>
+            <a:fld id="{FC1513FD-C785-4211-B2B0-BF864DB9E391}" type="slidenum">
+              <a:rPr lang="en-US" smtClean="0"/>
+              <a:t>13</a:t>
             </a:fld>
             <a:endParaRPr lang="en-US"/>
           </a:p>
@@ -1272,7 +1391,7 @@
     </p:spTree>
     <p:extLst>
       <p:ext uri="{BB962C8B-B14F-4D97-AF65-F5344CB8AC3E}">
-        <p14:creationId xmlns:p14="http://schemas.microsoft.com/office/powerpoint/2010/main" val="2007960236"/>
+        <p14:creationId xmlns:p14="http://schemas.microsoft.com/office/powerpoint/2010/main" val="3162043926"/>
       </p:ext>
     </p:extLst>
   </p:cSld>
@@ -1394,7 +1513,7 @@
     </p:spTree>
     <p:extLst>
       <p:ext uri="{BB962C8B-B14F-4D97-AF65-F5344CB8AC3E}">
-        <p14:creationId xmlns:p14="http://schemas.microsoft.com/office/powerpoint/2010/main" val="476866706"/>
+        <p14:creationId xmlns:p14="http://schemas.microsoft.com/office/powerpoint/2010/main" val="2007960236"/>
       </p:ext>
     </p:extLst>
   </p:cSld>
@@ -1516,7 +1635,7 @@
     </p:spTree>
     <p:extLst>
       <p:ext uri="{BB962C8B-B14F-4D97-AF65-F5344CB8AC3E}">
-        <p14:creationId xmlns:p14="http://schemas.microsoft.com/office/powerpoint/2010/main" val="2962446545"/>
+        <p14:creationId xmlns:p14="http://schemas.microsoft.com/office/powerpoint/2010/main" val="476866706"/>
       </p:ext>
     </p:extLst>
   </p:cSld>
@@ -1638,7 +1757,7 @@
     </p:spTree>
     <p:extLst>
       <p:ext uri="{BB962C8B-B14F-4D97-AF65-F5344CB8AC3E}">
-        <p14:creationId xmlns:p14="http://schemas.microsoft.com/office/powerpoint/2010/main" val="1692428442"/>
+        <p14:creationId xmlns:p14="http://schemas.microsoft.com/office/powerpoint/2010/main" val="2962446545"/>
       </p:ext>
     </p:extLst>
   </p:cSld>
@@ -1760,7 +1879,7 @@
     </p:spTree>
     <p:extLst>
       <p:ext uri="{BB962C8B-B14F-4D97-AF65-F5344CB8AC3E}">
-        <p14:creationId xmlns:p14="http://schemas.microsoft.com/office/powerpoint/2010/main" val="713017731"/>
+        <p14:creationId xmlns:p14="http://schemas.microsoft.com/office/powerpoint/2010/main" val="1692428442"/>
       </p:ext>
     </p:extLst>
   </p:cSld>
@@ -1882,7 +2001,7 @@
     </p:spTree>
     <p:extLst>
       <p:ext uri="{BB962C8B-B14F-4D97-AF65-F5344CB8AC3E}">
-        <p14:creationId xmlns:p14="http://schemas.microsoft.com/office/powerpoint/2010/main" val="1147223370"/>
+        <p14:creationId xmlns:p14="http://schemas.microsoft.com/office/powerpoint/2010/main" val="713017731"/>
       </p:ext>
     </p:extLst>
   </p:cSld>
@@ -2004,7 +2123,7 @@
     </p:spTree>
     <p:extLst>
       <p:ext uri="{BB962C8B-B14F-4D97-AF65-F5344CB8AC3E}">
-        <p14:creationId xmlns:p14="http://schemas.microsoft.com/office/powerpoint/2010/main" val="877862846"/>
+        <p14:creationId xmlns:p14="http://schemas.microsoft.com/office/powerpoint/2010/main" val="1147223370"/>
       </p:ext>
     </p:extLst>
   </p:cSld>
@@ -2126,7 +2245,7 @@
     </p:spTree>
     <p:extLst>
       <p:ext uri="{BB962C8B-B14F-4D97-AF65-F5344CB8AC3E}">
-        <p14:creationId xmlns:p14="http://schemas.microsoft.com/office/powerpoint/2010/main" val="418226113"/>
+        <p14:creationId xmlns:p14="http://schemas.microsoft.com/office/powerpoint/2010/main" val="877862846"/>
       </p:ext>
     </p:extLst>
   </p:cSld>
@@ -2283,7 +2402,7 @@
           <a:p>
             <a:fld id="{A42A12F9-EA54-49E1-A3FD-186D9B25B348}" type="datetimeFigureOut">
               <a:rPr lang="pl-PL" smtClean="0"/>
-              <a:t>06.10.2019</a:t>
+              <a:t>04.11.2019</a:t>
             </a:fld>
             <a:endParaRPr lang="pl-PL"/>
           </a:p>
@@ -2481,7 +2600,7 @@
           <a:p>
             <a:fld id="{A42A12F9-EA54-49E1-A3FD-186D9B25B348}" type="datetimeFigureOut">
               <a:rPr lang="pl-PL" smtClean="0"/>
-              <a:t>06.10.2019</a:t>
+              <a:t>04.11.2019</a:t>
             </a:fld>
             <a:endParaRPr lang="pl-PL"/>
           </a:p>
@@ -2689,7 +2808,7 @@
           <a:p>
             <a:fld id="{A42A12F9-EA54-49E1-A3FD-186D9B25B348}" type="datetimeFigureOut">
               <a:rPr lang="pl-PL" smtClean="0"/>
-              <a:t>06.10.2019</a:t>
+              <a:t>04.11.2019</a:t>
             </a:fld>
             <a:endParaRPr lang="pl-PL"/>
           </a:p>
@@ -2887,7 +3006,7 @@
           <a:p>
             <a:fld id="{A42A12F9-EA54-49E1-A3FD-186D9B25B348}" type="datetimeFigureOut">
               <a:rPr lang="pl-PL" smtClean="0"/>
-              <a:t>06.10.2019</a:t>
+              <a:t>04.11.2019</a:t>
             </a:fld>
             <a:endParaRPr lang="pl-PL"/>
           </a:p>
@@ -3162,7 +3281,7 @@
           <a:p>
             <a:fld id="{A42A12F9-EA54-49E1-A3FD-186D9B25B348}" type="datetimeFigureOut">
               <a:rPr lang="pl-PL" smtClean="0"/>
-              <a:t>06.10.2019</a:t>
+              <a:t>04.11.2019</a:t>
             </a:fld>
             <a:endParaRPr lang="pl-PL"/>
           </a:p>
@@ -3427,7 +3546,7 @@
           <a:p>
             <a:fld id="{A42A12F9-EA54-49E1-A3FD-186D9B25B348}" type="datetimeFigureOut">
               <a:rPr lang="pl-PL" smtClean="0"/>
-              <a:t>06.10.2019</a:t>
+              <a:t>04.11.2019</a:t>
             </a:fld>
             <a:endParaRPr lang="pl-PL"/>
           </a:p>
@@ -3839,7 +3958,7 @@
           <a:p>
             <a:fld id="{A42A12F9-EA54-49E1-A3FD-186D9B25B348}" type="datetimeFigureOut">
               <a:rPr lang="pl-PL" smtClean="0"/>
-              <a:t>06.10.2019</a:t>
+              <a:t>04.11.2019</a:t>
             </a:fld>
             <a:endParaRPr lang="pl-PL"/>
           </a:p>
@@ -3980,7 +4099,7 @@
           <a:p>
             <a:fld id="{A42A12F9-EA54-49E1-A3FD-186D9B25B348}" type="datetimeFigureOut">
               <a:rPr lang="pl-PL" smtClean="0"/>
-              <a:t>06.10.2019</a:t>
+              <a:t>04.11.2019</a:t>
             </a:fld>
             <a:endParaRPr lang="pl-PL"/>
           </a:p>
@@ -4093,7 +4212,7 @@
           <a:p>
             <a:fld id="{A42A12F9-EA54-49E1-A3FD-186D9B25B348}" type="datetimeFigureOut">
               <a:rPr lang="pl-PL" smtClean="0"/>
-              <a:t>06.10.2019</a:t>
+              <a:t>04.11.2019</a:t>
             </a:fld>
             <a:endParaRPr lang="pl-PL"/>
           </a:p>
@@ -4404,7 +4523,7 @@
           <a:p>
             <a:fld id="{A42A12F9-EA54-49E1-A3FD-186D9B25B348}" type="datetimeFigureOut">
               <a:rPr lang="pl-PL" smtClean="0"/>
-              <a:t>06.10.2019</a:t>
+              <a:t>04.11.2019</a:t>
             </a:fld>
             <a:endParaRPr lang="pl-PL"/>
           </a:p>
@@ -4692,7 +4811,7 @@
           <a:p>
             <a:fld id="{A42A12F9-EA54-49E1-A3FD-186D9B25B348}" type="datetimeFigureOut">
               <a:rPr lang="pl-PL" smtClean="0"/>
-              <a:t>06.10.2019</a:t>
+              <a:t>04.11.2019</a:t>
             </a:fld>
             <a:endParaRPr lang="pl-PL"/>
           </a:p>
@@ -4933,7 +5052,7 @@
           <a:p>
             <a:fld id="{A42A12F9-EA54-49E1-A3FD-186D9B25B348}" type="datetimeFigureOut">
               <a:rPr lang="pl-PL" smtClean="0"/>
-              <a:t>06.10.2019</a:t>
+              <a:t>04.11.2019</a:t>
             </a:fld>
             <a:endParaRPr lang="pl-PL"/>
           </a:p>
@@ -5484,6 +5603,1975 @@
           </a:prstGeom>
         </p:spPr>
       </p:pic>
+      <p:grpSp>
+        <p:nvGrpSpPr>
+          <p:cNvPr id="25" name="Grupa 24">
+            <a:extLst>
+              <a:ext uri="{FF2B5EF4-FFF2-40B4-BE49-F238E27FC236}">
+                <a16:creationId xmlns:a16="http://schemas.microsoft.com/office/drawing/2014/main" id="{C771E598-2B42-4372-A6E4-D00DD79C1204}"/>
+              </a:ext>
+            </a:extLst>
+          </p:cNvPr>
+          <p:cNvGrpSpPr/>
+          <p:nvPr/>
+        </p:nvGrpSpPr>
+        <p:grpSpPr>
+          <a:xfrm>
+            <a:off x="1389675" y="1061746"/>
+            <a:ext cx="8006609" cy="4548405"/>
+            <a:chOff x="819338" y="734449"/>
+            <a:chExt cx="8880091" cy="5261327"/>
+          </a:xfrm>
+        </p:grpSpPr>
+        <p:grpSp>
+          <p:nvGrpSpPr>
+            <p:cNvPr id="16" name="Grupa 15">
+              <a:extLst>
+                <a:ext uri="{FF2B5EF4-FFF2-40B4-BE49-F238E27FC236}">
+                  <a16:creationId xmlns:a16="http://schemas.microsoft.com/office/drawing/2014/main" id="{63276588-39AF-441C-B9F1-57909137CB0D}"/>
+                </a:ext>
+              </a:extLst>
+            </p:cNvPr>
+            <p:cNvGrpSpPr/>
+            <p:nvPr/>
+          </p:nvGrpSpPr>
+          <p:grpSpPr>
+            <a:xfrm>
+              <a:off x="1000359" y="852407"/>
+              <a:ext cx="8699070" cy="5143369"/>
+              <a:chOff x="881090" y="937755"/>
+              <a:chExt cx="8699070" cy="5143369"/>
+            </a:xfrm>
+            <a:solidFill>
+              <a:schemeClr val="tx1"/>
+            </a:solidFill>
+          </p:grpSpPr>
+          <p:sp>
+            <p:nvSpPr>
+              <p:cNvPr id="11" name="Strzałka: kolista 10">
+                <a:extLst>
+                  <a:ext uri="{FF2B5EF4-FFF2-40B4-BE49-F238E27FC236}">
+                    <a16:creationId xmlns:a16="http://schemas.microsoft.com/office/drawing/2014/main" id="{E7EF9396-B6F4-4E7F-A88D-ECFFBF6A6D9E}"/>
+                  </a:ext>
+                </a:extLst>
+              </p:cNvPr>
+              <p:cNvSpPr/>
+              <p:nvPr/>
+            </p:nvSpPr>
+            <p:spPr>
+              <a:xfrm rot="4232097">
+                <a:off x="4720754" y="1774172"/>
+                <a:ext cx="3989259" cy="3506544"/>
+              </a:xfrm>
+              <a:prstGeom prst="circularArrow">
+                <a:avLst>
+                  <a:gd name="adj1" fmla="val 17285"/>
+                  <a:gd name="adj2" fmla="val 817767"/>
+                  <a:gd name="adj3" fmla="val 20220068"/>
+                  <a:gd name="adj4" fmla="val 13674065"/>
+                  <a:gd name="adj5" fmla="val 13816"/>
+                </a:avLst>
+              </a:prstGeom>
+              <a:grpFill/>
+              <a:ln>
+                <a:noFill/>
+              </a:ln>
+            </p:spPr>
+            <p:style>
+              <a:lnRef idx="2">
+                <a:schemeClr val="accent6"/>
+              </a:lnRef>
+              <a:fillRef idx="1">
+                <a:schemeClr val="lt1"/>
+              </a:fillRef>
+              <a:effectRef idx="0">
+                <a:schemeClr val="accent6"/>
+              </a:effectRef>
+              <a:fontRef idx="minor">
+                <a:schemeClr val="dk1"/>
+              </a:fontRef>
+            </p:style>
+            <p:txBody>
+              <a:bodyPr rtlCol="0" anchor="ctr"/>
+              <a:lstStyle/>
+              <a:p>
+                <a:pPr algn="ctr"/>
+                <a:endParaRPr lang="pl-PL" dirty="0">
+                  <a:solidFill>
+                    <a:schemeClr val="tx1"/>
+                  </a:solidFill>
+                </a:endParaRPr>
+              </a:p>
+            </p:txBody>
+          </p:sp>
+          <p:sp>
+            <p:nvSpPr>
+              <p:cNvPr id="12" name="Strzałka: kolista 11">
+                <a:extLst>
+                  <a:ext uri="{FF2B5EF4-FFF2-40B4-BE49-F238E27FC236}">
+                    <a16:creationId xmlns:a16="http://schemas.microsoft.com/office/drawing/2014/main" id="{E63943B3-62F3-4E65-8BC8-121E621AA861}"/>
+                  </a:ext>
+                </a:extLst>
+              </p:cNvPr>
+              <p:cNvSpPr/>
+              <p:nvPr/>
+            </p:nvSpPr>
+            <p:spPr>
+              <a:xfrm rot="17588791">
+                <a:off x="4634487" y="2601821"/>
+                <a:ext cx="3356567" cy="3602040"/>
+              </a:xfrm>
+              <a:prstGeom prst="circularArrow">
+                <a:avLst>
+                  <a:gd name="adj1" fmla="val 17285"/>
+                  <a:gd name="adj2" fmla="val 817767"/>
+                  <a:gd name="adj3" fmla="val 20220068"/>
+                  <a:gd name="adj4" fmla="val 14902528"/>
+                  <a:gd name="adj5" fmla="val 13816"/>
+                </a:avLst>
+              </a:prstGeom>
+              <a:grpFill/>
+              <a:ln>
+                <a:noFill/>
+              </a:ln>
+            </p:spPr>
+            <p:style>
+              <a:lnRef idx="2">
+                <a:schemeClr val="accent6"/>
+              </a:lnRef>
+              <a:fillRef idx="1">
+                <a:schemeClr val="lt1"/>
+              </a:fillRef>
+              <a:effectRef idx="0">
+                <a:schemeClr val="accent6"/>
+              </a:effectRef>
+              <a:fontRef idx="minor">
+                <a:schemeClr val="dk1"/>
+              </a:fontRef>
+            </p:style>
+            <p:txBody>
+              <a:bodyPr rtlCol="0" anchor="ctr"/>
+              <a:lstStyle/>
+              <a:p>
+                <a:pPr algn="ctr"/>
+                <a:endParaRPr lang="pl-PL" dirty="0">
+                  <a:solidFill>
+                    <a:schemeClr val="tx1"/>
+                  </a:solidFill>
+                </a:endParaRPr>
+              </a:p>
+            </p:txBody>
+          </p:sp>
+          <p:grpSp>
+            <p:nvGrpSpPr>
+              <p:cNvPr id="15" name="Grupa 14">
+                <a:extLst>
+                  <a:ext uri="{FF2B5EF4-FFF2-40B4-BE49-F238E27FC236}">
+                    <a16:creationId xmlns:a16="http://schemas.microsoft.com/office/drawing/2014/main" id="{10E89492-F0E1-4D71-810E-2D7089DE2B39}"/>
+                  </a:ext>
+                </a:extLst>
+              </p:cNvPr>
+              <p:cNvGrpSpPr/>
+              <p:nvPr/>
+            </p:nvGrpSpPr>
+            <p:grpSpPr>
+              <a:xfrm>
+                <a:off x="881090" y="937755"/>
+                <a:ext cx="8699070" cy="4841814"/>
+                <a:chOff x="73325" y="1052234"/>
+                <a:chExt cx="8699070" cy="4841814"/>
+              </a:xfrm>
+              <a:grpFill/>
+            </p:grpSpPr>
+            <p:sp>
+              <p:nvSpPr>
+                <p:cNvPr id="4" name="Strzałka: kolista 3">
+                  <a:extLst>
+                    <a:ext uri="{FF2B5EF4-FFF2-40B4-BE49-F238E27FC236}">
+                      <a16:creationId xmlns:a16="http://schemas.microsoft.com/office/drawing/2014/main" id="{870A6785-E29A-4081-909E-EAFF0039874B}"/>
+                    </a:ext>
+                  </a:extLst>
+                </p:cNvPr>
+                <p:cNvSpPr/>
+                <p:nvPr/>
+              </p:nvSpPr>
+              <p:spPr>
+                <a:xfrm rot="19837530">
+                  <a:off x="3219102" y="1605390"/>
+                  <a:ext cx="3989259" cy="3506544"/>
+                </a:xfrm>
+                <a:prstGeom prst="circularArrow">
+                  <a:avLst>
+                    <a:gd name="adj1" fmla="val 17285"/>
+                    <a:gd name="adj2" fmla="val 817767"/>
+                    <a:gd name="adj3" fmla="val 20220068"/>
+                    <a:gd name="adj4" fmla="val 13674065"/>
+                    <a:gd name="adj5" fmla="val 13816"/>
+                  </a:avLst>
+                </a:prstGeom>
+                <a:grpFill/>
+                <a:ln>
+                  <a:noFill/>
+                </a:ln>
+              </p:spPr>
+              <p:style>
+                <a:lnRef idx="2">
+                  <a:schemeClr val="accent6"/>
+                </a:lnRef>
+                <a:fillRef idx="1">
+                  <a:schemeClr val="lt1"/>
+                </a:fillRef>
+                <a:effectRef idx="0">
+                  <a:schemeClr val="accent6"/>
+                </a:effectRef>
+                <a:fontRef idx="minor">
+                  <a:schemeClr val="dk1"/>
+                </a:fontRef>
+              </p:style>
+              <p:txBody>
+                <a:bodyPr rtlCol="0" anchor="ctr"/>
+                <a:lstStyle/>
+                <a:p>
+                  <a:pPr algn="ctr"/>
+                  <a:endParaRPr lang="pl-PL" dirty="0">
+                    <a:solidFill>
+                      <a:schemeClr val="tx1"/>
+                    </a:solidFill>
+                  </a:endParaRPr>
+                </a:p>
+              </p:txBody>
+            </p:sp>
+            <p:sp>
+              <p:nvSpPr>
+                <p:cNvPr id="10" name="Strzałka: kolista 9">
+                  <a:extLst>
+                    <a:ext uri="{FF2B5EF4-FFF2-40B4-BE49-F238E27FC236}">
+                      <a16:creationId xmlns:a16="http://schemas.microsoft.com/office/drawing/2014/main" id="{9DE398AA-FD57-4685-8064-54DC1C1E3611}"/>
+                    </a:ext>
+                  </a:extLst>
+                </p:cNvPr>
+                <p:cNvSpPr/>
+                <p:nvPr/>
+              </p:nvSpPr>
+              <p:spPr>
+                <a:xfrm rot="10036440">
+                  <a:off x="3727731" y="2387504"/>
+                  <a:ext cx="3989259" cy="3506544"/>
+                </a:xfrm>
+                <a:prstGeom prst="circularArrow">
+                  <a:avLst>
+                    <a:gd name="adj1" fmla="val 17285"/>
+                    <a:gd name="adj2" fmla="val 817767"/>
+                    <a:gd name="adj3" fmla="val 20220068"/>
+                    <a:gd name="adj4" fmla="val 14902528"/>
+                    <a:gd name="adj5" fmla="val 13816"/>
+                  </a:avLst>
+                </a:prstGeom>
+                <a:grpFill/>
+                <a:ln>
+                  <a:noFill/>
+                </a:ln>
+              </p:spPr>
+              <p:style>
+                <a:lnRef idx="2">
+                  <a:schemeClr val="accent6"/>
+                </a:lnRef>
+                <a:fillRef idx="1">
+                  <a:schemeClr val="lt1"/>
+                </a:fillRef>
+                <a:effectRef idx="0">
+                  <a:schemeClr val="accent6"/>
+                </a:effectRef>
+                <a:fontRef idx="minor">
+                  <a:schemeClr val="dk1"/>
+                </a:fontRef>
+              </p:style>
+              <p:txBody>
+                <a:bodyPr rtlCol="0" anchor="ctr"/>
+                <a:lstStyle/>
+                <a:p>
+                  <a:pPr algn="ctr"/>
+                  <a:endParaRPr lang="pl-PL" dirty="0">
+                    <a:solidFill>
+                      <a:schemeClr val="tx1"/>
+                    </a:solidFill>
+                  </a:endParaRPr>
+                </a:p>
+              </p:txBody>
+            </p:sp>
+            <p:sp>
+              <p:nvSpPr>
+                <p:cNvPr id="13" name="Strzałka: kolista 12">
+                  <a:extLst>
+                    <a:ext uri="{FF2B5EF4-FFF2-40B4-BE49-F238E27FC236}">
+                      <a16:creationId xmlns:a16="http://schemas.microsoft.com/office/drawing/2014/main" id="{42B8EAF6-93F2-4B84-8729-C94AE784048B}"/>
+                    </a:ext>
+                  </a:extLst>
+                </p:cNvPr>
+                <p:cNvSpPr/>
+                <p:nvPr/>
+              </p:nvSpPr>
+              <p:spPr>
+                <a:xfrm rot="381463" flipV="1">
+                  <a:off x="73325" y="1052234"/>
+                  <a:ext cx="4285302" cy="3507415"/>
+                </a:xfrm>
+                <a:prstGeom prst="circularArrow">
+                  <a:avLst>
+                    <a:gd name="adj1" fmla="val 17285"/>
+                    <a:gd name="adj2" fmla="val 817767"/>
+                    <a:gd name="adj3" fmla="val 20220068"/>
+                    <a:gd name="adj4" fmla="val 15375350"/>
+                    <a:gd name="adj5" fmla="val 13816"/>
+                  </a:avLst>
+                </a:prstGeom>
+                <a:grpFill/>
+                <a:ln>
+                  <a:noFill/>
+                </a:ln>
+              </p:spPr>
+              <p:style>
+                <a:lnRef idx="2">
+                  <a:schemeClr val="accent6"/>
+                </a:lnRef>
+                <a:fillRef idx="1">
+                  <a:schemeClr val="lt1"/>
+                </a:fillRef>
+                <a:effectRef idx="0">
+                  <a:schemeClr val="accent6"/>
+                </a:effectRef>
+                <a:fontRef idx="minor">
+                  <a:schemeClr val="dk1"/>
+                </a:fontRef>
+              </p:style>
+              <p:txBody>
+                <a:bodyPr rtlCol="0" anchor="ctr"/>
+                <a:lstStyle/>
+                <a:p>
+                  <a:pPr algn="ctr"/>
+                  <a:endParaRPr lang="pl-PL" dirty="0">
+                    <a:solidFill>
+                      <a:schemeClr val="tx1"/>
+                    </a:solidFill>
+                  </a:endParaRPr>
+                </a:p>
+              </p:txBody>
+            </p:sp>
+            <p:pic>
+              <p:nvPicPr>
+                <p:cNvPr id="3" name="Grafika 2" descr="Strzałka: lekko zakrzywiona">
+                  <a:extLst>
+                    <a:ext uri="{FF2B5EF4-FFF2-40B4-BE49-F238E27FC236}">
+                      <a16:creationId xmlns:a16="http://schemas.microsoft.com/office/drawing/2014/main" id="{3803A2AA-B9A4-4545-B40C-CF67E6456884}"/>
+                    </a:ext>
+                  </a:extLst>
+                </p:cNvPr>
+                <p:cNvPicPr>
+                  <a:picLocks noChangeAspect="1"/>
+                </p:cNvPicPr>
+                <p:nvPr/>
+              </p:nvPicPr>
+              <p:blipFill>
+                <a:blip r:embed="rId4">
+                  <a:extLst>
+                    <a:ext uri="{28A0092B-C50C-407E-A947-70E740481C1C}">
+                      <a14:useLocalDpi xmlns:a14="http://schemas.microsoft.com/office/drawing/2010/main" val="0"/>
+                    </a:ext>
+                    <a:ext uri="{96DAC541-7B7A-43D3-8B79-37D633B846F1}">
+                      <asvg:svgBlip xmlns:asvg="http://schemas.microsoft.com/office/drawing/2016/SVG/main" r:embed="rId5"/>
+                    </a:ext>
+                  </a:extLst>
+                </a:blip>
+                <a:stretch>
+                  <a:fillRect/>
+                </a:stretch>
+              </p:blipFill>
+              <p:spPr>
+                <a:xfrm>
+                  <a:off x="5948920" y="2185122"/>
+                  <a:ext cx="2823475" cy="2823475"/>
+                </a:xfrm>
+                <a:prstGeom prst="rect">
+                  <a:avLst/>
+                </a:prstGeom>
+              </p:spPr>
+            </p:pic>
+          </p:grpSp>
+        </p:grpSp>
+        <p:grpSp>
+          <p:nvGrpSpPr>
+            <p:cNvPr id="17" name="Grupa 16">
+              <a:extLst>
+                <a:ext uri="{FF2B5EF4-FFF2-40B4-BE49-F238E27FC236}">
+                  <a16:creationId xmlns:a16="http://schemas.microsoft.com/office/drawing/2014/main" id="{8C694A27-5A78-4440-B7B6-1FD9848F4CB0}"/>
+                </a:ext>
+              </a:extLst>
+            </p:cNvPr>
+            <p:cNvGrpSpPr/>
+            <p:nvPr/>
+          </p:nvGrpSpPr>
+          <p:grpSpPr>
+            <a:xfrm>
+              <a:off x="819338" y="734449"/>
+              <a:ext cx="8699070" cy="5143369"/>
+              <a:chOff x="881090" y="937755"/>
+              <a:chExt cx="8699070" cy="5143369"/>
+            </a:xfrm>
+          </p:grpSpPr>
+          <p:sp>
+            <p:nvSpPr>
+              <p:cNvPr id="18" name="Strzałka: kolista 17">
+                <a:extLst>
+                  <a:ext uri="{FF2B5EF4-FFF2-40B4-BE49-F238E27FC236}">
+                    <a16:creationId xmlns:a16="http://schemas.microsoft.com/office/drawing/2014/main" id="{EEE27C09-A39D-43ED-AE36-F1E7298A3311}"/>
+                  </a:ext>
+                </a:extLst>
+              </p:cNvPr>
+              <p:cNvSpPr/>
+              <p:nvPr/>
+            </p:nvSpPr>
+            <p:spPr>
+              <a:xfrm rot="4232097">
+                <a:off x="4720754" y="1774172"/>
+                <a:ext cx="3989259" cy="3506544"/>
+              </a:xfrm>
+              <a:prstGeom prst="circularArrow">
+                <a:avLst>
+                  <a:gd name="adj1" fmla="val 17285"/>
+                  <a:gd name="adj2" fmla="val 817767"/>
+                  <a:gd name="adj3" fmla="val 20220068"/>
+                  <a:gd name="adj4" fmla="val 13674065"/>
+                  <a:gd name="adj5" fmla="val 13816"/>
+                </a:avLst>
+              </a:prstGeom>
+              <a:ln>
+                <a:noFill/>
+              </a:ln>
+            </p:spPr>
+            <p:style>
+              <a:lnRef idx="2">
+                <a:schemeClr val="accent6"/>
+              </a:lnRef>
+              <a:fillRef idx="1">
+                <a:schemeClr val="lt1"/>
+              </a:fillRef>
+              <a:effectRef idx="0">
+                <a:schemeClr val="accent6"/>
+              </a:effectRef>
+              <a:fontRef idx="minor">
+                <a:schemeClr val="dk1"/>
+              </a:fontRef>
+            </p:style>
+            <p:txBody>
+              <a:bodyPr rtlCol="0" anchor="ctr"/>
+              <a:lstStyle/>
+              <a:p>
+                <a:pPr algn="ctr"/>
+                <a:endParaRPr lang="pl-PL" dirty="0">
+                  <a:solidFill>
+                    <a:schemeClr val="tx1"/>
+                  </a:solidFill>
+                </a:endParaRPr>
+              </a:p>
+            </p:txBody>
+          </p:sp>
+          <p:sp>
+            <p:nvSpPr>
+              <p:cNvPr id="19" name="Strzałka: kolista 18">
+                <a:extLst>
+                  <a:ext uri="{FF2B5EF4-FFF2-40B4-BE49-F238E27FC236}">
+                    <a16:creationId xmlns:a16="http://schemas.microsoft.com/office/drawing/2014/main" id="{9E16B8BC-DFE5-4F8D-8C21-943900EB2B91}"/>
+                  </a:ext>
+                </a:extLst>
+              </p:cNvPr>
+              <p:cNvSpPr/>
+              <p:nvPr/>
+            </p:nvSpPr>
+            <p:spPr>
+              <a:xfrm rot="17588791">
+                <a:off x="4634487" y="2601821"/>
+                <a:ext cx="3356567" cy="3602040"/>
+              </a:xfrm>
+              <a:prstGeom prst="circularArrow">
+                <a:avLst>
+                  <a:gd name="adj1" fmla="val 17285"/>
+                  <a:gd name="adj2" fmla="val 817767"/>
+                  <a:gd name="adj3" fmla="val 20220068"/>
+                  <a:gd name="adj4" fmla="val 14902528"/>
+                  <a:gd name="adj5" fmla="val 13816"/>
+                </a:avLst>
+              </a:prstGeom>
+              <a:ln>
+                <a:noFill/>
+              </a:ln>
+            </p:spPr>
+            <p:style>
+              <a:lnRef idx="2">
+                <a:schemeClr val="accent6"/>
+              </a:lnRef>
+              <a:fillRef idx="1">
+                <a:schemeClr val="lt1"/>
+              </a:fillRef>
+              <a:effectRef idx="0">
+                <a:schemeClr val="accent6"/>
+              </a:effectRef>
+              <a:fontRef idx="minor">
+                <a:schemeClr val="dk1"/>
+              </a:fontRef>
+            </p:style>
+            <p:txBody>
+              <a:bodyPr rtlCol="0" anchor="ctr"/>
+              <a:lstStyle/>
+              <a:p>
+                <a:pPr algn="ctr"/>
+                <a:endParaRPr lang="pl-PL" dirty="0">
+                  <a:solidFill>
+                    <a:schemeClr val="tx1"/>
+                  </a:solidFill>
+                </a:endParaRPr>
+              </a:p>
+            </p:txBody>
+          </p:sp>
+          <p:grpSp>
+            <p:nvGrpSpPr>
+              <p:cNvPr id="20" name="Grupa 19">
+                <a:extLst>
+                  <a:ext uri="{FF2B5EF4-FFF2-40B4-BE49-F238E27FC236}">
+                    <a16:creationId xmlns:a16="http://schemas.microsoft.com/office/drawing/2014/main" id="{5792EEA4-478C-4549-9C47-6248FCA2472A}"/>
+                  </a:ext>
+                </a:extLst>
+              </p:cNvPr>
+              <p:cNvGrpSpPr/>
+              <p:nvPr/>
+            </p:nvGrpSpPr>
+            <p:grpSpPr>
+              <a:xfrm>
+                <a:off x="881090" y="937755"/>
+                <a:ext cx="8699070" cy="4841814"/>
+                <a:chOff x="73325" y="1052234"/>
+                <a:chExt cx="8699070" cy="4841814"/>
+              </a:xfrm>
+            </p:grpSpPr>
+            <p:sp>
+              <p:nvSpPr>
+                <p:cNvPr id="21" name="Strzałka: kolista 20">
+                  <a:extLst>
+                    <a:ext uri="{FF2B5EF4-FFF2-40B4-BE49-F238E27FC236}">
+                      <a16:creationId xmlns:a16="http://schemas.microsoft.com/office/drawing/2014/main" id="{BF61D56F-3E67-45C7-AEB4-267B863731D5}"/>
+                    </a:ext>
+                  </a:extLst>
+                </p:cNvPr>
+                <p:cNvSpPr/>
+                <p:nvPr/>
+              </p:nvSpPr>
+              <p:spPr>
+                <a:xfrm rot="19837530">
+                  <a:off x="3219102" y="1605390"/>
+                  <a:ext cx="3989259" cy="3506544"/>
+                </a:xfrm>
+                <a:prstGeom prst="circularArrow">
+                  <a:avLst>
+                    <a:gd name="adj1" fmla="val 17285"/>
+                    <a:gd name="adj2" fmla="val 817767"/>
+                    <a:gd name="adj3" fmla="val 20220068"/>
+                    <a:gd name="adj4" fmla="val 13674065"/>
+                    <a:gd name="adj5" fmla="val 13816"/>
+                  </a:avLst>
+                </a:prstGeom>
+                <a:ln>
+                  <a:noFill/>
+                </a:ln>
+              </p:spPr>
+              <p:style>
+                <a:lnRef idx="2">
+                  <a:schemeClr val="accent6"/>
+                </a:lnRef>
+                <a:fillRef idx="1">
+                  <a:schemeClr val="lt1"/>
+                </a:fillRef>
+                <a:effectRef idx="0">
+                  <a:schemeClr val="accent6"/>
+                </a:effectRef>
+                <a:fontRef idx="minor">
+                  <a:schemeClr val="dk1"/>
+                </a:fontRef>
+              </p:style>
+              <p:txBody>
+                <a:bodyPr rtlCol="0" anchor="ctr"/>
+                <a:lstStyle/>
+                <a:p>
+                  <a:pPr algn="ctr"/>
+                  <a:endParaRPr lang="pl-PL" dirty="0">
+                    <a:solidFill>
+                      <a:schemeClr val="tx1"/>
+                    </a:solidFill>
+                  </a:endParaRPr>
+                </a:p>
+              </p:txBody>
+            </p:sp>
+            <p:sp>
+              <p:nvSpPr>
+                <p:cNvPr id="22" name="Strzałka: kolista 21">
+                  <a:extLst>
+                    <a:ext uri="{FF2B5EF4-FFF2-40B4-BE49-F238E27FC236}">
+                      <a16:creationId xmlns:a16="http://schemas.microsoft.com/office/drawing/2014/main" id="{A31AB7C5-F4BD-47E7-897D-5B5237CED516}"/>
+                    </a:ext>
+                  </a:extLst>
+                </p:cNvPr>
+                <p:cNvSpPr/>
+                <p:nvPr/>
+              </p:nvSpPr>
+              <p:spPr>
+                <a:xfrm rot="10036440">
+                  <a:off x="3727731" y="2387504"/>
+                  <a:ext cx="3989259" cy="3506544"/>
+                </a:xfrm>
+                <a:prstGeom prst="circularArrow">
+                  <a:avLst>
+                    <a:gd name="adj1" fmla="val 17285"/>
+                    <a:gd name="adj2" fmla="val 817767"/>
+                    <a:gd name="adj3" fmla="val 20220068"/>
+                    <a:gd name="adj4" fmla="val 14902528"/>
+                    <a:gd name="adj5" fmla="val 13816"/>
+                  </a:avLst>
+                </a:prstGeom>
+                <a:ln>
+                  <a:noFill/>
+                </a:ln>
+              </p:spPr>
+              <p:style>
+                <a:lnRef idx="2">
+                  <a:schemeClr val="accent6"/>
+                </a:lnRef>
+                <a:fillRef idx="1">
+                  <a:schemeClr val="lt1"/>
+                </a:fillRef>
+                <a:effectRef idx="0">
+                  <a:schemeClr val="accent6"/>
+                </a:effectRef>
+                <a:fontRef idx="minor">
+                  <a:schemeClr val="dk1"/>
+                </a:fontRef>
+              </p:style>
+              <p:txBody>
+                <a:bodyPr rtlCol="0" anchor="ctr"/>
+                <a:lstStyle/>
+                <a:p>
+                  <a:pPr algn="ctr"/>
+                  <a:endParaRPr lang="pl-PL" dirty="0">
+                    <a:solidFill>
+                      <a:schemeClr val="tx1"/>
+                    </a:solidFill>
+                  </a:endParaRPr>
+                </a:p>
+              </p:txBody>
+            </p:sp>
+            <p:sp>
+              <p:nvSpPr>
+                <p:cNvPr id="23" name="Strzałka: kolista 22">
+                  <a:extLst>
+                    <a:ext uri="{FF2B5EF4-FFF2-40B4-BE49-F238E27FC236}">
+                      <a16:creationId xmlns:a16="http://schemas.microsoft.com/office/drawing/2014/main" id="{97B8FDEE-159F-4911-8A20-03F679E50BDA}"/>
+                    </a:ext>
+                  </a:extLst>
+                </p:cNvPr>
+                <p:cNvSpPr/>
+                <p:nvPr/>
+              </p:nvSpPr>
+              <p:spPr>
+                <a:xfrm rot="381463" flipV="1">
+                  <a:off x="73325" y="1052234"/>
+                  <a:ext cx="4285302" cy="3507415"/>
+                </a:xfrm>
+                <a:prstGeom prst="circularArrow">
+                  <a:avLst>
+                    <a:gd name="adj1" fmla="val 17285"/>
+                    <a:gd name="adj2" fmla="val 817767"/>
+                    <a:gd name="adj3" fmla="val 20220068"/>
+                    <a:gd name="adj4" fmla="val 15375350"/>
+                    <a:gd name="adj5" fmla="val 13816"/>
+                  </a:avLst>
+                </a:prstGeom>
+                <a:ln>
+                  <a:noFill/>
+                </a:ln>
+              </p:spPr>
+              <p:style>
+                <a:lnRef idx="2">
+                  <a:schemeClr val="accent6"/>
+                </a:lnRef>
+                <a:fillRef idx="1">
+                  <a:schemeClr val="lt1"/>
+                </a:fillRef>
+                <a:effectRef idx="0">
+                  <a:schemeClr val="accent6"/>
+                </a:effectRef>
+                <a:fontRef idx="minor">
+                  <a:schemeClr val="dk1"/>
+                </a:fontRef>
+              </p:style>
+              <p:txBody>
+                <a:bodyPr rtlCol="0" anchor="ctr"/>
+                <a:lstStyle/>
+                <a:p>
+                  <a:pPr algn="ctr"/>
+                  <a:endParaRPr lang="pl-PL" dirty="0">
+                    <a:solidFill>
+                      <a:schemeClr val="tx1"/>
+                    </a:solidFill>
+                  </a:endParaRPr>
+                </a:p>
+              </p:txBody>
+            </p:sp>
+            <p:pic>
+              <p:nvPicPr>
+                <p:cNvPr id="24" name="Grafika 23" descr="Strzałka: lekko zakrzywiona">
+                  <a:extLst>
+                    <a:ext uri="{FF2B5EF4-FFF2-40B4-BE49-F238E27FC236}">
+                      <a16:creationId xmlns:a16="http://schemas.microsoft.com/office/drawing/2014/main" id="{FCF2D6A2-1E02-4472-868D-8FFB35AAC919}"/>
+                    </a:ext>
+                  </a:extLst>
+                </p:cNvPr>
+                <p:cNvPicPr>
+                  <a:picLocks noChangeAspect="1"/>
+                </p:cNvPicPr>
+                <p:nvPr/>
+              </p:nvPicPr>
+              <p:blipFill>
+                <a:blip r:embed="rId6">
+                  <a:extLst>
+                    <a:ext uri="{28A0092B-C50C-407E-A947-70E740481C1C}">
+                      <a14:useLocalDpi xmlns:a14="http://schemas.microsoft.com/office/drawing/2010/main" val="0"/>
+                    </a:ext>
+                    <a:ext uri="{96DAC541-7B7A-43D3-8B79-37D633B846F1}">
+                      <asvg:svgBlip xmlns:asvg="http://schemas.microsoft.com/office/drawing/2016/SVG/main" r:embed="rId7"/>
+                    </a:ext>
+                  </a:extLst>
+                </a:blip>
+                <a:stretch>
+                  <a:fillRect/>
+                </a:stretch>
+              </p:blipFill>
+              <p:spPr>
+                <a:xfrm>
+                  <a:off x="5948920" y="2185122"/>
+                  <a:ext cx="2823475" cy="2823475"/>
+                </a:xfrm>
+                <a:prstGeom prst="rect">
+                  <a:avLst/>
+                </a:prstGeom>
+              </p:spPr>
+            </p:pic>
+          </p:grpSp>
+        </p:grpSp>
+      </p:grpSp>
+      <p:grpSp>
+        <p:nvGrpSpPr>
+          <p:cNvPr id="26" name="Grupa 25">
+            <a:extLst>
+              <a:ext uri="{FF2B5EF4-FFF2-40B4-BE49-F238E27FC236}">
+                <a16:creationId xmlns:a16="http://schemas.microsoft.com/office/drawing/2014/main" id="{0E0124E5-D63E-419B-91BB-173A25539046}"/>
+              </a:ext>
+            </a:extLst>
+          </p:cNvPr>
+          <p:cNvGrpSpPr/>
+          <p:nvPr/>
+        </p:nvGrpSpPr>
+        <p:grpSpPr>
+          <a:xfrm>
+            <a:off x="9447453" y="2251101"/>
+            <a:ext cx="2523997" cy="2453162"/>
+            <a:chOff x="861707" y="2858139"/>
+            <a:chExt cx="2523997" cy="2453162"/>
+          </a:xfrm>
+        </p:grpSpPr>
+        <p:grpSp>
+          <p:nvGrpSpPr>
+            <p:cNvPr id="27" name="Grupa 26">
+              <a:extLst>
+                <a:ext uri="{FF2B5EF4-FFF2-40B4-BE49-F238E27FC236}">
+                  <a16:creationId xmlns:a16="http://schemas.microsoft.com/office/drawing/2014/main" id="{39D6EF77-CCD6-4BEA-90BD-E9E3F07A449A}"/>
+                </a:ext>
+              </a:extLst>
+            </p:cNvPr>
+            <p:cNvGrpSpPr/>
+            <p:nvPr/>
+          </p:nvGrpSpPr>
+          <p:grpSpPr>
+            <a:xfrm>
+              <a:off x="882424" y="2974238"/>
+              <a:ext cx="2503280" cy="2337063"/>
+              <a:chOff x="901148" y="2166492"/>
+              <a:chExt cx="2503280" cy="2337063"/>
+            </a:xfrm>
+          </p:grpSpPr>
+          <p:pic>
+            <p:nvPicPr>
+              <p:cNvPr id="31" name="Grafika 30" descr="Koła zębate">
+                <a:extLst>
+                  <a:ext uri="{FF2B5EF4-FFF2-40B4-BE49-F238E27FC236}">
+                    <a16:creationId xmlns:a16="http://schemas.microsoft.com/office/drawing/2014/main" id="{177F32B4-75CC-427C-842A-5149E8E08450}"/>
+                  </a:ext>
+                </a:extLst>
+              </p:cNvPr>
+              <p:cNvPicPr>
+                <a:picLocks noChangeAspect="1"/>
+              </p:cNvPicPr>
+              <p:nvPr/>
+            </p:nvPicPr>
+            <p:blipFill>
+              <a:blip r:embed="rId8">
+                <a:extLst>
+                  <a:ext uri="{28A0092B-C50C-407E-A947-70E740481C1C}">
+                    <a14:useLocalDpi xmlns:a14="http://schemas.microsoft.com/office/drawing/2010/main" val="0"/>
+                  </a:ext>
+                  <a:ext uri="{96DAC541-7B7A-43D3-8B79-37D633B846F1}">
+                    <asvg:svgBlip xmlns:asvg="http://schemas.microsoft.com/office/drawing/2016/SVG/main" r:embed="rId9"/>
+                  </a:ext>
+                </a:extLst>
+              </a:blip>
+              <a:stretch>
+                <a:fillRect/>
+              </a:stretch>
+            </p:blipFill>
+            <p:spPr>
+              <a:xfrm>
+                <a:off x="1846386" y="2945513"/>
+                <a:ext cx="1558042" cy="1558042"/>
+              </a:xfrm>
+              <a:prstGeom prst="rect">
+                <a:avLst/>
+              </a:prstGeom>
+            </p:spPr>
+          </p:pic>
+          <p:pic>
+            <p:nvPicPr>
+              <p:cNvPr id="32" name="Grafika 31" descr="Pojedyncze koło zębate">
+                <a:extLst>
+                  <a:ext uri="{FF2B5EF4-FFF2-40B4-BE49-F238E27FC236}">
+                    <a16:creationId xmlns:a16="http://schemas.microsoft.com/office/drawing/2014/main" id="{30702EB1-E19E-4AE5-A952-6636AD536799}"/>
+                  </a:ext>
+                </a:extLst>
+              </p:cNvPr>
+              <p:cNvPicPr>
+                <a:picLocks noChangeAspect="1"/>
+              </p:cNvPicPr>
+              <p:nvPr/>
+            </p:nvPicPr>
+            <p:blipFill>
+              <a:blip r:embed="rId10">
+                <a:extLst>
+                  <a:ext uri="{28A0092B-C50C-407E-A947-70E740481C1C}">
+                    <a14:useLocalDpi xmlns:a14="http://schemas.microsoft.com/office/drawing/2010/main" val="0"/>
+                  </a:ext>
+                  <a:ext uri="{96DAC541-7B7A-43D3-8B79-37D633B846F1}">
+                    <asvg:svgBlip xmlns:asvg="http://schemas.microsoft.com/office/drawing/2016/SVG/main" r:embed="rId11"/>
+                  </a:ext>
+                </a:extLst>
+              </a:blip>
+              <a:stretch>
+                <a:fillRect/>
+              </a:stretch>
+            </p:blipFill>
+            <p:spPr>
+              <a:xfrm>
+                <a:off x="901148" y="2166492"/>
+                <a:ext cx="1558042" cy="1558042"/>
+              </a:xfrm>
+              <a:prstGeom prst="rect">
+                <a:avLst/>
+              </a:prstGeom>
+            </p:spPr>
+          </p:pic>
+        </p:grpSp>
+        <p:grpSp>
+          <p:nvGrpSpPr>
+            <p:cNvPr id="28" name="Grupa 27">
+              <a:extLst>
+                <a:ext uri="{FF2B5EF4-FFF2-40B4-BE49-F238E27FC236}">
+                  <a16:creationId xmlns:a16="http://schemas.microsoft.com/office/drawing/2014/main" id="{B5DB4A95-4C68-47E0-BBD1-BD1C2E9E51BE}"/>
+                </a:ext>
+              </a:extLst>
+            </p:cNvPr>
+            <p:cNvGrpSpPr/>
+            <p:nvPr/>
+          </p:nvGrpSpPr>
+          <p:grpSpPr>
+            <a:xfrm>
+              <a:off x="861707" y="2858139"/>
+              <a:ext cx="2503280" cy="2337063"/>
+              <a:chOff x="901148" y="2166492"/>
+              <a:chExt cx="2503280" cy="2337063"/>
+            </a:xfrm>
+            <a:solidFill>
+              <a:schemeClr val="bg1"/>
+            </a:solidFill>
+          </p:grpSpPr>
+          <p:pic>
+            <p:nvPicPr>
+              <p:cNvPr id="29" name="Grafika 28" descr="Koła zębate">
+                <a:extLst>
+                  <a:ext uri="{FF2B5EF4-FFF2-40B4-BE49-F238E27FC236}">
+                    <a16:creationId xmlns:a16="http://schemas.microsoft.com/office/drawing/2014/main" id="{3B486982-8948-4DAF-A0ED-298E7AD7EA02}"/>
+                  </a:ext>
+                </a:extLst>
+              </p:cNvPr>
+              <p:cNvPicPr>
+                <a:picLocks noChangeAspect="1"/>
+              </p:cNvPicPr>
+              <p:nvPr/>
+            </p:nvPicPr>
+            <p:blipFill>
+              <a:blip r:embed="rId12">
+                <a:extLst>
+                  <a:ext uri="{28A0092B-C50C-407E-A947-70E740481C1C}">
+                    <a14:useLocalDpi xmlns:a14="http://schemas.microsoft.com/office/drawing/2010/main" val="0"/>
+                  </a:ext>
+                  <a:ext uri="{96DAC541-7B7A-43D3-8B79-37D633B846F1}">
+                    <asvg:svgBlip xmlns:asvg="http://schemas.microsoft.com/office/drawing/2016/SVG/main" r:embed="rId13"/>
+                  </a:ext>
+                </a:extLst>
+              </a:blip>
+              <a:stretch>
+                <a:fillRect/>
+              </a:stretch>
+            </p:blipFill>
+            <p:spPr>
+              <a:xfrm>
+                <a:off x="1846386" y="2945513"/>
+                <a:ext cx="1558042" cy="1558042"/>
+              </a:xfrm>
+              <a:prstGeom prst="rect">
+                <a:avLst/>
+              </a:prstGeom>
+            </p:spPr>
+          </p:pic>
+          <p:pic>
+            <p:nvPicPr>
+              <p:cNvPr id="30" name="Grafika 29" descr="Pojedyncze koło zębate">
+                <a:extLst>
+                  <a:ext uri="{FF2B5EF4-FFF2-40B4-BE49-F238E27FC236}">
+                    <a16:creationId xmlns:a16="http://schemas.microsoft.com/office/drawing/2014/main" id="{4757B2F1-6FBB-4962-B040-D334BA3C67CD}"/>
+                  </a:ext>
+                </a:extLst>
+              </p:cNvPr>
+              <p:cNvPicPr>
+                <a:picLocks noChangeAspect="1"/>
+              </p:cNvPicPr>
+              <p:nvPr/>
+            </p:nvPicPr>
+            <p:blipFill>
+              <a:blip r:embed="rId14">
+                <a:extLst>
+                  <a:ext uri="{28A0092B-C50C-407E-A947-70E740481C1C}">
+                    <a14:useLocalDpi xmlns:a14="http://schemas.microsoft.com/office/drawing/2010/main" val="0"/>
+                  </a:ext>
+                  <a:ext uri="{96DAC541-7B7A-43D3-8B79-37D633B846F1}">
+                    <asvg:svgBlip xmlns:asvg="http://schemas.microsoft.com/office/drawing/2016/SVG/main" r:embed="rId15"/>
+                  </a:ext>
+                </a:extLst>
+              </a:blip>
+              <a:stretch>
+                <a:fillRect/>
+              </a:stretch>
+            </p:blipFill>
+            <p:spPr>
+              <a:xfrm>
+                <a:off x="901148" y="2166492"/>
+                <a:ext cx="1558042" cy="1558042"/>
+              </a:xfrm>
+              <a:prstGeom prst="rect">
+                <a:avLst/>
+              </a:prstGeom>
+            </p:spPr>
+          </p:pic>
+        </p:grpSp>
+      </p:grpSp>
+      <p:grpSp>
+        <p:nvGrpSpPr>
+          <p:cNvPr id="35" name="Grupa 34">
+            <a:extLst>
+              <a:ext uri="{FF2B5EF4-FFF2-40B4-BE49-F238E27FC236}">
+                <a16:creationId xmlns:a16="http://schemas.microsoft.com/office/drawing/2014/main" id="{ADF4632D-6F1A-4FF7-8E9E-3FE6935A48B7}"/>
+              </a:ext>
+            </a:extLst>
+          </p:cNvPr>
+          <p:cNvGrpSpPr/>
+          <p:nvPr/>
+        </p:nvGrpSpPr>
+        <p:grpSpPr>
+          <a:xfrm>
+            <a:off x="574211" y="1828650"/>
+            <a:ext cx="1196530" cy="512517"/>
+            <a:chOff x="626022" y="2084909"/>
+            <a:chExt cx="1196530" cy="512517"/>
+          </a:xfrm>
+        </p:grpSpPr>
+        <p:sp>
+          <p:nvSpPr>
+            <p:cNvPr id="33" name="Prostokąt: zaokrąglone rogi 32">
+              <a:extLst>
+                <a:ext uri="{FF2B5EF4-FFF2-40B4-BE49-F238E27FC236}">
+                  <a16:creationId xmlns:a16="http://schemas.microsoft.com/office/drawing/2014/main" id="{AC28E6EC-5C3E-4BBD-8776-B7EB71BD445F}"/>
+                </a:ext>
+              </a:extLst>
+            </p:cNvPr>
+            <p:cNvSpPr/>
+            <p:nvPr/>
+          </p:nvSpPr>
+          <p:spPr>
+            <a:xfrm>
+              <a:off x="675861" y="2143099"/>
+              <a:ext cx="1146691" cy="454327"/>
+            </a:xfrm>
+            <a:prstGeom prst="roundRect">
+              <a:avLst/>
+            </a:prstGeom>
+            <a:ln/>
+          </p:spPr>
+          <p:style>
+            <a:lnRef idx="2">
+              <a:schemeClr val="dk1">
+                <a:shade val="50000"/>
+              </a:schemeClr>
+            </a:lnRef>
+            <a:fillRef idx="1">
+              <a:schemeClr val="dk1"/>
+            </a:fillRef>
+            <a:effectRef idx="0">
+              <a:schemeClr val="dk1"/>
+            </a:effectRef>
+            <a:fontRef idx="minor">
+              <a:schemeClr val="lt1"/>
+            </a:fontRef>
+          </p:style>
+          <p:txBody>
+            <a:bodyPr rtlCol="0" anchor="ctr"/>
+            <a:lstStyle/>
+            <a:p>
+              <a:pPr algn="ctr"/>
+              <a:endParaRPr lang="pl-PL"/>
+            </a:p>
+          </p:txBody>
+        </p:sp>
+        <p:sp>
+          <p:nvSpPr>
+            <p:cNvPr id="34" name="Prostokąt: zaokrąglone rogi 33">
+              <a:extLst>
+                <a:ext uri="{FF2B5EF4-FFF2-40B4-BE49-F238E27FC236}">
+                  <a16:creationId xmlns:a16="http://schemas.microsoft.com/office/drawing/2014/main" id="{4C55121C-DFFE-489A-8DFA-0B3D73072F5A}"/>
+                </a:ext>
+              </a:extLst>
+            </p:cNvPr>
+            <p:cNvSpPr/>
+            <p:nvPr/>
+          </p:nvSpPr>
+          <p:spPr>
+            <a:xfrm>
+              <a:off x="626022" y="2084909"/>
+              <a:ext cx="1146691" cy="454327"/>
+            </a:xfrm>
+            <a:prstGeom prst="roundRect">
+              <a:avLst/>
+            </a:prstGeom>
+            <a:ln>
+              <a:noFill/>
+            </a:ln>
+          </p:spPr>
+          <p:style>
+            <a:lnRef idx="2">
+              <a:schemeClr val="accent6"/>
+            </a:lnRef>
+            <a:fillRef idx="1">
+              <a:schemeClr val="lt1"/>
+            </a:fillRef>
+            <a:effectRef idx="0">
+              <a:schemeClr val="accent6"/>
+            </a:effectRef>
+            <a:fontRef idx="minor">
+              <a:schemeClr val="dk1"/>
+            </a:fontRef>
+          </p:style>
+          <p:txBody>
+            <a:bodyPr rtlCol="0" anchor="ctr"/>
+            <a:lstStyle/>
+            <a:p>
+              <a:pPr algn="ctr"/>
+              <a:endParaRPr lang="pl-PL"/>
+            </a:p>
+          </p:txBody>
+        </p:sp>
+      </p:grpSp>
+      <p:grpSp>
+        <p:nvGrpSpPr>
+          <p:cNvPr id="36" name="Grupa 35">
+            <a:extLst>
+              <a:ext uri="{FF2B5EF4-FFF2-40B4-BE49-F238E27FC236}">
+                <a16:creationId xmlns:a16="http://schemas.microsoft.com/office/drawing/2014/main" id="{776B8FE4-F0A9-41DF-9830-33EF22AB4C48}"/>
+              </a:ext>
+            </a:extLst>
+          </p:cNvPr>
+          <p:cNvGrpSpPr/>
+          <p:nvPr/>
+        </p:nvGrpSpPr>
+        <p:grpSpPr>
+          <a:xfrm>
+            <a:off x="574211" y="4848092"/>
+            <a:ext cx="1196530" cy="512517"/>
+            <a:chOff x="626022" y="2084909"/>
+            <a:chExt cx="1196530" cy="512517"/>
+          </a:xfrm>
+        </p:grpSpPr>
+        <p:sp>
+          <p:nvSpPr>
+            <p:cNvPr id="37" name="Prostokąt: zaokrąglone rogi 36">
+              <a:extLst>
+                <a:ext uri="{FF2B5EF4-FFF2-40B4-BE49-F238E27FC236}">
+                  <a16:creationId xmlns:a16="http://schemas.microsoft.com/office/drawing/2014/main" id="{F23F96B6-943B-4EC6-A593-5B4F774DA923}"/>
+                </a:ext>
+              </a:extLst>
+            </p:cNvPr>
+            <p:cNvSpPr/>
+            <p:nvPr/>
+          </p:nvSpPr>
+          <p:spPr>
+            <a:xfrm>
+              <a:off x="675861" y="2143099"/>
+              <a:ext cx="1146691" cy="454327"/>
+            </a:xfrm>
+            <a:prstGeom prst="roundRect">
+              <a:avLst/>
+            </a:prstGeom>
+            <a:ln/>
+          </p:spPr>
+          <p:style>
+            <a:lnRef idx="2">
+              <a:schemeClr val="dk1">
+                <a:shade val="50000"/>
+              </a:schemeClr>
+            </a:lnRef>
+            <a:fillRef idx="1">
+              <a:schemeClr val="dk1"/>
+            </a:fillRef>
+            <a:effectRef idx="0">
+              <a:schemeClr val="dk1"/>
+            </a:effectRef>
+            <a:fontRef idx="minor">
+              <a:schemeClr val="lt1"/>
+            </a:fontRef>
+          </p:style>
+          <p:txBody>
+            <a:bodyPr rtlCol="0" anchor="ctr"/>
+            <a:lstStyle/>
+            <a:p>
+              <a:pPr algn="ctr"/>
+              <a:endParaRPr lang="pl-PL"/>
+            </a:p>
+          </p:txBody>
+        </p:sp>
+        <p:sp>
+          <p:nvSpPr>
+            <p:cNvPr id="38" name="Prostokąt: zaokrąglone rogi 37">
+              <a:extLst>
+                <a:ext uri="{FF2B5EF4-FFF2-40B4-BE49-F238E27FC236}">
+                  <a16:creationId xmlns:a16="http://schemas.microsoft.com/office/drawing/2014/main" id="{902D3FCE-F640-4747-8947-FB948518B0ED}"/>
+                </a:ext>
+              </a:extLst>
+            </p:cNvPr>
+            <p:cNvSpPr/>
+            <p:nvPr/>
+          </p:nvSpPr>
+          <p:spPr>
+            <a:xfrm>
+              <a:off x="626022" y="2084909"/>
+              <a:ext cx="1146691" cy="454327"/>
+            </a:xfrm>
+            <a:prstGeom prst="roundRect">
+              <a:avLst/>
+            </a:prstGeom>
+            <a:ln>
+              <a:noFill/>
+            </a:ln>
+          </p:spPr>
+          <p:style>
+            <a:lnRef idx="2">
+              <a:schemeClr val="accent6"/>
+            </a:lnRef>
+            <a:fillRef idx="1">
+              <a:schemeClr val="lt1"/>
+            </a:fillRef>
+            <a:effectRef idx="0">
+              <a:schemeClr val="accent6"/>
+            </a:effectRef>
+            <a:fontRef idx="minor">
+              <a:schemeClr val="dk1"/>
+            </a:fontRef>
+          </p:style>
+          <p:txBody>
+            <a:bodyPr rtlCol="0" anchor="ctr"/>
+            <a:lstStyle/>
+            <a:p>
+              <a:pPr algn="ctr"/>
+              <a:endParaRPr lang="pl-PL"/>
+            </a:p>
+          </p:txBody>
+        </p:sp>
+      </p:grpSp>
+      <p:grpSp>
+        <p:nvGrpSpPr>
+          <p:cNvPr id="39" name="Grupa 38">
+            <a:extLst>
+              <a:ext uri="{FF2B5EF4-FFF2-40B4-BE49-F238E27FC236}">
+                <a16:creationId xmlns:a16="http://schemas.microsoft.com/office/drawing/2014/main" id="{8CFADE1B-6127-4196-A5A2-657A8C10B703}"/>
+              </a:ext>
+            </a:extLst>
+          </p:cNvPr>
+          <p:cNvGrpSpPr/>
+          <p:nvPr/>
+        </p:nvGrpSpPr>
+        <p:grpSpPr>
+          <a:xfrm>
+            <a:off x="574211" y="2506088"/>
+            <a:ext cx="1196530" cy="512517"/>
+            <a:chOff x="626022" y="2084909"/>
+            <a:chExt cx="1196530" cy="512517"/>
+          </a:xfrm>
+        </p:grpSpPr>
+        <p:sp>
+          <p:nvSpPr>
+            <p:cNvPr id="40" name="Prostokąt: zaokrąglone rogi 39">
+              <a:extLst>
+                <a:ext uri="{FF2B5EF4-FFF2-40B4-BE49-F238E27FC236}">
+                  <a16:creationId xmlns:a16="http://schemas.microsoft.com/office/drawing/2014/main" id="{2AFD60D8-A15F-459B-AC5A-5B428E89D891}"/>
+                </a:ext>
+              </a:extLst>
+            </p:cNvPr>
+            <p:cNvSpPr/>
+            <p:nvPr/>
+          </p:nvSpPr>
+          <p:spPr>
+            <a:xfrm>
+              <a:off x="675861" y="2143099"/>
+              <a:ext cx="1146691" cy="454327"/>
+            </a:xfrm>
+            <a:prstGeom prst="roundRect">
+              <a:avLst/>
+            </a:prstGeom>
+            <a:ln/>
+          </p:spPr>
+          <p:style>
+            <a:lnRef idx="2">
+              <a:schemeClr val="dk1">
+                <a:shade val="50000"/>
+              </a:schemeClr>
+            </a:lnRef>
+            <a:fillRef idx="1">
+              <a:schemeClr val="dk1"/>
+            </a:fillRef>
+            <a:effectRef idx="0">
+              <a:schemeClr val="dk1"/>
+            </a:effectRef>
+            <a:fontRef idx="minor">
+              <a:schemeClr val="lt1"/>
+            </a:fontRef>
+          </p:style>
+          <p:txBody>
+            <a:bodyPr rtlCol="0" anchor="ctr"/>
+            <a:lstStyle/>
+            <a:p>
+              <a:pPr algn="ctr"/>
+              <a:endParaRPr lang="pl-PL"/>
+            </a:p>
+          </p:txBody>
+        </p:sp>
+        <p:sp>
+          <p:nvSpPr>
+            <p:cNvPr id="41" name="Prostokąt: zaokrąglone rogi 40">
+              <a:extLst>
+                <a:ext uri="{FF2B5EF4-FFF2-40B4-BE49-F238E27FC236}">
+                  <a16:creationId xmlns:a16="http://schemas.microsoft.com/office/drawing/2014/main" id="{14C5D276-FB4A-4E1F-A49A-29AF183DCDFB}"/>
+                </a:ext>
+              </a:extLst>
+            </p:cNvPr>
+            <p:cNvSpPr/>
+            <p:nvPr/>
+          </p:nvSpPr>
+          <p:spPr>
+            <a:xfrm>
+              <a:off x="626022" y="2084909"/>
+              <a:ext cx="1146691" cy="454327"/>
+            </a:xfrm>
+            <a:prstGeom prst="roundRect">
+              <a:avLst/>
+            </a:prstGeom>
+            <a:ln>
+              <a:noFill/>
+            </a:ln>
+          </p:spPr>
+          <p:style>
+            <a:lnRef idx="2">
+              <a:schemeClr val="accent6"/>
+            </a:lnRef>
+            <a:fillRef idx="1">
+              <a:schemeClr val="lt1"/>
+            </a:fillRef>
+            <a:effectRef idx="0">
+              <a:schemeClr val="accent6"/>
+            </a:effectRef>
+            <a:fontRef idx="minor">
+              <a:schemeClr val="dk1"/>
+            </a:fontRef>
+          </p:style>
+          <p:txBody>
+            <a:bodyPr rtlCol="0" anchor="ctr"/>
+            <a:lstStyle/>
+            <a:p>
+              <a:pPr algn="ctr"/>
+              <a:endParaRPr lang="pl-PL"/>
+            </a:p>
+          </p:txBody>
+        </p:sp>
+      </p:grpSp>
+      <p:grpSp>
+        <p:nvGrpSpPr>
+          <p:cNvPr id="42" name="Grupa 41">
+            <a:extLst>
+              <a:ext uri="{FF2B5EF4-FFF2-40B4-BE49-F238E27FC236}">
+                <a16:creationId xmlns:a16="http://schemas.microsoft.com/office/drawing/2014/main" id="{895D51EC-D193-40AF-9C56-06BF09A7BFA3}"/>
+              </a:ext>
+            </a:extLst>
+          </p:cNvPr>
+          <p:cNvGrpSpPr/>
+          <p:nvPr/>
+        </p:nvGrpSpPr>
+        <p:grpSpPr>
+          <a:xfrm>
+            <a:off x="1272651" y="3298167"/>
+            <a:ext cx="1196530" cy="512517"/>
+            <a:chOff x="626022" y="2084909"/>
+            <a:chExt cx="1196530" cy="512517"/>
+          </a:xfrm>
+        </p:grpSpPr>
+        <p:sp>
+          <p:nvSpPr>
+            <p:cNvPr id="43" name="Prostokąt: zaokrąglone rogi 42">
+              <a:extLst>
+                <a:ext uri="{FF2B5EF4-FFF2-40B4-BE49-F238E27FC236}">
+                  <a16:creationId xmlns:a16="http://schemas.microsoft.com/office/drawing/2014/main" id="{00DCDF0E-727D-4BF5-9DF5-D8BA48A388AD}"/>
+                </a:ext>
+              </a:extLst>
+            </p:cNvPr>
+            <p:cNvSpPr/>
+            <p:nvPr/>
+          </p:nvSpPr>
+          <p:spPr>
+            <a:xfrm>
+              <a:off x="675861" y="2143099"/>
+              <a:ext cx="1146691" cy="454327"/>
+            </a:xfrm>
+            <a:prstGeom prst="roundRect">
+              <a:avLst/>
+            </a:prstGeom>
+            <a:ln/>
+          </p:spPr>
+          <p:style>
+            <a:lnRef idx="2">
+              <a:schemeClr val="dk1">
+                <a:shade val="50000"/>
+              </a:schemeClr>
+            </a:lnRef>
+            <a:fillRef idx="1">
+              <a:schemeClr val="dk1"/>
+            </a:fillRef>
+            <a:effectRef idx="0">
+              <a:schemeClr val="dk1"/>
+            </a:effectRef>
+            <a:fontRef idx="minor">
+              <a:schemeClr val="lt1"/>
+            </a:fontRef>
+          </p:style>
+          <p:txBody>
+            <a:bodyPr rtlCol="0" anchor="ctr"/>
+            <a:lstStyle/>
+            <a:p>
+              <a:pPr algn="ctr"/>
+              <a:endParaRPr lang="pl-PL"/>
+            </a:p>
+          </p:txBody>
+        </p:sp>
+        <p:sp>
+          <p:nvSpPr>
+            <p:cNvPr id="44" name="Prostokąt: zaokrąglone rogi 43">
+              <a:extLst>
+                <a:ext uri="{FF2B5EF4-FFF2-40B4-BE49-F238E27FC236}">
+                  <a16:creationId xmlns:a16="http://schemas.microsoft.com/office/drawing/2014/main" id="{FD3B46F1-26CF-4D3B-8DBF-DB717B63D940}"/>
+                </a:ext>
+              </a:extLst>
+            </p:cNvPr>
+            <p:cNvSpPr/>
+            <p:nvPr/>
+          </p:nvSpPr>
+          <p:spPr>
+            <a:xfrm>
+              <a:off x="626022" y="2084909"/>
+              <a:ext cx="1146691" cy="454327"/>
+            </a:xfrm>
+            <a:prstGeom prst="roundRect">
+              <a:avLst/>
+            </a:prstGeom>
+            <a:ln>
+              <a:noFill/>
+            </a:ln>
+          </p:spPr>
+          <p:style>
+            <a:lnRef idx="2">
+              <a:schemeClr val="accent6"/>
+            </a:lnRef>
+            <a:fillRef idx="1">
+              <a:schemeClr val="lt1"/>
+            </a:fillRef>
+            <a:effectRef idx="0">
+              <a:schemeClr val="accent6"/>
+            </a:effectRef>
+            <a:fontRef idx="minor">
+              <a:schemeClr val="dk1"/>
+            </a:fontRef>
+          </p:style>
+          <p:txBody>
+            <a:bodyPr rtlCol="0" anchor="ctr"/>
+            <a:lstStyle/>
+            <a:p>
+              <a:pPr algn="ctr"/>
+              <a:endParaRPr lang="pl-PL"/>
+            </a:p>
+          </p:txBody>
+        </p:sp>
+      </p:grpSp>
+      <p:grpSp>
+        <p:nvGrpSpPr>
+          <p:cNvPr id="45" name="Grupa 44">
+            <a:extLst>
+              <a:ext uri="{FF2B5EF4-FFF2-40B4-BE49-F238E27FC236}">
+                <a16:creationId xmlns:a16="http://schemas.microsoft.com/office/drawing/2014/main" id="{298BB48C-5163-4C6A-8B83-64444EFB2793}"/>
+              </a:ext>
+            </a:extLst>
+          </p:cNvPr>
+          <p:cNvGrpSpPr/>
+          <p:nvPr/>
+        </p:nvGrpSpPr>
+        <p:grpSpPr>
+          <a:xfrm>
+            <a:off x="574211" y="4090246"/>
+            <a:ext cx="1196530" cy="512517"/>
+            <a:chOff x="626022" y="2084909"/>
+            <a:chExt cx="1196530" cy="512517"/>
+          </a:xfrm>
+        </p:grpSpPr>
+        <p:sp>
+          <p:nvSpPr>
+            <p:cNvPr id="46" name="Prostokąt: zaokrąglone rogi 45">
+              <a:extLst>
+                <a:ext uri="{FF2B5EF4-FFF2-40B4-BE49-F238E27FC236}">
+                  <a16:creationId xmlns:a16="http://schemas.microsoft.com/office/drawing/2014/main" id="{145F991F-79B2-4564-A75F-07474B0205B0}"/>
+                </a:ext>
+              </a:extLst>
+            </p:cNvPr>
+            <p:cNvSpPr/>
+            <p:nvPr/>
+          </p:nvSpPr>
+          <p:spPr>
+            <a:xfrm>
+              <a:off x="675861" y="2143099"/>
+              <a:ext cx="1146691" cy="454327"/>
+            </a:xfrm>
+            <a:prstGeom prst="roundRect">
+              <a:avLst/>
+            </a:prstGeom>
+            <a:ln/>
+          </p:spPr>
+          <p:style>
+            <a:lnRef idx="2">
+              <a:schemeClr val="dk1">
+                <a:shade val="50000"/>
+              </a:schemeClr>
+            </a:lnRef>
+            <a:fillRef idx="1">
+              <a:schemeClr val="dk1"/>
+            </a:fillRef>
+            <a:effectRef idx="0">
+              <a:schemeClr val="dk1"/>
+            </a:effectRef>
+            <a:fontRef idx="minor">
+              <a:schemeClr val="lt1"/>
+            </a:fontRef>
+          </p:style>
+          <p:txBody>
+            <a:bodyPr rtlCol="0" anchor="ctr"/>
+            <a:lstStyle/>
+            <a:p>
+              <a:pPr algn="ctr"/>
+              <a:endParaRPr lang="pl-PL"/>
+            </a:p>
+          </p:txBody>
+        </p:sp>
+        <p:sp>
+          <p:nvSpPr>
+            <p:cNvPr id="47" name="Prostokąt: zaokrąglone rogi 46">
+              <a:extLst>
+                <a:ext uri="{FF2B5EF4-FFF2-40B4-BE49-F238E27FC236}">
+                  <a16:creationId xmlns:a16="http://schemas.microsoft.com/office/drawing/2014/main" id="{BF0DB9B8-9D69-446E-B978-C039361DB19F}"/>
+                </a:ext>
+              </a:extLst>
+            </p:cNvPr>
+            <p:cNvSpPr/>
+            <p:nvPr/>
+          </p:nvSpPr>
+          <p:spPr>
+            <a:xfrm>
+              <a:off x="626022" y="2084909"/>
+              <a:ext cx="1146691" cy="454327"/>
+            </a:xfrm>
+            <a:prstGeom prst="roundRect">
+              <a:avLst/>
+            </a:prstGeom>
+            <a:ln>
+              <a:noFill/>
+            </a:ln>
+          </p:spPr>
+          <p:style>
+            <a:lnRef idx="2">
+              <a:schemeClr val="accent6"/>
+            </a:lnRef>
+            <a:fillRef idx="1">
+              <a:schemeClr val="lt1"/>
+            </a:fillRef>
+            <a:effectRef idx="0">
+              <a:schemeClr val="accent6"/>
+            </a:effectRef>
+            <a:fontRef idx="minor">
+              <a:schemeClr val="dk1"/>
+            </a:fontRef>
+          </p:style>
+          <p:txBody>
+            <a:bodyPr rtlCol="0" anchor="ctr"/>
+            <a:lstStyle/>
+            <a:p>
+              <a:pPr algn="ctr"/>
+              <a:endParaRPr lang="pl-PL"/>
+            </a:p>
+          </p:txBody>
+        </p:sp>
+      </p:grpSp>
+      <p:sp>
+        <p:nvSpPr>
+          <p:cNvPr id="48" name="Prostokąt 47">
+            <a:extLst>
+              <a:ext uri="{FF2B5EF4-FFF2-40B4-BE49-F238E27FC236}">
+                <a16:creationId xmlns:a16="http://schemas.microsoft.com/office/drawing/2014/main" id="{8F951DAA-A36D-48DE-8AEC-40985F34D0A5}"/>
+              </a:ext>
+            </a:extLst>
+          </p:cNvPr>
+          <p:cNvSpPr/>
+          <p:nvPr/>
+        </p:nvSpPr>
+        <p:spPr>
+          <a:xfrm>
+            <a:off x="168049" y="5708398"/>
+            <a:ext cx="2460515" cy="707886"/>
+          </a:xfrm>
+          <a:prstGeom prst="rect">
+            <a:avLst/>
+          </a:prstGeom>
+          <a:noFill/>
+        </p:spPr>
+        <p:txBody>
+          <a:bodyPr wrap="square" lIns="91440" tIns="45720" rIns="91440" bIns="45720">
+            <a:spAutoFit/>
+          </a:bodyPr>
+          <a:lstStyle/>
+          <a:p>
+            <a:pPr algn="ctr"/>
+            <a:r>
+              <a:rPr lang="pl-PL" sz="4000" b="1" dirty="0" err="1">
+                <a:ln w="10160">
+                  <a:solidFill>
+                    <a:schemeClr val="accent5"/>
+                  </a:solidFill>
+                  <a:prstDash val="solid"/>
+                </a:ln>
+                <a:solidFill>
+                  <a:srgbClr val="FFFFFF"/>
+                </a:solidFill>
+                <a:effectLst>
+                  <a:outerShdw blurRad="38100" dist="22860" dir="5400000" algn="tl" rotWithShape="0">
+                    <a:srgbClr val="000000">
+                      <a:alpha val="30000"/>
+                    </a:srgbClr>
+                  </a:outerShdw>
+                </a:effectLst>
+              </a:rPr>
+              <a:t>Backlog</a:t>
+            </a:r>
+            <a:endParaRPr lang="pl-PL" sz="4000" b="1" cap="none" spc="0" dirty="0">
+              <a:ln w="10160">
+                <a:solidFill>
+                  <a:schemeClr val="accent5"/>
+                </a:solidFill>
+                <a:prstDash val="solid"/>
+              </a:ln>
+              <a:solidFill>
+                <a:srgbClr val="FFFFFF"/>
+              </a:solidFill>
+              <a:effectLst>
+                <a:outerShdw blurRad="38100" dist="22860" dir="5400000" algn="tl" rotWithShape="0">
+                  <a:srgbClr val="000000">
+                    <a:alpha val="30000"/>
+                  </a:srgbClr>
+                </a:outerShdw>
+              </a:effectLst>
+            </a:endParaRPr>
+          </a:p>
+        </p:txBody>
+      </p:sp>
+      <p:grpSp>
+        <p:nvGrpSpPr>
+          <p:cNvPr id="52" name="Grupa 51">
+            <a:extLst>
+              <a:ext uri="{FF2B5EF4-FFF2-40B4-BE49-F238E27FC236}">
+                <a16:creationId xmlns:a16="http://schemas.microsoft.com/office/drawing/2014/main" id="{15CE7E15-488C-42DD-B721-0B1FDB0D21A0}"/>
+              </a:ext>
+            </a:extLst>
+          </p:cNvPr>
+          <p:cNvGrpSpPr/>
+          <p:nvPr/>
+        </p:nvGrpSpPr>
+        <p:grpSpPr>
+          <a:xfrm>
+            <a:off x="2576183" y="1565329"/>
+            <a:ext cx="170068" cy="4573148"/>
+            <a:chOff x="3015326" y="583457"/>
+            <a:chExt cx="480862" cy="1971789"/>
+          </a:xfrm>
+        </p:grpSpPr>
+        <p:sp>
+          <p:nvSpPr>
+            <p:cNvPr id="50" name="Prostokąt: zaokrąglone rogi 49">
+              <a:extLst>
+                <a:ext uri="{FF2B5EF4-FFF2-40B4-BE49-F238E27FC236}">
+                  <a16:creationId xmlns:a16="http://schemas.microsoft.com/office/drawing/2014/main" id="{4DE2BBEE-9C5C-4C64-8633-8DB8233B0437}"/>
+                </a:ext>
+              </a:extLst>
+            </p:cNvPr>
+            <p:cNvSpPr/>
+            <p:nvPr/>
+          </p:nvSpPr>
+          <p:spPr>
+            <a:xfrm rot="5400000">
+              <a:off x="2315229" y="1374287"/>
+              <a:ext cx="1930895" cy="431023"/>
+            </a:xfrm>
+            <a:prstGeom prst="roundRect">
+              <a:avLst/>
+            </a:prstGeom>
+            <a:ln/>
+          </p:spPr>
+          <p:style>
+            <a:lnRef idx="2">
+              <a:schemeClr val="dk1">
+                <a:shade val="50000"/>
+              </a:schemeClr>
+            </a:lnRef>
+            <a:fillRef idx="1">
+              <a:schemeClr val="dk1"/>
+            </a:fillRef>
+            <a:effectRef idx="0">
+              <a:schemeClr val="dk1"/>
+            </a:effectRef>
+            <a:fontRef idx="minor">
+              <a:schemeClr val="lt1"/>
+            </a:fontRef>
+          </p:style>
+          <p:txBody>
+            <a:bodyPr rtlCol="0" anchor="ctr"/>
+            <a:lstStyle/>
+            <a:p>
+              <a:pPr algn="ctr"/>
+              <a:endParaRPr lang="pl-PL"/>
+            </a:p>
+          </p:txBody>
+        </p:sp>
+        <p:sp>
+          <p:nvSpPr>
+            <p:cNvPr id="51" name="Prostokąt: zaokrąglone rogi 50">
+              <a:extLst>
+                <a:ext uri="{FF2B5EF4-FFF2-40B4-BE49-F238E27FC236}">
+                  <a16:creationId xmlns:a16="http://schemas.microsoft.com/office/drawing/2014/main" id="{1A83F949-267B-4450-ACC5-B122B596FA93}"/>
+                </a:ext>
+              </a:extLst>
+            </p:cNvPr>
+            <p:cNvSpPr/>
+            <p:nvPr/>
+          </p:nvSpPr>
+          <p:spPr>
+            <a:xfrm rot="5400000">
+              <a:off x="2265390" y="1333393"/>
+              <a:ext cx="1930895" cy="431023"/>
+            </a:xfrm>
+            <a:prstGeom prst="roundRect">
+              <a:avLst/>
+            </a:prstGeom>
+            <a:ln>
+              <a:noFill/>
+            </a:ln>
+          </p:spPr>
+          <p:style>
+            <a:lnRef idx="2">
+              <a:schemeClr val="accent6"/>
+            </a:lnRef>
+            <a:fillRef idx="1">
+              <a:schemeClr val="lt1"/>
+            </a:fillRef>
+            <a:effectRef idx="0">
+              <a:schemeClr val="accent6"/>
+            </a:effectRef>
+            <a:fontRef idx="minor">
+              <a:schemeClr val="dk1"/>
+            </a:fontRef>
+          </p:style>
+          <p:txBody>
+            <a:bodyPr rtlCol="0" anchor="ctr"/>
+            <a:lstStyle/>
+            <a:p>
+              <a:pPr algn="ctr"/>
+              <a:endParaRPr lang="pl-PL"/>
+            </a:p>
+          </p:txBody>
+        </p:sp>
+      </p:grpSp>
+      <p:sp>
+        <p:nvSpPr>
+          <p:cNvPr id="54" name="Prostokąt 53">
+            <a:extLst>
+              <a:ext uri="{FF2B5EF4-FFF2-40B4-BE49-F238E27FC236}">
+                <a16:creationId xmlns:a16="http://schemas.microsoft.com/office/drawing/2014/main" id="{02FA3D69-5CEA-448B-9C87-B1D6A23C1915}"/>
+              </a:ext>
+            </a:extLst>
+          </p:cNvPr>
+          <p:cNvSpPr/>
+          <p:nvPr/>
+        </p:nvSpPr>
+        <p:spPr>
+          <a:xfrm>
+            <a:off x="5135923" y="5638389"/>
+            <a:ext cx="2460515" cy="707886"/>
+          </a:xfrm>
+          <a:prstGeom prst="rect">
+            <a:avLst/>
+          </a:prstGeom>
+          <a:noFill/>
+        </p:spPr>
+        <p:txBody>
+          <a:bodyPr wrap="square" lIns="91440" tIns="45720" rIns="91440" bIns="45720">
+            <a:spAutoFit/>
+          </a:bodyPr>
+          <a:lstStyle/>
+          <a:p>
+            <a:pPr algn="ctr"/>
+            <a:r>
+              <a:rPr lang="pl-PL" sz="4000" b="1" dirty="0">
+                <a:ln w="10160">
+                  <a:solidFill>
+                    <a:schemeClr val="accent5"/>
+                  </a:solidFill>
+                  <a:prstDash val="solid"/>
+                </a:ln>
+                <a:solidFill>
+                  <a:srgbClr val="FFFFFF"/>
+                </a:solidFill>
+                <a:effectLst>
+                  <a:outerShdw blurRad="38100" dist="22860" dir="5400000" algn="tl" rotWithShape="0">
+                    <a:srgbClr val="000000">
+                      <a:alpha val="30000"/>
+                    </a:srgbClr>
+                  </a:outerShdw>
+                </a:effectLst>
+              </a:rPr>
+              <a:t>Sprint</a:t>
+            </a:r>
+            <a:endParaRPr lang="pl-PL" sz="4000" b="1" cap="none" spc="0" dirty="0">
+              <a:ln w="10160">
+                <a:solidFill>
+                  <a:schemeClr val="accent5"/>
+                </a:solidFill>
+                <a:prstDash val="solid"/>
+              </a:ln>
+              <a:solidFill>
+                <a:srgbClr val="FFFFFF"/>
+              </a:solidFill>
+              <a:effectLst>
+                <a:outerShdw blurRad="38100" dist="22860" dir="5400000" algn="tl" rotWithShape="0">
+                  <a:srgbClr val="000000">
+                    <a:alpha val="30000"/>
+                  </a:srgbClr>
+                </a:outerShdw>
+              </a:effectLst>
+            </a:endParaRPr>
+          </a:p>
+        </p:txBody>
+      </p:sp>
+      <p:sp>
+        <p:nvSpPr>
+          <p:cNvPr id="55" name="Prostokąt 54">
+            <a:extLst>
+              <a:ext uri="{FF2B5EF4-FFF2-40B4-BE49-F238E27FC236}">
+                <a16:creationId xmlns:a16="http://schemas.microsoft.com/office/drawing/2014/main" id="{A415DDD9-E35E-4133-AF5C-DB5A9E8193E8}"/>
+              </a:ext>
+            </a:extLst>
+          </p:cNvPr>
+          <p:cNvSpPr/>
+          <p:nvPr/>
+        </p:nvSpPr>
+        <p:spPr>
+          <a:xfrm>
+            <a:off x="9477845" y="5638389"/>
+            <a:ext cx="2460515" cy="707886"/>
+          </a:xfrm>
+          <a:prstGeom prst="rect">
+            <a:avLst/>
+          </a:prstGeom>
+          <a:noFill/>
+        </p:spPr>
+        <p:txBody>
+          <a:bodyPr wrap="square" lIns="91440" tIns="45720" rIns="91440" bIns="45720">
+            <a:spAutoFit/>
+          </a:bodyPr>
+          <a:lstStyle/>
+          <a:p>
+            <a:pPr algn="ctr"/>
+            <a:r>
+              <a:rPr lang="pl-PL" sz="4000" b="1" cap="none" spc="0" dirty="0" err="1">
+                <a:ln w="10160">
+                  <a:solidFill>
+                    <a:schemeClr val="accent5"/>
+                  </a:solidFill>
+                  <a:prstDash val="solid"/>
+                </a:ln>
+                <a:solidFill>
+                  <a:srgbClr val="FFFFFF"/>
+                </a:solidFill>
+                <a:effectLst>
+                  <a:outerShdw blurRad="38100" dist="22860" dir="5400000" algn="tl" rotWithShape="0">
+                    <a:srgbClr val="000000">
+                      <a:alpha val="30000"/>
+                    </a:srgbClr>
+                  </a:outerShdw>
+                </a:effectLst>
+              </a:rPr>
+              <a:t>Release</a:t>
+            </a:r>
+            <a:endParaRPr lang="pl-PL" sz="4000" b="1" cap="none" spc="0" dirty="0">
+              <a:ln w="10160">
+                <a:solidFill>
+                  <a:schemeClr val="accent5"/>
+                </a:solidFill>
+                <a:prstDash val="solid"/>
+              </a:ln>
+              <a:solidFill>
+                <a:srgbClr val="FFFFFF"/>
+              </a:solidFill>
+              <a:effectLst>
+                <a:outerShdw blurRad="38100" dist="22860" dir="5400000" algn="tl" rotWithShape="0">
+                  <a:srgbClr val="000000">
+                    <a:alpha val="30000"/>
+                  </a:srgbClr>
+                </a:outerShdw>
+              </a:effectLst>
+            </a:endParaRPr>
+          </a:p>
+        </p:txBody>
+      </p:sp>
+    </p:spTree>
+    <p:extLst>
+      <p:ext uri="{BB962C8B-B14F-4D97-AF65-F5344CB8AC3E}">
+        <p14:creationId xmlns:p14="http://schemas.microsoft.com/office/powerpoint/2010/main" val="601130617"/>
+      </p:ext>
+    </p:extLst>
+  </p:cSld>
+  <p:clrMapOvr>
+    <a:masterClrMapping/>
+  </p:clrMapOvr>
+</p:sld>
+</file>
+
+<file path=ppt/slides/slide11.xml><?xml version="1.0" encoding="utf-8"?>
+<p:sld xmlns:a="http://schemas.openxmlformats.org/drawingml/2006/main" xmlns:r="http://schemas.openxmlformats.org/officeDocument/2006/relationships" xmlns:p="http://schemas.openxmlformats.org/presentationml/2006/main">
+  <p:cSld>
+    <p:bg>
+      <p:bgPr>
+        <a:gradFill>
+          <a:gsLst>
+            <a:gs pos="54000">
+              <a:srgbClr val="07A1D7"/>
+            </a:gs>
+            <a:gs pos="100000">
+              <a:srgbClr val="11CFD9"/>
+            </a:gs>
+          </a:gsLst>
+          <a:lin ang="5400000" scaled="1"/>
+        </a:gradFill>
+        <a:effectLst/>
+      </p:bgPr>
+    </p:bg>
+    <p:spTree>
+      <p:nvGrpSpPr>
+        <p:cNvPr id="1" name=""/>
+        <p:cNvGrpSpPr/>
+        <p:nvPr/>
+      </p:nvGrpSpPr>
+      <p:grpSpPr>
+        <a:xfrm>
+          <a:off x="0" y="0"/>
+          <a:ext cx="0" cy="0"/>
+          <a:chOff x="0" y="0"/>
+          <a:chExt cx="0" cy="0"/>
+        </a:xfrm>
+      </p:grpSpPr>
+      <p:pic>
+        <p:nvPicPr>
+          <p:cNvPr id="5" name="Obraz 4">
+            <a:extLst>
+              <a:ext uri="{FF2B5EF4-FFF2-40B4-BE49-F238E27FC236}">
+                <a16:creationId xmlns:a16="http://schemas.microsoft.com/office/drawing/2014/main" id="{FA2B5562-A690-428E-8278-450D1EECD2E4}"/>
+              </a:ext>
+            </a:extLst>
+          </p:cNvPr>
+          <p:cNvPicPr>
+            <a:picLocks noChangeAspect="1"/>
+          </p:cNvPicPr>
+          <p:nvPr/>
+        </p:nvPicPr>
+        <p:blipFill>
+          <a:blip r:embed="rId3">
+            <a:extLst>
+              <a:ext uri="{28A0092B-C50C-407E-A947-70E740481C1C}">
+                <a14:useLocalDpi xmlns:a14="http://schemas.microsoft.com/office/drawing/2010/main" val="0"/>
+              </a:ext>
+            </a:extLst>
+          </a:blip>
+          <a:stretch>
+            <a:fillRect/>
+          </a:stretch>
+        </p:blipFill>
+        <p:spPr>
+          <a:xfrm>
+            <a:off x="153944" y="139485"/>
+            <a:ext cx="2471463" cy="1425844"/>
+          </a:xfrm>
+          <a:prstGeom prst="rect">
+            <a:avLst/>
+          </a:prstGeom>
+        </p:spPr>
+      </p:pic>
       <p:pic>
         <p:nvPicPr>
           <p:cNvPr id="10" name="Grafika 9" descr="Uścisk dłoni">
@@ -6168,7 +8256,7 @@
 </p:sld>
 </file>
 
-<file path=ppt/slides/slide11.xml><?xml version="1.0" encoding="utf-8"?>
+<file path=ppt/slides/slide12.xml><?xml version="1.0" encoding="utf-8"?>
 <p:sld xmlns:a="http://schemas.openxmlformats.org/drawingml/2006/main" xmlns:r="http://schemas.openxmlformats.org/officeDocument/2006/relationships" xmlns:p="http://schemas.openxmlformats.org/presentationml/2006/main">
   <p:cSld>
     <p:bg>
@@ -10612,7 +12700,7 @@
 </p:sld>
 </file>
 
-<file path=ppt/slides/slide12.xml><?xml version="1.0" encoding="utf-8"?>
+<file path=ppt/slides/slide13.xml><?xml version="1.0" encoding="utf-8"?>
 <p:sld xmlns:a="http://schemas.openxmlformats.org/drawingml/2006/main" xmlns:r="http://schemas.openxmlformats.org/officeDocument/2006/relationships" xmlns:p="http://schemas.openxmlformats.org/presentationml/2006/main">
   <p:cSld>
     <p:bg>
@@ -14646,6 +16734,2852 @@
       <p:bgPr>
         <a:gradFill>
           <a:gsLst>
+            <a:gs pos="46000">
+              <a:srgbClr val="07A1D7"/>
+            </a:gs>
+            <a:gs pos="100000">
+              <a:srgbClr val="11CFD9"/>
+            </a:gs>
+          </a:gsLst>
+          <a:lin ang="5400000" scaled="1"/>
+        </a:gradFill>
+        <a:effectLst/>
+      </p:bgPr>
+    </p:bg>
+    <p:spTree>
+      <p:nvGrpSpPr>
+        <p:cNvPr id="1" name=""/>
+        <p:cNvGrpSpPr/>
+        <p:nvPr/>
+      </p:nvGrpSpPr>
+      <p:grpSpPr>
+        <a:xfrm>
+          <a:off x="0" y="0"/>
+          <a:ext cx="0" cy="0"/>
+          <a:chOff x="0" y="0"/>
+          <a:chExt cx="0" cy="0"/>
+        </a:xfrm>
+      </p:grpSpPr>
+      <p:pic>
+        <p:nvPicPr>
+          <p:cNvPr id="5" name="Obraz 4">
+            <a:extLst>
+              <a:ext uri="{FF2B5EF4-FFF2-40B4-BE49-F238E27FC236}">
+                <a16:creationId xmlns:a16="http://schemas.microsoft.com/office/drawing/2014/main" id="{FA2B5562-A690-428E-8278-450D1EECD2E4}"/>
+              </a:ext>
+            </a:extLst>
+          </p:cNvPr>
+          <p:cNvPicPr>
+            <a:picLocks noChangeAspect="1"/>
+          </p:cNvPicPr>
+          <p:nvPr/>
+        </p:nvPicPr>
+        <p:blipFill>
+          <a:blip r:embed="rId3">
+            <a:extLst>
+              <a:ext uri="{28A0092B-C50C-407E-A947-70E740481C1C}">
+                <a14:useLocalDpi xmlns:a14="http://schemas.microsoft.com/office/drawing/2010/main" val="0"/>
+              </a:ext>
+            </a:extLst>
+          </a:blip>
+          <a:stretch>
+            <a:fillRect/>
+          </a:stretch>
+        </p:blipFill>
+        <p:spPr>
+          <a:xfrm>
+            <a:off x="153944" y="139485"/>
+            <a:ext cx="2471463" cy="1425844"/>
+          </a:xfrm>
+          <a:prstGeom prst="rect">
+            <a:avLst/>
+          </a:prstGeom>
+        </p:spPr>
+      </p:pic>
+      <p:grpSp>
+        <p:nvGrpSpPr>
+          <p:cNvPr id="4" name="Group 3">
+            <a:extLst>
+              <a:ext uri="{FF2B5EF4-FFF2-40B4-BE49-F238E27FC236}">
+                <a16:creationId xmlns:a16="http://schemas.microsoft.com/office/drawing/2014/main" id="{C6B2CFEC-713F-4D74-8AF3-EE3989B1770C}"/>
+              </a:ext>
+            </a:extLst>
+          </p:cNvPr>
+          <p:cNvGrpSpPr/>
+          <p:nvPr/>
+        </p:nvGrpSpPr>
+        <p:grpSpPr>
+          <a:xfrm rot="21103357">
+            <a:off x="1491047" y="3368437"/>
+            <a:ext cx="2233405" cy="2339362"/>
+            <a:chOff x="1143082" y="1895982"/>
+            <a:chExt cx="1710810" cy="1883539"/>
+          </a:xfrm>
+        </p:grpSpPr>
+        <p:cxnSp>
+          <p:nvCxnSpPr>
+            <p:cNvPr id="6" name="Straight Connector 5">
+              <a:extLst>
+                <a:ext uri="{FF2B5EF4-FFF2-40B4-BE49-F238E27FC236}">
+                  <a16:creationId xmlns:a16="http://schemas.microsoft.com/office/drawing/2014/main" id="{D4A5ADE1-74B3-47C5-8762-01821939DA45}"/>
+                </a:ext>
+              </a:extLst>
+            </p:cNvPr>
+            <p:cNvCxnSpPr>
+              <a:cxnSpLocks/>
+            </p:cNvCxnSpPr>
+            <p:nvPr/>
+          </p:nvCxnSpPr>
+          <p:spPr>
+            <a:xfrm>
+              <a:off x="1215769" y="2770769"/>
+              <a:ext cx="171399" cy="603335"/>
+            </a:xfrm>
+            <a:prstGeom prst="line">
+              <a:avLst/>
+            </a:prstGeom>
+            <a:ln w="57150">
+              <a:solidFill>
+                <a:schemeClr val="bg1"/>
+              </a:solidFill>
+            </a:ln>
+          </p:spPr>
+          <p:style>
+            <a:lnRef idx="1">
+              <a:schemeClr val="accent1"/>
+            </a:lnRef>
+            <a:fillRef idx="0">
+              <a:schemeClr val="accent1"/>
+            </a:fillRef>
+            <a:effectRef idx="0">
+              <a:schemeClr val="accent1"/>
+            </a:effectRef>
+            <a:fontRef idx="minor">
+              <a:schemeClr val="tx1"/>
+            </a:fontRef>
+          </p:style>
+        </p:cxnSp>
+        <p:cxnSp>
+          <p:nvCxnSpPr>
+            <p:cNvPr id="7" name="Straight Connector 6">
+              <a:extLst>
+                <a:ext uri="{FF2B5EF4-FFF2-40B4-BE49-F238E27FC236}">
+                  <a16:creationId xmlns:a16="http://schemas.microsoft.com/office/drawing/2014/main" id="{C6BDB7A9-DC05-41D0-90D9-DEF2A3777E14}"/>
+                </a:ext>
+              </a:extLst>
+            </p:cNvPr>
+            <p:cNvCxnSpPr>
+              <a:cxnSpLocks/>
+            </p:cNvCxnSpPr>
+            <p:nvPr/>
+          </p:nvCxnSpPr>
+          <p:spPr>
+            <a:xfrm flipV="1">
+              <a:off x="1387168" y="3077936"/>
+              <a:ext cx="602250" cy="314403"/>
+            </a:xfrm>
+            <a:prstGeom prst="line">
+              <a:avLst/>
+            </a:prstGeom>
+            <a:ln w="57150">
+              <a:solidFill>
+                <a:schemeClr val="bg1"/>
+              </a:solidFill>
+            </a:ln>
+          </p:spPr>
+          <p:style>
+            <a:lnRef idx="1">
+              <a:schemeClr val="accent1"/>
+            </a:lnRef>
+            <a:fillRef idx="0">
+              <a:schemeClr val="accent1"/>
+            </a:fillRef>
+            <a:effectRef idx="0">
+              <a:schemeClr val="accent1"/>
+            </a:effectRef>
+            <a:fontRef idx="minor">
+              <a:schemeClr val="tx1"/>
+            </a:fontRef>
+          </p:style>
+        </p:cxnSp>
+        <p:cxnSp>
+          <p:nvCxnSpPr>
+            <p:cNvPr id="8" name="Straight Connector 7">
+              <a:extLst>
+                <a:ext uri="{FF2B5EF4-FFF2-40B4-BE49-F238E27FC236}">
+                  <a16:creationId xmlns:a16="http://schemas.microsoft.com/office/drawing/2014/main" id="{9D20DACA-1F8F-4843-A9CB-29F50ECFDD1E}"/>
+                </a:ext>
+              </a:extLst>
+            </p:cNvPr>
+            <p:cNvCxnSpPr>
+              <a:cxnSpLocks/>
+            </p:cNvCxnSpPr>
+            <p:nvPr/>
+          </p:nvCxnSpPr>
+          <p:spPr>
+            <a:xfrm flipV="1">
+              <a:off x="1197871" y="2587525"/>
+              <a:ext cx="641581" cy="194718"/>
+            </a:xfrm>
+            <a:prstGeom prst="line">
+              <a:avLst/>
+            </a:prstGeom>
+            <a:ln w="57150">
+              <a:solidFill>
+                <a:schemeClr val="bg1"/>
+              </a:solidFill>
+            </a:ln>
+          </p:spPr>
+          <p:style>
+            <a:lnRef idx="1">
+              <a:schemeClr val="accent1"/>
+            </a:lnRef>
+            <a:fillRef idx="0">
+              <a:schemeClr val="accent1"/>
+            </a:fillRef>
+            <a:effectRef idx="0">
+              <a:schemeClr val="accent1"/>
+            </a:effectRef>
+            <a:fontRef idx="minor">
+              <a:schemeClr val="tx1"/>
+            </a:fontRef>
+          </p:style>
+        </p:cxnSp>
+        <p:cxnSp>
+          <p:nvCxnSpPr>
+            <p:cNvPr id="9" name="Straight Connector 8">
+              <a:extLst>
+                <a:ext uri="{FF2B5EF4-FFF2-40B4-BE49-F238E27FC236}">
+                  <a16:creationId xmlns:a16="http://schemas.microsoft.com/office/drawing/2014/main" id="{0C745472-5472-49E3-9D6F-FAD89FB16E21}"/>
+                </a:ext>
+              </a:extLst>
+            </p:cNvPr>
+            <p:cNvCxnSpPr>
+              <a:cxnSpLocks/>
+            </p:cNvCxnSpPr>
+            <p:nvPr/>
+          </p:nvCxnSpPr>
+          <p:spPr>
+            <a:xfrm>
+              <a:off x="1806255" y="2587524"/>
+              <a:ext cx="183163" cy="490412"/>
+            </a:xfrm>
+            <a:prstGeom prst="line">
+              <a:avLst/>
+            </a:prstGeom>
+            <a:ln w="57150">
+              <a:solidFill>
+                <a:schemeClr val="bg1"/>
+              </a:solidFill>
+            </a:ln>
+          </p:spPr>
+          <p:style>
+            <a:lnRef idx="1">
+              <a:schemeClr val="accent1"/>
+            </a:lnRef>
+            <a:fillRef idx="0">
+              <a:schemeClr val="accent1"/>
+            </a:fillRef>
+            <a:effectRef idx="0">
+              <a:schemeClr val="accent1"/>
+            </a:effectRef>
+            <a:fontRef idx="minor">
+              <a:schemeClr val="tx1"/>
+            </a:fontRef>
+          </p:style>
+        </p:cxnSp>
+        <p:cxnSp>
+          <p:nvCxnSpPr>
+            <p:cNvPr id="10" name="Straight Connector 9">
+              <a:extLst>
+                <a:ext uri="{FF2B5EF4-FFF2-40B4-BE49-F238E27FC236}">
+                  <a16:creationId xmlns:a16="http://schemas.microsoft.com/office/drawing/2014/main" id="{7492F12A-3B22-4CD9-902B-28031148FE7D}"/>
+                </a:ext>
+              </a:extLst>
+            </p:cNvPr>
+            <p:cNvCxnSpPr>
+              <a:cxnSpLocks/>
+            </p:cNvCxnSpPr>
+            <p:nvPr/>
+          </p:nvCxnSpPr>
+          <p:spPr>
+            <a:xfrm>
+              <a:off x="1568261" y="3292701"/>
+              <a:ext cx="271191" cy="486820"/>
+            </a:xfrm>
+            <a:prstGeom prst="line">
+              <a:avLst/>
+            </a:prstGeom>
+            <a:ln w="57150">
+              <a:solidFill>
+                <a:schemeClr val="bg1"/>
+              </a:solidFill>
+            </a:ln>
+          </p:spPr>
+          <p:style>
+            <a:lnRef idx="1">
+              <a:schemeClr val="accent1"/>
+            </a:lnRef>
+            <a:fillRef idx="0">
+              <a:schemeClr val="accent1"/>
+            </a:fillRef>
+            <a:effectRef idx="0">
+              <a:schemeClr val="accent1"/>
+            </a:effectRef>
+            <a:fontRef idx="minor">
+              <a:schemeClr val="tx1"/>
+            </a:fontRef>
+          </p:style>
+        </p:cxnSp>
+        <p:cxnSp>
+          <p:nvCxnSpPr>
+            <p:cNvPr id="11" name="Straight Connector 10">
+              <a:extLst>
+                <a:ext uri="{FF2B5EF4-FFF2-40B4-BE49-F238E27FC236}">
+                  <a16:creationId xmlns:a16="http://schemas.microsoft.com/office/drawing/2014/main" id="{FDF1A634-6DD0-4B57-BFD6-6D4EC8CD3FEE}"/>
+                </a:ext>
+              </a:extLst>
+            </p:cNvPr>
+            <p:cNvCxnSpPr>
+              <a:cxnSpLocks/>
+            </p:cNvCxnSpPr>
+            <p:nvPr/>
+          </p:nvCxnSpPr>
+          <p:spPr>
+            <a:xfrm>
+              <a:off x="1726406" y="3209415"/>
+              <a:ext cx="298667" cy="502805"/>
+            </a:xfrm>
+            <a:prstGeom prst="line">
+              <a:avLst/>
+            </a:prstGeom>
+            <a:ln w="57150">
+              <a:solidFill>
+                <a:schemeClr val="bg1"/>
+              </a:solidFill>
+            </a:ln>
+          </p:spPr>
+          <p:style>
+            <a:lnRef idx="1">
+              <a:schemeClr val="accent1"/>
+            </a:lnRef>
+            <a:fillRef idx="0">
+              <a:schemeClr val="accent1"/>
+            </a:fillRef>
+            <a:effectRef idx="0">
+              <a:schemeClr val="accent1"/>
+            </a:effectRef>
+            <a:fontRef idx="minor">
+              <a:schemeClr val="tx1"/>
+            </a:fontRef>
+          </p:style>
+        </p:cxnSp>
+        <p:cxnSp>
+          <p:nvCxnSpPr>
+            <p:cNvPr id="12" name="Straight Connector 11">
+              <a:extLst>
+                <a:ext uri="{FF2B5EF4-FFF2-40B4-BE49-F238E27FC236}">
+                  <a16:creationId xmlns:a16="http://schemas.microsoft.com/office/drawing/2014/main" id="{BA510A65-4763-4F68-BB73-3286D2945062}"/>
+                </a:ext>
+              </a:extLst>
+            </p:cNvPr>
+            <p:cNvCxnSpPr>
+              <a:cxnSpLocks/>
+            </p:cNvCxnSpPr>
+            <p:nvPr/>
+          </p:nvCxnSpPr>
+          <p:spPr>
+            <a:xfrm flipH="1">
+              <a:off x="1812813" y="3679010"/>
+              <a:ext cx="229883" cy="100511"/>
+            </a:xfrm>
+            <a:prstGeom prst="line">
+              <a:avLst/>
+            </a:prstGeom>
+            <a:ln w="57150">
+              <a:solidFill>
+                <a:schemeClr val="bg1"/>
+              </a:solidFill>
+            </a:ln>
+          </p:spPr>
+          <p:style>
+            <a:lnRef idx="1">
+              <a:schemeClr val="accent1"/>
+            </a:lnRef>
+            <a:fillRef idx="0">
+              <a:schemeClr val="accent1"/>
+            </a:fillRef>
+            <a:effectRef idx="0">
+              <a:schemeClr val="accent1"/>
+            </a:effectRef>
+            <a:fontRef idx="minor">
+              <a:schemeClr val="tx1"/>
+            </a:fontRef>
+          </p:style>
+        </p:cxnSp>
+        <p:cxnSp>
+          <p:nvCxnSpPr>
+            <p:cNvPr id="13" name="Straight Connector 12">
+              <a:extLst>
+                <a:ext uri="{FF2B5EF4-FFF2-40B4-BE49-F238E27FC236}">
+                  <a16:creationId xmlns:a16="http://schemas.microsoft.com/office/drawing/2014/main" id="{78F1DDD2-1E7C-4B61-B2C6-BF776077CC9F}"/>
+                </a:ext>
+              </a:extLst>
+            </p:cNvPr>
+            <p:cNvCxnSpPr>
+              <a:cxnSpLocks/>
+            </p:cNvCxnSpPr>
+            <p:nvPr/>
+          </p:nvCxnSpPr>
+          <p:spPr>
+            <a:xfrm>
+              <a:off x="1154664" y="2996117"/>
+              <a:ext cx="86415" cy="254115"/>
+            </a:xfrm>
+            <a:prstGeom prst="line">
+              <a:avLst/>
+            </a:prstGeom>
+            <a:ln w="57150">
+              <a:solidFill>
+                <a:schemeClr val="bg1"/>
+              </a:solidFill>
+            </a:ln>
+          </p:spPr>
+          <p:style>
+            <a:lnRef idx="1">
+              <a:schemeClr val="accent1"/>
+            </a:lnRef>
+            <a:fillRef idx="0">
+              <a:schemeClr val="accent1"/>
+            </a:fillRef>
+            <a:effectRef idx="0">
+              <a:schemeClr val="accent1"/>
+            </a:effectRef>
+            <a:fontRef idx="minor">
+              <a:schemeClr val="tx1"/>
+            </a:fontRef>
+          </p:style>
+        </p:cxnSp>
+        <p:cxnSp>
+          <p:nvCxnSpPr>
+            <p:cNvPr id="14" name="Straight Connector 13">
+              <a:extLst>
+                <a:ext uri="{FF2B5EF4-FFF2-40B4-BE49-F238E27FC236}">
+                  <a16:creationId xmlns:a16="http://schemas.microsoft.com/office/drawing/2014/main" id="{36CABD91-3B56-4A73-AB25-0D80823B24AE}"/>
+                </a:ext>
+              </a:extLst>
+            </p:cNvPr>
+            <p:cNvCxnSpPr>
+              <a:cxnSpLocks/>
+            </p:cNvCxnSpPr>
+            <p:nvPr/>
+          </p:nvCxnSpPr>
+          <p:spPr>
+            <a:xfrm flipH="1">
+              <a:off x="1143082" y="2969633"/>
+              <a:ext cx="110110" cy="52968"/>
+            </a:xfrm>
+            <a:prstGeom prst="line">
+              <a:avLst/>
+            </a:prstGeom>
+            <a:ln w="57150">
+              <a:solidFill>
+                <a:schemeClr val="bg1"/>
+              </a:solidFill>
+            </a:ln>
+          </p:spPr>
+          <p:style>
+            <a:lnRef idx="1">
+              <a:schemeClr val="accent1"/>
+            </a:lnRef>
+            <a:fillRef idx="0">
+              <a:schemeClr val="accent1"/>
+            </a:fillRef>
+            <a:effectRef idx="0">
+              <a:schemeClr val="accent1"/>
+            </a:effectRef>
+            <a:fontRef idx="minor">
+              <a:schemeClr val="tx1"/>
+            </a:fontRef>
+          </p:style>
+        </p:cxnSp>
+        <p:cxnSp>
+          <p:nvCxnSpPr>
+            <p:cNvPr id="15" name="Straight Connector 14">
+              <a:extLst>
+                <a:ext uri="{FF2B5EF4-FFF2-40B4-BE49-F238E27FC236}">
+                  <a16:creationId xmlns:a16="http://schemas.microsoft.com/office/drawing/2014/main" id="{909D4C96-9239-4A09-A9D2-F07761CD6D4D}"/>
+                </a:ext>
+              </a:extLst>
+            </p:cNvPr>
+            <p:cNvCxnSpPr>
+              <a:cxnSpLocks/>
+            </p:cNvCxnSpPr>
+            <p:nvPr/>
+          </p:nvCxnSpPr>
+          <p:spPr>
+            <a:xfrm flipH="1">
+              <a:off x="1234556" y="3169015"/>
+              <a:ext cx="110110" cy="52968"/>
+            </a:xfrm>
+            <a:prstGeom prst="line">
+              <a:avLst/>
+            </a:prstGeom>
+            <a:ln w="57150">
+              <a:solidFill>
+                <a:schemeClr val="bg1"/>
+              </a:solidFill>
+            </a:ln>
+          </p:spPr>
+          <p:style>
+            <a:lnRef idx="1">
+              <a:schemeClr val="accent1"/>
+            </a:lnRef>
+            <a:fillRef idx="0">
+              <a:schemeClr val="accent1"/>
+            </a:fillRef>
+            <a:effectRef idx="0">
+              <a:schemeClr val="accent1"/>
+            </a:effectRef>
+            <a:fontRef idx="minor">
+              <a:schemeClr val="tx1"/>
+            </a:fontRef>
+          </p:style>
+        </p:cxnSp>
+        <p:cxnSp>
+          <p:nvCxnSpPr>
+            <p:cNvPr id="16" name="Straight Connector 15">
+              <a:extLst>
+                <a:ext uri="{FF2B5EF4-FFF2-40B4-BE49-F238E27FC236}">
+                  <a16:creationId xmlns:a16="http://schemas.microsoft.com/office/drawing/2014/main" id="{25BF4679-B471-44F2-93B8-F311CAD7CDB7}"/>
+                </a:ext>
+              </a:extLst>
+            </p:cNvPr>
+            <p:cNvCxnSpPr>
+              <a:cxnSpLocks/>
+            </p:cNvCxnSpPr>
+            <p:nvPr/>
+          </p:nvCxnSpPr>
+          <p:spPr>
+            <a:xfrm>
+              <a:off x="2367295" y="1895982"/>
+              <a:ext cx="486597" cy="1227192"/>
+            </a:xfrm>
+            <a:prstGeom prst="line">
+              <a:avLst/>
+            </a:prstGeom>
+            <a:ln w="57150">
+              <a:solidFill>
+                <a:schemeClr val="bg1"/>
+              </a:solidFill>
+            </a:ln>
+          </p:spPr>
+          <p:style>
+            <a:lnRef idx="1">
+              <a:schemeClr val="accent1"/>
+            </a:lnRef>
+            <a:fillRef idx="0">
+              <a:schemeClr val="accent1"/>
+            </a:fillRef>
+            <a:effectRef idx="0">
+              <a:schemeClr val="accent1"/>
+            </a:effectRef>
+            <a:fontRef idx="minor">
+              <a:schemeClr val="tx1"/>
+            </a:fontRef>
+          </p:style>
+        </p:cxnSp>
+        <p:cxnSp>
+          <p:nvCxnSpPr>
+            <p:cNvPr id="17" name="Straight Connector 16">
+              <a:extLst>
+                <a:ext uri="{FF2B5EF4-FFF2-40B4-BE49-F238E27FC236}">
+                  <a16:creationId xmlns:a16="http://schemas.microsoft.com/office/drawing/2014/main" id="{C90461E0-F9B2-4EC8-89BC-EDF587F55985}"/>
+                </a:ext>
+              </a:extLst>
+            </p:cNvPr>
+            <p:cNvCxnSpPr>
+              <a:cxnSpLocks/>
+            </p:cNvCxnSpPr>
+            <p:nvPr/>
+          </p:nvCxnSpPr>
+          <p:spPr>
+            <a:xfrm flipH="1">
+              <a:off x="2685260" y="2640243"/>
+              <a:ext cx="68581" cy="44403"/>
+            </a:xfrm>
+            <a:prstGeom prst="line">
+              <a:avLst/>
+            </a:prstGeom>
+            <a:ln w="57150">
+              <a:solidFill>
+                <a:schemeClr val="bg1"/>
+              </a:solidFill>
+            </a:ln>
+          </p:spPr>
+          <p:style>
+            <a:lnRef idx="1">
+              <a:schemeClr val="accent1"/>
+            </a:lnRef>
+            <a:fillRef idx="0">
+              <a:schemeClr val="accent1"/>
+            </a:fillRef>
+            <a:effectRef idx="0">
+              <a:schemeClr val="accent1"/>
+            </a:effectRef>
+            <a:fontRef idx="minor">
+              <a:schemeClr val="tx1"/>
+            </a:fontRef>
+          </p:style>
+        </p:cxnSp>
+        <p:cxnSp>
+          <p:nvCxnSpPr>
+            <p:cNvPr id="18" name="Straight Connector 17">
+              <a:extLst>
+                <a:ext uri="{FF2B5EF4-FFF2-40B4-BE49-F238E27FC236}">
+                  <a16:creationId xmlns:a16="http://schemas.microsoft.com/office/drawing/2014/main" id="{FD0316A3-E0C1-4F9B-8E87-44FCA7277166}"/>
+                </a:ext>
+              </a:extLst>
+            </p:cNvPr>
+            <p:cNvCxnSpPr>
+              <a:cxnSpLocks/>
+            </p:cNvCxnSpPr>
+            <p:nvPr/>
+          </p:nvCxnSpPr>
+          <p:spPr>
+            <a:xfrm flipH="1">
+              <a:off x="2533074" y="2269394"/>
+              <a:ext cx="68581" cy="44403"/>
+            </a:xfrm>
+            <a:prstGeom prst="line">
+              <a:avLst/>
+            </a:prstGeom>
+            <a:ln w="57150">
+              <a:solidFill>
+                <a:schemeClr val="bg1"/>
+              </a:solidFill>
+            </a:ln>
+          </p:spPr>
+          <p:style>
+            <a:lnRef idx="1">
+              <a:schemeClr val="accent1"/>
+            </a:lnRef>
+            <a:fillRef idx="0">
+              <a:schemeClr val="accent1"/>
+            </a:fillRef>
+            <a:effectRef idx="0">
+              <a:schemeClr val="accent1"/>
+            </a:effectRef>
+            <a:fontRef idx="minor">
+              <a:schemeClr val="tx1"/>
+            </a:fontRef>
+          </p:style>
+        </p:cxnSp>
+        <p:cxnSp>
+          <p:nvCxnSpPr>
+            <p:cNvPr id="19" name="Straight Connector 18">
+              <a:extLst>
+                <a:ext uri="{FF2B5EF4-FFF2-40B4-BE49-F238E27FC236}">
+                  <a16:creationId xmlns:a16="http://schemas.microsoft.com/office/drawing/2014/main" id="{1FA23A54-D366-4BF0-8187-A0F4852396A6}"/>
+                </a:ext>
+              </a:extLst>
+            </p:cNvPr>
+            <p:cNvCxnSpPr>
+              <a:cxnSpLocks/>
+            </p:cNvCxnSpPr>
+            <p:nvPr/>
+          </p:nvCxnSpPr>
+          <p:spPr>
+            <a:xfrm>
+              <a:off x="2595829" y="2269394"/>
+              <a:ext cx="158012" cy="393050"/>
+            </a:xfrm>
+            <a:prstGeom prst="line">
+              <a:avLst/>
+            </a:prstGeom>
+            <a:ln w="28575">
+              <a:solidFill>
+                <a:schemeClr val="bg1"/>
+              </a:solidFill>
+            </a:ln>
+          </p:spPr>
+          <p:style>
+            <a:lnRef idx="1">
+              <a:schemeClr val="accent1"/>
+            </a:lnRef>
+            <a:fillRef idx="0">
+              <a:schemeClr val="accent1"/>
+            </a:fillRef>
+            <a:effectRef idx="0">
+              <a:schemeClr val="accent1"/>
+            </a:effectRef>
+            <a:fontRef idx="minor">
+              <a:schemeClr val="tx1"/>
+            </a:fontRef>
+          </p:style>
+        </p:cxnSp>
+        <p:cxnSp>
+          <p:nvCxnSpPr>
+            <p:cNvPr id="20" name="Straight Connector 19">
+              <a:extLst>
+                <a:ext uri="{FF2B5EF4-FFF2-40B4-BE49-F238E27FC236}">
+                  <a16:creationId xmlns:a16="http://schemas.microsoft.com/office/drawing/2014/main" id="{82C83292-F433-4599-A38D-770A9ED2A2E0}"/>
+                </a:ext>
+              </a:extLst>
+            </p:cNvPr>
+            <p:cNvCxnSpPr>
+              <a:cxnSpLocks/>
+            </p:cNvCxnSpPr>
+            <p:nvPr/>
+          </p:nvCxnSpPr>
+          <p:spPr>
+            <a:xfrm flipV="1">
+              <a:off x="1543759" y="2840756"/>
+              <a:ext cx="250576" cy="89096"/>
+            </a:xfrm>
+            <a:prstGeom prst="line">
+              <a:avLst/>
+            </a:prstGeom>
+            <a:ln w="28575">
+              <a:solidFill>
+                <a:schemeClr val="bg1"/>
+              </a:solidFill>
+            </a:ln>
+          </p:spPr>
+          <p:style>
+            <a:lnRef idx="1">
+              <a:schemeClr val="accent1"/>
+            </a:lnRef>
+            <a:fillRef idx="0">
+              <a:schemeClr val="accent1"/>
+            </a:fillRef>
+            <a:effectRef idx="0">
+              <a:schemeClr val="accent1"/>
+            </a:effectRef>
+            <a:fontRef idx="minor">
+              <a:schemeClr val="tx1"/>
+            </a:fontRef>
+          </p:style>
+        </p:cxnSp>
+        <p:cxnSp>
+          <p:nvCxnSpPr>
+            <p:cNvPr id="21" name="Straight Connector 20">
+              <a:extLst>
+                <a:ext uri="{FF2B5EF4-FFF2-40B4-BE49-F238E27FC236}">
+                  <a16:creationId xmlns:a16="http://schemas.microsoft.com/office/drawing/2014/main" id="{7E58EA91-4721-4713-B3D1-D19B4264201D}"/>
+                </a:ext>
+              </a:extLst>
+            </p:cNvPr>
+            <p:cNvCxnSpPr>
+              <a:cxnSpLocks/>
+            </p:cNvCxnSpPr>
+            <p:nvPr/>
+          </p:nvCxnSpPr>
+          <p:spPr>
+            <a:xfrm flipV="1">
+              <a:off x="1508642" y="2737282"/>
+              <a:ext cx="217764" cy="95448"/>
+            </a:xfrm>
+            <a:prstGeom prst="line">
+              <a:avLst/>
+            </a:prstGeom>
+            <a:ln w="28575">
+              <a:solidFill>
+                <a:schemeClr val="bg1"/>
+              </a:solidFill>
+            </a:ln>
+          </p:spPr>
+          <p:style>
+            <a:lnRef idx="1">
+              <a:schemeClr val="accent1"/>
+            </a:lnRef>
+            <a:fillRef idx="0">
+              <a:schemeClr val="accent1"/>
+            </a:fillRef>
+            <a:effectRef idx="0">
+              <a:schemeClr val="accent1"/>
+            </a:effectRef>
+            <a:fontRef idx="minor">
+              <a:schemeClr val="tx1"/>
+            </a:fontRef>
+          </p:style>
+        </p:cxnSp>
+        <p:cxnSp>
+          <p:nvCxnSpPr>
+            <p:cNvPr id="22" name="Straight Connector 21">
+              <a:extLst>
+                <a:ext uri="{FF2B5EF4-FFF2-40B4-BE49-F238E27FC236}">
+                  <a16:creationId xmlns:a16="http://schemas.microsoft.com/office/drawing/2014/main" id="{1983016B-E603-466B-95B9-555E8EBCDBDF}"/>
+                </a:ext>
+              </a:extLst>
+            </p:cNvPr>
+            <p:cNvCxnSpPr>
+              <a:cxnSpLocks/>
+            </p:cNvCxnSpPr>
+            <p:nvPr/>
+          </p:nvCxnSpPr>
+          <p:spPr>
+            <a:xfrm flipV="1">
+              <a:off x="1585707" y="2964534"/>
+              <a:ext cx="232197" cy="54889"/>
+            </a:xfrm>
+            <a:prstGeom prst="line">
+              <a:avLst/>
+            </a:prstGeom>
+            <a:ln w="28575">
+              <a:solidFill>
+                <a:schemeClr val="bg1"/>
+              </a:solidFill>
+            </a:ln>
+          </p:spPr>
+          <p:style>
+            <a:lnRef idx="1">
+              <a:schemeClr val="accent1"/>
+            </a:lnRef>
+            <a:fillRef idx="0">
+              <a:schemeClr val="accent1"/>
+            </a:fillRef>
+            <a:effectRef idx="0">
+              <a:schemeClr val="accent1"/>
+            </a:effectRef>
+            <a:fontRef idx="minor">
+              <a:schemeClr val="tx1"/>
+            </a:fontRef>
+          </p:style>
+        </p:cxnSp>
+        <p:sp>
+          <p:nvSpPr>
+            <p:cNvPr id="23" name="Freeform: Shape 22">
+              <a:extLst>
+                <a:ext uri="{FF2B5EF4-FFF2-40B4-BE49-F238E27FC236}">
+                  <a16:creationId xmlns:a16="http://schemas.microsoft.com/office/drawing/2014/main" id="{03BC7FBB-DB22-415B-8150-365D6204A8D8}"/>
+                </a:ext>
+              </a:extLst>
+            </p:cNvPr>
+            <p:cNvSpPr/>
+            <p:nvPr/>
+          </p:nvSpPr>
+          <p:spPr>
+            <a:xfrm>
+              <a:off x="1823720" y="1910081"/>
+              <a:ext cx="543560" cy="680720"/>
+            </a:xfrm>
+            <a:custGeom>
+              <a:avLst/>
+              <a:gdLst>
+                <a:gd name="connsiteX0" fmla="*/ 543560 w 543560"/>
+                <a:gd name="connsiteY0" fmla="*/ 0 h 680720"/>
+                <a:gd name="connsiteX1" fmla="*/ 309880 w 543560"/>
+                <a:gd name="connsiteY1" fmla="*/ 416560 h 680720"/>
+                <a:gd name="connsiteX2" fmla="*/ 0 w 543560"/>
+                <a:gd name="connsiteY2" fmla="*/ 680720 h 680720"/>
+              </a:gdLst>
+              <a:ahLst/>
+              <a:cxnLst>
+                <a:cxn ang="0">
+                  <a:pos x="connsiteX0" y="connsiteY0"/>
+                </a:cxn>
+                <a:cxn ang="0">
+                  <a:pos x="connsiteX1" y="connsiteY1"/>
+                </a:cxn>
+                <a:cxn ang="0">
+                  <a:pos x="connsiteX2" y="connsiteY2"/>
+                </a:cxn>
+              </a:cxnLst>
+              <a:rect l="l" t="t" r="r" b="b"/>
+              <a:pathLst>
+                <a:path w="543560" h="680720">
+                  <a:moveTo>
+                    <a:pt x="543560" y="0"/>
+                  </a:moveTo>
+                  <a:cubicBezTo>
+                    <a:pt x="472016" y="151553"/>
+                    <a:pt x="400473" y="303107"/>
+                    <a:pt x="309880" y="416560"/>
+                  </a:cubicBezTo>
+                  <a:cubicBezTo>
+                    <a:pt x="219287" y="530013"/>
+                    <a:pt x="109643" y="605366"/>
+                    <a:pt x="0" y="680720"/>
+                  </a:cubicBezTo>
+                </a:path>
+              </a:pathLst>
+            </a:custGeom>
+            <a:noFill/>
+            <a:ln w="38100">
+              <a:solidFill>
+                <a:schemeClr val="bg1"/>
+              </a:solidFill>
+            </a:ln>
+          </p:spPr>
+          <p:style>
+            <a:lnRef idx="2">
+              <a:schemeClr val="accent1">
+                <a:shade val="50000"/>
+              </a:schemeClr>
+            </a:lnRef>
+            <a:fillRef idx="1">
+              <a:schemeClr val="accent1"/>
+            </a:fillRef>
+            <a:effectRef idx="0">
+              <a:schemeClr val="accent1"/>
+            </a:effectRef>
+            <a:fontRef idx="minor">
+              <a:schemeClr val="lt1"/>
+            </a:fontRef>
+          </p:style>
+          <p:txBody>
+            <a:bodyPr rtlCol="0" anchor="ctr"/>
+            <a:lstStyle/>
+            <a:p>
+              <a:pPr algn="ctr"/>
+              <a:endParaRPr lang="en-US"/>
+            </a:p>
+          </p:txBody>
+        </p:sp>
+        <p:sp>
+          <p:nvSpPr>
+            <p:cNvPr id="24" name="Freeform: Shape 23">
+              <a:extLst>
+                <a:ext uri="{FF2B5EF4-FFF2-40B4-BE49-F238E27FC236}">
+                  <a16:creationId xmlns:a16="http://schemas.microsoft.com/office/drawing/2014/main" id="{9CFCA34F-0E6B-4C07-A419-CF6E19CF66C9}"/>
+                </a:ext>
+              </a:extLst>
+            </p:cNvPr>
+            <p:cNvSpPr/>
+            <p:nvPr/>
+          </p:nvSpPr>
+          <p:spPr>
+            <a:xfrm rot="4486440" flipH="1" flipV="1">
+              <a:off x="2292645" y="2685507"/>
+              <a:ext cx="269461" cy="834492"/>
+            </a:xfrm>
+            <a:custGeom>
+              <a:avLst/>
+              <a:gdLst>
+                <a:gd name="connsiteX0" fmla="*/ 543560 w 543560"/>
+                <a:gd name="connsiteY0" fmla="*/ 0 h 680720"/>
+                <a:gd name="connsiteX1" fmla="*/ 309880 w 543560"/>
+                <a:gd name="connsiteY1" fmla="*/ 416560 h 680720"/>
+                <a:gd name="connsiteX2" fmla="*/ 0 w 543560"/>
+                <a:gd name="connsiteY2" fmla="*/ 680720 h 680720"/>
+              </a:gdLst>
+              <a:ahLst/>
+              <a:cxnLst>
+                <a:cxn ang="0">
+                  <a:pos x="connsiteX0" y="connsiteY0"/>
+                </a:cxn>
+                <a:cxn ang="0">
+                  <a:pos x="connsiteX1" y="connsiteY1"/>
+                </a:cxn>
+                <a:cxn ang="0">
+                  <a:pos x="connsiteX2" y="connsiteY2"/>
+                </a:cxn>
+              </a:cxnLst>
+              <a:rect l="l" t="t" r="r" b="b"/>
+              <a:pathLst>
+                <a:path w="543560" h="680720">
+                  <a:moveTo>
+                    <a:pt x="543560" y="0"/>
+                  </a:moveTo>
+                  <a:cubicBezTo>
+                    <a:pt x="472016" y="151553"/>
+                    <a:pt x="400473" y="303107"/>
+                    <a:pt x="309880" y="416560"/>
+                  </a:cubicBezTo>
+                  <a:cubicBezTo>
+                    <a:pt x="219287" y="530013"/>
+                    <a:pt x="109643" y="605366"/>
+                    <a:pt x="0" y="680720"/>
+                  </a:cubicBezTo>
+                </a:path>
+              </a:pathLst>
+            </a:custGeom>
+            <a:noFill/>
+            <a:ln w="38100">
+              <a:solidFill>
+                <a:schemeClr val="bg1"/>
+              </a:solidFill>
+            </a:ln>
+          </p:spPr>
+          <p:style>
+            <a:lnRef idx="2">
+              <a:schemeClr val="accent1">
+                <a:shade val="50000"/>
+              </a:schemeClr>
+            </a:lnRef>
+            <a:fillRef idx="1">
+              <a:schemeClr val="accent1"/>
+            </a:fillRef>
+            <a:effectRef idx="0">
+              <a:schemeClr val="accent1"/>
+            </a:effectRef>
+            <a:fontRef idx="minor">
+              <a:schemeClr val="lt1"/>
+            </a:fontRef>
+          </p:style>
+          <p:txBody>
+            <a:bodyPr rtlCol="0" anchor="ctr"/>
+            <a:lstStyle/>
+            <a:p>
+              <a:pPr algn="ctr"/>
+              <a:endParaRPr lang="en-US"/>
+            </a:p>
+          </p:txBody>
+        </p:sp>
+        <p:sp>
+          <p:nvSpPr>
+            <p:cNvPr id="25" name="Freeform: Shape 24">
+              <a:extLst>
+                <a:ext uri="{FF2B5EF4-FFF2-40B4-BE49-F238E27FC236}">
+                  <a16:creationId xmlns:a16="http://schemas.microsoft.com/office/drawing/2014/main" id="{EF52170D-21D6-4EDC-85FA-B11799826E6C}"/>
+                </a:ext>
+              </a:extLst>
+            </p:cNvPr>
+            <p:cNvSpPr/>
+            <p:nvPr/>
+          </p:nvSpPr>
+          <p:spPr>
+            <a:xfrm>
+              <a:off x="1891515" y="2248912"/>
+              <a:ext cx="461694" cy="469491"/>
+            </a:xfrm>
+            <a:custGeom>
+              <a:avLst/>
+              <a:gdLst>
+                <a:gd name="connsiteX0" fmla="*/ 543560 w 543560"/>
+                <a:gd name="connsiteY0" fmla="*/ 0 h 680720"/>
+                <a:gd name="connsiteX1" fmla="*/ 309880 w 543560"/>
+                <a:gd name="connsiteY1" fmla="*/ 416560 h 680720"/>
+                <a:gd name="connsiteX2" fmla="*/ 0 w 543560"/>
+                <a:gd name="connsiteY2" fmla="*/ 680720 h 680720"/>
+              </a:gdLst>
+              <a:ahLst/>
+              <a:cxnLst>
+                <a:cxn ang="0">
+                  <a:pos x="connsiteX0" y="connsiteY0"/>
+                </a:cxn>
+                <a:cxn ang="0">
+                  <a:pos x="connsiteX1" y="connsiteY1"/>
+                </a:cxn>
+                <a:cxn ang="0">
+                  <a:pos x="connsiteX2" y="connsiteY2"/>
+                </a:cxn>
+              </a:cxnLst>
+              <a:rect l="l" t="t" r="r" b="b"/>
+              <a:pathLst>
+                <a:path w="543560" h="680720">
+                  <a:moveTo>
+                    <a:pt x="543560" y="0"/>
+                  </a:moveTo>
+                  <a:cubicBezTo>
+                    <a:pt x="472016" y="151553"/>
+                    <a:pt x="400473" y="303107"/>
+                    <a:pt x="309880" y="416560"/>
+                  </a:cubicBezTo>
+                  <a:cubicBezTo>
+                    <a:pt x="219287" y="530013"/>
+                    <a:pt x="109643" y="605366"/>
+                    <a:pt x="0" y="680720"/>
+                  </a:cubicBezTo>
+                </a:path>
+              </a:pathLst>
+            </a:custGeom>
+            <a:noFill/>
+            <a:ln w="28575">
+              <a:solidFill>
+                <a:schemeClr val="bg1"/>
+              </a:solidFill>
+            </a:ln>
+          </p:spPr>
+          <p:style>
+            <a:lnRef idx="2">
+              <a:schemeClr val="accent1">
+                <a:shade val="50000"/>
+              </a:schemeClr>
+            </a:lnRef>
+            <a:fillRef idx="1">
+              <a:schemeClr val="accent1"/>
+            </a:fillRef>
+            <a:effectRef idx="0">
+              <a:schemeClr val="accent1"/>
+            </a:effectRef>
+            <a:fontRef idx="minor">
+              <a:schemeClr val="lt1"/>
+            </a:fontRef>
+          </p:style>
+          <p:txBody>
+            <a:bodyPr rtlCol="0" anchor="ctr"/>
+            <a:lstStyle/>
+            <a:p>
+              <a:pPr algn="ctr"/>
+              <a:endParaRPr lang="en-US"/>
+            </a:p>
+          </p:txBody>
+        </p:sp>
+        <p:sp>
+          <p:nvSpPr>
+            <p:cNvPr id="26" name="Circle: Hollow 25">
+              <a:extLst>
+                <a:ext uri="{FF2B5EF4-FFF2-40B4-BE49-F238E27FC236}">
+                  <a16:creationId xmlns:a16="http://schemas.microsoft.com/office/drawing/2014/main" id="{035D4815-C151-4F75-831B-1213056D2048}"/>
+                </a:ext>
+              </a:extLst>
+            </p:cNvPr>
+            <p:cNvSpPr/>
+            <p:nvPr/>
+          </p:nvSpPr>
+          <p:spPr>
+            <a:xfrm>
+              <a:off x="1341220" y="2859387"/>
+              <a:ext cx="110110" cy="91440"/>
+            </a:xfrm>
+            <a:prstGeom prst="donut">
+              <a:avLst/>
+            </a:prstGeom>
+            <a:ln>
+              <a:solidFill>
+                <a:schemeClr val="bg1"/>
+              </a:solidFill>
+            </a:ln>
+          </p:spPr>
+          <p:style>
+            <a:lnRef idx="2">
+              <a:schemeClr val="accent3">
+                <a:shade val="50000"/>
+              </a:schemeClr>
+            </a:lnRef>
+            <a:fillRef idx="1">
+              <a:schemeClr val="accent3"/>
+            </a:fillRef>
+            <a:effectRef idx="0">
+              <a:schemeClr val="accent3"/>
+            </a:effectRef>
+            <a:fontRef idx="minor">
+              <a:schemeClr val="lt1"/>
+            </a:fontRef>
+          </p:style>
+          <p:txBody>
+            <a:bodyPr rtlCol="0" anchor="ctr"/>
+            <a:lstStyle/>
+            <a:p>
+              <a:pPr algn="ctr"/>
+              <a:endParaRPr lang="en-US">
+                <a:solidFill>
+                  <a:schemeClr val="tx1"/>
+                </a:solidFill>
+              </a:endParaRPr>
+            </a:p>
+          </p:txBody>
+        </p:sp>
+        <p:sp>
+          <p:nvSpPr>
+            <p:cNvPr id="27" name="Circle: Hollow 26">
+              <a:extLst>
+                <a:ext uri="{FF2B5EF4-FFF2-40B4-BE49-F238E27FC236}">
+                  <a16:creationId xmlns:a16="http://schemas.microsoft.com/office/drawing/2014/main" id="{FC8F77E7-7B8F-4C0F-BA8A-4742E8E8DFC7}"/>
+                </a:ext>
+              </a:extLst>
+            </p:cNvPr>
+            <p:cNvSpPr/>
+            <p:nvPr/>
+          </p:nvSpPr>
+          <p:spPr>
+            <a:xfrm>
+              <a:off x="1332354" y="2841152"/>
+              <a:ext cx="110110" cy="91440"/>
+            </a:xfrm>
+            <a:prstGeom prst="donut">
+              <a:avLst/>
+            </a:prstGeom>
+            <a:ln>
+              <a:solidFill>
+                <a:schemeClr val="bg1"/>
+              </a:solidFill>
+            </a:ln>
+          </p:spPr>
+          <p:style>
+            <a:lnRef idx="2">
+              <a:schemeClr val="dk1">
+                <a:shade val="50000"/>
+              </a:schemeClr>
+            </a:lnRef>
+            <a:fillRef idx="1">
+              <a:schemeClr val="dk1"/>
+            </a:fillRef>
+            <a:effectRef idx="0">
+              <a:schemeClr val="dk1"/>
+            </a:effectRef>
+            <a:fontRef idx="minor">
+              <a:schemeClr val="lt1"/>
+            </a:fontRef>
+          </p:style>
+          <p:txBody>
+            <a:bodyPr rtlCol="0" anchor="ctr"/>
+            <a:lstStyle/>
+            <a:p>
+              <a:pPr algn="ctr"/>
+              <a:endParaRPr lang="en-US">
+                <a:solidFill>
+                  <a:schemeClr val="tx1"/>
+                </a:solidFill>
+              </a:endParaRPr>
+            </a:p>
+          </p:txBody>
+        </p:sp>
+        <p:cxnSp>
+          <p:nvCxnSpPr>
+            <p:cNvPr id="28" name="Straight Connector 27">
+              <a:extLst>
+                <a:ext uri="{FF2B5EF4-FFF2-40B4-BE49-F238E27FC236}">
+                  <a16:creationId xmlns:a16="http://schemas.microsoft.com/office/drawing/2014/main" id="{B98F7D72-53FC-4BB5-8C3B-3F76A9E02266}"/>
+                </a:ext>
+              </a:extLst>
+            </p:cNvPr>
+            <p:cNvCxnSpPr>
+              <a:cxnSpLocks/>
+            </p:cNvCxnSpPr>
+            <p:nvPr/>
+          </p:nvCxnSpPr>
+          <p:spPr>
+            <a:xfrm>
+              <a:off x="1708783" y="3432617"/>
+              <a:ext cx="172063" cy="296955"/>
+            </a:xfrm>
+            <a:prstGeom prst="line">
+              <a:avLst/>
+            </a:prstGeom>
+            <a:ln w="28575">
+              <a:solidFill>
+                <a:schemeClr val="bg1"/>
+              </a:solidFill>
+            </a:ln>
+          </p:spPr>
+          <p:style>
+            <a:lnRef idx="1">
+              <a:schemeClr val="accent1"/>
+            </a:lnRef>
+            <a:fillRef idx="0">
+              <a:schemeClr val="accent1"/>
+            </a:fillRef>
+            <a:effectRef idx="0">
+              <a:schemeClr val="accent1"/>
+            </a:effectRef>
+            <a:fontRef idx="minor">
+              <a:schemeClr val="tx1"/>
+            </a:fontRef>
+          </p:style>
+        </p:cxnSp>
+        <p:cxnSp>
+          <p:nvCxnSpPr>
+            <p:cNvPr id="29" name="Straight Connector 28">
+              <a:extLst>
+                <a:ext uri="{FF2B5EF4-FFF2-40B4-BE49-F238E27FC236}">
+                  <a16:creationId xmlns:a16="http://schemas.microsoft.com/office/drawing/2014/main" id="{30554BC8-9553-42CB-A694-89890978E51E}"/>
+                </a:ext>
+              </a:extLst>
+            </p:cNvPr>
+            <p:cNvCxnSpPr>
+              <a:cxnSpLocks/>
+            </p:cNvCxnSpPr>
+            <p:nvPr/>
+          </p:nvCxnSpPr>
+          <p:spPr>
+            <a:xfrm>
+              <a:off x="1726406" y="3342335"/>
+              <a:ext cx="205856" cy="354387"/>
+            </a:xfrm>
+            <a:prstGeom prst="line">
+              <a:avLst/>
+            </a:prstGeom>
+            <a:ln w="28575">
+              <a:solidFill>
+                <a:schemeClr val="bg1"/>
+              </a:solidFill>
+            </a:ln>
+          </p:spPr>
+          <p:style>
+            <a:lnRef idx="1">
+              <a:schemeClr val="accent1"/>
+            </a:lnRef>
+            <a:fillRef idx="0">
+              <a:schemeClr val="accent1"/>
+            </a:fillRef>
+            <a:effectRef idx="0">
+              <a:schemeClr val="accent1"/>
+            </a:effectRef>
+            <a:fontRef idx="minor">
+              <a:schemeClr val="tx1"/>
+            </a:fontRef>
+          </p:style>
+        </p:cxnSp>
+      </p:grpSp>
+      <p:grpSp>
+        <p:nvGrpSpPr>
+          <p:cNvPr id="30" name="Group 29">
+            <a:extLst>
+              <a:ext uri="{FF2B5EF4-FFF2-40B4-BE49-F238E27FC236}">
+                <a16:creationId xmlns:a16="http://schemas.microsoft.com/office/drawing/2014/main" id="{199C5671-D5AB-4856-B514-8DFB8609C7C9}"/>
+              </a:ext>
+            </a:extLst>
+          </p:cNvPr>
+          <p:cNvGrpSpPr/>
+          <p:nvPr/>
+        </p:nvGrpSpPr>
+        <p:grpSpPr>
+          <a:xfrm rot="21385121">
+            <a:off x="4015556" y="1244361"/>
+            <a:ext cx="4103914" cy="2000119"/>
+            <a:chOff x="4327731" y="1134988"/>
+            <a:chExt cx="4103914" cy="2000119"/>
+          </a:xfrm>
+        </p:grpSpPr>
+        <p:sp>
+          <p:nvSpPr>
+            <p:cNvPr id="31" name="Speech Bubble: Rectangle with Corners Rounded 30">
+              <a:extLst>
+                <a:ext uri="{FF2B5EF4-FFF2-40B4-BE49-F238E27FC236}">
+                  <a16:creationId xmlns:a16="http://schemas.microsoft.com/office/drawing/2014/main" id="{3C6F57C3-B41B-4679-8487-77F101BD428D}"/>
+                </a:ext>
+              </a:extLst>
+            </p:cNvPr>
+            <p:cNvSpPr/>
+            <p:nvPr/>
+          </p:nvSpPr>
+          <p:spPr>
+            <a:xfrm rot="864119">
+              <a:off x="4327731" y="1134988"/>
+              <a:ext cx="4103914" cy="2000119"/>
+            </a:xfrm>
+            <a:prstGeom prst="wedgeRoundRectCallout">
+              <a:avLst>
+                <a:gd name="adj1" fmla="val -48489"/>
+                <a:gd name="adj2" fmla="val 97267"/>
+                <a:gd name="adj3" fmla="val 16667"/>
+              </a:avLst>
+            </a:prstGeom>
+            <a:noFill/>
+            <a:ln w="57150">
+              <a:solidFill>
+                <a:schemeClr val="bg1"/>
+              </a:solidFill>
+            </a:ln>
+          </p:spPr>
+          <p:style>
+            <a:lnRef idx="2">
+              <a:schemeClr val="dk1">
+                <a:shade val="50000"/>
+              </a:schemeClr>
+            </a:lnRef>
+            <a:fillRef idx="1">
+              <a:schemeClr val="dk1"/>
+            </a:fillRef>
+            <a:effectRef idx="0">
+              <a:schemeClr val="dk1"/>
+            </a:effectRef>
+            <a:fontRef idx="minor">
+              <a:schemeClr val="lt1"/>
+            </a:fontRef>
+          </p:style>
+          <p:txBody>
+            <a:bodyPr rtlCol="0" anchor="ctr"/>
+            <a:lstStyle/>
+            <a:p>
+              <a:pPr algn="ctr"/>
+              <a:endParaRPr lang="en-US"/>
+            </a:p>
+          </p:txBody>
+        </p:sp>
+        <p:sp>
+          <p:nvSpPr>
+            <p:cNvPr id="32" name="Rectangle 31">
+              <a:extLst>
+                <a:ext uri="{FF2B5EF4-FFF2-40B4-BE49-F238E27FC236}">
+                  <a16:creationId xmlns:a16="http://schemas.microsoft.com/office/drawing/2014/main" id="{B09A0353-DD4A-4A57-974A-7BA7C5AFE817}"/>
+                </a:ext>
+              </a:extLst>
+            </p:cNvPr>
+            <p:cNvSpPr/>
+            <p:nvPr/>
+          </p:nvSpPr>
+          <p:spPr>
+            <a:xfrm rot="855038">
+              <a:off x="4407865" y="1627215"/>
+              <a:ext cx="3841108" cy="1015663"/>
+            </a:xfrm>
+            <a:prstGeom prst="rect">
+              <a:avLst/>
+            </a:prstGeom>
+            <a:noFill/>
+            <a:ln>
+              <a:noFill/>
+            </a:ln>
+          </p:spPr>
+          <p:txBody>
+            <a:bodyPr wrap="square" lIns="91440" tIns="45720" rIns="91440" bIns="45720">
+              <a:spAutoFit/>
+            </a:bodyPr>
+            <a:lstStyle/>
+            <a:p>
+              <a:pPr algn="ctr"/>
+              <a:r>
+                <a:rPr lang="en-US" sz="6000" b="0" cap="none" spc="0" dirty="0">
+                  <a:ln w="0"/>
+                  <a:solidFill>
+                    <a:schemeClr val="bg1"/>
+                  </a:solidFill>
+                  <a:effectLst>
+                    <a:outerShdw blurRad="38100" dist="19050" dir="2700000" algn="tl" rotWithShape="0">
+                      <a:schemeClr val="dk1">
+                        <a:alpha val="40000"/>
+                      </a:schemeClr>
+                    </a:outerShdw>
+                  </a:effectLst>
+                  <a:latin typeface="MV Boli" panose="02000500030200090000" pitchFamily="2" charset="0"/>
+                  <a:cs typeface="MV Boli" panose="02000500030200090000" pitchFamily="2" charset="0"/>
+                </a:rPr>
+                <a:t>Resilience</a:t>
+              </a:r>
+            </a:p>
+          </p:txBody>
+        </p:sp>
+      </p:grpSp>
+      <p:grpSp>
+        <p:nvGrpSpPr>
+          <p:cNvPr id="69" name="Group 68">
+            <a:extLst>
+              <a:ext uri="{FF2B5EF4-FFF2-40B4-BE49-F238E27FC236}">
+                <a16:creationId xmlns:a16="http://schemas.microsoft.com/office/drawing/2014/main" id="{EB3ADB61-F8B5-4301-8EBD-A59C190188EE}"/>
+              </a:ext>
+            </a:extLst>
+          </p:cNvPr>
+          <p:cNvGrpSpPr/>
+          <p:nvPr/>
+        </p:nvGrpSpPr>
+        <p:grpSpPr>
+          <a:xfrm rot="2662427">
+            <a:off x="7492831" y="2476984"/>
+            <a:ext cx="4338307" cy="2346430"/>
+            <a:chOff x="5959657" y="3906349"/>
+            <a:chExt cx="3567032" cy="2131993"/>
+          </a:xfrm>
+        </p:grpSpPr>
+        <p:sp>
+          <p:nvSpPr>
+            <p:cNvPr id="36" name="Freeform: Shape 35">
+              <a:extLst>
+                <a:ext uri="{FF2B5EF4-FFF2-40B4-BE49-F238E27FC236}">
+                  <a16:creationId xmlns:a16="http://schemas.microsoft.com/office/drawing/2014/main" id="{A8FF7DB5-AFBB-42F5-B15C-EB5C4B973726}"/>
+                </a:ext>
+              </a:extLst>
+            </p:cNvPr>
+            <p:cNvSpPr/>
+            <p:nvPr/>
+          </p:nvSpPr>
+          <p:spPr>
+            <a:xfrm>
+              <a:off x="6715517" y="5052430"/>
+              <a:ext cx="1966367" cy="697660"/>
+            </a:xfrm>
+            <a:custGeom>
+              <a:avLst/>
+              <a:gdLst>
+                <a:gd name="connsiteX0" fmla="*/ 1966367 w 1966367"/>
+                <a:gd name="connsiteY0" fmla="*/ 650280 h 697660"/>
+                <a:gd name="connsiteX1" fmla="*/ 1818883 w 1966367"/>
+                <a:gd name="connsiteY1" fmla="*/ 689609 h 697660"/>
+                <a:gd name="connsiteX2" fmla="*/ 1415760 w 1966367"/>
+                <a:gd name="connsiteY2" fmla="*/ 679776 h 697660"/>
+                <a:gd name="connsiteX3" fmla="*/ 1002806 w 1966367"/>
+                <a:gd name="connsiteY3" fmla="*/ 512628 h 697660"/>
+                <a:gd name="connsiteX4" fmla="*/ 521025 w 1966367"/>
+                <a:gd name="connsiteY4" fmla="*/ 463467 h 697660"/>
+                <a:gd name="connsiteX5" fmla="*/ 39244 w 1966367"/>
+                <a:gd name="connsiteY5" fmla="*/ 306151 h 697660"/>
+                <a:gd name="connsiteX6" fmla="*/ 49077 w 1966367"/>
+                <a:gd name="connsiteY6" fmla="*/ 158667 h 697660"/>
+                <a:gd name="connsiteX7" fmla="*/ 216225 w 1966367"/>
+                <a:gd name="connsiteY7" fmla="*/ 30847 h 697660"/>
+                <a:gd name="connsiteX8" fmla="*/ 570186 w 1966367"/>
+                <a:gd name="connsiteY8" fmla="*/ 1351 h 697660"/>
+                <a:gd name="connsiteX9" fmla="*/ 1051967 w 1966367"/>
+                <a:gd name="connsiteY9" fmla="*/ 60344 h 697660"/>
+                <a:gd name="connsiteX10" fmla="*/ 1189618 w 1966367"/>
+                <a:gd name="connsiteY10" fmla="*/ 21015 h 697660"/>
+              </a:gdLst>
+              <a:ahLst/>
+              <a:cxnLst>
+                <a:cxn ang="0">
+                  <a:pos x="connsiteX0" y="connsiteY0"/>
+                </a:cxn>
+                <a:cxn ang="0">
+                  <a:pos x="connsiteX1" y="connsiteY1"/>
+                </a:cxn>
+                <a:cxn ang="0">
+                  <a:pos x="connsiteX2" y="connsiteY2"/>
+                </a:cxn>
+                <a:cxn ang="0">
+                  <a:pos x="connsiteX3" y="connsiteY3"/>
+                </a:cxn>
+                <a:cxn ang="0">
+                  <a:pos x="connsiteX4" y="connsiteY4"/>
+                </a:cxn>
+                <a:cxn ang="0">
+                  <a:pos x="connsiteX5" y="connsiteY5"/>
+                </a:cxn>
+                <a:cxn ang="0">
+                  <a:pos x="connsiteX6" y="connsiteY6"/>
+                </a:cxn>
+                <a:cxn ang="0">
+                  <a:pos x="connsiteX7" y="connsiteY7"/>
+                </a:cxn>
+                <a:cxn ang="0">
+                  <a:pos x="connsiteX8" y="connsiteY8"/>
+                </a:cxn>
+                <a:cxn ang="0">
+                  <a:pos x="connsiteX9" y="connsiteY9"/>
+                </a:cxn>
+                <a:cxn ang="0">
+                  <a:pos x="connsiteX10" y="connsiteY10"/>
+                </a:cxn>
+              </a:cxnLst>
+              <a:rect l="l" t="t" r="r" b="b"/>
+              <a:pathLst>
+                <a:path w="1966367" h="697660">
+                  <a:moveTo>
+                    <a:pt x="1966367" y="650280"/>
+                  </a:moveTo>
+                  <a:cubicBezTo>
+                    <a:pt x="1938509" y="667486"/>
+                    <a:pt x="1910651" y="684693"/>
+                    <a:pt x="1818883" y="689609"/>
+                  </a:cubicBezTo>
+                  <a:cubicBezTo>
+                    <a:pt x="1727115" y="694525"/>
+                    <a:pt x="1551773" y="709273"/>
+                    <a:pt x="1415760" y="679776"/>
+                  </a:cubicBezTo>
+                  <a:cubicBezTo>
+                    <a:pt x="1279747" y="650279"/>
+                    <a:pt x="1151928" y="548679"/>
+                    <a:pt x="1002806" y="512628"/>
+                  </a:cubicBezTo>
+                  <a:cubicBezTo>
+                    <a:pt x="853684" y="476577"/>
+                    <a:pt x="681619" y="497880"/>
+                    <a:pt x="521025" y="463467"/>
+                  </a:cubicBezTo>
+                  <a:cubicBezTo>
+                    <a:pt x="360431" y="429054"/>
+                    <a:pt x="117902" y="356951"/>
+                    <a:pt x="39244" y="306151"/>
+                  </a:cubicBezTo>
+                  <a:cubicBezTo>
+                    <a:pt x="-39414" y="255351"/>
+                    <a:pt x="19580" y="204551"/>
+                    <a:pt x="49077" y="158667"/>
+                  </a:cubicBezTo>
+                  <a:cubicBezTo>
+                    <a:pt x="78574" y="112783"/>
+                    <a:pt x="129373" y="57066"/>
+                    <a:pt x="216225" y="30847"/>
+                  </a:cubicBezTo>
+                  <a:cubicBezTo>
+                    <a:pt x="303076" y="4628"/>
+                    <a:pt x="430896" y="-3565"/>
+                    <a:pt x="570186" y="1351"/>
+                  </a:cubicBezTo>
+                  <a:cubicBezTo>
+                    <a:pt x="709476" y="6267"/>
+                    <a:pt x="948728" y="57067"/>
+                    <a:pt x="1051967" y="60344"/>
+                  </a:cubicBezTo>
+                  <a:cubicBezTo>
+                    <a:pt x="1155206" y="63621"/>
+                    <a:pt x="1172412" y="42318"/>
+                    <a:pt x="1189618" y="21015"/>
+                  </a:cubicBezTo>
+                </a:path>
+              </a:pathLst>
+            </a:custGeom>
+            <a:noFill/>
+            <a:ln w="57150">
+              <a:solidFill>
+                <a:schemeClr val="bg1"/>
+              </a:solidFill>
+            </a:ln>
+          </p:spPr>
+          <p:style>
+            <a:lnRef idx="2">
+              <a:schemeClr val="accent1">
+                <a:shade val="50000"/>
+              </a:schemeClr>
+            </a:lnRef>
+            <a:fillRef idx="1">
+              <a:schemeClr val="accent1"/>
+            </a:fillRef>
+            <a:effectRef idx="0">
+              <a:schemeClr val="accent1"/>
+            </a:effectRef>
+            <a:fontRef idx="minor">
+              <a:schemeClr val="lt1"/>
+            </a:fontRef>
+          </p:style>
+          <p:txBody>
+            <a:bodyPr rtlCol="0" anchor="ctr"/>
+            <a:lstStyle/>
+            <a:p>
+              <a:pPr algn="ctr"/>
+              <a:endParaRPr lang="en-US"/>
+            </a:p>
+          </p:txBody>
+        </p:sp>
+        <p:sp>
+          <p:nvSpPr>
+            <p:cNvPr id="37" name="Freeform: Shape 36">
+              <a:extLst>
+                <a:ext uri="{FF2B5EF4-FFF2-40B4-BE49-F238E27FC236}">
+                  <a16:creationId xmlns:a16="http://schemas.microsoft.com/office/drawing/2014/main" id="{FC8D3A04-DA4A-4819-B146-BFDA3562D945}"/>
+                </a:ext>
+              </a:extLst>
+            </p:cNvPr>
+            <p:cNvSpPr/>
+            <p:nvPr/>
+          </p:nvSpPr>
+          <p:spPr>
+            <a:xfrm>
+              <a:off x="6304840" y="4043700"/>
+              <a:ext cx="2495032" cy="1129028"/>
+            </a:xfrm>
+            <a:custGeom>
+              <a:avLst/>
+              <a:gdLst>
+                <a:gd name="connsiteX0" fmla="*/ 2482361 w 2482361"/>
+                <a:gd name="connsiteY0" fmla="*/ 842933 h 1158713"/>
+                <a:gd name="connsiteX1" fmla="*/ 2177561 w 2482361"/>
+                <a:gd name="connsiteY1" fmla="*/ 793772 h 1158713"/>
+                <a:gd name="connsiteX2" fmla="*/ 1390980 w 2482361"/>
+                <a:gd name="connsiteY2" fmla="*/ 17024 h 1158713"/>
+                <a:gd name="connsiteX3" fmla="*/ 437251 w 2482361"/>
+                <a:gd name="connsiteY3" fmla="*/ 321824 h 1158713"/>
+                <a:gd name="connsiteX4" fmla="*/ 4632 w 2482361"/>
+                <a:gd name="connsiteY4" fmla="*/ 1059243 h 1158713"/>
+                <a:gd name="connsiteX5" fmla="*/ 230774 w 2482361"/>
+                <a:gd name="connsiteY5" fmla="*/ 1137901 h 1158713"/>
+                <a:gd name="connsiteX6" fmla="*/ 574903 w 2482361"/>
+                <a:gd name="connsiteY6" fmla="*/ 931424 h 1158713"/>
+                <a:gd name="connsiteX7" fmla="*/ 732219 w 2482361"/>
+                <a:gd name="connsiteY7" fmla="*/ 695449 h 1158713"/>
+              </a:gdLst>
+              <a:ahLst/>
+              <a:cxnLst>
+                <a:cxn ang="0">
+                  <a:pos x="connsiteX0" y="connsiteY0"/>
+                </a:cxn>
+                <a:cxn ang="0">
+                  <a:pos x="connsiteX1" y="connsiteY1"/>
+                </a:cxn>
+                <a:cxn ang="0">
+                  <a:pos x="connsiteX2" y="connsiteY2"/>
+                </a:cxn>
+                <a:cxn ang="0">
+                  <a:pos x="connsiteX3" y="connsiteY3"/>
+                </a:cxn>
+                <a:cxn ang="0">
+                  <a:pos x="connsiteX4" y="connsiteY4"/>
+                </a:cxn>
+                <a:cxn ang="0">
+                  <a:pos x="connsiteX5" y="connsiteY5"/>
+                </a:cxn>
+                <a:cxn ang="0">
+                  <a:pos x="connsiteX6" y="connsiteY6"/>
+                </a:cxn>
+                <a:cxn ang="0">
+                  <a:pos x="connsiteX7" y="connsiteY7"/>
+                </a:cxn>
+              </a:cxnLst>
+              <a:rect l="l" t="t" r="r" b="b"/>
+              <a:pathLst>
+                <a:path w="2482361" h="1158713">
+                  <a:moveTo>
+                    <a:pt x="2482361" y="842933"/>
+                  </a:moveTo>
+                  <a:cubicBezTo>
+                    <a:pt x="2420909" y="887178"/>
+                    <a:pt x="2359458" y="931424"/>
+                    <a:pt x="2177561" y="793772"/>
+                  </a:cubicBezTo>
+                  <a:cubicBezTo>
+                    <a:pt x="1995664" y="656120"/>
+                    <a:pt x="1681032" y="95682"/>
+                    <a:pt x="1390980" y="17024"/>
+                  </a:cubicBezTo>
+                  <a:cubicBezTo>
+                    <a:pt x="1100928" y="-61634"/>
+                    <a:pt x="668309" y="148121"/>
+                    <a:pt x="437251" y="321824"/>
+                  </a:cubicBezTo>
+                  <a:cubicBezTo>
+                    <a:pt x="206193" y="495527"/>
+                    <a:pt x="39045" y="923230"/>
+                    <a:pt x="4632" y="1059243"/>
+                  </a:cubicBezTo>
+                  <a:cubicBezTo>
+                    <a:pt x="-29781" y="1195256"/>
+                    <a:pt x="135729" y="1159204"/>
+                    <a:pt x="230774" y="1137901"/>
+                  </a:cubicBezTo>
+                  <a:cubicBezTo>
+                    <a:pt x="325819" y="1116598"/>
+                    <a:pt x="491329" y="1005166"/>
+                    <a:pt x="574903" y="931424"/>
+                  </a:cubicBezTo>
+                  <a:cubicBezTo>
+                    <a:pt x="658477" y="857682"/>
+                    <a:pt x="709277" y="726584"/>
+                    <a:pt x="732219" y="695449"/>
+                  </a:cubicBezTo>
+                </a:path>
+              </a:pathLst>
+            </a:custGeom>
+            <a:noFill/>
+            <a:ln w="57150">
+              <a:solidFill>
+                <a:schemeClr val="bg1"/>
+              </a:solidFill>
+            </a:ln>
+          </p:spPr>
+          <p:style>
+            <a:lnRef idx="2">
+              <a:schemeClr val="accent1">
+                <a:shade val="50000"/>
+              </a:schemeClr>
+            </a:lnRef>
+            <a:fillRef idx="1">
+              <a:schemeClr val="accent1"/>
+            </a:fillRef>
+            <a:effectRef idx="0">
+              <a:schemeClr val="accent1"/>
+            </a:effectRef>
+            <a:fontRef idx="minor">
+              <a:schemeClr val="lt1"/>
+            </a:fontRef>
+          </p:style>
+          <p:txBody>
+            <a:bodyPr rtlCol="0" anchor="ctr"/>
+            <a:lstStyle/>
+            <a:p>
+              <a:pPr algn="ctr"/>
+              <a:endParaRPr lang="en-US"/>
+            </a:p>
+          </p:txBody>
+        </p:sp>
+        <p:sp>
+          <p:nvSpPr>
+            <p:cNvPr id="38" name="Freeform: Shape 37">
+              <a:extLst>
+                <a:ext uri="{FF2B5EF4-FFF2-40B4-BE49-F238E27FC236}">
+                  <a16:creationId xmlns:a16="http://schemas.microsoft.com/office/drawing/2014/main" id="{C774A983-79B6-49A4-9FC1-E0662832C47E}"/>
+                </a:ext>
+              </a:extLst>
+            </p:cNvPr>
+            <p:cNvSpPr/>
+            <p:nvPr/>
+          </p:nvSpPr>
+          <p:spPr>
+            <a:xfrm>
+              <a:off x="8604199" y="4807974"/>
+              <a:ext cx="667620" cy="1229032"/>
+            </a:xfrm>
+            <a:custGeom>
+              <a:avLst/>
+              <a:gdLst>
+                <a:gd name="connsiteX0" fmla="*/ 235000 w 667620"/>
+                <a:gd name="connsiteY0" fmla="*/ 0 h 1229032"/>
+                <a:gd name="connsiteX1" fmla="*/ 284162 w 667620"/>
+                <a:gd name="connsiteY1" fmla="*/ 570271 h 1229032"/>
+                <a:gd name="connsiteX2" fmla="*/ 8859 w 667620"/>
+                <a:gd name="connsiteY2" fmla="*/ 1071716 h 1229032"/>
+                <a:gd name="connsiteX3" fmla="*/ 667620 w 667620"/>
+                <a:gd name="connsiteY3" fmla="*/ 1229032 h 1229032"/>
+              </a:gdLst>
+              <a:ahLst/>
+              <a:cxnLst>
+                <a:cxn ang="0">
+                  <a:pos x="connsiteX0" y="connsiteY0"/>
+                </a:cxn>
+                <a:cxn ang="0">
+                  <a:pos x="connsiteX1" y="connsiteY1"/>
+                </a:cxn>
+                <a:cxn ang="0">
+                  <a:pos x="connsiteX2" y="connsiteY2"/>
+                </a:cxn>
+                <a:cxn ang="0">
+                  <a:pos x="connsiteX3" y="connsiteY3"/>
+                </a:cxn>
+              </a:cxnLst>
+              <a:rect l="l" t="t" r="r" b="b"/>
+              <a:pathLst>
+                <a:path w="667620" h="1229032">
+                  <a:moveTo>
+                    <a:pt x="235000" y="0"/>
+                  </a:moveTo>
+                  <a:cubicBezTo>
+                    <a:pt x="278426" y="195826"/>
+                    <a:pt x="321852" y="391652"/>
+                    <a:pt x="284162" y="570271"/>
+                  </a:cubicBezTo>
+                  <a:cubicBezTo>
+                    <a:pt x="246472" y="748890"/>
+                    <a:pt x="-55051" y="961923"/>
+                    <a:pt x="8859" y="1071716"/>
+                  </a:cubicBezTo>
+                  <a:cubicBezTo>
+                    <a:pt x="72769" y="1181509"/>
+                    <a:pt x="566020" y="1214283"/>
+                    <a:pt x="667620" y="1229032"/>
+                  </a:cubicBezTo>
+                </a:path>
+              </a:pathLst>
+            </a:custGeom>
+            <a:noFill/>
+            <a:ln w="57150">
+              <a:solidFill>
+                <a:schemeClr val="bg1"/>
+              </a:solidFill>
+            </a:ln>
+          </p:spPr>
+          <p:style>
+            <a:lnRef idx="2">
+              <a:schemeClr val="accent1">
+                <a:shade val="50000"/>
+              </a:schemeClr>
+            </a:lnRef>
+            <a:fillRef idx="1">
+              <a:schemeClr val="accent1"/>
+            </a:fillRef>
+            <a:effectRef idx="0">
+              <a:schemeClr val="accent1"/>
+            </a:effectRef>
+            <a:fontRef idx="minor">
+              <a:schemeClr val="lt1"/>
+            </a:fontRef>
+          </p:style>
+          <p:txBody>
+            <a:bodyPr rtlCol="0" anchor="ctr"/>
+            <a:lstStyle/>
+            <a:p>
+              <a:pPr algn="ctr"/>
+              <a:endParaRPr lang="en-US"/>
+            </a:p>
+          </p:txBody>
+        </p:sp>
+        <p:sp>
+          <p:nvSpPr>
+            <p:cNvPr id="39" name="Freeform: Shape 38">
+              <a:extLst>
+                <a:ext uri="{FF2B5EF4-FFF2-40B4-BE49-F238E27FC236}">
+                  <a16:creationId xmlns:a16="http://schemas.microsoft.com/office/drawing/2014/main" id="{0964A029-4616-4CDD-AC59-EA0545D43C87}"/>
+                </a:ext>
+              </a:extLst>
+            </p:cNvPr>
+            <p:cNvSpPr/>
+            <p:nvPr/>
+          </p:nvSpPr>
+          <p:spPr>
+            <a:xfrm>
+              <a:off x="8829368" y="4798142"/>
+              <a:ext cx="697321" cy="1238864"/>
+            </a:xfrm>
+            <a:custGeom>
+              <a:avLst/>
+              <a:gdLst>
+                <a:gd name="connsiteX0" fmla="*/ 432619 w 697321"/>
+                <a:gd name="connsiteY0" fmla="*/ 1238864 h 1238864"/>
+                <a:gd name="connsiteX1" fmla="*/ 619432 w 697321"/>
+                <a:gd name="connsiteY1" fmla="*/ 816077 h 1238864"/>
+                <a:gd name="connsiteX2" fmla="*/ 688258 w 697321"/>
+                <a:gd name="connsiteY2" fmla="*/ 422787 h 1238864"/>
+                <a:gd name="connsiteX3" fmla="*/ 619432 w 697321"/>
+                <a:gd name="connsiteY3" fmla="*/ 127819 h 1238864"/>
+                <a:gd name="connsiteX4" fmla="*/ 0 w 697321"/>
+                <a:gd name="connsiteY4" fmla="*/ 0 h 1238864"/>
+              </a:gdLst>
+              <a:ahLst/>
+              <a:cxnLst>
+                <a:cxn ang="0">
+                  <a:pos x="connsiteX0" y="connsiteY0"/>
+                </a:cxn>
+                <a:cxn ang="0">
+                  <a:pos x="connsiteX1" y="connsiteY1"/>
+                </a:cxn>
+                <a:cxn ang="0">
+                  <a:pos x="connsiteX2" y="connsiteY2"/>
+                </a:cxn>
+                <a:cxn ang="0">
+                  <a:pos x="connsiteX3" y="connsiteY3"/>
+                </a:cxn>
+                <a:cxn ang="0">
+                  <a:pos x="connsiteX4" y="connsiteY4"/>
+                </a:cxn>
+              </a:cxnLst>
+              <a:rect l="l" t="t" r="r" b="b"/>
+              <a:pathLst>
+                <a:path w="697321" h="1238864">
+                  <a:moveTo>
+                    <a:pt x="432619" y="1238864"/>
+                  </a:moveTo>
+                  <a:cubicBezTo>
+                    <a:pt x="504722" y="1095477"/>
+                    <a:pt x="576826" y="952090"/>
+                    <a:pt x="619432" y="816077"/>
+                  </a:cubicBezTo>
+                  <a:cubicBezTo>
+                    <a:pt x="662039" y="680064"/>
+                    <a:pt x="688258" y="537497"/>
+                    <a:pt x="688258" y="422787"/>
+                  </a:cubicBezTo>
+                  <a:cubicBezTo>
+                    <a:pt x="688258" y="308077"/>
+                    <a:pt x="734142" y="198283"/>
+                    <a:pt x="619432" y="127819"/>
+                  </a:cubicBezTo>
+                  <a:cubicBezTo>
+                    <a:pt x="504722" y="57354"/>
+                    <a:pt x="136013" y="140929"/>
+                    <a:pt x="0" y="0"/>
+                  </a:cubicBezTo>
+                </a:path>
+              </a:pathLst>
+            </a:custGeom>
+            <a:noFill/>
+            <a:ln w="57150">
+              <a:solidFill>
+                <a:schemeClr val="bg1"/>
+              </a:solidFill>
+            </a:ln>
+          </p:spPr>
+          <p:style>
+            <a:lnRef idx="2">
+              <a:schemeClr val="accent1">
+                <a:shade val="50000"/>
+              </a:schemeClr>
+            </a:lnRef>
+            <a:fillRef idx="1">
+              <a:schemeClr val="accent1"/>
+            </a:fillRef>
+            <a:effectRef idx="0">
+              <a:schemeClr val="accent1"/>
+            </a:effectRef>
+            <a:fontRef idx="minor">
+              <a:schemeClr val="lt1"/>
+            </a:fontRef>
+          </p:style>
+          <p:txBody>
+            <a:bodyPr rtlCol="0" anchor="ctr"/>
+            <a:lstStyle/>
+            <a:p>
+              <a:pPr algn="ctr"/>
+              <a:endParaRPr lang="en-US"/>
+            </a:p>
+          </p:txBody>
+        </p:sp>
+        <p:cxnSp>
+          <p:nvCxnSpPr>
+            <p:cNvPr id="41" name="Straight Connector 40">
+              <a:extLst>
+                <a:ext uri="{FF2B5EF4-FFF2-40B4-BE49-F238E27FC236}">
+                  <a16:creationId xmlns:a16="http://schemas.microsoft.com/office/drawing/2014/main" id="{CD4D13E0-0BAA-4C14-8D1A-171B2BF0F483}"/>
+                </a:ext>
+              </a:extLst>
+            </p:cNvPr>
+            <p:cNvCxnSpPr>
+              <a:cxnSpLocks/>
+              <a:endCxn id="37" idx="7"/>
+            </p:cNvCxnSpPr>
+            <p:nvPr/>
+          </p:nvCxnSpPr>
+          <p:spPr>
+            <a:xfrm flipH="1">
+              <a:off x="7040797" y="4188152"/>
+              <a:ext cx="868764" cy="533180"/>
+            </a:xfrm>
+            <a:prstGeom prst="line">
+              <a:avLst/>
+            </a:prstGeom>
+            <a:ln w="57150">
+              <a:solidFill>
+                <a:schemeClr val="bg1"/>
+              </a:solidFill>
+            </a:ln>
+          </p:spPr>
+          <p:style>
+            <a:lnRef idx="1">
+              <a:schemeClr val="accent1"/>
+            </a:lnRef>
+            <a:fillRef idx="0">
+              <a:schemeClr val="accent1"/>
+            </a:fillRef>
+            <a:effectRef idx="0">
+              <a:schemeClr val="accent1"/>
+            </a:effectRef>
+            <a:fontRef idx="minor">
+              <a:schemeClr val="tx1"/>
+            </a:fontRef>
+          </p:style>
+        </p:cxnSp>
+        <p:cxnSp>
+          <p:nvCxnSpPr>
+            <p:cNvPr id="42" name="Straight Connector 41">
+              <a:extLst>
+                <a:ext uri="{FF2B5EF4-FFF2-40B4-BE49-F238E27FC236}">
+                  <a16:creationId xmlns:a16="http://schemas.microsoft.com/office/drawing/2014/main" id="{699FB6F6-9647-43BC-850E-F7E46DE2A096}"/>
+                </a:ext>
+              </a:extLst>
+            </p:cNvPr>
+            <p:cNvCxnSpPr>
+              <a:cxnSpLocks/>
+            </p:cNvCxnSpPr>
+            <p:nvPr/>
+          </p:nvCxnSpPr>
+          <p:spPr>
+            <a:xfrm flipH="1">
+              <a:off x="7119866" y="4415084"/>
+              <a:ext cx="1014963" cy="637173"/>
+            </a:xfrm>
+            <a:prstGeom prst="line">
+              <a:avLst/>
+            </a:prstGeom>
+            <a:ln w="57150">
+              <a:solidFill>
+                <a:schemeClr val="bg1"/>
+              </a:solidFill>
+            </a:ln>
+          </p:spPr>
+          <p:style>
+            <a:lnRef idx="1">
+              <a:schemeClr val="accent1"/>
+            </a:lnRef>
+            <a:fillRef idx="0">
+              <a:schemeClr val="accent1"/>
+            </a:fillRef>
+            <a:effectRef idx="0">
+              <a:schemeClr val="accent1"/>
+            </a:effectRef>
+            <a:fontRef idx="minor">
+              <a:schemeClr val="tx1"/>
+            </a:fontRef>
+          </p:style>
+        </p:cxnSp>
+        <p:cxnSp>
+          <p:nvCxnSpPr>
+            <p:cNvPr id="44" name="Straight Connector 43">
+              <a:extLst>
+                <a:ext uri="{FF2B5EF4-FFF2-40B4-BE49-F238E27FC236}">
+                  <a16:creationId xmlns:a16="http://schemas.microsoft.com/office/drawing/2014/main" id="{55B5452D-4530-4B12-ACAB-384DE5363339}"/>
+                </a:ext>
+              </a:extLst>
+            </p:cNvPr>
+            <p:cNvCxnSpPr>
+              <a:cxnSpLocks/>
+            </p:cNvCxnSpPr>
+            <p:nvPr/>
+          </p:nvCxnSpPr>
+          <p:spPr>
+            <a:xfrm flipH="1">
+              <a:off x="6465891" y="5315600"/>
+              <a:ext cx="252518" cy="149402"/>
+            </a:xfrm>
+            <a:prstGeom prst="line">
+              <a:avLst/>
+            </a:prstGeom>
+            <a:ln w="57150">
+              <a:solidFill>
+                <a:schemeClr val="bg1"/>
+              </a:solidFill>
+            </a:ln>
+          </p:spPr>
+          <p:style>
+            <a:lnRef idx="1">
+              <a:schemeClr val="accent1"/>
+            </a:lnRef>
+            <a:fillRef idx="0">
+              <a:schemeClr val="accent1"/>
+            </a:fillRef>
+            <a:effectRef idx="0">
+              <a:schemeClr val="accent1"/>
+            </a:effectRef>
+            <a:fontRef idx="minor">
+              <a:schemeClr val="tx1"/>
+            </a:fontRef>
+          </p:style>
+        </p:cxnSp>
+        <p:cxnSp>
+          <p:nvCxnSpPr>
+            <p:cNvPr id="46" name="Straight Connector 45">
+              <a:extLst>
+                <a:ext uri="{FF2B5EF4-FFF2-40B4-BE49-F238E27FC236}">
+                  <a16:creationId xmlns:a16="http://schemas.microsoft.com/office/drawing/2014/main" id="{5371E49D-C4C5-46F8-A447-24DD035481DF}"/>
+                </a:ext>
+              </a:extLst>
+            </p:cNvPr>
+            <p:cNvCxnSpPr>
+              <a:cxnSpLocks/>
+            </p:cNvCxnSpPr>
+            <p:nvPr/>
+          </p:nvCxnSpPr>
+          <p:spPr>
+            <a:xfrm flipH="1">
+              <a:off x="5959657" y="5452318"/>
+              <a:ext cx="530730" cy="45573"/>
+            </a:xfrm>
+            <a:prstGeom prst="line">
+              <a:avLst/>
+            </a:prstGeom>
+            <a:ln w="57150">
+              <a:solidFill>
+                <a:schemeClr val="bg1"/>
+              </a:solidFill>
+            </a:ln>
+          </p:spPr>
+          <p:style>
+            <a:lnRef idx="1">
+              <a:schemeClr val="accent1"/>
+            </a:lnRef>
+            <a:fillRef idx="0">
+              <a:schemeClr val="accent1"/>
+            </a:fillRef>
+            <a:effectRef idx="0">
+              <a:schemeClr val="accent1"/>
+            </a:effectRef>
+            <a:fontRef idx="minor">
+              <a:schemeClr val="tx1"/>
+            </a:fontRef>
+          </p:style>
+        </p:cxnSp>
+        <p:cxnSp>
+          <p:nvCxnSpPr>
+            <p:cNvPr id="49" name="Straight Connector 48">
+              <a:extLst>
+                <a:ext uri="{FF2B5EF4-FFF2-40B4-BE49-F238E27FC236}">
+                  <a16:creationId xmlns:a16="http://schemas.microsoft.com/office/drawing/2014/main" id="{BDD70EFD-B374-47AF-A8D5-09FAFABDECC4}"/>
+                </a:ext>
+              </a:extLst>
+            </p:cNvPr>
+            <p:cNvCxnSpPr>
+              <a:cxnSpLocks/>
+            </p:cNvCxnSpPr>
+            <p:nvPr/>
+          </p:nvCxnSpPr>
+          <p:spPr>
+            <a:xfrm flipH="1">
+              <a:off x="5977366" y="5148076"/>
+              <a:ext cx="309765" cy="349815"/>
+            </a:xfrm>
+            <a:prstGeom prst="line">
+              <a:avLst/>
+            </a:prstGeom>
+            <a:ln w="57150">
+              <a:solidFill>
+                <a:schemeClr val="bg1"/>
+              </a:solidFill>
+            </a:ln>
+          </p:spPr>
+          <p:style>
+            <a:lnRef idx="1">
+              <a:schemeClr val="accent1"/>
+            </a:lnRef>
+            <a:fillRef idx="0">
+              <a:schemeClr val="accent1"/>
+            </a:fillRef>
+            <a:effectRef idx="0">
+              <a:schemeClr val="accent1"/>
+            </a:effectRef>
+            <a:fontRef idx="minor">
+              <a:schemeClr val="tx1"/>
+            </a:fontRef>
+          </p:style>
+        </p:cxnSp>
+        <p:cxnSp>
+          <p:nvCxnSpPr>
+            <p:cNvPr id="52" name="Straight Connector 51">
+              <a:extLst>
+                <a:ext uri="{FF2B5EF4-FFF2-40B4-BE49-F238E27FC236}">
+                  <a16:creationId xmlns:a16="http://schemas.microsoft.com/office/drawing/2014/main" id="{FF8C6A4A-64FC-44F9-81AB-71DC65B60F46}"/>
+                </a:ext>
+              </a:extLst>
+            </p:cNvPr>
+            <p:cNvCxnSpPr>
+              <a:cxnSpLocks/>
+            </p:cNvCxnSpPr>
+            <p:nvPr/>
+          </p:nvCxnSpPr>
+          <p:spPr>
+            <a:xfrm flipH="1" flipV="1">
+              <a:off x="6073140" y="5401722"/>
+              <a:ext cx="17989" cy="79697"/>
+            </a:xfrm>
+            <a:prstGeom prst="line">
+              <a:avLst/>
+            </a:prstGeom>
+            <a:ln w="57150">
+              <a:solidFill>
+                <a:schemeClr val="bg1"/>
+              </a:solidFill>
+            </a:ln>
+          </p:spPr>
+          <p:style>
+            <a:lnRef idx="1">
+              <a:schemeClr val="accent1"/>
+            </a:lnRef>
+            <a:fillRef idx="0">
+              <a:schemeClr val="accent1"/>
+            </a:fillRef>
+            <a:effectRef idx="0">
+              <a:schemeClr val="accent1"/>
+            </a:effectRef>
+            <a:fontRef idx="minor">
+              <a:schemeClr val="tx1"/>
+            </a:fontRef>
+          </p:style>
+        </p:cxnSp>
+        <p:sp>
+          <p:nvSpPr>
+            <p:cNvPr id="58" name="Freeform: Shape 57">
+              <a:extLst>
+                <a:ext uri="{FF2B5EF4-FFF2-40B4-BE49-F238E27FC236}">
+                  <a16:creationId xmlns:a16="http://schemas.microsoft.com/office/drawing/2014/main" id="{A891F955-DF99-44E5-94C4-8951708DC04B}"/>
+                </a:ext>
+              </a:extLst>
+            </p:cNvPr>
+            <p:cNvSpPr/>
+            <p:nvPr/>
+          </p:nvSpPr>
+          <p:spPr>
+            <a:xfrm>
+              <a:off x="7917180" y="3906349"/>
+              <a:ext cx="687019" cy="266875"/>
+            </a:xfrm>
+            <a:custGeom>
+              <a:avLst/>
+              <a:gdLst>
+                <a:gd name="connsiteX0" fmla="*/ 0 w 678030"/>
+                <a:gd name="connsiteY0" fmla="*/ 269411 h 277031"/>
+                <a:gd name="connsiteX1" fmla="*/ 472440 w 678030"/>
+                <a:gd name="connsiteY1" fmla="*/ 2711 h 277031"/>
+                <a:gd name="connsiteX2" fmla="*/ 670560 w 678030"/>
+                <a:gd name="connsiteY2" fmla="*/ 139871 h 277031"/>
+                <a:gd name="connsiteX3" fmla="*/ 617220 w 678030"/>
+                <a:gd name="connsiteY3" fmla="*/ 277031 h 277031"/>
+              </a:gdLst>
+              <a:ahLst/>
+              <a:cxnLst>
+                <a:cxn ang="0">
+                  <a:pos x="connsiteX0" y="connsiteY0"/>
+                </a:cxn>
+                <a:cxn ang="0">
+                  <a:pos x="connsiteX1" y="connsiteY1"/>
+                </a:cxn>
+                <a:cxn ang="0">
+                  <a:pos x="connsiteX2" y="connsiteY2"/>
+                </a:cxn>
+                <a:cxn ang="0">
+                  <a:pos x="connsiteX3" y="connsiteY3"/>
+                </a:cxn>
+              </a:cxnLst>
+              <a:rect l="l" t="t" r="r" b="b"/>
+              <a:pathLst>
+                <a:path w="678030" h="277031">
+                  <a:moveTo>
+                    <a:pt x="0" y="269411"/>
+                  </a:moveTo>
+                  <a:cubicBezTo>
+                    <a:pt x="180340" y="146856"/>
+                    <a:pt x="360680" y="24301"/>
+                    <a:pt x="472440" y="2711"/>
+                  </a:cubicBezTo>
+                  <a:cubicBezTo>
+                    <a:pt x="584200" y="-18879"/>
+                    <a:pt x="646430" y="94151"/>
+                    <a:pt x="670560" y="139871"/>
+                  </a:cubicBezTo>
+                  <a:cubicBezTo>
+                    <a:pt x="694690" y="185591"/>
+                    <a:pt x="655955" y="231311"/>
+                    <a:pt x="617220" y="277031"/>
+                  </a:cubicBezTo>
+                </a:path>
+              </a:pathLst>
+            </a:custGeom>
+            <a:noFill/>
+            <a:ln w="57150">
+              <a:solidFill>
+                <a:schemeClr val="bg1"/>
+              </a:solidFill>
+            </a:ln>
+          </p:spPr>
+          <p:style>
+            <a:lnRef idx="2">
+              <a:schemeClr val="accent1">
+                <a:shade val="50000"/>
+              </a:schemeClr>
+            </a:lnRef>
+            <a:fillRef idx="1">
+              <a:schemeClr val="accent1"/>
+            </a:fillRef>
+            <a:effectRef idx="0">
+              <a:schemeClr val="accent1"/>
+            </a:effectRef>
+            <a:fontRef idx="minor">
+              <a:schemeClr val="lt1"/>
+            </a:fontRef>
+          </p:style>
+          <p:txBody>
+            <a:bodyPr rtlCol="0" anchor="ctr"/>
+            <a:lstStyle/>
+            <a:p>
+              <a:pPr algn="ctr"/>
+              <a:endParaRPr lang="en-US"/>
+            </a:p>
+          </p:txBody>
+        </p:sp>
+        <p:cxnSp>
+          <p:nvCxnSpPr>
+            <p:cNvPr id="59" name="Straight Connector 58">
+              <a:extLst>
+                <a:ext uri="{FF2B5EF4-FFF2-40B4-BE49-F238E27FC236}">
+                  <a16:creationId xmlns:a16="http://schemas.microsoft.com/office/drawing/2014/main" id="{E46BD6D4-3AE5-40A6-B19F-236EDDC1BC2D}"/>
+                </a:ext>
+              </a:extLst>
+            </p:cNvPr>
+            <p:cNvCxnSpPr>
+              <a:cxnSpLocks/>
+              <a:stCxn id="58" idx="3"/>
+            </p:cNvCxnSpPr>
+            <p:nvPr/>
+          </p:nvCxnSpPr>
+          <p:spPr>
+            <a:xfrm flipH="1">
+              <a:off x="8113497" y="4173224"/>
+              <a:ext cx="429086" cy="253926"/>
+            </a:xfrm>
+            <a:prstGeom prst="line">
+              <a:avLst/>
+            </a:prstGeom>
+            <a:ln w="57150">
+              <a:solidFill>
+                <a:schemeClr val="bg1"/>
+              </a:solidFill>
+            </a:ln>
+          </p:spPr>
+          <p:style>
+            <a:lnRef idx="1">
+              <a:schemeClr val="accent1"/>
+            </a:lnRef>
+            <a:fillRef idx="0">
+              <a:schemeClr val="accent1"/>
+            </a:fillRef>
+            <a:effectRef idx="0">
+              <a:schemeClr val="accent1"/>
+            </a:effectRef>
+            <a:fontRef idx="minor">
+              <a:schemeClr val="tx1"/>
+            </a:fontRef>
+          </p:style>
+        </p:cxnSp>
+        <p:sp>
+          <p:nvSpPr>
+            <p:cNvPr id="65" name="Freeform: Shape 64">
+              <a:extLst>
+                <a:ext uri="{FF2B5EF4-FFF2-40B4-BE49-F238E27FC236}">
+                  <a16:creationId xmlns:a16="http://schemas.microsoft.com/office/drawing/2014/main" id="{AA16873F-4566-457A-B4AA-A350B7AD27F2}"/>
+                </a:ext>
+              </a:extLst>
+            </p:cNvPr>
+            <p:cNvSpPr/>
+            <p:nvPr/>
+          </p:nvSpPr>
+          <p:spPr>
+            <a:xfrm>
+              <a:off x="6324600" y="4724400"/>
+              <a:ext cx="320052" cy="376470"/>
+            </a:xfrm>
+            <a:custGeom>
+              <a:avLst/>
+              <a:gdLst>
+                <a:gd name="connsiteX0" fmla="*/ 137160 w 320052"/>
+                <a:gd name="connsiteY0" fmla="*/ 0 h 376470"/>
+                <a:gd name="connsiteX1" fmla="*/ 320040 w 320052"/>
+                <a:gd name="connsiteY1" fmla="*/ 167640 h 376470"/>
+                <a:gd name="connsiteX2" fmla="*/ 129540 w 320052"/>
+                <a:gd name="connsiteY2" fmla="*/ 358140 h 376470"/>
+                <a:gd name="connsiteX3" fmla="*/ 0 w 320052"/>
+                <a:gd name="connsiteY3" fmla="*/ 358140 h 376470"/>
+              </a:gdLst>
+              <a:ahLst/>
+              <a:cxnLst>
+                <a:cxn ang="0">
+                  <a:pos x="connsiteX0" y="connsiteY0"/>
+                </a:cxn>
+                <a:cxn ang="0">
+                  <a:pos x="connsiteX1" y="connsiteY1"/>
+                </a:cxn>
+                <a:cxn ang="0">
+                  <a:pos x="connsiteX2" y="connsiteY2"/>
+                </a:cxn>
+                <a:cxn ang="0">
+                  <a:pos x="connsiteX3" y="connsiteY3"/>
+                </a:cxn>
+              </a:cxnLst>
+              <a:rect l="l" t="t" r="r" b="b"/>
+              <a:pathLst>
+                <a:path w="320052" h="376470">
+                  <a:moveTo>
+                    <a:pt x="137160" y="0"/>
+                  </a:moveTo>
+                  <a:cubicBezTo>
+                    <a:pt x="229235" y="53975"/>
+                    <a:pt x="321310" y="107950"/>
+                    <a:pt x="320040" y="167640"/>
+                  </a:cubicBezTo>
+                  <a:cubicBezTo>
+                    <a:pt x="318770" y="227330"/>
+                    <a:pt x="182880" y="326390"/>
+                    <a:pt x="129540" y="358140"/>
+                  </a:cubicBezTo>
+                  <a:cubicBezTo>
+                    <a:pt x="76200" y="389890"/>
+                    <a:pt x="38100" y="374015"/>
+                    <a:pt x="0" y="358140"/>
+                  </a:cubicBezTo>
+                </a:path>
+              </a:pathLst>
+            </a:custGeom>
+            <a:noFill/>
+            <a:ln w="38100">
+              <a:solidFill>
+                <a:schemeClr val="bg1"/>
+              </a:solidFill>
+            </a:ln>
+          </p:spPr>
+          <p:style>
+            <a:lnRef idx="2">
+              <a:schemeClr val="accent1">
+                <a:shade val="50000"/>
+              </a:schemeClr>
+            </a:lnRef>
+            <a:fillRef idx="1">
+              <a:schemeClr val="accent1"/>
+            </a:fillRef>
+            <a:effectRef idx="0">
+              <a:schemeClr val="accent1"/>
+            </a:effectRef>
+            <a:fontRef idx="minor">
+              <a:schemeClr val="lt1"/>
+            </a:fontRef>
+          </p:style>
+          <p:txBody>
+            <a:bodyPr rtlCol="0" anchor="ctr"/>
+            <a:lstStyle/>
+            <a:p>
+              <a:pPr algn="ctr"/>
+              <a:endParaRPr lang="en-US"/>
+            </a:p>
+          </p:txBody>
+        </p:sp>
+        <p:sp>
+          <p:nvSpPr>
+            <p:cNvPr id="66" name="Freeform: Shape 65">
+              <a:extLst>
+                <a:ext uri="{FF2B5EF4-FFF2-40B4-BE49-F238E27FC236}">
+                  <a16:creationId xmlns:a16="http://schemas.microsoft.com/office/drawing/2014/main" id="{FC9D4063-E012-4454-B625-20C7AF426740}"/>
+                </a:ext>
+              </a:extLst>
+            </p:cNvPr>
+            <p:cNvSpPr/>
+            <p:nvPr/>
+          </p:nvSpPr>
+          <p:spPr>
+            <a:xfrm>
+              <a:off x="6911340" y="5059680"/>
+              <a:ext cx="207984" cy="358140"/>
+            </a:xfrm>
+            <a:custGeom>
+              <a:avLst/>
+              <a:gdLst>
+                <a:gd name="connsiteX0" fmla="*/ 0 w 207984"/>
+                <a:gd name="connsiteY0" fmla="*/ 358140 h 358140"/>
+                <a:gd name="connsiteX1" fmla="*/ 198120 w 207984"/>
+                <a:gd name="connsiteY1" fmla="*/ 205740 h 358140"/>
+                <a:gd name="connsiteX2" fmla="*/ 160020 w 207984"/>
+                <a:gd name="connsiteY2" fmla="*/ 0 h 358140"/>
+              </a:gdLst>
+              <a:ahLst/>
+              <a:cxnLst>
+                <a:cxn ang="0">
+                  <a:pos x="connsiteX0" y="connsiteY0"/>
+                </a:cxn>
+                <a:cxn ang="0">
+                  <a:pos x="connsiteX1" y="connsiteY1"/>
+                </a:cxn>
+                <a:cxn ang="0">
+                  <a:pos x="connsiteX2" y="connsiteY2"/>
+                </a:cxn>
+              </a:cxnLst>
+              <a:rect l="l" t="t" r="r" b="b"/>
+              <a:pathLst>
+                <a:path w="207984" h="358140">
+                  <a:moveTo>
+                    <a:pt x="0" y="358140"/>
+                  </a:moveTo>
+                  <a:cubicBezTo>
+                    <a:pt x="85725" y="311785"/>
+                    <a:pt x="171450" y="265430"/>
+                    <a:pt x="198120" y="205740"/>
+                  </a:cubicBezTo>
+                  <a:cubicBezTo>
+                    <a:pt x="224790" y="146050"/>
+                    <a:pt x="192405" y="73025"/>
+                    <a:pt x="160020" y="0"/>
+                  </a:cubicBezTo>
+                </a:path>
+              </a:pathLst>
+            </a:custGeom>
+            <a:noFill/>
+            <a:ln w="38100">
+              <a:solidFill>
+                <a:schemeClr val="bg1"/>
+              </a:solidFill>
+            </a:ln>
+          </p:spPr>
+          <p:style>
+            <a:lnRef idx="2">
+              <a:schemeClr val="accent1">
+                <a:shade val="50000"/>
+              </a:schemeClr>
+            </a:lnRef>
+            <a:fillRef idx="1">
+              <a:schemeClr val="accent1"/>
+            </a:fillRef>
+            <a:effectRef idx="0">
+              <a:schemeClr val="accent1"/>
+            </a:effectRef>
+            <a:fontRef idx="minor">
+              <a:schemeClr val="lt1"/>
+            </a:fontRef>
+          </p:style>
+          <p:txBody>
+            <a:bodyPr rtlCol="0" anchor="ctr"/>
+            <a:lstStyle/>
+            <a:p>
+              <a:pPr algn="ctr"/>
+              <a:endParaRPr lang="en-US"/>
+            </a:p>
+          </p:txBody>
+        </p:sp>
+        <p:sp>
+          <p:nvSpPr>
+            <p:cNvPr id="67" name="Freeform: Shape 66">
+              <a:extLst>
+                <a:ext uri="{FF2B5EF4-FFF2-40B4-BE49-F238E27FC236}">
+                  <a16:creationId xmlns:a16="http://schemas.microsoft.com/office/drawing/2014/main" id="{00E11144-BB5C-4499-A338-F964E365F778}"/>
+                </a:ext>
+              </a:extLst>
+            </p:cNvPr>
+            <p:cNvSpPr/>
+            <p:nvPr/>
+          </p:nvSpPr>
+          <p:spPr>
+            <a:xfrm>
+              <a:off x="7391400" y="4655820"/>
+              <a:ext cx="416193" cy="403860"/>
+            </a:xfrm>
+            <a:custGeom>
+              <a:avLst/>
+              <a:gdLst>
+                <a:gd name="connsiteX0" fmla="*/ 0 w 416193"/>
+                <a:gd name="connsiteY0" fmla="*/ 403860 h 403860"/>
+                <a:gd name="connsiteX1" fmla="*/ 365760 w 416193"/>
+                <a:gd name="connsiteY1" fmla="*/ 190500 h 403860"/>
+                <a:gd name="connsiteX2" fmla="*/ 403860 w 416193"/>
+                <a:gd name="connsiteY2" fmla="*/ 0 h 403860"/>
+              </a:gdLst>
+              <a:ahLst/>
+              <a:cxnLst>
+                <a:cxn ang="0">
+                  <a:pos x="connsiteX0" y="connsiteY0"/>
+                </a:cxn>
+                <a:cxn ang="0">
+                  <a:pos x="connsiteX1" y="connsiteY1"/>
+                </a:cxn>
+                <a:cxn ang="0">
+                  <a:pos x="connsiteX2" y="connsiteY2"/>
+                </a:cxn>
+              </a:cxnLst>
+              <a:rect l="l" t="t" r="r" b="b"/>
+              <a:pathLst>
+                <a:path w="416193" h="403860">
+                  <a:moveTo>
+                    <a:pt x="0" y="403860"/>
+                  </a:moveTo>
+                  <a:cubicBezTo>
+                    <a:pt x="149225" y="330835"/>
+                    <a:pt x="298450" y="257810"/>
+                    <a:pt x="365760" y="190500"/>
+                  </a:cubicBezTo>
+                  <a:cubicBezTo>
+                    <a:pt x="433070" y="123190"/>
+                    <a:pt x="418465" y="61595"/>
+                    <a:pt x="403860" y="0"/>
+                  </a:cubicBezTo>
+                </a:path>
+              </a:pathLst>
+            </a:custGeom>
+            <a:noFill/>
+            <a:ln w="38100">
+              <a:solidFill>
+                <a:schemeClr val="bg1"/>
+              </a:solidFill>
+            </a:ln>
+          </p:spPr>
+          <p:style>
+            <a:lnRef idx="2">
+              <a:schemeClr val="accent1">
+                <a:shade val="50000"/>
+              </a:schemeClr>
+            </a:lnRef>
+            <a:fillRef idx="1">
+              <a:schemeClr val="accent1"/>
+            </a:fillRef>
+            <a:effectRef idx="0">
+              <a:schemeClr val="accent1"/>
+            </a:effectRef>
+            <a:fontRef idx="minor">
+              <a:schemeClr val="lt1"/>
+            </a:fontRef>
+          </p:style>
+          <p:txBody>
+            <a:bodyPr rtlCol="0" anchor="ctr"/>
+            <a:lstStyle/>
+            <a:p>
+              <a:pPr algn="ctr"/>
+              <a:endParaRPr lang="en-US"/>
+            </a:p>
+          </p:txBody>
+        </p:sp>
+        <p:sp>
+          <p:nvSpPr>
+            <p:cNvPr id="68" name="Freeform: Shape 67">
+              <a:extLst>
+                <a:ext uri="{FF2B5EF4-FFF2-40B4-BE49-F238E27FC236}">
+                  <a16:creationId xmlns:a16="http://schemas.microsoft.com/office/drawing/2014/main" id="{F8BB94D8-70AD-4CEE-A69E-651F53B3DEF4}"/>
+                </a:ext>
+              </a:extLst>
+            </p:cNvPr>
+            <p:cNvSpPr/>
+            <p:nvPr/>
+          </p:nvSpPr>
+          <p:spPr>
+            <a:xfrm rot="501628">
+              <a:off x="9130550" y="4909984"/>
+              <a:ext cx="184513" cy="1128358"/>
+            </a:xfrm>
+            <a:custGeom>
+              <a:avLst/>
+              <a:gdLst>
+                <a:gd name="connsiteX0" fmla="*/ 220980 w 320069"/>
+                <a:gd name="connsiteY0" fmla="*/ 0 h 1120140"/>
+                <a:gd name="connsiteX1" fmla="*/ 320040 w 320069"/>
+                <a:gd name="connsiteY1" fmla="*/ 358140 h 1120140"/>
+                <a:gd name="connsiteX2" fmla="*/ 228600 w 320069"/>
+                <a:gd name="connsiteY2" fmla="*/ 807720 h 1120140"/>
+                <a:gd name="connsiteX3" fmla="*/ 0 w 320069"/>
+                <a:gd name="connsiteY3" fmla="*/ 1120140 h 1120140"/>
+              </a:gdLst>
+              <a:ahLst/>
+              <a:cxnLst>
+                <a:cxn ang="0">
+                  <a:pos x="connsiteX0" y="connsiteY0"/>
+                </a:cxn>
+                <a:cxn ang="0">
+                  <a:pos x="connsiteX1" y="connsiteY1"/>
+                </a:cxn>
+                <a:cxn ang="0">
+                  <a:pos x="connsiteX2" y="connsiteY2"/>
+                </a:cxn>
+                <a:cxn ang="0">
+                  <a:pos x="connsiteX3" y="connsiteY3"/>
+                </a:cxn>
+              </a:cxnLst>
+              <a:rect l="l" t="t" r="r" b="b"/>
+              <a:pathLst>
+                <a:path w="320069" h="1120140">
+                  <a:moveTo>
+                    <a:pt x="220980" y="0"/>
+                  </a:moveTo>
+                  <a:cubicBezTo>
+                    <a:pt x="269875" y="111760"/>
+                    <a:pt x="318770" y="223520"/>
+                    <a:pt x="320040" y="358140"/>
+                  </a:cubicBezTo>
+                  <a:cubicBezTo>
+                    <a:pt x="321310" y="492760"/>
+                    <a:pt x="281940" y="680720"/>
+                    <a:pt x="228600" y="807720"/>
+                  </a:cubicBezTo>
+                  <a:cubicBezTo>
+                    <a:pt x="175260" y="934720"/>
+                    <a:pt x="0" y="1120140"/>
+                    <a:pt x="0" y="1120140"/>
+                  </a:cubicBezTo>
+                </a:path>
+              </a:pathLst>
+            </a:custGeom>
+            <a:noFill/>
+            <a:ln w="76200">
+              <a:solidFill>
+                <a:schemeClr val="bg1"/>
+              </a:solidFill>
+            </a:ln>
+          </p:spPr>
+          <p:style>
+            <a:lnRef idx="2">
+              <a:schemeClr val="accent1">
+                <a:shade val="50000"/>
+              </a:schemeClr>
+            </a:lnRef>
+            <a:fillRef idx="1">
+              <a:schemeClr val="accent1"/>
+            </a:fillRef>
+            <a:effectRef idx="0">
+              <a:schemeClr val="accent1"/>
+            </a:effectRef>
+            <a:fontRef idx="minor">
+              <a:schemeClr val="lt1"/>
+            </a:fontRef>
+          </p:style>
+          <p:txBody>
+            <a:bodyPr rtlCol="0" anchor="ctr"/>
+            <a:lstStyle/>
+            <a:p>
+              <a:pPr algn="ctr"/>
+              <a:endParaRPr lang="en-US"/>
+            </a:p>
+          </p:txBody>
+        </p:sp>
+      </p:grpSp>
+      <p:sp>
+        <p:nvSpPr>
+          <p:cNvPr id="70" name="Prostokąt 20">
+            <a:extLst>
+              <a:ext uri="{FF2B5EF4-FFF2-40B4-BE49-F238E27FC236}">
+                <a16:creationId xmlns:a16="http://schemas.microsoft.com/office/drawing/2014/main" id="{DCB99CD1-D33E-4EDB-AF96-31141D4AF8E7}"/>
+              </a:ext>
+            </a:extLst>
+          </p:cNvPr>
+          <p:cNvSpPr/>
+          <p:nvPr/>
+        </p:nvSpPr>
+        <p:spPr>
+          <a:xfrm>
+            <a:off x="609875" y="5430194"/>
+            <a:ext cx="10866783" cy="923330"/>
+          </a:xfrm>
+          <a:prstGeom prst="rect">
+            <a:avLst/>
+          </a:prstGeom>
+          <a:noFill/>
+        </p:spPr>
+        <p:txBody>
+          <a:bodyPr wrap="square" lIns="91440" tIns="45720" rIns="91440" bIns="45720">
+            <a:spAutoFit/>
+          </a:bodyPr>
+          <a:lstStyle/>
+          <a:p>
+            <a:pPr algn="ctr"/>
+            <a:r>
+              <a:rPr lang="pl-PL" sz="5400" b="1" dirty="0">
+                <a:ln w="10160">
+                  <a:solidFill>
+                    <a:schemeClr val="accent5"/>
+                  </a:solidFill>
+                  <a:prstDash val="solid"/>
+                </a:ln>
+                <a:solidFill>
+                  <a:srgbClr val="FFFFFF"/>
+                </a:solidFill>
+                <a:effectLst>
+                  <a:outerShdw blurRad="38100" dist="22860" dir="5400000" algn="tl" rotWithShape="0">
+                    <a:srgbClr val="000000">
+                      <a:alpha val="30000"/>
+                    </a:srgbClr>
+                  </a:outerShdw>
+                </a:effectLst>
+              </a:rPr>
+              <a:t>Data load </a:t>
+            </a:r>
+            <a:r>
+              <a:rPr lang="en-US" sz="5400" b="1" dirty="0">
+                <a:ln w="10160">
+                  <a:solidFill>
+                    <a:schemeClr val="accent5"/>
+                  </a:solidFill>
+                  <a:prstDash val="solid"/>
+                </a:ln>
+                <a:solidFill>
+                  <a:srgbClr val="FFFFFF"/>
+                </a:solidFill>
+                <a:effectLst>
+                  <a:outerShdw blurRad="38100" dist="22860" dir="5400000" algn="tl" rotWithShape="0">
+                    <a:srgbClr val="000000">
+                      <a:alpha val="30000"/>
+                    </a:srgbClr>
+                  </a:outerShdw>
+                </a:effectLst>
+              </a:rPr>
+              <a:t>errors</a:t>
+            </a:r>
+            <a:endParaRPr lang="pl-PL" sz="6600" b="1" cap="none" spc="0" dirty="0">
+              <a:ln w="10160">
+                <a:solidFill>
+                  <a:schemeClr val="accent5"/>
+                </a:solidFill>
+                <a:prstDash val="solid"/>
+              </a:ln>
+              <a:solidFill>
+                <a:srgbClr val="FFFFFF"/>
+              </a:solidFill>
+              <a:effectLst>
+                <a:outerShdw blurRad="38100" dist="22860" dir="5400000" algn="tl" rotWithShape="0">
+                  <a:srgbClr val="000000">
+                    <a:alpha val="30000"/>
+                  </a:srgbClr>
+                </a:outerShdw>
+              </a:effectLst>
+            </a:endParaRPr>
+          </a:p>
+        </p:txBody>
+      </p:sp>
+    </p:spTree>
+    <p:extLst>
+      <p:ext uri="{BB962C8B-B14F-4D97-AF65-F5344CB8AC3E}">
+        <p14:creationId xmlns:p14="http://schemas.microsoft.com/office/powerpoint/2010/main" val="1740720069"/>
+      </p:ext>
+    </p:extLst>
+  </p:cSld>
+  <p:clrMapOvr>
+    <a:masterClrMapping/>
+  </p:clrMapOvr>
+</p:sld>
+</file>
+
+<file path=ppt/slides/slide3.xml><?xml version="1.0" encoding="utf-8"?>
+<p:sld xmlns:a="http://schemas.openxmlformats.org/drawingml/2006/main" xmlns:r="http://schemas.openxmlformats.org/officeDocument/2006/relationships" xmlns:p="http://schemas.openxmlformats.org/presentationml/2006/main">
+  <p:cSld>
+    <p:bg>
+      <p:bgPr>
+        <a:gradFill>
+          <a:gsLst>
             <a:gs pos="54000">
               <a:srgbClr val="07A1D7"/>
             </a:gs>
@@ -16534,7 +21468,7 @@
 </p:sld>
 </file>
 
-<file path=ppt/slides/slide3.xml><?xml version="1.0" encoding="utf-8"?>
+<file path=ppt/slides/slide4.xml><?xml version="1.0" encoding="utf-8"?>
 <p:sld xmlns:a="http://schemas.openxmlformats.org/drawingml/2006/main" xmlns:r="http://schemas.openxmlformats.org/officeDocument/2006/relationships" xmlns:p="http://schemas.openxmlformats.org/presentationml/2006/main">
   <p:cSld>
     <p:bg>
@@ -18086,7 +23020,7 @@
 </p:sld>
 </file>
 
-<file path=ppt/slides/slide4.xml><?xml version="1.0" encoding="utf-8"?>
+<file path=ppt/slides/slide5.xml><?xml version="1.0" encoding="utf-8"?>
 <p:sld xmlns:a="http://schemas.openxmlformats.org/drawingml/2006/main" xmlns:r="http://schemas.openxmlformats.org/officeDocument/2006/relationships" xmlns:p="http://schemas.openxmlformats.org/presentationml/2006/main">
   <p:cSld>
     <p:bg>
@@ -18544,7 +23478,7 @@
 </p:sld>
 </file>
 
-<file path=ppt/slides/slide5.xml><?xml version="1.0" encoding="utf-8"?>
+<file path=ppt/slides/slide6.xml><?xml version="1.0" encoding="utf-8"?>
 <p:sld xmlns:a="http://schemas.openxmlformats.org/drawingml/2006/main" xmlns:r="http://schemas.openxmlformats.org/officeDocument/2006/relationships" xmlns:p="http://schemas.openxmlformats.org/presentationml/2006/main">
   <p:cSld>
     <p:bg>
@@ -20129,7 +25063,7 @@
 </p:sld>
 </file>
 
-<file path=ppt/slides/slide6.xml><?xml version="1.0" encoding="utf-8"?>
+<file path=ppt/slides/slide7.xml><?xml version="1.0" encoding="utf-8"?>
 <p:sld xmlns:a="http://schemas.openxmlformats.org/drawingml/2006/main" xmlns:r="http://schemas.openxmlformats.org/officeDocument/2006/relationships" xmlns:p="http://schemas.openxmlformats.org/presentationml/2006/main">
   <p:cSld>
     <p:bg>
@@ -21277,7 +26211,7 @@
 </p:sld>
 </file>
 
-<file path=ppt/slides/slide7.xml><?xml version="1.0" encoding="utf-8"?>
+<file path=ppt/slides/slide8.xml><?xml version="1.0" encoding="utf-8"?>
 <p:sld xmlns:a="http://schemas.openxmlformats.org/drawingml/2006/main" xmlns:r="http://schemas.openxmlformats.org/officeDocument/2006/relationships" xmlns:p="http://schemas.openxmlformats.org/presentationml/2006/main">
   <p:cSld>
     <p:bg>
@@ -27641,7 +32575,7 @@
 </p:sld>
 </file>
 
-<file path=ppt/slides/slide8.xml><?xml version="1.0" encoding="utf-8"?>
+<file path=ppt/slides/slide9.xml><?xml version="1.0" encoding="utf-8"?>
 <p:sld xmlns:a="http://schemas.openxmlformats.org/drawingml/2006/main" xmlns:r="http://schemas.openxmlformats.org/officeDocument/2006/relationships" xmlns:p="http://schemas.openxmlformats.org/presentationml/2006/main">
   <p:cSld>
     <p:bg>
@@ -28342,1975 +33276,6 @@
     <p:extLst>
       <p:ext uri="{BB962C8B-B14F-4D97-AF65-F5344CB8AC3E}">
         <p14:creationId xmlns:p14="http://schemas.microsoft.com/office/powerpoint/2010/main" val="1773695073"/>
-      </p:ext>
-    </p:extLst>
-  </p:cSld>
-  <p:clrMapOvr>
-    <a:masterClrMapping/>
-  </p:clrMapOvr>
-</p:sld>
-</file>
-
-<file path=ppt/slides/slide9.xml><?xml version="1.0" encoding="utf-8"?>
-<p:sld xmlns:a="http://schemas.openxmlformats.org/drawingml/2006/main" xmlns:r="http://schemas.openxmlformats.org/officeDocument/2006/relationships" xmlns:p="http://schemas.openxmlformats.org/presentationml/2006/main">
-  <p:cSld>
-    <p:bg>
-      <p:bgPr>
-        <a:gradFill>
-          <a:gsLst>
-            <a:gs pos="54000">
-              <a:srgbClr val="07A1D7"/>
-            </a:gs>
-            <a:gs pos="100000">
-              <a:srgbClr val="11CFD9"/>
-            </a:gs>
-          </a:gsLst>
-          <a:lin ang="5400000" scaled="1"/>
-        </a:gradFill>
-        <a:effectLst/>
-      </p:bgPr>
-    </p:bg>
-    <p:spTree>
-      <p:nvGrpSpPr>
-        <p:cNvPr id="1" name=""/>
-        <p:cNvGrpSpPr/>
-        <p:nvPr/>
-      </p:nvGrpSpPr>
-      <p:grpSpPr>
-        <a:xfrm>
-          <a:off x="0" y="0"/>
-          <a:ext cx="0" cy="0"/>
-          <a:chOff x="0" y="0"/>
-          <a:chExt cx="0" cy="0"/>
-        </a:xfrm>
-      </p:grpSpPr>
-      <p:pic>
-        <p:nvPicPr>
-          <p:cNvPr id="5" name="Obraz 4">
-            <a:extLst>
-              <a:ext uri="{FF2B5EF4-FFF2-40B4-BE49-F238E27FC236}">
-                <a16:creationId xmlns:a16="http://schemas.microsoft.com/office/drawing/2014/main" id="{FA2B5562-A690-428E-8278-450D1EECD2E4}"/>
-              </a:ext>
-            </a:extLst>
-          </p:cNvPr>
-          <p:cNvPicPr>
-            <a:picLocks noChangeAspect="1"/>
-          </p:cNvPicPr>
-          <p:nvPr/>
-        </p:nvPicPr>
-        <p:blipFill>
-          <a:blip r:embed="rId3">
-            <a:extLst>
-              <a:ext uri="{28A0092B-C50C-407E-A947-70E740481C1C}">
-                <a14:useLocalDpi xmlns:a14="http://schemas.microsoft.com/office/drawing/2010/main" val="0"/>
-              </a:ext>
-            </a:extLst>
-          </a:blip>
-          <a:stretch>
-            <a:fillRect/>
-          </a:stretch>
-        </p:blipFill>
-        <p:spPr>
-          <a:xfrm>
-            <a:off x="153944" y="139485"/>
-            <a:ext cx="2471463" cy="1425844"/>
-          </a:xfrm>
-          <a:prstGeom prst="rect">
-            <a:avLst/>
-          </a:prstGeom>
-        </p:spPr>
-      </p:pic>
-      <p:grpSp>
-        <p:nvGrpSpPr>
-          <p:cNvPr id="25" name="Grupa 24">
-            <a:extLst>
-              <a:ext uri="{FF2B5EF4-FFF2-40B4-BE49-F238E27FC236}">
-                <a16:creationId xmlns:a16="http://schemas.microsoft.com/office/drawing/2014/main" id="{C771E598-2B42-4372-A6E4-D00DD79C1204}"/>
-              </a:ext>
-            </a:extLst>
-          </p:cNvPr>
-          <p:cNvGrpSpPr/>
-          <p:nvPr/>
-        </p:nvGrpSpPr>
-        <p:grpSpPr>
-          <a:xfrm>
-            <a:off x="1389675" y="1061746"/>
-            <a:ext cx="8006609" cy="4548405"/>
-            <a:chOff x="819338" y="734449"/>
-            <a:chExt cx="8880091" cy="5261327"/>
-          </a:xfrm>
-        </p:grpSpPr>
-        <p:grpSp>
-          <p:nvGrpSpPr>
-            <p:cNvPr id="16" name="Grupa 15">
-              <a:extLst>
-                <a:ext uri="{FF2B5EF4-FFF2-40B4-BE49-F238E27FC236}">
-                  <a16:creationId xmlns:a16="http://schemas.microsoft.com/office/drawing/2014/main" id="{63276588-39AF-441C-B9F1-57909137CB0D}"/>
-                </a:ext>
-              </a:extLst>
-            </p:cNvPr>
-            <p:cNvGrpSpPr/>
-            <p:nvPr/>
-          </p:nvGrpSpPr>
-          <p:grpSpPr>
-            <a:xfrm>
-              <a:off x="1000359" y="852407"/>
-              <a:ext cx="8699070" cy="5143369"/>
-              <a:chOff x="881090" y="937755"/>
-              <a:chExt cx="8699070" cy="5143369"/>
-            </a:xfrm>
-            <a:solidFill>
-              <a:schemeClr val="tx1"/>
-            </a:solidFill>
-          </p:grpSpPr>
-          <p:sp>
-            <p:nvSpPr>
-              <p:cNvPr id="11" name="Strzałka: kolista 10">
-                <a:extLst>
-                  <a:ext uri="{FF2B5EF4-FFF2-40B4-BE49-F238E27FC236}">
-                    <a16:creationId xmlns:a16="http://schemas.microsoft.com/office/drawing/2014/main" id="{E7EF9396-B6F4-4E7F-A88D-ECFFBF6A6D9E}"/>
-                  </a:ext>
-                </a:extLst>
-              </p:cNvPr>
-              <p:cNvSpPr/>
-              <p:nvPr/>
-            </p:nvSpPr>
-            <p:spPr>
-              <a:xfrm rot="4232097">
-                <a:off x="4720754" y="1774172"/>
-                <a:ext cx="3989259" cy="3506544"/>
-              </a:xfrm>
-              <a:prstGeom prst="circularArrow">
-                <a:avLst>
-                  <a:gd name="adj1" fmla="val 17285"/>
-                  <a:gd name="adj2" fmla="val 817767"/>
-                  <a:gd name="adj3" fmla="val 20220068"/>
-                  <a:gd name="adj4" fmla="val 13674065"/>
-                  <a:gd name="adj5" fmla="val 13816"/>
-                </a:avLst>
-              </a:prstGeom>
-              <a:grpFill/>
-              <a:ln>
-                <a:noFill/>
-              </a:ln>
-            </p:spPr>
-            <p:style>
-              <a:lnRef idx="2">
-                <a:schemeClr val="accent6"/>
-              </a:lnRef>
-              <a:fillRef idx="1">
-                <a:schemeClr val="lt1"/>
-              </a:fillRef>
-              <a:effectRef idx="0">
-                <a:schemeClr val="accent6"/>
-              </a:effectRef>
-              <a:fontRef idx="minor">
-                <a:schemeClr val="dk1"/>
-              </a:fontRef>
-            </p:style>
-            <p:txBody>
-              <a:bodyPr rtlCol="0" anchor="ctr"/>
-              <a:lstStyle/>
-              <a:p>
-                <a:pPr algn="ctr"/>
-                <a:endParaRPr lang="pl-PL" dirty="0">
-                  <a:solidFill>
-                    <a:schemeClr val="tx1"/>
-                  </a:solidFill>
-                </a:endParaRPr>
-              </a:p>
-            </p:txBody>
-          </p:sp>
-          <p:sp>
-            <p:nvSpPr>
-              <p:cNvPr id="12" name="Strzałka: kolista 11">
-                <a:extLst>
-                  <a:ext uri="{FF2B5EF4-FFF2-40B4-BE49-F238E27FC236}">
-                    <a16:creationId xmlns:a16="http://schemas.microsoft.com/office/drawing/2014/main" id="{E63943B3-62F3-4E65-8BC8-121E621AA861}"/>
-                  </a:ext>
-                </a:extLst>
-              </p:cNvPr>
-              <p:cNvSpPr/>
-              <p:nvPr/>
-            </p:nvSpPr>
-            <p:spPr>
-              <a:xfrm rot="17588791">
-                <a:off x="4634487" y="2601821"/>
-                <a:ext cx="3356567" cy="3602040"/>
-              </a:xfrm>
-              <a:prstGeom prst="circularArrow">
-                <a:avLst>
-                  <a:gd name="adj1" fmla="val 17285"/>
-                  <a:gd name="adj2" fmla="val 817767"/>
-                  <a:gd name="adj3" fmla="val 20220068"/>
-                  <a:gd name="adj4" fmla="val 14902528"/>
-                  <a:gd name="adj5" fmla="val 13816"/>
-                </a:avLst>
-              </a:prstGeom>
-              <a:grpFill/>
-              <a:ln>
-                <a:noFill/>
-              </a:ln>
-            </p:spPr>
-            <p:style>
-              <a:lnRef idx="2">
-                <a:schemeClr val="accent6"/>
-              </a:lnRef>
-              <a:fillRef idx="1">
-                <a:schemeClr val="lt1"/>
-              </a:fillRef>
-              <a:effectRef idx="0">
-                <a:schemeClr val="accent6"/>
-              </a:effectRef>
-              <a:fontRef idx="minor">
-                <a:schemeClr val="dk1"/>
-              </a:fontRef>
-            </p:style>
-            <p:txBody>
-              <a:bodyPr rtlCol="0" anchor="ctr"/>
-              <a:lstStyle/>
-              <a:p>
-                <a:pPr algn="ctr"/>
-                <a:endParaRPr lang="pl-PL" dirty="0">
-                  <a:solidFill>
-                    <a:schemeClr val="tx1"/>
-                  </a:solidFill>
-                </a:endParaRPr>
-              </a:p>
-            </p:txBody>
-          </p:sp>
-          <p:grpSp>
-            <p:nvGrpSpPr>
-              <p:cNvPr id="15" name="Grupa 14">
-                <a:extLst>
-                  <a:ext uri="{FF2B5EF4-FFF2-40B4-BE49-F238E27FC236}">
-                    <a16:creationId xmlns:a16="http://schemas.microsoft.com/office/drawing/2014/main" id="{10E89492-F0E1-4D71-810E-2D7089DE2B39}"/>
-                  </a:ext>
-                </a:extLst>
-              </p:cNvPr>
-              <p:cNvGrpSpPr/>
-              <p:nvPr/>
-            </p:nvGrpSpPr>
-            <p:grpSpPr>
-              <a:xfrm>
-                <a:off x="881090" y="937755"/>
-                <a:ext cx="8699070" cy="4841814"/>
-                <a:chOff x="73325" y="1052234"/>
-                <a:chExt cx="8699070" cy="4841814"/>
-              </a:xfrm>
-              <a:grpFill/>
-            </p:grpSpPr>
-            <p:sp>
-              <p:nvSpPr>
-                <p:cNvPr id="4" name="Strzałka: kolista 3">
-                  <a:extLst>
-                    <a:ext uri="{FF2B5EF4-FFF2-40B4-BE49-F238E27FC236}">
-                      <a16:creationId xmlns:a16="http://schemas.microsoft.com/office/drawing/2014/main" id="{870A6785-E29A-4081-909E-EAFF0039874B}"/>
-                    </a:ext>
-                  </a:extLst>
-                </p:cNvPr>
-                <p:cNvSpPr/>
-                <p:nvPr/>
-              </p:nvSpPr>
-              <p:spPr>
-                <a:xfrm rot="19837530">
-                  <a:off x="3219102" y="1605390"/>
-                  <a:ext cx="3989259" cy="3506544"/>
-                </a:xfrm>
-                <a:prstGeom prst="circularArrow">
-                  <a:avLst>
-                    <a:gd name="adj1" fmla="val 17285"/>
-                    <a:gd name="adj2" fmla="val 817767"/>
-                    <a:gd name="adj3" fmla="val 20220068"/>
-                    <a:gd name="adj4" fmla="val 13674065"/>
-                    <a:gd name="adj5" fmla="val 13816"/>
-                  </a:avLst>
-                </a:prstGeom>
-                <a:grpFill/>
-                <a:ln>
-                  <a:noFill/>
-                </a:ln>
-              </p:spPr>
-              <p:style>
-                <a:lnRef idx="2">
-                  <a:schemeClr val="accent6"/>
-                </a:lnRef>
-                <a:fillRef idx="1">
-                  <a:schemeClr val="lt1"/>
-                </a:fillRef>
-                <a:effectRef idx="0">
-                  <a:schemeClr val="accent6"/>
-                </a:effectRef>
-                <a:fontRef idx="minor">
-                  <a:schemeClr val="dk1"/>
-                </a:fontRef>
-              </p:style>
-              <p:txBody>
-                <a:bodyPr rtlCol="0" anchor="ctr"/>
-                <a:lstStyle/>
-                <a:p>
-                  <a:pPr algn="ctr"/>
-                  <a:endParaRPr lang="pl-PL" dirty="0">
-                    <a:solidFill>
-                      <a:schemeClr val="tx1"/>
-                    </a:solidFill>
-                  </a:endParaRPr>
-                </a:p>
-              </p:txBody>
-            </p:sp>
-            <p:sp>
-              <p:nvSpPr>
-                <p:cNvPr id="10" name="Strzałka: kolista 9">
-                  <a:extLst>
-                    <a:ext uri="{FF2B5EF4-FFF2-40B4-BE49-F238E27FC236}">
-                      <a16:creationId xmlns:a16="http://schemas.microsoft.com/office/drawing/2014/main" id="{9DE398AA-FD57-4685-8064-54DC1C1E3611}"/>
-                    </a:ext>
-                  </a:extLst>
-                </p:cNvPr>
-                <p:cNvSpPr/>
-                <p:nvPr/>
-              </p:nvSpPr>
-              <p:spPr>
-                <a:xfrm rot="10036440">
-                  <a:off x="3727731" y="2387504"/>
-                  <a:ext cx="3989259" cy="3506544"/>
-                </a:xfrm>
-                <a:prstGeom prst="circularArrow">
-                  <a:avLst>
-                    <a:gd name="adj1" fmla="val 17285"/>
-                    <a:gd name="adj2" fmla="val 817767"/>
-                    <a:gd name="adj3" fmla="val 20220068"/>
-                    <a:gd name="adj4" fmla="val 14902528"/>
-                    <a:gd name="adj5" fmla="val 13816"/>
-                  </a:avLst>
-                </a:prstGeom>
-                <a:grpFill/>
-                <a:ln>
-                  <a:noFill/>
-                </a:ln>
-              </p:spPr>
-              <p:style>
-                <a:lnRef idx="2">
-                  <a:schemeClr val="accent6"/>
-                </a:lnRef>
-                <a:fillRef idx="1">
-                  <a:schemeClr val="lt1"/>
-                </a:fillRef>
-                <a:effectRef idx="0">
-                  <a:schemeClr val="accent6"/>
-                </a:effectRef>
-                <a:fontRef idx="minor">
-                  <a:schemeClr val="dk1"/>
-                </a:fontRef>
-              </p:style>
-              <p:txBody>
-                <a:bodyPr rtlCol="0" anchor="ctr"/>
-                <a:lstStyle/>
-                <a:p>
-                  <a:pPr algn="ctr"/>
-                  <a:endParaRPr lang="pl-PL" dirty="0">
-                    <a:solidFill>
-                      <a:schemeClr val="tx1"/>
-                    </a:solidFill>
-                  </a:endParaRPr>
-                </a:p>
-              </p:txBody>
-            </p:sp>
-            <p:sp>
-              <p:nvSpPr>
-                <p:cNvPr id="13" name="Strzałka: kolista 12">
-                  <a:extLst>
-                    <a:ext uri="{FF2B5EF4-FFF2-40B4-BE49-F238E27FC236}">
-                      <a16:creationId xmlns:a16="http://schemas.microsoft.com/office/drawing/2014/main" id="{42B8EAF6-93F2-4B84-8729-C94AE784048B}"/>
-                    </a:ext>
-                  </a:extLst>
-                </p:cNvPr>
-                <p:cNvSpPr/>
-                <p:nvPr/>
-              </p:nvSpPr>
-              <p:spPr>
-                <a:xfrm rot="381463" flipV="1">
-                  <a:off x="73325" y="1052234"/>
-                  <a:ext cx="4285302" cy="3507415"/>
-                </a:xfrm>
-                <a:prstGeom prst="circularArrow">
-                  <a:avLst>
-                    <a:gd name="adj1" fmla="val 17285"/>
-                    <a:gd name="adj2" fmla="val 817767"/>
-                    <a:gd name="adj3" fmla="val 20220068"/>
-                    <a:gd name="adj4" fmla="val 15375350"/>
-                    <a:gd name="adj5" fmla="val 13816"/>
-                  </a:avLst>
-                </a:prstGeom>
-                <a:grpFill/>
-                <a:ln>
-                  <a:noFill/>
-                </a:ln>
-              </p:spPr>
-              <p:style>
-                <a:lnRef idx="2">
-                  <a:schemeClr val="accent6"/>
-                </a:lnRef>
-                <a:fillRef idx="1">
-                  <a:schemeClr val="lt1"/>
-                </a:fillRef>
-                <a:effectRef idx="0">
-                  <a:schemeClr val="accent6"/>
-                </a:effectRef>
-                <a:fontRef idx="minor">
-                  <a:schemeClr val="dk1"/>
-                </a:fontRef>
-              </p:style>
-              <p:txBody>
-                <a:bodyPr rtlCol="0" anchor="ctr"/>
-                <a:lstStyle/>
-                <a:p>
-                  <a:pPr algn="ctr"/>
-                  <a:endParaRPr lang="pl-PL" dirty="0">
-                    <a:solidFill>
-                      <a:schemeClr val="tx1"/>
-                    </a:solidFill>
-                  </a:endParaRPr>
-                </a:p>
-              </p:txBody>
-            </p:sp>
-            <p:pic>
-              <p:nvPicPr>
-                <p:cNvPr id="3" name="Grafika 2" descr="Strzałka: lekko zakrzywiona">
-                  <a:extLst>
-                    <a:ext uri="{FF2B5EF4-FFF2-40B4-BE49-F238E27FC236}">
-                      <a16:creationId xmlns:a16="http://schemas.microsoft.com/office/drawing/2014/main" id="{3803A2AA-B9A4-4545-B40C-CF67E6456884}"/>
-                    </a:ext>
-                  </a:extLst>
-                </p:cNvPr>
-                <p:cNvPicPr>
-                  <a:picLocks noChangeAspect="1"/>
-                </p:cNvPicPr>
-                <p:nvPr/>
-              </p:nvPicPr>
-              <p:blipFill>
-                <a:blip r:embed="rId4">
-                  <a:extLst>
-                    <a:ext uri="{28A0092B-C50C-407E-A947-70E740481C1C}">
-                      <a14:useLocalDpi xmlns:a14="http://schemas.microsoft.com/office/drawing/2010/main" val="0"/>
-                    </a:ext>
-                    <a:ext uri="{96DAC541-7B7A-43D3-8B79-37D633B846F1}">
-                      <asvg:svgBlip xmlns:asvg="http://schemas.microsoft.com/office/drawing/2016/SVG/main" r:embed="rId5"/>
-                    </a:ext>
-                  </a:extLst>
-                </a:blip>
-                <a:stretch>
-                  <a:fillRect/>
-                </a:stretch>
-              </p:blipFill>
-              <p:spPr>
-                <a:xfrm>
-                  <a:off x="5948920" y="2185122"/>
-                  <a:ext cx="2823475" cy="2823475"/>
-                </a:xfrm>
-                <a:prstGeom prst="rect">
-                  <a:avLst/>
-                </a:prstGeom>
-              </p:spPr>
-            </p:pic>
-          </p:grpSp>
-        </p:grpSp>
-        <p:grpSp>
-          <p:nvGrpSpPr>
-            <p:cNvPr id="17" name="Grupa 16">
-              <a:extLst>
-                <a:ext uri="{FF2B5EF4-FFF2-40B4-BE49-F238E27FC236}">
-                  <a16:creationId xmlns:a16="http://schemas.microsoft.com/office/drawing/2014/main" id="{8C694A27-5A78-4440-B7B6-1FD9848F4CB0}"/>
-                </a:ext>
-              </a:extLst>
-            </p:cNvPr>
-            <p:cNvGrpSpPr/>
-            <p:nvPr/>
-          </p:nvGrpSpPr>
-          <p:grpSpPr>
-            <a:xfrm>
-              <a:off x="819338" y="734449"/>
-              <a:ext cx="8699070" cy="5143369"/>
-              <a:chOff x="881090" y="937755"/>
-              <a:chExt cx="8699070" cy="5143369"/>
-            </a:xfrm>
-          </p:grpSpPr>
-          <p:sp>
-            <p:nvSpPr>
-              <p:cNvPr id="18" name="Strzałka: kolista 17">
-                <a:extLst>
-                  <a:ext uri="{FF2B5EF4-FFF2-40B4-BE49-F238E27FC236}">
-                    <a16:creationId xmlns:a16="http://schemas.microsoft.com/office/drawing/2014/main" id="{EEE27C09-A39D-43ED-AE36-F1E7298A3311}"/>
-                  </a:ext>
-                </a:extLst>
-              </p:cNvPr>
-              <p:cNvSpPr/>
-              <p:nvPr/>
-            </p:nvSpPr>
-            <p:spPr>
-              <a:xfrm rot="4232097">
-                <a:off x="4720754" y="1774172"/>
-                <a:ext cx="3989259" cy="3506544"/>
-              </a:xfrm>
-              <a:prstGeom prst="circularArrow">
-                <a:avLst>
-                  <a:gd name="adj1" fmla="val 17285"/>
-                  <a:gd name="adj2" fmla="val 817767"/>
-                  <a:gd name="adj3" fmla="val 20220068"/>
-                  <a:gd name="adj4" fmla="val 13674065"/>
-                  <a:gd name="adj5" fmla="val 13816"/>
-                </a:avLst>
-              </a:prstGeom>
-              <a:ln>
-                <a:noFill/>
-              </a:ln>
-            </p:spPr>
-            <p:style>
-              <a:lnRef idx="2">
-                <a:schemeClr val="accent6"/>
-              </a:lnRef>
-              <a:fillRef idx="1">
-                <a:schemeClr val="lt1"/>
-              </a:fillRef>
-              <a:effectRef idx="0">
-                <a:schemeClr val="accent6"/>
-              </a:effectRef>
-              <a:fontRef idx="minor">
-                <a:schemeClr val="dk1"/>
-              </a:fontRef>
-            </p:style>
-            <p:txBody>
-              <a:bodyPr rtlCol="0" anchor="ctr"/>
-              <a:lstStyle/>
-              <a:p>
-                <a:pPr algn="ctr"/>
-                <a:endParaRPr lang="pl-PL" dirty="0">
-                  <a:solidFill>
-                    <a:schemeClr val="tx1"/>
-                  </a:solidFill>
-                </a:endParaRPr>
-              </a:p>
-            </p:txBody>
-          </p:sp>
-          <p:sp>
-            <p:nvSpPr>
-              <p:cNvPr id="19" name="Strzałka: kolista 18">
-                <a:extLst>
-                  <a:ext uri="{FF2B5EF4-FFF2-40B4-BE49-F238E27FC236}">
-                    <a16:creationId xmlns:a16="http://schemas.microsoft.com/office/drawing/2014/main" id="{9E16B8BC-DFE5-4F8D-8C21-943900EB2B91}"/>
-                  </a:ext>
-                </a:extLst>
-              </p:cNvPr>
-              <p:cNvSpPr/>
-              <p:nvPr/>
-            </p:nvSpPr>
-            <p:spPr>
-              <a:xfrm rot="17588791">
-                <a:off x="4634487" y="2601821"/>
-                <a:ext cx="3356567" cy="3602040"/>
-              </a:xfrm>
-              <a:prstGeom prst="circularArrow">
-                <a:avLst>
-                  <a:gd name="adj1" fmla="val 17285"/>
-                  <a:gd name="adj2" fmla="val 817767"/>
-                  <a:gd name="adj3" fmla="val 20220068"/>
-                  <a:gd name="adj4" fmla="val 14902528"/>
-                  <a:gd name="adj5" fmla="val 13816"/>
-                </a:avLst>
-              </a:prstGeom>
-              <a:ln>
-                <a:noFill/>
-              </a:ln>
-            </p:spPr>
-            <p:style>
-              <a:lnRef idx="2">
-                <a:schemeClr val="accent6"/>
-              </a:lnRef>
-              <a:fillRef idx="1">
-                <a:schemeClr val="lt1"/>
-              </a:fillRef>
-              <a:effectRef idx="0">
-                <a:schemeClr val="accent6"/>
-              </a:effectRef>
-              <a:fontRef idx="minor">
-                <a:schemeClr val="dk1"/>
-              </a:fontRef>
-            </p:style>
-            <p:txBody>
-              <a:bodyPr rtlCol="0" anchor="ctr"/>
-              <a:lstStyle/>
-              <a:p>
-                <a:pPr algn="ctr"/>
-                <a:endParaRPr lang="pl-PL" dirty="0">
-                  <a:solidFill>
-                    <a:schemeClr val="tx1"/>
-                  </a:solidFill>
-                </a:endParaRPr>
-              </a:p>
-            </p:txBody>
-          </p:sp>
-          <p:grpSp>
-            <p:nvGrpSpPr>
-              <p:cNvPr id="20" name="Grupa 19">
-                <a:extLst>
-                  <a:ext uri="{FF2B5EF4-FFF2-40B4-BE49-F238E27FC236}">
-                    <a16:creationId xmlns:a16="http://schemas.microsoft.com/office/drawing/2014/main" id="{5792EEA4-478C-4549-9C47-6248FCA2472A}"/>
-                  </a:ext>
-                </a:extLst>
-              </p:cNvPr>
-              <p:cNvGrpSpPr/>
-              <p:nvPr/>
-            </p:nvGrpSpPr>
-            <p:grpSpPr>
-              <a:xfrm>
-                <a:off x="881090" y="937755"/>
-                <a:ext cx="8699070" cy="4841814"/>
-                <a:chOff x="73325" y="1052234"/>
-                <a:chExt cx="8699070" cy="4841814"/>
-              </a:xfrm>
-            </p:grpSpPr>
-            <p:sp>
-              <p:nvSpPr>
-                <p:cNvPr id="21" name="Strzałka: kolista 20">
-                  <a:extLst>
-                    <a:ext uri="{FF2B5EF4-FFF2-40B4-BE49-F238E27FC236}">
-                      <a16:creationId xmlns:a16="http://schemas.microsoft.com/office/drawing/2014/main" id="{BF61D56F-3E67-45C7-AEB4-267B863731D5}"/>
-                    </a:ext>
-                  </a:extLst>
-                </p:cNvPr>
-                <p:cNvSpPr/>
-                <p:nvPr/>
-              </p:nvSpPr>
-              <p:spPr>
-                <a:xfrm rot="19837530">
-                  <a:off x="3219102" y="1605390"/>
-                  <a:ext cx="3989259" cy="3506544"/>
-                </a:xfrm>
-                <a:prstGeom prst="circularArrow">
-                  <a:avLst>
-                    <a:gd name="adj1" fmla="val 17285"/>
-                    <a:gd name="adj2" fmla="val 817767"/>
-                    <a:gd name="adj3" fmla="val 20220068"/>
-                    <a:gd name="adj4" fmla="val 13674065"/>
-                    <a:gd name="adj5" fmla="val 13816"/>
-                  </a:avLst>
-                </a:prstGeom>
-                <a:ln>
-                  <a:noFill/>
-                </a:ln>
-              </p:spPr>
-              <p:style>
-                <a:lnRef idx="2">
-                  <a:schemeClr val="accent6"/>
-                </a:lnRef>
-                <a:fillRef idx="1">
-                  <a:schemeClr val="lt1"/>
-                </a:fillRef>
-                <a:effectRef idx="0">
-                  <a:schemeClr val="accent6"/>
-                </a:effectRef>
-                <a:fontRef idx="minor">
-                  <a:schemeClr val="dk1"/>
-                </a:fontRef>
-              </p:style>
-              <p:txBody>
-                <a:bodyPr rtlCol="0" anchor="ctr"/>
-                <a:lstStyle/>
-                <a:p>
-                  <a:pPr algn="ctr"/>
-                  <a:endParaRPr lang="pl-PL" dirty="0">
-                    <a:solidFill>
-                      <a:schemeClr val="tx1"/>
-                    </a:solidFill>
-                  </a:endParaRPr>
-                </a:p>
-              </p:txBody>
-            </p:sp>
-            <p:sp>
-              <p:nvSpPr>
-                <p:cNvPr id="22" name="Strzałka: kolista 21">
-                  <a:extLst>
-                    <a:ext uri="{FF2B5EF4-FFF2-40B4-BE49-F238E27FC236}">
-                      <a16:creationId xmlns:a16="http://schemas.microsoft.com/office/drawing/2014/main" id="{A31AB7C5-F4BD-47E7-897D-5B5237CED516}"/>
-                    </a:ext>
-                  </a:extLst>
-                </p:cNvPr>
-                <p:cNvSpPr/>
-                <p:nvPr/>
-              </p:nvSpPr>
-              <p:spPr>
-                <a:xfrm rot="10036440">
-                  <a:off x="3727731" y="2387504"/>
-                  <a:ext cx="3989259" cy="3506544"/>
-                </a:xfrm>
-                <a:prstGeom prst="circularArrow">
-                  <a:avLst>
-                    <a:gd name="adj1" fmla="val 17285"/>
-                    <a:gd name="adj2" fmla="val 817767"/>
-                    <a:gd name="adj3" fmla="val 20220068"/>
-                    <a:gd name="adj4" fmla="val 14902528"/>
-                    <a:gd name="adj5" fmla="val 13816"/>
-                  </a:avLst>
-                </a:prstGeom>
-                <a:ln>
-                  <a:noFill/>
-                </a:ln>
-              </p:spPr>
-              <p:style>
-                <a:lnRef idx="2">
-                  <a:schemeClr val="accent6"/>
-                </a:lnRef>
-                <a:fillRef idx="1">
-                  <a:schemeClr val="lt1"/>
-                </a:fillRef>
-                <a:effectRef idx="0">
-                  <a:schemeClr val="accent6"/>
-                </a:effectRef>
-                <a:fontRef idx="minor">
-                  <a:schemeClr val="dk1"/>
-                </a:fontRef>
-              </p:style>
-              <p:txBody>
-                <a:bodyPr rtlCol="0" anchor="ctr"/>
-                <a:lstStyle/>
-                <a:p>
-                  <a:pPr algn="ctr"/>
-                  <a:endParaRPr lang="pl-PL" dirty="0">
-                    <a:solidFill>
-                      <a:schemeClr val="tx1"/>
-                    </a:solidFill>
-                  </a:endParaRPr>
-                </a:p>
-              </p:txBody>
-            </p:sp>
-            <p:sp>
-              <p:nvSpPr>
-                <p:cNvPr id="23" name="Strzałka: kolista 22">
-                  <a:extLst>
-                    <a:ext uri="{FF2B5EF4-FFF2-40B4-BE49-F238E27FC236}">
-                      <a16:creationId xmlns:a16="http://schemas.microsoft.com/office/drawing/2014/main" id="{97B8FDEE-159F-4911-8A20-03F679E50BDA}"/>
-                    </a:ext>
-                  </a:extLst>
-                </p:cNvPr>
-                <p:cNvSpPr/>
-                <p:nvPr/>
-              </p:nvSpPr>
-              <p:spPr>
-                <a:xfrm rot="381463" flipV="1">
-                  <a:off x="73325" y="1052234"/>
-                  <a:ext cx="4285302" cy="3507415"/>
-                </a:xfrm>
-                <a:prstGeom prst="circularArrow">
-                  <a:avLst>
-                    <a:gd name="adj1" fmla="val 17285"/>
-                    <a:gd name="adj2" fmla="val 817767"/>
-                    <a:gd name="adj3" fmla="val 20220068"/>
-                    <a:gd name="adj4" fmla="val 15375350"/>
-                    <a:gd name="adj5" fmla="val 13816"/>
-                  </a:avLst>
-                </a:prstGeom>
-                <a:ln>
-                  <a:noFill/>
-                </a:ln>
-              </p:spPr>
-              <p:style>
-                <a:lnRef idx="2">
-                  <a:schemeClr val="accent6"/>
-                </a:lnRef>
-                <a:fillRef idx="1">
-                  <a:schemeClr val="lt1"/>
-                </a:fillRef>
-                <a:effectRef idx="0">
-                  <a:schemeClr val="accent6"/>
-                </a:effectRef>
-                <a:fontRef idx="minor">
-                  <a:schemeClr val="dk1"/>
-                </a:fontRef>
-              </p:style>
-              <p:txBody>
-                <a:bodyPr rtlCol="0" anchor="ctr"/>
-                <a:lstStyle/>
-                <a:p>
-                  <a:pPr algn="ctr"/>
-                  <a:endParaRPr lang="pl-PL" dirty="0">
-                    <a:solidFill>
-                      <a:schemeClr val="tx1"/>
-                    </a:solidFill>
-                  </a:endParaRPr>
-                </a:p>
-              </p:txBody>
-            </p:sp>
-            <p:pic>
-              <p:nvPicPr>
-                <p:cNvPr id="24" name="Grafika 23" descr="Strzałka: lekko zakrzywiona">
-                  <a:extLst>
-                    <a:ext uri="{FF2B5EF4-FFF2-40B4-BE49-F238E27FC236}">
-                      <a16:creationId xmlns:a16="http://schemas.microsoft.com/office/drawing/2014/main" id="{FCF2D6A2-1E02-4472-868D-8FFB35AAC919}"/>
-                    </a:ext>
-                  </a:extLst>
-                </p:cNvPr>
-                <p:cNvPicPr>
-                  <a:picLocks noChangeAspect="1"/>
-                </p:cNvPicPr>
-                <p:nvPr/>
-              </p:nvPicPr>
-              <p:blipFill>
-                <a:blip r:embed="rId6">
-                  <a:extLst>
-                    <a:ext uri="{28A0092B-C50C-407E-A947-70E740481C1C}">
-                      <a14:useLocalDpi xmlns:a14="http://schemas.microsoft.com/office/drawing/2010/main" val="0"/>
-                    </a:ext>
-                    <a:ext uri="{96DAC541-7B7A-43D3-8B79-37D633B846F1}">
-                      <asvg:svgBlip xmlns:asvg="http://schemas.microsoft.com/office/drawing/2016/SVG/main" r:embed="rId7"/>
-                    </a:ext>
-                  </a:extLst>
-                </a:blip>
-                <a:stretch>
-                  <a:fillRect/>
-                </a:stretch>
-              </p:blipFill>
-              <p:spPr>
-                <a:xfrm>
-                  <a:off x="5948920" y="2185122"/>
-                  <a:ext cx="2823475" cy="2823475"/>
-                </a:xfrm>
-                <a:prstGeom prst="rect">
-                  <a:avLst/>
-                </a:prstGeom>
-              </p:spPr>
-            </p:pic>
-          </p:grpSp>
-        </p:grpSp>
-      </p:grpSp>
-      <p:grpSp>
-        <p:nvGrpSpPr>
-          <p:cNvPr id="26" name="Grupa 25">
-            <a:extLst>
-              <a:ext uri="{FF2B5EF4-FFF2-40B4-BE49-F238E27FC236}">
-                <a16:creationId xmlns:a16="http://schemas.microsoft.com/office/drawing/2014/main" id="{0E0124E5-D63E-419B-91BB-173A25539046}"/>
-              </a:ext>
-            </a:extLst>
-          </p:cNvPr>
-          <p:cNvGrpSpPr/>
-          <p:nvPr/>
-        </p:nvGrpSpPr>
-        <p:grpSpPr>
-          <a:xfrm>
-            <a:off x="9447453" y="2251101"/>
-            <a:ext cx="2523997" cy="2453162"/>
-            <a:chOff x="861707" y="2858139"/>
-            <a:chExt cx="2523997" cy="2453162"/>
-          </a:xfrm>
-        </p:grpSpPr>
-        <p:grpSp>
-          <p:nvGrpSpPr>
-            <p:cNvPr id="27" name="Grupa 26">
-              <a:extLst>
-                <a:ext uri="{FF2B5EF4-FFF2-40B4-BE49-F238E27FC236}">
-                  <a16:creationId xmlns:a16="http://schemas.microsoft.com/office/drawing/2014/main" id="{39D6EF77-CCD6-4BEA-90BD-E9E3F07A449A}"/>
-                </a:ext>
-              </a:extLst>
-            </p:cNvPr>
-            <p:cNvGrpSpPr/>
-            <p:nvPr/>
-          </p:nvGrpSpPr>
-          <p:grpSpPr>
-            <a:xfrm>
-              <a:off x="882424" y="2974238"/>
-              <a:ext cx="2503280" cy="2337063"/>
-              <a:chOff x="901148" y="2166492"/>
-              <a:chExt cx="2503280" cy="2337063"/>
-            </a:xfrm>
-          </p:grpSpPr>
-          <p:pic>
-            <p:nvPicPr>
-              <p:cNvPr id="31" name="Grafika 30" descr="Koła zębate">
-                <a:extLst>
-                  <a:ext uri="{FF2B5EF4-FFF2-40B4-BE49-F238E27FC236}">
-                    <a16:creationId xmlns:a16="http://schemas.microsoft.com/office/drawing/2014/main" id="{177F32B4-75CC-427C-842A-5149E8E08450}"/>
-                  </a:ext>
-                </a:extLst>
-              </p:cNvPr>
-              <p:cNvPicPr>
-                <a:picLocks noChangeAspect="1"/>
-              </p:cNvPicPr>
-              <p:nvPr/>
-            </p:nvPicPr>
-            <p:blipFill>
-              <a:blip r:embed="rId8">
-                <a:extLst>
-                  <a:ext uri="{28A0092B-C50C-407E-A947-70E740481C1C}">
-                    <a14:useLocalDpi xmlns:a14="http://schemas.microsoft.com/office/drawing/2010/main" val="0"/>
-                  </a:ext>
-                  <a:ext uri="{96DAC541-7B7A-43D3-8B79-37D633B846F1}">
-                    <asvg:svgBlip xmlns:asvg="http://schemas.microsoft.com/office/drawing/2016/SVG/main" r:embed="rId9"/>
-                  </a:ext>
-                </a:extLst>
-              </a:blip>
-              <a:stretch>
-                <a:fillRect/>
-              </a:stretch>
-            </p:blipFill>
-            <p:spPr>
-              <a:xfrm>
-                <a:off x="1846386" y="2945513"/>
-                <a:ext cx="1558042" cy="1558042"/>
-              </a:xfrm>
-              <a:prstGeom prst="rect">
-                <a:avLst/>
-              </a:prstGeom>
-            </p:spPr>
-          </p:pic>
-          <p:pic>
-            <p:nvPicPr>
-              <p:cNvPr id="32" name="Grafika 31" descr="Pojedyncze koło zębate">
-                <a:extLst>
-                  <a:ext uri="{FF2B5EF4-FFF2-40B4-BE49-F238E27FC236}">
-                    <a16:creationId xmlns:a16="http://schemas.microsoft.com/office/drawing/2014/main" id="{30702EB1-E19E-4AE5-A952-6636AD536799}"/>
-                  </a:ext>
-                </a:extLst>
-              </p:cNvPr>
-              <p:cNvPicPr>
-                <a:picLocks noChangeAspect="1"/>
-              </p:cNvPicPr>
-              <p:nvPr/>
-            </p:nvPicPr>
-            <p:blipFill>
-              <a:blip r:embed="rId10">
-                <a:extLst>
-                  <a:ext uri="{28A0092B-C50C-407E-A947-70E740481C1C}">
-                    <a14:useLocalDpi xmlns:a14="http://schemas.microsoft.com/office/drawing/2010/main" val="0"/>
-                  </a:ext>
-                  <a:ext uri="{96DAC541-7B7A-43D3-8B79-37D633B846F1}">
-                    <asvg:svgBlip xmlns:asvg="http://schemas.microsoft.com/office/drawing/2016/SVG/main" r:embed="rId11"/>
-                  </a:ext>
-                </a:extLst>
-              </a:blip>
-              <a:stretch>
-                <a:fillRect/>
-              </a:stretch>
-            </p:blipFill>
-            <p:spPr>
-              <a:xfrm>
-                <a:off x="901148" y="2166492"/>
-                <a:ext cx="1558042" cy="1558042"/>
-              </a:xfrm>
-              <a:prstGeom prst="rect">
-                <a:avLst/>
-              </a:prstGeom>
-            </p:spPr>
-          </p:pic>
-        </p:grpSp>
-        <p:grpSp>
-          <p:nvGrpSpPr>
-            <p:cNvPr id="28" name="Grupa 27">
-              <a:extLst>
-                <a:ext uri="{FF2B5EF4-FFF2-40B4-BE49-F238E27FC236}">
-                  <a16:creationId xmlns:a16="http://schemas.microsoft.com/office/drawing/2014/main" id="{B5DB4A95-4C68-47E0-BBD1-BD1C2E9E51BE}"/>
-                </a:ext>
-              </a:extLst>
-            </p:cNvPr>
-            <p:cNvGrpSpPr/>
-            <p:nvPr/>
-          </p:nvGrpSpPr>
-          <p:grpSpPr>
-            <a:xfrm>
-              <a:off x="861707" y="2858139"/>
-              <a:ext cx="2503280" cy="2337063"/>
-              <a:chOff x="901148" y="2166492"/>
-              <a:chExt cx="2503280" cy="2337063"/>
-            </a:xfrm>
-            <a:solidFill>
-              <a:schemeClr val="bg1"/>
-            </a:solidFill>
-          </p:grpSpPr>
-          <p:pic>
-            <p:nvPicPr>
-              <p:cNvPr id="29" name="Grafika 28" descr="Koła zębate">
-                <a:extLst>
-                  <a:ext uri="{FF2B5EF4-FFF2-40B4-BE49-F238E27FC236}">
-                    <a16:creationId xmlns:a16="http://schemas.microsoft.com/office/drawing/2014/main" id="{3B486982-8948-4DAF-A0ED-298E7AD7EA02}"/>
-                  </a:ext>
-                </a:extLst>
-              </p:cNvPr>
-              <p:cNvPicPr>
-                <a:picLocks noChangeAspect="1"/>
-              </p:cNvPicPr>
-              <p:nvPr/>
-            </p:nvPicPr>
-            <p:blipFill>
-              <a:blip r:embed="rId12">
-                <a:extLst>
-                  <a:ext uri="{28A0092B-C50C-407E-A947-70E740481C1C}">
-                    <a14:useLocalDpi xmlns:a14="http://schemas.microsoft.com/office/drawing/2010/main" val="0"/>
-                  </a:ext>
-                  <a:ext uri="{96DAC541-7B7A-43D3-8B79-37D633B846F1}">
-                    <asvg:svgBlip xmlns:asvg="http://schemas.microsoft.com/office/drawing/2016/SVG/main" r:embed="rId13"/>
-                  </a:ext>
-                </a:extLst>
-              </a:blip>
-              <a:stretch>
-                <a:fillRect/>
-              </a:stretch>
-            </p:blipFill>
-            <p:spPr>
-              <a:xfrm>
-                <a:off x="1846386" y="2945513"/>
-                <a:ext cx="1558042" cy="1558042"/>
-              </a:xfrm>
-              <a:prstGeom prst="rect">
-                <a:avLst/>
-              </a:prstGeom>
-            </p:spPr>
-          </p:pic>
-          <p:pic>
-            <p:nvPicPr>
-              <p:cNvPr id="30" name="Grafika 29" descr="Pojedyncze koło zębate">
-                <a:extLst>
-                  <a:ext uri="{FF2B5EF4-FFF2-40B4-BE49-F238E27FC236}">
-                    <a16:creationId xmlns:a16="http://schemas.microsoft.com/office/drawing/2014/main" id="{4757B2F1-6FBB-4962-B040-D334BA3C67CD}"/>
-                  </a:ext>
-                </a:extLst>
-              </p:cNvPr>
-              <p:cNvPicPr>
-                <a:picLocks noChangeAspect="1"/>
-              </p:cNvPicPr>
-              <p:nvPr/>
-            </p:nvPicPr>
-            <p:blipFill>
-              <a:blip r:embed="rId14">
-                <a:extLst>
-                  <a:ext uri="{28A0092B-C50C-407E-A947-70E740481C1C}">
-                    <a14:useLocalDpi xmlns:a14="http://schemas.microsoft.com/office/drawing/2010/main" val="0"/>
-                  </a:ext>
-                  <a:ext uri="{96DAC541-7B7A-43D3-8B79-37D633B846F1}">
-                    <asvg:svgBlip xmlns:asvg="http://schemas.microsoft.com/office/drawing/2016/SVG/main" r:embed="rId15"/>
-                  </a:ext>
-                </a:extLst>
-              </a:blip>
-              <a:stretch>
-                <a:fillRect/>
-              </a:stretch>
-            </p:blipFill>
-            <p:spPr>
-              <a:xfrm>
-                <a:off x="901148" y="2166492"/>
-                <a:ext cx="1558042" cy="1558042"/>
-              </a:xfrm>
-              <a:prstGeom prst="rect">
-                <a:avLst/>
-              </a:prstGeom>
-            </p:spPr>
-          </p:pic>
-        </p:grpSp>
-      </p:grpSp>
-      <p:grpSp>
-        <p:nvGrpSpPr>
-          <p:cNvPr id="35" name="Grupa 34">
-            <a:extLst>
-              <a:ext uri="{FF2B5EF4-FFF2-40B4-BE49-F238E27FC236}">
-                <a16:creationId xmlns:a16="http://schemas.microsoft.com/office/drawing/2014/main" id="{ADF4632D-6F1A-4FF7-8E9E-3FE6935A48B7}"/>
-              </a:ext>
-            </a:extLst>
-          </p:cNvPr>
-          <p:cNvGrpSpPr/>
-          <p:nvPr/>
-        </p:nvGrpSpPr>
-        <p:grpSpPr>
-          <a:xfrm>
-            <a:off x="574211" y="1828650"/>
-            <a:ext cx="1196530" cy="512517"/>
-            <a:chOff x="626022" y="2084909"/>
-            <a:chExt cx="1196530" cy="512517"/>
-          </a:xfrm>
-        </p:grpSpPr>
-        <p:sp>
-          <p:nvSpPr>
-            <p:cNvPr id="33" name="Prostokąt: zaokrąglone rogi 32">
-              <a:extLst>
-                <a:ext uri="{FF2B5EF4-FFF2-40B4-BE49-F238E27FC236}">
-                  <a16:creationId xmlns:a16="http://schemas.microsoft.com/office/drawing/2014/main" id="{AC28E6EC-5C3E-4BBD-8776-B7EB71BD445F}"/>
-                </a:ext>
-              </a:extLst>
-            </p:cNvPr>
-            <p:cNvSpPr/>
-            <p:nvPr/>
-          </p:nvSpPr>
-          <p:spPr>
-            <a:xfrm>
-              <a:off x="675861" y="2143099"/>
-              <a:ext cx="1146691" cy="454327"/>
-            </a:xfrm>
-            <a:prstGeom prst="roundRect">
-              <a:avLst/>
-            </a:prstGeom>
-            <a:ln/>
-          </p:spPr>
-          <p:style>
-            <a:lnRef idx="2">
-              <a:schemeClr val="dk1">
-                <a:shade val="50000"/>
-              </a:schemeClr>
-            </a:lnRef>
-            <a:fillRef idx="1">
-              <a:schemeClr val="dk1"/>
-            </a:fillRef>
-            <a:effectRef idx="0">
-              <a:schemeClr val="dk1"/>
-            </a:effectRef>
-            <a:fontRef idx="minor">
-              <a:schemeClr val="lt1"/>
-            </a:fontRef>
-          </p:style>
-          <p:txBody>
-            <a:bodyPr rtlCol="0" anchor="ctr"/>
-            <a:lstStyle/>
-            <a:p>
-              <a:pPr algn="ctr"/>
-              <a:endParaRPr lang="pl-PL"/>
-            </a:p>
-          </p:txBody>
-        </p:sp>
-        <p:sp>
-          <p:nvSpPr>
-            <p:cNvPr id="34" name="Prostokąt: zaokrąglone rogi 33">
-              <a:extLst>
-                <a:ext uri="{FF2B5EF4-FFF2-40B4-BE49-F238E27FC236}">
-                  <a16:creationId xmlns:a16="http://schemas.microsoft.com/office/drawing/2014/main" id="{4C55121C-DFFE-489A-8DFA-0B3D73072F5A}"/>
-                </a:ext>
-              </a:extLst>
-            </p:cNvPr>
-            <p:cNvSpPr/>
-            <p:nvPr/>
-          </p:nvSpPr>
-          <p:spPr>
-            <a:xfrm>
-              <a:off x="626022" y="2084909"/>
-              <a:ext cx="1146691" cy="454327"/>
-            </a:xfrm>
-            <a:prstGeom prst="roundRect">
-              <a:avLst/>
-            </a:prstGeom>
-            <a:ln>
-              <a:noFill/>
-            </a:ln>
-          </p:spPr>
-          <p:style>
-            <a:lnRef idx="2">
-              <a:schemeClr val="accent6"/>
-            </a:lnRef>
-            <a:fillRef idx="1">
-              <a:schemeClr val="lt1"/>
-            </a:fillRef>
-            <a:effectRef idx="0">
-              <a:schemeClr val="accent6"/>
-            </a:effectRef>
-            <a:fontRef idx="minor">
-              <a:schemeClr val="dk1"/>
-            </a:fontRef>
-          </p:style>
-          <p:txBody>
-            <a:bodyPr rtlCol="0" anchor="ctr"/>
-            <a:lstStyle/>
-            <a:p>
-              <a:pPr algn="ctr"/>
-              <a:endParaRPr lang="pl-PL"/>
-            </a:p>
-          </p:txBody>
-        </p:sp>
-      </p:grpSp>
-      <p:grpSp>
-        <p:nvGrpSpPr>
-          <p:cNvPr id="36" name="Grupa 35">
-            <a:extLst>
-              <a:ext uri="{FF2B5EF4-FFF2-40B4-BE49-F238E27FC236}">
-                <a16:creationId xmlns:a16="http://schemas.microsoft.com/office/drawing/2014/main" id="{776B8FE4-F0A9-41DF-9830-33EF22AB4C48}"/>
-              </a:ext>
-            </a:extLst>
-          </p:cNvPr>
-          <p:cNvGrpSpPr/>
-          <p:nvPr/>
-        </p:nvGrpSpPr>
-        <p:grpSpPr>
-          <a:xfrm>
-            <a:off x="574211" y="4848092"/>
-            <a:ext cx="1196530" cy="512517"/>
-            <a:chOff x="626022" y="2084909"/>
-            <a:chExt cx="1196530" cy="512517"/>
-          </a:xfrm>
-        </p:grpSpPr>
-        <p:sp>
-          <p:nvSpPr>
-            <p:cNvPr id="37" name="Prostokąt: zaokrąglone rogi 36">
-              <a:extLst>
-                <a:ext uri="{FF2B5EF4-FFF2-40B4-BE49-F238E27FC236}">
-                  <a16:creationId xmlns:a16="http://schemas.microsoft.com/office/drawing/2014/main" id="{F23F96B6-943B-4EC6-A593-5B4F774DA923}"/>
-                </a:ext>
-              </a:extLst>
-            </p:cNvPr>
-            <p:cNvSpPr/>
-            <p:nvPr/>
-          </p:nvSpPr>
-          <p:spPr>
-            <a:xfrm>
-              <a:off x="675861" y="2143099"/>
-              <a:ext cx="1146691" cy="454327"/>
-            </a:xfrm>
-            <a:prstGeom prst="roundRect">
-              <a:avLst/>
-            </a:prstGeom>
-            <a:ln/>
-          </p:spPr>
-          <p:style>
-            <a:lnRef idx="2">
-              <a:schemeClr val="dk1">
-                <a:shade val="50000"/>
-              </a:schemeClr>
-            </a:lnRef>
-            <a:fillRef idx="1">
-              <a:schemeClr val="dk1"/>
-            </a:fillRef>
-            <a:effectRef idx="0">
-              <a:schemeClr val="dk1"/>
-            </a:effectRef>
-            <a:fontRef idx="minor">
-              <a:schemeClr val="lt1"/>
-            </a:fontRef>
-          </p:style>
-          <p:txBody>
-            <a:bodyPr rtlCol="0" anchor="ctr"/>
-            <a:lstStyle/>
-            <a:p>
-              <a:pPr algn="ctr"/>
-              <a:endParaRPr lang="pl-PL"/>
-            </a:p>
-          </p:txBody>
-        </p:sp>
-        <p:sp>
-          <p:nvSpPr>
-            <p:cNvPr id="38" name="Prostokąt: zaokrąglone rogi 37">
-              <a:extLst>
-                <a:ext uri="{FF2B5EF4-FFF2-40B4-BE49-F238E27FC236}">
-                  <a16:creationId xmlns:a16="http://schemas.microsoft.com/office/drawing/2014/main" id="{902D3FCE-F640-4747-8947-FB948518B0ED}"/>
-                </a:ext>
-              </a:extLst>
-            </p:cNvPr>
-            <p:cNvSpPr/>
-            <p:nvPr/>
-          </p:nvSpPr>
-          <p:spPr>
-            <a:xfrm>
-              <a:off x="626022" y="2084909"/>
-              <a:ext cx="1146691" cy="454327"/>
-            </a:xfrm>
-            <a:prstGeom prst="roundRect">
-              <a:avLst/>
-            </a:prstGeom>
-            <a:ln>
-              <a:noFill/>
-            </a:ln>
-          </p:spPr>
-          <p:style>
-            <a:lnRef idx="2">
-              <a:schemeClr val="accent6"/>
-            </a:lnRef>
-            <a:fillRef idx="1">
-              <a:schemeClr val="lt1"/>
-            </a:fillRef>
-            <a:effectRef idx="0">
-              <a:schemeClr val="accent6"/>
-            </a:effectRef>
-            <a:fontRef idx="minor">
-              <a:schemeClr val="dk1"/>
-            </a:fontRef>
-          </p:style>
-          <p:txBody>
-            <a:bodyPr rtlCol="0" anchor="ctr"/>
-            <a:lstStyle/>
-            <a:p>
-              <a:pPr algn="ctr"/>
-              <a:endParaRPr lang="pl-PL"/>
-            </a:p>
-          </p:txBody>
-        </p:sp>
-      </p:grpSp>
-      <p:grpSp>
-        <p:nvGrpSpPr>
-          <p:cNvPr id="39" name="Grupa 38">
-            <a:extLst>
-              <a:ext uri="{FF2B5EF4-FFF2-40B4-BE49-F238E27FC236}">
-                <a16:creationId xmlns:a16="http://schemas.microsoft.com/office/drawing/2014/main" id="{8CFADE1B-6127-4196-A5A2-657A8C10B703}"/>
-              </a:ext>
-            </a:extLst>
-          </p:cNvPr>
-          <p:cNvGrpSpPr/>
-          <p:nvPr/>
-        </p:nvGrpSpPr>
-        <p:grpSpPr>
-          <a:xfrm>
-            <a:off x="574211" y="2506088"/>
-            <a:ext cx="1196530" cy="512517"/>
-            <a:chOff x="626022" y="2084909"/>
-            <a:chExt cx="1196530" cy="512517"/>
-          </a:xfrm>
-        </p:grpSpPr>
-        <p:sp>
-          <p:nvSpPr>
-            <p:cNvPr id="40" name="Prostokąt: zaokrąglone rogi 39">
-              <a:extLst>
-                <a:ext uri="{FF2B5EF4-FFF2-40B4-BE49-F238E27FC236}">
-                  <a16:creationId xmlns:a16="http://schemas.microsoft.com/office/drawing/2014/main" id="{2AFD60D8-A15F-459B-AC5A-5B428E89D891}"/>
-                </a:ext>
-              </a:extLst>
-            </p:cNvPr>
-            <p:cNvSpPr/>
-            <p:nvPr/>
-          </p:nvSpPr>
-          <p:spPr>
-            <a:xfrm>
-              <a:off x="675861" y="2143099"/>
-              <a:ext cx="1146691" cy="454327"/>
-            </a:xfrm>
-            <a:prstGeom prst="roundRect">
-              <a:avLst/>
-            </a:prstGeom>
-            <a:ln/>
-          </p:spPr>
-          <p:style>
-            <a:lnRef idx="2">
-              <a:schemeClr val="dk1">
-                <a:shade val="50000"/>
-              </a:schemeClr>
-            </a:lnRef>
-            <a:fillRef idx="1">
-              <a:schemeClr val="dk1"/>
-            </a:fillRef>
-            <a:effectRef idx="0">
-              <a:schemeClr val="dk1"/>
-            </a:effectRef>
-            <a:fontRef idx="minor">
-              <a:schemeClr val="lt1"/>
-            </a:fontRef>
-          </p:style>
-          <p:txBody>
-            <a:bodyPr rtlCol="0" anchor="ctr"/>
-            <a:lstStyle/>
-            <a:p>
-              <a:pPr algn="ctr"/>
-              <a:endParaRPr lang="pl-PL"/>
-            </a:p>
-          </p:txBody>
-        </p:sp>
-        <p:sp>
-          <p:nvSpPr>
-            <p:cNvPr id="41" name="Prostokąt: zaokrąglone rogi 40">
-              <a:extLst>
-                <a:ext uri="{FF2B5EF4-FFF2-40B4-BE49-F238E27FC236}">
-                  <a16:creationId xmlns:a16="http://schemas.microsoft.com/office/drawing/2014/main" id="{14C5D276-FB4A-4E1F-A49A-29AF183DCDFB}"/>
-                </a:ext>
-              </a:extLst>
-            </p:cNvPr>
-            <p:cNvSpPr/>
-            <p:nvPr/>
-          </p:nvSpPr>
-          <p:spPr>
-            <a:xfrm>
-              <a:off x="626022" y="2084909"/>
-              <a:ext cx="1146691" cy="454327"/>
-            </a:xfrm>
-            <a:prstGeom prst="roundRect">
-              <a:avLst/>
-            </a:prstGeom>
-            <a:ln>
-              <a:noFill/>
-            </a:ln>
-          </p:spPr>
-          <p:style>
-            <a:lnRef idx="2">
-              <a:schemeClr val="accent6"/>
-            </a:lnRef>
-            <a:fillRef idx="1">
-              <a:schemeClr val="lt1"/>
-            </a:fillRef>
-            <a:effectRef idx="0">
-              <a:schemeClr val="accent6"/>
-            </a:effectRef>
-            <a:fontRef idx="minor">
-              <a:schemeClr val="dk1"/>
-            </a:fontRef>
-          </p:style>
-          <p:txBody>
-            <a:bodyPr rtlCol="0" anchor="ctr"/>
-            <a:lstStyle/>
-            <a:p>
-              <a:pPr algn="ctr"/>
-              <a:endParaRPr lang="pl-PL"/>
-            </a:p>
-          </p:txBody>
-        </p:sp>
-      </p:grpSp>
-      <p:grpSp>
-        <p:nvGrpSpPr>
-          <p:cNvPr id="42" name="Grupa 41">
-            <a:extLst>
-              <a:ext uri="{FF2B5EF4-FFF2-40B4-BE49-F238E27FC236}">
-                <a16:creationId xmlns:a16="http://schemas.microsoft.com/office/drawing/2014/main" id="{895D51EC-D193-40AF-9C56-06BF09A7BFA3}"/>
-              </a:ext>
-            </a:extLst>
-          </p:cNvPr>
-          <p:cNvGrpSpPr/>
-          <p:nvPr/>
-        </p:nvGrpSpPr>
-        <p:grpSpPr>
-          <a:xfrm>
-            <a:off x="1272651" y="3298167"/>
-            <a:ext cx="1196530" cy="512517"/>
-            <a:chOff x="626022" y="2084909"/>
-            <a:chExt cx="1196530" cy="512517"/>
-          </a:xfrm>
-        </p:grpSpPr>
-        <p:sp>
-          <p:nvSpPr>
-            <p:cNvPr id="43" name="Prostokąt: zaokrąglone rogi 42">
-              <a:extLst>
-                <a:ext uri="{FF2B5EF4-FFF2-40B4-BE49-F238E27FC236}">
-                  <a16:creationId xmlns:a16="http://schemas.microsoft.com/office/drawing/2014/main" id="{00DCDF0E-727D-4BF5-9DF5-D8BA48A388AD}"/>
-                </a:ext>
-              </a:extLst>
-            </p:cNvPr>
-            <p:cNvSpPr/>
-            <p:nvPr/>
-          </p:nvSpPr>
-          <p:spPr>
-            <a:xfrm>
-              <a:off x="675861" y="2143099"/>
-              <a:ext cx="1146691" cy="454327"/>
-            </a:xfrm>
-            <a:prstGeom prst="roundRect">
-              <a:avLst/>
-            </a:prstGeom>
-            <a:ln/>
-          </p:spPr>
-          <p:style>
-            <a:lnRef idx="2">
-              <a:schemeClr val="dk1">
-                <a:shade val="50000"/>
-              </a:schemeClr>
-            </a:lnRef>
-            <a:fillRef idx="1">
-              <a:schemeClr val="dk1"/>
-            </a:fillRef>
-            <a:effectRef idx="0">
-              <a:schemeClr val="dk1"/>
-            </a:effectRef>
-            <a:fontRef idx="minor">
-              <a:schemeClr val="lt1"/>
-            </a:fontRef>
-          </p:style>
-          <p:txBody>
-            <a:bodyPr rtlCol="0" anchor="ctr"/>
-            <a:lstStyle/>
-            <a:p>
-              <a:pPr algn="ctr"/>
-              <a:endParaRPr lang="pl-PL"/>
-            </a:p>
-          </p:txBody>
-        </p:sp>
-        <p:sp>
-          <p:nvSpPr>
-            <p:cNvPr id="44" name="Prostokąt: zaokrąglone rogi 43">
-              <a:extLst>
-                <a:ext uri="{FF2B5EF4-FFF2-40B4-BE49-F238E27FC236}">
-                  <a16:creationId xmlns:a16="http://schemas.microsoft.com/office/drawing/2014/main" id="{FD3B46F1-26CF-4D3B-8DBF-DB717B63D940}"/>
-                </a:ext>
-              </a:extLst>
-            </p:cNvPr>
-            <p:cNvSpPr/>
-            <p:nvPr/>
-          </p:nvSpPr>
-          <p:spPr>
-            <a:xfrm>
-              <a:off x="626022" y="2084909"/>
-              <a:ext cx="1146691" cy="454327"/>
-            </a:xfrm>
-            <a:prstGeom prst="roundRect">
-              <a:avLst/>
-            </a:prstGeom>
-            <a:ln>
-              <a:noFill/>
-            </a:ln>
-          </p:spPr>
-          <p:style>
-            <a:lnRef idx="2">
-              <a:schemeClr val="accent6"/>
-            </a:lnRef>
-            <a:fillRef idx="1">
-              <a:schemeClr val="lt1"/>
-            </a:fillRef>
-            <a:effectRef idx="0">
-              <a:schemeClr val="accent6"/>
-            </a:effectRef>
-            <a:fontRef idx="minor">
-              <a:schemeClr val="dk1"/>
-            </a:fontRef>
-          </p:style>
-          <p:txBody>
-            <a:bodyPr rtlCol="0" anchor="ctr"/>
-            <a:lstStyle/>
-            <a:p>
-              <a:pPr algn="ctr"/>
-              <a:endParaRPr lang="pl-PL"/>
-            </a:p>
-          </p:txBody>
-        </p:sp>
-      </p:grpSp>
-      <p:grpSp>
-        <p:nvGrpSpPr>
-          <p:cNvPr id="45" name="Grupa 44">
-            <a:extLst>
-              <a:ext uri="{FF2B5EF4-FFF2-40B4-BE49-F238E27FC236}">
-                <a16:creationId xmlns:a16="http://schemas.microsoft.com/office/drawing/2014/main" id="{298BB48C-5163-4C6A-8B83-64444EFB2793}"/>
-              </a:ext>
-            </a:extLst>
-          </p:cNvPr>
-          <p:cNvGrpSpPr/>
-          <p:nvPr/>
-        </p:nvGrpSpPr>
-        <p:grpSpPr>
-          <a:xfrm>
-            <a:off x="574211" y="4090246"/>
-            <a:ext cx="1196530" cy="512517"/>
-            <a:chOff x="626022" y="2084909"/>
-            <a:chExt cx="1196530" cy="512517"/>
-          </a:xfrm>
-        </p:grpSpPr>
-        <p:sp>
-          <p:nvSpPr>
-            <p:cNvPr id="46" name="Prostokąt: zaokrąglone rogi 45">
-              <a:extLst>
-                <a:ext uri="{FF2B5EF4-FFF2-40B4-BE49-F238E27FC236}">
-                  <a16:creationId xmlns:a16="http://schemas.microsoft.com/office/drawing/2014/main" id="{145F991F-79B2-4564-A75F-07474B0205B0}"/>
-                </a:ext>
-              </a:extLst>
-            </p:cNvPr>
-            <p:cNvSpPr/>
-            <p:nvPr/>
-          </p:nvSpPr>
-          <p:spPr>
-            <a:xfrm>
-              <a:off x="675861" y="2143099"/>
-              <a:ext cx="1146691" cy="454327"/>
-            </a:xfrm>
-            <a:prstGeom prst="roundRect">
-              <a:avLst/>
-            </a:prstGeom>
-            <a:ln/>
-          </p:spPr>
-          <p:style>
-            <a:lnRef idx="2">
-              <a:schemeClr val="dk1">
-                <a:shade val="50000"/>
-              </a:schemeClr>
-            </a:lnRef>
-            <a:fillRef idx="1">
-              <a:schemeClr val="dk1"/>
-            </a:fillRef>
-            <a:effectRef idx="0">
-              <a:schemeClr val="dk1"/>
-            </a:effectRef>
-            <a:fontRef idx="minor">
-              <a:schemeClr val="lt1"/>
-            </a:fontRef>
-          </p:style>
-          <p:txBody>
-            <a:bodyPr rtlCol="0" anchor="ctr"/>
-            <a:lstStyle/>
-            <a:p>
-              <a:pPr algn="ctr"/>
-              <a:endParaRPr lang="pl-PL"/>
-            </a:p>
-          </p:txBody>
-        </p:sp>
-        <p:sp>
-          <p:nvSpPr>
-            <p:cNvPr id="47" name="Prostokąt: zaokrąglone rogi 46">
-              <a:extLst>
-                <a:ext uri="{FF2B5EF4-FFF2-40B4-BE49-F238E27FC236}">
-                  <a16:creationId xmlns:a16="http://schemas.microsoft.com/office/drawing/2014/main" id="{BF0DB9B8-9D69-446E-B978-C039361DB19F}"/>
-                </a:ext>
-              </a:extLst>
-            </p:cNvPr>
-            <p:cNvSpPr/>
-            <p:nvPr/>
-          </p:nvSpPr>
-          <p:spPr>
-            <a:xfrm>
-              <a:off x="626022" y="2084909"/>
-              <a:ext cx="1146691" cy="454327"/>
-            </a:xfrm>
-            <a:prstGeom prst="roundRect">
-              <a:avLst/>
-            </a:prstGeom>
-            <a:ln>
-              <a:noFill/>
-            </a:ln>
-          </p:spPr>
-          <p:style>
-            <a:lnRef idx="2">
-              <a:schemeClr val="accent6"/>
-            </a:lnRef>
-            <a:fillRef idx="1">
-              <a:schemeClr val="lt1"/>
-            </a:fillRef>
-            <a:effectRef idx="0">
-              <a:schemeClr val="accent6"/>
-            </a:effectRef>
-            <a:fontRef idx="minor">
-              <a:schemeClr val="dk1"/>
-            </a:fontRef>
-          </p:style>
-          <p:txBody>
-            <a:bodyPr rtlCol="0" anchor="ctr"/>
-            <a:lstStyle/>
-            <a:p>
-              <a:pPr algn="ctr"/>
-              <a:endParaRPr lang="pl-PL"/>
-            </a:p>
-          </p:txBody>
-        </p:sp>
-      </p:grpSp>
-      <p:sp>
-        <p:nvSpPr>
-          <p:cNvPr id="48" name="Prostokąt 47">
-            <a:extLst>
-              <a:ext uri="{FF2B5EF4-FFF2-40B4-BE49-F238E27FC236}">
-                <a16:creationId xmlns:a16="http://schemas.microsoft.com/office/drawing/2014/main" id="{8F951DAA-A36D-48DE-8AEC-40985F34D0A5}"/>
-              </a:ext>
-            </a:extLst>
-          </p:cNvPr>
-          <p:cNvSpPr/>
-          <p:nvPr/>
-        </p:nvSpPr>
-        <p:spPr>
-          <a:xfrm>
-            <a:off x="168049" y="5708398"/>
-            <a:ext cx="2460515" cy="707886"/>
-          </a:xfrm>
-          <a:prstGeom prst="rect">
-            <a:avLst/>
-          </a:prstGeom>
-          <a:noFill/>
-        </p:spPr>
-        <p:txBody>
-          <a:bodyPr wrap="square" lIns="91440" tIns="45720" rIns="91440" bIns="45720">
-            <a:spAutoFit/>
-          </a:bodyPr>
-          <a:lstStyle/>
-          <a:p>
-            <a:pPr algn="ctr"/>
-            <a:r>
-              <a:rPr lang="pl-PL" sz="4000" b="1" dirty="0" err="1">
-                <a:ln w="10160">
-                  <a:solidFill>
-                    <a:schemeClr val="accent5"/>
-                  </a:solidFill>
-                  <a:prstDash val="solid"/>
-                </a:ln>
-                <a:solidFill>
-                  <a:srgbClr val="FFFFFF"/>
-                </a:solidFill>
-                <a:effectLst>
-                  <a:outerShdw blurRad="38100" dist="22860" dir="5400000" algn="tl" rotWithShape="0">
-                    <a:srgbClr val="000000">
-                      <a:alpha val="30000"/>
-                    </a:srgbClr>
-                  </a:outerShdw>
-                </a:effectLst>
-              </a:rPr>
-              <a:t>Backlog</a:t>
-            </a:r>
-            <a:endParaRPr lang="pl-PL" sz="4000" b="1" cap="none" spc="0" dirty="0">
-              <a:ln w="10160">
-                <a:solidFill>
-                  <a:schemeClr val="accent5"/>
-                </a:solidFill>
-                <a:prstDash val="solid"/>
-              </a:ln>
-              <a:solidFill>
-                <a:srgbClr val="FFFFFF"/>
-              </a:solidFill>
-              <a:effectLst>
-                <a:outerShdw blurRad="38100" dist="22860" dir="5400000" algn="tl" rotWithShape="0">
-                  <a:srgbClr val="000000">
-                    <a:alpha val="30000"/>
-                  </a:srgbClr>
-                </a:outerShdw>
-              </a:effectLst>
-            </a:endParaRPr>
-          </a:p>
-        </p:txBody>
-      </p:sp>
-      <p:grpSp>
-        <p:nvGrpSpPr>
-          <p:cNvPr id="52" name="Grupa 51">
-            <a:extLst>
-              <a:ext uri="{FF2B5EF4-FFF2-40B4-BE49-F238E27FC236}">
-                <a16:creationId xmlns:a16="http://schemas.microsoft.com/office/drawing/2014/main" id="{15CE7E15-488C-42DD-B721-0B1FDB0D21A0}"/>
-              </a:ext>
-            </a:extLst>
-          </p:cNvPr>
-          <p:cNvGrpSpPr/>
-          <p:nvPr/>
-        </p:nvGrpSpPr>
-        <p:grpSpPr>
-          <a:xfrm>
-            <a:off x="2576183" y="1565329"/>
-            <a:ext cx="170068" cy="4573148"/>
-            <a:chOff x="3015326" y="583457"/>
-            <a:chExt cx="480862" cy="1971789"/>
-          </a:xfrm>
-        </p:grpSpPr>
-        <p:sp>
-          <p:nvSpPr>
-            <p:cNvPr id="50" name="Prostokąt: zaokrąglone rogi 49">
-              <a:extLst>
-                <a:ext uri="{FF2B5EF4-FFF2-40B4-BE49-F238E27FC236}">
-                  <a16:creationId xmlns:a16="http://schemas.microsoft.com/office/drawing/2014/main" id="{4DE2BBEE-9C5C-4C64-8633-8DB8233B0437}"/>
-                </a:ext>
-              </a:extLst>
-            </p:cNvPr>
-            <p:cNvSpPr/>
-            <p:nvPr/>
-          </p:nvSpPr>
-          <p:spPr>
-            <a:xfrm rot="5400000">
-              <a:off x="2315229" y="1374287"/>
-              <a:ext cx="1930895" cy="431023"/>
-            </a:xfrm>
-            <a:prstGeom prst="roundRect">
-              <a:avLst/>
-            </a:prstGeom>
-            <a:ln/>
-          </p:spPr>
-          <p:style>
-            <a:lnRef idx="2">
-              <a:schemeClr val="dk1">
-                <a:shade val="50000"/>
-              </a:schemeClr>
-            </a:lnRef>
-            <a:fillRef idx="1">
-              <a:schemeClr val="dk1"/>
-            </a:fillRef>
-            <a:effectRef idx="0">
-              <a:schemeClr val="dk1"/>
-            </a:effectRef>
-            <a:fontRef idx="minor">
-              <a:schemeClr val="lt1"/>
-            </a:fontRef>
-          </p:style>
-          <p:txBody>
-            <a:bodyPr rtlCol="0" anchor="ctr"/>
-            <a:lstStyle/>
-            <a:p>
-              <a:pPr algn="ctr"/>
-              <a:endParaRPr lang="pl-PL"/>
-            </a:p>
-          </p:txBody>
-        </p:sp>
-        <p:sp>
-          <p:nvSpPr>
-            <p:cNvPr id="51" name="Prostokąt: zaokrąglone rogi 50">
-              <a:extLst>
-                <a:ext uri="{FF2B5EF4-FFF2-40B4-BE49-F238E27FC236}">
-                  <a16:creationId xmlns:a16="http://schemas.microsoft.com/office/drawing/2014/main" id="{1A83F949-267B-4450-ACC5-B122B596FA93}"/>
-                </a:ext>
-              </a:extLst>
-            </p:cNvPr>
-            <p:cNvSpPr/>
-            <p:nvPr/>
-          </p:nvSpPr>
-          <p:spPr>
-            <a:xfrm rot="5400000">
-              <a:off x="2265390" y="1333393"/>
-              <a:ext cx="1930895" cy="431023"/>
-            </a:xfrm>
-            <a:prstGeom prst="roundRect">
-              <a:avLst/>
-            </a:prstGeom>
-            <a:ln>
-              <a:noFill/>
-            </a:ln>
-          </p:spPr>
-          <p:style>
-            <a:lnRef idx="2">
-              <a:schemeClr val="accent6"/>
-            </a:lnRef>
-            <a:fillRef idx="1">
-              <a:schemeClr val="lt1"/>
-            </a:fillRef>
-            <a:effectRef idx="0">
-              <a:schemeClr val="accent6"/>
-            </a:effectRef>
-            <a:fontRef idx="minor">
-              <a:schemeClr val="dk1"/>
-            </a:fontRef>
-          </p:style>
-          <p:txBody>
-            <a:bodyPr rtlCol="0" anchor="ctr"/>
-            <a:lstStyle/>
-            <a:p>
-              <a:pPr algn="ctr"/>
-              <a:endParaRPr lang="pl-PL"/>
-            </a:p>
-          </p:txBody>
-        </p:sp>
-      </p:grpSp>
-      <p:sp>
-        <p:nvSpPr>
-          <p:cNvPr id="54" name="Prostokąt 53">
-            <a:extLst>
-              <a:ext uri="{FF2B5EF4-FFF2-40B4-BE49-F238E27FC236}">
-                <a16:creationId xmlns:a16="http://schemas.microsoft.com/office/drawing/2014/main" id="{02FA3D69-5CEA-448B-9C87-B1D6A23C1915}"/>
-              </a:ext>
-            </a:extLst>
-          </p:cNvPr>
-          <p:cNvSpPr/>
-          <p:nvPr/>
-        </p:nvSpPr>
-        <p:spPr>
-          <a:xfrm>
-            <a:off x="5135923" y="5638389"/>
-            <a:ext cx="2460515" cy="707886"/>
-          </a:xfrm>
-          <a:prstGeom prst="rect">
-            <a:avLst/>
-          </a:prstGeom>
-          <a:noFill/>
-        </p:spPr>
-        <p:txBody>
-          <a:bodyPr wrap="square" lIns="91440" tIns="45720" rIns="91440" bIns="45720">
-            <a:spAutoFit/>
-          </a:bodyPr>
-          <a:lstStyle/>
-          <a:p>
-            <a:pPr algn="ctr"/>
-            <a:r>
-              <a:rPr lang="pl-PL" sz="4000" b="1" dirty="0">
-                <a:ln w="10160">
-                  <a:solidFill>
-                    <a:schemeClr val="accent5"/>
-                  </a:solidFill>
-                  <a:prstDash val="solid"/>
-                </a:ln>
-                <a:solidFill>
-                  <a:srgbClr val="FFFFFF"/>
-                </a:solidFill>
-                <a:effectLst>
-                  <a:outerShdw blurRad="38100" dist="22860" dir="5400000" algn="tl" rotWithShape="0">
-                    <a:srgbClr val="000000">
-                      <a:alpha val="30000"/>
-                    </a:srgbClr>
-                  </a:outerShdw>
-                </a:effectLst>
-              </a:rPr>
-              <a:t>Sprint</a:t>
-            </a:r>
-            <a:endParaRPr lang="pl-PL" sz="4000" b="1" cap="none" spc="0" dirty="0">
-              <a:ln w="10160">
-                <a:solidFill>
-                  <a:schemeClr val="accent5"/>
-                </a:solidFill>
-                <a:prstDash val="solid"/>
-              </a:ln>
-              <a:solidFill>
-                <a:srgbClr val="FFFFFF"/>
-              </a:solidFill>
-              <a:effectLst>
-                <a:outerShdw blurRad="38100" dist="22860" dir="5400000" algn="tl" rotWithShape="0">
-                  <a:srgbClr val="000000">
-                    <a:alpha val="30000"/>
-                  </a:srgbClr>
-                </a:outerShdw>
-              </a:effectLst>
-            </a:endParaRPr>
-          </a:p>
-        </p:txBody>
-      </p:sp>
-      <p:sp>
-        <p:nvSpPr>
-          <p:cNvPr id="55" name="Prostokąt 54">
-            <a:extLst>
-              <a:ext uri="{FF2B5EF4-FFF2-40B4-BE49-F238E27FC236}">
-                <a16:creationId xmlns:a16="http://schemas.microsoft.com/office/drawing/2014/main" id="{A415DDD9-E35E-4133-AF5C-DB5A9E8193E8}"/>
-              </a:ext>
-            </a:extLst>
-          </p:cNvPr>
-          <p:cNvSpPr/>
-          <p:nvPr/>
-        </p:nvSpPr>
-        <p:spPr>
-          <a:xfrm>
-            <a:off x="9477845" y="5638389"/>
-            <a:ext cx="2460515" cy="707886"/>
-          </a:xfrm>
-          <a:prstGeom prst="rect">
-            <a:avLst/>
-          </a:prstGeom>
-          <a:noFill/>
-        </p:spPr>
-        <p:txBody>
-          <a:bodyPr wrap="square" lIns="91440" tIns="45720" rIns="91440" bIns="45720">
-            <a:spAutoFit/>
-          </a:bodyPr>
-          <a:lstStyle/>
-          <a:p>
-            <a:pPr algn="ctr"/>
-            <a:r>
-              <a:rPr lang="pl-PL" sz="4000" b="1" cap="none" spc="0" dirty="0" err="1">
-                <a:ln w="10160">
-                  <a:solidFill>
-                    <a:schemeClr val="accent5"/>
-                  </a:solidFill>
-                  <a:prstDash val="solid"/>
-                </a:ln>
-                <a:solidFill>
-                  <a:srgbClr val="FFFFFF"/>
-                </a:solidFill>
-                <a:effectLst>
-                  <a:outerShdw blurRad="38100" dist="22860" dir="5400000" algn="tl" rotWithShape="0">
-                    <a:srgbClr val="000000">
-                      <a:alpha val="30000"/>
-                    </a:srgbClr>
-                  </a:outerShdw>
-                </a:effectLst>
-              </a:rPr>
-              <a:t>Release</a:t>
-            </a:r>
-            <a:endParaRPr lang="pl-PL" sz="4000" b="1" cap="none" spc="0" dirty="0">
-              <a:ln w="10160">
-                <a:solidFill>
-                  <a:schemeClr val="accent5"/>
-                </a:solidFill>
-                <a:prstDash val="solid"/>
-              </a:ln>
-              <a:solidFill>
-                <a:srgbClr val="FFFFFF"/>
-              </a:solidFill>
-              <a:effectLst>
-                <a:outerShdw blurRad="38100" dist="22860" dir="5400000" algn="tl" rotWithShape="0">
-                  <a:srgbClr val="000000">
-                    <a:alpha val="30000"/>
-                  </a:srgbClr>
-                </a:outerShdw>
-              </a:effectLst>
-            </a:endParaRPr>
-          </a:p>
-        </p:txBody>
-      </p:sp>
-    </p:spTree>
-    <p:extLst>
-      <p:ext uri="{BB962C8B-B14F-4D97-AF65-F5344CB8AC3E}">
-        <p14:creationId xmlns:p14="http://schemas.microsoft.com/office/powerpoint/2010/main" val="601130617"/>
       </p:ext>
     </p:extLst>
   </p:cSld>
@@ -31212,7 +34177,7 @@
 </file>
 
 <file path=customXml/itemProps1.xml><?xml version="1.0" encoding="utf-8"?>
-<ds:datastoreItem xmlns:ds="http://schemas.openxmlformats.org/officeDocument/2006/customXml" ds:itemID="{6E6B17AD-F850-49E7-B468-742D096BC617}">
+<ds:datastoreItem xmlns:ds="http://schemas.openxmlformats.org/officeDocument/2006/customXml" ds:itemID="{5C041988-193D-4B77-ACD6-EA9C02078F14}">
   <ds:schemaRefs>
     <ds:schemaRef ds:uri="http://www.w3.org/2001/XMLSchema"/>
     <ds:schemaRef ds:uri="http://www.boldonjames.com/2008/01/sie/internal/label"/>
